--- a/documentation/dt_sikulix_bridge.pptx
+++ b/documentation/dt_sikulix_bridge.pptx
@@ -5,7 +5,7 @@
     <p:sldMasterId id="2147483648" r:id="rId1"/>
   </p:sldMasterIdLst>
   <p:notesMasterIdLst>
-    <p:notesMasterId r:id="rId20"/>
+    <p:notesMasterId r:id="rId18"/>
   </p:notesMasterIdLst>
   <p:sldIdLst>
     <p:sldId id="259" r:id="rId2"/>
@@ -13,19 +13,17 @@
     <p:sldId id="274" r:id="rId4"/>
     <p:sldId id="258" r:id="rId5"/>
     <p:sldId id="256" r:id="rId6"/>
-    <p:sldId id="260" r:id="rId7"/>
-    <p:sldId id="262" r:id="rId8"/>
-    <p:sldId id="261" r:id="rId9"/>
-    <p:sldId id="263" r:id="rId10"/>
-    <p:sldId id="264" r:id="rId11"/>
-    <p:sldId id="265" r:id="rId12"/>
-    <p:sldId id="266" r:id="rId13"/>
-    <p:sldId id="267" r:id="rId14"/>
-    <p:sldId id="268" r:id="rId15"/>
+    <p:sldId id="275" r:id="rId7"/>
+    <p:sldId id="276" r:id="rId8"/>
+    <p:sldId id="260" r:id="rId9"/>
+    <p:sldId id="262" r:id="rId10"/>
+    <p:sldId id="261" r:id="rId11"/>
+    <p:sldId id="263" r:id="rId12"/>
+    <p:sldId id="265" r:id="rId13"/>
+    <p:sldId id="266" r:id="rId14"/>
+    <p:sldId id="271" r:id="rId15"/>
     <p:sldId id="269" r:id="rId16"/>
     <p:sldId id="270" r:id="rId17"/>
-    <p:sldId id="272" r:id="rId18"/>
-    <p:sldId id="271" r:id="rId19"/>
   </p:sldIdLst>
   <p:sldSz cx="12192000" cy="6858000"/>
   <p:notesSz cx="6858000" cy="9144000"/>
@@ -214,7 +212,7 @@
           <a:p>
             <a:fld id="{A4761C98-4F3D-4D1D-A3DD-F7848427C078}" type="datetimeFigureOut">
               <a:rPr lang="en-US" smtClean="0"/>
-              <a:t>12/21/2021</a:t>
+              <a:t>12/31/2021</a:t>
             </a:fld>
             <a:endParaRPr lang="en-US"/>
           </a:p>
@@ -1897,7 +1895,7 @@
           <a:p>
             <a:fld id="{B04548AE-6E53-402B-8699-B7DEACF5B1AA}" type="datetimeFigureOut">
               <a:rPr lang="en-US" smtClean="0"/>
-              <a:t>12/21/2021</a:t>
+              <a:t>12/31/2021</a:t>
             </a:fld>
             <a:endParaRPr lang="en-US"/>
           </a:p>
@@ -2095,7 +2093,7 @@
           <a:p>
             <a:fld id="{B04548AE-6E53-402B-8699-B7DEACF5B1AA}" type="datetimeFigureOut">
               <a:rPr lang="en-US" smtClean="0"/>
-              <a:t>12/21/2021</a:t>
+              <a:t>12/31/2021</a:t>
             </a:fld>
             <a:endParaRPr lang="en-US"/>
           </a:p>
@@ -2303,7 +2301,7 @@
           <a:p>
             <a:fld id="{B04548AE-6E53-402B-8699-B7DEACF5B1AA}" type="datetimeFigureOut">
               <a:rPr lang="en-US" smtClean="0"/>
-              <a:t>12/21/2021</a:t>
+              <a:t>12/31/2021</a:t>
             </a:fld>
             <a:endParaRPr lang="en-US"/>
           </a:p>
@@ -2501,7 +2499,7 @@
           <a:p>
             <a:fld id="{B04548AE-6E53-402B-8699-B7DEACF5B1AA}" type="datetimeFigureOut">
               <a:rPr lang="en-US" smtClean="0"/>
-              <a:t>12/21/2021</a:t>
+              <a:t>12/31/2021</a:t>
             </a:fld>
             <a:endParaRPr lang="en-US"/>
           </a:p>
@@ -2776,7 +2774,7 @@
           <a:p>
             <a:fld id="{B04548AE-6E53-402B-8699-B7DEACF5B1AA}" type="datetimeFigureOut">
               <a:rPr lang="en-US" smtClean="0"/>
-              <a:t>12/21/2021</a:t>
+              <a:t>12/31/2021</a:t>
             </a:fld>
             <a:endParaRPr lang="en-US"/>
           </a:p>
@@ -3041,7 +3039,7 @@
           <a:p>
             <a:fld id="{B04548AE-6E53-402B-8699-B7DEACF5B1AA}" type="datetimeFigureOut">
               <a:rPr lang="en-US" smtClean="0"/>
-              <a:t>12/21/2021</a:t>
+              <a:t>12/31/2021</a:t>
             </a:fld>
             <a:endParaRPr lang="en-US"/>
           </a:p>
@@ -3453,7 +3451,7 @@
           <a:p>
             <a:fld id="{B04548AE-6E53-402B-8699-B7DEACF5B1AA}" type="datetimeFigureOut">
               <a:rPr lang="en-US" smtClean="0"/>
-              <a:t>12/21/2021</a:t>
+              <a:t>12/31/2021</a:t>
             </a:fld>
             <a:endParaRPr lang="en-US"/>
           </a:p>
@@ -3594,7 +3592,7 @@
           <a:p>
             <a:fld id="{B04548AE-6E53-402B-8699-B7DEACF5B1AA}" type="datetimeFigureOut">
               <a:rPr lang="en-US" smtClean="0"/>
-              <a:t>12/21/2021</a:t>
+              <a:t>12/31/2021</a:t>
             </a:fld>
             <a:endParaRPr lang="en-US"/>
           </a:p>
@@ -3707,7 +3705,7 @@
           <a:p>
             <a:fld id="{B04548AE-6E53-402B-8699-B7DEACF5B1AA}" type="datetimeFigureOut">
               <a:rPr lang="en-US" smtClean="0"/>
-              <a:t>12/21/2021</a:t>
+              <a:t>12/31/2021</a:t>
             </a:fld>
             <a:endParaRPr lang="en-US"/>
           </a:p>
@@ -4018,7 +4016,7 @@
           <a:p>
             <a:fld id="{B04548AE-6E53-402B-8699-B7DEACF5B1AA}" type="datetimeFigureOut">
               <a:rPr lang="en-US" smtClean="0"/>
-              <a:t>12/21/2021</a:t>
+              <a:t>12/31/2021</a:t>
             </a:fld>
             <a:endParaRPr lang="en-US"/>
           </a:p>
@@ -4306,7 +4304,7 @@
           <a:p>
             <a:fld id="{B04548AE-6E53-402B-8699-B7DEACF5B1AA}" type="datetimeFigureOut">
               <a:rPr lang="en-US" smtClean="0"/>
-              <a:t>12/21/2021</a:t>
+              <a:t>12/31/2021</a:t>
             </a:fld>
             <a:endParaRPr lang="en-US"/>
           </a:p>
@@ -4547,7 +4545,7 @@
           <a:p>
             <a:fld id="{B04548AE-6E53-402B-8699-B7DEACF5B1AA}" type="datetimeFigureOut">
               <a:rPr lang="en-US" smtClean="0"/>
-              <a:t>12/21/2021</a:t>
+              <a:t>12/31/2021</a:t>
             </a:fld>
             <a:endParaRPr lang="en-US"/>
           </a:p>
@@ -5049,7 +5047,7 @@
           <a:noFill/>
           <a:extLst>
             <a:ext uri="{909E8E84-426E-40dd-AFC4-6F175D3DCCD1}">
-              <a14:hiddenFill xmlns:a14="http://schemas.microsoft.com/office/drawing/2010/main" xmlns="">
+              <a14:hiddenFill xmlns="" xmlns:a14="http://schemas.microsoft.com/office/drawing/2010/main">
                 <a:solidFill>
                   <a:srgbClr val="FFFFFF"/>
                 </a:solidFill>
@@ -5233,7 +5231,7 @@
           <a:noFill/>
           <a:extLst>
             <a:ext uri="{909E8E84-426E-40dd-AFC4-6F175D3DCCD1}">
-              <a14:hiddenFill xmlns:a14="http://schemas.microsoft.com/office/drawing/2010/main" xmlns="">
+              <a14:hiddenFill xmlns="" xmlns:a14="http://schemas.microsoft.com/office/drawing/2010/main">
                 <a:solidFill>
                   <a:srgbClr val="FFFFFF"/>
                 </a:solidFill>
@@ -5626,7 +5624,7 @@
           <a:noFill/>
           <a:extLst>
             <a:ext uri="{909E8E84-426E-40dd-AFC4-6F175D3DCCD1}">
-              <a14:hiddenFill xmlns:a14="http://schemas.microsoft.com/office/drawing/2010/main" xmlns="">
+              <a14:hiddenFill xmlns="" xmlns:a14="http://schemas.microsoft.com/office/drawing/2010/main">
                 <a:solidFill>
                   <a:srgbClr val="FFFFFF"/>
                 </a:solidFill>
@@ -6019,7 +6017,7 @@
           <a:noFill/>
           <a:extLst>
             <a:ext uri="{909E8E84-426E-40dd-AFC4-6F175D3DCCD1}">
-              <a14:hiddenFill xmlns:a14="http://schemas.microsoft.com/office/drawing/2010/main" xmlns="">
+              <a14:hiddenFill xmlns="" xmlns:a14="http://schemas.microsoft.com/office/drawing/2010/main">
                 <a:solidFill>
                   <a:srgbClr val="FFFFFF"/>
                 </a:solidFill>
@@ -7463,8 +7461,8 @@
         </p:nvSpPr>
         <p:spPr>
           <a:xfrm>
-            <a:off x="8762278" y="3471741"/>
-            <a:ext cx="3366328" cy="3046988"/>
+            <a:off x="7940117" y="3471741"/>
+            <a:ext cx="4188489" cy="2862322"/>
           </a:xfrm>
           <a:prstGeom prst="rect">
             <a:avLst/>
@@ -7547,6 +7545,14 @@
             </a:r>
             <a:r>
               <a:rPr lang="fr-FR" sz="1200" dirty="0" err="1"/>
+              <a:t>asynchronously</a:t>
+            </a:r>
+            <a:r>
+              <a:rPr lang="fr-FR" sz="1200" dirty="0"/>
+              <a:t> </a:t>
+            </a:r>
+            <a:r>
+              <a:rPr lang="fr-FR" sz="1200" dirty="0" err="1"/>
               <a:t>later</a:t>
             </a:r>
             <a:r>
@@ -7662,10 +7668,6 @@
               <a:buChar char="-"/>
             </a:pPr>
             <a:r>
-              <a:rPr lang="fr-FR" sz="1200" dirty="0"/>
-              <a:t>- </a:t>
-            </a:r>
-            <a:r>
               <a:rPr lang="fr-FR" sz="1200" dirty="0" err="1"/>
               <a:t>Third</a:t>
             </a:r>
@@ -7733,7 +7735,15 @@
             </a:r>
             <a:r>
               <a:rPr lang="fr-FR" sz="1200" dirty="0"/>
-              <a:t> session</a:t>
+              <a:t> session </a:t>
+            </a:r>
+            <a:r>
+              <a:rPr lang="fr-FR" sz="1200" dirty="0" err="1"/>
+              <a:t>through</a:t>
+            </a:r>
+            <a:r>
+              <a:rPr lang="fr-FR" sz="1200" dirty="0"/>
+              <a:t> VNC</a:t>
             </a:r>
           </a:p>
           <a:p>
@@ -8220,7 +8230,7 @@
           <a:noFill/>
           <a:extLst>
             <a:ext uri="{909E8E84-426E-40dd-AFC4-6F175D3DCCD1}">
-              <a14:hiddenFill xmlns:a14="http://schemas.microsoft.com/office/drawing/2010/main" xmlns="">
+              <a14:hiddenFill xmlns="" xmlns:a14="http://schemas.microsoft.com/office/drawing/2010/main">
                 <a:solidFill>
                   <a:srgbClr val="FFFFFF"/>
                 </a:solidFill>
@@ -8515,21 +8525,6 @@
               <a:rPr lang="fr-FR" dirty="0"/>
               <a:t> scripts</a:t>
             </a:r>
-            <a:br>
-              <a:rPr lang="fr-FR" dirty="0"/>
-            </a:br>
-            <a:r>
-              <a:rPr lang="fr-FR" sz="3600" b="1" dirty="0"/>
-              <a:t>(</a:t>
-            </a:r>
-            <a:r>
-              <a:rPr lang="fr-FR" sz="3600" b="1" dirty="0" err="1"/>
-              <a:t>optional</a:t>
-            </a:r>
-            <a:r>
-              <a:rPr lang="fr-FR" sz="3600" b="1" dirty="0"/>
-              <a:t>)</a:t>
-            </a:r>
             <a:endParaRPr lang="en-US" dirty="0"/>
           </a:p>
         </p:txBody>
@@ -8553,7 +8548,7 @@
         <p:spPr>
           <a:xfrm>
             <a:off x="838200" y="1869989"/>
-            <a:ext cx="10515600" cy="4860325"/>
+            <a:ext cx="10515600" cy="4394887"/>
           </a:xfrm>
           <a:solidFill>
             <a:schemeClr val="tx1">
@@ -8574,87 +8569,12 @@
             <a:r>
               <a:rPr lang="en-US" sz="2400" b="0" dirty="0">
                 <a:solidFill>
-                  <a:srgbClr val="C586C0"/>
-                </a:solidFill>
-                <a:effectLst/>
-                <a:latin typeface="Consolas" panose="020B0609020204030204" pitchFamily="49" charset="0"/>
-              </a:rPr>
-              <a:t>if</a:t>
-            </a:r>
-            <a:r>
-              <a:rPr lang="en-US" sz="2400" b="0" dirty="0">
-                <a:solidFill>
-                  <a:srgbClr val="D4D4D4"/>
-                </a:solidFill>
-                <a:effectLst/>
-                <a:latin typeface="Consolas" panose="020B0609020204030204" pitchFamily="49" charset="0"/>
-              </a:rPr>
-              <a:t> </a:t>
-            </a:r>
-            <a:r>
-              <a:rPr lang="en-US" sz="2400" b="0" dirty="0">
-                <a:solidFill>
-                  <a:srgbClr val="9CDCFE"/>
-                </a:solidFill>
-                <a:effectLst/>
-                <a:latin typeface="Consolas" panose="020B0609020204030204" pitchFamily="49" charset="0"/>
-              </a:rPr>
-              <a:t>__name__</a:t>
-            </a:r>
-            <a:r>
-              <a:rPr lang="en-US" sz="2400" b="0" dirty="0">
-                <a:solidFill>
-                  <a:srgbClr val="D4D4D4"/>
-                </a:solidFill>
-                <a:effectLst/>
-                <a:latin typeface="Consolas" panose="020B0609020204030204" pitchFamily="49" charset="0"/>
-              </a:rPr>
-              <a:t> == </a:t>
-            </a:r>
-            <a:r>
-              <a:rPr lang="en-US" sz="2400" b="0" dirty="0">
-                <a:solidFill>
-                  <a:srgbClr val="CE9178"/>
-                </a:solidFill>
-                <a:effectLst/>
-                <a:latin typeface="Consolas" panose="020B0609020204030204" pitchFamily="49" charset="0"/>
-              </a:rPr>
-              <a:t>'__main__'</a:t>
-            </a:r>
-            <a:r>
-              <a:rPr lang="en-US" sz="2400" b="0" dirty="0">
-                <a:solidFill>
-                  <a:srgbClr val="D4D4D4"/>
-                </a:solidFill>
-                <a:effectLst/>
-                <a:latin typeface="Consolas" panose="020B0609020204030204" pitchFamily="49" charset="0"/>
-              </a:rPr>
-              <a:t>:</a:t>
-            </a:r>
-          </a:p>
-          <a:p>
-            <a:pPr marL="0" indent="0">
-              <a:buNone/>
-            </a:pPr>
-            <a:r>
-              <a:rPr lang="en-US" sz="2400" b="0" dirty="0">
-                <a:solidFill>
-                  <a:srgbClr val="D4D4D4"/>
-                </a:solidFill>
-                <a:effectLst/>
-                <a:latin typeface="Consolas" panose="020B0609020204030204" pitchFamily="49" charset="0"/>
-              </a:rPr>
-              <a:t>   </a:t>
-            </a:r>
-            <a:r>
-              <a:rPr lang="en-US" sz="2400" b="0" dirty="0">
-                <a:solidFill>
                   <a:srgbClr val="6A9955"/>
                 </a:solidFill>
                 <a:effectLst/>
                 <a:latin typeface="Consolas" panose="020B0609020204030204" pitchFamily="49" charset="0"/>
               </a:rPr>
-              <a:t># build a list of passed parameters </a:t>
+              <a:t># add DT timer decorator to each step</a:t>
             </a:r>
             <a:endParaRPr lang="en-US" sz="2400" b="0" dirty="0">
               <a:solidFill>
@@ -8671,65 +8591,311 @@
             <a:r>
               <a:rPr lang="en-US" sz="2400" b="1" dirty="0">
                 <a:solidFill>
+                  <a:srgbClr val="DCDCAA"/>
+                </a:solidFill>
+                <a:effectLst/>
+                <a:latin typeface="Consolas" panose="020B0609020204030204" pitchFamily="49" charset="0"/>
+              </a:rPr>
+              <a:t>@dt_get_timings</a:t>
+            </a:r>
+            <a:endParaRPr lang="en-US" sz="2400" b="1" dirty="0">
+              <a:solidFill>
+                <a:srgbClr val="D4D4D4"/>
+              </a:solidFill>
+              <a:effectLst/>
+              <a:latin typeface="Consolas" panose="020B0609020204030204" pitchFamily="49" charset="0"/>
+            </a:endParaRPr>
+          </a:p>
+          <a:p>
+            <a:pPr marL="0" indent="0">
+              <a:buNone/>
+            </a:pPr>
+            <a:r>
+              <a:rPr lang="en-US" sz="2400" b="0" dirty="0">
+                <a:solidFill>
+                  <a:srgbClr val="569CD6"/>
+                </a:solidFill>
+                <a:effectLst/>
+                <a:latin typeface="Consolas" panose="020B0609020204030204" pitchFamily="49" charset="0"/>
+              </a:rPr>
+              <a:t>def</a:t>
+            </a:r>
+            <a:r>
+              <a:rPr lang="en-US" sz="2400" b="0" dirty="0">
+                <a:solidFill>
                   <a:srgbClr val="D4D4D4"/>
                 </a:solidFill>
                 <a:effectLst/>
                 <a:latin typeface="Consolas" panose="020B0609020204030204" pitchFamily="49" charset="0"/>
               </a:rPr>
-              <a:t>   </a:t>
-            </a:r>
-            <a:r>
-              <a:rPr lang="en-US" sz="2400" b="1" dirty="0" err="1">
-                <a:solidFill>
-                  <a:srgbClr val="9CDCFE"/>
-                </a:solidFill>
-                <a:effectLst/>
-                <a:latin typeface="Consolas" panose="020B0609020204030204" pitchFamily="49" charset="0"/>
-              </a:rPr>
-              <a:t>args</a:t>
-            </a:r>
-            <a:r>
-              <a:rPr lang="en-US" sz="2400" b="1" dirty="0">
+              <a:t> </a:t>
+            </a:r>
+            <a:r>
+              <a:rPr lang="en-US" sz="2400" dirty="0" err="1">
+                <a:solidFill>
+                  <a:srgbClr val="DCDCAA"/>
+                </a:solidFill>
+                <a:latin typeface="Consolas" panose="020B0609020204030204" pitchFamily="49" charset="0"/>
+              </a:rPr>
+              <a:t>my_first_step</a:t>
+            </a:r>
+            <a:r>
+              <a:rPr lang="en-US" sz="2400" b="0" dirty="0">
                 <a:solidFill>
                   <a:srgbClr val="D4D4D4"/>
                 </a:solidFill>
                 <a:effectLst/>
                 <a:latin typeface="Consolas" panose="020B0609020204030204" pitchFamily="49" charset="0"/>
               </a:rPr>
-              <a:t>=</a:t>
-            </a:r>
-            <a:r>
-              <a:rPr lang="en-US" sz="2400" b="1" dirty="0" err="1">
+              <a:t>(</a:t>
+            </a:r>
+            <a:r>
+              <a:rPr lang="en-US" sz="2400" dirty="0">
                 <a:solidFill>
                   <a:srgbClr val="D4D4D4"/>
                 </a:solidFill>
                 <a:effectLst/>
                 <a:latin typeface="Consolas" panose="020B0609020204030204" pitchFamily="49" charset="0"/>
               </a:rPr>
-              <a:t>dt_get_args</a:t>
-            </a:r>
-            <a:r>
-              <a:rPr lang="en-US" sz="2400" b="1" dirty="0">
+              <a:t>param</a:t>
+            </a:r>
+            <a:r>
+              <a:rPr lang="en-US" sz="2400" b="0" dirty="0">
                 <a:solidFill>
                   <a:srgbClr val="D4D4D4"/>
                 </a:solidFill>
                 <a:effectLst/>
                 <a:latin typeface="Consolas" panose="020B0609020204030204" pitchFamily="49" charset="0"/>
               </a:rPr>
+              <a:t>):</a:t>
+            </a:r>
+          </a:p>
+          <a:p>
+            <a:pPr marL="0" indent="0">
+              <a:buNone/>
+            </a:pPr>
+            <a:r>
+              <a:rPr lang="en-US" sz="2400" b="0" dirty="0">
+                <a:solidFill>
+                  <a:srgbClr val="D4D4D4"/>
+                </a:solidFill>
+                <a:effectLst/>
+                <a:latin typeface="Consolas" panose="020B0609020204030204" pitchFamily="49" charset="0"/>
+              </a:rPr>
+              <a:t>    click(</a:t>
+            </a:r>
+            <a:r>
+              <a:rPr lang="en-US" sz="2400" b="0" dirty="0">
+                <a:solidFill>
+                  <a:srgbClr val="CE9178"/>
+                </a:solidFill>
+                <a:effectLst/>
+                <a:latin typeface="Consolas" panose="020B0609020204030204" pitchFamily="49" charset="0"/>
+              </a:rPr>
+              <a:t>"some_image.png"</a:t>
+            </a:r>
+            <a:r>
+              <a:rPr lang="en-US" sz="2400" b="0" dirty="0">
+                <a:solidFill>
+                  <a:srgbClr val="D4D4D4"/>
+                </a:solidFill>
+                <a:effectLst/>
+                <a:latin typeface="Consolas" panose="020B0609020204030204" pitchFamily="49" charset="0"/>
+              </a:rPr>
+              <a:t>)</a:t>
+            </a:r>
+          </a:p>
+          <a:p>
+            <a:pPr marL="0" indent="0">
+              <a:buNone/>
+            </a:pPr>
+            <a:r>
+              <a:rPr lang="en-US" sz="2400" b="0" dirty="0">
+                <a:solidFill>
+                  <a:srgbClr val="D4D4D4"/>
+                </a:solidFill>
+                <a:effectLst/>
+                <a:latin typeface="Consolas" panose="020B0609020204030204" pitchFamily="49" charset="0"/>
+              </a:rPr>
+              <a:t>    </a:t>
+            </a:r>
+            <a:r>
+              <a:rPr lang="en-US" sz="2400" b="0" dirty="0">
+                <a:solidFill>
+                  <a:srgbClr val="C586C0"/>
+                </a:solidFill>
+                <a:effectLst/>
+                <a:latin typeface="Consolas" panose="020B0609020204030204" pitchFamily="49" charset="0"/>
+              </a:rPr>
+              <a:t>if</a:t>
+            </a:r>
+            <a:r>
+              <a:rPr lang="en-US" sz="2400" b="0" dirty="0">
+                <a:solidFill>
+                  <a:srgbClr val="D4D4D4"/>
+                </a:solidFill>
+                <a:effectLst/>
+                <a:latin typeface="Consolas" panose="020B0609020204030204" pitchFamily="49" charset="0"/>
+              </a:rPr>
+              <a:t>(find(</a:t>
+            </a:r>
+            <a:r>
+              <a:rPr lang="en-US" sz="2400" b="0" dirty="0">
+                <a:solidFill>
+                  <a:srgbClr val="CE9178"/>
+                </a:solidFill>
+                <a:effectLst/>
+                <a:latin typeface="Consolas" panose="020B0609020204030204" pitchFamily="49" charset="0"/>
+              </a:rPr>
+              <a:t>"expected_result.png"</a:t>
+            </a:r>
+            <a:r>
+              <a:rPr lang="en-US" sz="2400" b="0" dirty="0">
+                <a:solidFill>
+                  <a:srgbClr val="D4D4D4"/>
+                </a:solidFill>
+                <a:effectLst/>
+                <a:latin typeface="Consolas" panose="020B0609020204030204" pitchFamily="49" charset="0"/>
+              </a:rPr>
+              <a:t>)):</a:t>
+            </a:r>
+          </a:p>
+          <a:p>
+            <a:pPr marL="0" indent="0">
+              <a:buNone/>
+            </a:pPr>
+            <a:r>
+              <a:rPr lang="en-US" sz="2400" b="0" dirty="0">
+                <a:solidFill>
+                  <a:srgbClr val="D4D4D4"/>
+                </a:solidFill>
+                <a:effectLst/>
+                <a:latin typeface="Consolas" panose="020B0609020204030204" pitchFamily="49" charset="0"/>
+              </a:rPr>
+              <a:t>        </a:t>
+            </a:r>
+            <a:r>
+              <a:rPr lang="en-US" sz="2400" b="0" dirty="0">
+                <a:solidFill>
+                  <a:srgbClr val="DCDCAA"/>
+                </a:solidFill>
+                <a:effectLst/>
+                <a:latin typeface="Consolas" panose="020B0609020204030204" pitchFamily="49" charset="0"/>
+              </a:rPr>
+              <a:t>type</a:t>
+            </a:r>
+            <a:r>
+              <a:rPr lang="en-US" sz="2400" b="0" dirty="0">
+                <a:solidFill>
+                  <a:srgbClr val="D4D4D4"/>
+                </a:solidFill>
+                <a:effectLst/>
+                <a:latin typeface="Consolas" panose="020B0609020204030204" pitchFamily="49" charset="0"/>
+              </a:rPr>
               <a:t>(</a:t>
             </a:r>
             <a:r>
-              <a:rPr lang="en-US" sz="2400" b="1" dirty="0" err="1">
+              <a:rPr lang="en-US" sz="2400" dirty="0">
                 <a:solidFill>
                   <a:srgbClr val="D4D4D4"/>
                 </a:solidFill>
                 <a:effectLst/>
                 <a:latin typeface="Consolas" panose="020B0609020204030204" pitchFamily="49" charset="0"/>
               </a:rPr>
-              <a:t>sys.argv</a:t>
-            </a:r>
-            <a:r>
-              <a:rPr lang="en-US" sz="2400" b="1" dirty="0">
+              <a:t>param</a:t>
+            </a:r>
+            <a:r>
+              <a:rPr lang="en-US" sz="2400" b="0" dirty="0">
+                <a:solidFill>
+                  <a:srgbClr val="D4D4D4"/>
+                </a:solidFill>
+                <a:effectLst/>
+                <a:latin typeface="Consolas" panose="020B0609020204030204" pitchFamily="49" charset="0"/>
+              </a:rPr>
+              <a:t>)</a:t>
+            </a:r>
+          </a:p>
+          <a:p>
+            <a:pPr marL="0" indent="0">
+              <a:buNone/>
+            </a:pPr>
+            <a:r>
+              <a:rPr lang="en-US" sz="2400" b="0" dirty="0">
+                <a:solidFill>
+                  <a:srgbClr val="D4D4D4"/>
+                </a:solidFill>
+                <a:effectLst/>
+                <a:latin typeface="Consolas" panose="020B0609020204030204" pitchFamily="49" charset="0"/>
+              </a:rPr>
+              <a:t>    </a:t>
+            </a:r>
+            <a:r>
+              <a:rPr lang="en-US" sz="2400" b="0" dirty="0">
+                <a:solidFill>
+                  <a:srgbClr val="C586C0"/>
+                </a:solidFill>
+                <a:effectLst/>
+                <a:latin typeface="Consolas" panose="020B0609020204030204" pitchFamily="49" charset="0"/>
+              </a:rPr>
+              <a:t>else</a:t>
+            </a:r>
+            <a:r>
+              <a:rPr lang="en-US" sz="2400" b="0" dirty="0">
+                <a:solidFill>
+                  <a:srgbClr val="D4D4D4"/>
+                </a:solidFill>
+                <a:effectLst/>
+                <a:latin typeface="Consolas" panose="020B0609020204030204" pitchFamily="49" charset="0"/>
+              </a:rPr>
+              <a:t>:</a:t>
+            </a:r>
+          </a:p>
+          <a:p>
+            <a:pPr marL="0" indent="0">
+              <a:buNone/>
+            </a:pPr>
+            <a:r>
+              <a:rPr lang="en-US" sz="2400" b="0" dirty="0">
+                <a:solidFill>
+                  <a:srgbClr val="D4D4D4"/>
+                </a:solidFill>
+                <a:effectLst/>
+                <a:latin typeface="Consolas" panose="020B0609020204030204" pitchFamily="49" charset="0"/>
+              </a:rPr>
+              <a:t>        </a:t>
+            </a:r>
+            <a:r>
+              <a:rPr lang="en-US" sz="2400" b="0" dirty="0">
+                <a:solidFill>
+                  <a:srgbClr val="DCDCAA"/>
+                </a:solidFill>
+                <a:effectLst/>
+                <a:latin typeface="Consolas" panose="020B0609020204030204" pitchFamily="49" charset="0"/>
+              </a:rPr>
+              <a:t>print</a:t>
+            </a:r>
+            <a:r>
+              <a:rPr lang="en-US" sz="2400" b="0" dirty="0">
+                <a:solidFill>
+                  <a:srgbClr val="D4D4D4"/>
+                </a:solidFill>
+                <a:effectLst/>
+                <a:latin typeface="Consolas" panose="020B0609020204030204" pitchFamily="49" charset="0"/>
+              </a:rPr>
+              <a:t>(</a:t>
+            </a:r>
+            <a:r>
+              <a:rPr lang="en-US" sz="2400" b="0" dirty="0">
+                <a:solidFill>
+                  <a:srgbClr val="CE9178"/>
+                </a:solidFill>
+                <a:effectLst/>
+                <a:latin typeface="Consolas" panose="020B0609020204030204" pitchFamily="49" charset="0"/>
+              </a:rPr>
+              <a:t>"Error"</a:t>
+            </a:r>
+            <a:r>
+              <a:rPr lang="en-US" sz="2400" b="0" dirty="0">
                 <a:solidFill>
                   <a:srgbClr val="D4D4D4"/>
                 </a:solidFill>
@@ -8756,7 +8922,7 @@
     </p:spTree>
     <p:extLst>
       <p:ext uri="{BB962C8B-B14F-4D97-AF65-F5344CB8AC3E}">
-        <p14:creationId xmlns:p14="http://schemas.microsoft.com/office/powerpoint/2010/main" val="796956983"/>
+        <p14:creationId xmlns:p14="http://schemas.microsoft.com/office/powerpoint/2010/main" val="736185799"/>
       </p:ext>
     </p:extLst>
   </p:cSld>
@@ -8824,21 +8990,6 @@
               <a:rPr lang="fr-FR" dirty="0"/>
               <a:t> scripts</a:t>
             </a:r>
-            <a:br>
-              <a:rPr lang="fr-FR" dirty="0"/>
-            </a:br>
-            <a:r>
-              <a:rPr lang="fr-FR" sz="3600" b="1" dirty="0"/>
-              <a:t>(</a:t>
-            </a:r>
-            <a:r>
-              <a:rPr lang="fr-FR" sz="3600" b="1" dirty="0" err="1"/>
-              <a:t>optional</a:t>
-            </a:r>
-            <a:r>
-              <a:rPr lang="fr-FR" sz="3600" b="1" dirty="0"/>
-              <a:t>)</a:t>
-            </a:r>
             <a:endParaRPr lang="en-US" dirty="0"/>
           </a:p>
         </p:txBody>
@@ -8862,7 +9013,7 @@
         <p:spPr>
           <a:xfrm>
             <a:off x="838200" y="1869989"/>
-            <a:ext cx="10515600" cy="4860325"/>
+            <a:ext cx="10515600" cy="3241589"/>
           </a:xfrm>
           <a:solidFill>
             <a:schemeClr val="tx1">
@@ -8883,87 +9034,12 @@
             <a:r>
               <a:rPr lang="en-US" sz="2400" b="0" dirty="0">
                 <a:solidFill>
-                  <a:srgbClr val="C586C0"/>
-                </a:solidFill>
-                <a:effectLst/>
-                <a:latin typeface="Consolas" panose="020B0609020204030204" pitchFamily="49" charset="0"/>
-              </a:rPr>
-              <a:t>if</a:t>
-            </a:r>
-            <a:r>
-              <a:rPr lang="en-US" sz="2400" b="0" dirty="0">
-                <a:solidFill>
-                  <a:srgbClr val="D4D4D4"/>
-                </a:solidFill>
-                <a:effectLst/>
-                <a:latin typeface="Consolas" panose="020B0609020204030204" pitchFamily="49" charset="0"/>
-              </a:rPr>
-              <a:t> </a:t>
-            </a:r>
-            <a:r>
-              <a:rPr lang="en-US" sz="2400" b="0" dirty="0">
-                <a:solidFill>
-                  <a:srgbClr val="9CDCFE"/>
-                </a:solidFill>
-                <a:effectLst/>
-                <a:latin typeface="Consolas" panose="020B0609020204030204" pitchFamily="49" charset="0"/>
-              </a:rPr>
-              <a:t>__name__</a:t>
-            </a:r>
-            <a:r>
-              <a:rPr lang="en-US" sz="2400" b="0" dirty="0">
-                <a:solidFill>
-                  <a:srgbClr val="D4D4D4"/>
-                </a:solidFill>
-                <a:effectLst/>
-                <a:latin typeface="Consolas" panose="020B0609020204030204" pitchFamily="49" charset="0"/>
-              </a:rPr>
-              <a:t> == </a:t>
-            </a:r>
-            <a:r>
-              <a:rPr lang="en-US" sz="2400" b="0" dirty="0">
-                <a:solidFill>
-                  <a:srgbClr val="CE9178"/>
-                </a:solidFill>
-                <a:effectLst/>
-                <a:latin typeface="Consolas" panose="020B0609020204030204" pitchFamily="49" charset="0"/>
-              </a:rPr>
-              <a:t>'__main__'</a:t>
-            </a:r>
-            <a:r>
-              <a:rPr lang="en-US" sz="2400" b="0" dirty="0">
-                <a:solidFill>
-                  <a:srgbClr val="D4D4D4"/>
-                </a:solidFill>
-                <a:effectLst/>
-                <a:latin typeface="Consolas" panose="020B0609020204030204" pitchFamily="49" charset="0"/>
-              </a:rPr>
-              <a:t>:</a:t>
-            </a:r>
-          </a:p>
-          <a:p>
-            <a:pPr marL="0" indent="0">
-              <a:buNone/>
-            </a:pPr>
-            <a:r>
-              <a:rPr lang="en-US" sz="2400" b="0" dirty="0">
-                <a:solidFill>
-                  <a:srgbClr val="D4D4D4"/>
-                </a:solidFill>
-                <a:effectLst/>
-                <a:latin typeface="Consolas" panose="020B0609020204030204" pitchFamily="49" charset="0"/>
-              </a:rPr>
-              <a:t>   </a:t>
-            </a:r>
-            <a:r>
-              <a:rPr lang="en-US" sz="2400" b="0" dirty="0">
-                <a:solidFill>
                   <a:srgbClr val="6A9955"/>
                 </a:solidFill>
                 <a:effectLst/>
                 <a:latin typeface="Consolas" panose="020B0609020204030204" pitchFamily="49" charset="0"/>
               </a:rPr>
-              <a:t># build a list of passed parameters </a:t>
+              <a:t># start your script from a main function</a:t>
             </a:r>
             <a:endParaRPr lang="en-US" sz="2400" b="0" dirty="0">
               <a:solidFill>
@@ -8978,87 +9054,120 @@
               <a:buNone/>
             </a:pPr>
             <a:r>
-              <a:rPr lang="en-US" sz="2400" dirty="0">
+              <a:rPr lang="en-US" sz="2400" b="1" dirty="0">
+                <a:solidFill>
+                  <a:srgbClr val="C586C0"/>
+                </a:solidFill>
+                <a:effectLst/>
+                <a:latin typeface="Consolas" panose="020B0609020204030204" pitchFamily="49" charset="0"/>
+              </a:rPr>
+              <a:t>if</a:t>
+            </a:r>
+            <a:r>
+              <a:rPr lang="en-US" sz="2400" b="1" dirty="0">
                 <a:solidFill>
                   <a:srgbClr val="D4D4D4"/>
                 </a:solidFill>
                 <a:effectLst/>
                 <a:latin typeface="Consolas" panose="020B0609020204030204" pitchFamily="49" charset="0"/>
               </a:rPr>
-              <a:t>   </a:t>
-            </a:r>
-            <a:r>
-              <a:rPr lang="en-US" sz="2400" dirty="0" err="1">
+              <a:t> </a:t>
+            </a:r>
+            <a:r>
+              <a:rPr lang="en-US" sz="2400" b="1" dirty="0">
                 <a:solidFill>
                   <a:srgbClr val="9CDCFE"/>
                 </a:solidFill>
                 <a:effectLst/>
                 <a:latin typeface="Consolas" panose="020B0609020204030204" pitchFamily="49" charset="0"/>
               </a:rPr>
-              <a:t>args</a:t>
-            </a:r>
-            <a:r>
-              <a:rPr lang="en-US" sz="2400" dirty="0">
+              <a:t>__name__</a:t>
+            </a:r>
+            <a:r>
+              <a:rPr lang="en-US" sz="2400" b="1" dirty="0">
                 <a:solidFill>
                   <a:srgbClr val="D4D4D4"/>
                 </a:solidFill>
                 <a:effectLst/>
                 <a:latin typeface="Consolas" panose="020B0609020204030204" pitchFamily="49" charset="0"/>
               </a:rPr>
-              <a:t>=</a:t>
-            </a:r>
-            <a:r>
-              <a:rPr lang="en-US" sz="2400" dirty="0" err="1">
+              <a:t> == </a:t>
+            </a:r>
+            <a:r>
+              <a:rPr lang="en-US" sz="2400" b="1" dirty="0">
+                <a:solidFill>
+                  <a:srgbClr val="CE9178"/>
+                </a:solidFill>
+                <a:effectLst/>
+                <a:latin typeface="Consolas" panose="020B0609020204030204" pitchFamily="49" charset="0"/>
+              </a:rPr>
+              <a:t>'__main__'</a:t>
+            </a:r>
+            <a:r>
+              <a:rPr lang="en-US" sz="2400" b="1" dirty="0">
                 <a:solidFill>
                   <a:srgbClr val="D4D4D4"/>
                 </a:solidFill>
                 <a:effectLst/>
                 <a:latin typeface="Consolas" panose="020B0609020204030204" pitchFamily="49" charset="0"/>
               </a:rPr>
-              <a:t>dt_get_args</a:t>
-            </a:r>
-            <a:r>
-              <a:rPr lang="en-US" sz="2400" dirty="0">
-                <a:solidFill>
-                  <a:srgbClr val="D4D4D4"/>
-                </a:solidFill>
-                <a:effectLst/>
-                <a:latin typeface="Consolas" panose="020B0609020204030204" pitchFamily="49" charset="0"/>
-              </a:rPr>
-              <a:t>(</a:t>
-            </a:r>
-            <a:r>
-              <a:rPr lang="en-US" sz="2400" dirty="0" err="1">
-                <a:solidFill>
-                  <a:srgbClr val="D4D4D4"/>
-                </a:solidFill>
-                <a:effectLst/>
-                <a:latin typeface="Consolas" panose="020B0609020204030204" pitchFamily="49" charset="0"/>
-              </a:rPr>
-              <a:t>sys.argv</a:t>
-            </a:r>
-            <a:r>
-              <a:rPr lang="en-US" sz="2400" dirty="0">
-                <a:solidFill>
-                  <a:srgbClr val="D4D4D4"/>
-                </a:solidFill>
-                <a:effectLst/>
-                <a:latin typeface="Consolas" panose="020B0609020204030204" pitchFamily="49" charset="0"/>
-              </a:rPr>
-              <a:t>)</a:t>
+              <a:t>:</a:t>
             </a:r>
           </a:p>
           <a:p>
             <a:pPr marL="0" indent="0">
               <a:buNone/>
             </a:pPr>
-            <a:endParaRPr lang="en-US" sz="2400" dirty="0">
-              <a:solidFill>
-                <a:srgbClr val="D4D4D4"/>
-              </a:solidFill>
-              <a:effectLst/>
-              <a:latin typeface="Consolas" panose="020B0609020204030204" pitchFamily="49" charset="0"/>
-            </a:endParaRPr>
+            <a:r>
+              <a:rPr lang="en-US" sz="2400" b="0" dirty="0">
+                <a:solidFill>
+                  <a:srgbClr val="D4D4D4"/>
+                </a:solidFill>
+                <a:effectLst/>
+                <a:latin typeface="Consolas" panose="020B0609020204030204" pitchFamily="49" charset="0"/>
+              </a:rPr>
+              <a:t>   </a:t>
+            </a:r>
+            <a:r>
+              <a:rPr lang="en-US" sz="2400" b="0" dirty="0" err="1">
+                <a:solidFill>
+                  <a:srgbClr val="D4D4D4"/>
+                </a:solidFill>
+                <a:effectLst/>
+                <a:latin typeface="Consolas" panose="020B0609020204030204" pitchFamily="49" charset="0"/>
+              </a:rPr>
+              <a:t>my_first_step</a:t>
+            </a:r>
+            <a:r>
+              <a:rPr lang="en-US" sz="2400" b="0" dirty="0">
+                <a:solidFill>
+                  <a:srgbClr val="D4D4D4"/>
+                </a:solidFill>
+                <a:effectLst/>
+                <a:latin typeface="Consolas" panose="020B0609020204030204" pitchFamily="49" charset="0"/>
+              </a:rPr>
+              <a:t>(</a:t>
+            </a:r>
+            <a:r>
+              <a:rPr lang="en-US" sz="2400" b="0" dirty="0">
+                <a:solidFill>
+                  <a:srgbClr val="CE9178"/>
+                </a:solidFill>
+                <a:effectLst/>
+                <a:latin typeface="Consolas" panose="020B0609020204030204" pitchFamily="49" charset="0"/>
+              </a:rPr>
+              <a:t>"some value"</a:t>
+            </a:r>
+            <a:r>
+              <a:rPr lang="en-US" sz="2400" b="0" dirty="0">
+                <a:solidFill>
+                  <a:srgbClr val="D4D4D4"/>
+                </a:solidFill>
+                <a:effectLst/>
+                <a:latin typeface="Consolas" panose="020B0609020204030204" pitchFamily="49" charset="0"/>
+              </a:rPr>
+              <a:t>)</a:t>
+            </a:r>
           </a:p>
           <a:p>
             <a:pPr marL="0" indent="0">
@@ -9075,29 +9184,31 @@
               <a:t>   </a:t>
             </a:r>
             <a:r>
+              <a:rPr lang="en-US" sz="2400" dirty="0" err="1">
+                <a:solidFill>
+                  <a:srgbClr val="DCDCAA"/>
+                </a:solidFill>
+                <a:latin typeface="Consolas" panose="020B0609020204030204" pitchFamily="49" charset="0"/>
+              </a:rPr>
+              <a:t>my_second_step</a:t>
+            </a:r>
+            <a:r>
               <a:rPr lang="en-US" sz="2400" b="0" dirty="0">
                 <a:solidFill>
-                  <a:srgbClr val="6A9955"/>
-                </a:solidFill>
-                <a:effectLst/>
-                <a:latin typeface="Consolas" panose="020B0609020204030204" pitchFamily="49" charset="0"/>
-              </a:rPr>
-              <a:t># that you can use as arguments for your steps </a:t>
-            </a:r>
-            <a:endParaRPr lang="en-US" sz="2400" b="0" dirty="0">
-              <a:solidFill>
-                <a:srgbClr val="D4D4D4"/>
-              </a:solidFill>
-              <a:effectLst/>
-              <a:latin typeface="Consolas" panose="020B0609020204030204" pitchFamily="49" charset="0"/>
-            </a:endParaRPr>
+                  <a:srgbClr val="D4D4D4"/>
+                </a:solidFill>
+                <a:effectLst/>
+                <a:latin typeface="Consolas" panose="020B0609020204030204" pitchFamily="49" charset="0"/>
+              </a:rPr>
+              <a:t>()   </a:t>
+            </a:r>
           </a:p>
           <a:p>
             <a:pPr marL="0" indent="0">
               <a:buNone/>
             </a:pPr>
             <a:r>
-              <a:rPr lang="en-US" sz="2400" b="1" dirty="0">
+              <a:rPr lang="en-US" sz="2400" b="0" dirty="0">
                 <a:solidFill>
                   <a:srgbClr val="D4D4D4"/>
                 </a:solidFill>
@@ -9107,104 +9218,24 @@
               <a:t>   </a:t>
             </a:r>
             <a:r>
-              <a:rPr lang="en-US" sz="2400" b="1" dirty="0">
-                <a:solidFill>
-                  <a:srgbClr val="C586C0"/>
-                </a:solidFill>
-                <a:effectLst/>
-                <a:latin typeface="Consolas" panose="020B0609020204030204" pitchFamily="49" charset="0"/>
-              </a:rPr>
-              <a:t>if</a:t>
-            </a:r>
-            <a:r>
-              <a:rPr lang="en-US" sz="2400" b="1" dirty="0">
+              <a:rPr lang="en-US" sz="2400" b="0" dirty="0" err="1">
                 <a:solidFill>
                   <a:srgbClr val="D4D4D4"/>
                 </a:solidFill>
                 <a:effectLst/>
                 <a:latin typeface="Consolas" panose="020B0609020204030204" pitchFamily="49" charset="0"/>
               </a:rPr>
-              <a:t> </a:t>
-            </a:r>
-            <a:r>
-              <a:rPr lang="en-US" sz="2400" b="1" dirty="0">
-                <a:solidFill>
-                  <a:srgbClr val="CE9178"/>
-                </a:solidFill>
-                <a:effectLst/>
-                <a:latin typeface="Consolas" panose="020B0609020204030204" pitchFamily="49" charset="0"/>
-              </a:rPr>
-              <a:t>'</a:t>
-            </a:r>
-            <a:r>
-              <a:rPr lang="en-US" sz="2400" b="1" dirty="0" err="1">
-                <a:solidFill>
-                  <a:srgbClr val="CE9178"/>
-                </a:solidFill>
-                <a:effectLst/>
-                <a:latin typeface="Consolas" panose="020B0609020204030204" pitchFamily="49" charset="0"/>
-              </a:rPr>
-              <a:t>my_param</a:t>
-            </a:r>
-            <a:r>
-              <a:rPr lang="en-US" sz="2400" b="1" dirty="0">
-                <a:solidFill>
-                  <a:srgbClr val="CE9178"/>
-                </a:solidFill>
-                <a:effectLst/>
-                <a:latin typeface="Consolas" panose="020B0609020204030204" pitchFamily="49" charset="0"/>
-              </a:rPr>
-              <a:t>'</a:t>
-            </a:r>
-            <a:r>
-              <a:rPr lang="en-US" sz="2400" b="1" dirty="0">
+              <a:t>my_third_step</a:t>
+            </a:r>
+            <a:r>
+              <a:rPr lang="en-US" sz="2400" b="0" dirty="0">
                 <a:solidFill>
                   <a:srgbClr val="D4D4D4"/>
                 </a:solidFill>
                 <a:effectLst/>
                 <a:latin typeface="Consolas" panose="020B0609020204030204" pitchFamily="49" charset="0"/>
               </a:rPr>
-              <a:t> </a:t>
-            </a:r>
-            <a:r>
-              <a:rPr lang="en-US" sz="2400" b="1" dirty="0">
-                <a:solidFill>
-                  <a:srgbClr val="569CD6"/>
-                </a:solidFill>
-                <a:effectLst/>
-                <a:latin typeface="Consolas" panose="020B0609020204030204" pitchFamily="49" charset="0"/>
-              </a:rPr>
-              <a:t>in</a:t>
-            </a:r>
-            <a:r>
-              <a:rPr lang="en-US" sz="2400" b="1" dirty="0">
-                <a:solidFill>
-                  <a:srgbClr val="D4D4D4"/>
-                </a:solidFill>
-                <a:effectLst/>
-                <a:latin typeface="Consolas" panose="020B0609020204030204" pitchFamily="49" charset="0"/>
-              </a:rPr>
-              <a:t> </a:t>
-            </a:r>
-            <a:r>
-              <a:rPr lang="en-US" sz="2400" b="1" dirty="0" err="1">
-                <a:solidFill>
-                  <a:srgbClr val="9CDCFE"/>
-                </a:solidFill>
-                <a:effectLst/>
-                <a:latin typeface="Consolas" panose="020B0609020204030204" pitchFamily="49" charset="0"/>
-              </a:rPr>
-              <a:t>args</a:t>
-            </a:r>
-            <a:r>
-              <a:rPr lang="en-US" sz="2400" b="1" dirty="0">
-                <a:solidFill>
-                  <a:srgbClr val="D4D4D4"/>
-                </a:solidFill>
-                <a:effectLst/>
-                <a:latin typeface="Consolas" panose="020B0609020204030204" pitchFamily="49" charset="0"/>
-              </a:rPr>
-              <a:t>:</a:t>
+              <a:t>()</a:t>
             </a:r>
           </a:p>
           <a:p>
@@ -9219,7 +9250,7 @@
                 <a:effectLst/>
                 <a:latin typeface="Consolas" panose="020B0609020204030204" pitchFamily="49" charset="0"/>
               </a:rPr>
-              <a:t>       </a:t>
+              <a:t>   </a:t>
             </a:r>
             <a:r>
               <a:rPr lang="en-US" sz="2400" b="0" dirty="0" err="1">
@@ -9229,7 +9260,7 @@
                 <a:effectLst/>
                 <a:latin typeface="Consolas" panose="020B0609020204030204" pitchFamily="49" charset="0"/>
               </a:rPr>
-              <a:t>my_third_step</a:t>
+              <a:t>my_last_step</a:t>
             </a:r>
             <a:r>
               <a:rPr lang="en-US" sz="2400" b="0" dirty="0">
@@ -9239,157 +9270,7 @@
                 <a:effectLst/>
                 <a:latin typeface="Consolas" panose="020B0609020204030204" pitchFamily="49" charset="0"/>
               </a:rPr>
-              <a:t>(</a:t>
-            </a:r>
-            <a:r>
-              <a:rPr lang="en-US" sz="2400" b="0" dirty="0" err="1">
-                <a:solidFill>
-                  <a:srgbClr val="9CDCFE"/>
-                </a:solidFill>
-                <a:effectLst/>
-                <a:latin typeface="Consolas" panose="020B0609020204030204" pitchFamily="49" charset="0"/>
-              </a:rPr>
-              <a:t>args</a:t>
-            </a:r>
-            <a:r>
-              <a:rPr lang="en-US" sz="2400" b="0" dirty="0">
-                <a:solidFill>
-                  <a:srgbClr val="D4D4D4"/>
-                </a:solidFill>
-                <a:effectLst/>
-                <a:latin typeface="Consolas" panose="020B0609020204030204" pitchFamily="49" charset="0"/>
-              </a:rPr>
-              <a:t>[</a:t>
-            </a:r>
-            <a:r>
-              <a:rPr lang="en-US" sz="2400" b="0" dirty="0">
-                <a:solidFill>
-                  <a:srgbClr val="CE9178"/>
-                </a:solidFill>
-                <a:effectLst/>
-                <a:latin typeface="Consolas" panose="020B0609020204030204" pitchFamily="49" charset="0"/>
-              </a:rPr>
-              <a:t>'</a:t>
-            </a:r>
-            <a:r>
-              <a:rPr lang="en-US" sz="2400" b="0" dirty="0" err="1">
-                <a:solidFill>
-                  <a:srgbClr val="CE9178"/>
-                </a:solidFill>
-                <a:effectLst/>
-                <a:latin typeface="Consolas" panose="020B0609020204030204" pitchFamily="49" charset="0"/>
-              </a:rPr>
-              <a:t>my_param</a:t>
-            </a:r>
-            <a:r>
-              <a:rPr lang="en-US" sz="2400" b="0" dirty="0">
-                <a:solidFill>
-                  <a:srgbClr val="CE9178"/>
-                </a:solidFill>
-                <a:effectLst/>
-                <a:latin typeface="Consolas" panose="020B0609020204030204" pitchFamily="49" charset="0"/>
-              </a:rPr>
-              <a:t>'</a:t>
-            </a:r>
-            <a:r>
-              <a:rPr lang="en-US" sz="2400" b="0" dirty="0">
-                <a:solidFill>
-                  <a:srgbClr val="D4D4D4"/>
-                </a:solidFill>
-                <a:effectLst/>
-                <a:latin typeface="Consolas" panose="020B0609020204030204" pitchFamily="49" charset="0"/>
-              </a:rPr>
-              <a:t>])</a:t>
-            </a:r>
-          </a:p>
-          <a:p>
-            <a:pPr marL="0" indent="0">
-              <a:buNone/>
-            </a:pPr>
-            <a:r>
-              <a:rPr lang="en-US" sz="2400" b="0" dirty="0">
-                <a:solidFill>
-                  <a:srgbClr val="D4D4D4"/>
-                </a:solidFill>
-                <a:effectLst/>
-                <a:latin typeface="Consolas" panose="020B0609020204030204" pitchFamily="49" charset="0"/>
-              </a:rPr>
-              <a:t>   </a:t>
-            </a:r>
-            <a:r>
-              <a:rPr lang="en-US" sz="2400" b="0" dirty="0">
-                <a:solidFill>
-                  <a:srgbClr val="C586C0"/>
-                </a:solidFill>
-                <a:effectLst/>
-                <a:latin typeface="Consolas" panose="020B0609020204030204" pitchFamily="49" charset="0"/>
-              </a:rPr>
-              <a:t>else</a:t>
-            </a:r>
-            <a:r>
-              <a:rPr lang="en-US" sz="2400" b="0" dirty="0">
-                <a:solidFill>
-                  <a:srgbClr val="D4D4D4"/>
-                </a:solidFill>
-                <a:effectLst/>
-                <a:latin typeface="Consolas" panose="020B0609020204030204" pitchFamily="49" charset="0"/>
-              </a:rPr>
-              <a:t>:</a:t>
-            </a:r>
-          </a:p>
-          <a:p>
-            <a:pPr marL="0" indent="0">
-              <a:buNone/>
-            </a:pPr>
-            <a:r>
-              <a:rPr lang="en-US" sz="2400" b="0" dirty="0">
-                <a:solidFill>
-                  <a:srgbClr val="D4D4D4"/>
-                </a:solidFill>
-                <a:effectLst/>
-                <a:latin typeface="Consolas" panose="020B0609020204030204" pitchFamily="49" charset="0"/>
-              </a:rPr>
-              <a:t>       </a:t>
-            </a:r>
-            <a:r>
-              <a:rPr lang="en-US" sz="2400" b="0" dirty="0" err="1">
-                <a:solidFill>
-                  <a:srgbClr val="D4D4D4"/>
-                </a:solidFill>
-                <a:effectLst/>
-                <a:latin typeface="Consolas" panose="020B0609020204030204" pitchFamily="49" charset="0"/>
-              </a:rPr>
-              <a:t>my_third_step</a:t>
-            </a:r>
-            <a:r>
-              <a:rPr lang="en-US" sz="2400" b="0" dirty="0">
-                <a:solidFill>
-                  <a:srgbClr val="D4D4D4"/>
-                </a:solidFill>
-                <a:effectLst/>
-                <a:latin typeface="Consolas" panose="020B0609020204030204" pitchFamily="49" charset="0"/>
-              </a:rPr>
-              <a:t>(</a:t>
-            </a:r>
-            <a:r>
-              <a:rPr lang="en-US" sz="2400" b="0" dirty="0">
-                <a:solidFill>
-                  <a:srgbClr val="CE9178"/>
-                </a:solidFill>
-                <a:effectLst/>
-                <a:latin typeface="Consolas" panose="020B0609020204030204" pitchFamily="49" charset="0"/>
-              </a:rPr>
-              <a:t>"some value"</a:t>
-            </a:r>
-            <a:r>
-              <a:rPr lang="en-US" sz="2400" b="0" dirty="0">
-                <a:solidFill>
-                  <a:srgbClr val="D4D4D4"/>
-                </a:solidFill>
-                <a:effectLst/>
-                <a:latin typeface="Consolas" panose="020B0609020204030204" pitchFamily="49" charset="0"/>
-              </a:rPr>
-              <a:t>)</a:t>
+              <a:t>()</a:t>
             </a:r>
           </a:p>
           <a:p>
@@ -9409,7 +9290,7 @@
     </p:spTree>
     <p:extLst>
       <p:ext uri="{BB962C8B-B14F-4D97-AF65-F5344CB8AC3E}">
-        <p14:creationId xmlns:p14="http://schemas.microsoft.com/office/powerpoint/2010/main" val="3189463451"/>
+        <p14:creationId xmlns:p14="http://schemas.microsoft.com/office/powerpoint/2010/main" val="1579481733"/>
       </p:ext>
     </p:extLst>
   </p:cSld>
@@ -9458,12 +9339,39 @@
           <a:lstStyle/>
           <a:p>
             <a:r>
+              <a:rPr lang="fr-FR" dirty="0"/>
+              <a:t>Rules to follow for </a:t>
+            </a:r>
+            <a:r>
               <a:rPr lang="fr-FR" dirty="0" err="1"/>
-              <a:t>Using</a:t>
+              <a:t>writing</a:t>
             </a:r>
             <a:r>
               <a:rPr lang="fr-FR" dirty="0"/>
-              <a:t> VNC to capture and replay scripts</a:t>
+              <a:t> </a:t>
+            </a:r>
+            <a:r>
+              <a:rPr lang="fr-FR" dirty="0" err="1"/>
+              <a:t>SikuliX</a:t>
+            </a:r>
+            <a:r>
+              <a:rPr lang="fr-FR" dirty="0"/>
+              <a:t> scripts</a:t>
+            </a:r>
+            <a:br>
+              <a:rPr lang="fr-FR" dirty="0"/>
+            </a:br>
+            <a:r>
+              <a:rPr lang="fr-FR" sz="3600" b="1" dirty="0"/>
+              <a:t>(</a:t>
+            </a:r>
+            <a:r>
+              <a:rPr lang="fr-FR" sz="3600" b="1" dirty="0" err="1"/>
+              <a:t>optional</a:t>
+            </a:r>
+            <a:r>
+              <a:rPr lang="fr-FR" sz="3600" b="1" dirty="0"/>
+              <a:t>)</a:t>
             </a:r>
             <a:endParaRPr lang="en-US" dirty="0"/>
           </a:p>
@@ -9487,8 +9395,8 @@
         </p:nvSpPr>
         <p:spPr>
           <a:xfrm>
-            <a:off x="838200" y="1869990"/>
-            <a:ext cx="10515600" cy="2158314"/>
+            <a:off x="838200" y="1869989"/>
+            <a:ext cx="10515600" cy="4860325"/>
           </a:xfrm>
           <a:solidFill>
             <a:schemeClr val="tx1">
@@ -9509,12 +9417,62 @@
             <a:r>
               <a:rPr lang="en-US" sz="2400" b="0" dirty="0">
                 <a:solidFill>
-                  <a:srgbClr val="6A9955"/>
-                </a:solidFill>
-                <a:effectLst/>
-                <a:latin typeface="Consolas" panose="020B0609020204030204" pitchFamily="49" charset="0"/>
-              </a:rPr>
-              <a:t># IMPORTANT: make sure you capture screenshots with</a:t>
+                  <a:srgbClr val="C586C0"/>
+                </a:solidFill>
+                <a:effectLst/>
+                <a:latin typeface="Consolas" panose="020B0609020204030204" pitchFamily="49" charset="0"/>
+              </a:rPr>
+              <a:t>if</a:t>
+            </a:r>
+            <a:r>
+              <a:rPr lang="en-US" sz="2400" b="0" dirty="0">
+                <a:solidFill>
+                  <a:srgbClr val="D4D4D4"/>
+                </a:solidFill>
+                <a:effectLst/>
+                <a:latin typeface="Consolas" panose="020B0609020204030204" pitchFamily="49" charset="0"/>
+              </a:rPr>
+              <a:t> </a:t>
+            </a:r>
+            <a:r>
+              <a:rPr lang="en-US" sz="2400" b="0" dirty="0">
+                <a:solidFill>
+                  <a:srgbClr val="9CDCFE"/>
+                </a:solidFill>
+                <a:effectLst/>
+                <a:latin typeface="Consolas" panose="020B0609020204030204" pitchFamily="49" charset="0"/>
+              </a:rPr>
+              <a:t>__name__</a:t>
+            </a:r>
+            <a:r>
+              <a:rPr lang="en-US" sz="2400" b="0" dirty="0">
+                <a:solidFill>
+                  <a:srgbClr val="D4D4D4"/>
+                </a:solidFill>
+                <a:effectLst/>
+                <a:latin typeface="Consolas" panose="020B0609020204030204" pitchFamily="49" charset="0"/>
+              </a:rPr>
+              <a:t> == </a:t>
+            </a:r>
+            <a:r>
+              <a:rPr lang="en-US" sz="2400" b="0" dirty="0">
+                <a:solidFill>
+                  <a:srgbClr val="CE9178"/>
+                </a:solidFill>
+                <a:effectLst/>
+                <a:latin typeface="Consolas" panose="020B0609020204030204" pitchFamily="49" charset="0"/>
+              </a:rPr>
+              <a:t>'__main__'</a:t>
+            </a:r>
+            <a:r>
+              <a:rPr lang="en-US" sz="2400" b="0" dirty="0">
+                <a:solidFill>
+                  <a:srgbClr val="D4D4D4"/>
+                </a:solidFill>
+                <a:effectLst/>
+                <a:latin typeface="Consolas" panose="020B0609020204030204" pitchFamily="49" charset="0"/>
+              </a:rPr>
+              <a:t>:</a:t>
             </a:r>
           </a:p>
           <a:p>
@@ -9522,43 +9480,24 @@
               <a:buNone/>
             </a:pPr>
             <a:r>
-              <a:rPr lang="en-US" sz="2400" dirty="0">
+              <a:rPr lang="en-US" sz="2400" b="0" dirty="0">
+                <a:solidFill>
+                  <a:srgbClr val="D4D4D4"/>
+                </a:solidFill>
+                <a:effectLst/>
+                <a:latin typeface="Consolas" panose="020B0609020204030204" pitchFamily="49" charset="0"/>
+              </a:rPr>
+              <a:t>   </a:t>
+            </a:r>
+            <a:r>
+              <a:rPr lang="en-US" sz="2400" b="0" dirty="0">
                 <a:solidFill>
                   <a:srgbClr val="6A9955"/>
                 </a:solidFill>
-                <a:latin typeface="Consolas" panose="020B0609020204030204" pitchFamily="49" charset="0"/>
-              </a:rPr>
-              <a:t>#</a:t>
-            </a:r>
-            <a:r>
-              <a:rPr lang="en-US" sz="2400" b="0" dirty="0">
-                <a:solidFill>
-                  <a:srgbClr val="6A9955"/>
-                </a:solidFill>
-                <a:effectLst/>
-                <a:latin typeface="Consolas" panose="020B0609020204030204" pitchFamily="49" charset="0"/>
-              </a:rPr>
-              <a:t> </a:t>
-            </a:r>
-            <a:r>
-              <a:rPr lang="en-US" sz="2400" b="0" dirty="0" err="1">
-                <a:solidFill>
-                  <a:srgbClr val="6A9955"/>
-                </a:solidFill>
-                <a:effectLst/>
-                <a:latin typeface="Consolas" panose="020B0609020204030204" pitchFamily="49" charset="0"/>
-              </a:rPr>
-              <a:t>TigerVNC</a:t>
-            </a:r>
-            <a:r>
-              <a:rPr lang="en-US" sz="2400" b="0" dirty="0">
-                <a:solidFill>
-                  <a:srgbClr val="6A9955"/>
-                </a:solidFill>
-                <a:effectLst/>
-                <a:latin typeface="Consolas" panose="020B0609020204030204" pitchFamily="49" charset="0"/>
-              </a:rPr>
-              <a:t> client (https://tigervnc.org), </a:t>
+                <a:effectLst/>
+                <a:latin typeface="Consolas" panose="020B0609020204030204" pitchFamily="49" charset="0"/>
+              </a:rPr>
+              <a:t># build a list of passed parameters </a:t>
             </a:r>
             <a:endParaRPr lang="en-US" sz="2400" b="0" dirty="0">
               <a:solidFill>
@@ -9573,39 +9512,111 @@
               <a:buNone/>
             </a:pPr>
             <a:r>
-              <a:rPr lang="en-US" sz="2400" b="0" dirty="0">
-                <a:solidFill>
-                  <a:srgbClr val="6A9955"/>
-                </a:solidFill>
-                <a:effectLst/>
-                <a:latin typeface="Consolas" panose="020B0609020204030204" pitchFamily="49" charset="0"/>
-              </a:rPr>
-              <a:t># to get the best image matching probability, as this is </a:t>
+              <a:rPr lang="en-US" sz="2400" dirty="0">
+                <a:solidFill>
+                  <a:srgbClr val="D4D4D4"/>
+                </a:solidFill>
+                <a:effectLst/>
+                <a:latin typeface="Consolas" panose="020B0609020204030204" pitchFamily="49" charset="0"/>
+              </a:rPr>
+              <a:t>   </a:t>
+            </a:r>
+            <a:r>
+              <a:rPr lang="en-US" sz="2400" dirty="0" err="1">
+                <a:solidFill>
+                  <a:srgbClr val="9CDCFE"/>
+                </a:solidFill>
+                <a:effectLst/>
+                <a:latin typeface="Consolas" panose="020B0609020204030204" pitchFamily="49" charset="0"/>
+              </a:rPr>
+              <a:t>args</a:t>
+            </a:r>
+            <a:r>
+              <a:rPr lang="en-US" sz="2400" dirty="0">
+                <a:solidFill>
+                  <a:srgbClr val="D4D4D4"/>
+                </a:solidFill>
+                <a:effectLst/>
+                <a:latin typeface="Consolas" panose="020B0609020204030204" pitchFamily="49" charset="0"/>
+              </a:rPr>
+              <a:t>=</a:t>
+            </a:r>
+            <a:r>
+              <a:rPr lang="en-US" sz="2400" dirty="0" err="1">
+                <a:solidFill>
+                  <a:srgbClr val="D4D4D4"/>
+                </a:solidFill>
+                <a:effectLst/>
+                <a:latin typeface="Consolas" panose="020B0609020204030204" pitchFamily="49" charset="0"/>
+              </a:rPr>
+              <a:t>dt_get_args</a:t>
+            </a:r>
+            <a:r>
+              <a:rPr lang="en-US" sz="2400" dirty="0">
+                <a:solidFill>
+                  <a:srgbClr val="D4D4D4"/>
+                </a:solidFill>
+                <a:effectLst/>
+                <a:latin typeface="Consolas" panose="020B0609020204030204" pitchFamily="49" charset="0"/>
+              </a:rPr>
+              <a:t>(</a:t>
+            </a:r>
+            <a:r>
+              <a:rPr lang="en-US" sz="2400" dirty="0" err="1">
+                <a:solidFill>
+                  <a:srgbClr val="D4D4D4"/>
+                </a:solidFill>
+                <a:effectLst/>
+                <a:latin typeface="Consolas" panose="020B0609020204030204" pitchFamily="49" charset="0"/>
+              </a:rPr>
+              <a:t>sys.argv</a:t>
+            </a:r>
+            <a:r>
+              <a:rPr lang="en-US" sz="2400" dirty="0">
+                <a:solidFill>
+                  <a:srgbClr val="D4D4D4"/>
+                </a:solidFill>
+                <a:effectLst/>
+                <a:latin typeface="Consolas" panose="020B0609020204030204" pitchFamily="49" charset="0"/>
+              </a:rPr>
+              <a:t>)</a:t>
             </a:r>
           </a:p>
           <a:p>
             <a:pPr marL="0" indent="0">
               <a:buNone/>
             </a:pPr>
+            <a:endParaRPr lang="en-US" sz="2400" dirty="0">
+              <a:solidFill>
+                <a:srgbClr val="D4D4D4"/>
+              </a:solidFill>
+              <a:effectLst/>
+              <a:latin typeface="Consolas" panose="020B0609020204030204" pitchFamily="49" charset="0"/>
+            </a:endParaRPr>
+          </a:p>
+          <a:p>
+            <a:pPr marL="0" indent="0">
+              <a:buNone/>
+            </a:pPr>
             <a:r>
               <a:rPr lang="en-US" sz="2400" b="0" dirty="0">
                 <a:solidFill>
+                  <a:srgbClr val="D4D4D4"/>
+                </a:solidFill>
+                <a:effectLst/>
+                <a:latin typeface="Consolas" panose="020B0609020204030204" pitchFamily="49" charset="0"/>
+              </a:rPr>
+              <a:t>   </a:t>
+            </a:r>
+            <a:r>
+              <a:rPr lang="en-US" sz="2400" b="0" dirty="0">
+                <a:solidFill>
                   <a:srgbClr val="6A9955"/>
                 </a:solidFill>
                 <a:effectLst/>
                 <a:latin typeface="Consolas" panose="020B0609020204030204" pitchFamily="49" charset="0"/>
               </a:rPr>
-              <a:t># the exact same VNC client embedded into </a:t>
-            </a:r>
-            <a:r>
-              <a:rPr lang="en-US" sz="2400" b="0" dirty="0" err="1">
-                <a:solidFill>
-                  <a:srgbClr val="6A9955"/>
-                </a:solidFill>
-                <a:effectLst/>
-                <a:latin typeface="Consolas" panose="020B0609020204030204" pitchFamily="49" charset="0"/>
-              </a:rPr>
-              <a:t>SikuliX</a:t>
+              <a:t># that you can use as arguments for your steps </a:t>
             </a:r>
             <a:endParaRPr lang="en-US" sz="2400" b="0" dirty="0">
               <a:solidFill>
@@ -9614,6 +9625,306 @@
               <a:effectLst/>
               <a:latin typeface="Consolas" panose="020B0609020204030204" pitchFamily="49" charset="0"/>
             </a:endParaRPr>
+          </a:p>
+          <a:p>
+            <a:pPr marL="0" indent="0">
+              <a:buNone/>
+            </a:pPr>
+            <a:r>
+              <a:rPr lang="en-US" sz="2400" b="1" dirty="0">
+                <a:solidFill>
+                  <a:srgbClr val="D4D4D4"/>
+                </a:solidFill>
+                <a:effectLst/>
+                <a:latin typeface="Consolas" panose="020B0609020204030204" pitchFamily="49" charset="0"/>
+              </a:rPr>
+              <a:t>   </a:t>
+            </a:r>
+            <a:r>
+              <a:rPr lang="en-US" sz="2400" b="1" dirty="0">
+                <a:solidFill>
+                  <a:srgbClr val="C586C0"/>
+                </a:solidFill>
+                <a:effectLst/>
+                <a:latin typeface="Consolas" panose="020B0609020204030204" pitchFamily="49" charset="0"/>
+              </a:rPr>
+              <a:t>if</a:t>
+            </a:r>
+            <a:r>
+              <a:rPr lang="en-US" sz="2400" b="1" dirty="0">
+                <a:solidFill>
+                  <a:srgbClr val="D4D4D4"/>
+                </a:solidFill>
+                <a:effectLst/>
+                <a:latin typeface="Consolas" panose="020B0609020204030204" pitchFamily="49" charset="0"/>
+              </a:rPr>
+              <a:t> </a:t>
+            </a:r>
+            <a:r>
+              <a:rPr lang="en-US" sz="2400" b="1" dirty="0">
+                <a:solidFill>
+                  <a:srgbClr val="CE9178"/>
+                </a:solidFill>
+                <a:effectLst/>
+                <a:latin typeface="Consolas" panose="020B0609020204030204" pitchFamily="49" charset="0"/>
+              </a:rPr>
+              <a:t>'</a:t>
+            </a:r>
+            <a:r>
+              <a:rPr lang="en-US" sz="2400" b="1" dirty="0" err="1">
+                <a:solidFill>
+                  <a:srgbClr val="CE9178"/>
+                </a:solidFill>
+                <a:effectLst/>
+                <a:latin typeface="Consolas" panose="020B0609020204030204" pitchFamily="49" charset="0"/>
+              </a:rPr>
+              <a:t>my_param</a:t>
+            </a:r>
+            <a:r>
+              <a:rPr lang="en-US" sz="2400" b="1" dirty="0">
+                <a:solidFill>
+                  <a:srgbClr val="CE9178"/>
+                </a:solidFill>
+                <a:effectLst/>
+                <a:latin typeface="Consolas" panose="020B0609020204030204" pitchFamily="49" charset="0"/>
+              </a:rPr>
+              <a:t>'</a:t>
+            </a:r>
+            <a:r>
+              <a:rPr lang="en-US" sz="2400" b="1" dirty="0">
+                <a:solidFill>
+                  <a:srgbClr val="D4D4D4"/>
+                </a:solidFill>
+                <a:effectLst/>
+                <a:latin typeface="Consolas" panose="020B0609020204030204" pitchFamily="49" charset="0"/>
+              </a:rPr>
+              <a:t> </a:t>
+            </a:r>
+            <a:r>
+              <a:rPr lang="en-US" sz="2400" b="1" dirty="0">
+                <a:solidFill>
+                  <a:srgbClr val="569CD6"/>
+                </a:solidFill>
+                <a:effectLst/>
+                <a:latin typeface="Consolas" panose="020B0609020204030204" pitchFamily="49" charset="0"/>
+              </a:rPr>
+              <a:t>in</a:t>
+            </a:r>
+            <a:r>
+              <a:rPr lang="en-US" sz="2400" b="1" dirty="0">
+                <a:solidFill>
+                  <a:srgbClr val="D4D4D4"/>
+                </a:solidFill>
+                <a:effectLst/>
+                <a:latin typeface="Consolas" panose="020B0609020204030204" pitchFamily="49" charset="0"/>
+              </a:rPr>
+              <a:t> </a:t>
+            </a:r>
+            <a:r>
+              <a:rPr lang="en-US" sz="2400" b="1" dirty="0" err="1">
+                <a:solidFill>
+                  <a:srgbClr val="9CDCFE"/>
+                </a:solidFill>
+                <a:effectLst/>
+                <a:latin typeface="Consolas" panose="020B0609020204030204" pitchFamily="49" charset="0"/>
+              </a:rPr>
+              <a:t>args</a:t>
+            </a:r>
+            <a:r>
+              <a:rPr lang="en-US" sz="2400" b="1" dirty="0">
+                <a:solidFill>
+                  <a:srgbClr val="D4D4D4"/>
+                </a:solidFill>
+                <a:effectLst/>
+                <a:latin typeface="Consolas" panose="020B0609020204030204" pitchFamily="49" charset="0"/>
+              </a:rPr>
+              <a:t>:</a:t>
+            </a:r>
+          </a:p>
+          <a:p>
+            <a:pPr marL="0" indent="0">
+              <a:buNone/>
+            </a:pPr>
+            <a:r>
+              <a:rPr lang="en-US" sz="2400" b="0" dirty="0">
+                <a:solidFill>
+                  <a:srgbClr val="D4D4D4"/>
+                </a:solidFill>
+                <a:effectLst/>
+                <a:latin typeface="Consolas" panose="020B0609020204030204" pitchFamily="49" charset="0"/>
+              </a:rPr>
+              <a:t>       </a:t>
+            </a:r>
+            <a:r>
+              <a:rPr lang="en-US" sz="2400" b="0" dirty="0" err="1">
+                <a:solidFill>
+                  <a:srgbClr val="D4D4D4"/>
+                </a:solidFill>
+                <a:effectLst/>
+                <a:latin typeface="Consolas" panose="020B0609020204030204" pitchFamily="49" charset="0"/>
+              </a:rPr>
+              <a:t>my_third_step</a:t>
+            </a:r>
+            <a:r>
+              <a:rPr lang="en-US" sz="2400" b="0" dirty="0">
+                <a:solidFill>
+                  <a:srgbClr val="D4D4D4"/>
+                </a:solidFill>
+                <a:effectLst/>
+                <a:latin typeface="Consolas" panose="020B0609020204030204" pitchFamily="49" charset="0"/>
+              </a:rPr>
+              <a:t>(</a:t>
+            </a:r>
+            <a:r>
+              <a:rPr lang="en-US" sz="2400" b="0" dirty="0" err="1">
+                <a:solidFill>
+                  <a:srgbClr val="9CDCFE"/>
+                </a:solidFill>
+                <a:effectLst/>
+                <a:latin typeface="Consolas" panose="020B0609020204030204" pitchFamily="49" charset="0"/>
+              </a:rPr>
+              <a:t>args</a:t>
+            </a:r>
+            <a:r>
+              <a:rPr lang="en-US" sz="2400" b="0" dirty="0">
+                <a:solidFill>
+                  <a:srgbClr val="D4D4D4"/>
+                </a:solidFill>
+                <a:effectLst/>
+                <a:latin typeface="Consolas" panose="020B0609020204030204" pitchFamily="49" charset="0"/>
+              </a:rPr>
+              <a:t>[</a:t>
+            </a:r>
+            <a:r>
+              <a:rPr lang="en-US" sz="2400" b="0" dirty="0">
+                <a:solidFill>
+                  <a:srgbClr val="CE9178"/>
+                </a:solidFill>
+                <a:effectLst/>
+                <a:latin typeface="Consolas" panose="020B0609020204030204" pitchFamily="49" charset="0"/>
+              </a:rPr>
+              <a:t>'</a:t>
+            </a:r>
+            <a:r>
+              <a:rPr lang="en-US" sz="2400" b="0" dirty="0" err="1">
+                <a:solidFill>
+                  <a:srgbClr val="CE9178"/>
+                </a:solidFill>
+                <a:effectLst/>
+                <a:latin typeface="Consolas" panose="020B0609020204030204" pitchFamily="49" charset="0"/>
+              </a:rPr>
+              <a:t>my_param</a:t>
+            </a:r>
+            <a:r>
+              <a:rPr lang="en-US" sz="2400" b="0" dirty="0">
+                <a:solidFill>
+                  <a:srgbClr val="CE9178"/>
+                </a:solidFill>
+                <a:effectLst/>
+                <a:latin typeface="Consolas" panose="020B0609020204030204" pitchFamily="49" charset="0"/>
+              </a:rPr>
+              <a:t>'</a:t>
+            </a:r>
+            <a:r>
+              <a:rPr lang="en-US" sz="2400" b="0" dirty="0">
+                <a:solidFill>
+                  <a:srgbClr val="D4D4D4"/>
+                </a:solidFill>
+                <a:effectLst/>
+                <a:latin typeface="Consolas" panose="020B0609020204030204" pitchFamily="49" charset="0"/>
+              </a:rPr>
+              <a:t>])</a:t>
+            </a:r>
+          </a:p>
+          <a:p>
+            <a:pPr marL="0" indent="0">
+              <a:buNone/>
+            </a:pPr>
+            <a:r>
+              <a:rPr lang="en-US" sz="2400" b="0" dirty="0">
+                <a:solidFill>
+                  <a:srgbClr val="D4D4D4"/>
+                </a:solidFill>
+                <a:effectLst/>
+                <a:latin typeface="Consolas" panose="020B0609020204030204" pitchFamily="49" charset="0"/>
+              </a:rPr>
+              <a:t>   </a:t>
+            </a:r>
+            <a:r>
+              <a:rPr lang="en-US" sz="2400" b="0" dirty="0">
+                <a:solidFill>
+                  <a:srgbClr val="C586C0"/>
+                </a:solidFill>
+                <a:effectLst/>
+                <a:latin typeface="Consolas" panose="020B0609020204030204" pitchFamily="49" charset="0"/>
+              </a:rPr>
+              <a:t>else</a:t>
+            </a:r>
+            <a:r>
+              <a:rPr lang="en-US" sz="2400" b="0" dirty="0">
+                <a:solidFill>
+                  <a:srgbClr val="D4D4D4"/>
+                </a:solidFill>
+                <a:effectLst/>
+                <a:latin typeface="Consolas" panose="020B0609020204030204" pitchFamily="49" charset="0"/>
+              </a:rPr>
+              <a:t>:</a:t>
+            </a:r>
+          </a:p>
+          <a:p>
+            <a:pPr marL="0" indent="0">
+              <a:buNone/>
+            </a:pPr>
+            <a:r>
+              <a:rPr lang="en-US" sz="2400" b="0" dirty="0">
+                <a:solidFill>
+                  <a:srgbClr val="D4D4D4"/>
+                </a:solidFill>
+                <a:effectLst/>
+                <a:latin typeface="Consolas" panose="020B0609020204030204" pitchFamily="49" charset="0"/>
+              </a:rPr>
+              <a:t>       </a:t>
+            </a:r>
+            <a:r>
+              <a:rPr lang="en-US" sz="2400" b="0" dirty="0" err="1">
+                <a:solidFill>
+                  <a:srgbClr val="D4D4D4"/>
+                </a:solidFill>
+                <a:effectLst/>
+                <a:latin typeface="Consolas" panose="020B0609020204030204" pitchFamily="49" charset="0"/>
+              </a:rPr>
+              <a:t>my_third_step</a:t>
+            </a:r>
+            <a:r>
+              <a:rPr lang="en-US" sz="2400" b="0" dirty="0">
+                <a:solidFill>
+                  <a:srgbClr val="D4D4D4"/>
+                </a:solidFill>
+                <a:effectLst/>
+                <a:latin typeface="Consolas" panose="020B0609020204030204" pitchFamily="49" charset="0"/>
+              </a:rPr>
+              <a:t>(</a:t>
+            </a:r>
+            <a:r>
+              <a:rPr lang="en-US" sz="2400" b="0" dirty="0">
+                <a:solidFill>
+                  <a:srgbClr val="CE9178"/>
+                </a:solidFill>
+                <a:effectLst/>
+                <a:latin typeface="Consolas" panose="020B0609020204030204" pitchFamily="49" charset="0"/>
+              </a:rPr>
+              <a:t>"some value"</a:t>
+            </a:r>
+            <a:r>
+              <a:rPr lang="en-US" sz="2400" b="0" dirty="0">
+                <a:solidFill>
+                  <a:srgbClr val="D4D4D4"/>
+                </a:solidFill>
+                <a:effectLst/>
+                <a:latin typeface="Consolas" panose="020B0609020204030204" pitchFamily="49" charset="0"/>
+              </a:rPr>
+              <a:t>)</a:t>
+            </a:r>
           </a:p>
           <a:p>
             <a:pPr marL="0" indent="0">
@@ -9632,7 +9943,7 @@
     </p:spTree>
     <p:extLst>
       <p:ext uri="{BB962C8B-B14F-4D97-AF65-F5344CB8AC3E}">
-        <p14:creationId xmlns:p14="http://schemas.microsoft.com/office/powerpoint/2010/main" val="1834910445"/>
+        <p14:creationId xmlns:p14="http://schemas.microsoft.com/office/powerpoint/2010/main" val="3189463451"/>
       </p:ext>
     </p:extLst>
   </p:cSld>
@@ -9711,7 +10022,7 @@
         <p:spPr>
           <a:xfrm>
             <a:off x="838200" y="1869989"/>
-            <a:ext cx="10515600" cy="3758855"/>
+            <a:ext cx="10515600" cy="3979414"/>
           </a:xfrm>
           <a:solidFill>
             <a:schemeClr val="tx1">
@@ -9737,7 +10048,75 @@
                 <a:effectLst/>
                 <a:latin typeface="Consolas" panose="020B0609020204030204" pitchFamily="49" charset="0"/>
               </a:rPr>
-              <a:t># Connect to Desktop through VNC</a:t>
+              <a:t># IMPORTANT: </a:t>
+            </a:r>
+          </a:p>
+          <a:p>
+            <a:pPr marL="0" indent="0">
+              <a:buNone/>
+            </a:pPr>
+            <a:r>
+              <a:rPr lang="en-US" sz="2400" dirty="0">
+                <a:solidFill>
+                  <a:srgbClr val="6A9955"/>
+                </a:solidFill>
+                <a:latin typeface="Consolas" panose="020B0609020204030204" pitchFamily="49" charset="0"/>
+              </a:rPr>
+              <a:t># M</a:t>
+            </a:r>
+            <a:r>
+              <a:rPr lang="en-US" sz="2400" b="0" dirty="0">
+                <a:solidFill>
+                  <a:srgbClr val="6A9955"/>
+                </a:solidFill>
+                <a:effectLst/>
+                <a:latin typeface="Consolas" panose="020B0609020204030204" pitchFamily="49" charset="0"/>
+              </a:rPr>
+              <a:t>ake sure you capture screenshots with</a:t>
+            </a:r>
+          </a:p>
+          <a:p>
+            <a:pPr marL="0" indent="0">
+              <a:buNone/>
+            </a:pPr>
+            <a:r>
+              <a:rPr lang="en-US" sz="2400" dirty="0">
+                <a:solidFill>
+                  <a:srgbClr val="6A9955"/>
+                </a:solidFill>
+                <a:latin typeface="Consolas" panose="020B0609020204030204" pitchFamily="49" charset="0"/>
+              </a:rPr>
+              <a:t>#</a:t>
+            </a:r>
+            <a:r>
+              <a:rPr lang="en-US" sz="2400" b="0" dirty="0">
+                <a:solidFill>
+                  <a:srgbClr val="6A9955"/>
+                </a:solidFill>
+                <a:effectLst/>
+                <a:latin typeface="Consolas" panose="020B0609020204030204" pitchFamily="49" charset="0"/>
+              </a:rPr>
+              <a:t>   </a:t>
+            </a:r>
+            <a:r>
+              <a:rPr lang="en-US" sz="2400" b="1" dirty="0" err="1">
+                <a:solidFill>
+                  <a:srgbClr val="6A9955"/>
+                </a:solidFill>
+                <a:effectLst/>
+                <a:latin typeface="Consolas" panose="020B0609020204030204" pitchFamily="49" charset="0"/>
+              </a:rPr>
+              <a:t>TigerVNC</a:t>
+            </a:r>
+            <a:r>
+              <a:rPr lang="en-US" sz="2400" b="0" dirty="0">
+                <a:solidFill>
+                  <a:srgbClr val="6A9955"/>
+                </a:solidFill>
+                <a:effectLst/>
+                <a:latin typeface="Consolas" panose="020B0609020204030204" pitchFamily="49" charset="0"/>
+              </a:rPr>
+              <a:t> client (https://tigervnc.org), </a:t>
             </a:r>
             <a:endParaRPr lang="en-US" sz="2400" b="0" dirty="0">
               <a:solidFill>
@@ -9754,42 +10133,12 @@
             <a:r>
               <a:rPr lang="en-US" sz="2400" b="0" dirty="0">
                 <a:solidFill>
-                  <a:srgbClr val="569CD6"/>
-                </a:solidFill>
-                <a:effectLst/>
-                <a:latin typeface="Consolas" panose="020B0609020204030204" pitchFamily="49" charset="0"/>
-              </a:rPr>
-              <a:t>def</a:t>
-            </a:r>
-            <a:r>
-              <a:rPr lang="en-US" sz="2400" b="0" dirty="0">
-                <a:solidFill>
-                  <a:srgbClr val="D4D4D4"/>
-                </a:solidFill>
-                <a:effectLst/>
-                <a:latin typeface="Consolas" panose="020B0609020204030204" pitchFamily="49" charset="0"/>
-              </a:rPr>
-              <a:t> </a:t>
-            </a:r>
-            <a:r>
-              <a:rPr lang="en-US" sz="2400" b="0" dirty="0">
-                <a:solidFill>
-                  <a:srgbClr val="DCDCAA"/>
-                </a:solidFill>
-                <a:effectLst/>
-                <a:latin typeface="Consolas" panose="020B0609020204030204" pitchFamily="49" charset="0"/>
-              </a:rPr>
-              <a:t>connect</a:t>
-            </a:r>
-            <a:r>
-              <a:rPr lang="en-US" sz="2400" b="0" dirty="0">
-                <a:solidFill>
-                  <a:srgbClr val="D4D4D4"/>
-                </a:solidFill>
-                <a:effectLst/>
-                <a:latin typeface="Consolas" panose="020B0609020204030204" pitchFamily="49" charset="0"/>
-              </a:rPr>
-              <a:t>():</a:t>
+                  <a:srgbClr val="6A9955"/>
+                </a:solidFill>
+                <a:effectLst/>
+                <a:latin typeface="Consolas" panose="020B0609020204030204" pitchFamily="49" charset="0"/>
+              </a:rPr>
+              <a:t>#   to get the best image matching probability, as this is </a:t>
             </a:r>
           </a:p>
           <a:p>
@@ -9797,15 +10146,6 @@
               <a:buNone/>
             </a:pPr>
             <a:r>
-              <a:rPr lang="en-US" sz="2400" dirty="0">
-                <a:solidFill>
-                  <a:srgbClr val="D4D4D4"/>
-                </a:solidFill>
-                <a:latin typeface="Consolas" panose="020B0609020204030204" pitchFamily="49" charset="0"/>
-              </a:rPr>
-              <a:t>    </a:t>
-            </a:r>
-            <a:r>
               <a:rPr lang="en-US" sz="2400" b="0" dirty="0">
                 <a:solidFill>
                   <a:srgbClr val="6A9955"/>
@@ -9813,96 +10153,27 @@
                 <a:effectLst/>
                 <a:latin typeface="Consolas" panose="020B0609020204030204" pitchFamily="49" charset="0"/>
               </a:rPr>
-              <a:t># get a Screen object from VNC connection</a:t>
+              <a:t>#   the exact same VNC client embedded into </a:t>
+            </a:r>
+            <a:r>
+              <a:rPr lang="en-US" sz="2400" b="0" dirty="0" err="1">
+                <a:solidFill>
+                  <a:srgbClr val="6A9955"/>
+                </a:solidFill>
+                <a:effectLst/>
+                <a:latin typeface="Consolas" panose="020B0609020204030204" pitchFamily="49" charset="0"/>
+              </a:rPr>
+              <a:t>SikuliX</a:t>
             </a:r>
             <a:r>
               <a:rPr lang="en-US" sz="2400" b="0" dirty="0">
                 <a:solidFill>
-                  <a:srgbClr val="D4D4D4"/>
-                </a:solidFill>
-                <a:effectLst/>
-                <a:latin typeface="Consolas" panose="020B0609020204030204" pitchFamily="49" charset="0"/>
-              </a:rPr>
-              <a:t>		</a:t>
-            </a:r>
-            <a:br>
-              <a:rPr lang="en-US" sz="2400" b="0" dirty="0">
-                <a:solidFill>
-                  <a:srgbClr val="D4D4D4"/>
-                </a:solidFill>
-                <a:effectLst/>
-                <a:latin typeface="Consolas" panose="020B0609020204030204" pitchFamily="49" charset="0"/>
-              </a:rPr>
-            </a:br>
-            <a:r>
-              <a:rPr lang="en-US" sz="2400" b="0" dirty="0">
-                <a:solidFill>
-                  <a:srgbClr val="D4D4D4"/>
-                </a:solidFill>
-                <a:effectLst/>
-                <a:latin typeface="Consolas" panose="020B0609020204030204" pitchFamily="49" charset="0"/>
-              </a:rPr>
-              <a:t>    </a:t>
-            </a:r>
-            <a:r>
-              <a:rPr lang="en-US" sz="2400" b="0" dirty="0">
-                <a:solidFill>
-                  <a:srgbClr val="9CDCFE"/>
-                </a:solidFill>
-                <a:effectLst/>
-                <a:latin typeface="Consolas" panose="020B0609020204030204" pitchFamily="49" charset="0"/>
-              </a:rPr>
-              <a:t>vs</a:t>
-            </a:r>
-            <a:r>
-              <a:rPr lang="en-US" sz="2400" b="0" dirty="0">
-                <a:solidFill>
-                  <a:srgbClr val="D4D4D4"/>
-                </a:solidFill>
-                <a:effectLst/>
-                <a:latin typeface="Consolas" panose="020B0609020204030204" pitchFamily="49" charset="0"/>
-              </a:rPr>
-              <a:t>=</a:t>
-            </a:r>
-            <a:r>
-              <a:rPr lang="en-US" sz="2400" b="0" dirty="0" err="1">
-                <a:solidFill>
-                  <a:srgbClr val="D4D4D4"/>
-                </a:solidFill>
-                <a:effectLst/>
-                <a:latin typeface="Consolas" panose="020B0609020204030204" pitchFamily="49" charset="0"/>
-              </a:rPr>
-              <a:t>dt_vnc_connect</a:t>
-            </a:r>
-            <a:r>
-              <a:rPr lang="en-US" sz="2400" b="0" dirty="0">
-                <a:solidFill>
-                  <a:srgbClr val="D4D4D4"/>
-                </a:solidFill>
-                <a:effectLst/>
-                <a:latin typeface="Consolas" panose="020B0609020204030204" pitchFamily="49" charset="0"/>
-              </a:rPr>
-              <a:t>(</a:t>
-            </a:r>
-            <a:r>
-              <a:rPr lang="en-US" sz="2400" b="0" dirty="0">
-                <a:solidFill>
-                  <a:srgbClr val="CE9178"/>
-                </a:solidFill>
-                <a:effectLst/>
-                <a:latin typeface="Consolas" panose="020B0609020204030204" pitchFamily="49" charset="0"/>
-              </a:rPr>
-              <a:t>“&lt;the host name or IP&gt;</a:t>
-            </a:r>
-            <a:r>
-              <a:rPr lang="en-US" sz="2400" b="0" dirty="0">
-                <a:solidFill>
-                  <a:srgbClr val="D4D4D4"/>
-                </a:solidFill>
-                <a:effectLst/>
-                <a:latin typeface="Consolas" panose="020B0609020204030204" pitchFamily="49" charset="0"/>
-              </a:rPr>
-              <a:t>)  </a:t>
+                  <a:srgbClr val="6A9955"/>
+                </a:solidFill>
+                <a:effectLst/>
+                <a:latin typeface="Consolas" panose="020B0609020204030204" pitchFamily="49" charset="0"/>
+              </a:rPr>
+              <a:t>.</a:t>
             </a:r>
           </a:p>
           <a:p>
@@ -9910,14 +10181,22 @@
               <a:buNone/>
             </a:pPr>
             <a:r>
-              <a:rPr lang="en-US" sz="2400" b="0" dirty="0">
+              <a:rPr lang="en-US" sz="2400" dirty="0">
                 <a:solidFill>
                   <a:srgbClr val="6A9955"/>
                 </a:solidFill>
-                <a:effectLst/>
-                <a:latin typeface="Consolas" panose="020B0609020204030204" pitchFamily="49" charset="0"/>
-              </a:rPr>
-              <a:t>    # interact with th</a:t>
+                <a:latin typeface="Consolas" panose="020B0609020204030204" pitchFamily="49" charset="0"/>
+              </a:rPr>
+              <a:t># Make sure you use </a:t>
+            </a:r>
+            <a:r>
+              <a:rPr lang="en-US" sz="2400" b="1" dirty="0">
+                <a:solidFill>
+                  <a:srgbClr val="6A9955"/>
+                </a:solidFill>
+                <a:latin typeface="Consolas" panose="020B0609020204030204" pitchFamily="49" charset="0"/>
+              </a:rPr>
+              <a:t>24 bits depth </a:t>
             </a:r>
             <a:r>
               <a:rPr lang="en-US" sz="2400" dirty="0">
@@ -9926,59 +10205,21 @@
                 </a:solidFill>
                 <a:latin typeface="Consolas" panose="020B0609020204030204" pitchFamily="49" charset="0"/>
               </a:rPr>
-              <a:t>e Screen</a:t>
-            </a:r>
-            <a:endParaRPr lang="en-US" sz="2400" b="0" dirty="0">
-              <a:solidFill>
-                <a:srgbClr val="D4D4D4"/>
-              </a:solidFill>
-              <a:effectLst/>
-              <a:latin typeface="Consolas" panose="020B0609020204030204" pitchFamily="49" charset="0"/>
-            </a:endParaRPr>
+              <a:t>when starting your</a:t>
+            </a:r>
           </a:p>
           <a:p>
             <a:pPr marL="0" indent="0">
               <a:buNone/>
             </a:pPr>
             <a:r>
-              <a:rPr lang="en-US" sz="2400" b="0" dirty="0">
-                <a:solidFill>
-                  <a:srgbClr val="D4D4D4"/>
-                </a:solidFill>
-                <a:effectLst/>
-                <a:latin typeface="Consolas" panose="020B0609020204030204" pitchFamily="49" charset="0"/>
-              </a:rPr>
-              <a:t>    </a:t>
-            </a:r>
-            <a:r>
-              <a:rPr lang="en-US" sz="2400" b="0" dirty="0" err="1">
-                <a:solidFill>
-                  <a:srgbClr val="9CDCFE"/>
-                </a:solidFill>
-                <a:effectLst/>
-                <a:latin typeface="Consolas" panose="020B0609020204030204" pitchFamily="49" charset="0"/>
-              </a:rPr>
-              <a:t>vs</a:t>
-            </a:r>
-            <a:r>
-              <a:rPr lang="en-US" sz="2400" b="0" dirty="0" err="1">
-                <a:solidFill>
-                  <a:srgbClr val="D4D4D4"/>
-                </a:solidFill>
-                <a:effectLst/>
-                <a:latin typeface="Consolas" panose="020B0609020204030204" pitchFamily="49" charset="0"/>
-              </a:rPr>
-              <a:t>.click</a:t>
-            </a:r>
-            <a:r>
-              <a:rPr lang="en-US" sz="2400" b="0" dirty="0">
-                <a:solidFill>
-                  <a:srgbClr val="D4D4D4"/>
-                </a:solidFill>
-                <a:effectLst/>
-                <a:latin typeface="Consolas" panose="020B0609020204030204" pitchFamily="49" charset="0"/>
-              </a:rPr>
-              <a:t>()</a:t>
+              <a:rPr lang="en-US" sz="2400" dirty="0">
+                <a:solidFill>
+                  <a:srgbClr val="6A9955"/>
+                </a:solidFill>
+                <a:latin typeface="Consolas" panose="020B0609020204030204" pitchFamily="49" charset="0"/>
+              </a:rPr>
+              <a:t>#   VNC server on Linux or you may get Class cast errors</a:t>
             </a:r>
           </a:p>
           <a:p>
@@ -9986,75 +10227,13 @@
               <a:buNone/>
             </a:pPr>
             <a:r>
-              <a:rPr lang="en-US" sz="2400" b="0" dirty="0">
+              <a:rPr lang="en-US" sz="2400" dirty="0">
                 <a:solidFill>
                   <a:srgbClr val="6A9955"/>
                 </a:solidFill>
-                <a:effectLst/>
-                <a:latin typeface="Consolas" panose="020B0609020204030204" pitchFamily="49" charset="0"/>
-              </a:rPr>
-              <a:t>    # return the Screen object for further use</a:t>
-            </a:r>
-            <a:r>
-              <a:rPr lang="en-US" sz="2400" dirty="0">
-                <a:solidFill>
-                  <a:srgbClr val="D4D4D4"/>
-                </a:solidFill>
-                <a:latin typeface="Consolas" panose="020B0609020204030204" pitchFamily="49" charset="0"/>
-              </a:rPr>
-              <a:t>    </a:t>
-            </a:r>
-            <a:endParaRPr lang="en-US" sz="2400" b="0" dirty="0">
-              <a:solidFill>
-                <a:srgbClr val="D4D4D4"/>
-              </a:solidFill>
-              <a:effectLst/>
-              <a:latin typeface="Consolas" panose="020B0609020204030204" pitchFamily="49" charset="0"/>
-            </a:endParaRPr>
-          </a:p>
-          <a:p>
-            <a:pPr marL="0" indent="0">
-              <a:buNone/>
-            </a:pPr>
-            <a:r>
-              <a:rPr lang="en-US" sz="2400" b="0" dirty="0">
-                <a:solidFill>
-                  <a:srgbClr val="D4D4D4"/>
-                </a:solidFill>
-                <a:effectLst/>
-                <a:latin typeface="Consolas" panose="020B0609020204030204" pitchFamily="49" charset="0"/>
-              </a:rPr>
-              <a:t>    </a:t>
-            </a:r>
-            <a:r>
-              <a:rPr lang="en-US" sz="2400" b="0" dirty="0">
-                <a:solidFill>
-                  <a:srgbClr val="C586C0"/>
-                </a:solidFill>
-                <a:effectLst/>
-                <a:latin typeface="Consolas" panose="020B0609020204030204" pitchFamily="49" charset="0"/>
-              </a:rPr>
-              <a:t>return</a:t>
-            </a:r>
-            <a:r>
-              <a:rPr lang="en-US" sz="2400" b="0" dirty="0">
-                <a:solidFill>
-                  <a:srgbClr val="D4D4D4"/>
-                </a:solidFill>
-                <a:effectLst/>
-                <a:latin typeface="Consolas" panose="020B0609020204030204" pitchFamily="49" charset="0"/>
-              </a:rPr>
-              <a:t> </a:t>
-            </a:r>
-            <a:r>
-              <a:rPr lang="en-US" sz="2400" b="0" dirty="0">
-                <a:solidFill>
-                  <a:srgbClr val="9CDCFE"/>
-                </a:solidFill>
-                <a:effectLst/>
-                <a:latin typeface="Consolas" panose="020B0609020204030204" pitchFamily="49" charset="0"/>
-              </a:rPr>
-              <a:t>vs</a:t>
+                <a:latin typeface="Consolas" panose="020B0609020204030204" pitchFamily="49" charset="0"/>
+              </a:rPr>
+              <a:t>#   in your scripts when dealing with images.</a:t>
             </a:r>
             <a:endParaRPr lang="en-US" sz="2400" b="0" dirty="0">
               <a:solidFill>
@@ -10081,7 +10260,7 @@
     </p:spTree>
     <p:extLst>
       <p:ext uri="{BB962C8B-B14F-4D97-AF65-F5344CB8AC3E}">
-        <p14:creationId xmlns:p14="http://schemas.microsoft.com/office/powerpoint/2010/main" val="338990918"/>
+        <p14:creationId xmlns:p14="http://schemas.microsoft.com/office/powerpoint/2010/main" val="1834910445"/>
       </p:ext>
     </p:extLst>
   </p:cSld>
@@ -10124,7 +10303,12 @@
             <p:ph type="title"/>
           </p:nvPr>
         </p:nvSpPr>
-        <p:spPr/>
+        <p:spPr>
+          <a:xfrm>
+            <a:off x="838200" y="365125"/>
+            <a:ext cx="3058339" cy="3467084"/>
+          </a:xfrm>
+        </p:spPr>
         <p:txBody>
           <a:bodyPr/>
           <a:lstStyle/>
@@ -10159,8 +10343,8 @@
         </p:nvSpPr>
         <p:spPr>
           <a:xfrm>
-            <a:off x="838200" y="1869990"/>
-            <a:ext cx="10515600" cy="3028254"/>
+            <a:off x="3896539" y="101090"/>
+            <a:ext cx="8202029" cy="6529460"/>
           </a:xfrm>
           <a:solidFill>
             <a:schemeClr val="tx1">
@@ -10186,7 +10370,7 @@
                 <a:effectLst/>
                 <a:latin typeface="Consolas" panose="020B0609020204030204" pitchFamily="49" charset="0"/>
               </a:rPr>
-              <a:t># Open a user session from the VNC connection</a:t>
+              <a:t># overall anatomy of a script using VNC</a:t>
             </a:r>
             <a:endParaRPr lang="en-US" sz="2400" b="0" dirty="0">
               <a:solidFill>
@@ -10203,12 +10387,12 @@
             <a:r>
               <a:rPr lang="en-US" sz="2400" b="0" dirty="0">
                 <a:solidFill>
-                  <a:srgbClr val="569CD6"/>
-                </a:solidFill>
-                <a:effectLst/>
-                <a:latin typeface="Consolas" panose="020B0609020204030204" pitchFamily="49" charset="0"/>
-              </a:rPr>
-              <a:t>def</a:t>
+                  <a:srgbClr val="C586C0"/>
+                </a:solidFill>
+                <a:effectLst/>
+                <a:latin typeface="Consolas" panose="020B0609020204030204" pitchFamily="49" charset="0"/>
+              </a:rPr>
+              <a:t>if</a:t>
             </a:r>
             <a:r>
               <a:rPr lang="en-US" sz="2400" b="0" dirty="0">
@@ -10221,34 +10405,34 @@
               <a:t> </a:t>
             </a:r>
             <a:r>
-              <a:rPr lang="en-US" sz="2400" b="0" dirty="0" err="1">
-                <a:solidFill>
-                  <a:srgbClr val="DCDCAA"/>
-                </a:solidFill>
-                <a:effectLst/>
-                <a:latin typeface="Consolas" panose="020B0609020204030204" pitchFamily="49" charset="0"/>
-              </a:rPr>
-              <a:t>open_session</a:t>
-            </a:r>
-            <a:r>
               <a:rPr lang="en-US" sz="2400" b="0" dirty="0">
                 <a:solidFill>
+                  <a:srgbClr val="9CDCFE"/>
+                </a:solidFill>
+                <a:effectLst/>
+                <a:latin typeface="Consolas" panose="020B0609020204030204" pitchFamily="49" charset="0"/>
+              </a:rPr>
+              <a:t>__name__</a:t>
+            </a:r>
+            <a:r>
+              <a:rPr lang="en-US" sz="2400" b="0" dirty="0">
+                <a:solidFill>
                   <a:srgbClr val="D4D4D4"/>
                 </a:solidFill>
                 <a:effectLst/>
                 <a:latin typeface="Consolas" panose="020B0609020204030204" pitchFamily="49" charset="0"/>
               </a:rPr>
-              <a:t>(</a:t>
+              <a:t> == </a:t>
             </a:r>
             <a:r>
               <a:rPr lang="en-US" sz="2400" b="0" dirty="0">
                 <a:solidFill>
-                  <a:srgbClr val="9CDCFE"/>
-                </a:solidFill>
-                <a:effectLst/>
-                <a:latin typeface="Consolas" panose="020B0609020204030204" pitchFamily="49" charset="0"/>
-              </a:rPr>
-              <a:t>vs</a:t>
+                  <a:srgbClr val="CE9178"/>
+                </a:solidFill>
+                <a:effectLst/>
+                <a:latin typeface="Consolas" panose="020B0609020204030204" pitchFamily="49" charset="0"/>
+              </a:rPr>
+              <a:t>'__main__'</a:t>
             </a:r>
             <a:r>
               <a:rPr lang="en-US" sz="2400" b="0" dirty="0">
@@ -10258,7 +10442,7 @@
                 <a:effectLst/>
                 <a:latin typeface="Consolas" panose="020B0609020204030204" pitchFamily="49" charset="0"/>
               </a:rPr>
-              <a:t>):</a:t>
+              <a:t>:</a:t>
             </a:r>
           </a:p>
           <a:p>
@@ -10273,49 +10457,40 @@
                 <a:effectLst/>
                 <a:latin typeface="Consolas" panose="020B0609020204030204" pitchFamily="49" charset="0"/>
               </a:rPr>
-              <a:t>    </a:t>
+              <a:t>    </a:t>
+            </a:r>
+            <a:r>
+              <a:rPr lang="en-US" sz="2400" b="1" dirty="0">
+                <a:solidFill>
+                  <a:srgbClr val="9CDCFE"/>
+                </a:solidFill>
+                <a:effectLst/>
+                <a:latin typeface="Consolas" panose="020B0609020204030204" pitchFamily="49" charset="0"/>
+              </a:rPr>
+              <a:t>vs</a:t>
             </a:r>
             <a:r>
               <a:rPr lang="en-US" sz="2400" b="0" dirty="0">
                 <a:solidFill>
-                  <a:srgbClr val="6A9955"/>
-                </a:solidFill>
-                <a:effectLst/>
-                <a:latin typeface="Consolas" panose="020B0609020204030204" pitchFamily="49" charset="0"/>
-              </a:rPr>
-              <a:t># if we can see the CTRL ALT DEL Welcome screen</a:t>
-            </a:r>
-            <a:br>
-              <a:rPr lang="en-US" sz="2400" b="0" dirty="0">
-                <a:solidFill>
                   <a:srgbClr val="D4D4D4"/>
                 </a:solidFill>
                 <a:effectLst/>
                 <a:latin typeface="Consolas" panose="020B0609020204030204" pitchFamily="49" charset="0"/>
               </a:rPr>
-            </a:br>
-            <a:r>
-              <a:rPr lang="en-US" sz="2400" b="0" dirty="0">
+              <a:t>=</a:t>
+            </a:r>
+            <a:r>
+              <a:rPr lang="en-US" sz="2400" b="1" dirty="0" err="1">
                 <a:solidFill>
                   <a:srgbClr val="D4D4D4"/>
                 </a:solidFill>
                 <a:effectLst/>
                 <a:latin typeface="Consolas" panose="020B0609020204030204" pitchFamily="49" charset="0"/>
               </a:rPr>
-              <a:t>    </a:t>
-            </a:r>
-            <a:r>
-              <a:rPr lang="en-US" sz="2400" b="0" dirty="0">
-                <a:solidFill>
-                  <a:srgbClr val="C586C0"/>
-                </a:solidFill>
-                <a:effectLst/>
-                <a:latin typeface="Consolas" panose="020B0609020204030204" pitchFamily="49" charset="0"/>
-              </a:rPr>
-              <a:t>if</a:t>
-            </a:r>
-            <a:r>
-              <a:rPr lang="en-US" sz="2400" b="0" dirty="0">
+              <a:t>dt_vnc_connect</a:t>
+            </a:r>
+            <a:r>
+              <a:rPr lang="en-US" sz="2400" b="1" dirty="0">
                 <a:solidFill>
                   <a:srgbClr val="D4D4D4"/>
                 </a:solidFill>
@@ -10325,54 +10500,93 @@
               <a:t>(</a:t>
             </a:r>
             <a:r>
-              <a:rPr lang="en-US" sz="2400" b="0" dirty="0" err="1">
-                <a:solidFill>
-                  <a:srgbClr val="9CDCFE"/>
-                </a:solidFill>
-                <a:effectLst/>
-                <a:latin typeface="Consolas" panose="020B0609020204030204" pitchFamily="49" charset="0"/>
-              </a:rPr>
-              <a:t>vs</a:t>
-            </a:r>
-            <a:r>
-              <a:rPr lang="en-US" sz="2400" b="0" dirty="0" err="1">
+              <a:rPr lang="en-US" sz="2400" b="1" dirty="0">
+                <a:solidFill>
+                  <a:srgbClr val="CE9178"/>
+                </a:solidFill>
+                <a:effectLst/>
+                <a:latin typeface="Consolas" panose="020B0609020204030204" pitchFamily="49" charset="0"/>
+              </a:rPr>
+              <a:t>"&lt;host&gt;"</a:t>
+            </a:r>
+            <a:r>
+              <a:rPr lang="en-US" sz="2400" b="1" dirty="0">
                 <a:solidFill>
                   <a:srgbClr val="D4D4D4"/>
                 </a:solidFill>
                 <a:effectLst/>
                 <a:latin typeface="Consolas" panose="020B0609020204030204" pitchFamily="49" charset="0"/>
               </a:rPr>
-              <a:t>.exists</a:t>
-            </a:r>
-            <a:r>
-              <a:rPr lang="en-US" sz="2400" b="0" dirty="0">
+              <a:t>,</a:t>
+            </a:r>
+            <a:r>
+              <a:rPr lang="en-US" sz="2400" b="1" dirty="0">
+                <a:solidFill>
+                  <a:srgbClr val="B5CEA8"/>
+                </a:solidFill>
+                <a:latin typeface="Consolas" panose="020B0609020204030204" pitchFamily="49" charset="0"/>
+              </a:rPr>
+              <a:t>&lt;port</a:t>
+            </a:r>
+            <a:r>
+              <a:rPr lang="en-US" sz="2400" b="1" dirty="0">
+                <a:solidFill>
+                  <a:srgbClr val="B5CEA8"/>
+                </a:solidFill>
+                <a:effectLst/>
+                <a:latin typeface="Consolas" panose="020B0609020204030204" pitchFamily="49" charset="0"/>
+              </a:rPr>
+              <a:t>&gt;</a:t>
+            </a:r>
+            <a:r>
+              <a:rPr lang="en-US" sz="2400" b="1" dirty="0">
                 <a:solidFill>
                   <a:srgbClr val="D4D4D4"/>
                 </a:solidFill>
                 <a:effectLst/>
                 <a:latin typeface="Consolas" panose="020B0609020204030204" pitchFamily="49" charset="0"/>
               </a:rPr>
-              <a:t>(</a:t>
-            </a:r>
-            <a:r>
-              <a:rPr lang="en-US" sz="2400" b="0" dirty="0">
+              <a:t>, </a:t>
+            </a:r>
+            <a:r>
+              <a:rPr lang="en-US" sz="2400" b="1" dirty="0">
                 <a:solidFill>
                   <a:srgbClr val="CE9178"/>
                 </a:solidFill>
                 <a:effectLst/>
                 <a:latin typeface="Consolas" panose="020B0609020204030204" pitchFamily="49" charset="0"/>
               </a:rPr>
-              <a:t>"press_ctrl_alt_del_to_unlock.png"</a:t>
-            </a:r>
-            <a:r>
-              <a:rPr lang="en-US" sz="2400" b="0" dirty="0">
+              <a:t>"&lt;</a:t>
+            </a:r>
+            <a:r>
+              <a:rPr lang="en-US" sz="2400" b="1" dirty="0" err="1">
+                <a:solidFill>
+                  <a:srgbClr val="CE9178"/>
+                </a:solidFill>
+                <a:effectLst/>
+                <a:latin typeface="Consolas" panose="020B0609020204030204" pitchFamily="49" charset="0"/>
+              </a:rPr>
+              <a:t>pwd</a:t>
+            </a:r>
+            <a:r>
+              <a:rPr lang="en-US" sz="2400" b="1" dirty="0">
+                <a:solidFill>
+                  <a:srgbClr val="CE9178"/>
+                </a:solidFill>
+                <a:effectLst/>
+                <a:latin typeface="Consolas" panose="020B0609020204030204" pitchFamily="49" charset="0"/>
+              </a:rPr>
+              <a:t>&gt;"</a:t>
+            </a:r>
+            <a:r>
+              <a:rPr lang="en-US" sz="2400" b="1" dirty="0">
                 <a:solidFill>
                   <a:srgbClr val="D4D4D4"/>
                 </a:solidFill>
                 <a:effectLst/>
                 <a:latin typeface="Consolas" panose="020B0609020204030204" pitchFamily="49" charset="0"/>
               </a:rPr>
-              <a:t>)):</a:t>
+              <a:t>) </a:t>
             </a:r>
           </a:p>
           <a:p>
@@ -10382,12 +10596,22 @@
             <a:r>
               <a:rPr lang="en-US" sz="2400" b="0" dirty="0">
                 <a:solidFill>
+                  <a:srgbClr val="D4D4D4"/>
+                </a:solidFill>
+                <a:effectLst/>
+                <a:latin typeface="Consolas" panose="020B0609020204030204" pitchFamily="49" charset="0"/>
+              </a:rPr>
+              <a:t>    </a:t>
+            </a:r>
+            <a:r>
+              <a:rPr lang="en-US" sz="2400" b="0" dirty="0">
+                <a:solidFill>
                   <a:srgbClr val="6A9955"/>
                 </a:solidFill>
                 <a:effectLst/>
                 <a:latin typeface="Consolas" panose="020B0609020204030204" pitchFamily="49" charset="0"/>
               </a:rPr>
-              <a:t>        # send the magic 3 fingers salute to open session</a:t>
+              <a:t># make it the default screen </a:t>
             </a:r>
             <a:endParaRPr lang="en-US" sz="2400" b="0" dirty="0">
               <a:solidFill>
@@ -10409,18 +10633,308 @@
                 <a:effectLst/>
                 <a:latin typeface="Consolas" panose="020B0609020204030204" pitchFamily="49" charset="0"/>
               </a:rPr>
+              <a:t>    </a:t>
+            </a:r>
+            <a:r>
+              <a:rPr lang="en-US" sz="2400" b="1" dirty="0">
+                <a:solidFill>
+                  <a:srgbClr val="D4D4D4"/>
+                </a:solidFill>
+                <a:effectLst/>
+                <a:latin typeface="Consolas" panose="020B0609020204030204" pitchFamily="49" charset="0"/>
+              </a:rPr>
+              <a:t>use(</a:t>
+            </a:r>
+            <a:r>
+              <a:rPr lang="en-US" sz="2400" b="1" dirty="0">
+                <a:solidFill>
+                  <a:srgbClr val="9CDCFE"/>
+                </a:solidFill>
+                <a:effectLst/>
+                <a:latin typeface="Consolas" panose="020B0609020204030204" pitchFamily="49" charset="0"/>
+              </a:rPr>
+              <a:t>vs</a:t>
+            </a:r>
+            <a:r>
+              <a:rPr lang="en-US" sz="2400" b="1" dirty="0">
+                <a:solidFill>
+                  <a:srgbClr val="D4D4D4"/>
+                </a:solidFill>
+                <a:effectLst/>
+                <a:latin typeface="Consolas" panose="020B0609020204030204" pitchFamily="49" charset="0"/>
+              </a:rPr>
+              <a:t>) </a:t>
+            </a:r>
+          </a:p>
+          <a:p>
+            <a:pPr marL="0" indent="0">
+              <a:buNone/>
+            </a:pPr>
+            <a:r>
+              <a:rPr lang="en-US" sz="2400" b="0" dirty="0">
+                <a:solidFill>
+                  <a:srgbClr val="D4D4D4"/>
+                </a:solidFill>
+                <a:effectLst/>
+                <a:latin typeface="Consolas" panose="020B0609020204030204" pitchFamily="49" charset="0"/>
+              </a:rPr>
+              <a:t>    </a:t>
+            </a:r>
+            <a:r>
+              <a:rPr lang="en-US" sz="2400" b="0" dirty="0">
+                <a:solidFill>
+                  <a:srgbClr val="C586C0"/>
+                </a:solidFill>
+                <a:effectLst/>
+                <a:latin typeface="Consolas" panose="020B0609020204030204" pitchFamily="49" charset="0"/>
+              </a:rPr>
+              <a:t>try</a:t>
+            </a:r>
+            <a:r>
+              <a:rPr lang="en-US" sz="2400" b="0" dirty="0">
+                <a:solidFill>
+                  <a:srgbClr val="D4D4D4"/>
+                </a:solidFill>
+                <a:effectLst/>
+                <a:latin typeface="Consolas" panose="020B0609020204030204" pitchFamily="49" charset="0"/>
+              </a:rPr>
+              <a:t>:        </a:t>
+            </a:r>
+          </a:p>
+          <a:p>
+            <a:pPr marL="0" indent="0">
+              <a:buNone/>
+            </a:pPr>
+            <a:r>
+              <a:rPr lang="en-US" sz="2400" b="0" dirty="0">
+                <a:solidFill>
+                  <a:srgbClr val="6A9955"/>
+                </a:solidFill>
+                <a:effectLst/>
+                <a:latin typeface="Consolas" panose="020B0609020204030204" pitchFamily="49" charset="0"/>
+              </a:rPr>
+              <a:t>           # your scenario steps</a:t>
+            </a:r>
+            <a:endParaRPr lang="en-US" sz="2400" b="0" dirty="0">
+              <a:solidFill>
+                <a:srgbClr val="D4D4D4"/>
+              </a:solidFill>
+              <a:effectLst/>
+              <a:latin typeface="Consolas" panose="020B0609020204030204" pitchFamily="49" charset="0"/>
+            </a:endParaRPr>
+          </a:p>
+          <a:p>
+            <a:pPr marL="0" indent="0">
+              <a:buNone/>
+            </a:pPr>
+            <a:r>
+              <a:rPr lang="en-US" sz="2400" b="0" dirty="0">
+                <a:solidFill>
+                  <a:srgbClr val="D4D4D4"/>
+                </a:solidFill>
+                <a:effectLst/>
+                <a:latin typeface="Consolas" panose="020B0609020204030204" pitchFamily="49" charset="0"/>
+              </a:rPr>
+              <a:t>           </a:t>
+            </a:r>
+            <a:r>
+              <a:rPr lang="en-US" sz="2400" b="0" dirty="0" err="1">
+                <a:solidFill>
+                  <a:srgbClr val="DCDCAA"/>
+                </a:solidFill>
+                <a:effectLst/>
+                <a:latin typeface="Consolas" panose="020B0609020204030204" pitchFamily="49" charset="0"/>
+              </a:rPr>
+              <a:t>open_session</a:t>
+            </a:r>
+            <a:r>
+              <a:rPr lang="en-US" sz="2400" b="0" dirty="0">
+                <a:solidFill>
+                  <a:srgbClr val="D4D4D4"/>
+                </a:solidFill>
+                <a:effectLst/>
+                <a:latin typeface="Consolas" panose="020B0609020204030204" pitchFamily="49" charset="0"/>
+              </a:rPr>
+              <a:t>()</a:t>
+            </a:r>
+          </a:p>
+          <a:p>
+            <a:pPr marL="0" indent="0">
+              <a:buNone/>
+            </a:pPr>
+            <a:r>
+              <a:rPr lang="en-US" sz="2400" b="0" dirty="0">
+                <a:solidFill>
+                  <a:srgbClr val="D4D4D4"/>
+                </a:solidFill>
+                <a:effectLst/>
+                <a:latin typeface="Consolas" panose="020B0609020204030204" pitchFamily="49" charset="0"/>
+              </a:rPr>
+              <a:t>           </a:t>
+            </a:r>
+            <a:r>
+              <a:rPr lang="en-US" sz="2400" b="0" dirty="0" err="1">
+                <a:solidFill>
+                  <a:srgbClr val="D4D4D4"/>
+                </a:solidFill>
+                <a:effectLst/>
+                <a:latin typeface="Consolas" panose="020B0609020204030204" pitchFamily="49" charset="0"/>
+              </a:rPr>
+              <a:t>my_nth_step</a:t>
+            </a:r>
+            <a:r>
+              <a:rPr lang="en-US" sz="2400" b="0" dirty="0">
+                <a:solidFill>
+                  <a:srgbClr val="D4D4D4"/>
+                </a:solidFill>
+                <a:effectLst/>
+                <a:latin typeface="Consolas" panose="020B0609020204030204" pitchFamily="49" charset="0"/>
+              </a:rPr>
+              <a:t>(</a:t>
+            </a:r>
+            <a:r>
+              <a:rPr lang="en-US" sz="2400" b="0" dirty="0">
+                <a:solidFill>
+                  <a:srgbClr val="CE9178"/>
+                </a:solidFill>
+                <a:effectLst/>
+                <a:latin typeface="Consolas" panose="020B0609020204030204" pitchFamily="49" charset="0"/>
+              </a:rPr>
+              <a:t>"some value"</a:t>
+            </a:r>
+            <a:r>
+              <a:rPr lang="en-US" sz="2400" b="0" dirty="0">
+                <a:solidFill>
+                  <a:srgbClr val="D4D4D4"/>
+                </a:solidFill>
+                <a:effectLst/>
+                <a:latin typeface="Consolas" panose="020B0609020204030204" pitchFamily="49" charset="0"/>
+              </a:rPr>
+              <a:t>)</a:t>
+            </a:r>
+          </a:p>
+          <a:p>
+            <a:pPr marL="0" indent="0">
+              <a:buNone/>
+            </a:pPr>
+            <a:r>
+              <a:rPr lang="en-US" sz="2400" dirty="0">
+                <a:solidFill>
+                  <a:srgbClr val="D4D4D4"/>
+                </a:solidFill>
+                <a:latin typeface="Consolas" panose="020B0609020204030204" pitchFamily="49" charset="0"/>
+              </a:rPr>
+              <a:t>           </a:t>
+            </a:r>
+            <a:r>
+              <a:rPr lang="en-US" sz="2400" dirty="0" err="1">
+                <a:solidFill>
+                  <a:srgbClr val="D4D4D4"/>
+                </a:solidFill>
+                <a:latin typeface="Consolas" panose="020B0609020204030204" pitchFamily="49" charset="0"/>
+              </a:rPr>
+              <a:t>close_session</a:t>
+            </a:r>
+            <a:r>
+              <a:rPr lang="en-US" sz="2400" dirty="0">
+                <a:solidFill>
+                  <a:srgbClr val="D4D4D4"/>
+                </a:solidFill>
+                <a:latin typeface="Consolas" panose="020B0609020204030204" pitchFamily="49" charset="0"/>
+              </a:rPr>
+              <a:t>()</a:t>
+            </a:r>
+            <a:endParaRPr lang="en-US" sz="2400" b="0" dirty="0">
+              <a:solidFill>
+                <a:srgbClr val="D4D4D4"/>
+              </a:solidFill>
+              <a:effectLst/>
+              <a:latin typeface="Consolas" panose="020B0609020204030204" pitchFamily="49" charset="0"/>
+            </a:endParaRPr>
+          </a:p>
+          <a:p>
+            <a:pPr marL="0" indent="0">
+              <a:buNone/>
+            </a:pPr>
+            <a:r>
+              <a:rPr lang="en-US" sz="2400" b="0" dirty="0">
+                <a:solidFill>
+                  <a:srgbClr val="D4D4D4"/>
+                </a:solidFill>
+                <a:effectLst/>
+                <a:latin typeface="Consolas" panose="020B0609020204030204" pitchFamily="49" charset="0"/>
+              </a:rPr>
+              <a:t>    </a:t>
+            </a:r>
+            <a:r>
+              <a:rPr lang="en-US" sz="2400" b="0" dirty="0">
+                <a:solidFill>
+                  <a:srgbClr val="C586C0"/>
+                </a:solidFill>
+                <a:effectLst/>
+                <a:latin typeface="Consolas" panose="020B0609020204030204" pitchFamily="49" charset="0"/>
+              </a:rPr>
+              <a:t>finally</a:t>
+            </a:r>
+            <a:r>
+              <a:rPr lang="en-US" sz="2400" b="0" dirty="0">
+                <a:solidFill>
+                  <a:srgbClr val="D4D4D4"/>
+                </a:solidFill>
+                <a:effectLst/>
+                <a:latin typeface="Consolas" panose="020B0609020204030204" pitchFamily="49" charset="0"/>
+              </a:rPr>
+              <a:t>:    </a:t>
+            </a:r>
+          </a:p>
+          <a:p>
+            <a:pPr marL="0" indent="0">
+              <a:buNone/>
+            </a:pPr>
+            <a:r>
+              <a:rPr lang="en-US" sz="2400" b="0" dirty="0">
+                <a:solidFill>
+                  <a:srgbClr val="D4D4D4"/>
+                </a:solidFill>
+                <a:effectLst/>
+                <a:latin typeface="Consolas" panose="020B0609020204030204" pitchFamily="49" charset="0"/>
+              </a:rPr>
               <a:t>        </a:t>
             </a:r>
             <a:r>
-              <a:rPr lang="en-US" sz="2400" b="0" dirty="0" err="1">
+              <a:rPr lang="en-US" sz="2400" b="1" dirty="0" err="1">
+                <a:solidFill>
+                  <a:srgbClr val="DCDCAA"/>
+                </a:solidFill>
+                <a:latin typeface="Consolas" panose="020B0609020204030204" pitchFamily="49" charset="0"/>
+              </a:rPr>
+              <a:t>dt_vnc_dis</a:t>
+            </a:r>
+            <a:r>
+              <a:rPr lang="en-US" sz="2400" b="1" dirty="0" err="1">
+                <a:solidFill>
+                  <a:srgbClr val="DCDCAA"/>
+                </a:solidFill>
+                <a:effectLst/>
+                <a:latin typeface="Consolas" panose="020B0609020204030204" pitchFamily="49" charset="0"/>
+              </a:rPr>
+              <a:t>connect</a:t>
+            </a:r>
+            <a:r>
+              <a:rPr lang="en-US" sz="2400" b="1" dirty="0">
                 <a:solidFill>
                   <a:srgbClr val="D4D4D4"/>
                 </a:solidFill>
                 <a:effectLst/>
                 <a:latin typeface="Consolas" panose="020B0609020204030204" pitchFamily="49" charset="0"/>
               </a:rPr>
-              <a:t>dt_vnc_send_ctrl_alt_del</a:t>
-            </a:r>
+              <a:t>()</a:t>
+            </a:r>
+          </a:p>
+          <a:p>
+            <a:pPr marL="0" indent="0">
+              <a:buNone/>
+            </a:pPr>
             <a:r>
               <a:rPr lang="en-US" sz="2400" b="0" dirty="0">
                 <a:solidFill>
@@ -10429,18 +10943,30 @@
                 <a:effectLst/>
                 <a:latin typeface="Consolas" panose="020B0609020204030204" pitchFamily="49" charset="0"/>
               </a:rPr>
-              <a:t>(</a:t>
+              <a:t>        </a:t>
             </a:r>
             <a:r>
               <a:rPr lang="en-US" sz="2400" b="0" dirty="0">
                 <a:solidFill>
-                  <a:srgbClr val="9CDCFE"/>
-                </a:solidFill>
-                <a:effectLst/>
-                <a:latin typeface="Consolas" panose="020B0609020204030204" pitchFamily="49" charset="0"/>
-              </a:rPr>
-              <a:t>vs</a:t>
-            </a:r>
+                  <a:srgbClr val="6A9955"/>
+                </a:solidFill>
+                <a:effectLst/>
+                <a:latin typeface="Consolas" panose="020B0609020204030204" pitchFamily="49" charset="0"/>
+              </a:rPr>
+              <a:t># revert to the default local screen</a:t>
+            </a:r>
+            <a:endParaRPr lang="en-US" sz="2400" b="0" dirty="0">
+              <a:solidFill>
+                <a:srgbClr val="D4D4D4"/>
+              </a:solidFill>
+              <a:effectLst/>
+              <a:latin typeface="Consolas" panose="020B0609020204030204" pitchFamily="49" charset="0"/>
+            </a:endParaRPr>
+          </a:p>
+          <a:p>
+            <a:pPr marL="0" indent="0">
+              <a:buNone/>
+            </a:pPr>
             <a:r>
               <a:rPr lang="en-US" sz="2400" b="0" dirty="0">
                 <a:solidFill>
@@ -10449,15 +10975,37 @@
                 <a:effectLst/>
                 <a:latin typeface="Consolas" panose="020B0609020204030204" pitchFamily="49" charset="0"/>
               </a:rPr>
-              <a:t>)</a:t>
-            </a:r>
+              <a:t>        </a:t>
+            </a:r>
+            <a:r>
+              <a:rPr lang="en-US" sz="2400" b="1" dirty="0">
+                <a:solidFill>
+                  <a:srgbClr val="D4D4D4"/>
+                </a:solidFill>
+                <a:effectLst/>
+                <a:latin typeface="Consolas" panose="020B0609020204030204" pitchFamily="49" charset="0"/>
+              </a:rPr>
+              <a:t>use() </a:t>
+            </a:r>
+          </a:p>
+          <a:p>
+            <a:pPr marL="0" indent="0">
+              <a:buNone/>
+            </a:pPr>
+            <a:endParaRPr lang="en-US" sz="2400" b="0" dirty="0">
+              <a:solidFill>
+                <a:srgbClr val="D4D4D4"/>
+              </a:solidFill>
+              <a:effectLst/>
+              <a:latin typeface="Consolas" panose="020B0609020204030204" pitchFamily="49" charset="0"/>
+            </a:endParaRPr>
           </a:p>
         </p:txBody>
       </p:sp>
     </p:spTree>
     <p:extLst>
       <p:ext uri="{BB962C8B-B14F-4D97-AF65-F5344CB8AC3E}">
-        <p14:creationId xmlns:p14="http://schemas.microsoft.com/office/powerpoint/2010/main" val="3655512903"/>
+        <p14:creationId xmlns:p14="http://schemas.microsoft.com/office/powerpoint/2010/main" val="1589421791"/>
       </p:ext>
     </p:extLst>
   </p:cSld>
@@ -10536,7 +11084,7 @@
         <p:spPr>
           <a:xfrm>
             <a:off x="838200" y="1351005"/>
-            <a:ext cx="10515600" cy="4457043"/>
+            <a:ext cx="10515600" cy="5261164"/>
           </a:xfrm>
           <a:solidFill>
             <a:schemeClr val="tx1">
@@ -10577,65 +11125,22 @@
               <a:buNone/>
             </a:pPr>
             <a:r>
-              <a:rPr lang="en-US" sz="2400" b="0" dirty="0">
-                <a:solidFill>
-                  <a:srgbClr val="569CD6"/>
-                </a:solidFill>
-                <a:effectLst/>
-                <a:latin typeface="Consolas" panose="020B0609020204030204" pitchFamily="49" charset="0"/>
-              </a:rPr>
-              <a:t>def</a:t>
-            </a:r>
-            <a:r>
-              <a:rPr lang="en-US" sz="2400" b="0" dirty="0">
-                <a:solidFill>
-                  <a:srgbClr val="D4D4D4"/>
-                </a:solidFill>
-                <a:effectLst/>
-                <a:latin typeface="Consolas" panose="020B0609020204030204" pitchFamily="49" charset="0"/>
-              </a:rPr>
-              <a:t> </a:t>
-            </a:r>
-            <a:r>
-              <a:rPr lang="en-US" sz="2400" b="0" dirty="0" err="1">
+              <a:rPr lang="en-US" sz="2400" dirty="0">
                 <a:solidFill>
                   <a:srgbClr val="DCDCAA"/>
                 </a:solidFill>
                 <a:effectLst/>
                 <a:latin typeface="Consolas" panose="020B0609020204030204" pitchFamily="49" charset="0"/>
               </a:rPr>
-              <a:t>open_session</a:t>
-            </a:r>
-            <a:r>
-              <a:rPr lang="en-US" sz="2400" b="0" dirty="0">
-                <a:solidFill>
-                  <a:srgbClr val="D4D4D4"/>
-                </a:solidFill>
-                <a:effectLst/>
-                <a:latin typeface="Consolas" panose="020B0609020204030204" pitchFamily="49" charset="0"/>
-              </a:rPr>
-              <a:t>(</a:t>
-            </a:r>
-            <a:r>
-              <a:rPr lang="en-US" sz="2400" b="0" dirty="0">
-                <a:solidFill>
-                  <a:srgbClr val="9CDCFE"/>
-                </a:solidFill>
-                <a:effectLst/>
-                <a:latin typeface="Consolas" panose="020B0609020204030204" pitchFamily="49" charset="0"/>
-              </a:rPr>
-              <a:t>vs</a:t>
-            </a:r>
-            <a:r>
-              <a:rPr lang="en-US" sz="2400" b="0" dirty="0">
-                <a:solidFill>
-                  <a:srgbClr val="D4D4D4"/>
-                </a:solidFill>
-                <a:effectLst/>
-                <a:latin typeface="Consolas" panose="020B0609020204030204" pitchFamily="49" charset="0"/>
-              </a:rPr>
-              <a:t>):</a:t>
-            </a:r>
+              <a:t>@dt_get_timings</a:t>
+            </a:r>
+            <a:endParaRPr lang="en-US" sz="2400" dirty="0">
+              <a:solidFill>
+                <a:srgbClr val="D4D4D4"/>
+              </a:solidFill>
+              <a:effectLst/>
+              <a:latin typeface="Consolas" panose="020B0609020204030204" pitchFamily="49" charset="0"/>
+            </a:endParaRPr>
           </a:p>
           <a:p>
             <a:pPr marL="0" indent="0">
@@ -10644,6 +11149,51 @@
             <a:r>
               <a:rPr lang="en-US" sz="2400" b="0" dirty="0">
                 <a:solidFill>
+                  <a:srgbClr val="569CD6"/>
+                </a:solidFill>
+                <a:effectLst/>
+                <a:latin typeface="Consolas" panose="020B0609020204030204" pitchFamily="49" charset="0"/>
+              </a:rPr>
+              <a:t>def</a:t>
+            </a:r>
+            <a:r>
+              <a:rPr lang="en-US" sz="2400" b="0" dirty="0">
+                <a:solidFill>
+                  <a:srgbClr val="D4D4D4"/>
+                </a:solidFill>
+                <a:effectLst/>
+                <a:latin typeface="Consolas" panose="020B0609020204030204" pitchFamily="49" charset="0"/>
+              </a:rPr>
+              <a:t> </a:t>
+            </a:r>
+            <a:r>
+              <a:rPr lang="en-US" sz="2400" b="0" dirty="0" err="1">
+                <a:solidFill>
+                  <a:srgbClr val="DCDCAA"/>
+                </a:solidFill>
+                <a:effectLst/>
+                <a:latin typeface="Consolas" panose="020B0609020204030204" pitchFamily="49" charset="0"/>
+              </a:rPr>
+              <a:t>open_session</a:t>
+            </a:r>
+            <a:r>
+              <a:rPr lang="en-US" sz="2400" b="0" dirty="0">
+                <a:solidFill>
+                  <a:srgbClr val="D4D4D4"/>
+                </a:solidFill>
+                <a:effectLst/>
+                <a:latin typeface="Consolas" panose="020B0609020204030204" pitchFamily="49" charset="0"/>
+              </a:rPr>
+              <a:t>():</a:t>
+            </a:r>
+          </a:p>
+          <a:p>
+            <a:pPr marL="0" indent="0">
+              <a:buNone/>
+            </a:pPr>
+            <a:r>
+              <a:rPr lang="en-US" sz="2400" b="0" dirty="0">
+                <a:solidFill>
                   <a:srgbClr val="D4D4D4"/>
                 </a:solidFill>
                 <a:effectLst/>
@@ -10698,37 +11248,7 @@
                 <a:effectLst/>
                 <a:latin typeface="Consolas" panose="020B0609020204030204" pitchFamily="49" charset="0"/>
               </a:rPr>
-              <a:t>(</a:t>
-            </a:r>
-            <a:r>
-              <a:rPr lang="en-US" sz="2400" b="0" dirty="0" err="1">
-                <a:solidFill>
-                  <a:srgbClr val="9CDCFE"/>
-                </a:solidFill>
-                <a:effectLst/>
-                <a:latin typeface="Consolas" panose="020B0609020204030204" pitchFamily="49" charset="0"/>
-              </a:rPr>
-              <a:t>vs</a:t>
-            </a:r>
-            <a:r>
-              <a:rPr lang="en-US" sz="2400" b="0" dirty="0" err="1">
-                <a:solidFill>
-                  <a:srgbClr val="D4D4D4"/>
-                </a:solidFill>
-                <a:effectLst/>
-                <a:latin typeface="Consolas" panose="020B0609020204030204" pitchFamily="49" charset="0"/>
-              </a:rPr>
-              <a:t>.exists</a:t>
-            </a:r>
-            <a:r>
-              <a:rPr lang="en-US" sz="2400" b="0" dirty="0">
-                <a:solidFill>
-                  <a:srgbClr val="D4D4D4"/>
-                </a:solidFill>
-                <a:effectLst/>
-                <a:latin typeface="Consolas" panose="020B0609020204030204" pitchFamily="49" charset="0"/>
-              </a:rPr>
-              <a:t>(</a:t>
+              <a:t>(exists(</a:t>
             </a:r>
             <a:r>
               <a:rPr lang="en-US" sz="2400" b="0" dirty="0">
@@ -10788,7 +11308,7 @@
               <a:t>        </a:t>
             </a:r>
             <a:r>
-              <a:rPr lang="en-US" sz="2400" b="0" dirty="0" err="1">
+              <a:rPr lang="en-US" sz="2400" b="1" dirty="0" err="1">
                 <a:solidFill>
                   <a:srgbClr val="D4D4D4"/>
                 </a:solidFill>
@@ -10798,34 +11318,14 @@
               <a:t>dt_vnc_send_ctrl_alt_del</a:t>
             </a:r>
             <a:r>
-              <a:rPr lang="en-US" sz="2400" b="0" dirty="0">
+              <a:rPr lang="en-US" sz="2400" b="1" dirty="0">
                 <a:solidFill>
                   <a:srgbClr val="D4D4D4"/>
                 </a:solidFill>
                 <a:effectLst/>
                 <a:latin typeface="Consolas" panose="020B0609020204030204" pitchFamily="49" charset="0"/>
               </a:rPr>
-              <a:t>(</a:t>
-            </a:r>
-            <a:r>
-              <a:rPr lang="en-US" sz="2400" b="0" dirty="0">
-                <a:solidFill>
-                  <a:srgbClr val="9CDCFE"/>
-                </a:solidFill>
-                <a:effectLst/>
-                <a:latin typeface="Consolas" panose="020B0609020204030204" pitchFamily="49" charset="0"/>
-              </a:rPr>
-              <a:t>vs</a:t>
-            </a:r>
-            <a:r>
-              <a:rPr lang="en-US" sz="2400" b="0" dirty="0">
-                <a:solidFill>
-                  <a:srgbClr val="D4D4D4"/>
-                </a:solidFill>
-                <a:effectLst/>
-                <a:latin typeface="Consolas" panose="020B0609020204030204" pitchFamily="49" charset="0"/>
-              </a:rPr>
-              <a:t>)</a:t>
+              <a:t>()</a:t>
             </a:r>
           </a:p>
           <a:p>
@@ -10879,37 +11379,7 @@
                 <a:effectLst/>
                 <a:latin typeface="Consolas" panose="020B0609020204030204" pitchFamily="49" charset="0"/>
               </a:rPr>
-              <a:t>(</a:t>
-            </a:r>
-            <a:r>
-              <a:rPr lang="en-US" sz="2400" b="0" dirty="0" err="1">
-                <a:solidFill>
-                  <a:srgbClr val="9CDCFE"/>
-                </a:solidFill>
-                <a:effectLst/>
-                <a:latin typeface="Consolas" panose="020B0609020204030204" pitchFamily="49" charset="0"/>
-              </a:rPr>
-              <a:t>vs</a:t>
-            </a:r>
-            <a:r>
-              <a:rPr lang="en-US" sz="2400" b="0" dirty="0" err="1">
-                <a:solidFill>
-                  <a:srgbClr val="D4D4D4"/>
-                </a:solidFill>
-                <a:effectLst/>
-                <a:latin typeface="Consolas" panose="020B0609020204030204" pitchFamily="49" charset="0"/>
-              </a:rPr>
-              <a:t>.exists</a:t>
-            </a:r>
-            <a:r>
-              <a:rPr lang="en-US" sz="2400" b="0" dirty="0">
-                <a:solidFill>
-                  <a:srgbClr val="D4D4D4"/>
-                </a:solidFill>
-                <a:effectLst/>
-                <a:latin typeface="Consolas" panose="020B0609020204030204" pitchFamily="49" charset="0"/>
-              </a:rPr>
-              <a:t>(</a:t>
+              <a:t>(exists(</a:t>
             </a:r>
             <a:r>
               <a:rPr lang="en-US" sz="2400" b="0" dirty="0">
@@ -10944,37 +11414,7 @@
                 <a:effectLst/>
                 <a:latin typeface="Consolas" panose="020B0609020204030204" pitchFamily="49" charset="0"/>
               </a:rPr>
-              <a:t>        </a:t>
-            </a:r>
-            <a:r>
-              <a:rPr lang="en-US" sz="2400" b="0" dirty="0" err="1">
-                <a:solidFill>
-                  <a:srgbClr val="9CDCFE"/>
-                </a:solidFill>
-                <a:effectLst/>
-                <a:latin typeface="Consolas" panose="020B0609020204030204" pitchFamily="49" charset="0"/>
-              </a:rPr>
-              <a:t>vs</a:t>
-            </a:r>
-            <a:r>
-              <a:rPr lang="en-US" sz="2400" b="0" dirty="0" err="1">
-                <a:solidFill>
-                  <a:srgbClr val="D4D4D4"/>
-                </a:solidFill>
-                <a:effectLst/>
-                <a:latin typeface="Consolas" panose="020B0609020204030204" pitchFamily="49" charset="0"/>
-              </a:rPr>
-              <a:t>.type</a:t>
-            </a:r>
-            <a:r>
-              <a:rPr lang="en-US" sz="2400" b="0" dirty="0">
-                <a:solidFill>
-                  <a:srgbClr val="D4D4D4"/>
-                </a:solidFill>
-                <a:effectLst/>
-                <a:latin typeface="Consolas" panose="020B0609020204030204" pitchFamily="49" charset="0"/>
-              </a:rPr>
-              <a:t>(</a:t>
+              <a:t>        type(</a:t>
             </a:r>
             <a:r>
               <a:rPr lang="en-US" sz="2400" b="0" dirty="0">
@@ -11009,37 +11449,7 @@
                 <a:effectLst/>
                 <a:latin typeface="Consolas" panose="020B0609020204030204" pitchFamily="49" charset="0"/>
               </a:rPr>
-              <a:t>        </a:t>
-            </a:r>
-            <a:r>
-              <a:rPr lang="en-US" sz="2400" b="0" dirty="0" err="1">
-                <a:solidFill>
-                  <a:srgbClr val="9CDCFE"/>
-                </a:solidFill>
-                <a:effectLst/>
-                <a:latin typeface="Consolas" panose="020B0609020204030204" pitchFamily="49" charset="0"/>
-              </a:rPr>
-              <a:t>vs</a:t>
-            </a:r>
-            <a:r>
-              <a:rPr lang="en-US" sz="2400" b="0" dirty="0" err="1">
-                <a:solidFill>
-                  <a:srgbClr val="D4D4D4"/>
-                </a:solidFill>
-                <a:effectLst/>
-                <a:latin typeface="Consolas" panose="020B0609020204030204" pitchFamily="49" charset="0"/>
-              </a:rPr>
-              <a:t>.type</a:t>
-            </a:r>
-            <a:r>
-              <a:rPr lang="en-US" sz="2400" b="0" dirty="0">
-                <a:solidFill>
-                  <a:srgbClr val="D4D4D4"/>
-                </a:solidFill>
-                <a:effectLst/>
-                <a:latin typeface="Consolas" panose="020B0609020204030204" pitchFamily="49" charset="0"/>
-              </a:rPr>
-              <a:t>(</a:t>
+              <a:t>        type(</a:t>
             </a:r>
             <a:r>
               <a:rPr lang="en-US" sz="2400" b="0" dirty="0" err="1">
@@ -11146,7 +11556,7 @@
         <p:spPr>
           <a:xfrm>
             <a:off x="838200" y="1351005"/>
-            <a:ext cx="10515600" cy="5379309"/>
+            <a:ext cx="10515600" cy="3625353"/>
           </a:xfrm>
           <a:solidFill>
             <a:schemeClr val="tx1">
@@ -11187,6 +11597,28 @@
               <a:buNone/>
             </a:pPr>
             <a:r>
+              <a:rPr lang="en-US" sz="2400" dirty="0">
+                <a:solidFill>
+                  <a:srgbClr val="DCDCAA"/>
+                </a:solidFill>
+                <a:effectLst/>
+                <a:latin typeface="Consolas" panose="020B0609020204030204" pitchFamily="49" charset="0"/>
+              </a:rPr>
+              <a:t>@dt_get_timings</a:t>
+            </a:r>
+            <a:endParaRPr lang="en-US" sz="2400" dirty="0">
+              <a:solidFill>
+                <a:srgbClr val="D4D4D4"/>
+              </a:solidFill>
+              <a:effectLst/>
+              <a:latin typeface="Consolas" panose="020B0609020204030204" pitchFamily="49" charset="0"/>
+            </a:endParaRPr>
+          </a:p>
+          <a:p>
+            <a:pPr marL="0" indent="0">
+              <a:buNone/>
+            </a:pPr>
+            <a:r>
               <a:rPr lang="en-US" sz="2400" b="0" dirty="0">
                 <a:solidFill>
                   <a:srgbClr val="569CD6"/>
@@ -11207,44 +11639,24 @@
               <a:t> </a:t>
             </a:r>
             <a:r>
+              <a:rPr lang="en-US" sz="2400" b="0" dirty="0" err="1">
+                <a:solidFill>
+                  <a:srgbClr val="DCDCAA"/>
+                </a:solidFill>
+                <a:effectLst/>
+                <a:latin typeface="Consolas" panose="020B0609020204030204" pitchFamily="49" charset="0"/>
+              </a:rPr>
+              <a:t>close_session</a:t>
+            </a:r>
+            <a:r>
               <a:rPr lang="en-US" sz="2400" b="0" dirty="0">
                 <a:solidFill>
-                  <a:srgbClr val="DCDCAA"/>
-                </a:solidFill>
-                <a:effectLst/>
-                <a:latin typeface="Consolas" panose="020B0609020204030204" pitchFamily="49" charset="0"/>
-              </a:rPr>
-              <a:t>disconnect</a:t>
-            </a:r>
-            <a:r>
-              <a:rPr lang="en-US" sz="2400" b="0" dirty="0">
-                <a:solidFill>
                   <a:srgbClr val="D4D4D4"/>
                 </a:solidFill>
                 <a:effectLst/>
                 <a:latin typeface="Consolas" panose="020B0609020204030204" pitchFamily="49" charset="0"/>
               </a:rPr>
-              <a:t>(</a:t>
-            </a:r>
-            <a:r>
-              <a:rPr lang="en-US" sz="2400" b="0" dirty="0">
-                <a:solidFill>
-                  <a:srgbClr val="9CDCFE"/>
-                </a:solidFill>
-                <a:effectLst/>
-                <a:latin typeface="Consolas" panose="020B0609020204030204" pitchFamily="49" charset="0"/>
-              </a:rPr>
-              <a:t>vs</a:t>
-            </a:r>
-            <a:r>
-              <a:rPr lang="en-US" sz="2400" b="0" dirty="0">
-                <a:solidFill>
-                  <a:srgbClr val="D4D4D4"/>
-                </a:solidFill>
-                <a:effectLst/>
-                <a:latin typeface="Consolas" panose="020B0609020204030204" pitchFamily="49" charset="0"/>
-              </a:rPr>
-              <a:t>):</a:t>
+              <a:t>():</a:t>
             </a:r>
           </a:p>
           <a:p>
@@ -11294,7 +11706,7 @@
               <a:t>    </a:t>
             </a:r>
             <a:r>
-              <a:rPr lang="en-US" sz="2400" b="0" dirty="0" err="1">
+              <a:rPr lang="en-US" sz="2400" b="1" dirty="0" err="1">
                 <a:solidFill>
                   <a:srgbClr val="D4D4D4"/>
                 </a:solidFill>
@@ -11304,34 +11716,14 @@
               <a:t>dt_vnc_send_ctrl_alt_del</a:t>
             </a:r>
             <a:r>
-              <a:rPr lang="en-US" sz="2400" b="0" dirty="0">
+              <a:rPr lang="en-US" sz="2400" b="1" dirty="0">
                 <a:solidFill>
                   <a:srgbClr val="D4D4D4"/>
                 </a:solidFill>
                 <a:effectLst/>
                 <a:latin typeface="Consolas" panose="020B0609020204030204" pitchFamily="49" charset="0"/>
               </a:rPr>
-              <a:t>(</a:t>
-            </a:r>
-            <a:r>
-              <a:rPr lang="en-US" sz="2400" b="0" dirty="0">
-                <a:solidFill>
-                  <a:srgbClr val="9CDCFE"/>
-                </a:solidFill>
-                <a:effectLst/>
-                <a:latin typeface="Consolas" panose="020B0609020204030204" pitchFamily="49" charset="0"/>
-              </a:rPr>
-              <a:t>vs</a:t>
-            </a:r>
-            <a:r>
-              <a:rPr lang="en-US" sz="2400" b="0" dirty="0">
-                <a:solidFill>
-                  <a:srgbClr val="D4D4D4"/>
-                </a:solidFill>
-                <a:effectLst/>
-                <a:latin typeface="Consolas" panose="020B0609020204030204" pitchFamily="49" charset="0"/>
-              </a:rPr>
-              <a:t>)</a:t>
+              <a:t>()</a:t>
             </a:r>
           </a:p>
           <a:p>
@@ -11398,67 +11790,7 @@
                 <a:effectLst/>
                 <a:latin typeface="Consolas" panose="020B0609020204030204" pitchFamily="49" charset="0"/>
               </a:rPr>
-              <a:t>    </a:t>
-            </a:r>
-            <a:r>
-              <a:rPr lang="en-US" sz="2400" b="0" dirty="0" err="1">
-                <a:solidFill>
-                  <a:srgbClr val="9CDCFE"/>
-                </a:solidFill>
-                <a:effectLst/>
-                <a:latin typeface="Consolas" panose="020B0609020204030204" pitchFamily="49" charset="0"/>
-              </a:rPr>
-              <a:t>vs</a:t>
-            </a:r>
-            <a:r>
-              <a:rPr lang="en-US" sz="2400" b="0" dirty="0" err="1">
-                <a:solidFill>
-                  <a:srgbClr val="D4D4D4"/>
-                </a:solidFill>
-                <a:effectLst/>
-                <a:latin typeface="Consolas" panose="020B0609020204030204" pitchFamily="49" charset="0"/>
-              </a:rPr>
-              <a:t>.click</a:t>
-            </a:r>
-            <a:r>
-              <a:rPr lang="en-US" sz="2400" b="0" dirty="0">
-                <a:solidFill>
-                  <a:srgbClr val="D4D4D4"/>
-                </a:solidFill>
-                <a:effectLst/>
-                <a:latin typeface="Consolas" panose="020B0609020204030204" pitchFamily="49" charset="0"/>
-              </a:rPr>
-              <a:t>(</a:t>
-            </a:r>
-            <a:r>
-              <a:rPr lang="en-US" sz="2400" b="0" dirty="0" err="1">
-                <a:solidFill>
-                  <a:srgbClr val="9CDCFE"/>
-                </a:solidFill>
-                <a:effectLst/>
-                <a:latin typeface="Consolas" panose="020B0609020204030204" pitchFamily="49" charset="0"/>
-              </a:rPr>
-              <a:t>vs</a:t>
-            </a:r>
-            <a:r>
-              <a:rPr lang="en-US" sz="2400" b="0" dirty="0" err="1">
-                <a:solidFill>
-                  <a:srgbClr val="D4D4D4"/>
-                </a:solidFill>
-                <a:effectLst/>
-                <a:latin typeface="Consolas" panose="020B0609020204030204" pitchFamily="49" charset="0"/>
-              </a:rPr>
-              <a:t>.wait</a:t>
-            </a:r>
-            <a:r>
-              <a:rPr lang="en-US" sz="2400" b="0" dirty="0">
-                <a:solidFill>
-                  <a:srgbClr val="D4D4D4"/>
-                </a:solidFill>
-                <a:effectLst/>
-                <a:latin typeface="Consolas" panose="020B0609020204030204" pitchFamily="49" charset="0"/>
-              </a:rPr>
-              <a:t>(</a:t>
+              <a:t>    click(wait(</a:t>
             </a:r>
             <a:r>
               <a:rPr lang="en-US" sz="2400" b="0" dirty="0">
@@ -11519,1257 +11851,6 @@
     <p:extLst>
       <p:ext uri="{BB962C8B-B14F-4D97-AF65-F5344CB8AC3E}">
         <p14:creationId xmlns:p14="http://schemas.microsoft.com/office/powerpoint/2010/main" val="2975774206"/>
-      </p:ext>
-    </p:extLst>
-  </p:cSld>
-  <p:clrMapOvr>
-    <a:masterClrMapping/>
-  </p:clrMapOvr>
-</p:sld>
-</file>
-
-<file path=ppt/slides/slide17.xml><?xml version="1.0" encoding="utf-8"?>
-<p:sld xmlns:a="http://schemas.openxmlformats.org/drawingml/2006/main" xmlns:r="http://schemas.openxmlformats.org/officeDocument/2006/relationships" xmlns:p="http://schemas.openxmlformats.org/presentationml/2006/main">
-  <p:cSld>
-    <p:spTree>
-      <p:nvGrpSpPr>
-        <p:cNvPr id="1" name=""/>
-        <p:cNvGrpSpPr/>
-        <p:nvPr/>
-      </p:nvGrpSpPr>
-      <p:grpSpPr>
-        <a:xfrm>
-          <a:off x="0" y="0"/>
-          <a:ext cx="0" cy="0"/>
-          <a:chOff x="0" y="0"/>
-          <a:chExt cx="0" cy="0"/>
-        </a:xfrm>
-      </p:grpSpPr>
-      <p:sp>
-        <p:nvSpPr>
-          <p:cNvPr id="2" name="Title 1">
-            <a:extLst>
-              <a:ext uri="{FF2B5EF4-FFF2-40B4-BE49-F238E27FC236}">
-                <a16:creationId xmlns:a16="http://schemas.microsoft.com/office/drawing/2014/main" id="{75397719-49BB-4ECF-BE0E-503DF06B249A}"/>
-              </a:ext>
-            </a:extLst>
-          </p:cNvPr>
-          <p:cNvSpPr>
-            <a:spLocks noGrp="1"/>
-          </p:cNvSpPr>
-          <p:nvPr>
-            <p:ph type="title"/>
-          </p:nvPr>
-        </p:nvSpPr>
-        <p:spPr/>
-        <p:txBody>
-          <a:bodyPr/>
-          <a:lstStyle/>
-          <a:p>
-            <a:r>
-              <a:rPr lang="fr-FR" dirty="0" err="1"/>
-              <a:t>Using</a:t>
-            </a:r>
-            <a:r>
-              <a:rPr lang="fr-FR" dirty="0"/>
-              <a:t> VNC to capture and replay scripts</a:t>
-            </a:r>
-            <a:endParaRPr lang="en-US" dirty="0"/>
-          </a:p>
-        </p:txBody>
-      </p:sp>
-      <p:sp>
-        <p:nvSpPr>
-          <p:cNvPr id="3" name="Content Placeholder 2">
-            <a:extLst>
-              <a:ext uri="{FF2B5EF4-FFF2-40B4-BE49-F238E27FC236}">
-                <a16:creationId xmlns:a16="http://schemas.microsoft.com/office/drawing/2014/main" id="{82F37104-CD3C-4828-A891-EB5DD78F6848}"/>
-              </a:ext>
-            </a:extLst>
-          </p:cNvPr>
-          <p:cNvSpPr>
-            <a:spLocks noGrp="1"/>
-          </p:cNvSpPr>
-          <p:nvPr>
-            <p:ph idx="1"/>
-          </p:nvPr>
-        </p:nvSpPr>
-        <p:spPr>
-          <a:xfrm>
-            <a:off x="838200" y="1351005"/>
-            <a:ext cx="10515600" cy="5379309"/>
-          </a:xfrm>
-          <a:solidFill>
-            <a:schemeClr val="tx1">
-              <a:lumMod val="75000"/>
-              <a:lumOff val="25000"/>
-            </a:schemeClr>
-          </a:solidFill>
-        </p:spPr>
-        <p:txBody>
-          <a:bodyPr>
-            <a:noAutofit/>
-          </a:bodyPr>
-          <a:lstStyle/>
-          <a:p>
-            <a:pPr marL="0" indent="0">
-              <a:buNone/>
-            </a:pPr>
-            <a:r>
-              <a:rPr lang="en-US" sz="2400" b="0" dirty="0">
-                <a:solidFill>
-                  <a:srgbClr val="6A9955"/>
-                </a:solidFill>
-                <a:effectLst/>
-                <a:latin typeface="Consolas" panose="020B0609020204030204" pitchFamily="49" charset="0"/>
-              </a:rPr>
-              <a:t># pass the VNC Screen object as a parameter for each steps</a:t>
-            </a:r>
-            <a:endParaRPr lang="en-US" sz="2400" b="0" dirty="0">
-              <a:solidFill>
-                <a:srgbClr val="D4D4D4"/>
-              </a:solidFill>
-              <a:effectLst/>
-              <a:latin typeface="Consolas" panose="020B0609020204030204" pitchFamily="49" charset="0"/>
-            </a:endParaRPr>
-          </a:p>
-          <a:p>
-            <a:pPr marL="0" indent="0">
-              <a:buNone/>
-            </a:pPr>
-            <a:r>
-              <a:rPr lang="en-US" sz="2400" dirty="0">
-                <a:solidFill>
-                  <a:srgbClr val="DCDCAA"/>
-                </a:solidFill>
-                <a:effectLst/>
-                <a:latin typeface="Consolas" panose="020B0609020204030204" pitchFamily="49" charset="0"/>
-              </a:rPr>
-              <a:t>@dt_get_timings</a:t>
-            </a:r>
-            <a:endParaRPr lang="en-US" sz="2400" dirty="0">
-              <a:solidFill>
-                <a:srgbClr val="D4D4D4"/>
-              </a:solidFill>
-              <a:effectLst/>
-              <a:latin typeface="Consolas" panose="020B0609020204030204" pitchFamily="49" charset="0"/>
-            </a:endParaRPr>
-          </a:p>
-          <a:p>
-            <a:pPr marL="0" indent="0">
-              <a:buNone/>
-            </a:pPr>
-            <a:r>
-              <a:rPr lang="en-US" sz="2400" b="0" dirty="0">
-                <a:solidFill>
-                  <a:srgbClr val="569CD6"/>
-                </a:solidFill>
-                <a:effectLst/>
-                <a:latin typeface="Consolas" panose="020B0609020204030204" pitchFamily="49" charset="0"/>
-              </a:rPr>
-              <a:t>def</a:t>
-            </a:r>
-            <a:r>
-              <a:rPr lang="en-US" sz="2400" b="0" dirty="0">
-                <a:solidFill>
-                  <a:srgbClr val="D4D4D4"/>
-                </a:solidFill>
-                <a:effectLst/>
-                <a:latin typeface="Consolas" panose="020B0609020204030204" pitchFamily="49" charset="0"/>
-              </a:rPr>
-              <a:t> </a:t>
-            </a:r>
-            <a:r>
-              <a:rPr lang="en-US" sz="2400" dirty="0" err="1">
-                <a:solidFill>
-                  <a:srgbClr val="DCDCAA"/>
-                </a:solidFill>
-                <a:latin typeface="Consolas" panose="020B0609020204030204" pitchFamily="49" charset="0"/>
-              </a:rPr>
-              <a:t>my_first_step</a:t>
-            </a:r>
-            <a:r>
-              <a:rPr lang="en-US" sz="2400" b="0" dirty="0">
-                <a:solidFill>
-                  <a:srgbClr val="D4D4D4"/>
-                </a:solidFill>
-                <a:effectLst/>
-                <a:latin typeface="Consolas" panose="020B0609020204030204" pitchFamily="49" charset="0"/>
-              </a:rPr>
-              <a:t>(</a:t>
-            </a:r>
-            <a:r>
-              <a:rPr lang="en-US" sz="2400" b="1" dirty="0">
-                <a:solidFill>
-                  <a:srgbClr val="9CDCFE"/>
-                </a:solidFill>
-                <a:effectLst/>
-                <a:latin typeface="Consolas" panose="020B0609020204030204" pitchFamily="49" charset="0"/>
-              </a:rPr>
-              <a:t>vs</a:t>
-            </a:r>
-            <a:r>
-              <a:rPr lang="en-US" sz="2400" b="0" dirty="0">
-                <a:solidFill>
-                  <a:srgbClr val="D4D4D4"/>
-                </a:solidFill>
-                <a:effectLst/>
-                <a:latin typeface="Consolas" panose="020B0609020204030204" pitchFamily="49" charset="0"/>
-              </a:rPr>
-              <a:t>):</a:t>
-            </a:r>
-          </a:p>
-          <a:p>
-            <a:pPr marL="0" indent="0">
-              <a:buNone/>
-            </a:pPr>
-            <a:r>
-              <a:rPr lang="en-US" sz="2400" b="0" dirty="0">
-                <a:solidFill>
-                  <a:srgbClr val="6A9955"/>
-                </a:solidFill>
-                <a:effectLst/>
-                <a:latin typeface="Consolas" panose="020B0609020204030204" pitchFamily="49" charset="0"/>
-              </a:rPr>
-              <a:t>    # use the VNC Screen object as a prefix to your actions</a:t>
-            </a:r>
-            <a:endParaRPr lang="en-US" sz="2400" b="0" dirty="0">
-              <a:solidFill>
-                <a:srgbClr val="D4D4D4"/>
-              </a:solidFill>
-              <a:effectLst/>
-              <a:latin typeface="Consolas" panose="020B0609020204030204" pitchFamily="49" charset="0"/>
-            </a:endParaRPr>
-          </a:p>
-          <a:p>
-            <a:pPr marL="0" indent="0">
-              <a:buNone/>
-            </a:pPr>
-            <a:r>
-              <a:rPr lang="en-US" sz="2400" b="0" dirty="0">
-                <a:solidFill>
-                  <a:srgbClr val="D4D4D4"/>
-                </a:solidFill>
-                <a:effectLst/>
-                <a:latin typeface="Consolas" panose="020B0609020204030204" pitchFamily="49" charset="0"/>
-              </a:rPr>
-              <a:t>    </a:t>
-            </a:r>
-            <a:r>
-              <a:rPr lang="en-US" sz="2400" b="1" dirty="0" err="1">
-                <a:solidFill>
-                  <a:srgbClr val="9CDCFE"/>
-                </a:solidFill>
-                <a:effectLst/>
-                <a:latin typeface="Consolas" panose="020B0609020204030204" pitchFamily="49" charset="0"/>
-              </a:rPr>
-              <a:t>vs</a:t>
-            </a:r>
-            <a:r>
-              <a:rPr lang="en-US" sz="2400" b="1" dirty="0" err="1">
-                <a:solidFill>
-                  <a:srgbClr val="D4D4D4"/>
-                </a:solidFill>
-                <a:effectLst/>
-                <a:latin typeface="Consolas" panose="020B0609020204030204" pitchFamily="49" charset="0"/>
-              </a:rPr>
-              <a:t>.</a:t>
-            </a:r>
-            <a:r>
-              <a:rPr lang="en-US" sz="2400" b="0" dirty="0" err="1">
-                <a:solidFill>
-                  <a:srgbClr val="D4D4D4"/>
-                </a:solidFill>
-                <a:effectLst/>
-                <a:latin typeface="Consolas" panose="020B0609020204030204" pitchFamily="49" charset="0"/>
-              </a:rPr>
-              <a:t>click</a:t>
-            </a:r>
-            <a:r>
-              <a:rPr lang="en-US" sz="2400" b="0" dirty="0">
-                <a:solidFill>
-                  <a:srgbClr val="D4D4D4"/>
-                </a:solidFill>
-                <a:effectLst/>
-                <a:latin typeface="Consolas" panose="020B0609020204030204" pitchFamily="49" charset="0"/>
-              </a:rPr>
-              <a:t>(</a:t>
-            </a:r>
-            <a:r>
-              <a:rPr lang="en-US" sz="2400" b="0" dirty="0">
-                <a:solidFill>
-                  <a:srgbClr val="CE9178"/>
-                </a:solidFill>
-                <a:effectLst/>
-                <a:latin typeface="Consolas" panose="020B0609020204030204" pitchFamily="49" charset="0"/>
-              </a:rPr>
-              <a:t>"some_image.png"</a:t>
-            </a:r>
-            <a:r>
-              <a:rPr lang="en-US" sz="2400" b="0" dirty="0">
-                <a:solidFill>
-                  <a:srgbClr val="D4D4D4"/>
-                </a:solidFill>
-                <a:effectLst/>
-                <a:latin typeface="Consolas" panose="020B0609020204030204" pitchFamily="49" charset="0"/>
-              </a:rPr>
-              <a:t>)</a:t>
-            </a:r>
-          </a:p>
-          <a:p>
-            <a:pPr marL="0" indent="0">
-              <a:buNone/>
-            </a:pPr>
-            <a:r>
-              <a:rPr lang="en-US" sz="2400" b="0" dirty="0">
-                <a:solidFill>
-                  <a:srgbClr val="D4D4D4"/>
-                </a:solidFill>
-                <a:effectLst/>
-                <a:latin typeface="Consolas" panose="020B0609020204030204" pitchFamily="49" charset="0"/>
-              </a:rPr>
-              <a:t>    </a:t>
-            </a:r>
-            <a:r>
-              <a:rPr lang="en-US" sz="2400" b="0" dirty="0">
-                <a:solidFill>
-                  <a:srgbClr val="C586C0"/>
-                </a:solidFill>
-                <a:effectLst/>
-                <a:latin typeface="Consolas" panose="020B0609020204030204" pitchFamily="49" charset="0"/>
-              </a:rPr>
-              <a:t>if</a:t>
-            </a:r>
-            <a:r>
-              <a:rPr lang="en-US" sz="2400" b="0" dirty="0">
-                <a:solidFill>
-                  <a:srgbClr val="D4D4D4"/>
-                </a:solidFill>
-                <a:effectLst/>
-                <a:latin typeface="Consolas" panose="020B0609020204030204" pitchFamily="49" charset="0"/>
-              </a:rPr>
-              <a:t>(</a:t>
-            </a:r>
-            <a:r>
-              <a:rPr lang="en-US" sz="2400" b="1" dirty="0" err="1">
-                <a:solidFill>
-                  <a:srgbClr val="9CDCFE"/>
-                </a:solidFill>
-                <a:effectLst/>
-                <a:latin typeface="Consolas" panose="020B0609020204030204" pitchFamily="49" charset="0"/>
-              </a:rPr>
-              <a:t>vs</a:t>
-            </a:r>
-            <a:r>
-              <a:rPr lang="en-US" sz="2400" b="1" dirty="0" err="1">
-                <a:solidFill>
-                  <a:srgbClr val="D4D4D4"/>
-                </a:solidFill>
-                <a:effectLst/>
-                <a:latin typeface="Consolas" panose="020B0609020204030204" pitchFamily="49" charset="0"/>
-              </a:rPr>
-              <a:t>.</a:t>
-            </a:r>
-            <a:r>
-              <a:rPr lang="en-US" sz="2400" b="0" dirty="0" err="1">
-                <a:solidFill>
-                  <a:srgbClr val="D4D4D4"/>
-                </a:solidFill>
-                <a:effectLst/>
-                <a:latin typeface="Consolas" panose="020B0609020204030204" pitchFamily="49" charset="0"/>
-              </a:rPr>
-              <a:t>find</a:t>
-            </a:r>
-            <a:r>
-              <a:rPr lang="en-US" sz="2400" b="0" dirty="0">
-                <a:solidFill>
-                  <a:srgbClr val="D4D4D4"/>
-                </a:solidFill>
-                <a:effectLst/>
-                <a:latin typeface="Consolas" panose="020B0609020204030204" pitchFamily="49" charset="0"/>
-              </a:rPr>
-              <a:t>(</a:t>
-            </a:r>
-            <a:r>
-              <a:rPr lang="en-US" sz="2400" b="0" dirty="0">
-                <a:solidFill>
-                  <a:srgbClr val="CE9178"/>
-                </a:solidFill>
-                <a:effectLst/>
-                <a:latin typeface="Consolas" panose="020B0609020204030204" pitchFamily="49" charset="0"/>
-              </a:rPr>
-              <a:t>"expected_result.png"</a:t>
-            </a:r>
-            <a:r>
-              <a:rPr lang="en-US" sz="2400" b="0" dirty="0">
-                <a:solidFill>
-                  <a:srgbClr val="D4D4D4"/>
-                </a:solidFill>
-                <a:effectLst/>
-                <a:latin typeface="Consolas" panose="020B0609020204030204" pitchFamily="49" charset="0"/>
-              </a:rPr>
-              <a:t>)):</a:t>
-            </a:r>
-          </a:p>
-          <a:p>
-            <a:pPr marL="0" indent="0">
-              <a:buNone/>
-            </a:pPr>
-            <a:r>
-              <a:rPr lang="en-US" sz="2400" b="0" dirty="0">
-                <a:solidFill>
-                  <a:srgbClr val="D4D4D4"/>
-                </a:solidFill>
-                <a:effectLst/>
-                <a:latin typeface="Consolas" panose="020B0609020204030204" pitchFamily="49" charset="0"/>
-              </a:rPr>
-              <a:t>        </a:t>
-            </a:r>
-            <a:r>
-              <a:rPr lang="en-US" sz="2400" b="0" dirty="0">
-                <a:solidFill>
-                  <a:srgbClr val="DCDCAA"/>
-                </a:solidFill>
-                <a:effectLst/>
-                <a:latin typeface="Consolas" panose="020B0609020204030204" pitchFamily="49" charset="0"/>
-              </a:rPr>
-              <a:t>print</a:t>
-            </a:r>
-            <a:r>
-              <a:rPr lang="en-US" sz="2400" b="0" dirty="0">
-                <a:solidFill>
-                  <a:srgbClr val="D4D4D4"/>
-                </a:solidFill>
-                <a:effectLst/>
-                <a:latin typeface="Consolas" panose="020B0609020204030204" pitchFamily="49" charset="0"/>
-              </a:rPr>
-              <a:t>(</a:t>
-            </a:r>
-            <a:r>
-              <a:rPr lang="en-US" sz="2400" b="0" dirty="0">
-                <a:solidFill>
-                  <a:srgbClr val="CE9178"/>
-                </a:solidFill>
-                <a:effectLst/>
-                <a:latin typeface="Consolas" panose="020B0609020204030204" pitchFamily="49" charset="0"/>
-              </a:rPr>
-              <a:t>"Good"</a:t>
-            </a:r>
-            <a:r>
-              <a:rPr lang="en-US" sz="2400" b="0" dirty="0">
-                <a:solidFill>
-                  <a:srgbClr val="D4D4D4"/>
-                </a:solidFill>
-                <a:effectLst/>
-                <a:latin typeface="Consolas" panose="020B0609020204030204" pitchFamily="49" charset="0"/>
-              </a:rPr>
-              <a:t>)</a:t>
-            </a:r>
-          </a:p>
-          <a:p>
-            <a:pPr marL="0" indent="0">
-              <a:buNone/>
-            </a:pPr>
-            <a:r>
-              <a:rPr lang="en-US" sz="2400" b="0" dirty="0">
-                <a:solidFill>
-                  <a:srgbClr val="D4D4D4"/>
-                </a:solidFill>
-                <a:effectLst/>
-                <a:latin typeface="Consolas" panose="020B0609020204030204" pitchFamily="49" charset="0"/>
-              </a:rPr>
-              <a:t>    </a:t>
-            </a:r>
-            <a:r>
-              <a:rPr lang="en-US" sz="2400" b="0" dirty="0">
-                <a:solidFill>
-                  <a:srgbClr val="C586C0"/>
-                </a:solidFill>
-                <a:effectLst/>
-                <a:latin typeface="Consolas" panose="020B0609020204030204" pitchFamily="49" charset="0"/>
-              </a:rPr>
-              <a:t>else</a:t>
-            </a:r>
-            <a:r>
-              <a:rPr lang="en-US" sz="2400" b="0" dirty="0">
-                <a:solidFill>
-                  <a:srgbClr val="D4D4D4"/>
-                </a:solidFill>
-                <a:effectLst/>
-                <a:latin typeface="Consolas" panose="020B0609020204030204" pitchFamily="49" charset="0"/>
-              </a:rPr>
-              <a:t>:</a:t>
-            </a:r>
-          </a:p>
-          <a:p>
-            <a:pPr marL="0" indent="0">
-              <a:buNone/>
-            </a:pPr>
-            <a:r>
-              <a:rPr lang="en-US" sz="2400" b="0" dirty="0">
-                <a:solidFill>
-                  <a:srgbClr val="D4D4D4"/>
-                </a:solidFill>
-                <a:effectLst/>
-                <a:latin typeface="Consolas" panose="020B0609020204030204" pitchFamily="49" charset="0"/>
-              </a:rPr>
-              <a:t>        </a:t>
-            </a:r>
-            <a:r>
-              <a:rPr lang="en-US" sz="2400" b="0" dirty="0">
-                <a:solidFill>
-                  <a:srgbClr val="DCDCAA"/>
-                </a:solidFill>
-                <a:effectLst/>
-                <a:latin typeface="Consolas" panose="020B0609020204030204" pitchFamily="49" charset="0"/>
-              </a:rPr>
-              <a:t>print</a:t>
-            </a:r>
-            <a:r>
-              <a:rPr lang="en-US" sz="2400" b="0" dirty="0">
-                <a:solidFill>
-                  <a:srgbClr val="D4D4D4"/>
-                </a:solidFill>
-                <a:effectLst/>
-                <a:latin typeface="Consolas" panose="020B0609020204030204" pitchFamily="49" charset="0"/>
-              </a:rPr>
-              <a:t>(</a:t>
-            </a:r>
-            <a:r>
-              <a:rPr lang="en-US" sz="2400" b="0" dirty="0">
-                <a:solidFill>
-                  <a:srgbClr val="CE9178"/>
-                </a:solidFill>
-                <a:effectLst/>
-                <a:latin typeface="Consolas" panose="020B0609020204030204" pitchFamily="49" charset="0"/>
-              </a:rPr>
-              <a:t>"Error"</a:t>
-            </a:r>
-            <a:r>
-              <a:rPr lang="en-US" sz="2400" b="0" dirty="0">
-                <a:solidFill>
-                  <a:srgbClr val="D4D4D4"/>
-                </a:solidFill>
-                <a:effectLst/>
-                <a:latin typeface="Consolas" panose="020B0609020204030204" pitchFamily="49" charset="0"/>
-              </a:rPr>
-              <a:t>)</a:t>
-            </a:r>
-          </a:p>
-          <a:p>
-            <a:pPr marL="0" indent="0">
-              <a:buNone/>
-            </a:pPr>
-            <a:endParaRPr lang="en-US" sz="2400" b="0" dirty="0">
-              <a:solidFill>
-                <a:srgbClr val="D4D4D4"/>
-              </a:solidFill>
-              <a:effectLst/>
-              <a:latin typeface="Consolas" panose="020B0609020204030204" pitchFamily="49" charset="0"/>
-            </a:endParaRPr>
-          </a:p>
-        </p:txBody>
-      </p:sp>
-    </p:spTree>
-    <p:extLst>
-      <p:ext uri="{BB962C8B-B14F-4D97-AF65-F5344CB8AC3E}">
-        <p14:creationId xmlns:p14="http://schemas.microsoft.com/office/powerpoint/2010/main" val="820047511"/>
-      </p:ext>
-    </p:extLst>
-  </p:cSld>
-  <p:clrMapOvr>
-    <a:masterClrMapping/>
-  </p:clrMapOvr>
-</p:sld>
-</file>
-
-<file path=ppt/slides/slide18.xml><?xml version="1.0" encoding="utf-8"?>
-<p:sld xmlns:a="http://schemas.openxmlformats.org/drawingml/2006/main" xmlns:r="http://schemas.openxmlformats.org/officeDocument/2006/relationships" xmlns:p="http://schemas.openxmlformats.org/presentationml/2006/main">
-  <p:cSld>
-    <p:spTree>
-      <p:nvGrpSpPr>
-        <p:cNvPr id="1" name=""/>
-        <p:cNvGrpSpPr/>
-        <p:nvPr/>
-      </p:nvGrpSpPr>
-      <p:grpSpPr>
-        <a:xfrm>
-          <a:off x="0" y="0"/>
-          <a:ext cx="0" cy="0"/>
-          <a:chOff x="0" y="0"/>
-          <a:chExt cx="0" cy="0"/>
-        </a:xfrm>
-      </p:grpSpPr>
-      <p:sp>
-        <p:nvSpPr>
-          <p:cNvPr id="2" name="Title 1">
-            <a:extLst>
-              <a:ext uri="{FF2B5EF4-FFF2-40B4-BE49-F238E27FC236}">
-                <a16:creationId xmlns:a16="http://schemas.microsoft.com/office/drawing/2014/main" id="{75397719-49BB-4ECF-BE0E-503DF06B249A}"/>
-              </a:ext>
-            </a:extLst>
-          </p:cNvPr>
-          <p:cNvSpPr>
-            <a:spLocks noGrp="1"/>
-          </p:cNvSpPr>
-          <p:nvPr>
-            <p:ph type="title"/>
-          </p:nvPr>
-        </p:nvSpPr>
-        <p:spPr>
-          <a:xfrm>
-            <a:off x="838199" y="365125"/>
-            <a:ext cx="10855411" cy="808767"/>
-          </a:xfrm>
-        </p:spPr>
-        <p:txBody>
-          <a:bodyPr/>
-          <a:lstStyle/>
-          <a:p>
-            <a:r>
-              <a:rPr lang="fr-FR" dirty="0" err="1"/>
-              <a:t>Using</a:t>
-            </a:r>
-            <a:r>
-              <a:rPr lang="fr-FR" dirty="0"/>
-              <a:t> VNC to capture and replay scripts</a:t>
-            </a:r>
-            <a:endParaRPr lang="en-US" dirty="0"/>
-          </a:p>
-        </p:txBody>
-      </p:sp>
-      <p:sp>
-        <p:nvSpPr>
-          <p:cNvPr id="3" name="Content Placeholder 2">
-            <a:extLst>
-              <a:ext uri="{FF2B5EF4-FFF2-40B4-BE49-F238E27FC236}">
-                <a16:creationId xmlns:a16="http://schemas.microsoft.com/office/drawing/2014/main" id="{82F37104-CD3C-4828-A891-EB5DD78F6848}"/>
-              </a:ext>
-            </a:extLst>
-          </p:cNvPr>
-          <p:cNvSpPr>
-            <a:spLocks noGrp="1"/>
-          </p:cNvSpPr>
-          <p:nvPr>
-            <p:ph idx="1"/>
-          </p:nvPr>
-        </p:nvSpPr>
-        <p:spPr>
-          <a:xfrm>
-            <a:off x="951161" y="1252153"/>
-            <a:ext cx="10315718" cy="5544063"/>
-          </a:xfrm>
-          <a:solidFill>
-            <a:schemeClr val="tx1">
-              <a:lumMod val="75000"/>
-              <a:lumOff val="25000"/>
-            </a:schemeClr>
-          </a:solidFill>
-        </p:spPr>
-        <p:txBody>
-          <a:bodyPr>
-            <a:noAutofit/>
-          </a:bodyPr>
-          <a:lstStyle/>
-          <a:p>
-            <a:pPr marL="0" indent="0">
-              <a:buNone/>
-            </a:pPr>
-            <a:r>
-              <a:rPr lang="en-US" sz="2400" b="0" dirty="0">
-                <a:solidFill>
-                  <a:srgbClr val="6A9955"/>
-                </a:solidFill>
-                <a:effectLst/>
-                <a:latin typeface="Consolas" panose="020B0609020204030204" pitchFamily="49" charset="0"/>
-              </a:rPr>
-              <a:t># overall anatomy of a script using VNC</a:t>
-            </a:r>
-            <a:endParaRPr lang="en-US" sz="2400" b="0" dirty="0">
-              <a:solidFill>
-                <a:srgbClr val="D4D4D4"/>
-              </a:solidFill>
-              <a:effectLst/>
-              <a:latin typeface="Consolas" panose="020B0609020204030204" pitchFamily="49" charset="0"/>
-            </a:endParaRPr>
-          </a:p>
-          <a:p>
-            <a:pPr marL="0" indent="0">
-              <a:buNone/>
-            </a:pPr>
-            <a:r>
-              <a:rPr lang="en-US" sz="2400" b="0" dirty="0">
-                <a:solidFill>
-                  <a:srgbClr val="C586C0"/>
-                </a:solidFill>
-                <a:effectLst/>
-                <a:latin typeface="Consolas" panose="020B0609020204030204" pitchFamily="49" charset="0"/>
-              </a:rPr>
-              <a:t>if</a:t>
-            </a:r>
-            <a:r>
-              <a:rPr lang="en-US" sz="2400" b="0" dirty="0">
-                <a:solidFill>
-                  <a:srgbClr val="D4D4D4"/>
-                </a:solidFill>
-                <a:effectLst/>
-                <a:latin typeface="Consolas" panose="020B0609020204030204" pitchFamily="49" charset="0"/>
-              </a:rPr>
-              <a:t> </a:t>
-            </a:r>
-            <a:r>
-              <a:rPr lang="en-US" sz="2400" b="0" dirty="0">
-                <a:solidFill>
-                  <a:srgbClr val="9CDCFE"/>
-                </a:solidFill>
-                <a:effectLst/>
-                <a:latin typeface="Consolas" panose="020B0609020204030204" pitchFamily="49" charset="0"/>
-              </a:rPr>
-              <a:t>__name__</a:t>
-            </a:r>
-            <a:r>
-              <a:rPr lang="en-US" sz="2400" b="0" dirty="0">
-                <a:solidFill>
-                  <a:srgbClr val="D4D4D4"/>
-                </a:solidFill>
-                <a:effectLst/>
-                <a:latin typeface="Consolas" panose="020B0609020204030204" pitchFamily="49" charset="0"/>
-              </a:rPr>
-              <a:t> == </a:t>
-            </a:r>
-            <a:r>
-              <a:rPr lang="en-US" sz="2400" b="0" dirty="0">
-                <a:solidFill>
-                  <a:srgbClr val="CE9178"/>
-                </a:solidFill>
-                <a:effectLst/>
-                <a:latin typeface="Consolas" panose="020B0609020204030204" pitchFamily="49" charset="0"/>
-              </a:rPr>
-              <a:t>'__main__'</a:t>
-            </a:r>
-            <a:r>
-              <a:rPr lang="en-US" sz="2400" b="0" dirty="0">
-                <a:solidFill>
-                  <a:srgbClr val="D4D4D4"/>
-                </a:solidFill>
-                <a:effectLst/>
-                <a:latin typeface="Consolas" panose="020B0609020204030204" pitchFamily="49" charset="0"/>
-              </a:rPr>
-              <a:t>:</a:t>
-            </a:r>
-          </a:p>
-          <a:p>
-            <a:pPr marL="0" indent="0">
-              <a:buNone/>
-            </a:pPr>
-            <a:r>
-              <a:rPr lang="en-US" sz="2400" b="0" dirty="0">
-                <a:solidFill>
-                  <a:srgbClr val="D4D4D4"/>
-                </a:solidFill>
-                <a:effectLst/>
-                <a:latin typeface="Consolas" panose="020B0609020204030204" pitchFamily="49" charset="0"/>
-              </a:rPr>
-              <a:t>    </a:t>
-            </a:r>
-            <a:r>
-              <a:rPr lang="en-US" sz="2400" b="1" dirty="0">
-                <a:solidFill>
-                  <a:srgbClr val="9CDCFE"/>
-                </a:solidFill>
-                <a:effectLst/>
-                <a:latin typeface="Consolas" panose="020B0609020204030204" pitchFamily="49" charset="0"/>
-              </a:rPr>
-              <a:t>vs</a:t>
-            </a:r>
-            <a:r>
-              <a:rPr lang="en-US" sz="2400" b="0" dirty="0">
-                <a:solidFill>
-                  <a:srgbClr val="D4D4D4"/>
-                </a:solidFill>
-                <a:effectLst/>
-                <a:latin typeface="Consolas" panose="020B0609020204030204" pitchFamily="49" charset="0"/>
-              </a:rPr>
-              <a:t>=</a:t>
-            </a:r>
-            <a:r>
-              <a:rPr lang="en-US" sz="2400" b="0" dirty="0">
-                <a:solidFill>
-                  <a:srgbClr val="DCDCAA"/>
-                </a:solidFill>
-                <a:effectLst/>
-                <a:latin typeface="Consolas" panose="020B0609020204030204" pitchFamily="49" charset="0"/>
-              </a:rPr>
-              <a:t>connect</a:t>
-            </a:r>
-            <a:r>
-              <a:rPr lang="en-US" sz="2400" b="0" dirty="0">
-                <a:solidFill>
-                  <a:srgbClr val="D4D4D4"/>
-                </a:solidFill>
-                <a:effectLst/>
-                <a:latin typeface="Consolas" panose="020B0609020204030204" pitchFamily="49" charset="0"/>
-              </a:rPr>
-              <a:t>()</a:t>
-            </a:r>
-          </a:p>
-          <a:p>
-            <a:pPr marL="0" indent="0">
-              <a:buNone/>
-            </a:pPr>
-            <a:r>
-              <a:rPr lang="en-US" sz="2400" b="0" dirty="0">
-                <a:solidFill>
-                  <a:srgbClr val="D4D4D4"/>
-                </a:solidFill>
-                <a:effectLst/>
-                <a:latin typeface="Consolas" panose="020B0609020204030204" pitchFamily="49" charset="0"/>
-              </a:rPr>
-              <a:t>    </a:t>
-            </a:r>
-            <a:r>
-              <a:rPr lang="en-US" sz="2400" b="0" dirty="0" err="1">
-                <a:solidFill>
-                  <a:srgbClr val="DCDCAA"/>
-                </a:solidFill>
-                <a:effectLst/>
-                <a:latin typeface="Consolas" panose="020B0609020204030204" pitchFamily="49" charset="0"/>
-              </a:rPr>
-              <a:t>open_session</a:t>
-            </a:r>
-            <a:r>
-              <a:rPr lang="en-US" sz="2400" b="0" dirty="0">
-                <a:solidFill>
-                  <a:srgbClr val="D4D4D4"/>
-                </a:solidFill>
-                <a:effectLst/>
-                <a:latin typeface="Consolas" panose="020B0609020204030204" pitchFamily="49" charset="0"/>
-              </a:rPr>
-              <a:t>(</a:t>
-            </a:r>
-            <a:r>
-              <a:rPr lang="en-US" sz="2400" b="1" dirty="0">
-                <a:solidFill>
-                  <a:srgbClr val="9CDCFE"/>
-                </a:solidFill>
-                <a:effectLst/>
-                <a:latin typeface="Consolas" panose="020B0609020204030204" pitchFamily="49" charset="0"/>
-              </a:rPr>
-              <a:t>vs</a:t>
-            </a:r>
-            <a:r>
-              <a:rPr lang="en-US" sz="2400" b="0" dirty="0">
-                <a:solidFill>
-                  <a:srgbClr val="D4D4D4"/>
-                </a:solidFill>
-                <a:effectLst/>
-                <a:latin typeface="Consolas" panose="020B0609020204030204" pitchFamily="49" charset="0"/>
-              </a:rPr>
-              <a:t>)</a:t>
-            </a:r>
-          </a:p>
-          <a:p>
-            <a:pPr marL="0" indent="0">
-              <a:buNone/>
-            </a:pPr>
-            <a:r>
-              <a:rPr lang="en-US" sz="2400" b="0" dirty="0">
-                <a:solidFill>
-                  <a:srgbClr val="D4D4D4"/>
-                </a:solidFill>
-                <a:effectLst/>
-                <a:latin typeface="Consolas" panose="020B0609020204030204" pitchFamily="49" charset="0"/>
-              </a:rPr>
-              <a:t>    </a:t>
-            </a:r>
-            <a:r>
-              <a:rPr lang="en-US" sz="2400" b="0" dirty="0">
-                <a:solidFill>
-                  <a:srgbClr val="C586C0"/>
-                </a:solidFill>
-                <a:effectLst/>
-                <a:latin typeface="Consolas" panose="020B0609020204030204" pitchFamily="49" charset="0"/>
-              </a:rPr>
-              <a:t>try</a:t>
-            </a:r>
-            <a:r>
-              <a:rPr lang="en-US" sz="2400" b="0" dirty="0">
-                <a:solidFill>
-                  <a:srgbClr val="D4D4D4"/>
-                </a:solidFill>
-                <a:effectLst/>
-                <a:latin typeface="Consolas" panose="020B0609020204030204" pitchFamily="49" charset="0"/>
-              </a:rPr>
-              <a:t>:        </a:t>
-            </a:r>
-          </a:p>
-          <a:p>
-            <a:pPr marL="0" indent="0">
-              <a:buNone/>
-            </a:pPr>
-            <a:r>
-              <a:rPr lang="en-US" sz="2400" b="0" dirty="0">
-                <a:solidFill>
-                  <a:srgbClr val="6A9955"/>
-                </a:solidFill>
-                <a:effectLst/>
-                <a:latin typeface="Consolas" panose="020B0609020204030204" pitchFamily="49" charset="0"/>
-              </a:rPr>
-              <a:t>           # your scenario steps</a:t>
-            </a:r>
-            <a:endParaRPr lang="en-US" sz="2400" b="0" dirty="0">
-              <a:solidFill>
-                <a:srgbClr val="D4D4D4"/>
-              </a:solidFill>
-              <a:effectLst/>
-              <a:latin typeface="Consolas" panose="020B0609020204030204" pitchFamily="49" charset="0"/>
-            </a:endParaRPr>
-          </a:p>
-          <a:p>
-            <a:pPr marL="0" indent="0">
-              <a:buNone/>
-            </a:pPr>
-            <a:r>
-              <a:rPr lang="en-US" sz="2400" b="0" dirty="0">
-                <a:solidFill>
-                  <a:srgbClr val="D4D4D4"/>
-                </a:solidFill>
-                <a:effectLst/>
-                <a:latin typeface="Consolas" panose="020B0609020204030204" pitchFamily="49" charset="0"/>
-              </a:rPr>
-              <a:t>           </a:t>
-            </a:r>
-            <a:r>
-              <a:rPr lang="en-US" sz="2400" b="0" dirty="0" err="1">
-                <a:solidFill>
-                  <a:srgbClr val="D4D4D4"/>
-                </a:solidFill>
-                <a:effectLst/>
-                <a:latin typeface="Consolas" panose="020B0609020204030204" pitchFamily="49" charset="0"/>
-              </a:rPr>
-              <a:t>my_first_step</a:t>
-            </a:r>
-            <a:r>
-              <a:rPr lang="en-US" sz="2400" b="0" dirty="0">
-                <a:solidFill>
-                  <a:srgbClr val="D4D4D4"/>
-                </a:solidFill>
-                <a:effectLst/>
-                <a:latin typeface="Consolas" panose="020B0609020204030204" pitchFamily="49" charset="0"/>
-              </a:rPr>
-              <a:t>(</a:t>
-            </a:r>
-            <a:r>
-              <a:rPr lang="en-US" sz="2400" b="1" dirty="0">
-                <a:solidFill>
-                  <a:srgbClr val="9CDCFE"/>
-                </a:solidFill>
-                <a:effectLst/>
-                <a:latin typeface="Consolas" panose="020B0609020204030204" pitchFamily="49" charset="0"/>
-              </a:rPr>
-              <a:t>vs</a:t>
-            </a:r>
-            <a:r>
-              <a:rPr lang="en-US" sz="2400" b="0" dirty="0">
-                <a:solidFill>
-                  <a:srgbClr val="D4D4D4"/>
-                </a:solidFill>
-                <a:effectLst/>
-                <a:latin typeface="Consolas" panose="020B0609020204030204" pitchFamily="49" charset="0"/>
-              </a:rPr>
-              <a:t>)</a:t>
-            </a:r>
-          </a:p>
-          <a:p>
-            <a:pPr marL="0" indent="0">
-              <a:buNone/>
-            </a:pPr>
-            <a:r>
-              <a:rPr lang="en-US" sz="2400" b="0" dirty="0">
-                <a:solidFill>
-                  <a:srgbClr val="D4D4D4"/>
-                </a:solidFill>
-                <a:effectLst/>
-                <a:latin typeface="Consolas" panose="020B0609020204030204" pitchFamily="49" charset="0"/>
-              </a:rPr>
-              <a:t>           </a:t>
-            </a:r>
-            <a:r>
-              <a:rPr lang="en-US" sz="2400" dirty="0" err="1">
-                <a:solidFill>
-                  <a:srgbClr val="DCDCAA"/>
-                </a:solidFill>
-                <a:latin typeface="Consolas" panose="020B0609020204030204" pitchFamily="49" charset="0"/>
-              </a:rPr>
-              <a:t>my_second_step</a:t>
-            </a:r>
-            <a:r>
-              <a:rPr lang="en-US" sz="2400" b="0" dirty="0">
-                <a:solidFill>
-                  <a:srgbClr val="D4D4D4"/>
-                </a:solidFill>
-                <a:effectLst/>
-                <a:latin typeface="Consolas" panose="020B0609020204030204" pitchFamily="49" charset="0"/>
-              </a:rPr>
-              <a:t>(</a:t>
-            </a:r>
-            <a:r>
-              <a:rPr lang="en-US" sz="2400" b="1" dirty="0">
-                <a:solidFill>
-                  <a:srgbClr val="9CDCFE"/>
-                </a:solidFill>
-                <a:effectLst/>
-                <a:latin typeface="Consolas" panose="020B0609020204030204" pitchFamily="49" charset="0"/>
-              </a:rPr>
-              <a:t>vs</a:t>
-            </a:r>
-            <a:r>
-              <a:rPr lang="en-US" sz="2400" b="0" dirty="0">
-                <a:solidFill>
-                  <a:srgbClr val="D4D4D4"/>
-                </a:solidFill>
-                <a:effectLst/>
-                <a:latin typeface="Consolas" panose="020B0609020204030204" pitchFamily="49" charset="0"/>
-              </a:rPr>
-              <a:t>)   </a:t>
-            </a:r>
-          </a:p>
-          <a:p>
-            <a:pPr marL="0" indent="0">
-              <a:buNone/>
-            </a:pPr>
-            <a:r>
-              <a:rPr lang="en-US" sz="2400" b="0" dirty="0">
-                <a:solidFill>
-                  <a:srgbClr val="D4D4D4"/>
-                </a:solidFill>
-                <a:effectLst/>
-                <a:latin typeface="Consolas" panose="020B0609020204030204" pitchFamily="49" charset="0"/>
-              </a:rPr>
-              <a:t>           </a:t>
-            </a:r>
-            <a:r>
-              <a:rPr lang="en-US" sz="2400" b="0" dirty="0" err="1">
-                <a:solidFill>
-                  <a:srgbClr val="D4D4D4"/>
-                </a:solidFill>
-                <a:effectLst/>
-                <a:latin typeface="Consolas" panose="020B0609020204030204" pitchFamily="49" charset="0"/>
-              </a:rPr>
-              <a:t>my_third_step</a:t>
-            </a:r>
-            <a:r>
-              <a:rPr lang="en-US" sz="2400" b="0" dirty="0">
-                <a:solidFill>
-                  <a:srgbClr val="D4D4D4"/>
-                </a:solidFill>
-                <a:effectLst/>
-                <a:latin typeface="Consolas" panose="020B0609020204030204" pitchFamily="49" charset="0"/>
-              </a:rPr>
-              <a:t>(</a:t>
-            </a:r>
-            <a:r>
-              <a:rPr lang="en-US" sz="2400" b="1" dirty="0" err="1">
-                <a:solidFill>
-                  <a:srgbClr val="9CDCFE"/>
-                </a:solidFill>
-                <a:effectLst/>
-                <a:latin typeface="Consolas" panose="020B0609020204030204" pitchFamily="49" charset="0"/>
-              </a:rPr>
-              <a:t>vs</a:t>
-            </a:r>
-            <a:r>
-              <a:rPr lang="en-US" sz="2400" b="0" dirty="0" err="1">
-                <a:solidFill>
-                  <a:srgbClr val="D4D4D4"/>
-                </a:solidFill>
-                <a:effectLst/>
-                <a:latin typeface="Consolas" panose="020B0609020204030204" pitchFamily="49" charset="0"/>
-              </a:rPr>
-              <a:t>,</a:t>
-            </a:r>
-            <a:r>
-              <a:rPr lang="en-US" sz="2400" b="0" dirty="0" err="1">
-                <a:solidFill>
-                  <a:srgbClr val="CE9178"/>
-                </a:solidFill>
-                <a:effectLst/>
-                <a:latin typeface="Consolas" panose="020B0609020204030204" pitchFamily="49" charset="0"/>
-              </a:rPr>
-              <a:t>"some</a:t>
-            </a:r>
-            <a:r>
-              <a:rPr lang="en-US" sz="2400" b="0" dirty="0">
-                <a:solidFill>
-                  <a:srgbClr val="CE9178"/>
-                </a:solidFill>
-                <a:effectLst/>
-                <a:latin typeface="Consolas" panose="020B0609020204030204" pitchFamily="49" charset="0"/>
-              </a:rPr>
-              <a:t> value"</a:t>
-            </a:r>
-            <a:r>
-              <a:rPr lang="en-US" sz="2400" b="0" dirty="0">
-                <a:solidFill>
-                  <a:srgbClr val="D4D4D4"/>
-                </a:solidFill>
-                <a:effectLst/>
-                <a:latin typeface="Consolas" panose="020B0609020204030204" pitchFamily="49" charset="0"/>
-              </a:rPr>
-              <a:t>)</a:t>
-            </a:r>
-          </a:p>
-          <a:p>
-            <a:pPr marL="0" indent="0">
-              <a:buNone/>
-            </a:pPr>
-            <a:r>
-              <a:rPr lang="en-US" sz="2400" b="0" dirty="0">
-                <a:solidFill>
-                  <a:srgbClr val="D4D4D4"/>
-                </a:solidFill>
-                <a:effectLst/>
-                <a:latin typeface="Consolas" panose="020B0609020204030204" pitchFamily="49" charset="0"/>
-              </a:rPr>
-              <a:t>           </a:t>
-            </a:r>
-            <a:r>
-              <a:rPr lang="en-US" sz="2400" b="0" dirty="0" err="1">
-                <a:solidFill>
-                  <a:srgbClr val="D4D4D4"/>
-                </a:solidFill>
-                <a:effectLst/>
-                <a:latin typeface="Consolas" panose="020B0609020204030204" pitchFamily="49" charset="0"/>
-              </a:rPr>
-              <a:t>my_last_step</a:t>
-            </a:r>
-            <a:r>
-              <a:rPr lang="en-US" sz="2400" b="0" dirty="0">
-                <a:solidFill>
-                  <a:srgbClr val="D4D4D4"/>
-                </a:solidFill>
-                <a:effectLst/>
-                <a:latin typeface="Consolas" panose="020B0609020204030204" pitchFamily="49" charset="0"/>
-              </a:rPr>
-              <a:t>(</a:t>
-            </a:r>
-            <a:r>
-              <a:rPr lang="en-US" sz="2400" b="1" dirty="0">
-                <a:solidFill>
-                  <a:srgbClr val="9CDCFE"/>
-                </a:solidFill>
-                <a:effectLst/>
-                <a:latin typeface="Consolas" panose="020B0609020204030204" pitchFamily="49" charset="0"/>
-              </a:rPr>
-              <a:t>vs</a:t>
-            </a:r>
-            <a:r>
-              <a:rPr lang="en-US" sz="2400" b="0" dirty="0">
-                <a:solidFill>
-                  <a:srgbClr val="D4D4D4"/>
-                </a:solidFill>
-                <a:effectLst/>
-                <a:latin typeface="Consolas" panose="020B0609020204030204" pitchFamily="49" charset="0"/>
-              </a:rPr>
-              <a:t>)</a:t>
-            </a:r>
-          </a:p>
-          <a:p>
-            <a:pPr marL="0" indent="0">
-              <a:buNone/>
-            </a:pPr>
-            <a:r>
-              <a:rPr lang="en-US" sz="2400" b="0" dirty="0">
-                <a:solidFill>
-                  <a:srgbClr val="D4D4D4"/>
-                </a:solidFill>
-                <a:effectLst/>
-                <a:latin typeface="Consolas" panose="020B0609020204030204" pitchFamily="49" charset="0"/>
-              </a:rPr>
-              <a:t>    </a:t>
-            </a:r>
-            <a:r>
-              <a:rPr lang="en-US" sz="2400" b="0" dirty="0">
-                <a:solidFill>
-                  <a:srgbClr val="C586C0"/>
-                </a:solidFill>
-                <a:effectLst/>
-                <a:latin typeface="Consolas" panose="020B0609020204030204" pitchFamily="49" charset="0"/>
-              </a:rPr>
-              <a:t>finally</a:t>
-            </a:r>
-            <a:r>
-              <a:rPr lang="en-US" sz="2400" b="0" dirty="0">
-                <a:solidFill>
-                  <a:srgbClr val="D4D4D4"/>
-                </a:solidFill>
-                <a:effectLst/>
-                <a:latin typeface="Consolas" panose="020B0609020204030204" pitchFamily="49" charset="0"/>
-              </a:rPr>
-              <a:t>:    </a:t>
-            </a:r>
-          </a:p>
-          <a:p>
-            <a:pPr marL="0" indent="0">
-              <a:buNone/>
-            </a:pPr>
-            <a:r>
-              <a:rPr lang="en-US" sz="2400" b="0" dirty="0">
-                <a:solidFill>
-                  <a:srgbClr val="D4D4D4"/>
-                </a:solidFill>
-                <a:effectLst/>
-                <a:latin typeface="Consolas" panose="020B0609020204030204" pitchFamily="49" charset="0"/>
-              </a:rPr>
-              <a:t>        </a:t>
-            </a:r>
-            <a:r>
-              <a:rPr lang="en-US" sz="2400" b="0" dirty="0">
-                <a:solidFill>
-                  <a:srgbClr val="DCDCAA"/>
-                </a:solidFill>
-                <a:effectLst/>
-                <a:latin typeface="Consolas" panose="020B0609020204030204" pitchFamily="49" charset="0"/>
-              </a:rPr>
-              <a:t>disconnect</a:t>
-            </a:r>
-            <a:r>
-              <a:rPr lang="en-US" sz="2400" b="0" dirty="0">
-                <a:solidFill>
-                  <a:srgbClr val="D4D4D4"/>
-                </a:solidFill>
-                <a:effectLst/>
-                <a:latin typeface="Consolas" panose="020B0609020204030204" pitchFamily="49" charset="0"/>
-              </a:rPr>
-              <a:t>(</a:t>
-            </a:r>
-            <a:r>
-              <a:rPr lang="en-US" sz="2400" b="1" dirty="0">
-                <a:solidFill>
-                  <a:srgbClr val="9CDCFE"/>
-                </a:solidFill>
-                <a:effectLst/>
-                <a:latin typeface="Consolas" panose="020B0609020204030204" pitchFamily="49" charset="0"/>
-              </a:rPr>
-              <a:t>vs</a:t>
-            </a:r>
-            <a:r>
-              <a:rPr lang="en-US" sz="2400" b="0" dirty="0">
-                <a:solidFill>
-                  <a:srgbClr val="D4D4D4"/>
-                </a:solidFill>
-                <a:effectLst/>
-                <a:latin typeface="Consolas" panose="020B0609020204030204" pitchFamily="49" charset="0"/>
-              </a:rPr>
-              <a:t>)</a:t>
-            </a:r>
-          </a:p>
-        </p:txBody>
-      </p:sp>
-    </p:spTree>
-    <p:extLst>
-      <p:ext uri="{BB962C8B-B14F-4D97-AF65-F5344CB8AC3E}">
-        <p14:creationId xmlns:p14="http://schemas.microsoft.com/office/powerpoint/2010/main" val="1589421791"/>
       </p:ext>
     </p:extLst>
   </p:cSld>
@@ -12881,7 +11962,7 @@
           <a:noFill/>
           <a:extLst>
             <a:ext uri="{909E8E84-426E-40dd-AFC4-6F175D3DCCD1}">
-              <a14:hiddenFill xmlns:a14="http://schemas.microsoft.com/office/drawing/2010/main" xmlns="">
+              <a14:hiddenFill xmlns="" xmlns:a14="http://schemas.microsoft.com/office/drawing/2010/main">
                 <a:solidFill>
                   <a:srgbClr val="FFFFFF"/>
                 </a:solidFill>
@@ -13205,7 +12286,7 @@
           <a:noFill/>
           <a:extLst>
             <a:ext uri="{909E8E84-426E-40dd-AFC4-6F175D3DCCD1}">
-              <a14:hiddenFill xmlns:a14="http://schemas.microsoft.com/office/drawing/2010/main" xmlns="">
+              <a14:hiddenFill xmlns="" xmlns:a14="http://schemas.microsoft.com/office/drawing/2010/main">
                 <a:solidFill>
                   <a:srgbClr val="FFFFFF"/>
                 </a:solidFill>
@@ -13598,7 +12679,7 @@
           <a:noFill/>
           <a:extLst>
             <a:ext uri="{909E8E84-426E-40dd-AFC4-6F175D3DCCD1}">
-              <a14:hiddenFill xmlns:a14="http://schemas.microsoft.com/office/drawing/2010/main" xmlns="">
+              <a14:hiddenFill xmlns="" xmlns:a14="http://schemas.microsoft.com/office/drawing/2010/main">
                 <a:solidFill>
                   <a:srgbClr val="FFFFFF"/>
                 </a:solidFill>
@@ -13991,7 +13072,7 @@
           <a:noFill/>
           <a:extLst>
             <a:ext uri="{909E8E84-426E-40dd-AFC4-6F175D3DCCD1}">
-              <a14:hiddenFill xmlns:a14="http://schemas.microsoft.com/office/drawing/2010/main" xmlns="">
+              <a14:hiddenFill xmlns="" xmlns:a14="http://schemas.microsoft.com/office/drawing/2010/main">
                 <a:solidFill>
                   <a:srgbClr val="FFFFFF"/>
                 </a:solidFill>
@@ -15497,7 +14578,7 @@
           <a:noFill/>
           <a:extLst>
             <a:ext uri="{909E8E84-426E-40dd-AFC4-6F175D3DCCD1}">
-              <a14:hiddenFill xmlns:a14="http://schemas.microsoft.com/office/drawing/2010/main" xmlns="">
+              <a14:hiddenFill xmlns="" xmlns:a14="http://schemas.microsoft.com/office/drawing/2010/main">
                 <a:solidFill>
                   <a:srgbClr val="FFFFFF"/>
                 </a:solidFill>
@@ -15717,6 +14798,210 @@
               <a:effectLst/>
               <a:uLnTx/>
               <a:uFillTx/>
+            </a:endParaRPr>
+          </a:p>
+        </p:txBody>
+      </p:sp>
+      <p:sp>
+        <p:nvSpPr>
+          <p:cNvPr id="2" name="TextBox 1">
+            <a:extLst>
+              <a:ext uri="{FF2B5EF4-FFF2-40B4-BE49-F238E27FC236}">
+                <a16:creationId xmlns:a16="http://schemas.microsoft.com/office/drawing/2014/main" id="{13B95B5C-F48F-4F2C-AE65-078EFBE0D97E}"/>
+              </a:ext>
+            </a:extLst>
+          </p:cNvPr>
+          <p:cNvSpPr txBox="1"/>
+          <p:nvPr/>
+        </p:nvSpPr>
+        <p:spPr>
+          <a:xfrm>
+            <a:off x="8459350" y="4526050"/>
+            <a:ext cx="3276218" cy="954107"/>
+          </a:xfrm>
+          <a:prstGeom prst="rect">
+            <a:avLst/>
+          </a:prstGeom>
+          <a:noFill/>
+        </p:spPr>
+        <p:txBody>
+          <a:bodyPr wrap="square" rtlCol="0">
+            <a:spAutoFit/>
+          </a:bodyPr>
+          <a:lstStyle/>
+          <a:p>
+            <a:r>
+              <a:rPr lang="fr-FR" sz="1400" dirty="0">
+                <a:highlight>
+                  <a:srgbClr val="FFFF00"/>
+                </a:highlight>
+              </a:rPr>
+              <a:t>Note: </a:t>
+            </a:r>
+            <a:r>
+              <a:rPr lang="fr-FR" sz="1400" dirty="0" err="1">
+                <a:highlight>
+                  <a:srgbClr val="FFFF00"/>
+                </a:highlight>
+              </a:rPr>
+              <a:t>results</a:t>
+            </a:r>
+            <a:r>
+              <a:rPr lang="fr-FR" sz="1400" dirty="0">
+                <a:highlight>
+                  <a:srgbClr val="FFFF00"/>
+                </a:highlight>
+              </a:rPr>
+              <a:t> </a:t>
+            </a:r>
+            <a:r>
+              <a:rPr lang="fr-FR" sz="1400" dirty="0" err="1">
+                <a:highlight>
+                  <a:srgbClr val="FFFF00"/>
+                </a:highlight>
+              </a:rPr>
+              <a:t>could</a:t>
+            </a:r>
+            <a:r>
+              <a:rPr lang="fr-FR" sz="1400" dirty="0">
+                <a:highlight>
+                  <a:srgbClr val="FFFF00"/>
+                </a:highlight>
+              </a:rPr>
+              <a:t> </a:t>
+            </a:r>
+            <a:r>
+              <a:rPr lang="fr-FR" sz="1400" dirty="0" err="1">
+                <a:highlight>
+                  <a:srgbClr val="FFFF00"/>
+                </a:highlight>
+              </a:rPr>
+              <a:t>also</a:t>
+            </a:r>
+            <a:r>
+              <a:rPr lang="fr-FR" sz="1400" dirty="0">
+                <a:highlight>
+                  <a:srgbClr val="FFFF00"/>
+                </a:highlight>
+              </a:rPr>
+              <a:t> </a:t>
+            </a:r>
+            <a:r>
+              <a:rPr lang="fr-FR" sz="1400" dirty="0" err="1">
+                <a:highlight>
+                  <a:srgbClr val="FFFF00"/>
+                </a:highlight>
+              </a:rPr>
+              <a:t>be</a:t>
+            </a:r>
+            <a:r>
+              <a:rPr lang="fr-FR" sz="1400" dirty="0">
+                <a:highlight>
+                  <a:srgbClr val="FFFF00"/>
+                </a:highlight>
+              </a:rPr>
+              <a:t> sent to an </a:t>
+            </a:r>
+            <a:r>
+              <a:rPr lang="fr-FR" sz="1400" dirty="0" err="1">
+                <a:highlight>
+                  <a:srgbClr val="FFFF00"/>
+                </a:highlight>
+              </a:rPr>
+              <a:t>Environment</a:t>
+            </a:r>
+            <a:r>
+              <a:rPr lang="fr-FR" sz="1400" dirty="0">
+                <a:highlight>
+                  <a:srgbClr val="FFFF00"/>
+                </a:highlight>
+              </a:rPr>
+              <a:t> </a:t>
+            </a:r>
+            <a:r>
+              <a:rPr lang="fr-FR" sz="1400" dirty="0" err="1">
+                <a:highlight>
+                  <a:srgbClr val="FFFF00"/>
+                </a:highlight>
+              </a:rPr>
+              <a:t>ActiveGate</a:t>
+            </a:r>
+            <a:r>
+              <a:rPr lang="fr-FR" sz="1400" dirty="0">
+                <a:highlight>
+                  <a:srgbClr val="FFFF00"/>
+                </a:highlight>
+              </a:rPr>
+              <a:t> </a:t>
+            </a:r>
+            <a:r>
+              <a:rPr lang="fr-FR" sz="1400" dirty="0" err="1">
+                <a:highlight>
+                  <a:srgbClr val="FFFF00"/>
+                </a:highlight>
+              </a:rPr>
+              <a:t>endpoint</a:t>
+            </a:r>
+            <a:r>
+              <a:rPr lang="fr-FR" sz="1400" dirty="0">
+                <a:highlight>
+                  <a:srgbClr val="FFFF00"/>
+                </a:highlight>
+              </a:rPr>
+              <a:t> (but not a </a:t>
+            </a:r>
+            <a:r>
+              <a:rPr lang="fr-FR" sz="1400" dirty="0" err="1">
+                <a:highlight>
+                  <a:srgbClr val="FFFF00"/>
+                </a:highlight>
+              </a:rPr>
+              <a:t>Synthetic</a:t>
+            </a:r>
+            <a:r>
+              <a:rPr lang="fr-FR" sz="1400" dirty="0">
+                <a:highlight>
+                  <a:srgbClr val="FFFF00"/>
+                </a:highlight>
+              </a:rPr>
+              <a:t> </a:t>
+            </a:r>
+            <a:r>
+              <a:rPr lang="fr-FR" sz="1400" dirty="0" err="1">
+                <a:highlight>
+                  <a:srgbClr val="FFFF00"/>
+                </a:highlight>
+              </a:rPr>
+              <a:t>ActiveGate</a:t>
+            </a:r>
+            <a:r>
+              <a:rPr lang="fr-FR" sz="1400" dirty="0">
+                <a:highlight>
+                  <a:srgbClr val="FFFF00"/>
+                </a:highlight>
+              </a:rPr>
+              <a:t>) </a:t>
+            </a:r>
+            <a:r>
+              <a:rPr lang="fr-FR" sz="1400" dirty="0" err="1">
+                <a:highlight>
+                  <a:srgbClr val="FFFF00"/>
+                </a:highlight>
+              </a:rPr>
+              <a:t>with</a:t>
+            </a:r>
+            <a:r>
+              <a:rPr lang="fr-FR" sz="1400" dirty="0">
+                <a:highlight>
+                  <a:srgbClr val="FFFF00"/>
+                </a:highlight>
+              </a:rPr>
+              <a:t> a URL like : « https://&lt;my_AG&gt;:9999/e/&lt;tenant_id&gt;</a:t>
+            </a:r>
+            <a:endParaRPr lang="en-US" sz="1400" dirty="0">
+              <a:highlight>
+                <a:srgbClr val="FFFF00"/>
+              </a:highlight>
             </a:endParaRPr>
           </a:p>
         </p:txBody>
@@ -15836,7 +15121,7 @@
           <a:noFill/>
           <a:extLst>
             <a:ext uri="{909E8E84-426E-40dd-AFC4-6F175D3DCCD1}">
-              <a14:hiddenFill xmlns:a14="http://schemas.microsoft.com/office/drawing/2010/main" xmlns="">
+              <a14:hiddenFill xmlns="" xmlns:a14="http://schemas.microsoft.com/office/drawing/2010/main">
                 <a:solidFill>
                   <a:srgbClr val="FFFFFF"/>
                 </a:solidFill>
@@ -16159,7 +15444,7 @@
           <a:noFill/>
           <a:extLst>
             <a:ext uri="{909E8E84-426E-40dd-AFC4-6F175D3DCCD1}">
-              <a14:hiddenFill xmlns:a14="http://schemas.microsoft.com/office/drawing/2010/main" xmlns="">
+              <a14:hiddenFill xmlns="" xmlns:a14="http://schemas.microsoft.com/office/drawing/2010/main">
                 <a:solidFill>
                   <a:srgbClr val="FFFFFF"/>
                 </a:solidFill>
@@ -16552,7 +15837,7 @@
           <a:noFill/>
           <a:extLst>
             <a:ext uri="{909E8E84-426E-40dd-AFC4-6F175D3DCCD1}">
-              <a14:hiddenFill xmlns:a14="http://schemas.microsoft.com/office/drawing/2010/main" xmlns="">
+              <a14:hiddenFill xmlns="" xmlns:a14="http://schemas.microsoft.com/office/drawing/2010/main">
                 <a:solidFill>
                   <a:srgbClr val="FFFFFF"/>
                 </a:solidFill>
@@ -16945,7 +16230,7 @@
           <a:noFill/>
           <a:extLst>
             <a:ext uri="{909E8E84-426E-40dd-AFC4-6F175D3DCCD1}">
-              <a14:hiddenFill xmlns:a14="http://schemas.microsoft.com/office/drawing/2010/main" xmlns="">
+              <a14:hiddenFill xmlns="" xmlns:a14="http://schemas.microsoft.com/office/drawing/2010/main">
                 <a:solidFill>
                   <a:srgbClr val="FFFFFF"/>
                 </a:solidFill>
@@ -18466,7 +17751,7 @@
           <a:noFill/>
           <a:extLst>
             <a:ext uri="{909E8E84-426E-40dd-AFC4-6F175D3DCCD1}">
-              <a14:hiddenFill xmlns:a14="http://schemas.microsoft.com/office/drawing/2010/main" xmlns="">
+              <a14:hiddenFill xmlns="" xmlns:a14="http://schemas.microsoft.com/office/drawing/2010/main">
                 <a:solidFill>
                   <a:srgbClr val="FFFFFF"/>
                 </a:solidFill>
@@ -18881,7 +18166,416 @@
         <p:spPr>
           <a:xfrm>
             <a:off x="838197" y="4511160"/>
-            <a:ext cx="10515600" cy="1646624"/>
+            <a:ext cx="5406374" cy="2238858"/>
+          </a:xfrm>
+          <a:prstGeom prst="rect">
+            <a:avLst/>
+          </a:prstGeom>
+        </p:spPr>
+        <p:txBody>
+          <a:bodyPr vert="horz" lIns="91440" tIns="45720" rIns="91440" bIns="45720" rtlCol="0">
+            <a:normAutofit fontScale="92500" lnSpcReduction="20000"/>
+          </a:bodyPr>
+          <a:lstStyle>
+            <a:lvl1pPr marL="228600" indent="-228600" algn="l" defTabSz="914400" rtl="0" eaLnBrk="1" latinLnBrk="0" hangingPunct="1">
+              <a:lnSpc>
+                <a:spcPct val="90000"/>
+              </a:lnSpc>
+              <a:spcBef>
+                <a:spcPts val="1000"/>
+              </a:spcBef>
+              <a:buFont typeface="Arial" panose="020B0604020202020204" pitchFamily="34" charset="0"/>
+              <a:buChar char="•"/>
+              <a:defRPr sz="2800" kern="1200">
+                <a:solidFill>
+                  <a:schemeClr val="tx1"/>
+                </a:solidFill>
+                <a:latin typeface="+mn-lt"/>
+                <a:ea typeface="+mn-ea"/>
+                <a:cs typeface="+mn-cs"/>
+              </a:defRPr>
+            </a:lvl1pPr>
+            <a:lvl2pPr marL="685800" indent="-228600" algn="l" defTabSz="914400" rtl="0" eaLnBrk="1" latinLnBrk="0" hangingPunct="1">
+              <a:lnSpc>
+                <a:spcPct val="90000"/>
+              </a:lnSpc>
+              <a:spcBef>
+                <a:spcPts val="500"/>
+              </a:spcBef>
+              <a:buFont typeface="Arial" panose="020B0604020202020204" pitchFamily="34" charset="0"/>
+              <a:buChar char="•"/>
+              <a:defRPr sz="2400" kern="1200">
+                <a:solidFill>
+                  <a:schemeClr val="tx1"/>
+                </a:solidFill>
+                <a:latin typeface="+mn-lt"/>
+                <a:ea typeface="+mn-ea"/>
+                <a:cs typeface="+mn-cs"/>
+              </a:defRPr>
+            </a:lvl2pPr>
+            <a:lvl3pPr marL="1143000" indent="-228600" algn="l" defTabSz="914400" rtl="0" eaLnBrk="1" latinLnBrk="0" hangingPunct="1">
+              <a:lnSpc>
+                <a:spcPct val="90000"/>
+              </a:lnSpc>
+              <a:spcBef>
+                <a:spcPts val="500"/>
+              </a:spcBef>
+              <a:buFont typeface="Arial" panose="020B0604020202020204" pitchFamily="34" charset="0"/>
+              <a:buChar char="•"/>
+              <a:defRPr sz="2000" kern="1200">
+                <a:solidFill>
+                  <a:schemeClr val="tx1"/>
+                </a:solidFill>
+                <a:latin typeface="+mn-lt"/>
+                <a:ea typeface="+mn-ea"/>
+                <a:cs typeface="+mn-cs"/>
+              </a:defRPr>
+            </a:lvl3pPr>
+            <a:lvl4pPr marL="1600200" indent="-228600" algn="l" defTabSz="914400" rtl="0" eaLnBrk="1" latinLnBrk="0" hangingPunct="1">
+              <a:lnSpc>
+                <a:spcPct val="90000"/>
+              </a:lnSpc>
+              <a:spcBef>
+                <a:spcPts val="500"/>
+              </a:spcBef>
+              <a:buFont typeface="Arial" panose="020B0604020202020204" pitchFamily="34" charset="0"/>
+              <a:buChar char="•"/>
+              <a:defRPr sz="1800" kern="1200">
+                <a:solidFill>
+                  <a:schemeClr val="tx1"/>
+                </a:solidFill>
+                <a:latin typeface="+mn-lt"/>
+                <a:ea typeface="+mn-ea"/>
+                <a:cs typeface="+mn-cs"/>
+              </a:defRPr>
+            </a:lvl4pPr>
+            <a:lvl5pPr marL="2057400" indent="-228600" algn="l" defTabSz="914400" rtl="0" eaLnBrk="1" latinLnBrk="0" hangingPunct="1">
+              <a:lnSpc>
+                <a:spcPct val="90000"/>
+              </a:lnSpc>
+              <a:spcBef>
+                <a:spcPts val="500"/>
+              </a:spcBef>
+              <a:buFont typeface="Arial" panose="020B0604020202020204" pitchFamily="34" charset="0"/>
+              <a:buChar char="•"/>
+              <a:defRPr sz="1800" kern="1200">
+                <a:solidFill>
+                  <a:schemeClr val="tx1"/>
+                </a:solidFill>
+                <a:latin typeface="+mn-lt"/>
+                <a:ea typeface="+mn-ea"/>
+                <a:cs typeface="+mn-cs"/>
+              </a:defRPr>
+            </a:lvl5pPr>
+            <a:lvl6pPr marL="2514600" indent="-228600" algn="l" defTabSz="914400" rtl="0" eaLnBrk="1" latinLnBrk="0" hangingPunct="1">
+              <a:lnSpc>
+                <a:spcPct val="90000"/>
+              </a:lnSpc>
+              <a:spcBef>
+                <a:spcPts val="500"/>
+              </a:spcBef>
+              <a:buFont typeface="Arial" panose="020B0604020202020204" pitchFamily="34" charset="0"/>
+              <a:buChar char="•"/>
+              <a:defRPr sz="1800" kern="1200">
+                <a:solidFill>
+                  <a:schemeClr val="tx1"/>
+                </a:solidFill>
+                <a:latin typeface="+mn-lt"/>
+                <a:ea typeface="+mn-ea"/>
+                <a:cs typeface="+mn-cs"/>
+              </a:defRPr>
+            </a:lvl6pPr>
+            <a:lvl7pPr marL="2971800" indent="-228600" algn="l" defTabSz="914400" rtl="0" eaLnBrk="1" latinLnBrk="0" hangingPunct="1">
+              <a:lnSpc>
+                <a:spcPct val="90000"/>
+              </a:lnSpc>
+              <a:spcBef>
+                <a:spcPts val="500"/>
+              </a:spcBef>
+              <a:buFont typeface="Arial" panose="020B0604020202020204" pitchFamily="34" charset="0"/>
+              <a:buChar char="•"/>
+              <a:defRPr sz="1800" kern="1200">
+                <a:solidFill>
+                  <a:schemeClr val="tx1"/>
+                </a:solidFill>
+                <a:latin typeface="+mn-lt"/>
+                <a:ea typeface="+mn-ea"/>
+                <a:cs typeface="+mn-cs"/>
+              </a:defRPr>
+            </a:lvl7pPr>
+            <a:lvl8pPr marL="3429000" indent="-228600" algn="l" defTabSz="914400" rtl="0" eaLnBrk="1" latinLnBrk="0" hangingPunct="1">
+              <a:lnSpc>
+                <a:spcPct val="90000"/>
+              </a:lnSpc>
+              <a:spcBef>
+                <a:spcPts val="500"/>
+              </a:spcBef>
+              <a:buFont typeface="Arial" panose="020B0604020202020204" pitchFamily="34" charset="0"/>
+              <a:buChar char="•"/>
+              <a:defRPr sz="1800" kern="1200">
+                <a:solidFill>
+                  <a:schemeClr val="tx1"/>
+                </a:solidFill>
+                <a:latin typeface="+mn-lt"/>
+                <a:ea typeface="+mn-ea"/>
+                <a:cs typeface="+mn-cs"/>
+              </a:defRPr>
+            </a:lvl8pPr>
+            <a:lvl9pPr marL="3886200" indent="-228600" algn="l" defTabSz="914400" rtl="0" eaLnBrk="1" latinLnBrk="0" hangingPunct="1">
+              <a:lnSpc>
+                <a:spcPct val="90000"/>
+              </a:lnSpc>
+              <a:spcBef>
+                <a:spcPts val="500"/>
+              </a:spcBef>
+              <a:buFont typeface="Arial" panose="020B0604020202020204" pitchFamily="34" charset="0"/>
+              <a:buChar char="•"/>
+              <a:defRPr sz="1800" kern="1200">
+                <a:solidFill>
+                  <a:schemeClr val="tx1"/>
+                </a:solidFill>
+                <a:latin typeface="+mn-lt"/>
+                <a:ea typeface="+mn-ea"/>
+                <a:cs typeface="+mn-cs"/>
+              </a:defRPr>
+            </a:lvl9pPr>
+          </a:lstStyle>
+          <a:p>
+            <a:r>
+              <a:rPr lang="fr-FR" dirty="0">
+                <a:hlinkClick r:id="rId4"/>
+              </a:rPr>
+              <a:t>Documentation</a:t>
+            </a:r>
+            <a:endParaRPr lang="fr-FR" dirty="0"/>
+          </a:p>
+          <a:p>
+            <a:r>
+              <a:rPr lang="fr-FR" dirty="0">
+                <a:hlinkClick r:id="rId5"/>
+              </a:rPr>
+              <a:t>Downloads</a:t>
+            </a:r>
+            <a:endParaRPr lang="fr-FR" dirty="0"/>
+          </a:p>
+          <a:p>
+            <a:r>
+              <a:rPr lang="en-US" dirty="0">
+                <a:highlight>
+                  <a:srgbClr val="FFFF00"/>
+                </a:highlight>
+              </a:rPr>
+              <a:t>Important : On Linux, use </a:t>
+            </a:r>
+            <a:r>
+              <a:rPr lang="en-US" b="1" dirty="0">
+                <a:highlight>
+                  <a:srgbClr val="FFFF00"/>
+                </a:highlight>
+              </a:rPr>
+              <a:t>24 bits depth </a:t>
+            </a:r>
+            <a:r>
+              <a:rPr lang="en-US" dirty="0">
+                <a:highlight>
+                  <a:srgbClr val="FFFF00"/>
+                </a:highlight>
+              </a:rPr>
+              <a:t>otherwise you will have class cast exceptions in your </a:t>
+            </a:r>
+            <a:r>
+              <a:rPr lang="en-US" dirty="0" err="1">
+                <a:highlight>
+                  <a:srgbClr val="FFFF00"/>
+                </a:highlight>
+              </a:rPr>
+              <a:t>SikuliX</a:t>
+            </a:r>
+            <a:r>
+              <a:rPr lang="en-US" dirty="0">
+                <a:highlight>
+                  <a:srgbClr val="FFFF00"/>
+                </a:highlight>
+              </a:rPr>
+              <a:t> script when dealing with images</a:t>
+            </a:r>
+          </a:p>
+          <a:p>
+            <a:endParaRPr lang="en-US" dirty="0"/>
+          </a:p>
+        </p:txBody>
+      </p:sp>
+      <p:pic>
+        <p:nvPicPr>
+          <p:cNvPr id="6" name="Picture 2" descr="Logo">
+            <a:extLst>
+              <a:ext uri="{FF2B5EF4-FFF2-40B4-BE49-F238E27FC236}">
+                <a16:creationId xmlns:a16="http://schemas.microsoft.com/office/drawing/2014/main" id="{2F660A0B-6399-4930-8779-4DD61DCB3ADF}"/>
+              </a:ext>
+            </a:extLst>
+          </p:cNvPr>
+          <p:cNvPicPr>
+            <a:picLocks noChangeAspect="1" noChangeArrowheads="1"/>
+          </p:cNvPicPr>
+          <p:nvPr/>
+        </p:nvPicPr>
+        <p:blipFill>
+          <a:blip r:embed="rId6">
+            <a:extLst>
+              <a:ext uri="{28A0092B-C50C-407E-A947-70E740481C1C}">
+                <a14:useLocalDpi xmlns:a14="http://schemas.microsoft.com/office/drawing/2010/main" val="0"/>
+              </a:ext>
+            </a:extLst>
+          </a:blip>
+          <a:srcRect/>
+          <a:stretch>
+            <a:fillRect/>
+          </a:stretch>
+        </p:blipFill>
+        <p:spPr bwMode="auto">
+          <a:xfrm>
+            <a:off x="147141" y="723106"/>
+            <a:ext cx="609600" cy="609600"/>
+          </a:xfrm>
+          <a:prstGeom prst="rect">
+            <a:avLst/>
+          </a:prstGeom>
+          <a:noFill/>
+          <a:extLst>
+            <a:ext uri="{909E8E84-426E-40DD-AFC4-6F175D3DCCD1}">
+              <a14:hiddenFill xmlns:a14="http://schemas.microsoft.com/office/drawing/2010/main">
+                <a:solidFill>
+                  <a:srgbClr val="FFFFFF"/>
+                </a:solidFill>
+              </a14:hiddenFill>
+            </a:ext>
+          </a:extLst>
+        </p:spPr>
+      </p:pic>
+      <p:pic>
+        <p:nvPicPr>
+          <p:cNvPr id="7" name="Picture 6" descr="TightVNC Home">
+            <a:extLst>
+              <a:ext uri="{FF2B5EF4-FFF2-40B4-BE49-F238E27FC236}">
+                <a16:creationId xmlns:a16="http://schemas.microsoft.com/office/drawing/2014/main" id="{05AC6265-0E76-4945-BD8C-EC68DF554EDA}"/>
+              </a:ext>
+            </a:extLst>
+          </p:cNvPr>
+          <p:cNvPicPr>
+            <a:picLocks noChangeAspect="1" noChangeArrowheads="1"/>
+          </p:cNvPicPr>
+          <p:nvPr/>
+        </p:nvPicPr>
+        <p:blipFill>
+          <a:blip r:embed="rId7">
+            <a:extLst>
+              <a:ext uri="{28A0092B-C50C-407E-A947-70E740481C1C}">
+                <a14:useLocalDpi xmlns:a14="http://schemas.microsoft.com/office/drawing/2010/main" val="0"/>
+              </a:ext>
+            </a:extLst>
+          </a:blip>
+          <a:srcRect/>
+          <a:stretch>
+            <a:fillRect/>
+          </a:stretch>
+        </p:blipFill>
+        <p:spPr bwMode="auto">
+          <a:xfrm>
+            <a:off x="231603" y="3472249"/>
+            <a:ext cx="440675" cy="440675"/>
+          </a:xfrm>
+          <a:prstGeom prst="rect">
+            <a:avLst/>
+          </a:prstGeom>
+          <a:noFill/>
+          <a:extLst>
+            <a:ext uri="{909E8E84-426E-40DD-AFC4-6F175D3DCCD1}">
+              <a14:hiddenFill xmlns:a14="http://schemas.microsoft.com/office/drawing/2010/main">
+                <a:solidFill>
+                  <a:srgbClr val="FFFFFF"/>
+                </a:solidFill>
+              </a14:hiddenFill>
+            </a:ext>
+          </a:extLst>
+        </p:spPr>
+      </p:pic>
+      <p:sp>
+        <p:nvSpPr>
+          <p:cNvPr id="8" name="Title 1">
+            <a:extLst>
+              <a:ext uri="{FF2B5EF4-FFF2-40B4-BE49-F238E27FC236}">
+                <a16:creationId xmlns:a16="http://schemas.microsoft.com/office/drawing/2014/main" id="{E0DB4BBE-A4F1-4328-9FD7-DFF51E93CC23}"/>
+              </a:ext>
+            </a:extLst>
+          </p:cNvPr>
+          <p:cNvSpPr txBox="1">
+            <a:spLocks/>
+          </p:cNvSpPr>
+          <p:nvPr/>
+        </p:nvSpPr>
+        <p:spPr>
+          <a:xfrm>
+            <a:off x="6584089" y="365125"/>
+            <a:ext cx="4149814" cy="1325563"/>
+          </a:xfrm>
+          <a:prstGeom prst="rect">
+            <a:avLst/>
+          </a:prstGeom>
+        </p:spPr>
+        <p:txBody>
+          <a:bodyPr vert="horz" lIns="91440" tIns="45720" rIns="91440" bIns="45720" rtlCol="0" anchor="ctr">
+            <a:normAutofit/>
+          </a:bodyPr>
+          <a:lstStyle>
+            <a:lvl1pPr algn="l" defTabSz="914400" rtl="0" eaLnBrk="1" latinLnBrk="0" hangingPunct="1">
+              <a:lnSpc>
+                <a:spcPct val="90000"/>
+              </a:lnSpc>
+              <a:spcBef>
+                <a:spcPct val="0"/>
+              </a:spcBef>
+              <a:buNone/>
+              <a:defRPr sz="4400" kern="1200">
+                <a:solidFill>
+                  <a:schemeClr val="tx1"/>
+                </a:solidFill>
+                <a:latin typeface="+mj-lt"/>
+                <a:ea typeface="+mj-ea"/>
+                <a:cs typeface="+mj-cs"/>
+              </a:defRPr>
+            </a:lvl1pPr>
+          </a:lstStyle>
+          <a:p>
+            <a:r>
+              <a:rPr lang="fr-FR" dirty="0" err="1"/>
+              <a:t>TigerVNC</a:t>
+            </a:r>
+            <a:r>
+              <a:rPr lang="fr-FR" dirty="0"/>
+              <a:t> Client</a:t>
+            </a:r>
+            <a:endParaRPr lang="en-US" dirty="0"/>
+          </a:p>
+        </p:txBody>
+      </p:sp>
+      <p:sp>
+        <p:nvSpPr>
+          <p:cNvPr id="9" name="Content Placeholder 2">
+            <a:extLst>
+              <a:ext uri="{FF2B5EF4-FFF2-40B4-BE49-F238E27FC236}">
+                <a16:creationId xmlns:a16="http://schemas.microsoft.com/office/drawing/2014/main" id="{C809AD1F-D0C1-44AF-B0AB-44DE80069AC1}"/>
+              </a:ext>
+            </a:extLst>
+          </p:cNvPr>
+          <p:cNvSpPr txBox="1">
+            <a:spLocks/>
+          </p:cNvSpPr>
+          <p:nvPr/>
+        </p:nvSpPr>
+        <p:spPr>
+          <a:xfrm>
+            <a:off x="6584089" y="1690688"/>
+            <a:ext cx="4149811" cy="1646624"/>
           </a:xfrm>
           <a:prstGeom prst="rect">
             <a:avLst/>
@@ -19058,7 +18752,7 @@
           <a:p>
             <a:r>
               <a:rPr lang="fr-FR" dirty="0">
-                <a:hlinkClick r:id="rId4"/>
+                <a:hlinkClick r:id="rId8"/>
               </a:rPr>
               <a:t>Documentation</a:t>
             </a:r>
@@ -19067,7 +18761,7 @@
           <a:p>
             <a:r>
               <a:rPr lang="fr-FR" dirty="0">
-                <a:hlinkClick r:id="rId5"/>
+                <a:hlinkClick r:id="rId9"/>
               </a:rPr>
               <a:t>Downloads</a:t>
             </a:r>
@@ -19083,10 +18777,10 @@
       </p:sp>
       <p:pic>
         <p:nvPicPr>
-          <p:cNvPr id="6" name="Picture 2" descr="Logo">
-            <a:extLst>
-              <a:ext uri="{FF2B5EF4-FFF2-40B4-BE49-F238E27FC236}">
-                <a16:creationId xmlns:a16="http://schemas.microsoft.com/office/drawing/2014/main" id="{2F660A0B-6399-4930-8779-4DD61DCB3ADF}"/>
+          <p:cNvPr id="1026" name="Picture 2" descr="logo">
+            <a:extLst>
+              <a:ext uri="{FF2B5EF4-FFF2-40B4-BE49-F238E27FC236}">
+                <a16:creationId xmlns:a16="http://schemas.microsoft.com/office/drawing/2014/main" id="{7296F75B-9096-4EA5-B2D3-66F2C75DDE66}"/>
               </a:ext>
             </a:extLst>
           </p:cNvPr>
@@ -19096,7 +18790,7 @@
           <p:nvPr/>
         </p:nvPicPr>
         <p:blipFill>
-          <a:blip r:embed="rId6">
+          <a:blip r:embed="rId10">
             <a:extLst>
               <a:ext uri="{28A0092B-C50C-407E-A947-70E740481C1C}">
                 <a14:useLocalDpi xmlns:a14="http://schemas.microsoft.com/office/drawing/2010/main" val="0"/>
@@ -19110,8 +18804,8 @@
         </p:blipFill>
         <p:spPr bwMode="auto">
           <a:xfrm>
-            <a:off x="147141" y="723106"/>
-            <a:ext cx="609600" cy="609600"/>
+            <a:off x="6003324" y="799306"/>
+            <a:ext cx="457200" cy="457200"/>
           </a:xfrm>
           <a:prstGeom prst="rect">
             <a:avLst/>
@@ -19128,59 +18822,12 @@
           </a:extLst>
         </p:spPr>
       </p:pic>
-      <p:pic>
-        <p:nvPicPr>
-          <p:cNvPr id="7" name="Picture 6" descr="TightVNC Home">
-            <a:extLst>
-              <a:ext uri="{FF2B5EF4-FFF2-40B4-BE49-F238E27FC236}">
-                <a16:creationId xmlns:a16="http://schemas.microsoft.com/office/drawing/2014/main" id="{05AC6265-0E76-4945-BD8C-EC68DF554EDA}"/>
-              </a:ext>
-            </a:extLst>
-          </p:cNvPr>
-          <p:cNvPicPr>
-            <a:picLocks noChangeAspect="1" noChangeArrowheads="1"/>
-          </p:cNvPicPr>
-          <p:nvPr/>
-        </p:nvPicPr>
-        <p:blipFill>
-          <a:blip r:embed="rId7">
-            <a:extLst>
-              <a:ext uri="{28A0092B-C50C-407E-A947-70E740481C1C}">
-                <a14:useLocalDpi xmlns:a14="http://schemas.microsoft.com/office/drawing/2010/main" val="0"/>
-              </a:ext>
-            </a:extLst>
-          </a:blip>
-          <a:srcRect/>
-          <a:stretch>
-            <a:fillRect/>
-          </a:stretch>
-        </p:blipFill>
-        <p:spPr bwMode="auto">
-          <a:xfrm>
-            <a:off x="231603" y="3472249"/>
-            <a:ext cx="440675" cy="440675"/>
-          </a:xfrm>
-          <a:prstGeom prst="rect">
-            <a:avLst/>
-          </a:prstGeom>
-          <a:noFill/>
-          <a:extLst>
-            <a:ext uri="{909E8E84-426E-40DD-AFC4-6F175D3DCCD1}">
-              <a14:hiddenFill xmlns:a14="http://schemas.microsoft.com/office/drawing/2010/main">
-                <a:solidFill>
-                  <a:srgbClr val="FFFFFF"/>
-                </a:solidFill>
-              </a14:hiddenFill>
-            </a:ext>
-          </a:extLst>
-        </p:spPr>
-      </p:pic>
       <p:sp>
         <p:nvSpPr>
-          <p:cNvPr id="8" name="Title 1">
-            <a:extLst>
-              <a:ext uri="{FF2B5EF4-FFF2-40B4-BE49-F238E27FC236}">
-                <a16:creationId xmlns:a16="http://schemas.microsoft.com/office/drawing/2014/main" id="{E0DB4BBE-A4F1-4328-9FD7-DFF51E93CC23}"/>
+          <p:cNvPr id="11" name="Title 1">
+            <a:extLst>
+              <a:ext uri="{FF2B5EF4-FFF2-40B4-BE49-F238E27FC236}">
+                <a16:creationId xmlns:a16="http://schemas.microsoft.com/office/drawing/2014/main" id="{967C3F56-C3A3-40EB-89B4-4F21F1A45335}"/>
               </a:ext>
             </a:extLst>
           </p:cNvPr>
@@ -19191,8 +18838,8 @@
         </p:nvSpPr>
         <p:spPr>
           <a:xfrm>
-            <a:off x="6584089" y="365125"/>
-            <a:ext cx="4149814" cy="1325563"/>
+            <a:off x="6584086" y="3050660"/>
+            <a:ext cx="5196022" cy="1325563"/>
           </a:xfrm>
           <a:prstGeom prst="rect">
             <a:avLst/>
@@ -19223,12 +18870,16 @@
           </a:lstStyle>
           <a:p>
             <a:r>
+              <a:rPr lang="fr-FR" dirty="0"/>
+              <a:t>NSSM </a:t>
+            </a:r>
+            <a:r>
               <a:rPr lang="fr-FR" dirty="0" err="1"/>
-              <a:t>TigerVNC</a:t>
+              <a:t>install</a:t>
             </a:r>
             <a:r>
               <a:rPr lang="fr-FR" dirty="0"/>
-              <a:t> Client</a:t>
+              <a:t> Manager</a:t>
             </a:r>
             <a:endParaRPr lang="en-US" dirty="0"/>
           </a:p>
@@ -19236,10 +18887,10 @@
       </p:sp>
       <p:sp>
         <p:nvSpPr>
-          <p:cNvPr id="9" name="Content Placeholder 2">
-            <a:extLst>
-              <a:ext uri="{FF2B5EF4-FFF2-40B4-BE49-F238E27FC236}">
-                <a16:creationId xmlns:a16="http://schemas.microsoft.com/office/drawing/2014/main" id="{C809AD1F-D0C1-44AF-B0AB-44DE80069AC1}"/>
+          <p:cNvPr id="12" name="Content Placeholder 2">
+            <a:extLst>
+              <a:ext uri="{FF2B5EF4-FFF2-40B4-BE49-F238E27FC236}">
+                <a16:creationId xmlns:a16="http://schemas.microsoft.com/office/drawing/2014/main" id="{CE7CEB1E-3919-47D8-9012-605AEB93F6CC}"/>
               </a:ext>
             </a:extLst>
           </p:cNvPr>
@@ -19250,7 +18901,7 @@
         </p:nvSpPr>
         <p:spPr>
           <a:xfrm>
-            <a:off x="6584089" y="1690688"/>
+            <a:off x="6584086" y="4376223"/>
             <a:ext cx="4149811" cy="1646624"/>
           </a:xfrm>
           <a:prstGeom prst="rect">
@@ -19428,333 +19079,6 @@
           <a:p>
             <a:r>
               <a:rPr lang="fr-FR" dirty="0">
-                <a:hlinkClick r:id="rId8"/>
-              </a:rPr>
-              <a:t>Documentation</a:t>
-            </a:r>
-            <a:endParaRPr lang="fr-FR" dirty="0"/>
-          </a:p>
-          <a:p>
-            <a:r>
-              <a:rPr lang="fr-FR" dirty="0">
-                <a:hlinkClick r:id="rId9"/>
-              </a:rPr>
-              <a:t>Downloads</a:t>
-            </a:r>
-            <a:endParaRPr lang="fr-FR" dirty="0"/>
-          </a:p>
-          <a:p>
-            <a:endParaRPr lang="en-US" dirty="0"/>
-          </a:p>
-          <a:p>
-            <a:endParaRPr lang="en-US" dirty="0"/>
-          </a:p>
-        </p:txBody>
-      </p:sp>
-      <p:pic>
-        <p:nvPicPr>
-          <p:cNvPr id="1026" name="Picture 2" descr="logo">
-            <a:extLst>
-              <a:ext uri="{FF2B5EF4-FFF2-40B4-BE49-F238E27FC236}">
-                <a16:creationId xmlns:a16="http://schemas.microsoft.com/office/drawing/2014/main" id="{7296F75B-9096-4EA5-B2D3-66F2C75DDE66}"/>
-              </a:ext>
-            </a:extLst>
-          </p:cNvPr>
-          <p:cNvPicPr>
-            <a:picLocks noChangeAspect="1" noChangeArrowheads="1"/>
-          </p:cNvPicPr>
-          <p:nvPr/>
-        </p:nvPicPr>
-        <p:blipFill>
-          <a:blip r:embed="rId10">
-            <a:extLst>
-              <a:ext uri="{28A0092B-C50C-407E-A947-70E740481C1C}">
-                <a14:useLocalDpi xmlns:a14="http://schemas.microsoft.com/office/drawing/2010/main" val="0"/>
-              </a:ext>
-            </a:extLst>
-          </a:blip>
-          <a:srcRect/>
-          <a:stretch>
-            <a:fillRect/>
-          </a:stretch>
-        </p:blipFill>
-        <p:spPr bwMode="auto">
-          <a:xfrm>
-            <a:off x="6003324" y="799306"/>
-            <a:ext cx="457200" cy="457200"/>
-          </a:xfrm>
-          <a:prstGeom prst="rect">
-            <a:avLst/>
-          </a:prstGeom>
-          <a:noFill/>
-          <a:extLst>
-            <a:ext uri="{909E8E84-426E-40DD-AFC4-6F175D3DCCD1}">
-              <a14:hiddenFill xmlns:a14="http://schemas.microsoft.com/office/drawing/2010/main">
-                <a:solidFill>
-                  <a:srgbClr val="FFFFFF"/>
-                </a:solidFill>
-              </a14:hiddenFill>
-            </a:ext>
-          </a:extLst>
-        </p:spPr>
-      </p:pic>
-      <p:sp>
-        <p:nvSpPr>
-          <p:cNvPr id="11" name="Title 1">
-            <a:extLst>
-              <a:ext uri="{FF2B5EF4-FFF2-40B4-BE49-F238E27FC236}">
-                <a16:creationId xmlns:a16="http://schemas.microsoft.com/office/drawing/2014/main" id="{967C3F56-C3A3-40EB-89B4-4F21F1A45335}"/>
-              </a:ext>
-            </a:extLst>
-          </p:cNvPr>
-          <p:cNvSpPr txBox="1">
-            <a:spLocks/>
-          </p:cNvSpPr>
-          <p:nvPr/>
-        </p:nvSpPr>
-        <p:spPr>
-          <a:xfrm>
-            <a:off x="6584086" y="3050660"/>
-            <a:ext cx="5196022" cy="1325563"/>
-          </a:xfrm>
-          <a:prstGeom prst="rect">
-            <a:avLst/>
-          </a:prstGeom>
-        </p:spPr>
-        <p:txBody>
-          <a:bodyPr vert="horz" lIns="91440" tIns="45720" rIns="91440" bIns="45720" rtlCol="0" anchor="ctr">
-            <a:normAutofit/>
-          </a:bodyPr>
-          <a:lstStyle>
-            <a:lvl1pPr algn="l" defTabSz="914400" rtl="0" eaLnBrk="1" latinLnBrk="0" hangingPunct="1">
-              <a:lnSpc>
-                <a:spcPct val="90000"/>
-              </a:lnSpc>
-              <a:spcBef>
-                <a:spcPct val="0"/>
-              </a:spcBef>
-              <a:buNone/>
-              <a:defRPr sz="4400" kern="1200">
-                <a:solidFill>
-                  <a:schemeClr val="tx1"/>
-                </a:solidFill>
-                <a:latin typeface="+mj-lt"/>
-                <a:ea typeface="+mj-ea"/>
-                <a:cs typeface="+mj-cs"/>
-              </a:defRPr>
-            </a:lvl1pPr>
-          </a:lstStyle>
-          <a:p>
-            <a:r>
-              <a:rPr lang="fr-FR" dirty="0"/>
-              <a:t>NSSM </a:t>
-            </a:r>
-            <a:r>
-              <a:rPr lang="fr-FR" dirty="0" err="1"/>
-              <a:t>install</a:t>
-            </a:r>
-            <a:r>
-              <a:rPr lang="fr-FR" dirty="0"/>
-              <a:t> Manager</a:t>
-            </a:r>
-            <a:endParaRPr lang="en-US" dirty="0"/>
-          </a:p>
-        </p:txBody>
-      </p:sp>
-      <p:sp>
-        <p:nvSpPr>
-          <p:cNvPr id="12" name="Content Placeholder 2">
-            <a:extLst>
-              <a:ext uri="{FF2B5EF4-FFF2-40B4-BE49-F238E27FC236}">
-                <a16:creationId xmlns:a16="http://schemas.microsoft.com/office/drawing/2014/main" id="{CE7CEB1E-3919-47D8-9012-605AEB93F6CC}"/>
-              </a:ext>
-            </a:extLst>
-          </p:cNvPr>
-          <p:cNvSpPr txBox="1">
-            <a:spLocks/>
-          </p:cNvSpPr>
-          <p:nvPr/>
-        </p:nvSpPr>
-        <p:spPr>
-          <a:xfrm>
-            <a:off x="6584086" y="4376223"/>
-            <a:ext cx="4149811" cy="1646624"/>
-          </a:xfrm>
-          <a:prstGeom prst="rect">
-            <a:avLst/>
-          </a:prstGeom>
-        </p:spPr>
-        <p:txBody>
-          <a:bodyPr vert="horz" lIns="91440" tIns="45720" rIns="91440" bIns="45720" rtlCol="0">
-            <a:normAutofit/>
-          </a:bodyPr>
-          <a:lstStyle>
-            <a:lvl1pPr marL="228600" indent="-228600" algn="l" defTabSz="914400" rtl="0" eaLnBrk="1" latinLnBrk="0" hangingPunct="1">
-              <a:lnSpc>
-                <a:spcPct val="90000"/>
-              </a:lnSpc>
-              <a:spcBef>
-                <a:spcPts val="1000"/>
-              </a:spcBef>
-              <a:buFont typeface="Arial" panose="020B0604020202020204" pitchFamily="34" charset="0"/>
-              <a:buChar char="•"/>
-              <a:defRPr sz="2800" kern="1200">
-                <a:solidFill>
-                  <a:schemeClr val="tx1"/>
-                </a:solidFill>
-                <a:latin typeface="+mn-lt"/>
-                <a:ea typeface="+mn-ea"/>
-                <a:cs typeface="+mn-cs"/>
-              </a:defRPr>
-            </a:lvl1pPr>
-            <a:lvl2pPr marL="685800" indent="-228600" algn="l" defTabSz="914400" rtl="0" eaLnBrk="1" latinLnBrk="0" hangingPunct="1">
-              <a:lnSpc>
-                <a:spcPct val="90000"/>
-              </a:lnSpc>
-              <a:spcBef>
-                <a:spcPts val="500"/>
-              </a:spcBef>
-              <a:buFont typeface="Arial" panose="020B0604020202020204" pitchFamily="34" charset="0"/>
-              <a:buChar char="•"/>
-              <a:defRPr sz="2400" kern="1200">
-                <a:solidFill>
-                  <a:schemeClr val="tx1"/>
-                </a:solidFill>
-                <a:latin typeface="+mn-lt"/>
-                <a:ea typeface="+mn-ea"/>
-                <a:cs typeface="+mn-cs"/>
-              </a:defRPr>
-            </a:lvl2pPr>
-            <a:lvl3pPr marL="1143000" indent="-228600" algn="l" defTabSz="914400" rtl="0" eaLnBrk="1" latinLnBrk="0" hangingPunct="1">
-              <a:lnSpc>
-                <a:spcPct val="90000"/>
-              </a:lnSpc>
-              <a:spcBef>
-                <a:spcPts val="500"/>
-              </a:spcBef>
-              <a:buFont typeface="Arial" panose="020B0604020202020204" pitchFamily="34" charset="0"/>
-              <a:buChar char="•"/>
-              <a:defRPr sz="2000" kern="1200">
-                <a:solidFill>
-                  <a:schemeClr val="tx1"/>
-                </a:solidFill>
-                <a:latin typeface="+mn-lt"/>
-                <a:ea typeface="+mn-ea"/>
-                <a:cs typeface="+mn-cs"/>
-              </a:defRPr>
-            </a:lvl3pPr>
-            <a:lvl4pPr marL="1600200" indent="-228600" algn="l" defTabSz="914400" rtl="0" eaLnBrk="1" latinLnBrk="0" hangingPunct="1">
-              <a:lnSpc>
-                <a:spcPct val="90000"/>
-              </a:lnSpc>
-              <a:spcBef>
-                <a:spcPts val="500"/>
-              </a:spcBef>
-              <a:buFont typeface="Arial" panose="020B0604020202020204" pitchFamily="34" charset="0"/>
-              <a:buChar char="•"/>
-              <a:defRPr sz="1800" kern="1200">
-                <a:solidFill>
-                  <a:schemeClr val="tx1"/>
-                </a:solidFill>
-                <a:latin typeface="+mn-lt"/>
-                <a:ea typeface="+mn-ea"/>
-                <a:cs typeface="+mn-cs"/>
-              </a:defRPr>
-            </a:lvl4pPr>
-            <a:lvl5pPr marL="2057400" indent="-228600" algn="l" defTabSz="914400" rtl="0" eaLnBrk="1" latinLnBrk="0" hangingPunct="1">
-              <a:lnSpc>
-                <a:spcPct val="90000"/>
-              </a:lnSpc>
-              <a:spcBef>
-                <a:spcPts val="500"/>
-              </a:spcBef>
-              <a:buFont typeface="Arial" panose="020B0604020202020204" pitchFamily="34" charset="0"/>
-              <a:buChar char="•"/>
-              <a:defRPr sz="1800" kern="1200">
-                <a:solidFill>
-                  <a:schemeClr val="tx1"/>
-                </a:solidFill>
-                <a:latin typeface="+mn-lt"/>
-                <a:ea typeface="+mn-ea"/>
-                <a:cs typeface="+mn-cs"/>
-              </a:defRPr>
-            </a:lvl5pPr>
-            <a:lvl6pPr marL="2514600" indent="-228600" algn="l" defTabSz="914400" rtl="0" eaLnBrk="1" latinLnBrk="0" hangingPunct="1">
-              <a:lnSpc>
-                <a:spcPct val="90000"/>
-              </a:lnSpc>
-              <a:spcBef>
-                <a:spcPts val="500"/>
-              </a:spcBef>
-              <a:buFont typeface="Arial" panose="020B0604020202020204" pitchFamily="34" charset="0"/>
-              <a:buChar char="•"/>
-              <a:defRPr sz="1800" kern="1200">
-                <a:solidFill>
-                  <a:schemeClr val="tx1"/>
-                </a:solidFill>
-                <a:latin typeface="+mn-lt"/>
-                <a:ea typeface="+mn-ea"/>
-                <a:cs typeface="+mn-cs"/>
-              </a:defRPr>
-            </a:lvl6pPr>
-            <a:lvl7pPr marL="2971800" indent="-228600" algn="l" defTabSz="914400" rtl="0" eaLnBrk="1" latinLnBrk="0" hangingPunct="1">
-              <a:lnSpc>
-                <a:spcPct val="90000"/>
-              </a:lnSpc>
-              <a:spcBef>
-                <a:spcPts val="500"/>
-              </a:spcBef>
-              <a:buFont typeface="Arial" panose="020B0604020202020204" pitchFamily="34" charset="0"/>
-              <a:buChar char="•"/>
-              <a:defRPr sz="1800" kern="1200">
-                <a:solidFill>
-                  <a:schemeClr val="tx1"/>
-                </a:solidFill>
-                <a:latin typeface="+mn-lt"/>
-                <a:ea typeface="+mn-ea"/>
-                <a:cs typeface="+mn-cs"/>
-              </a:defRPr>
-            </a:lvl7pPr>
-            <a:lvl8pPr marL="3429000" indent="-228600" algn="l" defTabSz="914400" rtl="0" eaLnBrk="1" latinLnBrk="0" hangingPunct="1">
-              <a:lnSpc>
-                <a:spcPct val="90000"/>
-              </a:lnSpc>
-              <a:spcBef>
-                <a:spcPts val="500"/>
-              </a:spcBef>
-              <a:buFont typeface="Arial" panose="020B0604020202020204" pitchFamily="34" charset="0"/>
-              <a:buChar char="•"/>
-              <a:defRPr sz="1800" kern="1200">
-                <a:solidFill>
-                  <a:schemeClr val="tx1"/>
-                </a:solidFill>
-                <a:latin typeface="+mn-lt"/>
-                <a:ea typeface="+mn-ea"/>
-                <a:cs typeface="+mn-cs"/>
-              </a:defRPr>
-            </a:lvl8pPr>
-            <a:lvl9pPr marL="3886200" indent="-228600" algn="l" defTabSz="914400" rtl="0" eaLnBrk="1" latinLnBrk="0" hangingPunct="1">
-              <a:lnSpc>
-                <a:spcPct val="90000"/>
-              </a:lnSpc>
-              <a:spcBef>
-                <a:spcPts val="500"/>
-              </a:spcBef>
-              <a:buFont typeface="Arial" panose="020B0604020202020204" pitchFamily="34" charset="0"/>
-              <a:buChar char="•"/>
-              <a:defRPr sz="1800" kern="1200">
-                <a:solidFill>
-                  <a:schemeClr val="tx1"/>
-                </a:solidFill>
-                <a:latin typeface="+mn-lt"/>
-                <a:ea typeface="+mn-ea"/>
-                <a:cs typeface="+mn-cs"/>
-              </a:defRPr>
-            </a:lvl9pPr>
-          </a:lstStyle>
-          <a:p>
-            <a:r>
-              <a:rPr lang="fr-FR" dirty="0">
                 <a:hlinkClick r:id="rId11"/>
               </a:rPr>
               <a:t>Documentation</a:t>
@@ -19884,7 +19208,7 @@
         <p:spPr>
           <a:xfrm>
             <a:off x="6584086" y="1186419"/>
-            <a:ext cx="4461221" cy="369332"/>
+            <a:ext cx="4325543" cy="369332"/>
           </a:xfrm>
           <a:prstGeom prst="rect">
             <a:avLst/>
@@ -19903,19 +19227,7 @@
             </a:r>
             <a:r>
               <a:rPr lang="fr-FR" dirty="0"/>
-              <a:t> to VNC server to </a:t>
-            </a:r>
-            <a:r>
-              <a:rPr lang="fr-FR" dirty="0" err="1"/>
-              <a:t>take</a:t>
-            </a:r>
-            <a:r>
-              <a:rPr lang="fr-FR" dirty="0"/>
-              <a:t> </a:t>
-            </a:r>
-            <a:r>
-              <a:rPr lang="fr-FR" dirty="0" err="1"/>
-              <a:t>screenshots</a:t>
+              <a:t> to VNC server to capture images</a:t>
             </a:r>
             <a:endParaRPr lang="en-US" dirty="0"/>
           </a:p>
@@ -20132,7 +19444,7 @@
           <a:noFill/>
           <a:extLst>
             <a:ext uri="{909E8E84-426E-40dd-AFC4-6F175D3DCCD1}">
-              <a14:hiddenFill xmlns="" xmlns:a14="http://schemas.microsoft.com/office/drawing/2010/main">
+              <a14:hiddenFill xmlns:a14="http://schemas.microsoft.com/office/drawing/2010/main" xmlns="">
                 <a:solidFill>
                   <a:srgbClr val="FFFFFF"/>
                 </a:solidFill>
@@ -20520,7 +19832,7 @@
           <a:noFill/>
           <a:extLst>
             <a:ext uri="{909E8E84-426E-40dd-AFC4-6F175D3DCCD1}">
-              <a14:hiddenFill xmlns="" xmlns:a14="http://schemas.microsoft.com/office/drawing/2010/main">
+              <a14:hiddenFill xmlns:a14="http://schemas.microsoft.com/office/drawing/2010/main" xmlns="">
                 <a:solidFill>
                   <a:srgbClr val="FFFFFF"/>
                 </a:solidFill>
@@ -21196,7 +20508,7 @@
           <a:noFill/>
           <a:extLst>
             <a:ext uri="{909E8E84-426E-40dd-AFC4-6F175D3DCCD1}">
-              <a14:hiddenFill xmlns="" xmlns:a14="http://schemas.microsoft.com/office/drawing/2010/main">
+              <a14:hiddenFill xmlns:a14="http://schemas.microsoft.com/office/drawing/2010/main" xmlns="">
                 <a:solidFill>
                   <a:srgbClr val="FFFFFF"/>
                 </a:solidFill>
@@ -21589,7 +20901,7 @@
           <a:noFill/>
           <a:extLst>
             <a:ext uri="{909E8E84-426E-40dd-AFC4-6F175D3DCCD1}">
-              <a14:hiddenFill xmlns="" xmlns:a14="http://schemas.microsoft.com/office/drawing/2010/main">
+              <a14:hiddenFill xmlns:a14="http://schemas.microsoft.com/office/drawing/2010/main" xmlns="">
                 <a:solidFill>
                   <a:srgbClr val="FFFFFF"/>
                 </a:solidFill>
@@ -22690,7 +22002,7 @@
           <p:cNvPr id="2" name="Title 1">
             <a:extLst>
               <a:ext uri="{FF2B5EF4-FFF2-40B4-BE49-F238E27FC236}">
-                <a16:creationId xmlns:a16="http://schemas.microsoft.com/office/drawing/2014/main" id="{75397719-49BB-4ECF-BE0E-503DF06B249A}"/>
+                <a16:creationId xmlns:a16="http://schemas.microsoft.com/office/drawing/2014/main" id="{8F005D6D-B4C2-43B6-9B3C-38EA2C43DB9F}"/>
               </a:ext>
             </a:extLst>
           </p:cNvPr>
@@ -22708,11 +22020,11 @@
           <a:p>
             <a:r>
               <a:rPr lang="fr-FR" dirty="0"/>
-              <a:t>Rules to follow for </a:t>
+              <a:t>Trigger test </a:t>
             </a:r>
             <a:r>
               <a:rPr lang="fr-FR" dirty="0" err="1"/>
-              <a:t>writing</a:t>
+              <a:t>execution</a:t>
             </a:r>
             <a:r>
               <a:rPr lang="fr-FR" dirty="0"/>
@@ -22720,13 +22032,13 @@
             </a:r>
             <a:r>
               <a:rPr lang="fr-FR" dirty="0" err="1"/>
-              <a:t>SikuliX</a:t>
+              <a:t>from</a:t>
             </a:r>
             <a:r>
               <a:rPr lang="fr-FR" dirty="0"/>
-              <a:t> scripts</a:t>
-            </a:r>
-            <a:endParaRPr lang="en-US" b="1" dirty="0"/>
+              <a:t> Dynatrace (1/2)</a:t>
+            </a:r>
+            <a:endParaRPr lang="en-US" dirty="0"/>
           </a:p>
         </p:txBody>
       </p:sp>
@@ -22735,7 +22047,7 @@
           <p:cNvPr id="3" name="Content Placeholder 2">
             <a:extLst>
               <a:ext uri="{FF2B5EF4-FFF2-40B4-BE49-F238E27FC236}">
-                <a16:creationId xmlns:a16="http://schemas.microsoft.com/office/drawing/2014/main" id="{82F37104-CD3C-4828-A891-EB5DD78F6848}"/>
+                <a16:creationId xmlns:a16="http://schemas.microsoft.com/office/drawing/2014/main" id="{CCE0DD1C-C845-4949-9D94-D62E0426098D}"/>
               </a:ext>
             </a:extLst>
           </p:cNvPr>
@@ -22746,151 +22058,193 @@
             <p:ph idx="1"/>
           </p:nvPr>
         </p:nvSpPr>
-        <p:spPr>
-          <a:xfrm>
-            <a:off x="838200" y="1825625"/>
-            <a:ext cx="10515600" cy="1687813"/>
-          </a:xfrm>
-          <a:solidFill>
-            <a:schemeClr val="tx1">
-              <a:lumMod val="75000"/>
-              <a:lumOff val="25000"/>
-            </a:schemeClr>
-          </a:solidFill>
-        </p:spPr>
+        <p:spPr/>
         <p:txBody>
-          <a:bodyPr>
-            <a:normAutofit/>
-          </a:bodyPr>
+          <a:bodyPr/>
           <a:lstStyle/>
           <a:p>
-            <a:pPr marL="0" indent="0">
+            <a:r>
+              <a:rPr lang="fr-FR" dirty="0" err="1"/>
+              <a:t>Create</a:t>
+            </a:r>
+            <a:r>
+              <a:rPr lang="fr-FR" dirty="0"/>
+              <a:t> an HTTP Monitor </a:t>
+            </a:r>
+            <a:r>
+              <a:rPr lang="fr-FR" dirty="0" err="1"/>
+              <a:t>with</a:t>
+            </a:r>
+            <a:r>
+              <a:rPr lang="fr-FR" dirty="0"/>
+              <a:t> </a:t>
+            </a:r>
+            <a:r>
+              <a:rPr lang="fr-FR" dirty="0" err="1"/>
+              <a:t>just</a:t>
+            </a:r>
+            <a:r>
+              <a:rPr lang="fr-FR" dirty="0"/>
+              <a:t> 1 </a:t>
+            </a:r>
+            <a:r>
+              <a:rPr lang="fr-FR" dirty="0" err="1"/>
+              <a:t>step</a:t>
+            </a:r>
+            <a:r>
+              <a:rPr lang="fr-FR" dirty="0"/>
+              <a:t>:</a:t>
+            </a:r>
+          </a:p>
+          <a:p>
+            <a:pPr lvl="1"/>
+            <a:r>
+              <a:rPr lang="fr-FR" dirty="0"/>
+              <a:t>URL: 	</a:t>
+            </a:r>
+            <a:r>
+              <a:rPr lang="fr-FR" sz="1800" dirty="0">
+                <a:latin typeface="Lucida Console" panose="020B0609040504020204" pitchFamily="49" charset="0"/>
+              </a:rPr>
+              <a:t>https://&lt;dt_bridge_host&gt;:&lt;dt_bridge_port&gt;/testtool_launcher2</a:t>
+            </a:r>
+            <a:endParaRPr lang="fr-FR" sz="1600" dirty="0">
+              <a:latin typeface="Lucida Console" panose="020B0609040504020204" pitchFamily="49" charset="0"/>
+            </a:endParaRPr>
+          </a:p>
+          <a:p>
+            <a:pPr lvl="1"/>
+            <a:r>
+              <a:rPr lang="fr-FR" dirty="0"/>
+              <a:t>Method: POST</a:t>
+            </a:r>
+          </a:p>
+          <a:p>
+            <a:pPr lvl="1"/>
+            <a:r>
+              <a:rPr lang="fr-FR" dirty="0"/>
+              <a:t>Post exécution script : </a:t>
+            </a:r>
+          </a:p>
+          <a:p>
+            <a:pPr marL="914400" lvl="2" indent="0">
               <a:buNone/>
             </a:pPr>
             <a:r>
-              <a:rPr lang="en-US" sz="2400" b="0" dirty="0">
-                <a:solidFill>
-                  <a:srgbClr val="6A9955"/>
-                </a:solidFill>
-                <a:effectLst/>
-                <a:latin typeface="Consolas" panose="020B0609020204030204" pitchFamily="49" charset="0"/>
-              </a:rPr>
-              <a:t># import the Dynatrace Bridge features</a:t>
-            </a:r>
-            <a:endParaRPr lang="en-US" sz="2400" b="0" dirty="0">
-              <a:solidFill>
-                <a:srgbClr val="D4D4D4"/>
-              </a:solidFill>
-              <a:effectLst/>
-              <a:latin typeface="Consolas" panose="020B0609020204030204" pitchFamily="49" charset="0"/>
-            </a:endParaRPr>
-          </a:p>
-          <a:p>
-            <a:pPr marL="0" indent="0">
+              <a:rPr lang="en-US" sz="1600" dirty="0">
+                <a:latin typeface="Lucida Console" panose="020B0609040504020204" pitchFamily="49" charset="0"/>
+              </a:rPr>
+              <a:t>// check response code</a:t>
+            </a:r>
+          </a:p>
+          <a:p>
+            <a:pPr marL="914400" lvl="2" indent="0">
               <a:buNone/>
             </a:pPr>
             <a:r>
-              <a:rPr lang="en-US" sz="2400" b="1" dirty="0">
-                <a:solidFill>
-                  <a:srgbClr val="D4D4D4"/>
-                </a:solidFill>
-                <a:effectLst/>
-                <a:latin typeface="Consolas" panose="020B0609020204030204" pitchFamily="49" charset="0"/>
-              </a:rPr>
-              <a:t>load(</a:t>
-            </a:r>
-            <a:r>
-              <a:rPr lang="en-US" sz="2400" b="1" dirty="0">
-                <a:solidFill>
-                  <a:srgbClr val="CE9178"/>
-                </a:solidFill>
-                <a:effectLst/>
-                <a:latin typeface="Consolas" panose="020B0609020204030204" pitchFamily="49" charset="0"/>
-              </a:rPr>
-              <a:t>"dtbridge_sikuli.jar"</a:t>
-            </a:r>
-            <a:r>
-              <a:rPr lang="en-US" sz="2400" b="1" dirty="0">
-                <a:solidFill>
-                  <a:srgbClr val="D4D4D4"/>
-                </a:solidFill>
-                <a:effectLst/>
-                <a:latin typeface="Consolas" panose="020B0609020204030204" pitchFamily="49" charset="0"/>
-              </a:rPr>
-              <a:t>)</a:t>
-            </a:r>
-          </a:p>
-          <a:p>
-            <a:pPr marL="0" indent="0">
+              <a:rPr lang="en-US" sz="1600" dirty="0">
+                <a:latin typeface="Lucida Console" panose="020B0609040504020204" pitchFamily="49" charset="0"/>
+              </a:rPr>
+              <a:t>if (</a:t>
+            </a:r>
+            <a:r>
+              <a:rPr lang="en-US" sz="1600" dirty="0" err="1">
+                <a:latin typeface="Lucida Console" panose="020B0609040504020204" pitchFamily="49" charset="0"/>
+              </a:rPr>
+              <a:t>response.getStatusCode</a:t>
+            </a:r>
+            <a:r>
+              <a:rPr lang="en-US" sz="1600" dirty="0">
+                <a:latin typeface="Lucida Console" panose="020B0609040504020204" pitchFamily="49" charset="0"/>
+              </a:rPr>
+              <a:t>() != 200) {</a:t>
+            </a:r>
+          </a:p>
+          <a:p>
+            <a:pPr marL="914400" lvl="2" indent="0">
               <a:buNone/>
             </a:pPr>
             <a:r>
-              <a:rPr lang="en-US" sz="2400" b="1" dirty="0">
-                <a:solidFill>
-                  <a:srgbClr val="C586C0"/>
-                </a:solidFill>
-                <a:effectLst/>
-                <a:latin typeface="Consolas" panose="020B0609020204030204" pitchFamily="49" charset="0"/>
-              </a:rPr>
-              <a:t>from</a:t>
-            </a:r>
-            <a:r>
-              <a:rPr lang="en-US" sz="2400" b="1" dirty="0">
-                <a:solidFill>
-                  <a:srgbClr val="D4D4D4"/>
-                </a:solidFill>
-                <a:effectLst/>
-                <a:latin typeface="Consolas" panose="020B0609020204030204" pitchFamily="49" charset="0"/>
-              </a:rPr>
-              <a:t> </a:t>
-            </a:r>
-            <a:r>
-              <a:rPr lang="en-US" sz="2400" b="1" dirty="0" err="1">
-                <a:solidFill>
-                  <a:srgbClr val="D4D4D4"/>
-                </a:solidFill>
-                <a:effectLst/>
-                <a:latin typeface="Consolas" panose="020B0609020204030204" pitchFamily="49" charset="0"/>
-              </a:rPr>
-              <a:t>dtbridge</a:t>
-            </a:r>
-            <a:r>
-              <a:rPr lang="en-US" sz="2400" b="1" dirty="0">
-                <a:solidFill>
-                  <a:srgbClr val="D4D4D4"/>
-                </a:solidFill>
-                <a:effectLst/>
-                <a:latin typeface="Consolas" panose="020B0609020204030204" pitchFamily="49" charset="0"/>
-              </a:rPr>
-              <a:t> </a:t>
-            </a:r>
-            <a:r>
-              <a:rPr lang="en-US" sz="2400" b="1" dirty="0">
-                <a:solidFill>
-                  <a:srgbClr val="C586C0"/>
-                </a:solidFill>
-                <a:effectLst/>
-                <a:latin typeface="Consolas" panose="020B0609020204030204" pitchFamily="49" charset="0"/>
-              </a:rPr>
-              <a:t>import</a:t>
-            </a:r>
-            <a:r>
-              <a:rPr lang="en-US" sz="2400" b="1" dirty="0">
-                <a:solidFill>
-                  <a:srgbClr val="D4D4D4"/>
-                </a:solidFill>
-                <a:effectLst/>
-                <a:latin typeface="Consolas" panose="020B0609020204030204" pitchFamily="49" charset="0"/>
-              </a:rPr>
-              <a:t> *</a:t>
-            </a:r>
+              <a:rPr lang="en-US" sz="1600" dirty="0">
+                <a:latin typeface="Lucida Console" panose="020B0609040504020204" pitchFamily="49" charset="0"/>
+              </a:rPr>
+              <a:t>    // if not 200, then fail</a:t>
+            </a:r>
+          </a:p>
+          <a:p>
+            <a:pPr marL="914400" lvl="2" indent="0">
+              <a:buNone/>
+            </a:pPr>
+            <a:r>
+              <a:rPr lang="en-US" sz="1600" dirty="0">
+                <a:latin typeface="Lucida Console" panose="020B0609040504020204" pitchFamily="49" charset="0"/>
+              </a:rPr>
+              <a:t>    </a:t>
+            </a:r>
+            <a:r>
+              <a:rPr lang="en-US" sz="1600" dirty="0" err="1">
+                <a:latin typeface="Lucida Console" panose="020B0609040504020204" pitchFamily="49" charset="0"/>
+              </a:rPr>
+              <a:t>api.fail</a:t>
+            </a:r>
+            <a:r>
+              <a:rPr lang="en-US" sz="1600" dirty="0">
+                <a:latin typeface="Lucida Console" panose="020B0609040504020204" pitchFamily="49" charset="0"/>
+              </a:rPr>
+              <a:t>(</a:t>
+            </a:r>
+            <a:r>
+              <a:rPr lang="en-US" sz="1600" dirty="0" err="1">
+                <a:latin typeface="Lucida Console" panose="020B0609040504020204" pitchFamily="49" charset="0"/>
+              </a:rPr>
+              <a:t>response.getResponseBody</a:t>
+            </a:r>
+            <a:r>
+              <a:rPr lang="en-US" sz="1600" dirty="0">
+                <a:latin typeface="Lucida Console" panose="020B0609040504020204" pitchFamily="49" charset="0"/>
+              </a:rPr>
+              <a:t>());</a:t>
+            </a:r>
+          </a:p>
+          <a:p>
+            <a:pPr marL="914400" lvl="2" indent="0">
+              <a:buNone/>
+            </a:pPr>
+            <a:r>
+              <a:rPr lang="en-US" sz="1600" dirty="0">
+                <a:latin typeface="Lucida Console" panose="020B0609040504020204" pitchFamily="49" charset="0"/>
+              </a:rPr>
+              <a:t>}</a:t>
+            </a:r>
+          </a:p>
+          <a:p>
+            <a:pPr lvl="1"/>
+            <a:r>
+              <a:rPr lang="en-US" dirty="0">
+                <a:latin typeface="Lucida Console" panose="020B0609040504020204" pitchFamily="49" charset="0"/>
+              </a:rPr>
+              <a:t>Request body format : </a:t>
+            </a:r>
+            <a:r>
+              <a:rPr lang="en-US" dirty="0"/>
+              <a:t>x-www-form-</a:t>
+            </a:r>
+            <a:r>
+              <a:rPr lang="en-US" dirty="0" err="1"/>
+              <a:t>urlencoded</a:t>
+            </a:r>
+            <a:endParaRPr lang="en-US" dirty="0"/>
+          </a:p>
+          <a:p>
+            <a:pPr lvl="1"/>
+            <a:endParaRPr lang="en-US" dirty="0"/>
           </a:p>
         </p:txBody>
       </p:sp>
     </p:spTree>
     <p:extLst>
       <p:ext uri="{BB962C8B-B14F-4D97-AF65-F5344CB8AC3E}">
-        <p14:creationId xmlns:p14="http://schemas.microsoft.com/office/powerpoint/2010/main" val="1809923376"/>
+        <p14:creationId xmlns:p14="http://schemas.microsoft.com/office/powerpoint/2010/main" val="92368742"/>
       </p:ext>
     </p:extLst>
   </p:cSld>
@@ -22922,7 +22276,7 @@
           <p:cNvPr id="2" name="Title 1">
             <a:extLst>
               <a:ext uri="{FF2B5EF4-FFF2-40B4-BE49-F238E27FC236}">
-                <a16:creationId xmlns:a16="http://schemas.microsoft.com/office/drawing/2014/main" id="{75397719-49BB-4ECF-BE0E-503DF06B249A}"/>
+                <a16:creationId xmlns:a16="http://schemas.microsoft.com/office/drawing/2014/main" id="{8F005D6D-B4C2-43B6-9B3C-38EA2C43DB9F}"/>
               </a:ext>
             </a:extLst>
           </p:cNvPr>
@@ -22940,11 +22294,11 @@
           <a:p>
             <a:r>
               <a:rPr lang="fr-FR" dirty="0"/>
-              <a:t>Rules to follow for </a:t>
+              <a:t>Trigger test </a:t>
             </a:r>
             <a:r>
               <a:rPr lang="fr-FR" dirty="0" err="1"/>
-              <a:t>writing</a:t>
+              <a:t>execution</a:t>
             </a:r>
             <a:r>
               <a:rPr lang="fr-FR" dirty="0"/>
@@ -22952,11 +22306,11 @@
             </a:r>
             <a:r>
               <a:rPr lang="fr-FR" dirty="0" err="1"/>
-              <a:t>SikuliX</a:t>
+              <a:t>from</a:t>
             </a:r>
             <a:r>
               <a:rPr lang="fr-FR" dirty="0"/>
-              <a:t> scripts</a:t>
+              <a:t> Dynatrace (2/2)</a:t>
             </a:r>
             <a:endParaRPr lang="en-US" dirty="0"/>
           </a:p>
@@ -22967,7 +22321,7 @@
           <p:cNvPr id="3" name="Content Placeholder 2">
             <a:extLst>
               <a:ext uri="{FF2B5EF4-FFF2-40B4-BE49-F238E27FC236}">
-                <a16:creationId xmlns:a16="http://schemas.microsoft.com/office/drawing/2014/main" id="{82F37104-CD3C-4828-A891-EB5DD78F6848}"/>
+                <a16:creationId xmlns:a16="http://schemas.microsoft.com/office/drawing/2014/main" id="{CCE0DD1C-C845-4949-9D94-D62E0426098D}"/>
               </a:ext>
             </a:extLst>
           </p:cNvPr>
@@ -22981,14 +22335,8 @@
         <p:spPr>
           <a:xfrm>
             <a:off x="838200" y="1825625"/>
-            <a:ext cx="10515600" cy="3471306"/>
-          </a:xfrm>
-          <a:solidFill>
-            <a:schemeClr val="tx1">
-              <a:lumMod val="75000"/>
-              <a:lumOff val="25000"/>
-            </a:schemeClr>
-          </a:solidFill>
+            <a:ext cx="10515600" cy="4910608"/>
+          </a:xfrm>
         </p:spPr>
         <p:txBody>
           <a:bodyPr>
@@ -22996,312 +22344,196 @@
           </a:bodyPr>
           <a:lstStyle/>
           <a:p>
-            <a:pPr marL="0" indent="0">
+            <a:pPr lvl="1"/>
+            <a:r>
+              <a:rPr lang="en-US" dirty="0"/>
+              <a:t>Mandatory parameters:</a:t>
+            </a:r>
+            <a:r>
+              <a:rPr lang="en-US" dirty="0">
+                <a:latin typeface="Lucida Console" panose="020B0609040504020204" pitchFamily="49" charset="0"/>
+              </a:rPr>
+              <a:t>	</a:t>
+            </a:r>
+          </a:p>
+          <a:p>
+            <a:pPr lvl="2"/>
+            <a:r>
+              <a:rPr lang="en-US" dirty="0"/>
+              <a:t>script		: </a:t>
+            </a:r>
+            <a:r>
+              <a:rPr lang="en-US" sz="1600" dirty="0">
+                <a:latin typeface="Lucida Console" panose="020B0609040504020204" pitchFamily="49" charset="0"/>
+              </a:rPr>
+              <a:t>&lt;</a:t>
+            </a:r>
+            <a:r>
+              <a:rPr lang="en-US" sz="1600" dirty="0" err="1">
+                <a:latin typeface="Lucida Console" panose="020B0609040504020204" pitchFamily="49" charset="0"/>
+              </a:rPr>
+              <a:t>yourscript</a:t>
+            </a:r>
+            <a:r>
+              <a:rPr lang="en-US" sz="1600" dirty="0">
+                <a:latin typeface="Lucida Console" panose="020B0609040504020204" pitchFamily="49" charset="0"/>
+              </a:rPr>
+              <a:t>&gt;.</a:t>
+            </a:r>
+            <a:r>
+              <a:rPr lang="en-US" sz="1600" dirty="0" err="1">
+                <a:latin typeface="Lucida Console" panose="020B0609040504020204" pitchFamily="49" charset="0"/>
+              </a:rPr>
+              <a:t>sikuli</a:t>
+            </a:r>
+            <a:r>
+              <a:rPr lang="en-US" sz="1600" dirty="0">
+                <a:latin typeface="Lucida Console" panose="020B0609040504020204" pitchFamily="49" charset="0"/>
+              </a:rPr>
+              <a:t> </a:t>
+            </a:r>
+            <a:r>
+              <a:rPr lang="en-US" dirty="0"/>
+              <a:t>or </a:t>
+            </a:r>
+            <a:r>
+              <a:rPr lang="en-US" sz="1600" dirty="0">
+                <a:latin typeface="Lucida Console" panose="020B0609040504020204" pitchFamily="49" charset="0"/>
+              </a:rPr>
+              <a:t>&lt;</a:t>
+            </a:r>
+            <a:r>
+              <a:rPr lang="en-US" sz="1600" dirty="0" err="1">
+                <a:latin typeface="Lucida Console" panose="020B0609040504020204" pitchFamily="49" charset="0"/>
+              </a:rPr>
+              <a:t>yourscript</a:t>
+            </a:r>
+            <a:r>
+              <a:rPr lang="en-US" sz="1600" dirty="0">
+                <a:latin typeface="Lucida Console" panose="020B0609040504020204" pitchFamily="49" charset="0"/>
+              </a:rPr>
+              <a:t>&gt;_Sikuli.jar</a:t>
+            </a:r>
+          </a:p>
+          <a:p>
+            <a:pPr lvl="2"/>
+            <a:r>
+              <a:rPr lang="en-US" dirty="0" err="1"/>
+              <a:t>api_token</a:t>
+            </a:r>
+            <a:r>
+              <a:rPr lang="en-US" dirty="0"/>
+              <a:t>	: API v1 token with “Create and read Synthetic monitors and nodes” right</a:t>
+            </a:r>
+          </a:p>
+          <a:p>
+            <a:pPr lvl="2"/>
+            <a:r>
+              <a:rPr lang="en-US" dirty="0" err="1"/>
+              <a:t>api_url</a:t>
+            </a:r>
+            <a:r>
+              <a:rPr lang="en-US" dirty="0"/>
+              <a:t>	: </a:t>
+            </a:r>
+            <a:r>
+              <a:rPr lang="en-US" sz="1600" dirty="0">
+                <a:latin typeface="Lucida Console" panose="020B0609040504020204" pitchFamily="49" charset="0"/>
+              </a:rPr>
+              <a:t>https://&lt;tenant_id&gt;.live.dynatrace.com</a:t>
+            </a:r>
+          </a:p>
+          <a:p>
+            <a:pPr lvl="1"/>
+            <a:r>
+              <a:rPr lang="en-US" dirty="0"/>
+              <a:t>Optional parameters:</a:t>
+            </a:r>
+          </a:p>
+          <a:p>
+            <a:pPr lvl="2"/>
+            <a:r>
+              <a:rPr lang="en-US" dirty="0"/>
+              <a:t>&lt;any_name_1&gt;	: add parameters as required by your scripts</a:t>
+            </a:r>
+          </a:p>
+          <a:p>
+            <a:pPr lvl="2"/>
+            <a:r>
+              <a:rPr lang="en-US" dirty="0"/>
+              <a:t>…</a:t>
+            </a:r>
+          </a:p>
+          <a:p>
+            <a:pPr lvl="2"/>
+            <a:r>
+              <a:rPr lang="en-US" dirty="0"/>
+              <a:t>&lt;</a:t>
+            </a:r>
+            <a:r>
+              <a:rPr lang="en-US" dirty="0" err="1"/>
+              <a:t>any_name_N</a:t>
+            </a:r>
+            <a:r>
+              <a:rPr lang="en-US" dirty="0"/>
+              <a:t>&gt;: add parameters as required by your scripts</a:t>
+            </a:r>
+          </a:p>
+          <a:p>
+            <a:pPr lvl="1"/>
+            <a:r>
+              <a:rPr lang="en-US" dirty="0"/>
+              <a:t>Follow redirects</a:t>
+            </a:r>
+          </a:p>
+          <a:p>
+            <a:pPr lvl="1"/>
+            <a:r>
+              <a:rPr lang="en-US" dirty="0"/>
+              <a:t>Accept any SSL certificate</a:t>
+            </a:r>
+          </a:p>
+          <a:p>
+            <a:r>
+              <a:rPr lang="en-US" dirty="0"/>
+              <a:t>Set frequency and locations as required </a:t>
+            </a:r>
+          </a:p>
+          <a:p>
+            <a:pPr marL="457200" lvl="1" indent="0">
               <a:buNone/>
             </a:pPr>
             <a:r>
-              <a:rPr lang="en-US" sz="2400" b="0" dirty="0">
-                <a:solidFill>
-                  <a:srgbClr val="6A9955"/>
-                </a:solidFill>
-                <a:effectLst/>
-                <a:latin typeface="Consolas" panose="020B0609020204030204" pitchFamily="49" charset="0"/>
-              </a:rPr>
-              <a:t># subdivide you script with 1 function per step</a:t>
-            </a:r>
-            <a:endParaRPr lang="en-US" sz="2400" b="0" dirty="0">
-              <a:solidFill>
-                <a:srgbClr val="D4D4D4"/>
-              </a:solidFill>
-              <a:effectLst/>
-              <a:latin typeface="Consolas" panose="020B0609020204030204" pitchFamily="49" charset="0"/>
-            </a:endParaRPr>
-          </a:p>
-          <a:p>
-            <a:pPr marL="0" indent="0">
-              <a:buNone/>
-            </a:pPr>
-            <a:r>
-              <a:rPr lang="en-US" sz="2400" b="1" dirty="0">
-                <a:solidFill>
-                  <a:srgbClr val="569CD6"/>
-                </a:solidFill>
-                <a:effectLst/>
-                <a:latin typeface="Consolas" panose="020B0609020204030204" pitchFamily="49" charset="0"/>
-              </a:rPr>
-              <a:t>def</a:t>
-            </a:r>
-            <a:r>
-              <a:rPr lang="en-US" sz="2400" b="1" dirty="0">
-                <a:solidFill>
-                  <a:srgbClr val="D4D4D4"/>
-                </a:solidFill>
-                <a:effectLst/>
-                <a:latin typeface="Consolas" panose="020B0609020204030204" pitchFamily="49" charset="0"/>
-              </a:rPr>
-              <a:t> </a:t>
-            </a:r>
-            <a:r>
-              <a:rPr lang="en-US" sz="2400" b="1" dirty="0" err="1">
-                <a:solidFill>
-                  <a:srgbClr val="DCDCAA"/>
-                </a:solidFill>
-                <a:latin typeface="Consolas" panose="020B0609020204030204" pitchFamily="49" charset="0"/>
-              </a:rPr>
-              <a:t>my_step</a:t>
-            </a:r>
-            <a:r>
-              <a:rPr lang="en-US" sz="2400" b="1" dirty="0">
-                <a:solidFill>
-                  <a:srgbClr val="D4D4D4"/>
-                </a:solidFill>
-                <a:effectLst/>
-                <a:latin typeface="Consolas" panose="020B0609020204030204" pitchFamily="49" charset="0"/>
-              </a:rPr>
-              <a:t>():</a:t>
-            </a:r>
-          </a:p>
-          <a:p>
-            <a:pPr marL="0" indent="0">
-              <a:buNone/>
-            </a:pPr>
-            <a:r>
-              <a:rPr lang="en-US" sz="2400" b="0" dirty="0">
-                <a:solidFill>
-                  <a:srgbClr val="D4D4D4"/>
-                </a:solidFill>
-                <a:effectLst/>
-                <a:latin typeface="Consolas" panose="020B0609020204030204" pitchFamily="49" charset="0"/>
-              </a:rPr>
-              <a:t>    click(</a:t>
-            </a:r>
-            <a:r>
-              <a:rPr lang="en-US" sz="2400" b="0" dirty="0">
-                <a:solidFill>
-                  <a:srgbClr val="CE9178"/>
-                </a:solidFill>
-                <a:effectLst/>
-                <a:latin typeface="Consolas" panose="020B0609020204030204" pitchFamily="49" charset="0"/>
-              </a:rPr>
-              <a:t>“some_image.png"</a:t>
-            </a:r>
-            <a:r>
-              <a:rPr lang="en-US" sz="2400" b="0" dirty="0">
-                <a:solidFill>
-                  <a:srgbClr val="D4D4D4"/>
-                </a:solidFill>
-                <a:effectLst/>
-                <a:latin typeface="Consolas" panose="020B0609020204030204" pitchFamily="49" charset="0"/>
-              </a:rPr>
+              <a:rPr lang="en-US" dirty="0"/>
+              <a:t>(Synthetic </a:t>
+            </a:r>
+            <a:r>
+              <a:rPr lang="en-US" dirty="0" err="1"/>
+              <a:t>ActiveGate</a:t>
+            </a:r>
+            <a:r>
+              <a:rPr lang="en-US" dirty="0"/>
+              <a:t> that are part of chosen locations must have access to the bridge </a:t>
+            </a:r>
+            <a:r>
+              <a:rPr lang="en-US" dirty="0" err="1"/>
+              <a:t>url</a:t>
+            </a:r>
+            <a:r>
+              <a:rPr lang="en-US" dirty="0"/>
               <a:t>)</a:t>
             </a:r>
           </a:p>
           <a:p>
-            <a:pPr marL="0" indent="0">
-              <a:buNone/>
-            </a:pPr>
-            <a:r>
-              <a:rPr lang="en-US" sz="2400" b="0" dirty="0">
-                <a:solidFill>
-                  <a:srgbClr val="D4D4D4"/>
-                </a:solidFill>
-                <a:effectLst/>
-                <a:latin typeface="Consolas" panose="020B0609020204030204" pitchFamily="49" charset="0"/>
-              </a:rPr>
-              <a:t>    </a:t>
-            </a:r>
-            <a:r>
-              <a:rPr lang="en-US" sz="2400" b="0" dirty="0">
-                <a:solidFill>
-                  <a:srgbClr val="C586C0"/>
-                </a:solidFill>
-                <a:effectLst/>
-                <a:latin typeface="Consolas" panose="020B0609020204030204" pitchFamily="49" charset="0"/>
-              </a:rPr>
-              <a:t>if</a:t>
-            </a:r>
-            <a:r>
-              <a:rPr lang="en-US" sz="2400" b="0" dirty="0">
-                <a:solidFill>
-                  <a:srgbClr val="D4D4D4"/>
-                </a:solidFill>
-                <a:effectLst/>
-                <a:latin typeface="Consolas" panose="020B0609020204030204" pitchFamily="49" charset="0"/>
-              </a:rPr>
-              <a:t>(find(</a:t>
-            </a:r>
-            <a:r>
-              <a:rPr lang="en-US" sz="2400" b="0" dirty="0">
-                <a:solidFill>
-                  <a:srgbClr val="CE9178"/>
-                </a:solidFill>
-                <a:effectLst/>
-                <a:latin typeface="Consolas" panose="020B0609020204030204" pitchFamily="49" charset="0"/>
-              </a:rPr>
-              <a:t>"expected_result.png"</a:t>
-            </a:r>
-            <a:r>
-              <a:rPr lang="en-US" sz="2400" b="0" dirty="0">
-                <a:solidFill>
-                  <a:srgbClr val="D4D4D4"/>
-                </a:solidFill>
-                <a:effectLst/>
-                <a:latin typeface="Consolas" panose="020B0609020204030204" pitchFamily="49" charset="0"/>
-              </a:rPr>
-              <a:t>)):</a:t>
-            </a:r>
-          </a:p>
-          <a:p>
-            <a:pPr marL="0" indent="0">
-              <a:buNone/>
-            </a:pPr>
-            <a:r>
-              <a:rPr lang="en-US" sz="2400" b="0" dirty="0">
-                <a:solidFill>
-                  <a:srgbClr val="D4D4D4"/>
-                </a:solidFill>
-                <a:effectLst/>
-                <a:latin typeface="Consolas" panose="020B0609020204030204" pitchFamily="49" charset="0"/>
-              </a:rPr>
-              <a:t>        </a:t>
-            </a:r>
-            <a:r>
-              <a:rPr lang="en-US" sz="2400" b="0" dirty="0">
-                <a:solidFill>
-                  <a:srgbClr val="DCDCAA"/>
-                </a:solidFill>
-                <a:effectLst/>
-                <a:latin typeface="Consolas" panose="020B0609020204030204" pitchFamily="49" charset="0"/>
-              </a:rPr>
-              <a:t>print</a:t>
-            </a:r>
-            <a:r>
-              <a:rPr lang="en-US" sz="2400" b="0" dirty="0">
-                <a:solidFill>
-                  <a:srgbClr val="D4D4D4"/>
-                </a:solidFill>
-                <a:effectLst/>
-                <a:latin typeface="Consolas" panose="020B0609020204030204" pitchFamily="49" charset="0"/>
-              </a:rPr>
-              <a:t>(</a:t>
-            </a:r>
-            <a:r>
-              <a:rPr lang="en-US" sz="2400" b="0" dirty="0">
-                <a:solidFill>
-                  <a:srgbClr val="CE9178"/>
-                </a:solidFill>
-                <a:effectLst/>
-                <a:latin typeface="Consolas" panose="020B0609020204030204" pitchFamily="49" charset="0"/>
-              </a:rPr>
-              <a:t>"Good"</a:t>
-            </a:r>
-            <a:r>
-              <a:rPr lang="en-US" sz="2400" b="0" dirty="0">
-                <a:solidFill>
-                  <a:srgbClr val="D4D4D4"/>
-                </a:solidFill>
-                <a:effectLst/>
-                <a:latin typeface="Consolas" panose="020B0609020204030204" pitchFamily="49" charset="0"/>
-              </a:rPr>
-              <a:t>)</a:t>
-            </a:r>
-          </a:p>
-          <a:p>
-            <a:pPr marL="0" indent="0">
-              <a:buNone/>
-            </a:pPr>
-            <a:r>
-              <a:rPr lang="en-US" sz="2400" b="0" dirty="0">
-                <a:solidFill>
-                  <a:srgbClr val="D4D4D4"/>
-                </a:solidFill>
-                <a:effectLst/>
-                <a:latin typeface="Consolas" panose="020B0609020204030204" pitchFamily="49" charset="0"/>
-              </a:rPr>
-              <a:t>    </a:t>
-            </a:r>
-            <a:r>
-              <a:rPr lang="en-US" sz="2400" b="0" dirty="0">
-                <a:solidFill>
-                  <a:srgbClr val="C586C0"/>
-                </a:solidFill>
-                <a:effectLst/>
-                <a:latin typeface="Consolas" panose="020B0609020204030204" pitchFamily="49" charset="0"/>
-              </a:rPr>
-              <a:t>else</a:t>
-            </a:r>
-            <a:r>
-              <a:rPr lang="en-US" sz="2400" b="0" dirty="0">
-                <a:solidFill>
-                  <a:srgbClr val="D4D4D4"/>
-                </a:solidFill>
-                <a:effectLst/>
-                <a:latin typeface="Consolas" panose="020B0609020204030204" pitchFamily="49" charset="0"/>
-              </a:rPr>
-              <a:t>:</a:t>
-            </a:r>
-          </a:p>
-          <a:p>
-            <a:pPr marL="0" indent="0">
-              <a:buNone/>
-            </a:pPr>
-            <a:r>
-              <a:rPr lang="en-US" sz="2400" b="0" dirty="0">
-                <a:solidFill>
-                  <a:srgbClr val="D4D4D4"/>
-                </a:solidFill>
-                <a:effectLst/>
-                <a:latin typeface="Consolas" panose="020B0609020204030204" pitchFamily="49" charset="0"/>
-              </a:rPr>
-              <a:t>        </a:t>
-            </a:r>
-            <a:r>
-              <a:rPr lang="en-US" sz="2400" b="0" dirty="0">
-                <a:solidFill>
-                  <a:srgbClr val="DCDCAA"/>
-                </a:solidFill>
-                <a:effectLst/>
-                <a:latin typeface="Consolas" panose="020B0609020204030204" pitchFamily="49" charset="0"/>
-              </a:rPr>
-              <a:t>print</a:t>
-            </a:r>
-            <a:r>
-              <a:rPr lang="en-US" sz="2400" b="0" dirty="0">
-                <a:solidFill>
-                  <a:srgbClr val="D4D4D4"/>
-                </a:solidFill>
-                <a:effectLst/>
-                <a:latin typeface="Consolas" panose="020B0609020204030204" pitchFamily="49" charset="0"/>
-              </a:rPr>
-              <a:t>(</a:t>
-            </a:r>
-            <a:r>
-              <a:rPr lang="en-US" sz="2400" b="0" dirty="0">
-                <a:solidFill>
-                  <a:srgbClr val="CE9178"/>
-                </a:solidFill>
-                <a:effectLst/>
-                <a:latin typeface="Consolas" panose="020B0609020204030204" pitchFamily="49" charset="0"/>
-              </a:rPr>
-              <a:t>"Error"</a:t>
-            </a:r>
-            <a:r>
-              <a:rPr lang="en-US" sz="2400" b="0" dirty="0">
-                <a:solidFill>
-                  <a:srgbClr val="D4D4D4"/>
-                </a:solidFill>
-                <a:effectLst/>
-                <a:latin typeface="Consolas" panose="020B0609020204030204" pitchFamily="49" charset="0"/>
-              </a:rPr>
-              <a:t>)</a:t>
-            </a:r>
+            <a:pPr lvl="2"/>
+            <a:endParaRPr lang="en-US" dirty="0"/>
           </a:p>
         </p:txBody>
       </p:sp>
     </p:spTree>
     <p:extLst>
       <p:ext uri="{BB962C8B-B14F-4D97-AF65-F5344CB8AC3E}">
-        <p14:creationId xmlns:p14="http://schemas.microsoft.com/office/powerpoint/2010/main" val="2630057502"/>
+        <p14:creationId xmlns:p14="http://schemas.microsoft.com/office/powerpoint/2010/main" val="2510344678"/>
       </p:ext>
     </p:extLst>
   </p:cSld>
@@ -23369,7 +22601,7 @@
               <a:rPr lang="fr-FR" dirty="0"/>
               <a:t> scripts</a:t>
             </a:r>
-            <a:endParaRPr lang="en-US" dirty="0"/>
+            <a:endParaRPr lang="en-US" b="1" dirty="0"/>
           </a:p>
         </p:txBody>
       </p:sp>
@@ -23391,8 +22623,8 @@
         </p:nvSpPr>
         <p:spPr>
           <a:xfrm>
-            <a:off x="838200" y="1869989"/>
-            <a:ext cx="10515600" cy="4394887"/>
+            <a:off x="838200" y="1825625"/>
+            <a:ext cx="10515600" cy="1687813"/>
           </a:xfrm>
           <a:solidFill>
             <a:schemeClr val="tx1">
@@ -23403,7 +22635,7 @@
         </p:spPr>
         <p:txBody>
           <a:bodyPr>
-            <a:noAutofit/>
+            <a:normAutofit/>
           </a:bodyPr>
           <a:lstStyle/>
           <a:p>
@@ -23418,7 +22650,7 @@
                 <a:effectLst/>
                 <a:latin typeface="Consolas" panose="020B0609020204030204" pitchFamily="49" charset="0"/>
               </a:rPr>
-              <a:t># add DT timer decorator to each step</a:t>
+              <a:t># import the Dynatrace Bridge features</a:t>
             </a:r>
             <a:endParaRPr lang="en-US" sz="2400" b="0" dirty="0">
               <a:solidFill>
@@ -23435,37 +22667,50 @@
             <a:r>
               <a:rPr lang="en-US" sz="2400" b="1" dirty="0">
                 <a:solidFill>
-                  <a:srgbClr val="DCDCAA"/>
-                </a:solidFill>
-                <a:effectLst/>
-                <a:latin typeface="Consolas" panose="020B0609020204030204" pitchFamily="49" charset="0"/>
-              </a:rPr>
-              <a:t>@dt_get_timings</a:t>
-            </a:r>
-            <a:endParaRPr lang="en-US" sz="2400" b="1" dirty="0">
-              <a:solidFill>
-                <a:srgbClr val="D4D4D4"/>
-              </a:solidFill>
-              <a:effectLst/>
-              <a:latin typeface="Consolas" panose="020B0609020204030204" pitchFamily="49" charset="0"/>
-            </a:endParaRPr>
+                  <a:srgbClr val="D4D4D4"/>
+                </a:solidFill>
+                <a:effectLst/>
+                <a:latin typeface="Consolas" panose="020B0609020204030204" pitchFamily="49" charset="0"/>
+              </a:rPr>
+              <a:t>load(</a:t>
+            </a:r>
+            <a:r>
+              <a:rPr lang="en-US" sz="2400" b="1" dirty="0">
+                <a:solidFill>
+                  <a:srgbClr val="CE9178"/>
+                </a:solidFill>
+                <a:effectLst/>
+                <a:latin typeface="Consolas" panose="020B0609020204030204" pitchFamily="49" charset="0"/>
+              </a:rPr>
+              <a:t>"dtbridge_sikuli.jar"</a:t>
+            </a:r>
+            <a:r>
+              <a:rPr lang="en-US" sz="2400" b="1" dirty="0">
+                <a:solidFill>
+                  <a:srgbClr val="D4D4D4"/>
+                </a:solidFill>
+                <a:effectLst/>
+                <a:latin typeface="Consolas" panose="020B0609020204030204" pitchFamily="49" charset="0"/>
+              </a:rPr>
+              <a:t>)</a:t>
+            </a:r>
           </a:p>
           <a:p>
             <a:pPr marL="0" indent="0">
               <a:buNone/>
             </a:pPr>
             <a:r>
-              <a:rPr lang="en-US" sz="2400" b="0" dirty="0">
-                <a:solidFill>
-                  <a:srgbClr val="569CD6"/>
-                </a:solidFill>
-                <a:effectLst/>
-                <a:latin typeface="Consolas" panose="020B0609020204030204" pitchFamily="49" charset="0"/>
-              </a:rPr>
-              <a:t>def</a:t>
-            </a:r>
-            <a:r>
-              <a:rPr lang="en-US" sz="2400" b="0" dirty="0">
+              <a:rPr lang="en-US" sz="2400" b="1" dirty="0">
+                <a:solidFill>
+                  <a:srgbClr val="C586C0"/>
+                </a:solidFill>
+                <a:effectLst/>
+                <a:latin typeface="Consolas" panose="020B0609020204030204" pitchFamily="49" charset="0"/>
+              </a:rPr>
+              <a:t>from</a:t>
+            </a:r>
+            <a:r>
+              <a:rPr lang="en-US" sz="2400" b="1" dirty="0">
                 <a:solidFill>
                   <a:srgbClr val="D4D4D4"/>
                 </a:solidFill>
@@ -23475,278 +22720,52 @@
               <a:t> </a:t>
             </a:r>
             <a:r>
-              <a:rPr lang="en-US" sz="2400" dirty="0" err="1">
-                <a:solidFill>
-                  <a:srgbClr val="DCDCAA"/>
-                </a:solidFill>
-                <a:latin typeface="Consolas" panose="020B0609020204030204" pitchFamily="49" charset="0"/>
-              </a:rPr>
-              <a:t>my_first_step</a:t>
-            </a:r>
-            <a:r>
-              <a:rPr lang="en-US" sz="2400" b="0" dirty="0">
+              <a:rPr lang="en-US" sz="2400" b="1" dirty="0" err="1">
                 <a:solidFill>
                   <a:srgbClr val="D4D4D4"/>
                 </a:solidFill>
                 <a:effectLst/>
                 <a:latin typeface="Consolas" panose="020B0609020204030204" pitchFamily="49" charset="0"/>
               </a:rPr>
-              <a:t>():</a:t>
-            </a:r>
-          </a:p>
-          <a:p>
-            <a:pPr marL="0" indent="0">
-              <a:buNone/>
-            </a:pPr>
-            <a:r>
-              <a:rPr lang="en-US" sz="2400" b="0" dirty="0">
+              <a:t>dtbridge</a:t>
+            </a:r>
+            <a:r>
+              <a:rPr lang="en-US" sz="2400" b="1" dirty="0">
                 <a:solidFill>
                   <a:srgbClr val="D4D4D4"/>
                 </a:solidFill>
                 <a:effectLst/>
                 <a:latin typeface="Consolas" panose="020B0609020204030204" pitchFamily="49" charset="0"/>
               </a:rPr>
-              <a:t>    click(</a:t>
-            </a:r>
-            <a:r>
-              <a:rPr lang="en-US" sz="2400" b="0" dirty="0">
-                <a:solidFill>
-                  <a:srgbClr val="CE9178"/>
-                </a:solidFill>
-                <a:effectLst/>
-                <a:latin typeface="Consolas" panose="020B0609020204030204" pitchFamily="49" charset="0"/>
-              </a:rPr>
-              <a:t>"some_image.png"</a:t>
-            </a:r>
-            <a:r>
-              <a:rPr lang="en-US" sz="2400" b="0" dirty="0">
+              <a:t> </a:t>
+            </a:r>
+            <a:r>
+              <a:rPr lang="en-US" sz="2400" b="1" dirty="0">
+                <a:solidFill>
+                  <a:srgbClr val="C586C0"/>
+                </a:solidFill>
+                <a:effectLst/>
+                <a:latin typeface="Consolas" panose="020B0609020204030204" pitchFamily="49" charset="0"/>
+              </a:rPr>
+              <a:t>import</a:t>
+            </a:r>
+            <a:r>
+              <a:rPr lang="en-US" sz="2400" b="1" dirty="0">
                 <a:solidFill>
                   <a:srgbClr val="D4D4D4"/>
                 </a:solidFill>
                 <a:effectLst/>
                 <a:latin typeface="Consolas" panose="020B0609020204030204" pitchFamily="49" charset="0"/>
               </a:rPr>
-              <a:t>)</a:t>
-            </a:r>
-          </a:p>
-          <a:p>
-            <a:pPr marL="0" indent="0">
-              <a:buNone/>
-            </a:pPr>
-            <a:r>
-              <a:rPr lang="en-US" sz="2400" b="0" dirty="0">
-                <a:solidFill>
-                  <a:srgbClr val="D4D4D4"/>
-                </a:solidFill>
-                <a:effectLst/>
-                <a:latin typeface="Consolas" panose="020B0609020204030204" pitchFamily="49" charset="0"/>
-              </a:rPr>
-              <a:t>    </a:t>
-            </a:r>
-            <a:r>
-              <a:rPr lang="en-US" sz="2400" b="0" dirty="0">
-                <a:solidFill>
-                  <a:srgbClr val="C586C0"/>
-                </a:solidFill>
-                <a:effectLst/>
-                <a:latin typeface="Consolas" panose="020B0609020204030204" pitchFamily="49" charset="0"/>
-              </a:rPr>
-              <a:t>if</a:t>
-            </a:r>
-            <a:r>
-              <a:rPr lang="en-US" sz="2400" b="0" dirty="0">
-                <a:solidFill>
-                  <a:srgbClr val="D4D4D4"/>
-                </a:solidFill>
-                <a:effectLst/>
-                <a:latin typeface="Consolas" panose="020B0609020204030204" pitchFamily="49" charset="0"/>
-              </a:rPr>
-              <a:t>(find(</a:t>
-            </a:r>
-            <a:r>
-              <a:rPr lang="en-US" sz="2400" b="0" dirty="0">
-                <a:solidFill>
-                  <a:srgbClr val="CE9178"/>
-                </a:solidFill>
-                <a:effectLst/>
-                <a:latin typeface="Consolas" panose="020B0609020204030204" pitchFamily="49" charset="0"/>
-              </a:rPr>
-              <a:t>"expected_result.png"</a:t>
-            </a:r>
-            <a:r>
-              <a:rPr lang="en-US" sz="2400" b="0" dirty="0">
-                <a:solidFill>
-                  <a:srgbClr val="D4D4D4"/>
-                </a:solidFill>
-                <a:effectLst/>
-                <a:latin typeface="Consolas" panose="020B0609020204030204" pitchFamily="49" charset="0"/>
-              </a:rPr>
-              <a:t>)):</a:t>
-            </a:r>
-          </a:p>
-          <a:p>
-            <a:pPr marL="0" indent="0">
-              <a:buNone/>
-            </a:pPr>
-            <a:r>
-              <a:rPr lang="en-US" sz="2400" b="0" dirty="0">
-                <a:solidFill>
-                  <a:srgbClr val="D4D4D4"/>
-                </a:solidFill>
-                <a:effectLst/>
-                <a:latin typeface="Consolas" panose="020B0609020204030204" pitchFamily="49" charset="0"/>
-              </a:rPr>
-              <a:t>        </a:t>
-            </a:r>
-            <a:r>
-              <a:rPr lang="en-US" sz="2400" b="0" dirty="0">
-                <a:solidFill>
-                  <a:srgbClr val="DCDCAA"/>
-                </a:solidFill>
-                <a:effectLst/>
-                <a:latin typeface="Consolas" panose="020B0609020204030204" pitchFamily="49" charset="0"/>
-              </a:rPr>
-              <a:t>print</a:t>
-            </a:r>
-            <a:r>
-              <a:rPr lang="en-US" sz="2400" b="0" dirty="0">
-                <a:solidFill>
-                  <a:srgbClr val="D4D4D4"/>
-                </a:solidFill>
-                <a:effectLst/>
-                <a:latin typeface="Consolas" panose="020B0609020204030204" pitchFamily="49" charset="0"/>
-              </a:rPr>
-              <a:t>(</a:t>
-            </a:r>
-            <a:r>
-              <a:rPr lang="en-US" sz="2400" b="0" dirty="0">
-                <a:solidFill>
-                  <a:srgbClr val="CE9178"/>
-                </a:solidFill>
-                <a:effectLst/>
-                <a:latin typeface="Consolas" panose="020B0609020204030204" pitchFamily="49" charset="0"/>
-              </a:rPr>
-              <a:t>"Good"</a:t>
-            </a:r>
-            <a:r>
-              <a:rPr lang="en-US" sz="2400" b="0" dirty="0">
-                <a:solidFill>
-                  <a:srgbClr val="D4D4D4"/>
-                </a:solidFill>
-                <a:effectLst/>
-                <a:latin typeface="Consolas" panose="020B0609020204030204" pitchFamily="49" charset="0"/>
-              </a:rPr>
-              <a:t>)</a:t>
-            </a:r>
-          </a:p>
-          <a:p>
-            <a:pPr marL="0" indent="0">
-              <a:buNone/>
-            </a:pPr>
-            <a:r>
-              <a:rPr lang="en-US" sz="2400" b="0" dirty="0">
-                <a:solidFill>
-                  <a:srgbClr val="D4D4D4"/>
-                </a:solidFill>
-                <a:effectLst/>
-                <a:latin typeface="Consolas" panose="020B0609020204030204" pitchFamily="49" charset="0"/>
-              </a:rPr>
-              <a:t>    </a:t>
-            </a:r>
-            <a:r>
-              <a:rPr lang="en-US" sz="2400" b="0" dirty="0">
-                <a:solidFill>
-                  <a:srgbClr val="C586C0"/>
-                </a:solidFill>
-                <a:effectLst/>
-                <a:latin typeface="Consolas" panose="020B0609020204030204" pitchFamily="49" charset="0"/>
-              </a:rPr>
-              <a:t>else</a:t>
-            </a:r>
-            <a:r>
-              <a:rPr lang="en-US" sz="2400" b="0" dirty="0">
-                <a:solidFill>
-                  <a:srgbClr val="D4D4D4"/>
-                </a:solidFill>
-                <a:effectLst/>
-                <a:latin typeface="Consolas" panose="020B0609020204030204" pitchFamily="49" charset="0"/>
-              </a:rPr>
-              <a:t>:</a:t>
-            </a:r>
-          </a:p>
-          <a:p>
-            <a:pPr marL="0" indent="0">
-              <a:buNone/>
-            </a:pPr>
-            <a:r>
-              <a:rPr lang="en-US" sz="2400" b="0" dirty="0">
-                <a:solidFill>
-                  <a:srgbClr val="D4D4D4"/>
-                </a:solidFill>
-                <a:effectLst/>
-                <a:latin typeface="Consolas" panose="020B0609020204030204" pitchFamily="49" charset="0"/>
-              </a:rPr>
-              <a:t>        </a:t>
-            </a:r>
-            <a:r>
-              <a:rPr lang="en-US" sz="2400" b="0" dirty="0">
-                <a:solidFill>
-                  <a:srgbClr val="DCDCAA"/>
-                </a:solidFill>
-                <a:effectLst/>
-                <a:latin typeface="Consolas" panose="020B0609020204030204" pitchFamily="49" charset="0"/>
-              </a:rPr>
-              <a:t>print</a:t>
-            </a:r>
-            <a:r>
-              <a:rPr lang="en-US" sz="2400" b="0" dirty="0">
-                <a:solidFill>
-                  <a:srgbClr val="D4D4D4"/>
-                </a:solidFill>
-                <a:effectLst/>
-                <a:latin typeface="Consolas" panose="020B0609020204030204" pitchFamily="49" charset="0"/>
-              </a:rPr>
-              <a:t>(</a:t>
-            </a:r>
-            <a:r>
-              <a:rPr lang="en-US" sz="2400" b="0" dirty="0">
-                <a:solidFill>
-                  <a:srgbClr val="CE9178"/>
-                </a:solidFill>
-                <a:effectLst/>
-                <a:latin typeface="Consolas" panose="020B0609020204030204" pitchFamily="49" charset="0"/>
-              </a:rPr>
-              <a:t>"Error"</a:t>
-            </a:r>
-            <a:r>
-              <a:rPr lang="en-US" sz="2400" b="0" dirty="0">
-                <a:solidFill>
-                  <a:srgbClr val="D4D4D4"/>
-                </a:solidFill>
-                <a:effectLst/>
-                <a:latin typeface="Consolas" panose="020B0609020204030204" pitchFamily="49" charset="0"/>
-              </a:rPr>
-              <a:t>)</a:t>
-            </a:r>
-          </a:p>
-          <a:p>
-            <a:pPr marL="0" indent="0">
-              <a:buNone/>
-            </a:pPr>
-            <a:endParaRPr lang="en-US" sz="2400" b="0" dirty="0">
-              <a:solidFill>
-                <a:srgbClr val="D4D4D4"/>
-              </a:solidFill>
-              <a:effectLst/>
-              <a:latin typeface="Consolas" panose="020B0609020204030204" pitchFamily="49" charset="0"/>
-            </a:endParaRPr>
+              <a:t> *</a:t>
+            </a:r>
           </a:p>
         </p:txBody>
       </p:sp>
     </p:spTree>
     <p:extLst>
       <p:ext uri="{BB962C8B-B14F-4D97-AF65-F5344CB8AC3E}">
-        <p14:creationId xmlns:p14="http://schemas.microsoft.com/office/powerpoint/2010/main" val="736185799"/>
+        <p14:creationId xmlns:p14="http://schemas.microsoft.com/office/powerpoint/2010/main" val="1809923376"/>
       </p:ext>
     </p:extLst>
   </p:cSld>
@@ -23836,8 +22855,8 @@
         </p:nvSpPr>
         <p:spPr>
           <a:xfrm>
-            <a:off x="838200" y="1869989"/>
-            <a:ext cx="10515600" cy="3241589"/>
+            <a:off x="838200" y="1825625"/>
+            <a:ext cx="10515600" cy="3471306"/>
           </a:xfrm>
           <a:solidFill>
             <a:schemeClr val="tx1">
@@ -23848,7 +22867,7 @@
         </p:spPr>
         <p:txBody>
           <a:bodyPr>
-            <a:noAutofit/>
+            <a:normAutofit/>
           </a:bodyPr>
           <a:lstStyle/>
           <a:p>
@@ -23863,7 +22882,7 @@
                 <a:effectLst/>
                 <a:latin typeface="Consolas" panose="020B0609020204030204" pitchFamily="49" charset="0"/>
               </a:rPr>
-              <a:t># start your script from a main function</a:t>
+              <a:t># subdivide you script with 1 function per step</a:t>
             </a:r>
             <a:endParaRPr lang="en-US" sz="2400" b="0" dirty="0">
               <a:solidFill>
@@ -23880,12 +22899,12 @@
             <a:r>
               <a:rPr lang="en-US" sz="2400" b="1" dirty="0">
                 <a:solidFill>
-                  <a:srgbClr val="C586C0"/>
-                </a:solidFill>
-                <a:effectLst/>
-                <a:latin typeface="Consolas" panose="020B0609020204030204" pitchFamily="49" charset="0"/>
-              </a:rPr>
-              <a:t>if</a:t>
+                  <a:srgbClr val="569CD6"/>
+                </a:solidFill>
+                <a:effectLst/>
+                <a:latin typeface="Consolas" panose="020B0609020204030204" pitchFamily="49" charset="0"/>
+              </a:rPr>
+              <a:t>def</a:t>
             </a:r>
             <a:r>
               <a:rPr lang="en-US" sz="2400" b="1" dirty="0">
@@ -23898,14 +22917,33 @@
               <a:t> </a:t>
             </a:r>
             <a:r>
+              <a:rPr lang="en-US" sz="2400" b="1" dirty="0" err="1">
+                <a:solidFill>
+                  <a:srgbClr val="DCDCAA"/>
+                </a:solidFill>
+                <a:latin typeface="Consolas" panose="020B0609020204030204" pitchFamily="49" charset="0"/>
+              </a:rPr>
+              <a:t>my_first_step</a:t>
+            </a:r>
+            <a:r>
               <a:rPr lang="en-US" sz="2400" b="1" dirty="0">
                 <a:solidFill>
-                  <a:srgbClr val="9CDCFE"/>
-                </a:solidFill>
-                <a:effectLst/>
-                <a:latin typeface="Consolas" panose="020B0609020204030204" pitchFamily="49" charset="0"/>
-              </a:rPr>
-              <a:t>__name__</a:t>
+                  <a:srgbClr val="D4D4D4"/>
+                </a:solidFill>
+                <a:effectLst/>
+                <a:latin typeface="Consolas" panose="020B0609020204030204" pitchFamily="49" charset="0"/>
+              </a:rPr>
+              <a:t>(</a:t>
+            </a:r>
+            <a:r>
+              <a:rPr lang="en-US" sz="2400" dirty="0">
+                <a:solidFill>
+                  <a:srgbClr val="D4D4D4"/>
+                </a:solidFill>
+                <a:effectLst/>
+                <a:latin typeface="Consolas" panose="020B0609020204030204" pitchFamily="49" charset="0"/>
+              </a:rPr>
+              <a:t>param</a:t>
             </a:r>
             <a:r>
               <a:rPr lang="en-US" sz="2400" b="1" dirty="0">
@@ -23915,27 +22953,7 @@
                 <a:effectLst/>
                 <a:latin typeface="Consolas" panose="020B0609020204030204" pitchFamily="49" charset="0"/>
               </a:rPr>
-              <a:t> == </a:t>
-            </a:r>
-            <a:r>
-              <a:rPr lang="en-US" sz="2400" b="1" dirty="0">
-                <a:solidFill>
-                  <a:srgbClr val="CE9178"/>
-                </a:solidFill>
-                <a:effectLst/>
-                <a:latin typeface="Consolas" panose="020B0609020204030204" pitchFamily="49" charset="0"/>
-              </a:rPr>
-              <a:t>'__main__'</a:t>
-            </a:r>
-            <a:r>
-              <a:rPr lang="en-US" sz="2400" b="1" dirty="0">
-                <a:solidFill>
-                  <a:srgbClr val="D4D4D4"/>
-                </a:solidFill>
-                <a:effectLst/>
-                <a:latin typeface="Consolas" panose="020B0609020204030204" pitchFamily="49" charset="0"/>
-              </a:rPr>
-              <a:t>:</a:t>
+              <a:t>):</a:t>
             </a:r>
           </a:p>
           <a:p>
@@ -23950,27 +22968,27 @@
                 <a:effectLst/>
                 <a:latin typeface="Consolas" panose="020B0609020204030204" pitchFamily="49" charset="0"/>
               </a:rPr>
-              <a:t>   </a:t>
-            </a:r>
-            <a:r>
-              <a:rPr lang="en-US" sz="2400" b="0" dirty="0" err="1">
+              <a:t>    click(</a:t>
+            </a:r>
+            <a:r>
+              <a:rPr lang="en-US" sz="2400" b="0" dirty="0">
+                <a:solidFill>
+                  <a:srgbClr val="CE9178"/>
+                </a:solidFill>
+                <a:effectLst/>
+                <a:latin typeface="Consolas" panose="020B0609020204030204" pitchFamily="49" charset="0"/>
+              </a:rPr>
+              <a:t>“some_image.png"</a:t>
+            </a:r>
+            <a:r>
+              <a:rPr lang="en-US" sz="2400" b="0" dirty="0">
                 <a:solidFill>
                   <a:srgbClr val="D4D4D4"/>
                 </a:solidFill>
                 <a:effectLst/>
                 <a:latin typeface="Consolas" panose="020B0609020204030204" pitchFamily="49" charset="0"/>
               </a:rPr>
-              <a:t>my_first_step</a:t>
-            </a:r>
-            <a:r>
-              <a:rPr lang="en-US" sz="2400" b="0" dirty="0">
-                <a:solidFill>
-                  <a:srgbClr val="D4D4D4"/>
-                </a:solidFill>
-                <a:effectLst/>
-                <a:latin typeface="Consolas" panose="020B0609020204030204" pitchFamily="49" charset="0"/>
-              </a:rPr>
-              <a:t>()</a:t>
+              <a:t>)</a:t>
             </a:r>
           </a:p>
           <a:p>
@@ -23985,26 +23003,47 @@
                 <a:effectLst/>
                 <a:latin typeface="Consolas" panose="020B0609020204030204" pitchFamily="49" charset="0"/>
               </a:rPr>
-              <a:t>   </a:t>
-            </a:r>
-            <a:r>
-              <a:rPr lang="en-US" sz="2400" dirty="0" err="1">
-                <a:solidFill>
-                  <a:srgbClr val="DCDCAA"/>
-                </a:solidFill>
-                <a:latin typeface="Consolas" panose="020B0609020204030204" pitchFamily="49" charset="0"/>
-              </a:rPr>
-              <a:t>my_second_step</a:t>
+              <a:t>    </a:t>
             </a:r>
             <a:r>
               <a:rPr lang="en-US" sz="2400" b="0" dirty="0">
                 <a:solidFill>
+                  <a:srgbClr val="C586C0"/>
+                </a:solidFill>
+                <a:effectLst/>
+                <a:latin typeface="Consolas" panose="020B0609020204030204" pitchFamily="49" charset="0"/>
+              </a:rPr>
+              <a:t>if</a:t>
+            </a:r>
+            <a:r>
+              <a:rPr lang="en-US" sz="2400" b="0" dirty="0">
+                <a:solidFill>
                   <a:srgbClr val="D4D4D4"/>
                 </a:solidFill>
                 <a:effectLst/>
                 <a:latin typeface="Consolas" panose="020B0609020204030204" pitchFamily="49" charset="0"/>
               </a:rPr>
-              <a:t>()   </a:t>
+              <a:t>(find(</a:t>
+            </a:r>
+            <a:r>
+              <a:rPr lang="en-US" sz="2400" b="0" dirty="0">
+                <a:solidFill>
+                  <a:srgbClr val="CE9178"/>
+                </a:solidFill>
+                <a:effectLst/>
+                <a:latin typeface="Consolas" panose="020B0609020204030204" pitchFamily="49" charset="0"/>
+              </a:rPr>
+              <a:t>"expected_result.png"</a:t>
+            </a:r>
+            <a:r>
+              <a:rPr lang="en-US" sz="2400" b="0" dirty="0">
+                <a:solidFill>
+                  <a:srgbClr val="D4D4D4"/>
+                </a:solidFill>
+                <a:effectLst/>
+                <a:latin typeface="Consolas" panose="020B0609020204030204" pitchFamily="49" charset="0"/>
+              </a:rPr>
+              <a:t>)):</a:t>
             </a:r>
           </a:p>
           <a:p>
@@ -24019,37 +23058,37 @@
                 <a:effectLst/>
                 <a:latin typeface="Consolas" panose="020B0609020204030204" pitchFamily="49" charset="0"/>
               </a:rPr>
-              <a:t>   </a:t>
-            </a:r>
-            <a:r>
-              <a:rPr lang="en-US" sz="2400" b="0" dirty="0" err="1">
+              <a:t>        </a:t>
+            </a:r>
+            <a:r>
+              <a:rPr lang="en-US" sz="2400" b="0" dirty="0">
+                <a:solidFill>
+                  <a:srgbClr val="DCDCAA"/>
+                </a:solidFill>
+                <a:effectLst/>
+                <a:latin typeface="Consolas" panose="020B0609020204030204" pitchFamily="49" charset="0"/>
+              </a:rPr>
+              <a:t>type</a:t>
+            </a:r>
+            <a:r>
+              <a:rPr lang="en-US" sz="2400" b="0" dirty="0">
                 <a:solidFill>
                   <a:srgbClr val="D4D4D4"/>
                 </a:solidFill>
                 <a:effectLst/>
                 <a:latin typeface="Consolas" panose="020B0609020204030204" pitchFamily="49" charset="0"/>
               </a:rPr>
-              <a:t>my_third_step</a:t>
-            </a:r>
-            <a:r>
-              <a:rPr lang="en-US" sz="2400" b="0" dirty="0">
+              <a:t>(</a:t>
+            </a:r>
+            <a:r>
+              <a:rPr lang="en-US" sz="2400" dirty="0">
                 <a:solidFill>
                   <a:srgbClr val="D4D4D4"/>
                 </a:solidFill>
                 <a:effectLst/>
                 <a:latin typeface="Consolas" panose="020B0609020204030204" pitchFamily="49" charset="0"/>
               </a:rPr>
-              <a:t>(</a:t>
-            </a:r>
-            <a:r>
-              <a:rPr lang="en-US" sz="2400" b="0" dirty="0">
-                <a:solidFill>
-                  <a:srgbClr val="CE9178"/>
-                </a:solidFill>
-                <a:effectLst/>
-                <a:latin typeface="Consolas" panose="020B0609020204030204" pitchFamily="49" charset="0"/>
-              </a:rPr>
-              <a:t>"some value"</a:t>
+              <a:t>param</a:t>
             </a:r>
             <a:r>
               <a:rPr lang="en-US" sz="2400" b="0" dirty="0">
@@ -24074,47 +23113,90 @@
                 <a:effectLst/>
                 <a:latin typeface="Consolas" panose="020B0609020204030204" pitchFamily="49" charset="0"/>
               </a:rPr>
-              <a:t>   </a:t>
-            </a:r>
-            <a:r>
-              <a:rPr lang="en-US" sz="2400" b="0" dirty="0" err="1">
+              <a:t>    </a:t>
+            </a:r>
+            <a:r>
+              <a:rPr lang="en-US" sz="2400" b="0" dirty="0">
+                <a:solidFill>
+                  <a:srgbClr val="C586C0"/>
+                </a:solidFill>
+                <a:effectLst/>
+                <a:latin typeface="Consolas" panose="020B0609020204030204" pitchFamily="49" charset="0"/>
+              </a:rPr>
+              <a:t>else</a:t>
+            </a:r>
+            <a:r>
+              <a:rPr lang="en-US" sz="2400" b="0" dirty="0">
                 <a:solidFill>
                   <a:srgbClr val="D4D4D4"/>
                 </a:solidFill>
                 <a:effectLst/>
                 <a:latin typeface="Consolas" panose="020B0609020204030204" pitchFamily="49" charset="0"/>
               </a:rPr>
-              <a:t>my_last_step</a:t>
-            </a:r>
-            <a:r>
-              <a:rPr lang="en-US" sz="2400" b="0" dirty="0">
-                <a:solidFill>
-                  <a:srgbClr val="D4D4D4"/>
-                </a:solidFill>
-                <a:effectLst/>
-                <a:latin typeface="Consolas" panose="020B0609020204030204" pitchFamily="49" charset="0"/>
-              </a:rPr>
-              <a:t>()</a:t>
+              <a:t>:</a:t>
             </a:r>
           </a:p>
           <a:p>
             <a:pPr marL="0" indent="0">
               <a:buNone/>
             </a:pPr>
-            <a:endParaRPr lang="en-US" sz="2400" b="0" dirty="0">
-              <a:solidFill>
-                <a:srgbClr val="D4D4D4"/>
-              </a:solidFill>
-              <a:effectLst/>
-              <a:latin typeface="Consolas" panose="020B0609020204030204" pitchFamily="49" charset="0"/>
-            </a:endParaRPr>
+            <a:r>
+              <a:rPr lang="en-US" sz="2400" b="0" dirty="0">
+                <a:solidFill>
+                  <a:srgbClr val="D4D4D4"/>
+                </a:solidFill>
+                <a:effectLst/>
+                <a:latin typeface="Consolas" panose="020B0609020204030204" pitchFamily="49" charset="0"/>
+              </a:rPr>
+              <a:t>        </a:t>
+            </a:r>
+            <a:r>
+              <a:rPr lang="en-US" sz="2400" b="0" dirty="0">
+                <a:solidFill>
+                  <a:srgbClr val="DCDCAA"/>
+                </a:solidFill>
+                <a:effectLst/>
+                <a:latin typeface="Consolas" panose="020B0609020204030204" pitchFamily="49" charset="0"/>
+              </a:rPr>
+              <a:t>print</a:t>
+            </a:r>
+            <a:r>
+              <a:rPr lang="en-US" sz="2400" b="0" dirty="0">
+                <a:solidFill>
+                  <a:srgbClr val="D4D4D4"/>
+                </a:solidFill>
+                <a:effectLst/>
+                <a:latin typeface="Consolas" panose="020B0609020204030204" pitchFamily="49" charset="0"/>
+              </a:rPr>
+              <a:t>(</a:t>
+            </a:r>
+            <a:r>
+              <a:rPr lang="en-US" sz="2400" b="0" dirty="0">
+                <a:solidFill>
+                  <a:srgbClr val="CE9178"/>
+                </a:solidFill>
+                <a:effectLst/>
+                <a:latin typeface="Consolas" panose="020B0609020204030204" pitchFamily="49" charset="0"/>
+              </a:rPr>
+              <a:t>"Error"</a:t>
+            </a:r>
+            <a:r>
+              <a:rPr lang="en-US" sz="2400" b="0" dirty="0">
+                <a:solidFill>
+                  <a:srgbClr val="D4D4D4"/>
+                </a:solidFill>
+                <a:effectLst/>
+                <a:latin typeface="Consolas" panose="020B0609020204030204" pitchFamily="49" charset="0"/>
+              </a:rPr>
+              <a:t>)</a:t>
+            </a:r>
           </a:p>
         </p:txBody>
       </p:sp>
     </p:spTree>
     <p:extLst>
       <p:ext uri="{BB962C8B-B14F-4D97-AF65-F5344CB8AC3E}">
-        <p14:creationId xmlns:p14="http://schemas.microsoft.com/office/powerpoint/2010/main" val="1579481733"/>
+        <p14:creationId xmlns:p14="http://schemas.microsoft.com/office/powerpoint/2010/main" val="2630057502"/>
       </p:ext>
     </p:extLst>
   </p:cSld>

--- a/documentation/dt_sikulix_bridge.pptx
+++ b/documentation/dt_sikulix_bridge.pptx
@@ -5047,7 +5047,7 @@
           <a:noFill/>
           <a:extLst>
             <a:ext uri="{909E8E84-426E-40dd-AFC4-6F175D3DCCD1}">
-              <a14:hiddenFill xmlns="" xmlns:a14="http://schemas.microsoft.com/office/drawing/2010/main">
+              <a14:hiddenFill xmlns:a14="http://schemas.microsoft.com/office/drawing/2010/main" xmlns="">
                 <a:solidFill>
                   <a:srgbClr val="FFFFFF"/>
                 </a:solidFill>
@@ -5231,7 +5231,7 @@
           <a:noFill/>
           <a:extLst>
             <a:ext uri="{909E8E84-426E-40dd-AFC4-6F175D3DCCD1}">
-              <a14:hiddenFill xmlns="" xmlns:a14="http://schemas.microsoft.com/office/drawing/2010/main">
+              <a14:hiddenFill xmlns:a14="http://schemas.microsoft.com/office/drawing/2010/main" xmlns="">
                 <a:solidFill>
                   <a:srgbClr val="FFFFFF"/>
                 </a:solidFill>
@@ -5624,7 +5624,7 @@
           <a:noFill/>
           <a:extLst>
             <a:ext uri="{909E8E84-426E-40dd-AFC4-6F175D3DCCD1}">
-              <a14:hiddenFill xmlns="" xmlns:a14="http://schemas.microsoft.com/office/drawing/2010/main">
+              <a14:hiddenFill xmlns:a14="http://schemas.microsoft.com/office/drawing/2010/main" xmlns="">
                 <a:solidFill>
                   <a:srgbClr val="FFFFFF"/>
                 </a:solidFill>
@@ -6017,7 +6017,7 @@
           <a:noFill/>
           <a:extLst>
             <a:ext uri="{909E8E84-426E-40dd-AFC4-6F175D3DCCD1}">
-              <a14:hiddenFill xmlns="" xmlns:a14="http://schemas.microsoft.com/office/drawing/2010/main">
+              <a14:hiddenFill xmlns:a14="http://schemas.microsoft.com/office/drawing/2010/main" xmlns="">
                 <a:solidFill>
                   <a:srgbClr val="FFFFFF"/>
                 </a:solidFill>
@@ -8230,7 +8230,7 @@
           <a:noFill/>
           <a:extLst>
             <a:ext uri="{909E8E84-426E-40dd-AFC4-6F175D3DCCD1}">
-              <a14:hiddenFill xmlns="" xmlns:a14="http://schemas.microsoft.com/office/drawing/2010/main">
+              <a14:hiddenFill xmlns:a14="http://schemas.microsoft.com/office/drawing/2010/main" xmlns="">
                 <a:solidFill>
                   <a:srgbClr val="FFFFFF"/>
                 </a:solidFill>
@@ -11962,7 +11962,7 @@
           <a:noFill/>
           <a:extLst>
             <a:ext uri="{909E8E84-426E-40dd-AFC4-6F175D3DCCD1}">
-              <a14:hiddenFill xmlns="" xmlns:a14="http://schemas.microsoft.com/office/drawing/2010/main">
+              <a14:hiddenFill xmlns:a14="http://schemas.microsoft.com/office/drawing/2010/main" xmlns="">
                 <a:solidFill>
                   <a:srgbClr val="FFFFFF"/>
                 </a:solidFill>
@@ -12286,7 +12286,7 @@
           <a:noFill/>
           <a:extLst>
             <a:ext uri="{909E8E84-426E-40dd-AFC4-6F175D3DCCD1}">
-              <a14:hiddenFill xmlns="" xmlns:a14="http://schemas.microsoft.com/office/drawing/2010/main">
+              <a14:hiddenFill xmlns:a14="http://schemas.microsoft.com/office/drawing/2010/main" xmlns="">
                 <a:solidFill>
                   <a:srgbClr val="FFFFFF"/>
                 </a:solidFill>
@@ -12679,7 +12679,7 @@
           <a:noFill/>
           <a:extLst>
             <a:ext uri="{909E8E84-426E-40dd-AFC4-6F175D3DCCD1}">
-              <a14:hiddenFill xmlns="" xmlns:a14="http://schemas.microsoft.com/office/drawing/2010/main">
+              <a14:hiddenFill xmlns:a14="http://schemas.microsoft.com/office/drawing/2010/main" xmlns="">
                 <a:solidFill>
                   <a:srgbClr val="FFFFFF"/>
                 </a:solidFill>
@@ -13072,7 +13072,7 @@
           <a:noFill/>
           <a:extLst>
             <a:ext uri="{909E8E84-426E-40dd-AFC4-6F175D3DCCD1}">
-              <a14:hiddenFill xmlns="" xmlns:a14="http://schemas.microsoft.com/office/drawing/2010/main">
+              <a14:hiddenFill xmlns:a14="http://schemas.microsoft.com/office/drawing/2010/main" xmlns="">
                 <a:solidFill>
                   <a:srgbClr val="FFFFFF"/>
                 </a:solidFill>
@@ -14578,7 +14578,7 @@
           <a:noFill/>
           <a:extLst>
             <a:ext uri="{909E8E84-426E-40dd-AFC4-6F175D3DCCD1}">
-              <a14:hiddenFill xmlns="" xmlns:a14="http://schemas.microsoft.com/office/drawing/2010/main">
+              <a14:hiddenFill xmlns:a14="http://schemas.microsoft.com/office/drawing/2010/main" xmlns="">
                 <a:solidFill>
                   <a:srgbClr val="FFFFFF"/>
                 </a:solidFill>
@@ -15121,7 +15121,7 @@
           <a:noFill/>
           <a:extLst>
             <a:ext uri="{909E8E84-426E-40dd-AFC4-6F175D3DCCD1}">
-              <a14:hiddenFill xmlns="" xmlns:a14="http://schemas.microsoft.com/office/drawing/2010/main">
+              <a14:hiddenFill xmlns:a14="http://schemas.microsoft.com/office/drawing/2010/main" xmlns="">
                 <a:solidFill>
                   <a:srgbClr val="FFFFFF"/>
                 </a:solidFill>
@@ -15444,7 +15444,7 @@
           <a:noFill/>
           <a:extLst>
             <a:ext uri="{909E8E84-426E-40dd-AFC4-6F175D3DCCD1}">
-              <a14:hiddenFill xmlns="" xmlns:a14="http://schemas.microsoft.com/office/drawing/2010/main">
+              <a14:hiddenFill xmlns:a14="http://schemas.microsoft.com/office/drawing/2010/main" xmlns="">
                 <a:solidFill>
                   <a:srgbClr val="FFFFFF"/>
                 </a:solidFill>
@@ -15837,7 +15837,7 @@
           <a:noFill/>
           <a:extLst>
             <a:ext uri="{909E8E84-426E-40dd-AFC4-6F175D3DCCD1}">
-              <a14:hiddenFill xmlns="" xmlns:a14="http://schemas.microsoft.com/office/drawing/2010/main">
+              <a14:hiddenFill xmlns:a14="http://schemas.microsoft.com/office/drawing/2010/main" xmlns="">
                 <a:solidFill>
                   <a:srgbClr val="FFFFFF"/>
                 </a:solidFill>
@@ -16230,7 +16230,7 @@
           <a:noFill/>
           <a:extLst>
             <a:ext uri="{909E8E84-426E-40dd-AFC4-6F175D3DCCD1}">
-              <a14:hiddenFill xmlns="" xmlns:a14="http://schemas.microsoft.com/office/drawing/2010/main">
+              <a14:hiddenFill xmlns:a14="http://schemas.microsoft.com/office/drawing/2010/main" xmlns="">
                 <a:solidFill>
                   <a:srgbClr val="FFFFFF"/>
                 </a:solidFill>
@@ -17637,8 +17637,8 @@
         </p:nvSpPr>
         <p:spPr>
           <a:xfrm>
-            <a:off x="4629997" y="5772780"/>
-            <a:ext cx="3183477" cy="646331"/>
+            <a:off x="3744188" y="6040095"/>
+            <a:ext cx="8313026" cy="646331"/>
           </a:xfrm>
           <a:prstGeom prst="rect">
             <a:avLst/>
@@ -17709,6 +17709,69 @@
               <a:rPr lang="fr-FR" dirty="0"/>
               <a:t> the Web UI</a:t>
             </a:r>
+          </a:p>
+          <a:p>
+            <a:pPr algn="ctr"/>
+            <a:r>
+              <a:rPr lang="fr-FR" dirty="0"/>
+              <a:t>Note: Can </a:t>
+            </a:r>
+            <a:r>
+              <a:rPr lang="fr-FR" dirty="0" err="1"/>
+              <a:t>be</a:t>
+            </a:r>
+            <a:r>
+              <a:rPr lang="fr-FR" dirty="0"/>
+              <a:t> </a:t>
+            </a:r>
+            <a:r>
+              <a:rPr lang="fr-FR" dirty="0" err="1"/>
+              <a:t>used</a:t>
+            </a:r>
+            <a:r>
+              <a:rPr lang="fr-FR" dirty="0"/>
+              <a:t> </a:t>
+            </a:r>
+            <a:r>
+              <a:rPr lang="fr-FR" dirty="0" err="1"/>
+              <a:t>also</a:t>
+            </a:r>
+            <a:r>
+              <a:rPr lang="fr-FR" dirty="0"/>
+              <a:t> to </a:t>
+            </a:r>
+            <a:r>
+              <a:rPr lang="fr-FR" dirty="0" err="1"/>
+              <a:t>upload</a:t>
+            </a:r>
+            <a:r>
+              <a:rPr lang="fr-FR" dirty="0"/>
+              <a:t> </a:t>
+            </a:r>
+            <a:r>
+              <a:rPr lang="fr-FR" dirty="0" err="1"/>
+              <a:t>compiled</a:t>
+            </a:r>
+            <a:r>
+              <a:rPr lang="fr-FR" dirty="0"/>
+              <a:t> </a:t>
+            </a:r>
+            <a:r>
+              <a:rPr lang="fr-FR" dirty="0" err="1"/>
+              <a:t>SikuliX</a:t>
+            </a:r>
+            <a:r>
+              <a:rPr lang="fr-FR" dirty="0"/>
+              <a:t> scripts to the bridge for </a:t>
+            </a:r>
+            <a:r>
+              <a:rPr lang="fr-FR" dirty="0" err="1"/>
+              <a:t>execution</a:t>
+            </a:r>
+            <a:r>
+              <a:rPr lang="fr-FR" dirty="0"/>
+              <a:t>…</a:t>
+            </a:r>
             <a:endParaRPr lang="en-US" dirty="0"/>
           </a:p>
         </p:txBody>
@@ -17751,7 +17814,7 @@
           <a:noFill/>
           <a:extLst>
             <a:ext uri="{909E8E84-426E-40dd-AFC4-6F175D3DCCD1}">
-              <a14:hiddenFill xmlns="" xmlns:a14="http://schemas.microsoft.com/office/drawing/2010/main">
+              <a14:hiddenFill xmlns:a14="http://schemas.microsoft.com/office/drawing/2010/main" xmlns="">
                 <a:solidFill>
                   <a:srgbClr val="FFFFFF"/>
                 </a:solidFill>
@@ -19444,7 +19507,7 @@
           <a:noFill/>
           <a:extLst>
             <a:ext uri="{909E8E84-426E-40dd-AFC4-6F175D3DCCD1}">
-              <a14:hiddenFill xmlns:a14="http://schemas.microsoft.com/office/drawing/2010/main" xmlns="">
+              <a14:hiddenFill xmlns="" xmlns:a14="http://schemas.microsoft.com/office/drawing/2010/main">
                 <a:solidFill>
                   <a:srgbClr val="FFFFFF"/>
                 </a:solidFill>
@@ -19832,7 +19895,7 @@
           <a:noFill/>
           <a:extLst>
             <a:ext uri="{909E8E84-426E-40dd-AFC4-6F175D3DCCD1}">
-              <a14:hiddenFill xmlns:a14="http://schemas.microsoft.com/office/drawing/2010/main" xmlns="">
+              <a14:hiddenFill xmlns="" xmlns:a14="http://schemas.microsoft.com/office/drawing/2010/main">
                 <a:solidFill>
                   <a:srgbClr val="FFFFFF"/>
                 </a:solidFill>
@@ -20508,7 +20571,7 @@
           <a:noFill/>
           <a:extLst>
             <a:ext uri="{909E8E84-426E-40dd-AFC4-6F175D3DCCD1}">
-              <a14:hiddenFill xmlns:a14="http://schemas.microsoft.com/office/drawing/2010/main" xmlns="">
+              <a14:hiddenFill xmlns="" xmlns:a14="http://schemas.microsoft.com/office/drawing/2010/main">
                 <a:solidFill>
                   <a:srgbClr val="FFFFFF"/>
                 </a:solidFill>
@@ -20901,7 +20964,7 @@
           <a:noFill/>
           <a:extLst>
             <a:ext uri="{909E8E84-426E-40dd-AFC4-6F175D3DCCD1}">
-              <a14:hiddenFill xmlns:a14="http://schemas.microsoft.com/office/drawing/2010/main" xmlns="">
+              <a14:hiddenFill xmlns="" xmlns:a14="http://schemas.microsoft.com/office/drawing/2010/main">
                 <a:solidFill>
                   <a:srgbClr val="FFFFFF"/>
                 </a:solidFill>

--- a/documentation/dt_sikulix_bridge.pptx
+++ b/documentation/dt_sikulix_bridge.pptx
@@ -212,7 +212,7 @@
           <a:p>
             <a:fld id="{A4761C98-4F3D-4D1D-A3DD-F7848427C078}" type="datetimeFigureOut">
               <a:rPr lang="en-US" smtClean="0"/>
-              <a:t>12/31/2021</a:t>
+              <a:t>1/3/2022</a:t>
             </a:fld>
             <a:endParaRPr lang="en-US"/>
           </a:p>
@@ -1895,7 +1895,7 @@
           <a:p>
             <a:fld id="{B04548AE-6E53-402B-8699-B7DEACF5B1AA}" type="datetimeFigureOut">
               <a:rPr lang="en-US" smtClean="0"/>
-              <a:t>12/31/2021</a:t>
+              <a:t>1/3/2022</a:t>
             </a:fld>
             <a:endParaRPr lang="en-US"/>
           </a:p>
@@ -2093,7 +2093,7 @@
           <a:p>
             <a:fld id="{B04548AE-6E53-402B-8699-B7DEACF5B1AA}" type="datetimeFigureOut">
               <a:rPr lang="en-US" smtClean="0"/>
-              <a:t>12/31/2021</a:t>
+              <a:t>1/3/2022</a:t>
             </a:fld>
             <a:endParaRPr lang="en-US"/>
           </a:p>
@@ -2301,7 +2301,7 @@
           <a:p>
             <a:fld id="{B04548AE-6E53-402B-8699-B7DEACF5B1AA}" type="datetimeFigureOut">
               <a:rPr lang="en-US" smtClean="0"/>
-              <a:t>12/31/2021</a:t>
+              <a:t>1/3/2022</a:t>
             </a:fld>
             <a:endParaRPr lang="en-US"/>
           </a:p>
@@ -2499,7 +2499,7 @@
           <a:p>
             <a:fld id="{B04548AE-6E53-402B-8699-B7DEACF5B1AA}" type="datetimeFigureOut">
               <a:rPr lang="en-US" smtClean="0"/>
-              <a:t>12/31/2021</a:t>
+              <a:t>1/3/2022</a:t>
             </a:fld>
             <a:endParaRPr lang="en-US"/>
           </a:p>
@@ -2774,7 +2774,7 @@
           <a:p>
             <a:fld id="{B04548AE-6E53-402B-8699-B7DEACF5B1AA}" type="datetimeFigureOut">
               <a:rPr lang="en-US" smtClean="0"/>
-              <a:t>12/31/2021</a:t>
+              <a:t>1/3/2022</a:t>
             </a:fld>
             <a:endParaRPr lang="en-US"/>
           </a:p>
@@ -3039,7 +3039,7 @@
           <a:p>
             <a:fld id="{B04548AE-6E53-402B-8699-B7DEACF5B1AA}" type="datetimeFigureOut">
               <a:rPr lang="en-US" smtClean="0"/>
-              <a:t>12/31/2021</a:t>
+              <a:t>1/3/2022</a:t>
             </a:fld>
             <a:endParaRPr lang="en-US"/>
           </a:p>
@@ -3451,7 +3451,7 @@
           <a:p>
             <a:fld id="{B04548AE-6E53-402B-8699-B7DEACF5B1AA}" type="datetimeFigureOut">
               <a:rPr lang="en-US" smtClean="0"/>
-              <a:t>12/31/2021</a:t>
+              <a:t>1/3/2022</a:t>
             </a:fld>
             <a:endParaRPr lang="en-US"/>
           </a:p>
@@ -3592,7 +3592,7 @@
           <a:p>
             <a:fld id="{B04548AE-6E53-402B-8699-B7DEACF5B1AA}" type="datetimeFigureOut">
               <a:rPr lang="en-US" smtClean="0"/>
-              <a:t>12/31/2021</a:t>
+              <a:t>1/3/2022</a:t>
             </a:fld>
             <a:endParaRPr lang="en-US"/>
           </a:p>
@@ -3705,7 +3705,7 @@
           <a:p>
             <a:fld id="{B04548AE-6E53-402B-8699-B7DEACF5B1AA}" type="datetimeFigureOut">
               <a:rPr lang="en-US" smtClean="0"/>
-              <a:t>12/31/2021</a:t>
+              <a:t>1/3/2022</a:t>
             </a:fld>
             <a:endParaRPr lang="en-US"/>
           </a:p>
@@ -4016,7 +4016,7 @@
           <a:p>
             <a:fld id="{B04548AE-6E53-402B-8699-B7DEACF5B1AA}" type="datetimeFigureOut">
               <a:rPr lang="en-US" smtClean="0"/>
-              <a:t>12/31/2021</a:t>
+              <a:t>1/3/2022</a:t>
             </a:fld>
             <a:endParaRPr lang="en-US"/>
           </a:p>
@@ -4304,7 +4304,7 @@
           <a:p>
             <a:fld id="{B04548AE-6E53-402B-8699-B7DEACF5B1AA}" type="datetimeFigureOut">
               <a:rPr lang="en-US" smtClean="0"/>
-              <a:t>12/31/2021</a:t>
+              <a:t>1/3/2022</a:t>
             </a:fld>
             <a:endParaRPr lang="en-US"/>
           </a:p>
@@ -4545,7 +4545,7 @@
           <a:p>
             <a:fld id="{B04548AE-6E53-402B-8699-B7DEACF5B1AA}" type="datetimeFigureOut">
               <a:rPr lang="en-US" smtClean="0"/>
-              <a:t>12/31/2021</a:t>
+              <a:t>1/3/2022</a:t>
             </a:fld>
             <a:endParaRPr lang="en-US"/>
           </a:p>
@@ -4991,7 +4991,7 @@
         </p:blipFill>
         <p:spPr bwMode="auto">
           <a:xfrm>
-            <a:off x="2714668" y="215725"/>
+            <a:off x="4750780" y="1783316"/>
             <a:ext cx="609600" cy="609600"/>
           </a:xfrm>
           <a:prstGeom prst="rect">
@@ -5047,7 +5047,7 @@
           <a:noFill/>
           <a:extLst>
             <a:ext uri="{909E8E84-426E-40dd-AFC4-6F175D3DCCD1}">
-              <a14:hiddenFill xmlns:a14="http://schemas.microsoft.com/office/drawing/2010/main" xmlns="">
+              <a14:hiddenFill xmlns="" xmlns:a14="http://schemas.microsoft.com/office/drawing/2010/main">
                 <a:solidFill>
                   <a:srgbClr val="FFFFFF"/>
                 </a:solidFill>
@@ -5231,7 +5231,7 @@
           <a:noFill/>
           <a:extLst>
             <a:ext uri="{909E8E84-426E-40dd-AFC4-6F175D3DCCD1}">
-              <a14:hiddenFill xmlns:a14="http://schemas.microsoft.com/office/drawing/2010/main" xmlns="">
+              <a14:hiddenFill xmlns="" xmlns:a14="http://schemas.microsoft.com/office/drawing/2010/main">
                 <a:solidFill>
                   <a:srgbClr val="FFFFFF"/>
                 </a:solidFill>
@@ -5342,7 +5342,7 @@
         </p:blipFill>
         <p:spPr>
           <a:xfrm>
-            <a:off x="2641867" y="1116580"/>
+            <a:off x="4677979" y="2684171"/>
             <a:ext cx="729079" cy="315894"/>
           </a:xfrm>
           <a:prstGeom prst="rect">
@@ -5364,7 +5364,7 @@
         </p:nvSpPr>
         <p:spPr>
           <a:xfrm>
-            <a:off x="2487674" y="1429916"/>
+            <a:off x="4523786" y="2997507"/>
             <a:ext cx="1037463" cy="584775"/>
           </a:xfrm>
           <a:prstGeom prst="rect">
@@ -5465,7 +5465,7 @@
         </p:nvSpPr>
         <p:spPr>
           <a:xfrm>
-            <a:off x="2637771" y="669554"/>
+            <a:off x="4673883" y="2237145"/>
             <a:ext cx="771621" cy="369332"/>
           </a:xfrm>
           <a:prstGeom prst="rect">
@@ -5501,8 +5501,8 @@
         </p:nvSpPr>
         <p:spPr>
           <a:xfrm>
-            <a:off x="1572852" y="215726"/>
-            <a:ext cx="1952285" cy="2045188"/>
+            <a:off x="4523786" y="1783317"/>
+            <a:ext cx="1037463" cy="1786264"/>
           </a:xfrm>
           <a:prstGeom prst="rect">
             <a:avLst/>
@@ -5541,53 +5541,6 @@
       </p:sp>
       <p:pic>
         <p:nvPicPr>
-          <p:cNvPr id="35" name="Picture 2" descr="Logo">
-            <a:extLst>
-              <a:ext uri="{FF2B5EF4-FFF2-40B4-BE49-F238E27FC236}">
-                <a16:creationId xmlns:a16="http://schemas.microsoft.com/office/drawing/2014/main" id="{5E1201B0-7473-467C-A8BB-FEC36097103F}"/>
-              </a:ext>
-            </a:extLst>
-          </p:cNvPr>
-          <p:cNvPicPr>
-            <a:picLocks noChangeAspect="1" noChangeArrowheads="1"/>
-          </p:cNvPicPr>
-          <p:nvPr/>
-        </p:nvPicPr>
-        <p:blipFill>
-          <a:blip r:embed="rId3">
-            <a:extLst>
-              <a:ext uri="{28A0092B-C50C-407E-A947-70E740481C1C}">
-                <a14:useLocalDpi xmlns:a14="http://schemas.microsoft.com/office/drawing/2010/main" val="0"/>
-              </a:ext>
-            </a:extLst>
-          </a:blip>
-          <a:srcRect/>
-          <a:stretch>
-            <a:fillRect/>
-          </a:stretch>
-        </p:blipFill>
-        <p:spPr bwMode="auto">
-          <a:xfrm>
-            <a:off x="2714668" y="2296779"/>
-            <a:ext cx="609600" cy="609600"/>
-          </a:xfrm>
-          <a:prstGeom prst="rect">
-            <a:avLst/>
-          </a:prstGeom>
-          <a:noFill/>
-          <a:extLst>
-            <a:ext uri="{909E8E84-426E-40DD-AFC4-6F175D3DCCD1}">
-              <a14:hiddenFill xmlns:a14="http://schemas.microsoft.com/office/drawing/2010/main">
-                <a:solidFill>
-                  <a:srgbClr val="FFFFFF"/>
-                </a:solidFill>
-              </a14:hiddenFill>
-            </a:ext>
-          </a:extLst>
-        </p:spPr>
-      </p:pic>
-      <p:pic>
-        <p:nvPicPr>
           <p:cNvPr id="36" name="Picture 14" descr="http://assets.ruxitlabs.com/icons/png/green/Icons_file_001_Browser.png">
             <a:extLst>
               <a:ext uri="{FF2B5EF4-FFF2-40B4-BE49-F238E27FC236}">
@@ -5624,7 +5577,7 @@
           <a:noFill/>
           <a:extLst>
             <a:ext uri="{909E8E84-426E-40dd-AFC4-6F175D3DCCD1}">
-              <a14:hiddenFill xmlns:a14="http://schemas.microsoft.com/office/drawing/2010/main" xmlns="">
+              <a14:hiddenFill xmlns="" xmlns:a14="http://schemas.microsoft.com/office/drawing/2010/main">
                 <a:solidFill>
                   <a:srgbClr val="FFFFFF"/>
                 </a:solidFill>
@@ -5715,272 +5668,6 @@
       </p:sp>
       <p:pic>
         <p:nvPicPr>
-          <p:cNvPr id="38" name="Picture 37">
-            <a:extLst>
-              <a:ext uri="{FF2B5EF4-FFF2-40B4-BE49-F238E27FC236}">
-                <a16:creationId xmlns:a16="http://schemas.microsoft.com/office/drawing/2014/main" id="{D0EDEF78-4B6C-411D-93FF-18D1ECBA27CE}"/>
-              </a:ext>
-            </a:extLst>
-          </p:cNvPr>
-          <p:cNvPicPr>
-            <a:picLocks noChangeAspect="1"/>
-          </p:cNvPicPr>
-          <p:nvPr/>
-        </p:nvPicPr>
-        <p:blipFill>
-          <a:blip r:embed="rId6"/>
-          <a:stretch>
-            <a:fillRect/>
-          </a:stretch>
-        </p:blipFill>
-        <p:spPr>
-          <a:xfrm>
-            <a:off x="2641867" y="3197634"/>
-            <a:ext cx="729079" cy="315894"/>
-          </a:xfrm>
-          <a:prstGeom prst="rect">
-            <a:avLst/>
-          </a:prstGeom>
-        </p:spPr>
-      </p:pic>
-      <p:sp>
-        <p:nvSpPr>
-          <p:cNvPr id="39" name="TextBox 38">
-            <a:extLst>
-              <a:ext uri="{FF2B5EF4-FFF2-40B4-BE49-F238E27FC236}">
-                <a16:creationId xmlns:a16="http://schemas.microsoft.com/office/drawing/2014/main" id="{B4005FA4-F7C4-4A0C-B956-EE7615ECAF3D}"/>
-              </a:ext>
-            </a:extLst>
-          </p:cNvPr>
-          <p:cNvSpPr txBox="1"/>
-          <p:nvPr/>
-        </p:nvSpPr>
-        <p:spPr>
-          <a:xfrm>
-            <a:off x="2487674" y="3510970"/>
-            <a:ext cx="1037463" cy="584775"/>
-          </a:xfrm>
-          <a:prstGeom prst="rect">
-            <a:avLst/>
-          </a:prstGeom>
-          <a:noFill/>
-        </p:spPr>
-        <p:txBody>
-          <a:bodyPr wrap="none" rtlCol="0">
-            <a:spAutoFit/>
-          </a:bodyPr>
-          <a:lstStyle/>
-          <a:p>
-            <a:pPr marL="0" marR="0" lvl="0" indent="0" defTabSz="914400" eaLnBrk="1" fontAlgn="auto" latinLnBrk="0" hangingPunct="1">
-              <a:lnSpc>
-                <a:spcPct val="100000"/>
-              </a:lnSpc>
-              <a:spcBef>
-                <a:spcPts val="0"/>
-              </a:spcBef>
-              <a:spcAft>
-                <a:spcPts val="0"/>
-              </a:spcAft>
-              <a:buClrTx/>
-              <a:buSzTx/>
-              <a:buFontTx/>
-              <a:buNone/>
-              <a:tabLst/>
-              <a:defRPr/>
-            </a:pPr>
-            <a:r>
-              <a:rPr kumimoji="0" lang="de-AT" sz="1600" b="0" i="0" u="none" strike="noStrike" kern="0" cap="none" spc="0" normalizeH="0" baseline="0" noProof="0" dirty="0">
-                <a:ln>
-                  <a:noFill/>
-                </a:ln>
-                <a:solidFill>
-                  <a:srgbClr val="1496FF"/>
-                </a:solidFill>
-                <a:effectLst/>
-                <a:uLnTx/>
-                <a:uFillTx/>
-                <a:latin typeface="Calibri" panose="020F0502020204030204"/>
-                <a:ea typeface=""/>
-                <a:cs typeface=""/>
-              </a:rPr>
-              <a:t>Dynatrace</a:t>
-            </a:r>
-          </a:p>
-          <a:p>
-            <a:pPr marL="0" marR="0" lvl="0" indent="0" algn="ctr" defTabSz="914400" eaLnBrk="1" fontAlgn="auto" latinLnBrk="0" hangingPunct="1">
-              <a:lnSpc>
-                <a:spcPct val="100000"/>
-              </a:lnSpc>
-              <a:spcBef>
-                <a:spcPts val="0"/>
-              </a:spcBef>
-              <a:spcAft>
-                <a:spcPts val="0"/>
-              </a:spcAft>
-              <a:buClrTx/>
-              <a:buSzTx/>
-              <a:buFontTx/>
-              <a:buNone/>
-              <a:tabLst/>
-              <a:defRPr/>
-            </a:pPr>
-            <a:r>
-              <a:rPr kumimoji="0" lang="de-AT" sz="1600" b="0" i="0" u="none" strike="noStrike" kern="0" cap="none" spc="0" normalizeH="0" baseline="0" noProof="0" dirty="0">
-                <a:ln>
-                  <a:noFill/>
-                </a:ln>
-                <a:solidFill>
-                  <a:srgbClr val="1496FF"/>
-                </a:solidFill>
-                <a:effectLst/>
-                <a:uLnTx/>
-                <a:uFillTx/>
-                <a:latin typeface="Calibri" panose="020F0502020204030204"/>
-                <a:ea typeface=""/>
-                <a:cs typeface=""/>
-              </a:rPr>
-              <a:t>bridge</a:t>
-            </a:r>
-          </a:p>
-        </p:txBody>
-      </p:sp>
-      <p:sp>
-        <p:nvSpPr>
-          <p:cNvPr id="40" name="TextBox 39">
-            <a:extLst>
-              <a:ext uri="{FF2B5EF4-FFF2-40B4-BE49-F238E27FC236}">
-                <a16:creationId xmlns:a16="http://schemas.microsoft.com/office/drawing/2014/main" id="{5DA89E18-B0A1-4D07-9D05-198CFA8DFE9A}"/>
-              </a:ext>
-            </a:extLst>
-          </p:cNvPr>
-          <p:cNvSpPr txBox="1"/>
-          <p:nvPr/>
-        </p:nvSpPr>
-        <p:spPr>
-          <a:xfrm>
-            <a:off x="2637771" y="2750608"/>
-            <a:ext cx="771621" cy="369332"/>
-          </a:xfrm>
-          <a:prstGeom prst="rect">
-            <a:avLst/>
-          </a:prstGeom>
-          <a:noFill/>
-        </p:spPr>
-        <p:txBody>
-          <a:bodyPr wrap="none" rtlCol="0">
-            <a:spAutoFit/>
-          </a:bodyPr>
-          <a:lstStyle/>
-          <a:p>
-            <a:r>
-              <a:rPr lang="fr-FR" dirty="0" err="1"/>
-              <a:t>Sikulix</a:t>
-            </a:r>
-            <a:endParaRPr lang="en-US" dirty="0"/>
-          </a:p>
-        </p:txBody>
-      </p:sp>
-      <p:sp>
-        <p:nvSpPr>
-          <p:cNvPr id="41" name="Rectangle 40">
-            <a:extLst>
-              <a:ext uri="{FF2B5EF4-FFF2-40B4-BE49-F238E27FC236}">
-                <a16:creationId xmlns:a16="http://schemas.microsoft.com/office/drawing/2014/main" id="{18900709-F27B-4B0D-8058-8BCDBEE53FB2}"/>
-              </a:ext>
-            </a:extLst>
-          </p:cNvPr>
-          <p:cNvSpPr/>
-          <p:nvPr/>
-        </p:nvSpPr>
-        <p:spPr>
-          <a:xfrm>
-            <a:off x="1572852" y="2296780"/>
-            <a:ext cx="1952285" cy="2045188"/>
-          </a:xfrm>
-          <a:prstGeom prst="rect">
-            <a:avLst/>
-          </a:prstGeom>
-          <a:noFill/>
-          <a:ln>
-            <a:solidFill>
-              <a:schemeClr val="accent2"/>
-            </a:solidFill>
-          </a:ln>
-        </p:spPr>
-        <p:style>
-          <a:lnRef idx="2">
-            <a:schemeClr val="accent1">
-              <a:shade val="50000"/>
-            </a:schemeClr>
-          </a:lnRef>
-          <a:fillRef idx="1">
-            <a:schemeClr val="accent1"/>
-          </a:fillRef>
-          <a:effectRef idx="0">
-            <a:schemeClr val="accent1"/>
-          </a:effectRef>
-          <a:fontRef idx="minor">
-            <a:schemeClr val="lt1"/>
-          </a:fontRef>
-        </p:style>
-        <p:txBody>
-          <a:bodyPr rtlCol="0" anchor="ctr"/>
-          <a:lstStyle/>
-          <a:p>
-            <a:pPr algn="ctr"/>
-            <a:endParaRPr lang="en-US"/>
-          </a:p>
-        </p:txBody>
-      </p:sp>
-      <p:pic>
-        <p:nvPicPr>
-          <p:cNvPr id="56" name="Picture 2" descr="Logo">
-            <a:extLst>
-              <a:ext uri="{FF2B5EF4-FFF2-40B4-BE49-F238E27FC236}">
-                <a16:creationId xmlns:a16="http://schemas.microsoft.com/office/drawing/2014/main" id="{941461E2-902F-4A79-A00B-8EC6D8867674}"/>
-              </a:ext>
-            </a:extLst>
-          </p:cNvPr>
-          <p:cNvPicPr>
-            <a:picLocks noChangeAspect="1" noChangeArrowheads="1"/>
-          </p:cNvPicPr>
-          <p:nvPr/>
-        </p:nvPicPr>
-        <p:blipFill>
-          <a:blip r:embed="rId3">
-            <a:extLst>
-              <a:ext uri="{28A0092B-C50C-407E-A947-70E740481C1C}">
-                <a14:useLocalDpi xmlns:a14="http://schemas.microsoft.com/office/drawing/2010/main" val="0"/>
-              </a:ext>
-            </a:extLst>
-          </a:blip>
-          <a:srcRect/>
-          <a:stretch>
-            <a:fillRect/>
-          </a:stretch>
-        </p:blipFill>
-        <p:spPr bwMode="auto">
-          <a:xfrm>
-            <a:off x="2714668" y="4373922"/>
-            <a:ext cx="609600" cy="609600"/>
-          </a:xfrm>
-          <a:prstGeom prst="rect">
-            <a:avLst/>
-          </a:prstGeom>
-          <a:noFill/>
-          <a:extLst>
-            <a:ext uri="{909E8E84-426E-40DD-AFC4-6F175D3DCCD1}">
-              <a14:hiddenFill xmlns:a14="http://schemas.microsoft.com/office/drawing/2010/main">
-                <a:solidFill>
-                  <a:srgbClr val="FFFFFF"/>
-                </a:solidFill>
-              </a14:hiddenFill>
-            </a:ext>
-          </a:extLst>
-        </p:spPr>
-      </p:pic>
-      <p:pic>
-        <p:nvPicPr>
           <p:cNvPr id="57" name="Picture 14" descr="http://assets.ruxitlabs.com/icons/png/green/Icons_file_001_Browser.png">
             <a:extLst>
               <a:ext uri="{FF2B5EF4-FFF2-40B4-BE49-F238E27FC236}">
@@ -6017,7 +5704,7 @@
           <a:noFill/>
           <a:extLst>
             <a:ext uri="{909E8E84-426E-40dd-AFC4-6F175D3DCCD1}">
-              <a14:hiddenFill xmlns:a14="http://schemas.microsoft.com/office/drawing/2010/main" xmlns="">
+              <a14:hiddenFill xmlns="" xmlns:a14="http://schemas.microsoft.com/office/drawing/2010/main">
                 <a:solidFill>
                   <a:srgbClr val="FFFFFF"/>
                 </a:solidFill>
@@ -6106,42 +5793,12 @@
           </a:p>
         </p:txBody>
       </p:sp>
-      <p:pic>
-        <p:nvPicPr>
-          <p:cNvPr id="59" name="Picture 58">
-            <a:extLst>
-              <a:ext uri="{FF2B5EF4-FFF2-40B4-BE49-F238E27FC236}">
-                <a16:creationId xmlns:a16="http://schemas.microsoft.com/office/drawing/2014/main" id="{4D974104-5C12-47EE-9733-A10E7A17170F}"/>
-              </a:ext>
-            </a:extLst>
-          </p:cNvPr>
-          <p:cNvPicPr>
-            <a:picLocks noChangeAspect="1"/>
-          </p:cNvPicPr>
-          <p:nvPr/>
-        </p:nvPicPr>
-        <p:blipFill>
-          <a:blip r:embed="rId6"/>
-          <a:stretch>
-            <a:fillRect/>
-          </a:stretch>
-        </p:blipFill>
-        <p:spPr>
-          <a:xfrm>
-            <a:off x="2641867" y="5274777"/>
-            <a:ext cx="729079" cy="315894"/>
-          </a:xfrm>
-          <a:prstGeom prst="rect">
-            <a:avLst/>
-          </a:prstGeom>
-        </p:spPr>
-      </p:pic>
       <p:sp>
         <p:nvSpPr>
-          <p:cNvPr id="60" name="TextBox 59">
-            <a:extLst>
-              <a:ext uri="{FF2B5EF4-FFF2-40B4-BE49-F238E27FC236}">
-                <a16:creationId xmlns:a16="http://schemas.microsoft.com/office/drawing/2014/main" id="{5532D77B-D984-4975-B405-A70357E427D8}"/>
+          <p:cNvPr id="26" name="TextBox 25">
+            <a:extLst>
+              <a:ext uri="{FF2B5EF4-FFF2-40B4-BE49-F238E27FC236}">
+                <a16:creationId xmlns:a16="http://schemas.microsoft.com/office/drawing/2014/main" id="{AF36D902-1004-400B-A510-A1169E694D94}"/>
               </a:ext>
             </a:extLst>
           </p:cNvPr>
@@ -6150,8 +5807,8 @@
         </p:nvSpPr>
         <p:spPr>
           <a:xfrm>
-            <a:off x="2487674" y="5588113"/>
-            <a:ext cx="1037463" cy="584775"/>
+            <a:off x="589001" y="1272746"/>
+            <a:ext cx="683200" cy="369332"/>
           </a:xfrm>
           <a:prstGeom prst="rect">
             <a:avLst/>
@@ -6164,85 +5821,20 @@
           </a:bodyPr>
           <a:lstStyle/>
           <a:p>
-            <a:pPr marL="0" marR="0" lvl="0" indent="0" defTabSz="914400" eaLnBrk="1" fontAlgn="auto" latinLnBrk="0" hangingPunct="1">
-              <a:lnSpc>
-                <a:spcPct val="100000"/>
-              </a:lnSpc>
-              <a:spcBef>
-                <a:spcPts val="0"/>
-              </a:spcBef>
-              <a:spcAft>
-                <a:spcPts val="0"/>
-              </a:spcAft>
-              <a:buClrTx/>
-              <a:buSzTx/>
-              <a:buFontTx/>
-              <a:buNone/>
-              <a:tabLst/>
-              <a:defRPr/>
-            </a:pPr>
-            <a:r>
-              <a:rPr kumimoji="0" lang="de-AT" sz="1600" b="0" i="0" u="none" strike="noStrike" kern="0" cap="none" spc="0" normalizeH="0" baseline="0" noProof="0" dirty="0">
-                <a:ln>
-                  <a:noFill/>
-                </a:ln>
-                <a:solidFill>
-                  <a:srgbClr val="1496FF"/>
-                </a:solidFill>
-                <a:effectLst/>
-                <a:uLnTx/>
-                <a:uFillTx/>
-                <a:latin typeface="Calibri" panose="020F0502020204030204"/>
-                <a:ea typeface=""/>
-                <a:cs typeface=""/>
-              </a:rPr>
-              <a:t>Dynatrace</a:t>
-            </a:r>
-          </a:p>
-          <a:p>
-            <a:pPr marL="0" marR="0" lvl="0" indent="0" algn="ctr" defTabSz="914400" eaLnBrk="1" fontAlgn="auto" latinLnBrk="0" hangingPunct="1">
-              <a:lnSpc>
-                <a:spcPct val="100000"/>
-              </a:lnSpc>
-              <a:spcBef>
-                <a:spcPts val="0"/>
-              </a:spcBef>
-              <a:spcAft>
-                <a:spcPts val="0"/>
-              </a:spcAft>
-              <a:buClrTx/>
-              <a:buSzTx/>
-              <a:buFontTx/>
-              <a:buNone/>
-              <a:tabLst/>
-              <a:defRPr/>
-            </a:pPr>
-            <a:r>
-              <a:rPr kumimoji="0" lang="de-AT" sz="1600" b="0" i="0" u="none" strike="noStrike" kern="0" cap="none" spc="0" normalizeH="0" baseline="0" noProof="0" dirty="0">
-                <a:ln>
-                  <a:noFill/>
-                </a:ln>
-                <a:solidFill>
-                  <a:srgbClr val="1496FF"/>
-                </a:solidFill>
-                <a:effectLst/>
-                <a:uLnTx/>
-                <a:uFillTx/>
-                <a:latin typeface="Calibri" panose="020F0502020204030204"/>
-                <a:ea typeface=""/>
-                <a:cs typeface=""/>
-              </a:rPr>
-              <a:t>bridge</a:t>
-            </a:r>
+            <a:r>
+              <a:rPr lang="fr-FR" dirty="0"/>
+              <a:t>VM 1</a:t>
+            </a:r>
+            <a:endParaRPr lang="en-US" dirty="0"/>
           </a:p>
         </p:txBody>
       </p:sp>
       <p:sp>
         <p:nvSpPr>
-          <p:cNvPr id="61" name="TextBox 60">
-            <a:extLst>
-              <a:ext uri="{FF2B5EF4-FFF2-40B4-BE49-F238E27FC236}">
-                <a16:creationId xmlns:a16="http://schemas.microsoft.com/office/drawing/2014/main" id="{CF9DF427-27E7-4D7F-B4C1-8825FF1C9590}"/>
+          <p:cNvPr id="64" name="TextBox 63">
+            <a:extLst>
+              <a:ext uri="{FF2B5EF4-FFF2-40B4-BE49-F238E27FC236}">
+                <a16:creationId xmlns:a16="http://schemas.microsoft.com/office/drawing/2014/main" id="{8093BC03-AEAB-41C9-9561-70BAB2F046DC}"/>
               </a:ext>
             </a:extLst>
           </p:cNvPr>
@@ -6251,8 +5843,8 @@
         </p:nvSpPr>
         <p:spPr>
           <a:xfrm>
-            <a:off x="2637771" y="4827751"/>
-            <a:ext cx="771621" cy="369332"/>
+            <a:off x="567177" y="3147115"/>
+            <a:ext cx="683200" cy="369332"/>
           </a:xfrm>
           <a:prstGeom prst="rect">
             <a:avLst/>
@@ -6266,8 +5858,8 @@
           <a:lstStyle/>
           <a:p>
             <a:r>
-              <a:rPr lang="fr-FR" dirty="0" err="1"/>
-              <a:t>Sikulix</a:t>
+              <a:rPr lang="fr-FR" dirty="0"/>
+              <a:t>VM 2</a:t>
             </a:r>
             <a:endParaRPr lang="en-US" dirty="0"/>
           </a:p>
@@ -6275,62 +5867,10 @@
       </p:sp>
       <p:sp>
         <p:nvSpPr>
-          <p:cNvPr id="62" name="Rectangle 61">
-            <a:extLst>
-              <a:ext uri="{FF2B5EF4-FFF2-40B4-BE49-F238E27FC236}">
-                <a16:creationId xmlns:a16="http://schemas.microsoft.com/office/drawing/2014/main" id="{FBA063A0-59BE-44F2-A9A8-48937C68E88E}"/>
-              </a:ext>
-            </a:extLst>
-          </p:cNvPr>
-          <p:cNvSpPr/>
-          <p:nvPr/>
-        </p:nvSpPr>
-        <p:spPr>
-          <a:xfrm>
-            <a:off x="1572852" y="4373923"/>
-            <a:ext cx="1952285" cy="2045188"/>
-          </a:xfrm>
-          <a:prstGeom prst="rect">
-            <a:avLst/>
-          </a:prstGeom>
-          <a:noFill/>
-          <a:ln>
-            <a:solidFill>
-              <a:schemeClr val="accent2"/>
-            </a:solidFill>
-          </a:ln>
-        </p:spPr>
-        <p:style>
-          <a:lnRef idx="2">
-            <a:schemeClr val="accent1">
-              <a:shade val="50000"/>
-            </a:schemeClr>
-          </a:lnRef>
-          <a:fillRef idx="1">
-            <a:schemeClr val="accent1"/>
-          </a:fillRef>
-          <a:effectRef idx="0">
-            <a:schemeClr val="accent1"/>
-          </a:effectRef>
-          <a:fontRef idx="minor">
-            <a:schemeClr val="lt1"/>
-          </a:fontRef>
-        </p:style>
-        <p:txBody>
-          <a:bodyPr rtlCol="0" anchor="ctr"/>
-          <a:lstStyle/>
-          <a:p>
-            <a:pPr algn="ctr"/>
-            <a:endParaRPr lang="en-US"/>
-          </a:p>
-        </p:txBody>
-      </p:sp>
-      <p:sp>
-        <p:nvSpPr>
-          <p:cNvPr id="26" name="TextBox 25">
-            <a:extLst>
-              <a:ext uri="{FF2B5EF4-FFF2-40B4-BE49-F238E27FC236}">
-                <a16:creationId xmlns:a16="http://schemas.microsoft.com/office/drawing/2014/main" id="{AF36D902-1004-400B-A510-A1169E694D94}"/>
+          <p:cNvPr id="65" name="TextBox 64">
+            <a:extLst>
+              <a:ext uri="{FF2B5EF4-FFF2-40B4-BE49-F238E27FC236}">
+                <a16:creationId xmlns:a16="http://schemas.microsoft.com/office/drawing/2014/main" id="{6B5D4DEB-596B-4BDA-8A92-872828C8B7DE}"/>
               </a:ext>
             </a:extLst>
           </p:cNvPr>
@@ -6339,8 +5879,8 @@
         </p:nvSpPr>
         <p:spPr>
           <a:xfrm>
-            <a:off x="881449" y="1272746"/>
-            <a:ext cx="596638" cy="369332"/>
+            <a:off x="638043" y="5104750"/>
+            <a:ext cx="683200" cy="369332"/>
           </a:xfrm>
           <a:prstGeom prst="rect">
             <a:avLst/>
@@ -6355,79 +5895,7 @@
           <a:p>
             <a:r>
               <a:rPr lang="fr-FR" dirty="0"/>
-              <a:t>PC 1</a:t>
-            </a:r>
-            <a:endParaRPr lang="en-US" dirty="0"/>
-          </a:p>
-        </p:txBody>
-      </p:sp>
-      <p:sp>
-        <p:nvSpPr>
-          <p:cNvPr id="64" name="TextBox 63">
-            <a:extLst>
-              <a:ext uri="{FF2B5EF4-FFF2-40B4-BE49-F238E27FC236}">
-                <a16:creationId xmlns:a16="http://schemas.microsoft.com/office/drawing/2014/main" id="{8093BC03-AEAB-41C9-9561-70BAB2F046DC}"/>
-              </a:ext>
-            </a:extLst>
-          </p:cNvPr>
-          <p:cNvSpPr txBox="1"/>
-          <p:nvPr/>
-        </p:nvSpPr>
-        <p:spPr>
-          <a:xfrm>
-            <a:off x="859625" y="3147115"/>
-            <a:ext cx="596638" cy="369332"/>
-          </a:xfrm>
-          <a:prstGeom prst="rect">
-            <a:avLst/>
-          </a:prstGeom>
-          <a:noFill/>
-        </p:spPr>
-        <p:txBody>
-          <a:bodyPr wrap="none" rtlCol="0">
-            <a:spAutoFit/>
-          </a:bodyPr>
-          <a:lstStyle/>
-          <a:p>
-            <a:r>
-              <a:rPr lang="fr-FR" dirty="0"/>
-              <a:t>PC 2</a:t>
-            </a:r>
-            <a:endParaRPr lang="en-US" dirty="0"/>
-          </a:p>
-        </p:txBody>
-      </p:sp>
-      <p:sp>
-        <p:nvSpPr>
-          <p:cNvPr id="65" name="TextBox 64">
-            <a:extLst>
-              <a:ext uri="{FF2B5EF4-FFF2-40B4-BE49-F238E27FC236}">
-                <a16:creationId xmlns:a16="http://schemas.microsoft.com/office/drawing/2014/main" id="{6B5D4DEB-596B-4BDA-8A92-872828C8B7DE}"/>
-              </a:ext>
-            </a:extLst>
-          </p:cNvPr>
-          <p:cNvSpPr txBox="1"/>
-          <p:nvPr/>
-        </p:nvSpPr>
-        <p:spPr>
-          <a:xfrm>
-            <a:off x="930491" y="5104750"/>
-            <a:ext cx="596638" cy="369332"/>
-          </a:xfrm>
-          <a:prstGeom prst="rect">
-            <a:avLst/>
-          </a:prstGeom>
-          <a:noFill/>
-        </p:spPr>
-        <p:txBody>
-          <a:bodyPr wrap="none" rtlCol="0">
-            <a:spAutoFit/>
-          </a:bodyPr>
-          <a:lstStyle/>
-          <a:p>
-            <a:r>
-              <a:rPr lang="fr-FR" dirty="0"/>
-              <a:t>PC 3</a:t>
+              <a:t>VM 3</a:t>
             </a:r>
             <a:endParaRPr lang="en-US" dirty="0"/>
           </a:p>
@@ -6537,8 +6005,8 @@
         </p:nvSpPr>
         <p:spPr>
           <a:xfrm>
-            <a:off x="5749377" y="226568"/>
-            <a:ext cx="6162264" cy="923330"/>
+            <a:off x="7751492" y="96835"/>
+            <a:ext cx="4694163" cy="1477328"/>
           </a:xfrm>
           <a:prstGeom prst="rect">
             <a:avLst/>
@@ -6546,7 +6014,7 @@
           <a:noFill/>
         </p:spPr>
         <p:txBody>
-          <a:bodyPr wrap="none" rtlCol="0">
+          <a:bodyPr wrap="square" rtlCol="0">
             <a:spAutoFit/>
           </a:bodyPr>
           <a:lstStyle/>
@@ -6557,6 +6025,10 @@
             </a:r>
           </a:p>
           <a:p>
+            <a:pPr marL="285750" indent="-285750">
+              <a:buFont typeface="Arial" panose="020B0604020202020204" pitchFamily="34" charset="0"/>
+              <a:buChar char="•"/>
+            </a:pPr>
             <a:r>
               <a:rPr lang="fr-FR" dirty="0" err="1"/>
               <a:t>Using</a:t>
@@ -6591,6 +6063,10 @@
             </a:r>
           </a:p>
           <a:p>
+            <a:pPr marL="285750" indent="-285750">
+              <a:buFont typeface="Arial" panose="020B0604020202020204" pitchFamily="34" charset="0"/>
+              <a:buChar char="•"/>
+            </a:pPr>
             <a:r>
               <a:rPr lang="fr-FR" dirty="0" err="1"/>
               <a:t>Using</a:t>
@@ -6745,154 +6221,6 @@
           </a:fontRef>
         </p:style>
       </p:cxnSp>
-      <p:cxnSp>
-        <p:nvCxnSpPr>
-          <p:cNvPr id="53" name="Straight Connector 52">
-            <a:extLst>
-              <a:ext uri="{FF2B5EF4-FFF2-40B4-BE49-F238E27FC236}">
-                <a16:creationId xmlns:a16="http://schemas.microsoft.com/office/drawing/2014/main" id="{4B71A603-7B32-4588-A8A7-9390ABA839CA}"/>
-              </a:ext>
-            </a:extLst>
-          </p:cNvPr>
-          <p:cNvCxnSpPr>
-            <a:cxnSpLocks/>
-          </p:cNvCxnSpPr>
-          <p:nvPr/>
-        </p:nvCxnSpPr>
-        <p:spPr>
-          <a:xfrm rot="10800000">
-            <a:off x="3699748" y="1845415"/>
-            <a:ext cx="2533810" cy="169277"/>
-          </a:xfrm>
-          <a:prstGeom prst="bentConnector3">
-            <a:avLst>
-              <a:gd name="adj1" fmla="val 50000"/>
-            </a:avLst>
-          </a:prstGeom>
-          <a:ln>
-            <a:solidFill>
-              <a:schemeClr val="tx1">
-                <a:lumMod val="50000"/>
-                <a:lumOff val="50000"/>
-              </a:schemeClr>
-            </a:solidFill>
-            <a:headEnd type="none" w="med" len="med"/>
-            <a:tailEnd type="triangle" w="med" len="med"/>
-          </a:ln>
-        </p:spPr>
-        <p:style>
-          <a:lnRef idx="2">
-            <a:schemeClr val="accent1"/>
-          </a:lnRef>
-          <a:fillRef idx="0">
-            <a:schemeClr val="accent1"/>
-          </a:fillRef>
-          <a:effectRef idx="1">
-            <a:schemeClr val="accent1"/>
-          </a:effectRef>
-          <a:fontRef idx="minor">
-            <a:schemeClr val="tx1"/>
-          </a:fontRef>
-        </p:style>
-      </p:cxnSp>
-      <p:sp>
-        <p:nvSpPr>
-          <p:cNvPr id="54" name="Rectangle 53">
-            <a:extLst>
-              <a:ext uri="{FF2B5EF4-FFF2-40B4-BE49-F238E27FC236}">
-                <a16:creationId xmlns:a16="http://schemas.microsoft.com/office/drawing/2014/main" id="{80FD715B-B836-4FFF-BF3E-AD804D4BFD21}"/>
-              </a:ext>
-            </a:extLst>
-          </p:cNvPr>
-          <p:cNvSpPr/>
-          <p:nvPr/>
-        </p:nvSpPr>
-        <p:spPr>
-          <a:xfrm>
-            <a:off x="5173316" y="1863655"/>
-            <a:ext cx="846794" cy="264730"/>
-          </a:xfrm>
-          <a:prstGeom prst="rect">
-            <a:avLst/>
-          </a:prstGeom>
-          <a:noFill/>
-          <a:ln>
-            <a:noFill/>
-          </a:ln>
-        </p:spPr>
-        <p:style>
-          <a:lnRef idx="2">
-            <a:schemeClr val="accent1">
-              <a:shade val="50000"/>
-            </a:schemeClr>
-          </a:lnRef>
-          <a:fillRef idx="1">
-            <a:schemeClr val="accent1"/>
-          </a:fillRef>
-          <a:effectRef idx="0">
-            <a:schemeClr val="accent1"/>
-          </a:effectRef>
-          <a:fontRef idx="minor">
-            <a:schemeClr val="lt1"/>
-          </a:fontRef>
-        </p:style>
-        <p:txBody>
-          <a:bodyPr rtlCol="0" anchor="ctr"/>
-          <a:lstStyle/>
-          <a:p>
-            <a:pPr marL="0" marR="0" lvl="0" indent="0" algn="ctr" defTabSz="914400" eaLnBrk="1" fontAlgn="auto" latinLnBrk="0" hangingPunct="1">
-              <a:lnSpc>
-                <a:spcPct val="100000"/>
-              </a:lnSpc>
-              <a:spcBef>
-                <a:spcPts val="0"/>
-              </a:spcBef>
-              <a:spcAft>
-                <a:spcPts val="0"/>
-              </a:spcAft>
-              <a:buClrTx/>
-              <a:buSzTx/>
-              <a:buFontTx/>
-              <a:buNone/>
-              <a:tabLst/>
-              <a:defRPr/>
-            </a:pPr>
-            <a:r>
-              <a:rPr kumimoji="0" lang="de-DE" sz="1800" b="0" i="0" u="none" strike="noStrike" kern="0" cap="none" spc="0" normalizeH="0" baseline="0" noProof="0" dirty="0">
-                <a:ln>
-                  <a:noFill/>
-                </a:ln>
-                <a:solidFill>
-                  <a:sysClr val="windowText" lastClr="000000"/>
-                </a:solidFill>
-                <a:effectLst/>
-                <a:uLnTx/>
-                <a:uFillTx/>
-              </a:rPr>
-              <a:t>https</a:t>
-            </a:r>
-            <a:r>
-              <a:rPr lang="de-DE" kern="0" dirty="0">
-                <a:solidFill>
-                  <a:sysClr val="windowText" lastClr="000000"/>
-                </a:solidFill>
-              </a:rPr>
-              <a:t> 5000</a:t>
-            </a:r>
-            <a:endParaRPr kumimoji="0" lang="de-AT" sz="1800" b="0" i="0" u="none" strike="noStrike" kern="0" cap="none" spc="0" normalizeH="0" baseline="0" noProof="0" dirty="0">
-              <a:ln>
-                <a:noFill/>
-              </a:ln>
-              <a:solidFill>
-                <a:sysClr val="windowText" lastClr="000000"/>
-              </a:solidFill>
-              <a:effectLst/>
-              <a:uLnTx/>
-              <a:uFillTx/>
-            </a:endParaRPr>
-          </a:p>
-        </p:txBody>
-      </p:sp>
       <p:sp>
         <p:nvSpPr>
           <p:cNvPr id="55" name="TextBox 54">
@@ -7045,9 +6373,9 @@
           <p:nvPr/>
         </p:nvCxnSpPr>
         <p:spPr>
-          <a:xfrm rot="10800000" flipV="1">
-            <a:off x="3651240" y="2588024"/>
-            <a:ext cx="2582318" cy="922946"/>
+          <a:xfrm rot="10800000">
+            <a:off x="5561249" y="3095602"/>
+            <a:ext cx="703628" cy="12700"/>
           </a:xfrm>
           <a:prstGeom prst="bentConnector3">
             <a:avLst>
@@ -7094,7 +6422,7 @@
         </p:nvSpPr>
         <p:spPr>
           <a:xfrm>
-            <a:off x="5173316" y="2448989"/>
+            <a:off x="5533646" y="2953257"/>
             <a:ext cx="846794" cy="264730"/>
           </a:xfrm>
           <a:prstGeom prst="rect">
@@ -7178,134 +6506,6 @@
           </a:p>
         </p:txBody>
       </p:sp>
-      <p:sp>
-        <p:nvSpPr>
-          <p:cNvPr id="69" name="Rectangle 68">
-            <a:extLst>
-              <a:ext uri="{FF2B5EF4-FFF2-40B4-BE49-F238E27FC236}">
-                <a16:creationId xmlns:a16="http://schemas.microsoft.com/office/drawing/2014/main" id="{01C90CBE-B826-4171-8197-D77DBF58DBD6}"/>
-              </a:ext>
-            </a:extLst>
-          </p:cNvPr>
-          <p:cNvSpPr/>
-          <p:nvPr/>
-        </p:nvSpPr>
-        <p:spPr>
-          <a:xfrm>
-            <a:off x="5173316" y="3121036"/>
-            <a:ext cx="846794" cy="264730"/>
-          </a:xfrm>
-          <a:prstGeom prst="rect">
-            <a:avLst/>
-          </a:prstGeom>
-          <a:noFill/>
-          <a:ln>
-            <a:noFill/>
-          </a:ln>
-        </p:spPr>
-        <p:style>
-          <a:lnRef idx="2">
-            <a:schemeClr val="accent1">
-              <a:shade val="50000"/>
-            </a:schemeClr>
-          </a:lnRef>
-          <a:fillRef idx="1">
-            <a:schemeClr val="accent1"/>
-          </a:fillRef>
-          <a:effectRef idx="0">
-            <a:schemeClr val="accent1"/>
-          </a:effectRef>
-          <a:fontRef idx="minor">
-            <a:schemeClr val="lt1"/>
-          </a:fontRef>
-        </p:style>
-        <p:txBody>
-          <a:bodyPr rtlCol="0" anchor="ctr"/>
-          <a:lstStyle/>
-          <a:p>
-            <a:pPr marL="0" marR="0" lvl="0" indent="0" algn="ctr" defTabSz="914400" eaLnBrk="1" fontAlgn="auto" latinLnBrk="0" hangingPunct="1">
-              <a:lnSpc>
-                <a:spcPct val="100000"/>
-              </a:lnSpc>
-              <a:spcBef>
-                <a:spcPts val="0"/>
-              </a:spcBef>
-              <a:spcAft>
-                <a:spcPts val="0"/>
-              </a:spcAft>
-              <a:buClrTx/>
-              <a:buSzTx/>
-              <a:buFontTx/>
-              <a:buNone/>
-              <a:tabLst/>
-              <a:defRPr/>
-            </a:pPr>
-            <a:r>
-              <a:rPr kumimoji="0" lang="de-DE" sz="1800" b="0" i="0" u="none" strike="noStrike" kern="0" cap="none" spc="0" normalizeH="0" baseline="0" noProof="0" dirty="0">
-                <a:ln>
-                  <a:noFill/>
-                </a:ln>
-                <a:solidFill>
-                  <a:sysClr val="windowText" lastClr="000000"/>
-                </a:solidFill>
-                <a:effectLst/>
-                <a:uLnTx/>
-                <a:uFillTx/>
-              </a:rPr>
-              <a:t>https</a:t>
-            </a:r>
-            <a:endParaRPr lang="de-DE" kern="0" dirty="0">
-              <a:solidFill>
-                <a:sysClr val="windowText" lastClr="000000"/>
-              </a:solidFill>
-            </a:endParaRPr>
-          </a:p>
-          <a:p>
-            <a:pPr marL="0" marR="0" lvl="0" indent="0" algn="ctr" defTabSz="914400" eaLnBrk="1" fontAlgn="auto" latinLnBrk="0" hangingPunct="1">
-              <a:lnSpc>
-                <a:spcPct val="100000"/>
-              </a:lnSpc>
-              <a:spcBef>
-                <a:spcPts val="0"/>
-              </a:spcBef>
-              <a:spcAft>
-                <a:spcPts val="0"/>
-              </a:spcAft>
-              <a:buClrTx/>
-              <a:buSzTx/>
-              <a:buFontTx/>
-              <a:buNone/>
-              <a:tabLst/>
-              <a:defRPr/>
-            </a:pPr>
-            <a:r>
-              <a:rPr kumimoji="0" lang="de-DE" sz="1800" b="0" i="0" u="none" strike="noStrike" kern="0" cap="none" spc="0" normalizeH="0" baseline="0" noProof="0" dirty="0">
-                <a:ln>
-                  <a:noFill/>
-                </a:ln>
-                <a:solidFill>
-                  <a:sysClr val="windowText" lastClr="000000"/>
-                </a:solidFill>
-                <a:effectLst/>
-                <a:uLnTx/>
-                <a:uFillTx/>
-              </a:rPr>
-              <a:t>5000</a:t>
-            </a:r>
-            <a:endParaRPr kumimoji="0" lang="de-AT" sz="1800" b="0" i="0" u="none" strike="noStrike" kern="0" cap="none" spc="0" normalizeH="0" baseline="0" noProof="0" dirty="0">
-              <a:ln>
-                <a:noFill/>
-              </a:ln>
-              <a:solidFill>
-                <a:sysClr val="windowText" lastClr="000000"/>
-              </a:solidFill>
-              <a:effectLst/>
-              <a:uLnTx/>
-              <a:uFillTx/>
-            </a:endParaRPr>
-          </a:p>
-        </p:txBody>
-      </p:sp>
       <p:pic>
         <p:nvPicPr>
           <p:cNvPr id="3" name="Picture 2" descr="TightVNC Home">
@@ -7461,7 +6661,7 @@
         </p:nvSpPr>
         <p:spPr>
           <a:xfrm>
-            <a:off x="7940117" y="3471741"/>
+            <a:off x="7936585" y="3965355"/>
             <a:ext cx="4188489" cy="2862322"/>
           </a:xfrm>
           <a:prstGeom prst="rect">
@@ -7840,7 +7040,7 @@
         </p:blipFill>
         <p:spPr bwMode="auto">
           <a:xfrm>
-            <a:off x="2906407" y="1288549"/>
+            <a:off x="4942519" y="2856140"/>
             <a:ext cx="199995" cy="199995"/>
           </a:xfrm>
           <a:prstGeom prst="rect">
@@ -7858,100 +7058,6 @@
           </a:extLst>
         </p:spPr>
       </p:pic>
-      <p:pic>
-        <p:nvPicPr>
-          <p:cNvPr id="72" name="Picture 4" descr="nssm.cc">
-            <a:extLst>
-              <a:ext uri="{FF2B5EF4-FFF2-40B4-BE49-F238E27FC236}">
-                <a16:creationId xmlns:a16="http://schemas.microsoft.com/office/drawing/2014/main" id="{14FFC8E9-BD27-4957-BE6C-B14ECA5A7DD3}"/>
-              </a:ext>
-            </a:extLst>
-          </p:cNvPr>
-          <p:cNvPicPr>
-            <a:picLocks noChangeAspect="1" noChangeArrowheads="1"/>
-          </p:cNvPicPr>
-          <p:nvPr/>
-        </p:nvPicPr>
-        <p:blipFill>
-          <a:blip r:embed="rId10">
-            <a:extLst>
-              <a:ext uri="{28A0092B-C50C-407E-A947-70E740481C1C}">
-                <a14:useLocalDpi xmlns:a14="http://schemas.microsoft.com/office/drawing/2010/main" val="0"/>
-              </a:ext>
-            </a:extLst>
-          </a:blip>
-          <a:srcRect/>
-          <a:stretch>
-            <a:fillRect/>
-          </a:stretch>
-        </p:blipFill>
-        <p:spPr bwMode="auto">
-          <a:xfrm>
-            <a:off x="2908755" y="3373151"/>
-            <a:ext cx="199995" cy="199995"/>
-          </a:xfrm>
-          <a:prstGeom prst="rect">
-            <a:avLst/>
-          </a:prstGeom>
-          <a:noFill/>
-          <a:extLst>
-            <a:ext uri="{909E8E84-426E-40DD-AFC4-6F175D3DCCD1}">
-              <a14:hiddenFill xmlns:a14="http://schemas.microsoft.com/office/drawing/2010/main">
-                <a:solidFill>
-                  <a:srgbClr val="FFFFFF"/>
-                </a:solidFill>
-              </a14:hiddenFill>
-            </a:ext>
-          </a:extLst>
-        </p:spPr>
-      </p:pic>
-      <p:pic>
-        <p:nvPicPr>
-          <p:cNvPr id="73" name="Picture 4" descr="nssm.cc">
-            <a:extLst>
-              <a:ext uri="{FF2B5EF4-FFF2-40B4-BE49-F238E27FC236}">
-                <a16:creationId xmlns:a16="http://schemas.microsoft.com/office/drawing/2014/main" id="{394F141C-867E-4536-A168-8A49B8DA3D19}"/>
-              </a:ext>
-            </a:extLst>
-          </p:cNvPr>
-          <p:cNvPicPr>
-            <a:picLocks noChangeAspect="1" noChangeArrowheads="1"/>
-          </p:cNvPicPr>
-          <p:nvPr/>
-        </p:nvPicPr>
-        <p:blipFill>
-          <a:blip r:embed="rId10">
-            <a:extLst>
-              <a:ext uri="{28A0092B-C50C-407E-A947-70E740481C1C}">
-                <a14:useLocalDpi xmlns:a14="http://schemas.microsoft.com/office/drawing/2010/main" val="0"/>
-              </a:ext>
-            </a:extLst>
-          </a:blip>
-          <a:srcRect/>
-          <a:stretch>
-            <a:fillRect/>
-          </a:stretch>
-        </p:blipFill>
-        <p:spPr bwMode="auto">
-          <a:xfrm>
-            <a:off x="2906407" y="5413790"/>
-            <a:ext cx="199995" cy="199995"/>
-          </a:xfrm>
-          <a:prstGeom prst="rect">
-            <a:avLst/>
-          </a:prstGeom>
-          <a:noFill/>
-          <a:extLst>
-            <a:ext uri="{909E8E84-426E-40DD-AFC4-6F175D3DCCD1}">
-              <a14:hiddenFill xmlns:a14="http://schemas.microsoft.com/office/drawing/2010/main">
-                <a:solidFill>
-                  <a:srgbClr val="FFFFFF"/>
-                </a:solidFill>
-              </a14:hiddenFill>
-            </a:ext>
-          </a:extLst>
-        </p:spPr>
-      </p:pic>
       <p:sp>
         <p:nvSpPr>
           <p:cNvPr id="74" name="Rectangle 73">
@@ -7966,8 +7072,8 @@
         </p:nvSpPr>
         <p:spPr>
           <a:xfrm>
-            <a:off x="6264877" y="1783318"/>
-            <a:ext cx="1102247" cy="1661614"/>
+            <a:off x="6264877" y="1783317"/>
+            <a:ext cx="1102247" cy="1786261"/>
           </a:xfrm>
           <a:prstGeom prst="rect">
             <a:avLst/>
@@ -8070,7 +7176,7 @@
         </p:nvSpPr>
         <p:spPr>
           <a:xfrm>
-            <a:off x="4629997" y="5772780"/>
+            <a:off x="4365305" y="204640"/>
             <a:ext cx="3183477" cy="646331"/>
           </a:xfrm>
           <a:prstGeom prst="rect">
@@ -8142,56 +7248,6 @@
           </a:p>
         </p:txBody>
       </p:sp>
-      <p:cxnSp>
-        <p:nvCxnSpPr>
-          <p:cNvPr id="76" name="Straight Connector 62">
-            <a:extLst>
-              <a:ext uri="{FF2B5EF4-FFF2-40B4-BE49-F238E27FC236}">
-                <a16:creationId xmlns:a16="http://schemas.microsoft.com/office/drawing/2014/main" id="{A0213093-E486-46C8-B9C3-85D9C4C49C5F}"/>
-              </a:ext>
-            </a:extLst>
-          </p:cNvPr>
-          <p:cNvCxnSpPr>
-            <a:cxnSpLocks/>
-          </p:cNvCxnSpPr>
-          <p:nvPr/>
-        </p:nvCxnSpPr>
-        <p:spPr>
-          <a:xfrm rot="10800000" flipV="1">
-            <a:off x="3665360" y="3262704"/>
-            <a:ext cx="2483772" cy="2170019"/>
-          </a:xfrm>
-          <a:prstGeom prst="bentConnector3">
-            <a:avLst>
-              <a:gd name="adj1" fmla="val 39701"/>
-            </a:avLst>
-          </a:prstGeom>
-          <a:ln>
-            <a:solidFill>
-              <a:schemeClr val="tx1">
-                <a:lumMod val="50000"/>
-                <a:lumOff val="50000"/>
-              </a:schemeClr>
-            </a:solidFill>
-            <a:headEnd type="none" w="med" len="med"/>
-            <a:tailEnd type="triangle" w="med" len="med"/>
-          </a:ln>
-        </p:spPr>
-        <p:style>
-          <a:lnRef idx="2">
-            <a:schemeClr val="accent1"/>
-          </a:lnRef>
-          <a:fillRef idx="0">
-            <a:schemeClr val="accent1"/>
-          </a:fillRef>
-          <a:effectRef idx="1">
-            <a:schemeClr val="accent1"/>
-          </a:effectRef>
-          <a:fontRef idx="minor">
-            <a:schemeClr val="tx1"/>
-          </a:fontRef>
-        </p:style>
-      </p:cxnSp>
       <p:pic>
         <p:nvPicPr>
           <p:cNvPr id="77" name="Picture 14" descr="http://assets.ruxitlabs.com/icons/png/green/Icons_file_001_Browser.png">
@@ -8230,7 +7286,7 @@
           <a:noFill/>
           <a:extLst>
             <a:ext uri="{909E8E84-426E-40dd-AFC4-6F175D3DCCD1}">
-              <a14:hiddenFill xmlns:a14="http://schemas.microsoft.com/office/drawing/2010/main" xmlns="">
+              <a14:hiddenFill xmlns="" xmlns:a14="http://schemas.microsoft.com/office/drawing/2010/main">
                 <a:solidFill>
                   <a:srgbClr val="FFFFFF"/>
                 </a:solidFill>
@@ -8454,6 +7510,566 @@
           </a:p>
         </p:txBody>
       </p:sp>
+      <p:sp>
+        <p:nvSpPr>
+          <p:cNvPr id="66" name="Rectangle 65">
+            <a:extLst>
+              <a:ext uri="{FF2B5EF4-FFF2-40B4-BE49-F238E27FC236}">
+                <a16:creationId xmlns:a16="http://schemas.microsoft.com/office/drawing/2014/main" id="{AF1A70F5-EAE1-4559-B21E-1BC6CAE76B06}"/>
+              </a:ext>
+            </a:extLst>
+          </p:cNvPr>
+          <p:cNvSpPr/>
+          <p:nvPr/>
+        </p:nvSpPr>
+        <p:spPr>
+          <a:xfrm>
+            <a:off x="1358711" y="215725"/>
+            <a:ext cx="1037463" cy="2045188"/>
+          </a:xfrm>
+          <a:prstGeom prst="rect">
+            <a:avLst/>
+          </a:prstGeom>
+          <a:noFill/>
+          <a:ln>
+            <a:solidFill>
+              <a:schemeClr val="accent2"/>
+            </a:solidFill>
+          </a:ln>
+        </p:spPr>
+        <p:style>
+          <a:lnRef idx="2">
+            <a:schemeClr val="accent1">
+              <a:shade val="50000"/>
+            </a:schemeClr>
+          </a:lnRef>
+          <a:fillRef idx="1">
+            <a:schemeClr val="accent1"/>
+          </a:fillRef>
+          <a:effectRef idx="0">
+            <a:schemeClr val="accent1"/>
+          </a:effectRef>
+          <a:fontRef idx="minor">
+            <a:schemeClr val="lt1"/>
+          </a:fontRef>
+        </p:style>
+        <p:txBody>
+          <a:bodyPr rtlCol="0" anchor="ctr"/>
+          <a:lstStyle/>
+          <a:p>
+            <a:pPr algn="ctr"/>
+            <a:endParaRPr lang="en-US"/>
+          </a:p>
+        </p:txBody>
+      </p:sp>
+      <p:sp>
+        <p:nvSpPr>
+          <p:cNvPr id="81" name="Rectangle 80">
+            <a:extLst>
+              <a:ext uri="{FF2B5EF4-FFF2-40B4-BE49-F238E27FC236}">
+                <a16:creationId xmlns:a16="http://schemas.microsoft.com/office/drawing/2014/main" id="{0B601F50-8DD3-4C5D-9C9B-6D8F8BC4FF25}"/>
+              </a:ext>
+            </a:extLst>
+          </p:cNvPr>
+          <p:cNvSpPr/>
+          <p:nvPr/>
+        </p:nvSpPr>
+        <p:spPr>
+          <a:xfrm>
+            <a:off x="1358711" y="2296779"/>
+            <a:ext cx="1037463" cy="2045188"/>
+          </a:xfrm>
+          <a:prstGeom prst="rect">
+            <a:avLst/>
+          </a:prstGeom>
+          <a:noFill/>
+          <a:ln>
+            <a:solidFill>
+              <a:schemeClr val="accent2"/>
+            </a:solidFill>
+          </a:ln>
+        </p:spPr>
+        <p:style>
+          <a:lnRef idx="2">
+            <a:schemeClr val="accent1">
+              <a:shade val="50000"/>
+            </a:schemeClr>
+          </a:lnRef>
+          <a:fillRef idx="1">
+            <a:schemeClr val="accent1"/>
+          </a:fillRef>
+          <a:effectRef idx="0">
+            <a:schemeClr val="accent1"/>
+          </a:effectRef>
+          <a:fontRef idx="minor">
+            <a:schemeClr val="lt1"/>
+          </a:fontRef>
+        </p:style>
+        <p:txBody>
+          <a:bodyPr rtlCol="0" anchor="ctr"/>
+          <a:lstStyle/>
+          <a:p>
+            <a:pPr algn="ctr"/>
+            <a:endParaRPr lang="en-US"/>
+          </a:p>
+        </p:txBody>
+      </p:sp>
+      <p:sp>
+        <p:nvSpPr>
+          <p:cNvPr id="82" name="Rectangle 81">
+            <a:extLst>
+              <a:ext uri="{FF2B5EF4-FFF2-40B4-BE49-F238E27FC236}">
+                <a16:creationId xmlns:a16="http://schemas.microsoft.com/office/drawing/2014/main" id="{D3D3C921-BE16-4961-95DC-5CAAC58B261D}"/>
+              </a:ext>
+            </a:extLst>
+          </p:cNvPr>
+          <p:cNvSpPr/>
+          <p:nvPr/>
+        </p:nvSpPr>
+        <p:spPr>
+          <a:xfrm>
+            <a:off x="1358711" y="4373922"/>
+            <a:ext cx="1037463" cy="2045188"/>
+          </a:xfrm>
+          <a:prstGeom prst="rect">
+            <a:avLst/>
+          </a:prstGeom>
+          <a:noFill/>
+          <a:ln>
+            <a:solidFill>
+              <a:schemeClr val="accent2"/>
+            </a:solidFill>
+          </a:ln>
+        </p:spPr>
+        <p:style>
+          <a:lnRef idx="2">
+            <a:schemeClr val="accent1">
+              <a:shade val="50000"/>
+            </a:schemeClr>
+          </a:lnRef>
+          <a:fillRef idx="1">
+            <a:schemeClr val="accent1"/>
+          </a:fillRef>
+          <a:effectRef idx="0">
+            <a:schemeClr val="accent1"/>
+          </a:effectRef>
+          <a:fontRef idx="minor">
+            <a:schemeClr val="lt1"/>
+          </a:fontRef>
+        </p:style>
+        <p:txBody>
+          <a:bodyPr rtlCol="0" anchor="ctr"/>
+          <a:lstStyle/>
+          <a:p>
+            <a:pPr algn="ctr"/>
+            <a:endParaRPr lang="en-US"/>
+          </a:p>
+        </p:txBody>
+      </p:sp>
+      <p:cxnSp>
+        <p:nvCxnSpPr>
+          <p:cNvPr id="83" name="Straight Connector 62">
+            <a:extLst>
+              <a:ext uri="{FF2B5EF4-FFF2-40B4-BE49-F238E27FC236}">
+                <a16:creationId xmlns:a16="http://schemas.microsoft.com/office/drawing/2014/main" id="{C8D4A2C9-86AC-4D7F-B827-64C25A9F72C5}"/>
+              </a:ext>
+            </a:extLst>
+          </p:cNvPr>
+          <p:cNvCxnSpPr>
+            <a:cxnSpLocks/>
+          </p:cNvCxnSpPr>
+          <p:nvPr/>
+        </p:nvCxnSpPr>
+        <p:spPr>
+          <a:xfrm rot="10800000">
+            <a:off x="2519218" y="1714562"/>
+            <a:ext cx="1992549" cy="349148"/>
+          </a:xfrm>
+          <a:prstGeom prst="bentConnector3">
+            <a:avLst>
+              <a:gd name="adj1" fmla="val 50000"/>
+            </a:avLst>
+          </a:prstGeom>
+          <a:ln>
+            <a:solidFill>
+              <a:schemeClr val="tx1">
+                <a:lumMod val="50000"/>
+                <a:lumOff val="50000"/>
+              </a:schemeClr>
+            </a:solidFill>
+            <a:headEnd type="none" w="med" len="med"/>
+            <a:tailEnd type="triangle" w="med" len="med"/>
+          </a:ln>
+        </p:spPr>
+        <p:style>
+          <a:lnRef idx="2">
+            <a:schemeClr val="accent1"/>
+          </a:lnRef>
+          <a:fillRef idx="0">
+            <a:schemeClr val="accent1"/>
+          </a:fillRef>
+          <a:effectRef idx="1">
+            <a:schemeClr val="accent1"/>
+          </a:effectRef>
+          <a:fontRef idx="minor">
+            <a:schemeClr val="tx1"/>
+          </a:fontRef>
+        </p:style>
+      </p:cxnSp>
+      <p:sp>
+        <p:nvSpPr>
+          <p:cNvPr id="84" name="Rectangle 83">
+            <a:extLst>
+              <a:ext uri="{FF2B5EF4-FFF2-40B4-BE49-F238E27FC236}">
+                <a16:creationId xmlns:a16="http://schemas.microsoft.com/office/drawing/2014/main" id="{DC909156-F851-4E0F-B9BD-58E70EB179A0}"/>
+              </a:ext>
+            </a:extLst>
+          </p:cNvPr>
+          <p:cNvSpPr/>
+          <p:nvPr/>
+        </p:nvSpPr>
+        <p:spPr>
+          <a:xfrm>
+            <a:off x="2552707" y="1499429"/>
+            <a:ext cx="846794" cy="415742"/>
+          </a:xfrm>
+          <a:prstGeom prst="rect">
+            <a:avLst/>
+          </a:prstGeom>
+          <a:noFill/>
+          <a:ln>
+            <a:noFill/>
+          </a:ln>
+        </p:spPr>
+        <p:style>
+          <a:lnRef idx="2">
+            <a:schemeClr val="accent1">
+              <a:shade val="50000"/>
+            </a:schemeClr>
+          </a:lnRef>
+          <a:fillRef idx="1">
+            <a:schemeClr val="accent1"/>
+          </a:fillRef>
+          <a:effectRef idx="0">
+            <a:schemeClr val="accent1"/>
+          </a:effectRef>
+          <a:fontRef idx="minor">
+            <a:schemeClr val="lt1"/>
+          </a:fontRef>
+        </p:style>
+        <p:txBody>
+          <a:bodyPr rtlCol="0" anchor="ctr"/>
+          <a:lstStyle/>
+          <a:p>
+            <a:pPr marL="0" marR="0" lvl="0" indent="0" algn="ctr" defTabSz="914400" eaLnBrk="1" fontAlgn="auto" latinLnBrk="0" hangingPunct="1">
+              <a:lnSpc>
+                <a:spcPct val="100000"/>
+              </a:lnSpc>
+              <a:spcBef>
+                <a:spcPts val="0"/>
+              </a:spcBef>
+              <a:spcAft>
+                <a:spcPts val="0"/>
+              </a:spcAft>
+              <a:buClrTx/>
+              <a:buSzTx/>
+              <a:buFontTx/>
+              <a:buNone/>
+              <a:tabLst/>
+              <a:defRPr/>
+            </a:pPr>
+            <a:r>
+              <a:rPr lang="de-DE" kern="0" dirty="0">
+                <a:solidFill>
+                  <a:sysClr val="windowText" lastClr="000000"/>
+                </a:solidFill>
+              </a:rPr>
+              <a:t>tcp 5900</a:t>
+            </a:r>
+            <a:endParaRPr kumimoji="0" lang="de-AT" sz="1800" b="0" i="0" u="none" strike="noStrike" kern="0" cap="none" spc="0" normalizeH="0" baseline="0" noProof="0" dirty="0">
+              <a:ln>
+                <a:noFill/>
+              </a:ln>
+              <a:solidFill>
+                <a:sysClr val="windowText" lastClr="000000"/>
+              </a:solidFill>
+              <a:effectLst/>
+              <a:uLnTx/>
+              <a:uFillTx/>
+            </a:endParaRPr>
+          </a:p>
+        </p:txBody>
+      </p:sp>
+      <p:cxnSp>
+        <p:nvCxnSpPr>
+          <p:cNvPr id="85" name="Straight Connector 62">
+            <a:extLst>
+              <a:ext uri="{FF2B5EF4-FFF2-40B4-BE49-F238E27FC236}">
+                <a16:creationId xmlns:a16="http://schemas.microsoft.com/office/drawing/2014/main" id="{D66EE2ED-60DD-4084-8FCF-B82475908915}"/>
+              </a:ext>
+            </a:extLst>
+          </p:cNvPr>
+          <p:cNvCxnSpPr>
+            <a:cxnSpLocks/>
+          </p:cNvCxnSpPr>
+          <p:nvPr/>
+        </p:nvCxnSpPr>
+        <p:spPr>
+          <a:xfrm rot="10800000" flipV="1">
+            <a:off x="2494519" y="2364590"/>
+            <a:ext cx="2010613" cy="1490716"/>
+          </a:xfrm>
+          <a:prstGeom prst="bentConnector3">
+            <a:avLst>
+              <a:gd name="adj1" fmla="val 50000"/>
+            </a:avLst>
+          </a:prstGeom>
+          <a:ln>
+            <a:solidFill>
+              <a:schemeClr val="tx1">
+                <a:lumMod val="50000"/>
+                <a:lumOff val="50000"/>
+              </a:schemeClr>
+            </a:solidFill>
+            <a:headEnd type="none" w="med" len="med"/>
+            <a:tailEnd type="triangle" w="med" len="med"/>
+          </a:ln>
+        </p:spPr>
+        <p:style>
+          <a:lnRef idx="2">
+            <a:schemeClr val="accent1"/>
+          </a:lnRef>
+          <a:fillRef idx="0">
+            <a:schemeClr val="accent1"/>
+          </a:fillRef>
+          <a:effectRef idx="1">
+            <a:schemeClr val="accent1"/>
+          </a:effectRef>
+          <a:fontRef idx="minor">
+            <a:schemeClr val="tx1"/>
+          </a:fontRef>
+        </p:style>
+      </p:cxnSp>
+      <p:sp>
+        <p:nvSpPr>
+          <p:cNvPr id="86" name="Rectangle 85">
+            <a:extLst>
+              <a:ext uri="{FF2B5EF4-FFF2-40B4-BE49-F238E27FC236}">
+                <a16:creationId xmlns:a16="http://schemas.microsoft.com/office/drawing/2014/main" id="{B30D04A3-A996-47FE-B389-800CBCE69600}"/>
+              </a:ext>
+            </a:extLst>
+          </p:cNvPr>
+          <p:cNvSpPr/>
+          <p:nvPr/>
+        </p:nvSpPr>
+        <p:spPr>
+          <a:xfrm>
+            <a:off x="2534386" y="3635548"/>
+            <a:ext cx="846794" cy="415742"/>
+          </a:xfrm>
+          <a:prstGeom prst="rect">
+            <a:avLst/>
+          </a:prstGeom>
+          <a:noFill/>
+          <a:ln>
+            <a:noFill/>
+          </a:ln>
+        </p:spPr>
+        <p:style>
+          <a:lnRef idx="2">
+            <a:schemeClr val="accent1">
+              <a:shade val="50000"/>
+            </a:schemeClr>
+          </a:lnRef>
+          <a:fillRef idx="1">
+            <a:schemeClr val="accent1"/>
+          </a:fillRef>
+          <a:effectRef idx="0">
+            <a:schemeClr val="accent1"/>
+          </a:effectRef>
+          <a:fontRef idx="minor">
+            <a:schemeClr val="lt1"/>
+          </a:fontRef>
+        </p:style>
+        <p:txBody>
+          <a:bodyPr rtlCol="0" anchor="ctr"/>
+          <a:lstStyle/>
+          <a:p>
+            <a:pPr marL="0" marR="0" lvl="0" indent="0" algn="ctr" defTabSz="914400" eaLnBrk="1" fontAlgn="auto" latinLnBrk="0" hangingPunct="1">
+              <a:lnSpc>
+                <a:spcPct val="100000"/>
+              </a:lnSpc>
+              <a:spcBef>
+                <a:spcPts val="0"/>
+              </a:spcBef>
+              <a:spcAft>
+                <a:spcPts val="0"/>
+              </a:spcAft>
+              <a:buClrTx/>
+              <a:buSzTx/>
+              <a:buFontTx/>
+              <a:buNone/>
+              <a:tabLst/>
+              <a:defRPr/>
+            </a:pPr>
+            <a:r>
+              <a:rPr lang="de-DE" kern="0" dirty="0">
+                <a:solidFill>
+                  <a:sysClr val="windowText" lastClr="000000"/>
+                </a:solidFill>
+              </a:rPr>
+              <a:t>tcp 5900</a:t>
+            </a:r>
+            <a:endParaRPr kumimoji="0" lang="de-AT" sz="1800" b="0" i="0" u="none" strike="noStrike" kern="0" cap="none" spc="0" normalizeH="0" baseline="0" noProof="0" dirty="0">
+              <a:ln>
+                <a:noFill/>
+              </a:ln>
+              <a:solidFill>
+                <a:sysClr val="windowText" lastClr="000000"/>
+              </a:solidFill>
+              <a:effectLst/>
+              <a:uLnTx/>
+              <a:uFillTx/>
+            </a:endParaRPr>
+          </a:p>
+        </p:txBody>
+      </p:sp>
+      <p:cxnSp>
+        <p:nvCxnSpPr>
+          <p:cNvPr id="87" name="Straight Connector 62">
+            <a:extLst>
+              <a:ext uri="{FF2B5EF4-FFF2-40B4-BE49-F238E27FC236}">
+                <a16:creationId xmlns:a16="http://schemas.microsoft.com/office/drawing/2014/main" id="{A523AE11-FCCE-47F0-88E0-D37CFE8F8580}"/>
+              </a:ext>
+            </a:extLst>
+          </p:cNvPr>
+          <p:cNvCxnSpPr>
+            <a:cxnSpLocks/>
+            <a:stCxn id="23" idx="1"/>
+            <a:endCxn id="88" idx="1"/>
+          </p:cNvCxnSpPr>
+          <p:nvPr/>
+        </p:nvCxnSpPr>
+        <p:spPr>
+          <a:xfrm rot="10800000" flipV="1">
+            <a:off x="2433642" y="2676448"/>
+            <a:ext cx="2090144" cy="3096331"/>
+          </a:xfrm>
+          <a:prstGeom prst="bentConnector3">
+            <a:avLst>
+              <a:gd name="adj1" fmla="val 36902"/>
+            </a:avLst>
+          </a:prstGeom>
+          <a:ln>
+            <a:solidFill>
+              <a:schemeClr val="tx1">
+                <a:lumMod val="50000"/>
+                <a:lumOff val="50000"/>
+              </a:schemeClr>
+            </a:solidFill>
+            <a:headEnd type="none" w="med" len="med"/>
+            <a:tailEnd type="triangle" w="med" len="med"/>
+          </a:ln>
+        </p:spPr>
+        <p:style>
+          <a:lnRef idx="2">
+            <a:schemeClr val="accent1"/>
+          </a:lnRef>
+          <a:fillRef idx="0">
+            <a:schemeClr val="accent1"/>
+          </a:fillRef>
+          <a:effectRef idx="1">
+            <a:schemeClr val="accent1"/>
+          </a:effectRef>
+          <a:fontRef idx="minor">
+            <a:schemeClr val="tx1"/>
+          </a:fontRef>
+        </p:style>
+      </p:cxnSp>
+      <p:sp>
+        <p:nvSpPr>
+          <p:cNvPr id="88" name="Rectangle 87">
+            <a:extLst>
+              <a:ext uri="{FF2B5EF4-FFF2-40B4-BE49-F238E27FC236}">
+                <a16:creationId xmlns:a16="http://schemas.microsoft.com/office/drawing/2014/main" id="{E4A467E9-2DE1-46C7-84CD-192C380204F0}"/>
+              </a:ext>
+            </a:extLst>
+          </p:cNvPr>
+          <p:cNvSpPr/>
+          <p:nvPr/>
+        </p:nvSpPr>
+        <p:spPr>
+          <a:xfrm>
+            <a:off x="2433642" y="5564909"/>
+            <a:ext cx="846794" cy="415742"/>
+          </a:xfrm>
+          <a:prstGeom prst="rect">
+            <a:avLst/>
+          </a:prstGeom>
+          <a:noFill/>
+          <a:ln>
+            <a:noFill/>
+          </a:ln>
+        </p:spPr>
+        <p:style>
+          <a:lnRef idx="2">
+            <a:schemeClr val="accent1">
+              <a:shade val="50000"/>
+            </a:schemeClr>
+          </a:lnRef>
+          <a:fillRef idx="1">
+            <a:schemeClr val="accent1"/>
+          </a:fillRef>
+          <a:effectRef idx="0">
+            <a:schemeClr val="accent1"/>
+          </a:effectRef>
+          <a:fontRef idx="minor">
+            <a:schemeClr val="lt1"/>
+          </a:fontRef>
+        </p:style>
+        <p:txBody>
+          <a:bodyPr rtlCol="0" anchor="ctr"/>
+          <a:lstStyle/>
+          <a:p>
+            <a:pPr marL="0" marR="0" lvl="0" indent="0" algn="ctr" defTabSz="914400" eaLnBrk="1" fontAlgn="auto" latinLnBrk="0" hangingPunct="1">
+              <a:lnSpc>
+                <a:spcPct val="100000"/>
+              </a:lnSpc>
+              <a:spcBef>
+                <a:spcPts val="0"/>
+              </a:spcBef>
+              <a:spcAft>
+                <a:spcPts val="0"/>
+              </a:spcAft>
+              <a:buClrTx/>
+              <a:buSzTx/>
+              <a:buFontTx/>
+              <a:buNone/>
+              <a:tabLst/>
+              <a:defRPr/>
+            </a:pPr>
+            <a:r>
+              <a:rPr lang="de-DE" kern="0" dirty="0">
+                <a:solidFill>
+                  <a:sysClr val="windowText" lastClr="000000"/>
+                </a:solidFill>
+              </a:rPr>
+              <a:t>tcp 5900</a:t>
+            </a:r>
+            <a:endParaRPr kumimoji="0" lang="de-AT" sz="1800" b="0" i="0" u="none" strike="noStrike" kern="0" cap="none" spc="0" normalizeH="0" baseline="0" noProof="0" dirty="0">
+              <a:ln>
+                <a:noFill/>
+              </a:ln>
+              <a:solidFill>
+                <a:sysClr val="windowText" lastClr="000000"/>
+              </a:solidFill>
+              <a:effectLst/>
+              <a:uLnTx/>
+              <a:uFillTx/>
+            </a:endParaRPr>
+          </a:p>
+        </p:txBody>
+      </p:sp>
     </p:spTree>
     <p:extLst>
       <p:ext uri="{BB962C8B-B14F-4D97-AF65-F5344CB8AC3E}">
@@ -10681,24 +10297,24 @@
               <a:t>    </a:t>
             </a:r>
             <a:r>
+              <a:rPr lang="en-US" sz="2400" b="0" dirty="0" err="1">
+                <a:solidFill>
+                  <a:srgbClr val="DCDCAA"/>
+                </a:solidFill>
+                <a:effectLst/>
+                <a:latin typeface="Consolas" panose="020B0609020204030204" pitchFamily="49" charset="0"/>
+              </a:rPr>
+              <a:t>open_session</a:t>
+            </a:r>
+            <a:r>
               <a:rPr lang="en-US" sz="2400" b="0" dirty="0">
                 <a:solidFill>
-                  <a:srgbClr val="C586C0"/>
-                </a:solidFill>
-                <a:effectLst/>
-                <a:latin typeface="Consolas" panose="020B0609020204030204" pitchFamily="49" charset="0"/>
-              </a:rPr>
-              <a:t>try</a:t>
-            </a:r>
-            <a:r>
-              <a:rPr lang="en-US" sz="2400" b="0" dirty="0">
-                <a:solidFill>
                   <a:srgbClr val="D4D4D4"/>
                 </a:solidFill>
                 <a:effectLst/>
                 <a:latin typeface="Consolas" panose="020B0609020204030204" pitchFamily="49" charset="0"/>
               </a:rPr>
-              <a:t>:        </a:t>
+              <a:t>()</a:t>
             </a:r>
           </a:p>
           <a:p>
@@ -10708,12 +10324,56 @@
             <a:r>
               <a:rPr lang="en-US" sz="2400" b="0" dirty="0">
                 <a:solidFill>
+                  <a:srgbClr val="D4D4D4"/>
+                </a:solidFill>
+                <a:effectLst/>
+                <a:latin typeface="Consolas" panose="020B0609020204030204" pitchFamily="49" charset="0"/>
+              </a:rPr>
+              <a:t>    </a:t>
+            </a:r>
+            <a:r>
+              <a:rPr lang="en-US" sz="2400" b="0" dirty="0">
+                <a:solidFill>
+                  <a:srgbClr val="C586C0"/>
+                </a:solidFill>
+                <a:effectLst/>
+                <a:latin typeface="Consolas" panose="020B0609020204030204" pitchFamily="49" charset="0"/>
+              </a:rPr>
+              <a:t>try</a:t>
+            </a:r>
+            <a:r>
+              <a:rPr lang="en-US" sz="2400" b="0" dirty="0">
+                <a:solidFill>
+                  <a:srgbClr val="D4D4D4"/>
+                </a:solidFill>
+                <a:effectLst/>
+                <a:latin typeface="Consolas" panose="020B0609020204030204" pitchFamily="49" charset="0"/>
+              </a:rPr>
+              <a:t>:        </a:t>
+            </a:r>
+          </a:p>
+          <a:p>
+            <a:pPr marL="0" indent="0">
+              <a:buNone/>
+            </a:pPr>
+            <a:r>
+              <a:rPr lang="en-US" sz="2400" dirty="0">
+                <a:solidFill>
+                  <a:srgbClr val="D4D4D4"/>
+                </a:solidFill>
+                <a:latin typeface="Consolas" panose="020B0609020204030204" pitchFamily="49" charset="0"/>
+              </a:rPr>
+              <a:t>       </a:t>
+            </a:r>
+            <a:r>
+              <a:rPr lang="en-US" sz="2400" b="0" dirty="0">
+                <a:solidFill>
                   <a:srgbClr val="6A9955"/>
                 </a:solidFill>
                 <a:effectLst/>
                 <a:latin typeface="Consolas" panose="020B0609020204030204" pitchFamily="49" charset="0"/>
               </a:rPr>
-              <a:t>           # your scenario steps</a:t>
+              <a:t># your scenario steps</a:t>
             </a:r>
             <a:endParaRPr lang="en-US" sz="2400" b="0" dirty="0">
               <a:solidFill>
@@ -10735,17 +10395,17 @@
                 <a:effectLst/>
                 <a:latin typeface="Consolas" panose="020B0609020204030204" pitchFamily="49" charset="0"/>
               </a:rPr>
-              <a:t>           </a:t>
+              <a:t>       </a:t>
             </a:r>
             <a:r>
               <a:rPr lang="en-US" sz="2400" b="0" dirty="0" err="1">
                 <a:solidFill>
-                  <a:srgbClr val="DCDCAA"/>
-                </a:solidFill>
-                <a:effectLst/>
-                <a:latin typeface="Consolas" panose="020B0609020204030204" pitchFamily="49" charset="0"/>
-              </a:rPr>
-              <a:t>open_session</a:t>
+                  <a:srgbClr val="D4D4D4"/>
+                </a:solidFill>
+                <a:effectLst/>
+                <a:latin typeface="Consolas" panose="020B0609020204030204" pitchFamily="49" charset="0"/>
+              </a:rPr>
+              <a:t>my_nth_step</a:t>
             </a:r>
             <a:r>
               <a:rPr lang="en-US" sz="2400" b="0" dirty="0">
@@ -10755,7 +10415,27 @@
                 <a:effectLst/>
                 <a:latin typeface="Consolas" panose="020B0609020204030204" pitchFamily="49" charset="0"/>
               </a:rPr>
-              <a:t>()</a:t>
+              <a:t>(</a:t>
+            </a:r>
+            <a:r>
+              <a:rPr lang="en-US" sz="2400" b="0" dirty="0">
+                <a:solidFill>
+                  <a:srgbClr val="CE9178"/>
+                </a:solidFill>
+                <a:effectLst/>
+                <a:latin typeface="Consolas" panose="020B0609020204030204" pitchFamily="49" charset="0"/>
+              </a:rPr>
+              <a:t>"some value"</a:t>
+            </a:r>
+            <a:r>
+              <a:rPr lang="en-US" sz="2400" b="0" dirty="0">
+                <a:solidFill>
+                  <a:srgbClr val="D4D4D4"/>
+                </a:solidFill>
+                <a:effectLst/>
+                <a:latin typeface="Consolas" panose="020B0609020204030204" pitchFamily="49" charset="0"/>
+              </a:rPr>
+              <a:t>)</a:t>
             </a:r>
           </a:p>
           <a:p>
@@ -10770,47 +10450,27 @@
                 <a:effectLst/>
                 <a:latin typeface="Consolas" panose="020B0609020204030204" pitchFamily="49" charset="0"/>
               </a:rPr>
-              <a:t>           </a:t>
-            </a:r>
-            <a:r>
-              <a:rPr lang="en-US" sz="2400" b="0" dirty="0" err="1">
+              <a:t>    </a:t>
+            </a:r>
+            <a:r>
+              <a:rPr lang="en-US" sz="2400" b="0" dirty="0">
+                <a:solidFill>
+                  <a:srgbClr val="C586C0"/>
+                </a:solidFill>
+                <a:effectLst/>
+                <a:latin typeface="Consolas" panose="020B0609020204030204" pitchFamily="49" charset="0"/>
+              </a:rPr>
+              <a:t>finally</a:t>
+            </a:r>
+            <a:r>
+              <a:rPr lang="en-US" sz="2400" b="0" dirty="0">
                 <a:solidFill>
                   <a:srgbClr val="D4D4D4"/>
                 </a:solidFill>
                 <a:effectLst/>
                 <a:latin typeface="Consolas" panose="020B0609020204030204" pitchFamily="49" charset="0"/>
               </a:rPr>
-              <a:t>my_nth_step</a:t>
-            </a:r>
-            <a:r>
-              <a:rPr lang="en-US" sz="2400" b="0" dirty="0">
-                <a:solidFill>
-                  <a:srgbClr val="D4D4D4"/>
-                </a:solidFill>
-                <a:effectLst/>
-                <a:latin typeface="Consolas" panose="020B0609020204030204" pitchFamily="49" charset="0"/>
-              </a:rPr>
-              <a:t>(</a:t>
-            </a:r>
-            <a:r>
-              <a:rPr lang="en-US" sz="2400" b="0" dirty="0">
-                <a:solidFill>
-                  <a:srgbClr val="CE9178"/>
-                </a:solidFill>
-                <a:effectLst/>
-                <a:latin typeface="Consolas" panose="020B0609020204030204" pitchFamily="49" charset="0"/>
-              </a:rPr>
-              <a:t>"some value"</a:t>
-            </a:r>
-            <a:r>
-              <a:rPr lang="en-US" sz="2400" b="0" dirty="0">
-                <a:solidFill>
-                  <a:srgbClr val="D4D4D4"/>
-                </a:solidFill>
-                <a:effectLst/>
-                <a:latin typeface="Consolas" panose="020B0609020204030204" pitchFamily="49" charset="0"/>
-              </a:rPr>
-              <a:t>)</a:t>
+              <a:t>:</a:t>
             </a:r>
           </a:p>
           <a:p>
@@ -10824,7 +10484,7 @@
                 </a:solidFill>
                 <a:latin typeface="Consolas" panose="020B0609020204030204" pitchFamily="49" charset="0"/>
               </a:rPr>
-              <a:t>           </a:t>
+              <a:t>       </a:t>
             </a:r>
             <a:r>
               <a:rPr lang="en-US" sz="2400" dirty="0" err="1">
@@ -10844,11 +10504,79 @@
               </a:rPr>
               <a:t>()</a:t>
             </a:r>
-            <a:endParaRPr lang="en-US" sz="2400" b="0" dirty="0">
+          </a:p>
+          <a:p>
+            <a:pPr marL="0" indent="0">
+              <a:buNone/>
+            </a:pPr>
+            <a:r>
+              <a:rPr lang="en-US" sz="2400" dirty="0">
+                <a:solidFill>
+                  <a:srgbClr val="D4D4D4"/>
+                </a:solidFill>
+                <a:effectLst/>
+                <a:latin typeface="Consolas" panose="020B0609020204030204" pitchFamily="49" charset="0"/>
+              </a:rPr>
+              <a:t>       </a:t>
+            </a:r>
+            <a:r>
+              <a:rPr lang="en-US" sz="2400" b="1" dirty="0" err="1">
+                <a:solidFill>
+                  <a:srgbClr val="DCDCAA"/>
+                </a:solidFill>
+                <a:latin typeface="Consolas" panose="020B0609020204030204" pitchFamily="49" charset="0"/>
+              </a:rPr>
+              <a:t>dt_vnc_dis</a:t>
+            </a:r>
+            <a:r>
+              <a:rPr lang="en-US" sz="2400" b="1" dirty="0" err="1">
+                <a:solidFill>
+                  <a:srgbClr val="DCDCAA"/>
+                </a:solidFill>
+                <a:effectLst/>
+                <a:latin typeface="Consolas" panose="020B0609020204030204" pitchFamily="49" charset="0"/>
+              </a:rPr>
+              <a:t>connect</a:t>
+            </a:r>
+            <a:r>
+              <a:rPr lang="en-US" sz="2400" b="1" dirty="0">
+                <a:solidFill>
+                  <a:srgbClr val="D4D4D4"/>
+                </a:solidFill>
+                <a:effectLst/>
+                <a:latin typeface="Consolas" panose="020B0609020204030204" pitchFamily="49" charset="0"/>
+              </a:rPr>
+              <a:t>()</a:t>
+            </a:r>
+          </a:p>
+          <a:p>
+            <a:pPr marL="0" indent="0">
+              <a:buNone/>
+            </a:pPr>
+            <a:r>
+              <a:rPr lang="en-US" sz="2400" b="0" dirty="0">
+                <a:solidFill>
+                  <a:srgbClr val="D4D4D4"/>
+                </a:solidFill>
+                <a:effectLst/>
+                <a:latin typeface="Consolas" panose="020B0609020204030204" pitchFamily="49" charset="0"/>
+              </a:rPr>
+              <a:t>       </a:t>
+            </a:r>
+            <a:r>
+              <a:rPr lang="en-US" sz="2400" b="0" dirty="0">
+                <a:solidFill>
+                  <a:srgbClr val="6A9955"/>
+                </a:solidFill>
+                <a:effectLst/>
+                <a:latin typeface="Consolas" panose="020B0609020204030204" pitchFamily="49" charset="0"/>
+              </a:rPr>
+              <a:t># revert to the default local screen</a:t>
+            </a:r>
+            <a:endParaRPr lang="en-US" sz="2400" dirty="0">
               <a:solidFill>
                 <a:srgbClr val="D4D4D4"/>
               </a:solidFill>
-              <a:effectLst/>
               <a:latin typeface="Consolas" panose="020B0609020204030204" pitchFamily="49" charset="0"/>
             </a:endParaRPr>
           </a:p>
@@ -10857,135 +10585,14 @@
               <a:buNone/>
             </a:pPr>
             <a:r>
-              <a:rPr lang="en-US" sz="2400" b="0" dirty="0">
+              <a:rPr lang="en-US" sz="2400" b="1" dirty="0">
                 <a:solidFill>
                   <a:srgbClr val="D4D4D4"/>
                 </a:solidFill>
                 <a:effectLst/>
                 <a:latin typeface="Consolas" panose="020B0609020204030204" pitchFamily="49" charset="0"/>
               </a:rPr>
-              <a:t>    </a:t>
-            </a:r>
-            <a:r>
-              <a:rPr lang="en-US" sz="2400" b="0" dirty="0">
-                <a:solidFill>
-                  <a:srgbClr val="C586C0"/>
-                </a:solidFill>
-                <a:effectLst/>
-                <a:latin typeface="Consolas" panose="020B0609020204030204" pitchFamily="49" charset="0"/>
-              </a:rPr>
-              <a:t>finally</a:t>
-            </a:r>
-            <a:r>
-              <a:rPr lang="en-US" sz="2400" b="0" dirty="0">
-                <a:solidFill>
-                  <a:srgbClr val="D4D4D4"/>
-                </a:solidFill>
-                <a:effectLst/>
-                <a:latin typeface="Consolas" panose="020B0609020204030204" pitchFamily="49" charset="0"/>
-              </a:rPr>
-              <a:t>:    </a:t>
-            </a:r>
-          </a:p>
-          <a:p>
-            <a:pPr marL="0" indent="0">
-              <a:buNone/>
-            </a:pPr>
-            <a:r>
-              <a:rPr lang="en-US" sz="2400" b="0" dirty="0">
-                <a:solidFill>
-                  <a:srgbClr val="D4D4D4"/>
-                </a:solidFill>
-                <a:effectLst/>
-                <a:latin typeface="Consolas" panose="020B0609020204030204" pitchFamily="49" charset="0"/>
-              </a:rPr>
-              <a:t>        </a:t>
-            </a:r>
-            <a:r>
-              <a:rPr lang="en-US" sz="2400" b="1" dirty="0" err="1">
-                <a:solidFill>
-                  <a:srgbClr val="DCDCAA"/>
-                </a:solidFill>
-                <a:latin typeface="Consolas" panose="020B0609020204030204" pitchFamily="49" charset="0"/>
-              </a:rPr>
-              <a:t>dt_vnc_dis</a:t>
-            </a:r>
-            <a:r>
-              <a:rPr lang="en-US" sz="2400" b="1" dirty="0" err="1">
-                <a:solidFill>
-                  <a:srgbClr val="DCDCAA"/>
-                </a:solidFill>
-                <a:effectLst/>
-                <a:latin typeface="Consolas" panose="020B0609020204030204" pitchFamily="49" charset="0"/>
-              </a:rPr>
-              <a:t>connect</a:t>
-            </a:r>
-            <a:r>
-              <a:rPr lang="en-US" sz="2400" b="1" dirty="0">
-                <a:solidFill>
-                  <a:srgbClr val="D4D4D4"/>
-                </a:solidFill>
-                <a:effectLst/>
-                <a:latin typeface="Consolas" panose="020B0609020204030204" pitchFamily="49" charset="0"/>
-              </a:rPr>
-              <a:t>()</a:t>
-            </a:r>
-          </a:p>
-          <a:p>
-            <a:pPr marL="0" indent="0">
-              <a:buNone/>
-            </a:pPr>
-            <a:r>
-              <a:rPr lang="en-US" sz="2400" b="0" dirty="0">
-                <a:solidFill>
-                  <a:srgbClr val="D4D4D4"/>
-                </a:solidFill>
-                <a:effectLst/>
-                <a:latin typeface="Consolas" panose="020B0609020204030204" pitchFamily="49" charset="0"/>
-              </a:rPr>
-              <a:t>        </a:t>
-            </a:r>
-            <a:r>
-              <a:rPr lang="en-US" sz="2400" b="0" dirty="0">
-                <a:solidFill>
-                  <a:srgbClr val="6A9955"/>
-                </a:solidFill>
-                <a:effectLst/>
-                <a:latin typeface="Consolas" panose="020B0609020204030204" pitchFamily="49" charset="0"/>
-              </a:rPr>
-              <a:t># revert to the default local screen</a:t>
-            </a:r>
-            <a:endParaRPr lang="en-US" sz="2400" b="0" dirty="0">
-              <a:solidFill>
-                <a:srgbClr val="D4D4D4"/>
-              </a:solidFill>
-              <a:effectLst/>
-              <a:latin typeface="Consolas" panose="020B0609020204030204" pitchFamily="49" charset="0"/>
-            </a:endParaRPr>
-          </a:p>
-          <a:p>
-            <a:pPr marL="0" indent="0">
-              <a:buNone/>
-            </a:pPr>
-            <a:r>
-              <a:rPr lang="en-US" sz="2400" b="0" dirty="0">
-                <a:solidFill>
-                  <a:srgbClr val="D4D4D4"/>
-                </a:solidFill>
-                <a:effectLst/>
-                <a:latin typeface="Consolas" panose="020B0609020204030204" pitchFamily="49" charset="0"/>
-              </a:rPr>
-              <a:t>        </a:t>
-            </a:r>
-            <a:r>
-              <a:rPr lang="en-US" sz="2400" b="1" dirty="0">
-                <a:solidFill>
-                  <a:srgbClr val="D4D4D4"/>
-                </a:solidFill>
-                <a:effectLst/>
-                <a:latin typeface="Consolas" panose="020B0609020204030204" pitchFamily="49" charset="0"/>
-              </a:rPr>
-              <a:t>use() </a:t>
+              <a:t>       use() </a:t>
             </a:r>
           </a:p>
           <a:p>
@@ -11879,10 +11486,10 @@
       </p:grpSpPr>
       <p:pic>
         <p:nvPicPr>
-          <p:cNvPr id="1026" name="Picture 2" descr="Logo">
-            <a:extLst>
-              <a:ext uri="{FF2B5EF4-FFF2-40B4-BE49-F238E27FC236}">
-                <a16:creationId xmlns:a16="http://schemas.microsoft.com/office/drawing/2014/main" id="{7D5BFB1A-61C5-4980-8CE1-6AD8D90981B9}"/>
+          <p:cNvPr id="5" name="Picture 2" descr="http://assets.ruxitlabs.com/icons/png/blue/Icons_file_001_APMng_Server.png">
+            <a:extLst>
+              <a:ext uri="{FF2B5EF4-FFF2-40B4-BE49-F238E27FC236}">
+                <a16:creationId xmlns:a16="http://schemas.microsoft.com/office/drawing/2014/main" id="{DF10C716-18C6-403A-95D2-A9AF9F500D8E}"/>
               </a:ext>
             </a:extLst>
           </p:cNvPr>
@@ -11892,54 +11499,7 @@
           <p:nvPr/>
         </p:nvPicPr>
         <p:blipFill>
-          <a:blip r:embed="rId3">
-            <a:extLst>
-              <a:ext uri="{28A0092B-C50C-407E-A947-70E740481C1C}">
-                <a14:useLocalDpi xmlns:a14="http://schemas.microsoft.com/office/drawing/2010/main" val="0"/>
-              </a:ext>
-            </a:extLst>
-          </a:blip>
-          <a:srcRect/>
-          <a:stretch>
-            <a:fillRect/>
-          </a:stretch>
-        </p:blipFill>
-        <p:spPr bwMode="auto">
-          <a:xfrm>
-            <a:off x="2714668" y="215725"/>
-            <a:ext cx="609600" cy="609600"/>
-          </a:xfrm>
-          <a:prstGeom prst="rect">
-            <a:avLst/>
-          </a:prstGeom>
-          <a:noFill/>
-          <a:extLst>
-            <a:ext uri="{909E8E84-426E-40DD-AFC4-6F175D3DCCD1}">
-              <a14:hiddenFill xmlns:a14="http://schemas.microsoft.com/office/drawing/2010/main">
-                <a:solidFill>
-                  <a:srgbClr val="FFFFFF"/>
-                </a:solidFill>
-              </a14:hiddenFill>
-            </a:ext>
-          </a:extLst>
-        </p:spPr>
-      </p:pic>
-      <p:pic>
-        <p:nvPicPr>
-          <p:cNvPr id="5" name="Picture 2" descr="http://assets.ruxitlabs.com/icons/png/blue/Icons_file_001_APMng_Server.png">
-            <a:extLst>
-              <a:ext uri="{FF2B5EF4-FFF2-40B4-BE49-F238E27FC236}">
-                <a16:creationId xmlns:a16="http://schemas.microsoft.com/office/drawing/2014/main" id="{DF10C716-18C6-403A-95D2-A9AF9F500D8E}"/>
-              </a:ext>
-            </a:extLst>
-          </p:cNvPr>
-          <p:cNvPicPr>
-            <a:picLocks noChangeAspect="1" noChangeArrowheads="1"/>
-          </p:cNvPicPr>
-          <p:nvPr/>
-        </p:nvPicPr>
-        <p:blipFill>
-          <a:blip r:embed="rId4" cstate="print">
+          <a:blip r:embed="rId3" cstate="print">
             <a:extLst>
               <a:ext uri="{28A0092B-C50C-407E-A947-70E740481C1C}">
                 <a14:useLocalDpi xmlns:a14="http://schemas.microsoft.com/office/drawing/2010/main" val="0"/>
@@ -11962,7 +11522,7 @@
           <a:noFill/>
           <a:extLst>
             <a:ext uri="{909E8E84-426E-40dd-AFC4-6F175D3DCCD1}">
-              <a14:hiddenFill xmlns:a14="http://schemas.microsoft.com/office/drawing/2010/main" xmlns="">
+              <a14:hiddenFill xmlns="" xmlns:a14="http://schemas.microsoft.com/office/drawing/2010/main">
                 <a:solidFill>
                   <a:srgbClr val="FFFFFF"/>
                 </a:solidFill>
@@ -12110,26 +11670,28 @@
       </p:sp>
       <p:cxnSp>
         <p:nvCxnSpPr>
-          <p:cNvPr id="11" name="Straight Connector 10">
-            <a:extLst>
-              <a:ext uri="{FF2B5EF4-FFF2-40B4-BE49-F238E27FC236}">
-                <a16:creationId xmlns:a16="http://schemas.microsoft.com/office/drawing/2014/main" id="{34D26CC2-7201-415F-9AB9-6F7D5A288BF2}"/>
+          <p:cNvPr id="42" name="Straight Connector 41">
+            <a:extLst>
+              <a:ext uri="{FF2B5EF4-FFF2-40B4-BE49-F238E27FC236}">
+                <a16:creationId xmlns:a16="http://schemas.microsoft.com/office/drawing/2014/main" id="{AAB74A9D-5540-4147-A1BE-C06BE792602A}"/>
               </a:ext>
             </a:extLst>
           </p:cNvPr>
           <p:cNvCxnSpPr>
             <a:cxnSpLocks/>
+            <a:stCxn id="70" idx="2"/>
           </p:cNvCxnSpPr>
           <p:nvPr/>
         </p:nvCxnSpPr>
         <p:spPr>
-          <a:xfrm>
-            <a:off x="3789677" y="1391042"/>
-            <a:ext cx="4945586" cy="598388"/>
+          <a:xfrm rot="5400000" flipH="1" flipV="1">
+            <a:off x="6451048" y="1249591"/>
+            <a:ext cx="911460" cy="3728520"/>
           </a:xfrm>
-          <a:prstGeom prst="bentConnector3">
+          <a:prstGeom prst="bentConnector4">
             <a:avLst>
-              <a:gd name="adj1" fmla="val 75069"/>
+              <a:gd name="adj1" fmla="val -25081"/>
+              <a:gd name="adj2" fmla="val 71545"/>
             </a:avLst>
           </a:prstGeom>
           <a:ln>
@@ -12160,10 +11722,10 @@
       </p:cxnSp>
       <p:sp>
         <p:nvSpPr>
-          <p:cNvPr id="12" name="Rectangle 11">
-            <a:extLst>
-              <a:ext uri="{FF2B5EF4-FFF2-40B4-BE49-F238E27FC236}">
-                <a16:creationId xmlns:a16="http://schemas.microsoft.com/office/drawing/2014/main" id="{24C207BE-56A4-4CC1-9609-90D276F72C60}"/>
+          <p:cNvPr id="52" name="Rectangle 51">
+            <a:extLst>
+              <a:ext uri="{FF2B5EF4-FFF2-40B4-BE49-F238E27FC236}">
+                <a16:creationId xmlns:a16="http://schemas.microsoft.com/office/drawing/2014/main" id="{7FA8AF13-C2BF-4752-ACB3-158F92B1A2D4}"/>
               </a:ext>
             </a:extLst>
           </p:cNvPr>
@@ -12172,7 +11734,7 @@
         </p:nvSpPr>
         <p:spPr>
           <a:xfrm>
-            <a:off x="7858091" y="1757947"/>
+            <a:off x="7923461" y="2421083"/>
             <a:ext cx="761065" cy="440675"/>
           </a:xfrm>
           <a:prstGeom prst="rect">
@@ -12245,2172 +11807,6 @@
               <a:uLnTx/>
               <a:uFillTx/>
             </a:endParaRPr>
-          </a:p>
-        </p:txBody>
-      </p:sp>
-      <p:pic>
-        <p:nvPicPr>
-          <p:cNvPr id="13" name="Picture 14" descr="http://assets.ruxitlabs.com/icons/png/green/Icons_file_001_Browser.png">
-            <a:extLst>
-              <a:ext uri="{FF2B5EF4-FFF2-40B4-BE49-F238E27FC236}">
-                <a16:creationId xmlns:a16="http://schemas.microsoft.com/office/drawing/2014/main" id="{AB81A9DF-0FDA-4290-809F-6546E7342B82}"/>
-              </a:ext>
-            </a:extLst>
-          </p:cNvPr>
-          <p:cNvPicPr>
-            <a:picLocks noChangeAspect="1" noChangeArrowheads="1"/>
-          </p:cNvPicPr>
-          <p:nvPr/>
-        </p:nvPicPr>
-        <p:blipFill>
-          <a:blip r:embed="rId5" cstate="print">
-            <a:extLst>
-              <a:ext uri="{28A0092B-C50C-407E-A947-70E740481C1C}">
-                <a14:useLocalDpi xmlns:a14="http://schemas.microsoft.com/office/drawing/2010/main" val="0"/>
-              </a:ext>
-            </a:extLst>
-          </a:blip>
-          <a:srcRect/>
-          <a:stretch>
-            <a:fillRect/>
-          </a:stretch>
-        </p:blipFill>
-        <p:spPr bwMode="auto">
-          <a:xfrm>
-            <a:off x="1629098" y="293302"/>
-            <a:ext cx="678029" cy="678029"/>
-          </a:xfrm>
-          <a:prstGeom prst="rect">
-            <a:avLst/>
-          </a:prstGeom>
-          <a:noFill/>
-          <a:extLst>
-            <a:ext uri="{909E8E84-426E-40dd-AFC4-6F175D3DCCD1}">
-              <a14:hiddenFill xmlns:a14="http://schemas.microsoft.com/office/drawing/2010/main" xmlns="">
-                <a:solidFill>
-                  <a:srgbClr val="FFFFFF"/>
-                </a:solidFill>
-              </a14:hiddenFill>
-            </a:ext>
-          </a:extLst>
-        </p:spPr>
-      </p:pic>
-      <p:sp>
-        <p:nvSpPr>
-          <p:cNvPr id="14" name="TextBox 13">
-            <a:extLst>
-              <a:ext uri="{FF2B5EF4-FFF2-40B4-BE49-F238E27FC236}">
-                <a16:creationId xmlns:a16="http://schemas.microsoft.com/office/drawing/2014/main" id="{0F177995-1B26-4111-87E8-67F838ABDBEB}"/>
-              </a:ext>
-            </a:extLst>
-          </p:cNvPr>
-          <p:cNvSpPr txBox="1"/>
-          <p:nvPr/>
-        </p:nvSpPr>
-        <p:spPr>
-          <a:xfrm>
-            <a:off x="1692451" y="854220"/>
-            <a:ext cx="645498" cy="461665"/>
-          </a:xfrm>
-          <a:prstGeom prst="rect">
-            <a:avLst/>
-          </a:prstGeom>
-          <a:noFill/>
-        </p:spPr>
-        <p:txBody>
-          <a:bodyPr wrap="square" rtlCol="0">
-            <a:spAutoFit/>
-          </a:bodyPr>
-          <a:lstStyle/>
-          <a:p>
-            <a:pPr marL="0" marR="0" lvl="0" indent="0" defTabSz="914400" eaLnBrk="1" fontAlgn="auto" latinLnBrk="0" hangingPunct="1">
-              <a:lnSpc>
-                <a:spcPct val="100000"/>
-              </a:lnSpc>
-              <a:spcBef>
-                <a:spcPts val="0"/>
-              </a:spcBef>
-              <a:spcAft>
-                <a:spcPts val="0"/>
-              </a:spcAft>
-              <a:buClrTx/>
-              <a:buSzTx/>
-              <a:buFontTx/>
-              <a:buNone/>
-              <a:tabLst/>
-              <a:defRPr/>
-            </a:pPr>
-            <a:r>
-              <a:rPr lang="de-AT" sz="1200" kern="0" dirty="0">
-                <a:solidFill>
-                  <a:srgbClr val="92D050">
-                    <a:lumMod val="75000"/>
-                  </a:srgbClr>
-                </a:solidFill>
-                <a:latin typeface="Calibri" panose="020F0502020204030204"/>
-                <a:ea typeface=""/>
-                <a:cs typeface=""/>
-              </a:rPr>
-              <a:t>Tested App</a:t>
-            </a:r>
-            <a:r>
-              <a:rPr kumimoji="0" lang="de-AT" sz="1200" b="0" i="0" u="none" strike="noStrike" kern="0" cap="none" spc="0" normalizeH="0" baseline="0" noProof="0" dirty="0">
-                <a:ln>
-                  <a:noFill/>
-                </a:ln>
-                <a:solidFill>
-                  <a:srgbClr val="92D050">
-                    <a:lumMod val="75000"/>
-                  </a:srgbClr>
-                </a:solidFill>
-                <a:effectLst/>
-                <a:uLnTx/>
-                <a:uFillTx/>
-                <a:latin typeface="Calibri" panose="020F0502020204030204"/>
-                <a:ea typeface=""/>
-                <a:cs typeface=""/>
-              </a:rPr>
-              <a:t> UI</a:t>
-            </a:r>
-          </a:p>
-        </p:txBody>
-      </p:sp>
-      <p:pic>
-        <p:nvPicPr>
-          <p:cNvPr id="21" name="Picture 20">
-            <a:extLst>
-              <a:ext uri="{FF2B5EF4-FFF2-40B4-BE49-F238E27FC236}">
-                <a16:creationId xmlns:a16="http://schemas.microsoft.com/office/drawing/2014/main" id="{C0006D6B-BEE2-4A8E-A24F-FECFF8904438}"/>
-              </a:ext>
-            </a:extLst>
-          </p:cNvPr>
-          <p:cNvPicPr>
-            <a:picLocks noChangeAspect="1"/>
-          </p:cNvPicPr>
-          <p:nvPr/>
-        </p:nvPicPr>
-        <p:blipFill>
-          <a:blip r:embed="rId6"/>
-          <a:stretch>
-            <a:fillRect/>
-          </a:stretch>
-        </p:blipFill>
-        <p:spPr>
-          <a:xfrm>
-            <a:off x="2641867" y="1116580"/>
-            <a:ext cx="729079" cy="315894"/>
-          </a:xfrm>
-          <a:prstGeom prst="rect">
-            <a:avLst/>
-          </a:prstGeom>
-        </p:spPr>
-      </p:pic>
-      <p:sp>
-        <p:nvSpPr>
-          <p:cNvPr id="25" name="TextBox 24">
-            <a:extLst>
-              <a:ext uri="{FF2B5EF4-FFF2-40B4-BE49-F238E27FC236}">
-                <a16:creationId xmlns:a16="http://schemas.microsoft.com/office/drawing/2014/main" id="{096BA604-E1DC-41FE-93B6-9F9138303675}"/>
-              </a:ext>
-            </a:extLst>
-          </p:cNvPr>
-          <p:cNvSpPr txBox="1"/>
-          <p:nvPr/>
-        </p:nvSpPr>
-        <p:spPr>
-          <a:xfrm>
-            <a:off x="2487674" y="1429916"/>
-            <a:ext cx="1037463" cy="584775"/>
-          </a:xfrm>
-          <a:prstGeom prst="rect">
-            <a:avLst/>
-          </a:prstGeom>
-          <a:noFill/>
-        </p:spPr>
-        <p:txBody>
-          <a:bodyPr wrap="none" rtlCol="0">
-            <a:spAutoFit/>
-          </a:bodyPr>
-          <a:lstStyle/>
-          <a:p>
-            <a:pPr marL="0" marR="0" lvl="0" indent="0" defTabSz="914400" eaLnBrk="1" fontAlgn="auto" latinLnBrk="0" hangingPunct="1">
-              <a:lnSpc>
-                <a:spcPct val="100000"/>
-              </a:lnSpc>
-              <a:spcBef>
-                <a:spcPts val="0"/>
-              </a:spcBef>
-              <a:spcAft>
-                <a:spcPts val="0"/>
-              </a:spcAft>
-              <a:buClrTx/>
-              <a:buSzTx/>
-              <a:buFontTx/>
-              <a:buNone/>
-              <a:tabLst/>
-              <a:defRPr/>
-            </a:pPr>
-            <a:r>
-              <a:rPr kumimoji="0" lang="de-AT" sz="1600" b="0" i="0" u="none" strike="noStrike" kern="0" cap="none" spc="0" normalizeH="0" baseline="0" noProof="0" dirty="0">
-                <a:ln>
-                  <a:noFill/>
-                </a:ln>
-                <a:solidFill>
-                  <a:srgbClr val="1496FF"/>
-                </a:solidFill>
-                <a:effectLst/>
-                <a:uLnTx/>
-                <a:uFillTx/>
-                <a:latin typeface="Calibri" panose="020F0502020204030204"/>
-                <a:ea typeface=""/>
-                <a:cs typeface=""/>
-              </a:rPr>
-              <a:t>Dynatrace</a:t>
-            </a:r>
-          </a:p>
-          <a:p>
-            <a:pPr marL="0" marR="0" lvl="0" indent="0" algn="ctr" defTabSz="914400" eaLnBrk="1" fontAlgn="auto" latinLnBrk="0" hangingPunct="1">
-              <a:lnSpc>
-                <a:spcPct val="100000"/>
-              </a:lnSpc>
-              <a:spcBef>
-                <a:spcPts val="0"/>
-              </a:spcBef>
-              <a:spcAft>
-                <a:spcPts val="0"/>
-              </a:spcAft>
-              <a:buClrTx/>
-              <a:buSzTx/>
-              <a:buFontTx/>
-              <a:buNone/>
-              <a:tabLst/>
-              <a:defRPr/>
-            </a:pPr>
-            <a:r>
-              <a:rPr kumimoji="0" lang="de-AT" sz="1600" b="0" i="0" u="none" strike="noStrike" kern="0" cap="none" spc="0" normalizeH="0" baseline="0" noProof="0" dirty="0">
-                <a:ln>
-                  <a:noFill/>
-                </a:ln>
-                <a:solidFill>
-                  <a:srgbClr val="1496FF"/>
-                </a:solidFill>
-                <a:effectLst/>
-                <a:uLnTx/>
-                <a:uFillTx/>
-                <a:latin typeface="Calibri" panose="020F0502020204030204"/>
-                <a:ea typeface=""/>
-                <a:cs typeface=""/>
-              </a:rPr>
-              <a:t>bridge</a:t>
-            </a:r>
-          </a:p>
-        </p:txBody>
-      </p:sp>
-      <p:sp>
-        <p:nvSpPr>
-          <p:cNvPr id="22" name="TextBox 21">
-            <a:extLst>
-              <a:ext uri="{FF2B5EF4-FFF2-40B4-BE49-F238E27FC236}">
-                <a16:creationId xmlns:a16="http://schemas.microsoft.com/office/drawing/2014/main" id="{568502B9-DE27-4014-9557-463A6BF014FA}"/>
-              </a:ext>
-            </a:extLst>
-          </p:cNvPr>
-          <p:cNvSpPr txBox="1"/>
-          <p:nvPr/>
-        </p:nvSpPr>
-        <p:spPr>
-          <a:xfrm>
-            <a:off x="2637771" y="669554"/>
-            <a:ext cx="771621" cy="369332"/>
-          </a:xfrm>
-          <a:prstGeom prst="rect">
-            <a:avLst/>
-          </a:prstGeom>
-          <a:noFill/>
-        </p:spPr>
-        <p:txBody>
-          <a:bodyPr wrap="none" rtlCol="0">
-            <a:spAutoFit/>
-          </a:bodyPr>
-          <a:lstStyle/>
-          <a:p>
-            <a:r>
-              <a:rPr lang="fr-FR" dirty="0" err="1"/>
-              <a:t>Sikulix</a:t>
-            </a:r>
-            <a:endParaRPr lang="en-US" dirty="0"/>
-          </a:p>
-        </p:txBody>
-      </p:sp>
-      <p:sp>
-        <p:nvSpPr>
-          <p:cNvPr id="23" name="Rectangle 22">
-            <a:extLst>
-              <a:ext uri="{FF2B5EF4-FFF2-40B4-BE49-F238E27FC236}">
-                <a16:creationId xmlns:a16="http://schemas.microsoft.com/office/drawing/2014/main" id="{782B71A4-61FF-4463-B580-A89535398DDA}"/>
-              </a:ext>
-            </a:extLst>
-          </p:cNvPr>
-          <p:cNvSpPr/>
-          <p:nvPr/>
-        </p:nvSpPr>
-        <p:spPr>
-          <a:xfrm>
-            <a:off x="1572852" y="215726"/>
-            <a:ext cx="1952285" cy="2045188"/>
-          </a:xfrm>
-          <a:prstGeom prst="rect">
-            <a:avLst/>
-          </a:prstGeom>
-          <a:noFill/>
-          <a:ln>
-            <a:solidFill>
-              <a:schemeClr val="accent2"/>
-            </a:solidFill>
-          </a:ln>
-        </p:spPr>
-        <p:style>
-          <a:lnRef idx="2">
-            <a:schemeClr val="accent1">
-              <a:shade val="50000"/>
-            </a:schemeClr>
-          </a:lnRef>
-          <a:fillRef idx="1">
-            <a:schemeClr val="accent1"/>
-          </a:fillRef>
-          <a:effectRef idx="0">
-            <a:schemeClr val="accent1"/>
-          </a:effectRef>
-          <a:fontRef idx="minor">
-            <a:schemeClr val="lt1"/>
-          </a:fontRef>
-        </p:style>
-        <p:txBody>
-          <a:bodyPr rtlCol="0" anchor="ctr"/>
-          <a:lstStyle/>
-          <a:p>
-            <a:pPr algn="ctr"/>
-            <a:endParaRPr lang="en-US"/>
-          </a:p>
-        </p:txBody>
-      </p:sp>
-      <p:pic>
-        <p:nvPicPr>
-          <p:cNvPr id="35" name="Picture 2" descr="Logo">
-            <a:extLst>
-              <a:ext uri="{FF2B5EF4-FFF2-40B4-BE49-F238E27FC236}">
-                <a16:creationId xmlns:a16="http://schemas.microsoft.com/office/drawing/2014/main" id="{5E1201B0-7473-467C-A8BB-FEC36097103F}"/>
-              </a:ext>
-            </a:extLst>
-          </p:cNvPr>
-          <p:cNvPicPr>
-            <a:picLocks noChangeAspect="1" noChangeArrowheads="1"/>
-          </p:cNvPicPr>
-          <p:nvPr/>
-        </p:nvPicPr>
-        <p:blipFill>
-          <a:blip r:embed="rId3">
-            <a:extLst>
-              <a:ext uri="{28A0092B-C50C-407E-A947-70E740481C1C}">
-                <a14:useLocalDpi xmlns:a14="http://schemas.microsoft.com/office/drawing/2010/main" val="0"/>
-              </a:ext>
-            </a:extLst>
-          </a:blip>
-          <a:srcRect/>
-          <a:stretch>
-            <a:fillRect/>
-          </a:stretch>
-        </p:blipFill>
-        <p:spPr bwMode="auto">
-          <a:xfrm>
-            <a:off x="2714668" y="2296779"/>
-            <a:ext cx="609600" cy="609600"/>
-          </a:xfrm>
-          <a:prstGeom prst="rect">
-            <a:avLst/>
-          </a:prstGeom>
-          <a:noFill/>
-          <a:extLst>
-            <a:ext uri="{909E8E84-426E-40DD-AFC4-6F175D3DCCD1}">
-              <a14:hiddenFill xmlns:a14="http://schemas.microsoft.com/office/drawing/2010/main">
-                <a:solidFill>
-                  <a:srgbClr val="FFFFFF"/>
-                </a:solidFill>
-              </a14:hiddenFill>
-            </a:ext>
-          </a:extLst>
-        </p:spPr>
-      </p:pic>
-      <p:pic>
-        <p:nvPicPr>
-          <p:cNvPr id="36" name="Picture 14" descr="http://assets.ruxitlabs.com/icons/png/green/Icons_file_001_Browser.png">
-            <a:extLst>
-              <a:ext uri="{FF2B5EF4-FFF2-40B4-BE49-F238E27FC236}">
-                <a16:creationId xmlns:a16="http://schemas.microsoft.com/office/drawing/2014/main" id="{C99827B9-9A5D-4FE7-957F-1AAE2D0E8205}"/>
-              </a:ext>
-            </a:extLst>
-          </p:cNvPr>
-          <p:cNvPicPr>
-            <a:picLocks noChangeAspect="1" noChangeArrowheads="1"/>
-          </p:cNvPicPr>
-          <p:nvPr/>
-        </p:nvPicPr>
-        <p:blipFill>
-          <a:blip r:embed="rId5" cstate="print">
-            <a:extLst>
-              <a:ext uri="{28A0092B-C50C-407E-A947-70E740481C1C}">
-                <a14:useLocalDpi xmlns:a14="http://schemas.microsoft.com/office/drawing/2010/main" val="0"/>
-              </a:ext>
-            </a:extLst>
-          </a:blip>
-          <a:srcRect/>
-          <a:stretch>
-            <a:fillRect/>
-          </a:stretch>
-        </p:blipFill>
-        <p:spPr bwMode="auto">
-          <a:xfrm>
-            <a:off x="1629098" y="2374356"/>
-            <a:ext cx="678029" cy="678029"/>
-          </a:xfrm>
-          <a:prstGeom prst="rect">
-            <a:avLst/>
-          </a:prstGeom>
-          <a:noFill/>
-          <a:extLst>
-            <a:ext uri="{909E8E84-426E-40dd-AFC4-6F175D3DCCD1}">
-              <a14:hiddenFill xmlns:a14="http://schemas.microsoft.com/office/drawing/2010/main" xmlns="">
-                <a:solidFill>
-                  <a:srgbClr val="FFFFFF"/>
-                </a:solidFill>
-              </a14:hiddenFill>
-            </a:ext>
-          </a:extLst>
-        </p:spPr>
-      </p:pic>
-      <p:sp>
-        <p:nvSpPr>
-          <p:cNvPr id="37" name="TextBox 36">
-            <a:extLst>
-              <a:ext uri="{FF2B5EF4-FFF2-40B4-BE49-F238E27FC236}">
-                <a16:creationId xmlns:a16="http://schemas.microsoft.com/office/drawing/2014/main" id="{013BCD90-9467-4BDB-B529-8EA8999E5F13}"/>
-              </a:ext>
-            </a:extLst>
-          </p:cNvPr>
-          <p:cNvSpPr txBox="1"/>
-          <p:nvPr/>
-        </p:nvSpPr>
-        <p:spPr>
-          <a:xfrm>
-            <a:off x="1692451" y="2935274"/>
-            <a:ext cx="645498" cy="461665"/>
-          </a:xfrm>
-          <a:prstGeom prst="rect">
-            <a:avLst/>
-          </a:prstGeom>
-          <a:noFill/>
-        </p:spPr>
-        <p:txBody>
-          <a:bodyPr wrap="square" rtlCol="0">
-            <a:spAutoFit/>
-          </a:bodyPr>
-          <a:lstStyle/>
-          <a:p>
-            <a:pPr marL="0" marR="0" lvl="0" indent="0" defTabSz="914400" eaLnBrk="1" fontAlgn="auto" latinLnBrk="0" hangingPunct="1">
-              <a:lnSpc>
-                <a:spcPct val="100000"/>
-              </a:lnSpc>
-              <a:spcBef>
-                <a:spcPts val="0"/>
-              </a:spcBef>
-              <a:spcAft>
-                <a:spcPts val="0"/>
-              </a:spcAft>
-              <a:buClrTx/>
-              <a:buSzTx/>
-              <a:buFontTx/>
-              <a:buNone/>
-              <a:tabLst/>
-              <a:defRPr/>
-            </a:pPr>
-            <a:r>
-              <a:rPr lang="de-AT" sz="1200" kern="0" dirty="0">
-                <a:solidFill>
-                  <a:srgbClr val="92D050">
-                    <a:lumMod val="75000"/>
-                  </a:srgbClr>
-                </a:solidFill>
-                <a:latin typeface="Calibri" panose="020F0502020204030204"/>
-                <a:ea typeface=""/>
-                <a:cs typeface=""/>
-              </a:rPr>
-              <a:t>Tested App</a:t>
-            </a:r>
-            <a:r>
-              <a:rPr kumimoji="0" lang="de-AT" sz="1200" b="0" i="0" u="none" strike="noStrike" kern="0" cap="none" spc="0" normalizeH="0" baseline="0" noProof="0" dirty="0">
-                <a:ln>
-                  <a:noFill/>
-                </a:ln>
-                <a:solidFill>
-                  <a:srgbClr val="92D050">
-                    <a:lumMod val="75000"/>
-                  </a:srgbClr>
-                </a:solidFill>
-                <a:effectLst/>
-                <a:uLnTx/>
-                <a:uFillTx/>
-                <a:latin typeface="Calibri" panose="020F0502020204030204"/>
-                <a:ea typeface=""/>
-                <a:cs typeface=""/>
-              </a:rPr>
-              <a:t> UI</a:t>
-            </a:r>
-          </a:p>
-        </p:txBody>
-      </p:sp>
-      <p:pic>
-        <p:nvPicPr>
-          <p:cNvPr id="38" name="Picture 37">
-            <a:extLst>
-              <a:ext uri="{FF2B5EF4-FFF2-40B4-BE49-F238E27FC236}">
-                <a16:creationId xmlns:a16="http://schemas.microsoft.com/office/drawing/2014/main" id="{D0EDEF78-4B6C-411D-93FF-18D1ECBA27CE}"/>
-              </a:ext>
-            </a:extLst>
-          </p:cNvPr>
-          <p:cNvPicPr>
-            <a:picLocks noChangeAspect="1"/>
-          </p:cNvPicPr>
-          <p:nvPr/>
-        </p:nvPicPr>
-        <p:blipFill>
-          <a:blip r:embed="rId6"/>
-          <a:stretch>
-            <a:fillRect/>
-          </a:stretch>
-        </p:blipFill>
-        <p:spPr>
-          <a:xfrm>
-            <a:off x="2641867" y="3197634"/>
-            <a:ext cx="729079" cy="315894"/>
-          </a:xfrm>
-          <a:prstGeom prst="rect">
-            <a:avLst/>
-          </a:prstGeom>
-        </p:spPr>
-      </p:pic>
-      <p:sp>
-        <p:nvSpPr>
-          <p:cNvPr id="39" name="TextBox 38">
-            <a:extLst>
-              <a:ext uri="{FF2B5EF4-FFF2-40B4-BE49-F238E27FC236}">
-                <a16:creationId xmlns:a16="http://schemas.microsoft.com/office/drawing/2014/main" id="{B4005FA4-F7C4-4A0C-B956-EE7615ECAF3D}"/>
-              </a:ext>
-            </a:extLst>
-          </p:cNvPr>
-          <p:cNvSpPr txBox="1"/>
-          <p:nvPr/>
-        </p:nvSpPr>
-        <p:spPr>
-          <a:xfrm>
-            <a:off x="2487674" y="3510970"/>
-            <a:ext cx="1037463" cy="584775"/>
-          </a:xfrm>
-          <a:prstGeom prst="rect">
-            <a:avLst/>
-          </a:prstGeom>
-          <a:noFill/>
-        </p:spPr>
-        <p:txBody>
-          <a:bodyPr wrap="none" rtlCol="0">
-            <a:spAutoFit/>
-          </a:bodyPr>
-          <a:lstStyle/>
-          <a:p>
-            <a:pPr marL="0" marR="0" lvl="0" indent="0" defTabSz="914400" eaLnBrk="1" fontAlgn="auto" latinLnBrk="0" hangingPunct="1">
-              <a:lnSpc>
-                <a:spcPct val="100000"/>
-              </a:lnSpc>
-              <a:spcBef>
-                <a:spcPts val="0"/>
-              </a:spcBef>
-              <a:spcAft>
-                <a:spcPts val="0"/>
-              </a:spcAft>
-              <a:buClrTx/>
-              <a:buSzTx/>
-              <a:buFontTx/>
-              <a:buNone/>
-              <a:tabLst/>
-              <a:defRPr/>
-            </a:pPr>
-            <a:r>
-              <a:rPr kumimoji="0" lang="de-AT" sz="1600" b="0" i="0" u="none" strike="noStrike" kern="0" cap="none" spc="0" normalizeH="0" baseline="0" noProof="0" dirty="0">
-                <a:ln>
-                  <a:noFill/>
-                </a:ln>
-                <a:solidFill>
-                  <a:srgbClr val="1496FF"/>
-                </a:solidFill>
-                <a:effectLst/>
-                <a:uLnTx/>
-                <a:uFillTx/>
-                <a:latin typeface="Calibri" panose="020F0502020204030204"/>
-                <a:ea typeface=""/>
-                <a:cs typeface=""/>
-              </a:rPr>
-              <a:t>Dynatrace</a:t>
-            </a:r>
-          </a:p>
-          <a:p>
-            <a:pPr marL="0" marR="0" lvl="0" indent="0" algn="ctr" defTabSz="914400" eaLnBrk="1" fontAlgn="auto" latinLnBrk="0" hangingPunct="1">
-              <a:lnSpc>
-                <a:spcPct val="100000"/>
-              </a:lnSpc>
-              <a:spcBef>
-                <a:spcPts val="0"/>
-              </a:spcBef>
-              <a:spcAft>
-                <a:spcPts val="0"/>
-              </a:spcAft>
-              <a:buClrTx/>
-              <a:buSzTx/>
-              <a:buFontTx/>
-              <a:buNone/>
-              <a:tabLst/>
-              <a:defRPr/>
-            </a:pPr>
-            <a:r>
-              <a:rPr kumimoji="0" lang="de-AT" sz="1600" b="0" i="0" u="none" strike="noStrike" kern="0" cap="none" spc="0" normalizeH="0" baseline="0" noProof="0" dirty="0">
-                <a:ln>
-                  <a:noFill/>
-                </a:ln>
-                <a:solidFill>
-                  <a:srgbClr val="1496FF"/>
-                </a:solidFill>
-                <a:effectLst/>
-                <a:uLnTx/>
-                <a:uFillTx/>
-                <a:latin typeface="Calibri" panose="020F0502020204030204"/>
-                <a:ea typeface=""/>
-                <a:cs typeface=""/>
-              </a:rPr>
-              <a:t>bridge</a:t>
-            </a:r>
-          </a:p>
-        </p:txBody>
-      </p:sp>
-      <p:sp>
-        <p:nvSpPr>
-          <p:cNvPr id="40" name="TextBox 39">
-            <a:extLst>
-              <a:ext uri="{FF2B5EF4-FFF2-40B4-BE49-F238E27FC236}">
-                <a16:creationId xmlns:a16="http://schemas.microsoft.com/office/drawing/2014/main" id="{5DA89E18-B0A1-4D07-9D05-198CFA8DFE9A}"/>
-              </a:ext>
-            </a:extLst>
-          </p:cNvPr>
-          <p:cNvSpPr txBox="1"/>
-          <p:nvPr/>
-        </p:nvSpPr>
-        <p:spPr>
-          <a:xfrm>
-            <a:off x="2637771" y="2750608"/>
-            <a:ext cx="771621" cy="369332"/>
-          </a:xfrm>
-          <a:prstGeom prst="rect">
-            <a:avLst/>
-          </a:prstGeom>
-          <a:noFill/>
-        </p:spPr>
-        <p:txBody>
-          <a:bodyPr wrap="none" rtlCol="0">
-            <a:spAutoFit/>
-          </a:bodyPr>
-          <a:lstStyle/>
-          <a:p>
-            <a:r>
-              <a:rPr lang="fr-FR" dirty="0" err="1"/>
-              <a:t>Sikulix</a:t>
-            </a:r>
-            <a:endParaRPr lang="en-US" dirty="0"/>
-          </a:p>
-        </p:txBody>
-      </p:sp>
-      <p:sp>
-        <p:nvSpPr>
-          <p:cNvPr id="41" name="Rectangle 40">
-            <a:extLst>
-              <a:ext uri="{FF2B5EF4-FFF2-40B4-BE49-F238E27FC236}">
-                <a16:creationId xmlns:a16="http://schemas.microsoft.com/office/drawing/2014/main" id="{18900709-F27B-4B0D-8058-8BCDBEE53FB2}"/>
-              </a:ext>
-            </a:extLst>
-          </p:cNvPr>
-          <p:cNvSpPr/>
-          <p:nvPr/>
-        </p:nvSpPr>
-        <p:spPr>
-          <a:xfrm>
-            <a:off x="1572852" y="2296780"/>
-            <a:ext cx="1952285" cy="2045188"/>
-          </a:xfrm>
-          <a:prstGeom prst="rect">
-            <a:avLst/>
-          </a:prstGeom>
-          <a:noFill/>
-          <a:ln>
-            <a:solidFill>
-              <a:schemeClr val="accent2"/>
-            </a:solidFill>
-          </a:ln>
-        </p:spPr>
-        <p:style>
-          <a:lnRef idx="2">
-            <a:schemeClr val="accent1">
-              <a:shade val="50000"/>
-            </a:schemeClr>
-          </a:lnRef>
-          <a:fillRef idx="1">
-            <a:schemeClr val="accent1"/>
-          </a:fillRef>
-          <a:effectRef idx="0">
-            <a:schemeClr val="accent1"/>
-          </a:effectRef>
-          <a:fontRef idx="minor">
-            <a:schemeClr val="lt1"/>
-          </a:fontRef>
-        </p:style>
-        <p:txBody>
-          <a:bodyPr rtlCol="0" anchor="ctr"/>
-          <a:lstStyle/>
-          <a:p>
-            <a:pPr algn="ctr"/>
-            <a:endParaRPr lang="en-US"/>
-          </a:p>
-        </p:txBody>
-      </p:sp>
-      <p:pic>
-        <p:nvPicPr>
-          <p:cNvPr id="56" name="Picture 2" descr="Logo">
-            <a:extLst>
-              <a:ext uri="{FF2B5EF4-FFF2-40B4-BE49-F238E27FC236}">
-                <a16:creationId xmlns:a16="http://schemas.microsoft.com/office/drawing/2014/main" id="{941461E2-902F-4A79-A00B-8EC6D8867674}"/>
-              </a:ext>
-            </a:extLst>
-          </p:cNvPr>
-          <p:cNvPicPr>
-            <a:picLocks noChangeAspect="1" noChangeArrowheads="1"/>
-          </p:cNvPicPr>
-          <p:nvPr/>
-        </p:nvPicPr>
-        <p:blipFill>
-          <a:blip r:embed="rId3">
-            <a:extLst>
-              <a:ext uri="{28A0092B-C50C-407E-A947-70E740481C1C}">
-                <a14:useLocalDpi xmlns:a14="http://schemas.microsoft.com/office/drawing/2010/main" val="0"/>
-              </a:ext>
-            </a:extLst>
-          </a:blip>
-          <a:srcRect/>
-          <a:stretch>
-            <a:fillRect/>
-          </a:stretch>
-        </p:blipFill>
-        <p:spPr bwMode="auto">
-          <a:xfrm>
-            <a:off x="2714668" y="4373922"/>
-            <a:ext cx="609600" cy="609600"/>
-          </a:xfrm>
-          <a:prstGeom prst="rect">
-            <a:avLst/>
-          </a:prstGeom>
-          <a:noFill/>
-          <a:extLst>
-            <a:ext uri="{909E8E84-426E-40DD-AFC4-6F175D3DCCD1}">
-              <a14:hiddenFill xmlns:a14="http://schemas.microsoft.com/office/drawing/2010/main">
-                <a:solidFill>
-                  <a:srgbClr val="FFFFFF"/>
-                </a:solidFill>
-              </a14:hiddenFill>
-            </a:ext>
-          </a:extLst>
-        </p:spPr>
-      </p:pic>
-      <p:pic>
-        <p:nvPicPr>
-          <p:cNvPr id="57" name="Picture 14" descr="http://assets.ruxitlabs.com/icons/png/green/Icons_file_001_Browser.png">
-            <a:extLst>
-              <a:ext uri="{FF2B5EF4-FFF2-40B4-BE49-F238E27FC236}">
-                <a16:creationId xmlns:a16="http://schemas.microsoft.com/office/drawing/2014/main" id="{53811B6C-8D2E-4F5E-8F1B-0E7A851D5D75}"/>
-              </a:ext>
-            </a:extLst>
-          </p:cNvPr>
-          <p:cNvPicPr>
-            <a:picLocks noChangeAspect="1" noChangeArrowheads="1"/>
-          </p:cNvPicPr>
-          <p:nvPr/>
-        </p:nvPicPr>
-        <p:blipFill>
-          <a:blip r:embed="rId5" cstate="print">
-            <a:extLst>
-              <a:ext uri="{28A0092B-C50C-407E-A947-70E740481C1C}">
-                <a14:useLocalDpi xmlns:a14="http://schemas.microsoft.com/office/drawing/2010/main" val="0"/>
-              </a:ext>
-            </a:extLst>
-          </a:blip>
-          <a:srcRect/>
-          <a:stretch>
-            <a:fillRect/>
-          </a:stretch>
-        </p:blipFill>
-        <p:spPr bwMode="auto">
-          <a:xfrm>
-            <a:off x="1629098" y="4451499"/>
-            <a:ext cx="678029" cy="678029"/>
-          </a:xfrm>
-          <a:prstGeom prst="rect">
-            <a:avLst/>
-          </a:prstGeom>
-          <a:noFill/>
-          <a:extLst>
-            <a:ext uri="{909E8E84-426E-40dd-AFC4-6F175D3DCCD1}">
-              <a14:hiddenFill xmlns:a14="http://schemas.microsoft.com/office/drawing/2010/main" xmlns="">
-                <a:solidFill>
-                  <a:srgbClr val="FFFFFF"/>
-                </a:solidFill>
-              </a14:hiddenFill>
-            </a:ext>
-          </a:extLst>
-        </p:spPr>
-      </p:pic>
-      <p:sp>
-        <p:nvSpPr>
-          <p:cNvPr id="58" name="TextBox 57">
-            <a:extLst>
-              <a:ext uri="{FF2B5EF4-FFF2-40B4-BE49-F238E27FC236}">
-                <a16:creationId xmlns:a16="http://schemas.microsoft.com/office/drawing/2014/main" id="{35D324E1-ABDC-44B1-9199-06F46D34DCFC}"/>
-              </a:ext>
-            </a:extLst>
-          </p:cNvPr>
-          <p:cNvSpPr txBox="1"/>
-          <p:nvPr/>
-        </p:nvSpPr>
-        <p:spPr>
-          <a:xfrm>
-            <a:off x="1692451" y="5012417"/>
-            <a:ext cx="645498" cy="461665"/>
-          </a:xfrm>
-          <a:prstGeom prst="rect">
-            <a:avLst/>
-          </a:prstGeom>
-          <a:noFill/>
-        </p:spPr>
-        <p:txBody>
-          <a:bodyPr wrap="square" rtlCol="0">
-            <a:spAutoFit/>
-          </a:bodyPr>
-          <a:lstStyle/>
-          <a:p>
-            <a:pPr marL="0" marR="0" lvl="0" indent="0" defTabSz="914400" eaLnBrk="1" fontAlgn="auto" latinLnBrk="0" hangingPunct="1">
-              <a:lnSpc>
-                <a:spcPct val="100000"/>
-              </a:lnSpc>
-              <a:spcBef>
-                <a:spcPts val="0"/>
-              </a:spcBef>
-              <a:spcAft>
-                <a:spcPts val="0"/>
-              </a:spcAft>
-              <a:buClrTx/>
-              <a:buSzTx/>
-              <a:buFontTx/>
-              <a:buNone/>
-              <a:tabLst/>
-              <a:defRPr/>
-            </a:pPr>
-            <a:r>
-              <a:rPr lang="de-AT" sz="1200" kern="0" dirty="0">
-                <a:solidFill>
-                  <a:srgbClr val="92D050">
-                    <a:lumMod val="75000"/>
-                  </a:srgbClr>
-                </a:solidFill>
-                <a:latin typeface="Calibri" panose="020F0502020204030204"/>
-                <a:ea typeface=""/>
-                <a:cs typeface=""/>
-              </a:rPr>
-              <a:t>Tested App</a:t>
-            </a:r>
-            <a:r>
-              <a:rPr kumimoji="0" lang="de-AT" sz="1200" b="0" i="0" u="none" strike="noStrike" kern="0" cap="none" spc="0" normalizeH="0" baseline="0" noProof="0" dirty="0">
-                <a:ln>
-                  <a:noFill/>
-                </a:ln>
-                <a:solidFill>
-                  <a:srgbClr val="92D050">
-                    <a:lumMod val="75000"/>
-                  </a:srgbClr>
-                </a:solidFill>
-                <a:effectLst/>
-                <a:uLnTx/>
-                <a:uFillTx/>
-                <a:latin typeface="Calibri" panose="020F0502020204030204"/>
-                <a:ea typeface=""/>
-                <a:cs typeface=""/>
-              </a:rPr>
-              <a:t> UI</a:t>
-            </a:r>
-          </a:p>
-        </p:txBody>
-      </p:sp>
-      <p:pic>
-        <p:nvPicPr>
-          <p:cNvPr id="59" name="Picture 58">
-            <a:extLst>
-              <a:ext uri="{FF2B5EF4-FFF2-40B4-BE49-F238E27FC236}">
-                <a16:creationId xmlns:a16="http://schemas.microsoft.com/office/drawing/2014/main" id="{4D974104-5C12-47EE-9733-A10E7A17170F}"/>
-              </a:ext>
-            </a:extLst>
-          </p:cNvPr>
-          <p:cNvPicPr>
-            <a:picLocks noChangeAspect="1"/>
-          </p:cNvPicPr>
-          <p:nvPr/>
-        </p:nvPicPr>
-        <p:blipFill>
-          <a:blip r:embed="rId6"/>
-          <a:stretch>
-            <a:fillRect/>
-          </a:stretch>
-        </p:blipFill>
-        <p:spPr>
-          <a:xfrm>
-            <a:off x="2641867" y="5274777"/>
-            <a:ext cx="729079" cy="315894"/>
-          </a:xfrm>
-          <a:prstGeom prst="rect">
-            <a:avLst/>
-          </a:prstGeom>
-        </p:spPr>
-      </p:pic>
-      <p:sp>
-        <p:nvSpPr>
-          <p:cNvPr id="60" name="TextBox 59">
-            <a:extLst>
-              <a:ext uri="{FF2B5EF4-FFF2-40B4-BE49-F238E27FC236}">
-                <a16:creationId xmlns:a16="http://schemas.microsoft.com/office/drawing/2014/main" id="{5532D77B-D984-4975-B405-A70357E427D8}"/>
-              </a:ext>
-            </a:extLst>
-          </p:cNvPr>
-          <p:cNvSpPr txBox="1"/>
-          <p:nvPr/>
-        </p:nvSpPr>
-        <p:spPr>
-          <a:xfrm>
-            <a:off x="2487674" y="5588113"/>
-            <a:ext cx="1037463" cy="584775"/>
-          </a:xfrm>
-          <a:prstGeom prst="rect">
-            <a:avLst/>
-          </a:prstGeom>
-          <a:noFill/>
-        </p:spPr>
-        <p:txBody>
-          <a:bodyPr wrap="none" rtlCol="0">
-            <a:spAutoFit/>
-          </a:bodyPr>
-          <a:lstStyle/>
-          <a:p>
-            <a:pPr marL="0" marR="0" lvl="0" indent="0" defTabSz="914400" eaLnBrk="1" fontAlgn="auto" latinLnBrk="0" hangingPunct="1">
-              <a:lnSpc>
-                <a:spcPct val="100000"/>
-              </a:lnSpc>
-              <a:spcBef>
-                <a:spcPts val="0"/>
-              </a:spcBef>
-              <a:spcAft>
-                <a:spcPts val="0"/>
-              </a:spcAft>
-              <a:buClrTx/>
-              <a:buSzTx/>
-              <a:buFontTx/>
-              <a:buNone/>
-              <a:tabLst/>
-              <a:defRPr/>
-            </a:pPr>
-            <a:r>
-              <a:rPr kumimoji="0" lang="de-AT" sz="1600" b="0" i="0" u="none" strike="noStrike" kern="0" cap="none" spc="0" normalizeH="0" baseline="0" noProof="0" dirty="0">
-                <a:ln>
-                  <a:noFill/>
-                </a:ln>
-                <a:solidFill>
-                  <a:srgbClr val="1496FF"/>
-                </a:solidFill>
-                <a:effectLst/>
-                <a:uLnTx/>
-                <a:uFillTx/>
-                <a:latin typeface="Calibri" panose="020F0502020204030204"/>
-                <a:ea typeface=""/>
-                <a:cs typeface=""/>
-              </a:rPr>
-              <a:t>Dynatrace</a:t>
-            </a:r>
-          </a:p>
-          <a:p>
-            <a:pPr marL="0" marR="0" lvl="0" indent="0" algn="ctr" defTabSz="914400" eaLnBrk="1" fontAlgn="auto" latinLnBrk="0" hangingPunct="1">
-              <a:lnSpc>
-                <a:spcPct val="100000"/>
-              </a:lnSpc>
-              <a:spcBef>
-                <a:spcPts val="0"/>
-              </a:spcBef>
-              <a:spcAft>
-                <a:spcPts val="0"/>
-              </a:spcAft>
-              <a:buClrTx/>
-              <a:buSzTx/>
-              <a:buFontTx/>
-              <a:buNone/>
-              <a:tabLst/>
-              <a:defRPr/>
-            </a:pPr>
-            <a:r>
-              <a:rPr kumimoji="0" lang="de-AT" sz="1600" b="0" i="0" u="none" strike="noStrike" kern="0" cap="none" spc="0" normalizeH="0" baseline="0" noProof="0" dirty="0">
-                <a:ln>
-                  <a:noFill/>
-                </a:ln>
-                <a:solidFill>
-                  <a:srgbClr val="1496FF"/>
-                </a:solidFill>
-                <a:effectLst/>
-                <a:uLnTx/>
-                <a:uFillTx/>
-                <a:latin typeface="Calibri" panose="020F0502020204030204"/>
-                <a:ea typeface=""/>
-                <a:cs typeface=""/>
-              </a:rPr>
-              <a:t>bridge</a:t>
-            </a:r>
-          </a:p>
-        </p:txBody>
-      </p:sp>
-      <p:sp>
-        <p:nvSpPr>
-          <p:cNvPr id="61" name="TextBox 60">
-            <a:extLst>
-              <a:ext uri="{FF2B5EF4-FFF2-40B4-BE49-F238E27FC236}">
-                <a16:creationId xmlns:a16="http://schemas.microsoft.com/office/drawing/2014/main" id="{CF9DF427-27E7-4D7F-B4C1-8825FF1C9590}"/>
-              </a:ext>
-            </a:extLst>
-          </p:cNvPr>
-          <p:cNvSpPr txBox="1"/>
-          <p:nvPr/>
-        </p:nvSpPr>
-        <p:spPr>
-          <a:xfrm>
-            <a:off x="2637771" y="4827751"/>
-            <a:ext cx="771621" cy="369332"/>
-          </a:xfrm>
-          <a:prstGeom prst="rect">
-            <a:avLst/>
-          </a:prstGeom>
-          <a:noFill/>
-        </p:spPr>
-        <p:txBody>
-          <a:bodyPr wrap="none" rtlCol="0">
-            <a:spAutoFit/>
-          </a:bodyPr>
-          <a:lstStyle/>
-          <a:p>
-            <a:r>
-              <a:rPr lang="fr-FR" dirty="0" err="1"/>
-              <a:t>Sikulix</a:t>
-            </a:r>
-            <a:endParaRPr lang="en-US" dirty="0"/>
-          </a:p>
-        </p:txBody>
-      </p:sp>
-      <p:sp>
-        <p:nvSpPr>
-          <p:cNvPr id="62" name="Rectangle 61">
-            <a:extLst>
-              <a:ext uri="{FF2B5EF4-FFF2-40B4-BE49-F238E27FC236}">
-                <a16:creationId xmlns:a16="http://schemas.microsoft.com/office/drawing/2014/main" id="{FBA063A0-59BE-44F2-A9A8-48937C68E88E}"/>
-              </a:ext>
-            </a:extLst>
-          </p:cNvPr>
-          <p:cNvSpPr/>
-          <p:nvPr/>
-        </p:nvSpPr>
-        <p:spPr>
-          <a:xfrm>
-            <a:off x="1572852" y="4373923"/>
-            <a:ext cx="1952285" cy="2045188"/>
-          </a:xfrm>
-          <a:prstGeom prst="rect">
-            <a:avLst/>
-          </a:prstGeom>
-          <a:noFill/>
-          <a:ln>
-            <a:solidFill>
-              <a:schemeClr val="accent2"/>
-            </a:solidFill>
-          </a:ln>
-        </p:spPr>
-        <p:style>
-          <a:lnRef idx="2">
-            <a:schemeClr val="accent1">
-              <a:shade val="50000"/>
-            </a:schemeClr>
-          </a:lnRef>
-          <a:fillRef idx="1">
-            <a:schemeClr val="accent1"/>
-          </a:fillRef>
-          <a:effectRef idx="0">
-            <a:schemeClr val="accent1"/>
-          </a:effectRef>
-          <a:fontRef idx="minor">
-            <a:schemeClr val="lt1"/>
-          </a:fontRef>
-        </p:style>
-        <p:txBody>
-          <a:bodyPr rtlCol="0" anchor="ctr"/>
-          <a:lstStyle/>
-          <a:p>
-            <a:pPr algn="ctr"/>
-            <a:endParaRPr lang="en-US"/>
-          </a:p>
-        </p:txBody>
-      </p:sp>
-      <p:sp>
-        <p:nvSpPr>
-          <p:cNvPr id="26" name="TextBox 25">
-            <a:extLst>
-              <a:ext uri="{FF2B5EF4-FFF2-40B4-BE49-F238E27FC236}">
-                <a16:creationId xmlns:a16="http://schemas.microsoft.com/office/drawing/2014/main" id="{AF36D902-1004-400B-A510-A1169E694D94}"/>
-              </a:ext>
-            </a:extLst>
-          </p:cNvPr>
-          <p:cNvSpPr txBox="1"/>
-          <p:nvPr/>
-        </p:nvSpPr>
-        <p:spPr>
-          <a:xfrm>
-            <a:off x="881449" y="1272746"/>
-            <a:ext cx="596638" cy="369332"/>
-          </a:xfrm>
-          <a:prstGeom prst="rect">
-            <a:avLst/>
-          </a:prstGeom>
-          <a:noFill/>
-        </p:spPr>
-        <p:txBody>
-          <a:bodyPr wrap="none" rtlCol="0">
-            <a:spAutoFit/>
-          </a:bodyPr>
-          <a:lstStyle/>
-          <a:p>
-            <a:r>
-              <a:rPr lang="fr-FR" dirty="0"/>
-              <a:t>PC 1</a:t>
-            </a:r>
-            <a:endParaRPr lang="en-US" dirty="0"/>
-          </a:p>
-        </p:txBody>
-      </p:sp>
-      <p:sp>
-        <p:nvSpPr>
-          <p:cNvPr id="64" name="TextBox 63">
-            <a:extLst>
-              <a:ext uri="{FF2B5EF4-FFF2-40B4-BE49-F238E27FC236}">
-                <a16:creationId xmlns:a16="http://schemas.microsoft.com/office/drawing/2014/main" id="{8093BC03-AEAB-41C9-9561-70BAB2F046DC}"/>
-              </a:ext>
-            </a:extLst>
-          </p:cNvPr>
-          <p:cNvSpPr txBox="1"/>
-          <p:nvPr/>
-        </p:nvSpPr>
-        <p:spPr>
-          <a:xfrm>
-            <a:off x="859625" y="3147115"/>
-            <a:ext cx="596638" cy="369332"/>
-          </a:xfrm>
-          <a:prstGeom prst="rect">
-            <a:avLst/>
-          </a:prstGeom>
-          <a:noFill/>
-        </p:spPr>
-        <p:txBody>
-          <a:bodyPr wrap="none" rtlCol="0">
-            <a:spAutoFit/>
-          </a:bodyPr>
-          <a:lstStyle/>
-          <a:p>
-            <a:r>
-              <a:rPr lang="fr-FR" dirty="0"/>
-              <a:t>PC 2</a:t>
-            </a:r>
-            <a:endParaRPr lang="en-US" dirty="0"/>
-          </a:p>
-        </p:txBody>
-      </p:sp>
-      <p:sp>
-        <p:nvSpPr>
-          <p:cNvPr id="65" name="TextBox 64">
-            <a:extLst>
-              <a:ext uri="{FF2B5EF4-FFF2-40B4-BE49-F238E27FC236}">
-                <a16:creationId xmlns:a16="http://schemas.microsoft.com/office/drawing/2014/main" id="{6B5D4DEB-596B-4BDA-8A92-872828C8B7DE}"/>
-              </a:ext>
-            </a:extLst>
-          </p:cNvPr>
-          <p:cNvSpPr txBox="1"/>
-          <p:nvPr/>
-        </p:nvSpPr>
-        <p:spPr>
-          <a:xfrm>
-            <a:off x="930491" y="5104750"/>
-            <a:ext cx="596638" cy="369332"/>
-          </a:xfrm>
-          <a:prstGeom prst="rect">
-            <a:avLst/>
-          </a:prstGeom>
-          <a:noFill/>
-        </p:spPr>
-        <p:txBody>
-          <a:bodyPr wrap="none" rtlCol="0">
-            <a:spAutoFit/>
-          </a:bodyPr>
-          <a:lstStyle/>
-          <a:p>
-            <a:r>
-              <a:rPr lang="fr-FR" dirty="0"/>
-              <a:t>PC 3</a:t>
-            </a:r>
-            <a:endParaRPr lang="en-US" dirty="0"/>
-          </a:p>
-        </p:txBody>
-      </p:sp>
-      <p:cxnSp>
-        <p:nvCxnSpPr>
-          <p:cNvPr id="42" name="Straight Connector 41">
-            <a:extLst>
-              <a:ext uri="{FF2B5EF4-FFF2-40B4-BE49-F238E27FC236}">
-                <a16:creationId xmlns:a16="http://schemas.microsoft.com/office/drawing/2014/main" id="{AAB74A9D-5540-4147-A1BE-C06BE792602A}"/>
-              </a:ext>
-            </a:extLst>
-          </p:cNvPr>
-          <p:cNvCxnSpPr>
-            <a:cxnSpLocks/>
-            <a:endCxn id="75" idx="1"/>
-          </p:cNvCxnSpPr>
-          <p:nvPr/>
-        </p:nvCxnSpPr>
-        <p:spPr>
-          <a:xfrm flipV="1">
-            <a:off x="3755892" y="2500974"/>
-            <a:ext cx="5046822" cy="1051204"/>
-          </a:xfrm>
-          <a:prstGeom prst="bentConnector3">
-            <a:avLst>
-              <a:gd name="adj1" fmla="val 78133"/>
-            </a:avLst>
-          </a:prstGeom>
-          <a:ln>
-            <a:solidFill>
-              <a:schemeClr val="tx1">
-                <a:lumMod val="50000"/>
-                <a:lumOff val="50000"/>
-              </a:schemeClr>
-            </a:solidFill>
-            <a:headEnd type="none" w="med" len="med"/>
-            <a:tailEnd type="triangle" w="med" len="med"/>
-          </a:ln>
-        </p:spPr>
-        <p:style>
-          <a:lnRef idx="2">
-            <a:schemeClr val="accent1"/>
-          </a:lnRef>
-          <a:fillRef idx="0">
-            <a:schemeClr val="accent1"/>
-          </a:fillRef>
-          <a:effectRef idx="1">
-            <a:schemeClr val="accent1"/>
-          </a:effectRef>
-          <a:fontRef idx="minor">
-            <a:schemeClr val="tx1"/>
-          </a:fontRef>
-        </p:style>
-      </p:cxnSp>
-      <p:cxnSp>
-        <p:nvCxnSpPr>
-          <p:cNvPr id="44" name="Straight Connector 43">
-            <a:extLst>
-              <a:ext uri="{FF2B5EF4-FFF2-40B4-BE49-F238E27FC236}">
-                <a16:creationId xmlns:a16="http://schemas.microsoft.com/office/drawing/2014/main" id="{A20442AC-81AF-4686-B703-38E6F1CE9DD2}"/>
-              </a:ext>
-            </a:extLst>
-          </p:cNvPr>
-          <p:cNvCxnSpPr>
-            <a:cxnSpLocks/>
-          </p:cNvCxnSpPr>
-          <p:nvPr/>
-        </p:nvCxnSpPr>
-        <p:spPr>
-          <a:xfrm flipV="1">
-            <a:off x="3709214" y="3033983"/>
-            <a:ext cx="5053064" cy="2554131"/>
-          </a:xfrm>
-          <a:prstGeom prst="bentConnector3">
-            <a:avLst>
-              <a:gd name="adj1" fmla="val 82555"/>
-            </a:avLst>
-          </a:prstGeom>
-          <a:ln>
-            <a:solidFill>
-              <a:schemeClr val="tx1">
-                <a:lumMod val="50000"/>
-                <a:lumOff val="50000"/>
-              </a:schemeClr>
-            </a:solidFill>
-            <a:headEnd type="none" w="med" len="med"/>
-            <a:tailEnd type="triangle" w="med" len="med"/>
-          </a:ln>
-        </p:spPr>
-        <p:style>
-          <a:lnRef idx="2">
-            <a:schemeClr val="accent1"/>
-          </a:lnRef>
-          <a:fillRef idx="0">
-            <a:schemeClr val="accent1"/>
-          </a:fillRef>
-          <a:effectRef idx="1">
-            <a:schemeClr val="accent1"/>
-          </a:effectRef>
-          <a:fontRef idx="minor">
-            <a:schemeClr val="tx1"/>
-          </a:fontRef>
-        </p:style>
-      </p:cxnSp>
-      <p:sp>
-        <p:nvSpPr>
-          <p:cNvPr id="45" name="Rectangle 44">
-            <a:extLst>
-              <a:ext uri="{FF2B5EF4-FFF2-40B4-BE49-F238E27FC236}">
-                <a16:creationId xmlns:a16="http://schemas.microsoft.com/office/drawing/2014/main" id="{69247CD2-6940-419B-99AF-8E9E5A3998EE}"/>
-              </a:ext>
-            </a:extLst>
-          </p:cNvPr>
-          <p:cNvSpPr/>
-          <p:nvPr/>
-        </p:nvSpPr>
-        <p:spPr>
-          <a:xfrm>
-            <a:off x="7934001" y="2809151"/>
-            <a:ext cx="761065" cy="440675"/>
-          </a:xfrm>
-          <a:prstGeom prst="rect">
-            <a:avLst/>
-          </a:prstGeom>
-          <a:noFill/>
-          <a:ln>
-            <a:noFill/>
-          </a:ln>
-        </p:spPr>
-        <p:style>
-          <a:lnRef idx="2">
-            <a:schemeClr val="accent1">
-              <a:shade val="50000"/>
-            </a:schemeClr>
-          </a:lnRef>
-          <a:fillRef idx="1">
-            <a:schemeClr val="accent1"/>
-          </a:fillRef>
-          <a:effectRef idx="0">
-            <a:schemeClr val="accent1"/>
-          </a:effectRef>
-          <a:fontRef idx="minor">
-            <a:schemeClr val="lt1"/>
-          </a:fontRef>
-        </p:style>
-        <p:txBody>
-          <a:bodyPr rtlCol="0" anchor="ctr"/>
-          <a:lstStyle/>
-          <a:p>
-            <a:pPr marL="0" marR="0" lvl="0" indent="0" algn="ctr" defTabSz="914400" eaLnBrk="1" fontAlgn="auto" latinLnBrk="0" hangingPunct="1">
-              <a:lnSpc>
-                <a:spcPct val="100000"/>
-              </a:lnSpc>
-              <a:spcBef>
-                <a:spcPts val="0"/>
-              </a:spcBef>
-              <a:spcAft>
-                <a:spcPts val="0"/>
-              </a:spcAft>
-              <a:buClrTx/>
-              <a:buSzTx/>
-              <a:buFontTx/>
-              <a:buNone/>
-              <a:tabLst/>
-              <a:defRPr/>
-            </a:pPr>
-            <a:r>
-              <a:rPr kumimoji="0" lang="de-DE" sz="1800" b="0" i="0" u="none" strike="noStrike" kern="0" cap="none" spc="0" normalizeH="0" baseline="0" noProof="0" dirty="0">
-                <a:ln>
-                  <a:noFill/>
-                </a:ln>
-                <a:solidFill>
-                  <a:sysClr val="windowText" lastClr="000000"/>
-                </a:solidFill>
-                <a:effectLst/>
-                <a:uLnTx/>
-                <a:uFillTx/>
-              </a:rPr>
-              <a:t>https 443</a:t>
-            </a:r>
-            <a:endParaRPr kumimoji="0" lang="de-AT" sz="1800" b="0" i="0" u="none" strike="noStrike" kern="0" cap="none" spc="0" normalizeH="0" baseline="0" noProof="0" dirty="0">
-              <a:ln>
-                <a:noFill/>
-              </a:ln>
-              <a:solidFill>
-                <a:sysClr val="windowText" lastClr="000000"/>
-              </a:solidFill>
-              <a:effectLst/>
-              <a:uLnTx/>
-              <a:uFillTx/>
-            </a:endParaRPr>
-          </a:p>
-        </p:txBody>
-      </p:sp>
-      <p:sp>
-        <p:nvSpPr>
-          <p:cNvPr id="47" name="TextBox 46">
-            <a:extLst>
-              <a:ext uri="{FF2B5EF4-FFF2-40B4-BE49-F238E27FC236}">
-                <a16:creationId xmlns:a16="http://schemas.microsoft.com/office/drawing/2014/main" id="{FDA66E01-DDAF-4F61-AFF2-F341E21CD8AE}"/>
-              </a:ext>
-            </a:extLst>
-          </p:cNvPr>
-          <p:cNvSpPr txBox="1"/>
-          <p:nvPr/>
-        </p:nvSpPr>
-        <p:spPr>
-          <a:xfrm>
-            <a:off x="5749377" y="226568"/>
-            <a:ext cx="6162264" cy="923330"/>
-          </a:xfrm>
-          <a:prstGeom prst="rect">
-            <a:avLst/>
-          </a:prstGeom>
-          <a:noFill/>
-        </p:spPr>
-        <p:txBody>
-          <a:bodyPr wrap="none" rtlCol="0">
-            <a:spAutoFit/>
-          </a:bodyPr>
-          <a:lstStyle/>
-          <a:p>
-            <a:r>
-              <a:rPr lang="fr-FR" dirty="0"/>
-              <a:t>Architecture</a:t>
-            </a:r>
-          </a:p>
-          <a:p>
-            <a:r>
-              <a:rPr lang="fr-FR" dirty="0" err="1"/>
-              <a:t>Using</a:t>
-            </a:r>
-            <a:r>
-              <a:rPr lang="fr-FR" dirty="0"/>
-              <a:t> </a:t>
-            </a:r>
-            <a:r>
-              <a:rPr lang="fr-FR" dirty="0" err="1"/>
-              <a:t>Third</a:t>
-            </a:r>
-            <a:r>
-              <a:rPr lang="fr-FR" dirty="0"/>
-              <a:t> Party </a:t>
-            </a:r>
-            <a:r>
-              <a:rPr lang="fr-FR" dirty="0" err="1"/>
-              <a:t>Synthetic</a:t>
-            </a:r>
-            <a:r>
-              <a:rPr lang="fr-FR" dirty="0"/>
-              <a:t> API to push test </a:t>
-            </a:r>
-            <a:r>
-              <a:rPr lang="fr-FR" dirty="0" err="1"/>
-              <a:t>results</a:t>
-            </a:r>
-            <a:r>
-              <a:rPr lang="fr-FR" dirty="0"/>
-              <a:t> to Dynatrace</a:t>
-            </a:r>
-          </a:p>
-          <a:p>
-            <a:r>
-              <a:rPr lang="fr-FR" dirty="0" err="1"/>
-              <a:t>Using</a:t>
-            </a:r>
-            <a:r>
-              <a:rPr lang="fr-FR" dirty="0"/>
-              <a:t> VNC to </a:t>
-            </a:r>
-            <a:r>
-              <a:rPr lang="fr-FR" dirty="0" err="1"/>
-              <a:t>remotely</a:t>
-            </a:r>
-            <a:r>
-              <a:rPr lang="fr-FR" dirty="0"/>
-              <a:t> </a:t>
-            </a:r>
-            <a:r>
-              <a:rPr lang="fr-FR" dirty="0" err="1"/>
-              <a:t>connect</a:t>
-            </a:r>
-            <a:r>
-              <a:rPr lang="fr-FR" dirty="0"/>
-              <a:t> to desktop </a:t>
-            </a:r>
-            <a:r>
-              <a:rPr lang="fr-FR" dirty="0" err="1"/>
-              <a:t>from</a:t>
-            </a:r>
-            <a:r>
-              <a:rPr lang="fr-FR" dirty="0"/>
-              <a:t> </a:t>
-            </a:r>
-            <a:r>
-              <a:rPr lang="fr-FR" dirty="0" err="1"/>
-              <a:t>SikuliX</a:t>
-            </a:r>
-            <a:endParaRPr lang="en-US" dirty="0"/>
-          </a:p>
-        </p:txBody>
-      </p:sp>
-      <p:pic>
-        <p:nvPicPr>
-          <p:cNvPr id="49" name="Picture 48">
-            <a:extLst>
-              <a:ext uri="{FF2B5EF4-FFF2-40B4-BE49-F238E27FC236}">
-                <a16:creationId xmlns:a16="http://schemas.microsoft.com/office/drawing/2014/main" id="{999568E0-8F4A-4AE2-891C-0C542A1C0AD2}"/>
-              </a:ext>
-            </a:extLst>
-          </p:cNvPr>
-          <p:cNvPicPr>
-            <a:picLocks noChangeAspect="1"/>
-          </p:cNvPicPr>
-          <p:nvPr/>
-        </p:nvPicPr>
-        <p:blipFill>
-          <a:blip r:embed="rId7"/>
-          <a:stretch>
-            <a:fillRect/>
-          </a:stretch>
-        </p:blipFill>
-        <p:spPr>
-          <a:xfrm>
-            <a:off x="6707581" y="1873649"/>
-            <a:ext cx="542925" cy="714375"/>
-          </a:xfrm>
-          <a:prstGeom prst="rect">
-            <a:avLst/>
-          </a:prstGeom>
-        </p:spPr>
-      </p:pic>
-      <p:pic>
-        <p:nvPicPr>
-          <p:cNvPr id="50" name="Picture 49">
-            <a:extLst>
-              <a:ext uri="{FF2B5EF4-FFF2-40B4-BE49-F238E27FC236}">
-                <a16:creationId xmlns:a16="http://schemas.microsoft.com/office/drawing/2014/main" id="{64D6F09F-D6CA-4BF5-958B-EA9FF7261651}"/>
-              </a:ext>
-            </a:extLst>
-          </p:cNvPr>
-          <p:cNvPicPr>
-            <a:picLocks noChangeAspect="1"/>
-          </p:cNvPicPr>
-          <p:nvPr/>
-        </p:nvPicPr>
-        <p:blipFill>
-          <a:blip r:embed="rId8">
-            <a:extLst>
-              <a:ext uri="{28A0092B-C50C-407E-A947-70E740481C1C}">
-                <a14:useLocalDpi xmlns:a14="http://schemas.microsoft.com/office/drawing/2010/main" val="0"/>
-              </a:ext>
-            </a:extLst>
-          </a:blip>
-          <a:stretch>
-            <a:fillRect/>
-          </a:stretch>
-        </p:blipFill>
-        <p:spPr>
-          <a:xfrm>
-            <a:off x="6270244" y="1847737"/>
-            <a:ext cx="530613" cy="530613"/>
-          </a:xfrm>
-          <a:prstGeom prst="rect">
-            <a:avLst/>
-          </a:prstGeom>
-        </p:spPr>
-      </p:pic>
-      <p:sp>
-        <p:nvSpPr>
-          <p:cNvPr id="52" name="Rectangle 51">
-            <a:extLst>
-              <a:ext uri="{FF2B5EF4-FFF2-40B4-BE49-F238E27FC236}">
-                <a16:creationId xmlns:a16="http://schemas.microsoft.com/office/drawing/2014/main" id="{7FA8AF13-C2BF-4752-ACB3-158F92B1A2D4}"/>
-              </a:ext>
-            </a:extLst>
-          </p:cNvPr>
-          <p:cNvSpPr/>
-          <p:nvPr/>
-        </p:nvSpPr>
-        <p:spPr>
-          <a:xfrm>
-            <a:off x="7877319" y="2276142"/>
-            <a:ext cx="761065" cy="440675"/>
-          </a:xfrm>
-          <a:prstGeom prst="rect">
-            <a:avLst/>
-          </a:prstGeom>
-          <a:noFill/>
-          <a:ln>
-            <a:noFill/>
-          </a:ln>
-        </p:spPr>
-        <p:style>
-          <a:lnRef idx="2">
-            <a:schemeClr val="accent1">
-              <a:shade val="50000"/>
-            </a:schemeClr>
-          </a:lnRef>
-          <a:fillRef idx="1">
-            <a:schemeClr val="accent1"/>
-          </a:fillRef>
-          <a:effectRef idx="0">
-            <a:schemeClr val="accent1"/>
-          </a:effectRef>
-          <a:fontRef idx="minor">
-            <a:schemeClr val="lt1"/>
-          </a:fontRef>
-        </p:style>
-        <p:txBody>
-          <a:bodyPr rtlCol="0" anchor="ctr"/>
-          <a:lstStyle/>
-          <a:p>
-            <a:pPr marL="0" marR="0" lvl="0" indent="0" algn="ctr" defTabSz="914400" eaLnBrk="1" fontAlgn="auto" latinLnBrk="0" hangingPunct="1">
-              <a:lnSpc>
-                <a:spcPct val="100000"/>
-              </a:lnSpc>
-              <a:spcBef>
-                <a:spcPts val="0"/>
-              </a:spcBef>
-              <a:spcAft>
-                <a:spcPts val="0"/>
-              </a:spcAft>
-              <a:buClrTx/>
-              <a:buSzTx/>
-              <a:buFontTx/>
-              <a:buNone/>
-              <a:tabLst/>
-              <a:defRPr/>
-            </a:pPr>
-            <a:r>
-              <a:rPr kumimoji="0" lang="de-DE" sz="1800" b="0" i="0" u="none" strike="noStrike" kern="0" cap="none" spc="0" normalizeH="0" baseline="0" noProof="0" dirty="0">
-                <a:ln>
-                  <a:noFill/>
-                </a:ln>
-                <a:solidFill>
-                  <a:sysClr val="windowText" lastClr="000000"/>
-                </a:solidFill>
-                <a:effectLst/>
-                <a:uLnTx/>
-                <a:uFillTx/>
-              </a:rPr>
-              <a:t>https 443</a:t>
-            </a:r>
-            <a:endParaRPr kumimoji="0" lang="de-AT" sz="1800" b="0" i="0" u="none" strike="noStrike" kern="0" cap="none" spc="0" normalizeH="0" baseline="0" noProof="0" dirty="0">
-              <a:ln>
-                <a:noFill/>
-              </a:ln>
-              <a:solidFill>
-                <a:sysClr val="windowText" lastClr="000000"/>
-              </a:solidFill>
-              <a:effectLst/>
-              <a:uLnTx/>
-              <a:uFillTx/>
-            </a:endParaRPr>
-          </a:p>
-        </p:txBody>
-      </p:sp>
-      <p:sp>
-        <p:nvSpPr>
-          <p:cNvPr id="55" name="TextBox 54">
-            <a:extLst>
-              <a:ext uri="{FF2B5EF4-FFF2-40B4-BE49-F238E27FC236}">
-                <a16:creationId xmlns:a16="http://schemas.microsoft.com/office/drawing/2014/main" id="{94143D23-0ED0-4551-A4E2-48A910C267E2}"/>
-              </a:ext>
-            </a:extLst>
-          </p:cNvPr>
-          <p:cNvSpPr txBox="1"/>
-          <p:nvPr/>
-        </p:nvSpPr>
-        <p:spPr>
-          <a:xfrm>
-            <a:off x="6279164" y="2613936"/>
-            <a:ext cx="1099980" cy="830997"/>
-          </a:xfrm>
-          <a:prstGeom prst="rect">
-            <a:avLst/>
-          </a:prstGeom>
-          <a:noFill/>
-        </p:spPr>
-        <p:txBody>
-          <a:bodyPr wrap="none" rtlCol="0">
-            <a:spAutoFit/>
-          </a:bodyPr>
-          <a:lstStyle/>
-          <a:p>
-            <a:pPr marL="0" marR="0" lvl="0" indent="0" algn="ctr" defTabSz="914400" eaLnBrk="1" fontAlgn="auto" latinLnBrk="0" hangingPunct="1">
-              <a:lnSpc>
-                <a:spcPct val="100000"/>
-              </a:lnSpc>
-              <a:spcBef>
-                <a:spcPts val="0"/>
-              </a:spcBef>
-              <a:spcAft>
-                <a:spcPts val="0"/>
-              </a:spcAft>
-              <a:buClrTx/>
-              <a:buSzTx/>
-              <a:buFontTx/>
-              <a:buNone/>
-              <a:tabLst/>
-              <a:defRPr/>
-            </a:pPr>
-            <a:r>
-              <a:rPr kumimoji="0" lang="de-AT" sz="1600" b="0" i="0" u="none" strike="noStrike" kern="0" cap="none" spc="0" normalizeH="0" baseline="0" noProof="0" dirty="0">
-                <a:ln>
-                  <a:noFill/>
-                </a:ln>
-                <a:solidFill>
-                  <a:srgbClr val="1496FF"/>
-                </a:solidFill>
-                <a:effectLst/>
-                <a:uLnTx/>
-                <a:uFillTx/>
-                <a:latin typeface="Calibri" panose="020F0502020204030204"/>
-                <a:ea typeface=""/>
-                <a:cs typeface=""/>
-              </a:rPr>
-              <a:t>Dynatrace</a:t>
-            </a:r>
-          </a:p>
-          <a:p>
-            <a:pPr marL="0" marR="0" lvl="0" indent="0" algn="ctr" defTabSz="914400" eaLnBrk="1" fontAlgn="auto" latinLnBrk="0" hangingPunct="1">
-              <a:lnSpc>
-                <a:spcPct val="100000"/>
-              </a:lnSpc>
-              <a:spcBef>
-                <a:spcPts val="0"/>
-              </a:spcBef>
-              <a:spcAft>
-                <a:spcPts val="0"/>
-              </a:spcAft>
-              <a:buClrTx/>
-              <a:buSzTx/>
-              <a:buFontTx/>
-              <a:buNone/>
-              <a:tabLst/>
-              <a:defRPr/>
-            </a:pPr>
-            <a:r>
-              <a:rPr kumimoji="0" lang="de-AT" sz="1600" b="0" i="0" u="none" strike="noStrike" kern="0" cap="none" spc="0" normalizeH="0" baseline="0" noProof="0" dirty="0">
-                <a:ln>
-                  <a:noFill/>
-                </a:ln>
-                <a:solidFill>
-                  <a:srgbClr val="1496FF"/>
-                </a:solidFill>
-                <a:effectLst/>
-                <a:uLnTx/>
-                <a:uFillTx/>
-                <a:latin typeface="Calibri" panose="020F0502020204030204"/>
-                <a:ea typeface=""/>
-                <a:cs typeface=""/>
-              </a:rPr>
-              <a:t>Synthetic</a:t>
-            </a:r>
-          </a:p>
-          <a:p>
-            <a:pPr marL="0" marR="0" lvl="0" indent="0" algn="ctr" defTabSz="914400" eaLnBrk="1" fontAlgn="auto" latinLnBrk="0" hangingPunct="1">
-              <a:lnSpc>
-                <a:spcPct val="100000"/>
-              </a:lnSpc>
-              <a:spcBef>
-                <a:spcPts val="0"/>
-              </a:spcBef>
-              <a:spcAft>
-                <a:spcPts val="0"/>
-              </a:spcAft>
-              <a:buClrTx/>
-              <a:buSzTx/>
-              <a:buFontTx/>
-              <a:buNone/>
-              <a:tabLst/>
-              <a:defRPr/>
-            </a:pPr>
-            <a:r>
-              <a:rPr kumimoji="0" lang="de-AT" sz="1600" b="0" i="0" u="none" strike="noStrike" kern="0" cap="none" spc="0" normalizeH="0" baseline="0" noProof="0" dirty="0">
-                <a:ln>
-                  <a:noFill/>
-                </a:ln>
-                <a:solidFill>
-                  <a:srgbClr val="1496FF"/>
-                </a:solidFill>
-                <a:effectLst/>
-                <a:uLnTx/>
-                <a:uFillTx/>
-                <a:latin typeface="Calibri" panose="020F0502020204030204"/>
-                <a:ea typeface=""/>
-                <a:cs typeface=""/>
-              </a:rPr>
-              <a:t>ActiveGate</a:t>
-            </a:r>
-          </a:p>
-        </p:txBody>
-      </p:sp>
-      <p:pic>
-        <p:nvPicPr>
-          <p:cNvPr id="3" name="Picture 2" descr="TightVNC Home">
-            <a:extLst>
-              <a:ext uri="{FF2B5EF4-FFF2-40B4-BE49-F238E27FC236}">
-                <a16:creationId xmlns:a16="http://schemas.microsoft.com/office/drawing/2014/main" id="{CFA7263D-3FED-4B94-B3F1-918602C35C42}"/>
-              </a:ext>
-            </a:extLst>
-          </p:cNvPr>
-          <p:cNvPicPr>
-            <a:picLocks noChangeAspect="1" noChangeArrowheads="1"/>
-          </p:cNvPicPr>
-          <p:nvPr/>
-        </p:nvPicPr>
-        <p:blipFill>
-          <a:blip r:embed="rId9">
-            <a:extLst>
-              <a:ext uri="{28A0092B-C50C-407E-A947-70E740481C1C}">
-                <a14:useLocalDpi xmlns:a14="http://schemas.microsoft.com/office/drawing/2010/main" val="0"/>
-              </a:ext>
-            </a:extLst>
-          </a:blip>
-          <a:srcRect/>
-          <a:stretch>
-            <a:fillRect/>
-          </a:stretch>
-        </p:blipFill>
-        <p:spPr bwMode="auto">
-          <a:xfrm>
-            <a:off x="1791903" y="5628808"/>
-            <a:ext cx="440675" cy="440675"/>
-          </a:xfrm>
-          <a:prstGeom prst="rect">
-            <a:avLst/>
-          </a:prstGeom>
-          <a:noFill/>
-          <a:extLst>
-            <a:ext uri="{909E8E84-426E-40DD-AFC4-6F175D3DCCD1}">
-              <a14:hiddenFill xmlns:a14="http://schemas.microsoft.com/office/drawing/2010/main">
-                <a:solidFill>
-                  <a:srgbClr val="FFFFFF"/>
-                </a:solidFill>
-              </a14:hiddenFill>
-            </a:ext>
-          </a:extLst>
-        </p:spPr>
-      </p:pic>
-      <p:pic>
-        <p:nvPicPr>
-          <p:cNvPr id="48" name="Picture 47" descr="TightVNC Home">
-            <a:extLst>
-              <a:ext uri="{FF2B5EF4-FFF2-40B4-BE49-F238E27FC236}">
-                <a16:creationId xmlns:a16="http://schemas.microsoft.com/office/drawing/2014/main" id="{03116195-D7B6-45DC-9A5E-C99D20D14178}"/>
-              </a:ext>
-            </a:extLst>
-          </p:cNvPr>
-          <p:cNvPicPr>
-            <a:picLocks noChangeAspect="1" noChangeArrowheads="1"/>
-          </p:cNvPicPr>
-          <p:nvPr/>
-        </p:nvPicPr>
-        <p:blipFill>
-          <a:blip r:embed="rId9">
-            <a:extLst>
-              <a:ext uri="{28A0092B-C50C-407E-A947-70E740481C1C}">
-                <a14:useLocalDpi xmlns:a14="http://schemas.microsoft.com/office/drawing/2010/main" val="0"/>
-              </a:ext>
-            </a:extLst>
-          </a:blip>
-          <a:srcRect/>
-          <a:stretch>
-            <a:fillRect/>
-          </a:stretch>
-        </p:blipFill>
-        <p:spPr bwMode="auto">
-          <a:xfrm>
-            <a:off x="1746558" y="3635548"/>
-            <a:ext cx="440675" cy="440675"/>
-          </a:xfrm>
-          <a:prstGeom prst="rect">
-            <a:avLst/>
-          </a:prstGeom>
-          <a:noFill/>
-          <a:extLst>
-            <a:ext uri="{909E8E84-426E-40DD-AFC4-6F175D3DCCD1}">
-              <a14:hiddenFill xmlns:a14="http://schemas.microsoft.com/office/drawing/2010/main">
-                <a:solidFill>
-                  <a:srgbClr val="FFFFFF"/>
-                </a:solidFill>
-              </a14:hiddenFill>
-            </a:ext>
-          </a:extLst>
-        </p:spPr>
-      </p:pic>
-      <p:pic>
-        <p:nvPicPr>
-          <p:cNvPr id="67" name="Picture 66" descr="TightVNC Home">
-            <a:extLst>
-              <a:ext uri="{FF2B5EF4-FFF2-40B4-BE49-F238E27FC236}">
-                <a16:creationId xmlns:a16="http://schemas.microsoft.com/office/drawing/2014/main" id="{0BAE562A-DC19-43FB-B9CC-B91C1399BF4D}"/>
-              </a:ext>
-            </a:extLst>
-          </p:cNvPr>
-          <p:cNvPicPr>
-            <a:picLocks noChangeAspect="1" noChangeArrowheads="1"/>
-          </p:cNvPicPr>
-          <p:nvPr/>
-        </p:nvPicPr>
-        <p:blipFill>
-          <a:blip r:embed="rId9">
-            <a:extLst>
-              <a:ext uri="{28A0092B-C50C-407E-A947-70E740481C1C}">
-                <a14:useLocalDpi xmlns:a14="http://schemas.microsoft.com/office/drawing/2010/main" val="0"/>
-              </a:ext>
-            </a:extLst>
-          </a:blip>
-          <a:srcRect/>
-          <a:stretch>
-            <a:fillRect/>
-          </a:stretch>
-        </p:blipFill>
-        <p:spPr bwMode="auto">
-          <a:xfrm>
-            <a:off x="1748133" y="1520001"/>
-            <a:ext cx="440675" cy="440675"/>
-          </a:xfrm>
-          <a:prstGeom prst="rect">
-            <a:avLst/>
-          </a:prstGeom>
-          <a:noFill/>
-          <a:extLst>
-            <a:ext uri="{909E8E84-426E-40DD-AFC4-6F175D3DCCD1}">
-              <a14:hiddenFill xmlns:a14="http://schemas.microsoft.com/office/drawing/2010/main">
-                <a:solidFill>
-                  <a:srgbClr val="FFFFFF"/>
-                </a:solidFill>
-              </a14:hiddenFill>
-            </a:ext>
-          </a:extLst>
-        </p:spPr>
-      </p:pic>
-      <p:pic>
-        <p:nvPicPr>
-          <p:cNvPr id="71" name="Picture 4" descr="nssm.cc">
-            <a:extLst>
-              <a:ext uri="{FF2B5EF4-FFF2-40B4-BE49-F238E27FC236}">
-                <a16:creationId xmlns:a16="http://schemas.microsoft.com/office/drawing/2014/main" id="{FD14BF32-BDD7-4B44-B7E6-FB37F618B1CB}"/>
-              </a:ext>
-            </a:extLst>
-          </p:cNvPr>
-          <p:cNvPicPr>
-            <a:picLocks noChangeAspect="1" noChangeArrowheads="1"/>
-          </p:cNvPicPr>
-          <p:nvPr/>
-        </p:nvPicPr>
-        <p:blipFill>
-          <a:blip r:embed="rId10">
-            <a:extLst>
-              <a:ext uri="{28A0092B-C50C-407E-A947-70E740481C1C}">
-                <a14:useLocalDpi xmlns:a14="http://schemas.microsoft.com/office/drawing/2010/main" val="0"/>
-              </a:ext>
-            </a:extLst>
-          </a:blip>
-          <a:srcRect/>
-          <a:stretch>
-            <a:fillRect/>
-          </a:stretch>
-        </p:blipFill>
-        <p:spPr bwMode="auto">
-          <a:xfrm>
-            <a:off x="2906407" y="1288549"/>
-            <a:ext cx="199995" cy="199995"/>
-          </a:xfrm>
-          <a:prstGeom prst="rect">
-            <a:avLst/>
-          </a:prstGeom>
-          <a:noFill/>
-          <a:extLst>
-            <a:ext uri="{909E8E84-426E-40DD-AFC4-6F175D3DCCD1}">
-              <a14:hiddenFill xmlns:a14="http://schemas.microsoft.com/office/drawing/2010/main">
-                <a:solidFill>
-                  <a:srgbClr val="FFFFFF"/>
-                </a:solidFill>
-              </a14:hiddenFill>
-            </a:ext>
-          </a:extLst>
-        </p:spPr>
-      </p:pic>
-      <p:pic>
-        <p:nvPicPr>
-          <p:cNvPr id="72" name="Picture 4" descr="nssm.cc">
-            <a:extLst>
-              <a:ext uri="{FF2B5EF4-FFF2-40B4-BE49-F238E27FC236}">
-                <a16:creationId xmlns:a16="http://schemas.microsoft.com/office/drawing/2014/main" id="{14FFC8E9-BD27-4957-BE6C-B14ECA5A7DD3}"/>
-              </a:ext>
-            </a:extLst>
-          </p:cNvPr>
-          <p:cNvPicPr>
-            <a:picLocks noChangeAspect="1" noChangeArrowheads="1"/>
-          </p:cNvPicPr>
-          <p:nvPr/>
-        </p:nvPicPr>
-        <p:blipFill>
-          <a:blip r:embed="rId10">
-            <a:extLst>
-              <a:ext uri="{28A0092B-C50C-407E-A947-70E740481C1C}">
-                <a14:useLocalDpi xmlns:a14="http://schemas.microsoft.com/office/drawing/2010/main" val="0"/>
-              </a:ext>
-            </a:extLst>
-          </a:blip>
-          <a:srcRect/>
-          <a:stretch>
-            <a:fillRect/>
-          </a:stretch>
-        </p:blipFill>
-        <p:spPr bwMode="auto">
-          <a:xfrm>
-            <a:off x="2908755" y="3373151"/>
-            <a:ext cx="199995" cy="199995"/>
-          </a:xfrm>
-          <a:prstGeom prst="rect">
-            <a:avLst/>
-          </a:prstGeom>
-          <a:noFill/>
-          <a:extLst>
-            <a:ext uri="{909E8E84-426E-40DD-AFC4-6F175D3DCCD1}">
-              <a14:hiddenFill xmlns:a14="http://schemas.microsoft.com/office/drawing/2010/main">
-                <a:solidFill>
-                  <a:srgbClr val="FFFFFF"/>
-                </a:solidFill>
-              </a14:hiddenFill>
-            </a:ext>
-          </a:extLst>
-        </p:spPr>
-      </p:pic>
-      <p:pic>
-        <p:nvPicPr>
-          <p:cNvPr id="73" name="Picture 4" descr="nssm.cc">
-            <a:extLst>
-              <a:ext uri="{FF2B5EF4-FFF2-40B4-BE49-F238E27FC236}">
-                <a16:creationId xmlns:a16="http://schemas.microsoft.com/office/drawing/2014/main" id="{394F141C-867E-4536-A168-8A49B8DA3D19}"/>
-              </a:ext>
-            </a:extLst>
-          </p:cNvPr>
-          <p:cNvPicPr>
-            <a:picLocks noChangeAspect="1" noChangeArrowheads="1"/>
-          </p:cNvPicPr>
-          <p:nvPr/>
-        </p:nvPicPr>
-        <p:blipFill>
-          <a:blip r:embed="rId10">
-            <a:extLst>
-              <a:ext uri="{28A0092B-C50C-407E-A947-70E740481C1C}">
-                <a14:useLocalDpi xmlns:a14="http://schemas.microsoft.com/office/drawing/2010/main" val="0"/>
-              </a:ext>
-            </a:extLst>
-          </a:blip>
-          <a:srcRect/>
-          <a:stretch>
-            <a:fillRect/>
-          </a:stretch>
-        </p:blipFill>
-        <p:spPr bwMode="auto">
-          <a:xfrm>
-            <a:off x="2906407" y="5413790"/>
-            <a:ext cx="199995" cy="199995"/>
-          </a:xfrm>
-          <a:prstGeom prst="rect">
-            <a:avLst/>
-          </a:prstGeom>
-          <a:noFill/>
-          <a:extLst>
-            <a:ext uri="{909E8E84-426E-40DD-AFC4-6F175D3DCCD1}">
-              <a14:hiddenFill xmlns:a14="http://schemas.microsoft.com/office/drawing/2010/main">
-                <a:solidFill>
-                  <a:srgbClr val="FFFFFF"/>
-                </a:solidFill>
-              </a14:hiddenFill>
-            </a:ext>
-          </a:extLst>
-        </p:spPr>
-      </p:pic>
-      <p:sp>
-        <p:nvSpPr>
-          <p:cNvPr id="74" name="Rectangle 73">
-            <a:extLst>
-              <a:ext uri="{FF2B5EF4-FFF2-40B4-BE49-F238E27FC236}">
-                <a16:creationId xmlns:a16="http://schemas.microsoft.com/office/drawing/2014/main" id="{EF71D26C-0A92-451C-871C-FB0DC261831F}"/>
-              </a:ext>
-            </a:extLst>
-          </p:cNvPr>
-          <p:cNvSpPr/>
-          <p:nvPr/>
-        </p:nvSpPr>
-        <p:spPr>
-          <a:xfrm>
-            <a:off x="6264877" y="1783318"/>
-            <a:ext cx="1102247" cy="1661614"/>
-          </a:xfrm>
-          <a:prstGeom prst="rect">
-            <a:avLst/>
-          </a:prstGeom>
-          <a:noFill/>
-          <a:ln>
-            <a:solidFill>
-              <a:schemeClr val="accent2"/>
-            </a:solidFill>
-          </a:ln>
-        </p:spPr>
-        <p:style>
-          <a:lnRef idx="2">
-            <a:schemeClr val="accent1">
-              <a:shade val="50000"/>
-            </a:schemeClr>
-          </a:lnRef>
-          <a:fillRef idx="1">
-            <a:schemeClr val="accent1"/>
-          </a:fillRef>
-          <a:effectRef idx="0">
-            <a:schemeClr val="accent1"/>
-          </a:effectRef>
-          <a:fontRef idx="minor">
-            <a:schemeClr val="lt1"/>
-          </a:fontRef>
-        </p:style>
-        <p:txBody>
-          <a:bodyPr rtlCol="0" anchor="ctr"/>
-          <a:lstStyle/>
-          <a:p>
-            <a:pPr algn="ctr"/>
-            <a:endParaRPr lang="en-US"/>
           </a:p>
         </p:txBody>
       </p:sp>
@@ -14480,7 +11876,7 @@
         </p:nvSpPr>
         <p:spPr>
           <a:xfrm>
-            <a:off x="4629997" y="5772780"/>
+            <a:off x="4332339" y="206725"/>
             <a:ext cx="3183477" cy="646331"/>
           </a:xfrm>
           <a:prstGeom prst="rect">
@@ -14555,7 +11951,7 @@
           <p:nvPr/>
         </p:nvPicPr>
         <p:blipFill>
-          <a:blip r:embed="rId5" cstate="print">
+          <a:blip r:embed="rId4" cstate="print">
             <a:extLst>
               <a:ext uri="{28A0092B-C50C-407E-A947-70E740481C1C}">
                 <a14:useLocalDpi xmlns:a14="http://schemas.microsoft.com/office/drawing/2010/main" val="0"/>
@@ -14578,7 +11974,7 @@
           <a:noFill/>
           <a:extLst>
             <a:ext uri="{909E8E84-426E-40dd-AFC4-6F175D3DCCD1}">
-              <a14:hiddenFill xmlns:a14="http://schemas.microsoft.com/office/drawing/2010/main" xmlns="">
+              <a14:hiddenFill xmlns="" xmlns:a14="http://schemas.microsoft.com/office/drawing/2010/main">
                 <a:solidFill>
                   <a:srgbClr val="FFFFFF"/>
                 </a:solidFill>
@@ -15006,6 +12402,1360 @@
           </a:p>
         </p:txBody>
       </p:sp>
+      <p:pic>
+        <p:nvPicPr>
+          <p:cNvPr id="53" name="Picture 2" descr="Logo">
+            <a:extLst>
+              <a:ext uri="{FF2B5EF4-FFF2-40B4-BE49-F238E27FC236}">
+                <a16:creationId xmlns:a16="http://schemas.microsoft.com/office/drawing/2014/main" id="{B39CDE94-E558-4E25-A723-CABA8CC0C964}"/>
+              </a:ext>
+            </a:extLst>
+          </p:cNvPr>
+          <p:cNvPicPr>
+            <a:picLocks noChangeAspect="1" noChangeArrowheads="1"/>
+          </p:cNvPicPr>
+          <p:nvPr/>
+        </p:nvPicPr>
+        <p:blipFill>
+          <a:blip r:embed="rId5">
+            <a:extLst>
+              <a:ext uri="{28A0092B-C50C-407E-A947-70E740481C1C}">
+                <a14:useLocalDpi xmlns:a14="http://schemas.microsoft.com/office/drawing/2010/main" val="0"/>
+              </a:ext>
+            </a:extLst>
+          </a:blip>
+          <a:srcRect/>
+          <a:stretch>
+            <a:fillRect/>
+          </a:stretch>
+        </p:blipFill>
+        <p:spPr bwMode="auto">
+          <a:xfrm>
+            <a:off x="4750780" y="1783316"/>
+            <a:ext cx="609600" cy="609600"/>
+          </a:xfrm>
+          <a:prstGeom prst="rect">
+            <a:avLst/>
+          </a:prstGeom>
+          <a:noFill/>
+          <a:extLst>
+            <a:ext uri="{909E8E84-426E-40DD-AFC4-6F175D3DCCD1}">
+              <a14:hiddenFill xmlns:a14="http://schemas.microsoft.com/office/drawing/2010/main">
+                <a:solidFill>
+                  <a:srgbClr val="FFFFFF"/>
+                </a:solidFill>
+              </a14:hiddenFill>
+            </a:ext>
+          </a:extLst>
+        </p:spPr>
+      </p:pic>
+      <p:pic>
+        <p:nvPicPr>
+          <p:cNvPr id="54" name="Picture 14" descr="http://assets.ruxitlabs.com/icons/png/green/Icons_file_001_Browser.png">
+            <a:extLst>
+              <a:ext uri="{FF2B5EF4-FFF2-40B4-BE49-F238E27FC236}">
+                <a16:creationId xmlns:a16="http://schemas.microsoft.com/office/drawing/2014/main" id="{CE08DB4D-7B2B-45B2-BA6D-FD0815703D01}"/>
+              </a:ext>
+            </a:extLst>
+          </p:cNvPr>
+          <p:cNvPicPr>
+            <a:picLocks noChangeAspect="1" noChangeArrowheads="1"/>
+          </p:cNvPicPr>
+          <p:nvPr/>
+        </p:nvPicPr>
+        <p:blipFill>
+          <a:blip r:embed="rId4" cstate="print">
+            <a:extLst>
+              <a:ext uri="{28A0092B-C50C-407E-A947-70E740481C1C}">
+                <a14:useLocalDpi xmlns:a14="http://schemas.microsoft.com/office/drawing/2010/main" val="0"/>
+              </a:ext>
+            </a:extLst>
+          </a:blip>
+          <a:srcRect/>
+          <a:stretch>
+            <a:fillRect/>
+          </a:stretch>
+        </p:blipFill>
+        <p:spPr bwMode="auto">
+          <a:xfrm>
+            <a:off x="1629098" y="293302"/>
+            <a:ext cx="678029" cy="678029"/>
+          </a:xfrm>
+          <a:prstGeom prst="rect">
+            <a:avLst/>
+          </a:prstGeom>
+          <a:noFill/>
+          <a:extLst>
+            <a:ext uri="{909E8E84-426E-40dd-AFC4-6F175D3DCCD1}">
+              <a14:hiddenFill xmlns="" xmlns:a14="http://schemas.microsoft.com/office/drawing/2010/main">
+                <a:solidFill>
+                  <a:srgbClr val="FFFFFF"/>
+                </a:solidFill>
+              </a14:hiddenFill>
+            </a:ext>
+          </a:extLst>
+        </p:spPr>
+      </p:pic>
+      <p:sp>
+        <p:nvSpPr>
+          <p:cNvPr id="63" name="TextBox 62">
+            <a:extLst>
+              <a:ext uri="{FF2B5EF4-FFF2-40B4-BE49-F238E27FC236}">
+                <a16:creationId xmlns:a16="http://schemas.microsoft.com/office/drawing/2014/main" id="{39EA6B1C-96D8-4CCC-900A-D403901A29CE}"/>
+              </a:ext>
+            </a:extLst>
+          </p:cNvPr>
+          <p:cNvSpPr txBox="1"/>
+          <p:nvPr/>
+        </p:nvSpPr>
+        <p:spPr>
+          <a:xfrm>
+            <a:off x="1692451" y="854220"/>
+            <a:ext cx="645498" cy="461665"/>
+          </a:xfrm>
+          <a:prstGeom prst="rect">
+            <a:avLst/>
+          </a:prstGeom>
+          <a:noFill/>
+        </p:spPr>
+        <p:txBody>
+          <a:bodyPr wrap="square" rtlCol="0">
+            <a:spAutoFit/>
+          </a:bodyPr>
+          <a:lstStyle/>
+          <a:p>
+            <a:pPr marL="0" marR="0" lvl="0" indent="0" defTabSz="914400" eaLnBrk="1" fontAlgn="auto" latinLnBrk="0" hangingPunct="1">
+              <a:lnSpc>
+                <a:spcPct val="100000"/>
+              </a:lnSpc>
+              <a:spcBef>
+                <a:spcPts val="0"/>
+              </a:spcBef>
+              <a:spcAft>
+                <a:spcPts val="0"/>
+              </a:spcAft>
+              <a:buClrTx/>
+              <a:buSzTx/>
+              <a:buFontTx/>
+              <a:buNone/>
+              <a:tabLst/>
+              <a:defRPr/>
+            </a:pPr>
+            <a:r>
+              <a:rPr lang="de-AT" sz="1200" kern="0" dirty="0">
+                <a:solidFill>
+                  <a:srgbClr val="92D050">
+                    <a:lumMod val="75000"/>
+                  </a:srgbClr>
+                </a:solidFill>
+                <a:latin typeface="Calibri" panose="020F0502020204030204"/>
+                <a:ea typeface=""/>
+                <a:cs typeface=""/>
+              </a:rPr>
+              <a:t>Tested App</a:t>
+            </a:r>
+            <a:r>
+              <a:rPr kumimoji="0" lang="de-AT" sz="1200" b="0" i="0" u="none" strike="noStrike" kern="0" cap="none" spc="0" normalizeH="0" baseline="0" noProof="0" dirty="0">
+                <a:ln>
+                  <a:noFill/>
+                </a:ln>
+                <a:solidFill>
+                  <a:srgbClr val="92D050">
+                    <a:lumMod val="75000"/>
+                  </a:srgbClr>
+                </a:solidFill>
+                <a:effectLst/>
+                <a:uLnTx/>
+                <a:uFillTx/>
+                <a:latin typeface="Calibri" panose="020F0502020204030204"/>
+                <a:ea typeface=""/>
+                <a:cs typeface=""/>
+              </a:rPr>
+              <a:t> UI</a:t>
+            </a:r>
+          </a:p>
+        </p:txBody>
+      </p:sp>
+      <p:pic>
+        <p:nvPicPr>
+          <p:cNvPr id="66" name="Picture 65">
+            <a:extLst>
+              <a:ext uri="{FF2B5EF4-FFF2-40B4-BE49-F238E27FC236}">
+                <a16:creationId xmlns:a16="http://schemas.microsoft.com/office/drawing/2014/main" id="{156B6155-DD7A-4BFE-85CA-587C01B2FA24}"/>
+              </a:ext>
+            </a:extLst>
+          </p:cNvPr>
+          <p:cNvPicPr>
+            <a:picLocks noChangeAspect="1"/>
+          </p:cNvPicPr>
+          <p:nvPr/>
+        </p:nvPicPr>
+        <p:blipFill>
+          <a:blip r:embed="rId6"/>
+          <a:stretch>
+            <a:fillRect/>
+          </a:stretch>
+        </p:blipFill>
+        <p:spPr>
+          <a:xfrm>
+            <a:off x="4677979" y="2684171"/>
+            <a:ext cx="729079" cy="315894"/>
+          </a:xfrm>
+          <a:prstGeom prst="rect">
+            <a:avLst/>
+          </a:prstGeom>
+        </p:spPr>
+      </p:pic>
+      <p:sp>
+        <p:nvSpPr>
+          <p:cNvPr id="68" name="TextBox 67">
+            <a:extLst>
+              <a:ext uri="{FF2B5EF4-FFF2-40B4-BE49-F238E27FC236}">
+                <a16:creationId xmlns:a16="http://schemas.microsoft.com/office/drawing/2014/main" id="{C96B4E55-9722-42D1-A6D6-4917829B07E2}"/>
+              </a:ext>
+            </a:extLst>
+          </p:cNvPr>
+          <p:cNvSpPr txBox="1"/>
+          <p:nvPr/>
+        </p:nvSpPr>
+        <p:spPr>
+          <a:xfrm>
+            <a:off x="4523786" y="2997507"/>
+            <a:ext cx="1037463" cy="584775"/>
+          </a:xfrm>
+          <a:prstGeom prst="rect">
+            <a:avLst/>
+          </a:prstGeom>
+          <a:noFill/>
+        </p:spPr>
+        <p:txBody>
+          <a:bodyPr wrap="none" rtlCol="0">
+            <a:spAutoFit/>
+          </a:bodyPr>
+          <a:lstStyle/>
+          <a:p>
+            <a:pPr marL="0" marR="0" lvl="0" indent="0" defTabSz="914400" eaLnBrk="1" fontAlgn="auto" latinLnBrk="0" hangingPunct="1">
+              <a:lnSpc>
+                <a:spcPct val="100000"/>
+              </a:lnSpc>
+              <a:spcBef>
+                <a:spcPts val="0"/>
+              </a:spcBef>
+              <a:spcAft>
+                <a:spcPts val="0"/>
+              </a:spcAft>
+              <a:buClrTx/>
+              <a:buSzTx/>
+              <a:buFontTx/>
+              <a:buNone/>
+              <a:tabLst/>
+              <a:defRPr/>
+            </a:pPr>
+            <a:r>
+              <a:rPr kumimoji="0" lang="de-AT" sz="1600" b="0" i="0" u="none" strike="noStrike" kern="0" cap="none" spc="0" normalizeH="0" baseline="0" noProof="0" dirty="0">
+                <a:ln>
+                  <a:noFill/>
+                </a:ln>
+                <a:solidFill>
+                  <a:srgbClr val="1496FF"/>
+                </a:solidFill>
+                <a:effectLst/>
+                <a:uLnTx/>
+                <a:uFillTx/>
+                <a:latin typeface="Calibri" panose="020F0502020204030204"/>
+                <a:ea typeface=""/>
+                <a:cs typeface=""/>
+              </a:rPr>
+              <a:t>Dynatrace</a:t>
+            </a:r>
+          </a:p>
+          <a:p>
+            <a:pPr marL="0" marR="0" lvl="0" indent="0" algn="ctr" defTabSz="914400" eaLnBrk="1" fontAlgn="auto" latinLnBrk="0" hangingPunct="1">
+              <a:lnSpc>
+                <a:spcPct val="100000"/>
+              </a:lnSpc>
+              <a:spcBef>
+                <a:spcPts val="0"/>
+              </a:spcBef>
+              <a:spcAft>
+                <a:spcPts val="0"/>
+              </a:spcAft>
+              <a:buClrTx/>
+              <a:buSzTx/>
+              <a:buFontTx/>
+              <a:buNone/>
+              <a:tabLst/>
+              <a:defRPr/>
+            </a:pPr>
+            <a:r>
+              <a:rPr kumimoji="0" lang="de-AT" sz="1600" b="0" i="0" u="none" strike="noStrike" kern="0" cap="none" spc="0" normalizeH="0" baseline="0" noProof="0" dirty="0">
+                <a:ln>
+                  <a:noFill/>
+                </a:ln>
+                <a:solidFill>
+                  <a:srgbClr val="1496FF"/>
+                </a:solidFill>
+                <a:effectLst/>
+                <a:uLnTx/>
+                <a:uFillTx/>
+                <a:latin typeface="Calibri" panose="020F0502020204030204"/>
+                <a:ea typeface=""/>
+                <a:cs typeface=""/>
+              </a:rPr>
+              <a:t>bridge</a:t>
+            </a:r>
+          </a:p>
+        </p:txBody>
+      </p:sp>
+      <p:sp>
+        <p:nvSpPr>
+          <p:cNvPr id="69" name="TextBox 68">
+            <a:extLst>
+              <a:ext uri="{FF2B5EF4-FFF2-40B4-BE49-F238E27FC236}">
+                <a16:creationId xmlns:a16="http://schemas.microsoft.com/office/drawing/2014/main" id="{38CC2E19-9A91-49C6-BE5D-12FF8901FF4F}"/>
+              </a:ext>
+            </a:extLst>
+          </p:cNvPr>
+          <p:cNvSpPr txBox="1"/>
+          <p:nvPr/>
+        </p:nvSpPr>
+        <p:spPr>
+          <a:xfrm>
+            <a:off x="4673883" y="2237145"/>
+            <a:ext cx="771621" cy="369332"/>
+          </a:xfrm>
+          <a:prstGeom prst="rect">
+            <a:avLst/>
+          </a:prstGeom>
+          <a:noFill/>
+        </p:spPr>
+        <p:txBody>
+          <a:bodyPr wrap="none" rtlCol="0">
+            <a:spAutoFit/>
+          </a:bodyPr>
+          <a:lstStyle/>
+          <a:p>
+            <a:r>
+              <a:rPr lang="fr-FR" dirty="0" err="1"/>
+              <a:t>Sikulix</a:t>
+            </a:r>
+            <a:endParaRPr lang="en-US" dirty="0"/>
+          </a:p>
+        </p:txBody>
+      </p:sp>
+      <p:sp>
+        <p:nvSpPr>
+          <p:cNvPr id="70" name="Rectangle 69">
+            <a:extLst>
+              <a:ext uri="{FF2B5EF4-FFF2-40B4-BE49-F238E27FC236}">
+                <a16:creationId xmlns:a16="http://schemas.microsoft.com/office/drawing/2014/main" id="{0DC738AB-A52C-4ACE-AD59-E7A2298E8381}"/>
+              </a:ext>
+            </a:extLst>
+          </p:cNvPr>
+          <p:cNvSpPr/>
+          <p:nvPr/>
+        </p:nvSpPr>
+        <p:spPr>
+          <a:xfrm>
+            <a:off x="4523786" y="1783317"/>
+            <a:ext cx="1037463" cy="1786264"/>
+          </a:xfrm>
+          <a:prstGeom prst="rect">
+            <a:avLst/>
+          </a:prstGeom>
+          <a:noFill/>
+          <a:ln>
+            <a:solidFill>
+              <a:schemeClr val="accent2"/>
+            </a:solidFill>
+          </a:ln>
+        </p:spPr>
+        <p:style>
+          <a:lnRef idx="2">
+            <a:schemeClr val="accent1">
+              <a:shade val="50000"/>
+            </a:schemeClr>
+          </a:lnRef>
+          <a:fillRef idx="1">
+            <a:schemeClr val="accent1"/>
+          </a:fillRef>
+          <a:effectRef idx="0">
+            <a:schemeClr val="accent1"/>
+          </a:effectRef>
+          <a:fontRef idx="minor">
+            <a:schemeClr val="lt1"/>
+          </a:fontRef>
+        </p:style>
+        <p:txBody>
+          <a:bodyPr rtlCol="0" anchor="ctr"/>
+          <a:lstStyle/>
+          <a:p>
+            <a:pPr algn="ctr"/>
+            <a:endParaRPr lang="en-US"/>
+          </a:p>
+        </p:txBody>
+      </p:sp>
+      <p:pic>
+        <p:nvPicPr>
+          <p:cNvPr id="81" name="Picture 14" descr="http://assets.ruxitlabs.com/icons/png/green/Icons_file_001_Browser.png">
+            <a:extLst>
+              <a:ext uri="{FF2B5EF4-FFF2-40B4-BE49-F238E27FC236}">
+                <a16:creationId xmlns:a16="http://schemas.microsoft.com/office/drawing/2014/main" id="{AAD1C41C-A7B2-4C91-8213-08554DEE79EE}"/>
+              </a:ext>
+            </a:extLst>
+          </p:cNvPr>
+          <p:cNvPicPr>
+            <a:picLocks noChangeAspect="1" noChangeArrowheads="1"/>
+          </p:cNvPicPr>
+          <p:nvPr/>
+        </p:nvPicPr>
+        <p:blipFill>
+          <a:blip r:embed="rId4" cstate="print">
+            <a:extLst>
+              <a:ext uri="{28A0092B-C50C-407E-A947-70E740481C1C}">
+                <a14:useLocalDpi xmlns:a14="http://schemas.microsoft.com/office/drawing/2010/main" val="0"/>
+              </a:ext>
+            </a:extLst>
+          </a:blip>
+          <a:srcRect/>
+          <a:stretch>
+            <a:fillRect/>
+          </a:stretch>
+        </p:blipFill>
+        <p:spPr bwMode="auto">
+          <a:xfrm>
+            <a:off x="1629098" y="2374356"/>
+            <a:ext cx="678029" cy="678029"/>
+          </a:xfrm>
+          <a:prstGeom prst="rect">
+            <a:avLst/>
+          </a:prstGeom>
+          <a:noFill/>
+          <a:extLst>
+            <a:ext uri="{909E8E84-426E-40dd-AFC4-6F175D3DCCD1}">
+              <a14:hiddenFill xmlns="" xmlns:a14="http://schemas.microsoft.com/office/drawing/2010/main">
+                <a:solidFill>
+                  <a:srgbClr val="FFFFFF"/>
+                </a:solidFill>
+              </a14:hiddenFill>
+            </a:ext>
+          </a:extLst>
+        </p:spPr>
+      </p:pic>
+      <p:sp>
+        <p:nvSpPr>
+          <p:cNvPr id="82" name="TextBox 81">
+            <a:extLst>
+              <a:ext uri="{FF2B5EF4-FFF2-40B4-BE49-F238E27FC236}">
+                <a16:creationId xmlns:a16="http://schemas.microsoft.com/office/drawing/2014/main" id="{3B0F7A4A-D7B4-4D8B-BF90-68C6D6294F15}"/>
+              </a:ext>
+            </a:extLst>
+          </p:cNvPr>
+          <p:cNvSpPr txBox="1"/>
+          <p:nvPr/>
+        </p:nvSpPr>
+        <p:spPr>
+          <a:xfrm>
+            <a:off x="1692451" y="2935274"/>
+            <a:ext cx="645498" cy="461665"/>
+          </a:xfrm>
+          <a:prstGeom prst="rect">
+            <a:avLst/>
+          </a:prstGeom>
+          <a:noFill/>
+        </p:spPr>
+        <p:txBody>
+          <a:bodyPr wrap="square" rtlCol="0">
+            <a:spAutoFit/>
+          </a:bodyPr>
+          <a:lstStyle/>
+          <a:p>
+            <a:pPr marL="0" marR="0" lvl="0" indent="0" defTabSz="914400" eaLnBrk="1" fontAlgn="auto" latinLnBrk="0" hangingPunct="1">
+              <a:lnSpc>
+                <a:spcPct val="100000"/>
+              </a:lnSpc>
+              <a:spcBef>
+                <a:spcPts val="0"/>
+              </a:spcBef>
+              <a:spcAft>
+                <a:spcPts val="0"/>
+              </a:spcAft>
+              <a:buClrTx/>
+              <a:buSzTx/>
+              <a:buFontTx/>
+              <a:buNone/>
+              <a:tabLst/>
+              <a:defRPr/>
+            </a:pPr>
+            <a:r>
+              <a:rPr lang="de-AT" sz="1200" kern="0" dirty="0">
+                <a:solidFill>
+                  <a:srgbClr val="92D050">
+                    <a:lumMod val="75000"/>
+                  </a:srgbClr>
+                </a:solidFill>
+                <a:latin typeface="Calibri" panose="020F0502020204030204"/>
+                <a:ea typeface=""/>
+                <a:cs typeface=""/>
+              </a:rPr>
+              <a:t>Tested App</a:t>
+            </a:r>
+            <a:r>
+              <a:rPr kumimoji="0" lang="de-AT" sz="1200" b="0" i="0" u="none" strike="noStrike" kern="0" cap="none" spc="0" normalizeH="0" baseline="0" noProof="0" dirty="0">
+                <a:ln>
+                  <a:noFill/>
+                </a:ln>
+                <a:solidFill>
+                  <a:srgbClr val="92D050">
+                    <a:lumMod val="75000"/>
+                  </a:srgbClr>
+                </a:solidFill>
+                <a:effectLst/>
+                <a:uLnTx/>
+                <a:uFillTx/>
+                <a:latin typeface="Calibri" panose="020F0502020204030204"/>
+                <a:ea typeface=""/>
+                <a:cs typeface=""/>
+              </a:rPr>
+              <a:t> UI</a:t>
+            </a:r>
+          </a:p>
+        </p:txBody>
+      </p:sp>
+      <p:pic>
+        <p:nvPicPr>
+          <p:cNvPr id="83" name="Picture 14" descr="http://assets.ruxitlabs.com/icons/png/green/Icons_file_001_Browser.png">
+            <a:extLst>
+              <a:ext uri="{FF2B5EF4-FFF2-40B4-BE49-F238E27FC236}">
+                <a16:creationId xmlns:a16="http://schemas.microsoft.com/office/drawing/2014/main" id="{DD71DCD8-0763-4B69-A1E7-388E4DB29183}"/>
+              </a:ext>
+            </a:extLst>
+          </p:cNvPr>
+          <p:cNvPicPr>
+            <a:picLocks noChangeAspect="1" noChangeArrowheads="1"/>
+          </p:cNvPicPr>
+          <p:nvPr/>
+        </p:nvPicPr>
+        <p:blipFill>
+          <a:blip r:embed="rId4" cstate="print">
+            <a:extLst>
+              <a:ext uri="{28A0092B-C50C-407E-A947-70E740481C1C}">
+                <a14:useLocalDpi xmlns:a14="http://schemas.microsoft.com/office/drawing/2010/main" val="0"/>
+              </a:ext>
+            </a:extLst>
+          </a:blip>
+          <a:srcRect/>
+          <a:stretch>
+            <a:fillRect/>
+          </a:stretch>
+        </p:blipFill>
+        <p:spPr bwMode="auto">
+          <a:xfrm>
+            <a:off x="1629098" y="4451499"/>
+            <a:ext cx="678029" cy="678029"/>
+          </a:xfrm>
+          <a:prstGeom prst="rect">
+            <a:avLst/>
+          </a:prstGeom>
+          <a:noFill/>
+          <a:extLst>
+            <a:ext uri="{909E8E84-426E-40dd-AFC4-6F175D3DCCD1}">
+              <a14:hiddenFill xmlns="" xmlns:a14="http://schemas.microsoft.com/office/drawing/2010/main">
+                <a:solidFill>
+                  <a:srgbClr val="FFFFFF"/>
+                </a:solidFill>
+              </a14:hiddenFill>
+            </a:ext>
+          </a:extLst>
+        </p:spPr>
+      </p:pic>
+      <p:sp>
+        <p:nvSpPr>
+          <p:cNvPr id="84" name="TextBox 83">
+            <a:extLst>
+              <a:ext uri="{FF2B5EF4-FFF2-40B4-BE49-F238E27FC236}">
+                <a16:creationId xmlns:a16="http://schemas.microsoft.com/office/drawing/2014/main" id="{050DEE90-2A23-4828-A39E-AD65FA236EE9}"/>
+              </a:ext>
+            </a:extLst>
+          </p:cNvPr>
+          <p:cNvSpPr txBox="1"/>
+          <p:nvPr/>
+        </p:nvSpPr>
+        <p:spPr>
+          <a:xfrm>
+            <a:off x="1692451" y="5012417"/>
+            <a:ext cx="645498" cy="461665"/>
+          </a:xfrm>
+          <a:prstGeom prst="rect">
+            <a:avLst/>
+          </a:prstGeom>
+          <a:noFill/>
+        </p:spPr>
+        <p:txBody>
+          <a:bodyPr wrap="square" rtlCol="0">
+            <a:spAutoFit/>
+          </a:bodyPr>
+          <a:lstStyle/>
+          <a:p>
+            <a:pPr marL="0" marR="0" lvl="0" indent="0" defTabSz="914400" eaLnBrk="1" fontAlgn="auto" latinLnBrk="0" hangingPunct="1">
+              <a:lnSpc>
+                <a:spcPct val="100000"/>
+              </a:lnSpc>
+              <a:spcBef>
+                <a:spcPts val="0"/>
+              </a:spcBef>
+              <a:spcAft>
+                <a:spcPts val="0"/>
+              </a:spcAft>
+              <a:buClrTx/>
+              <a:buSzTx/>
+              <a:buFontTx/>
+              <a:buNone/>
+              <a:tabLst/>
+              <a:defRPr/>
+            </a:pPr>
+            <a:r>
+              <a:rPr lang="de-AT" sz="1200" kern="0" dirty="0">
+                <a:solidFill>
+                  <a:srgbClr val="92D050">
+                    <a:lumMod val="75000"/>
+                  </a:srgbClr>
+                </a:solidFill>
+                <a:latin typeface="Calibri" panose="020F0502020204030204"/>
+                <a:ea typeface=""/>
+                <a:cs typeface=""/>
+              </a:rPr>
+              <a:t>Tested App</a:t>
+            </a:r>
+            <a:r>
+              <a:rPr kumimoji="0" lang="de-AT" sz="1200" b="0" i="0" u="none" strike="noStrike" kern="0" cap="none" spc="0" normalizeH="0" baseline="0" noProof="0" dirty="0">
+                <a:ln>
+                  <a:noFill/>
+                </a:ln>
+                <a:solidFill>
+                  <a:srgbClr val="92D050">
+                    <a:lumMod val="75000"/>
+                  </a:srgbClr>
+                </a:solidFill>
+                <a:effectLst/>
+                <a:uLnTx/>
+                <a:uFillTx/>
+                <a:latin typeface="Calibri" panose="020F0502020204030204"/>
+                <a:ea typeface=""/>
+                <a:cs typeface=""/>
+              </a:rPr>
+              <a:t> UI</a:t>
+            </a:r>
+          </a:p>
+        </p:txBody>
+      </p:sp>
+      <p:sp>
+        <p:nvSpPr>
+          <p:cNvPr id="85" name="TextBox 84">
+            <a:extLst>
+              <a:ext uri="{FF2B5EF4-FFF2-40B4-BE49-F238E27FC236}">
+                <a16:creationId xmlns:a16="http://schemas.microsoft.com/office/drawing/2014/main" id="{3153EF5B-ADB2-4EB9-9A3D-6D3AA1178048}"/>
+              </a:ext>
+            </a:extLst>
+          </p:cNvPr>
+          <p:cNvSpPr txBox="1"/>
+          <p:nvPr/>
+        </p:nvSpPr>
+        <p:spPr>
+          <a:xfrm>
+            <a:off x="589001" y="1272746"/>
+            <a:ext cx="683200" cy="369332"/>
+          </a:xfrm>
+          <a:prstGeom prst="rect">
+            <a:avLst/>
+          </a:prstGeom>
+          <a:noFill/>
+        </p:spPr>
+        <p:txBody>
+          <a:bodyPr wrap="none" rtlCol="0">
+            <a:spAutoFit/>
+          </a:bodyPr>
+          <a:lstStyle/>
+          <a:p>
+            <a:r>
+              <a:rPr lang="fr-FR" dirty="0"/>
+              <a:t>VM 1</a:t>
+            </a:r>
+            <a:endParaRPr lang="en-US" dirty="0"/>
+          </a:p>
+        </p:txBody>
+      </p:sp>
+      <p:sp>
+        <p:nvSpPr>
+          <p:cNvPr id="86" name="TextBox 85">
+            <a:extLst>
+              <a:ext uri="{FF2B5EF4-FFF2-40B4-BE49-F238E27FC236}">
+                <a16:creationId xmlns:a16="http://schemas.microsoft.com/office/drawing/2014/main" id="{56CF3737-84E4-4F02-A360-54F8B81D23A4}"/>
+              </a:ext>
+            </a:extLst>
+          </p:cNvPr>
+          <p:cNvSpPr txBox="1"/>
+          <p:nvPr/>
+        </p:nvSpPr>
+        <p:spPr>
+          <a:xfrm>
+            <a:off x="567177" y="3147115"/>
+            <a:ext cx="683200" cy="369332"/>
+          </a:xfrm>
+          <a:prstGeom prst="rect">
+            <a:avLst/>
+          </a:prstGeom>
+          <a:noFill/>
+        </p:spPr>
+        <p:txBody>
+          <a:bodyPr wrap="none" rtlCol="0">
+            <a:spAutoFit/>
+          </a:bodyPr>
+          <a:lstStyle/>
+          <a:p>
+            <a:r>
+              <a:rPr lang="fr-FR" dirty="0"/>
+              <a:t>VM 2</a:t>
+            </a:r>
+            <a:endParaRPr lang="en-US" dirty="0"/>
+          </a:p>
+        </p:txBody>
+      </p:sp>
+      <p:sp>
+        <p:nvSpPr>
+          <p:cNvPr id="87" name="TextBox 86">
+            <a:extLst>
+              <a:ext uri="{FF2B5EF4-FFF2-40B4-BE49-F238E27FC236}">
+                <a16:creationId xmlns:a16="http://schemas.microsoft.com/office/drawing/2014/main" id="{FA8DA68F-7DB9-46D8-BC79-54850F5967B3}"/>
+              </a:ext>
+            </a:extLst>
+          </p:cNvPr>
+          <p:cNvSpPr txBox="1"/>
+          <p:nvPr/>
+        </p:nvSpPr>
+        <p:spPr>
+          <a:xfrm>
+            <a:off x="638043" y="5104750"/>
+            <a:ext cx="683200" cy="369332"/>
+          </a:xfrm>
+          <a:prstGeom prst="rect">
+            <a:avLst/>
+          </a:prstGeom>
+          <a:noFill/>
+        </p:spPr>
+        <p:txBody>
+          <a:bodyPr wrap="none" rtlCol="0">
+            <a:spAutoFit/>
+          </a:bodyPr>
+          <a:lstStyle/>
+          <a:p>
+            <a:r>
+              <a:rPr lang="fr-FR" dirty="0"/>
+              <a:t>VM 3</a:t>
+            </a:r>
+            <a:endParaRPr lang="en-US" dirty="0"/>
+          </a:p>
+        </p:txBody>
+      </p:sp>
+      <p:pic>
+        <p:nvPicPr>
+          <p:cNvPr id="88" name="Picture 87">
+            <a:extLst>
+              <a:ext uri="{FF2B5EF4-FFF2-40B4-BE49-F238E27FC236}">
+                <a16:creationId xmlns:a16="http://schemas.microsoft.com/office/drawing/2014/main" id="{2D585911-957D-4283-ACE0-79B34A3162FB}"/>
+              </a:ext>
+            </a:extLst>
+          </p:cNvPr>
+          <p:cNvPicPr>
+            <a:picLocks noChangeAspect="1"/>
+          </p:cNvPicPr>
+          <p:nvPr/>
+        </p:nvPicPr>
+        <p:blipFill>
+          <a:blip r:embed="rId7"/>
+          <a:stretch>
+            <a:fillRect/>
+          </a:stretch>
+        </p:blipFill>
+        <p:spPr>
+          <a:xfrm>
+            <a:off x="6707581" y="1873649"/>
+            <a:ext cx="542925" cy="714375"/>
+          </a:xfrm>
+          <a:prstGeom prst="rect">
+            <a:avLst/>
+          </a:prstGeom>
+        </p:spPr>
+      </p:pic>
+      <p:pic>
+        <p:nvPicPr>
+          <p:cNvPr id="89" name="Picture 88">
+            <a:extLst>
+              <a:ext uri="{FF2B5EF4-FFF2-40B4-BE49-F238E27FC236}">
+                <a16:creationId xmlns:a16="http://schemas.microsoft.com/office/drawing/2014/main" id="{B68C5E86-B431-4B32-A42A-E16FAE8E6EE9}"/>
+              </a:ext>
+            </a:extLst>
+          </p:cNvPr>
+          <p:cNvPicPr>
+            <a:picLocks noChangeAspect="1"/>
+          </p:cNvPicPr>
+          <p:nvPr/>
+        </p:nvPicPr>
+        <p:blipFill>
+          <a:blip r:embed="rId8">
+            <a:extLst>
+              <a:ext uri="{28A0092B-C50C-407E-A947-70E740481C1C}">
+                <a14:useLocalDpi xmlns:a14="http://schemas.microsoft.com/office/drawing/2010/main" val="0"/>
+              </a:ext>
+            </a:extLst>
+          </a:blip>
+          <a:stretch>
+            <a:fillRect/>
+          </a:stretch>
+        </p:blipFill>
+        <p:spPr>
+          <a:xfrm>
+            <a:off x="6270244" y="1847737"/>
+            <a:ext cx="530613" cy="530613"/>
+          </a:xfrm>
+          <a:prstGeom prst="rect">
+            <a:avLst/>
+          </a:prstGeom>
+        </p:spPr>
+      </p:pic>
+      <p:sp>
+        <p:nvSpPr>
+          <p:cNvPr id="90" name="TextBox 89">
+            <a:extLst>
+              <a:ext uri="{FF2B5EF4-FFF2-40B4-BE49-F238E27FC236}">
+                <a16:creationId xmlns:a16="http://schemas.microsoft.com/office/drawing/2014/main" id="{4BAAB35B-D619-40F9-B377-12FC66C57ED6}"/>
+              </a:ext>
+            </a:extLst>
+          </p:cNvPr>
+          <p:cNvSpPr txBox="1"/>
+          <p:nvPr/>
+        </p:nvSpPr>
+        <p:spPr>
+          <a:xfrm>
+            <a:off x="6279164" y="2613936"/>
+            <a:ext cx="1099980" cy="830997"/>
+          </a:xfrm>
+          <a:prstGeom prst="rect">
+            <a:avLst/>
+          </a:prstGeom>
+          <a:noFill/>
+        </p:spPr>
+        <p:txBody>
+          <a:bodyPr wrap="none" rtlCol="0">
+            <a:spAutoFit/>
+          </a:bodyPr>
+          <a:lstStyle/>
+          <a:p>
+            <a:pPr marL="0" marR="0" lvl="0" indent="0" algn="ctr" defTabSz="914400" eaLnBrk="1" fontAlgn="auto" latinLnBrk="0" hangingPunct="1">
+              <a:lnSpc>
+                <a:spcPct val="100000"/>
+              </a:lnSpc>
+              <a:spcBef>
+                <a:spcPts val="0"/>
+              </a:spcBef>
+              <a:spcAft>
+                <a:spcPts val="0"/>
+              </a:spcAft>
+              <a:buClrTx/>
+              <a:buSzTx/>
+              <a:buFontTx/>
+              <a:buNone/>
+              <a:tabLst/>
+              <a:defRPr/>
+            </a:pPr>
+            <a:r>
+              <a:rPr kumimoji="0" lang="de-AT" sz="1600" b="0" i="0" u="none" strike="noStrike" kern="0" cap="none" spc="0" normalizeH="0" baseline="0" noProof="0" dirty="0">
+                <a:ln>
+                  <a:noFill/>
+                </a:ln>
+                <a:solidFill>
+                  <a:srgbClr val="1496FF"/>
+                </a:solidFill>
+                <a:effectLst/>
+                <a:uLnTx/>
+                <a:uFillTx/>
+                <a:latin typeface="Calibri" panose="020F0502020204030204"/>
+                <a:ea typeface=""/>
+                <a:cs typeface=""/>
+              </a:rPr>
+              <a:t>Dynatrace</a:t>
+            </a:r>
+          </a:p>
+          <a:p>
+            <a:pPr marL="0" marR="0" lvl="0" indent="0" algn="ctr" defTabSz="914400" eaLnBrk="1" fontAlgn="auto" latinLnBrk="0" hangingPunct="1">
+              <a:lnSpc>
+                <a:spcPct val="100000"/>
+              </a:lnSpc>
+              <a:spcBef>
+                <a:spcPts val="0"/>
+              </a:spcBef>
+              <a:spcAft>
+                <a:spcPts val="0"/>
+              </a:spcAft>
+              <a:buClrTx/>
+              <a:buSzTx/>
+              <a:buFontTx/>
+              <a:buNone/>
+              <a:tabLst/>
+              <a:defRPr/>
+            </a:pPr>
+            <a:r>
+              <a:rPr kumimoji="0" lang="de-AT" sz="1600" b="0" i="0" u="none" strike="noStrike" kern="0" cap="none" spc="0" normalizeH="0" baseline="0" noProof="0" dirty="0">
+                <a:ln>
+                  <a:noFill/>
+                </a:ln>
+                <a:solidFill>
+                  <a:srgbClr val="1496FF"/>
+                </a:solidFill>
+                <a:effectLst/>
+                <a:uLnTx/>
+                <a:uFillTx/>
+                <a:latin typeface="Calibri" panose="020F0502020204030204"/>
+                <a:ea typeface=""/>
+                <a:cs typeface=""/>
+              </a:rPr>
+              <a:t>Synthetic</a:t>
+            </a:r>
+          </a:p>
+          <a:p>
+            <a:pPr marL="0" marR="0" lvl="0" indent="0" algn="ctr" defTabSz="914400" eaLnBrk="1" fontAlgn="auto" latinLnBrk="0" hangingPunct="1">
+              <a:lnSpc>
+                <a:spcPct val="100000"/>
+              </a:lnSpc>
+              <a:spcBef>
+                <a:spcPts val="0"/>
+              </a:spcBef>
+              <a:spcAft>
+                <a:spcPts val="0"/>
+              </a:spcAft>
+              <a:buClrTx/>
+              <a:buSzTx/>
+              <a:buFontTx/>
+              <a:buNone/>
+              <a:tabLst/>
+              <a:defRPr/>
+            </a:pPr>
+            <a:r>
+              <a:rPr kumimoji="0" lang="de-AT" sz="1600" b="0" i="0" u="none" strike="noStrike" kern="0" cap="none" spc="0" normalizeH="0" baseline="0" noProof="0" dirty="0">
+                <a:ln>
+                  <a:noFill/>
+                </a:ln>
+                <a:solidFill>
+                  <a:srgbClr val="1496FF"/>
+                </a:solidFill>
+                <a:effectLst/>
+                <a:uLnTx/>
+                <a:uFillTx/>
+                <a:latin typeface="Calibri" panose="020F0502020204030204"/>
+                <a:ea typeface=""/>
+                <a:cs typeface=""/>
+              </a:rPr>
+              <a:t>ActiveGate</a:t>
+            </a:r>
+          </a:p>
+        </p:txBody>
+      </p:sp>
+      <p:pic>
+        <p:nvPicPr>
+          <p:cNvPr id="93" name="Picture 92" descr="TightVNC Home">
+            <a:extLst>
+              <a:ext uri="{FF2B5EF4-FFF2-40B4-BE49-F238E27FC236}">
+                <a16:creationId xmlns:a16="http://schemas.microsoft.com/office/drawing/2014/main" id="{17D08DC4-7D1A-4843-915A-1DE83B8D994B}"/>
+              </a:ext>
+            </a:extLst>
+          </p:cNvPr>
+          <p:cNvPicPr>
+            <a:picLocks noChangeAspect="1" noChangeArrowheads="1"/>
+          </p:cNvPicPr>
+          <p:nvPr/>
+        </p:nvPicPr>
+        <p:blipFill>
+          <a:blip r:embed="rId9">
+            <a:extLst>
+              <a:ext uri="{28A0092B-C50C-407E-A947-70E740481C1C}">
+                <a14:useLocalDpi xmlns:a14="http://schemas.microsoft.com/office/drawing/2010/main" val="0"/>
+              </a:ext>
+            </a:extLst>
+          </a:blip>
+          <a:srcRect/>
+          <a:stretch>
+            <a:fillRect/>
+          </a:stretch>
+        </p:blipFill>
+        <p:spPr bwMode="auto">
+          <a:xfrm>
+            <a:off x="1791903" y="5628808"/>
+            <a:ext cx="440675" cy="440675"/>
+          </a:xfrm>
+          <a:prstGeom prst="rect">
+            <a:avLst/>
+          </a:prstGeom>
+          <a:noFill/>
+          <a:extLst>
+            <a:ext uri="{909E8E84-426E-40DD-AFC4-6F175D3DCCD1}">
+              <a14:hiddenFill xmlns:a14="http://schemas.microsoft.com/office/drawing/2010/main">
+                <a:solidFill>
+                  <a:srgbClr val="FFFFFF"/>
+                </a:solidFill>
+              </a14:hiddenFill>
+            </a:ext>
+          </a:extLst>
+        </p:spPr>
+      </p:pic>
+      <p:pic>
+        <p:nvPicPr>
+          <p:cNvPr id="94" name="Picture 93" descr="TightVNC Home">
+            <a:extLst>
+              <a:ext uri="{FF2B5EF4-FFF2-40B4-BE49-F238E27FC236}">
+                <a16:creationId xmlns:a16="http://schemas.microsoft.com/office/drawing/2014/main" id="{E1E9A93A-F8A3-49F3-9F64-1A4C8D9E107C}"/>
+              </a:ext>
+            </a:extLst>
+          </p:cNvPr>
+          <p:cNvPicPr>
+            <a:picLocks noChangeAspect="1" noChangeArrowheads="1"/>
+          </p:cNvPicPr>
+          <p:nvPr/>
+        </p:nvPicPr>
+        <p:blipFill>
+          <a:blip r:embed="rId9">
+            <a:extLst>
+              <a:ext uri="{28A0092B-C50C-407E-A947-70E740481C1C}">
+                <a14:useLocalDpi xmlns:a14="http://schemas.microsoft.com/office/drawing/2010/main" val="0"/>
+              </a:ext>
+            </a:extLst>
+          </a:blip>
+          <a:srcRect/>
+          <a:stretch>
+            <a:fillRect/>
+          </a:stretch>
+        </p:blipFill>
+        <p:spPr bwMode="auto">
+          <a:xfrm>
+            <a:off x="1746558" y="3635548"/>
+            <a:ext cx="440675" cy="440675"/>
+          </a:xfrm>
+          <a:prstGeom prst="rect">
+            <a:avLst/>
+          </a:prstGeom>
+          <a:noFill/>
+          <a:extLst>
+            <a:ext uri="{909E8E84-426E-40DD-AFC4-6F175D3DCCD1}">
+              <a14:hiddenFill xmlns:a14="http://schemas.microsoft.com/office/drawing/2010/main">
+                <a:solidFill>
+                  <a:srgbClr val="FFFFFF"/>
+                </a:solidFill>
+              </a14:hiddenFill>
+            </a:ext>
+          </a:extLst>
+        </p:spPr>
+      </p:pic>
+      <p:pic>
+        <p:nvPicPr>
+          <p:cNvPr id="95" name="Picture 94" descr="TightVNC Home">
+            <a:extLst>
+              <a:ext uri="{FF2B5EF4-FFF2-40B4-BE49-F238E27FC236}">
+                <a16:creationId xmlns:a16="http://schemas.microsoft.com/office/drawing/2014/main" id="{97BF77A2-68F7-42D3-98F1-50C9F8558AFE}"/>
+              </a:ext>
+            </a:extLst>
+          </p:cNvPr>
+          <p:cNvPicPr>
+            <a:picLocks noChangeAspect="1" noChangeArrowheads="1"/>
+          </p:cNvPicPr>
+          <p:nvPr/>
+        </p:nvPicPr>
+        <p:blipFill>
+          <a:blip r:embed="rId9">
+            <a:extLst>
+              <a:ext uri="{28A0092B-C50C-407E-A947-70E740481C1C}">
+                <a14:useLocalDpi xmlns:a14="http://schemas.microsoft.com/office/drawing/2010/main" val="0"/>
+              </a:ext>
+            </a:extLst>
+          </a:blip>
+          <a:srcRect/>
+          <a:stretch>
+            <a:fillRect/>
+          </a:stretch>
+        </p:blipFill>
+        <p:spPr bwMode="auto">
+          <a:xfrm>
+            <a:off x="1748133" y="1520001"/>
+            <a:ext cx="440675" cy="440675"/>
+          </a:xfrm>
+          <a:prstGeom prst="rect">
+            <a:avLst/>
+          </a:prstGeom>
+          <a:noFill/>
+          <a:extLst>
+            <a:ext uri="{909E8E84-426E-40DD-AFC4-6F175D3DCCD1}">
+              <a14:hiddenFill xmlns:a14="http://schemas.microsoft.com/office/drawing/2010/main">
+                <a:solidFill>
+                  <a:srgbClr val="FFFFFF"/>
+                </a:solidFill>
+              </a14:hiddenFill>
+            </a:ext>
+          </a:extLst>
+        </p:spPr>
+      </p:pic>
+      <p:pic>
+        <p:nvPicPr>
+          <p:cNvPr id="96" name="Picture 4" descr="nssm.cc">
+            <a:extLst>
+              <a:ext uri="{FF2B5EF4-FFF2-40B4-BE49-F238E27FC236}">
+                <a16:creationId xmlns:a16="http://schemas.microsoft.com/office/drawing/2014/main" id="{62D125F7-DFA0-48E3-8782-26E5B6D49DE8}"/>
+              </a:ext>
+            </a:extLst>
+          </p:cNvPr>
+          <p:cNvPicPr>
+            <a:picLocks noChangeAspect="1" noChangeArrowheads="1"/>
+          </p:cNvPicPr>
+          <p:nvPr/>
+        </p:nvPicPr>
+        <p:blipFill>
+          <a:blip r:embed="rId10">
+            <a:extLst>
+              <a:ext uri="{28A0092B-C50C-407E-A947-70E740481C1C}">
+                <a14:useLocalDpi xmlns:a14="http://schemas.microsoft.com/office/drawing/2010/main" val="0"/>
+              </a:ext>
+            </a:extLst>
+          </a:blip>
+          <a:srcRect/>
+          <a:stretch>
+            <a:fillRect/>
+          </a:stretch>
+        </p:blipFill>
+        <p:spPr bwMode="auto">
+          <a:xfrm>
+            <a:off x="4942519" y="2856140"/>
+            <a:ext cx="199995" cy="199995"/>
+          </a:xfrm>
+          <a:prstGeom prst="rect">
+            <a:avLst/>
+          </a:prstGeom>
+          <a:noFill/>
+          <a:extLst>
+            <a:ext uri="{909E8E84-426E-40DD-AFC4-6F175D3DCCD1}">
+              <a14:hiddenFill xmlns:a14="http://schemas.microsoft.com/office/drawing/2010/main">
+                <a:solidFill>
+                  <a:srgbClr val="FFFFFF"/>
+                </a:solidFill>
+              </a14:hiddenFill>
+            </a:ext>
+          </a:extLst>
+        </p:spPr>
+      </p:pic>
+      <p:sp>
+        <p:nvSpPr>
+          <p:cNvPr id="97" name="Rectangle 96">
+            <a:extLst>
+              <a:ext uri="{FF2B5EF4-FFF2-40B4-BE49-F238E27FC236}">
+                <a16:creationId xmlns:a16="http://schemas.microsoft.com/office/drawing/2014/main" id="{84575377-BE3D-4085-9B4B-D13BFE7B16AD}"/>
+              </a:ext>
+            </a:extLst>
+          </p:cNvPr>
+          <p:cNvSpPr/>
+          <p:nvPr/>
+        </p:nvSpPr>
+        <p:spPr>
+          <a:xfrm>
+            <a:off x="6264877" y="1783317"/>
+            <a:ext cx="1102247" cy="1786261"/>
+          </a:xfrm>
+          <a:prstGeom prst="rect">
+            <a:avLst/>
+          </a:prstGeom>
+          <a:noFill/>
+          <a:ln>
+            <a:solidFill>
+              <a:schemeClr val="accent2"/>
+            </a:solidFill>
+          </a:ln>
+        </p:spPr>
+        <p:style>
+          <a:lnRef idx="2">
+            <a:schemeClr val="accent1">
+              <a:shade val="50000"/>
+            </a:schemeClr>
+          </a:lnRef>
+          <a:fillRef idx="1">
+            <a:schemeClr val="accent1"/>
+          </a:fillRef>
+          <a:effectRef idx="0">
+            <a:schemeClr val="accent1"/>
+          </a:effectRef>
+          <a:fontRef idx="minor">
+            <a:schemeClr val="lt1"/>
+          </a:fontRef>
+        </p:style>
+        <p:txBody>
+          <a:bodyPr rtlCol="0" anchor="ctr"/>
+          <a:lstStyle/>
+          <a:p>
+            <a:pPr algn="ctr"/>
+            <a:endParaRPr lang="en-US"/>
+          </a:p>
+        </p:txBody>
+      </p:sp>
+      <p:sp>
+        <p:nvSpPr>
+          <p:cNvPr id="98" name="Rectangle 97">
+            <a:extLst>
+              <a:ext uri="{FF2B5EF4-FFF2-40B4-BE49-F238E27FC236}">
+                <a16:creationId xmlns:a16="http://schemas.microsoft.com/office/drawing/2014/main" id="{12009111-8618-4AE3-A144-9E432AC18BBF}"/>
+              </a:ext>
+            </a:extLst>
+          </p:cNvPr>
+          <p:cNvSpPr/>
+          <p:nvPr/>
+        </p:nvSpPr>
+        <p:spPr>
+          <a:xfrm>
+            <a:off x="1358711" y="215725"/>
+            <a:ext cx="1037463" cy="2045188"/>
+          </a:xfrm>
+          <a:prstGeom prst="rect">
+            <a:avLst/>
+          </a:prstGeom>
+          <a:noFill/>
+          <a:ln>
+            <a:solidFill>
+              <a:schemeClr val="accent2"/>
+            </a:solidFill>
+          </a:ln>
+        </p:spPr>
+        <p:style>
+          <a:lnRef idx="2">
+            <a:schemeClr val="accent1">
+              <a:shade val="50000"/>
+            </a:schemeClr>
+          </a:lnRef>
+          <a:fillRef idx="1">
+            <a:schemeClr val="accent1"/>
+          </a:fillRef>
+          <a:effectRef idx="0">
+            <a:schemeClr val="accent1"/>
+          </a:effectRef>
+          <a:fontRef idx="minor">
+            <a:schemeClr val="lt1"/>
+          </a:fontRef>
+        </p:style>
+        <p:txBody>
+          <a:bodyPr rtlCol="0" anchor="ctr"/>
+          <a:lstStyle/>
+          <a:p>
+            <a:pPr algn="ctr"/>
+            <a:endParaRPr lang="en-US"/>
+          </a:p>
+        </p:txBody>
+      </p:sp>
+      <p:sp>
+        <p:nvSpPr>
+          <p:cNvPr id="99" name="Rectangle 98">
+            <a:extLst>
+              <a:ext uri="{FF2B5EF4-FFF2-40B4-BE49-F238E27FC236}">
+                <a16:creationId xmlns:a16="http://schemas.microsoft.com/office/drawing/2014/main" id="{390B722A-EB48-45E8-B07A-CF41262ED5C9}"/>
+              </a:ext>
+            </a:extLst>
+          </p:cNvPr>
+          <p:cNvSpPr/>
+          <p:nvPr/>
+        </p:nvSpPr>
+        <p:spPr>
+          <a:xfrm>
+            <a:off x="1358711" y="2296779"/>
+            <a:ext cx="1037463" cy="2045188"/>
+          </a:xfrm>
+          <a:prstGeom prst="rect">
+            <a:avLst/>
+          </a:prstGeom>
+          <a:noFill/>
+          <a:ln>
+            <a:solidFill>
+              <a:schemeClr val="accent2"/>
+            </a:solidFill>
+          </a:ln>
+        </p:spPr>
+        <p:style>
+          <a:lnRef idx="2">
+            <a:schemeClr val="accent1">
+              <a:shade val="50000"/>
+            </a:schemeClr>
+          </a:lnRef>
+          <a:fillRef idx="1">
+            <a:schemeClr val="accent1"/>
+          </a:fillRef>
+          <a:effectRef idx="0">
+            <a:schemeClr val="accent1"/>
+          </a:effectRef>
+          <a:fontRef idx="minor">
+            <a:schemeClr val="lt1"/>
+          </a:fontRef>
+        </p:style>
+        <p:txBody>
+          <a:bodyPr rtlCol="0" anchor="ctr"/>
+          <a:lstStyle/>
+          <a:p>
+            <a:pPr algn="ctr"/>
+            <a:endParaRPr lang="en-US"/>
+          </a:p>
+        </p:txBody>
+      </p:sp>
+      <p:sp>
+        <p:nvSpPr>
+          <p:cNvPr id="100" name="Rectangle 99">
+            <a:extLst>
+              <a:ext uri="{FF2B5EF4-FFF2-40B4-BE49-F238E27FC236}">
+                <a16:creationId xmlns:a16="http://schemas.microsoft.com/office/drawing/2014/main" id="{F162FD99-5BCC-4C65-BE6C-4BE0240475A9}"/>
+              </a:ext>
+            </a:extLst>
+          </p:cNvPr>
+          <p:cNvSpPr/>
+          <p:nvPr/>
+        </p:nvSpPr>
+        <p:spPr>
+          <a:xfrm>
+            <a:off x="1358711" y="4373922"/>
+            <a:ext cx="1037463" cy="2045188"/>
+          </a:xfrm>
+          <a:prstGeom prst="rect">
+            <a:avLst/>
+          </a:prstGeom>
+          <a:noFill/>
+          <a:ln>
+            <a:solidFill>
+              <a:schemeClr val="accent2"/>
+            </a:solidFill>
+          </a:ln>
+        </p:spPr>
+        <p:style>
+          <a:lnRef idx="2">
+            <a:schemeClr val="accent1">
+              <a:shade val="50000"/>
+            </a:schemeClr>
+          </a:lnRef>
+          <a:fillRef idx="1">
+            <a:schemeClr val="accent1"/>
+          </a:fillRef>
+          <a:effectRef idx="0">
+            <a:schemeClr val="accent1"/>
+          </a:effectRef>
+          <a:fontRef idx="minor">
+            <a:schemeClr val="lt1"/>
+          </a:fontRef>
+        </p:style>
+        <p:txBody>
+          <a:bodyPr rtlCol="0" anchor="ctr"/>
+          <a:lstStyle/>
+          <a:p>
+            <a:pPr algn="ctr"/>
+            <a:endParaRPr lang="en-US"/>
+          </a:p>
+        </p:txBody>
+      </p:sp>
     </p:spTree>
     <p:extLst>
       <p:ext uri="{BB962C8B-B14F-4D97-AF65-F5344CB8AC3E}">
@@ -15038,10 +13788,10 @@
       </p:grpSpPr>
       <p:pic>
         <p:nvPicPr>
-          <p:cNvPr id="1026" name="Picture 2" descr="Logo">
-            <a:extLst>
-              <a:ext uri="{FF2B5EF4-FFF2-40B4-BE49-F238E27FC236}">
-                <a16:creationId xmlns:a16="http://schemas.microsoft.com/office/drawing/2014/main" id="{7D5BFB1A-61C5-4980-8CE1-6AD8D90981B9}"/>
+          <p:cNvPr id="5" name="Picture 2" descr="http://assets.ruxitlabs.com/icons/png/blue/Icons_file_001_APMng_Server.png">
+            <a:extLst>
+              <a:ext uri="{FF2B5EF4-FFF2-40B4-BE49-F238E27FC236}">
+                <a16:creationId xmlns:a16="http://schemas.microsoft.com/office/drawing/2014/main" id="{DF10C716-18C6-403A-95D2-A9AF9F500D8E}"/>
               </a:ext>
             </a:extLst>
           </p:cNvPr>
@@ -15051,54 +13801,7 @@
           <p:nvPr/>
         </p:nvPicPr>
         <p:blipFill>
-          <a:blip r:embed="rId3">
-            <a:extLst>
-              <a:ext uri="{28A0092B-C50C-407E-A947-70E740481C1C}">
-                <a14:useLocalDpi xmlns:a14="http://schemas.microsoft.com/office/drawing/2010/main" val="0"/>
-              </a:ext>
-            </a:extLst>
-          </a:blip>
-          <a:srcRect/>
-          <a:stretch>
-            <a:fillRect/>
-          </a:stretch>
-        </p:blipFill>
-        <p:spPr bwMode="auto">
-          <a:xfrm>
-            <a:off x="2714668" y="215725"/>
-            <a:ext cx="609600" cy="609600"/>
-          </a:xfrm>
-          <a:prstGeom prst="rect">
-            <a:avLst/>
-          </a:prstGeom>
-          <a:noFill/>
-          <a:extLst>
-            <a:ext uri="{909E8E84-426E-40DD-AFC4-6F175D3DCCD1}">
-              <a14:hiddenFill xmlns:a14="http://schemas.microsoft.com/office/drawing/2010/main">
-                <a:solidFill>
-                  <a:srgbClr val="FFFFFF"/>
-                </a:solidFill>
-              </a14:hiddenFill>
-            </a:ext>
-          </a:extLst>
-        </p:spPr>
-      </p:pic>
-      <p:pic>
-        <p:nvPicPr>
-          <p:cNvPr id="5" name="Picture 2" descr="http://assets.ruxitlabs.com/icons/png/blue/Icons_file_001_APMng_Server.png">
-            <a:extLst>
-              <a:ext uri="{FF2B5EF4-FFF2-40B4-BE49-F238E27FC236}">
-                <a16:creationId xmlns:a16="http://schemas.microsoft.com/office/drawing/2014/main" id="{DF10C716-18C6-403A-95D2-A9AF9F500D8E}"/>
-              </a:ext>
-            </a:extLst>
-          </p:cNvPr>
-          <p:cNvPicPr>
-            <a:picLocks noChangeAspect="1" noChangeArrowheads="1"/>
-          </p:cNvPicPr>
-          <p:nvPr/>
-        </p:nvPicPr>
-        <p:blipFill>
-          <a:blip r:embed="rId4" cstate="print">
+          <a:blip r:embed="rId3" cstate="print">
             <a:extLst>
               <a:ext uri="{28A0092B-C50C-407E-A947-70E740481C1C}">
                 <a14:useLocalDpi xmlns:a14="http://schemas.microsoft.com/office/drawing/2010/main" val="0"/>
@@ -15121,7 +13824,7 @@
           <a:noFill/>
           <a:extLst>
             <a:ext uri="{909E8E84-426E-40dd-AFC4-6F175D3DCCD1}">
-              <a14:hiddenFill xmlns:a14="http://schemas.microsoft.com/office/drawing/2010/main" xmlns="">
+              <a14:hiddenFill xmlns="" xmlns:a14="http://schemas.microsoft.com/office/drawing/2010/main">
                 <a:solidFill>
                   <a:srgbClr val="FFFFFF"/>
                 </a:solidFill>
@@ -15267,55 +13970,6 @@
           </a:p>
         </p:txBody>
       </p:sp>
-      <p:cxnSp>
-        <p:nvCxnSpPr>
-          <p:cNvPr id="11" name="Straight Connector 10">
-            <a:extLst>
-              <a:ext uri="{FF2B5EF4-FFF2-40B4-BE49-F238E27FC236}">
-                <a16:creationId xmlns:a16="http://schemas.microsoft.com/office/drawing/2014/main" id="{34D26CC2-7201-415F-9AB9-6F7D5A288BF2}"/>
-              </a:ext>
-            </a:extLst>
-          </p:cNvPr>
-          <p:cNvCxnSpPr>
-            <a:cxnSpLocks/>
-            <a:endCxn id="51" idx="0"/>
-          </p:cNvCxnSpPr>
-          <p:nvPr/>
-        </p:nvCxnSpPr>
-        <p:spPr>
-          <a:xfrm>
-            <a:off x="3789677" y="1391042"/>
-            <a:ext cx="7455203" cy="427409"/>
-          </a:xfrm>
-          <a:prstGeom prst="bentConnector2">
-            <a:avLst/>
-          </a:prstGeom>
-          <a:ln>
-            <a:solidFill>
-              <a:schemeClr val="tx1">
-                <a:lumMod val="50000"/>
-                <a:lumOff val="50000"/>
-              </a:schemeClr>
-            </a:solidFill>
-            <a:headEnd type="triangle" w="med" len="med"/>
-            <a:tailEnd type="none" w="med" len="med"/>
-          </a:ln>
-        </p:spPr>
-        <p:style>
-          <a:lnRef idx="2">
-            <a:schemeClr val="accent1"/>
-          </a:lnRef>
-          <a:fillRef idx="0">
-            <a:schemeClr val="accent1"/>
-          </a:fillRef>
-          <a:effectRef idx="1">
-            <a:schemeClr val="accent1"/>
-          </a:effectRef>
-          <a:fontRef idx="minor">
-            <a:schemeClr val="tx1"/>
-          </a:fontRef>
-        </p:style>
-      </p:cxnSp>
       <p:sp>
         <p:nvSpPr>
           <p:cNvPr id="12" name="Rectangle 11">
@@ -15330,7 +13984,7 @@
         </p:nvSpPr>
         <p:spPr>
           <a:xfrm>
-            <a:off x="7758829" y="3473148"/>
+            <a:off x="7688861" y="3569578"/>
             <a:ext cx="761065" cy="440675"/>
           </a:xfrm>
           <a:prstGeom prst="rect">
@@ -15406,1246 +14060,6 @@
           </a:p>
         </p:txBody>
       </p:sp>
-      <p:pic>
-        <p:nvPicPr>
-          <p:cNvPr id="13" name="Picture 14" descr="http://assets.ruxitlabs.com/icons/png/green/Icons_file_001_Browser.png">
-            <a:extLst>
-              <a:ext uri="{FF2B5EF4-FFF2-40B4-BE49-F238E27FC236}">
-                <a16:creationId xmlns:a16="http://schemas.microsoft.com/office/drawing/2014/main" id="{AB81A9DF-0FDA-4290-809F-6546E7342B82}"/>
-              </a:ext>
-            </a:extLst>
-          </p:cNvPr>
-          <p:cNvPicPr>
-            <a:picLocks noChangeAspect="1" noChangeArrowheads="1"/>
-          </p:cNvPicPr>
-          <p:nvPr/>
-        </p:nvPicPr>
-        <p:blipFill>
-          <a:blip r:embed="rId5" cstate="print">
-            <a:extLst>
-              <a:ext uri="{28A0092B-C50C-407E-A947-70E740481C1C}">
-                <a14:useLocalDpi xmlns:a14="http://schemas.microsoft.com/office/drawing/2010/main" val="0"/>
-              </a:ext>
-            </a:extLst>
-          </a:blip>
-          <a:srcRect/>
-          <a:stretch>
-            <a:fillRect/>
-          </a:stretch>
-        </p:blipFill>
-        <p:spPr bwMode="auto">
-          <a:xfrm>
-            <a:off x="1629098" y="293302"/>
-            <a:ext cx="678029" cy="678029"/>
-          </a:xfrm>
-          <a:prstGeom prst="rect">
-            <a:avLst/>
-          </a:prstGeom>
-          <a:noFill/>
-          <a:extLst>
-            <a:ext uri="{909E8E84-426E-40dd-AFC4-6F175D3DCCD1}">
-              <a14:hiddenFill xmlns:a14="http://schemas.microsoft.com/office/drawing/2010/main" xmlns="">
-                <a:solidFill>
-                  <a:srgbClr val="FFFFFF"/>
-                </a:solidFill>
-              </a14:hiddenFill>
-            </a:ext>
-          </a:extLst>
-        </p:spPr>
-      </p:pic>
-      <p:sp>
-        <p:nvSpPr>
-          <p:cNvPr id="14" name="TextBox 13">
-            <a:extLst>
-              <a:ext uri="{FF2B5EF4-FFF2-40B4-BE49-F238E27FC236}">
-                <a16:creationId xmlns:a16="http://schemas.microsoft.com/office/drawing/2014/main" id="{0F177995-1B26-4111-87E8-67F838ABDBEB}"/>
-              </a:ext>
-            </a:extLst>
-          </p:cNvPr>
-          <p:cNvSpPr txBox="1"/>
-          <p:nvPr/>
-        </p:nvSpPr>
-        <p:spPr>
-          <a:xfrm>
-            <a:off x="1692451" y="854220"/>
-            <a:ext cx="645498" cy="461665"/>
-          </a:xfrm>
-          <a:prstGeom prst="rect">
-            <a:avLst/>
-          </a:prstGeom>
-          <a:noFill/>
-        </p:spPr>
-        <p:txBody>
-          <a:bodyPr wrap="square" rtlCol="0">
-            <a:spAutoFit/>
-          </a:bodyPr>
-          <a:lstStyle/>
-          <a:p>
-            <a:pPr marL="0" marR="0" lvl="0" indent="0" defTabSz="914400" eaLnBrk="1" fontAlgn="auto" latinLnBrk="0" hangingPunct="1">
-              <a:lnSpc>
-                <a:spcPct val="100000"/>
-              </a:lnSpc>
-              <a:spcBef>
-                <a:spcPts val="0"/>
-              </a:spcBef>
-              <a:spcAft>
-                <a:spcPts val="0"/>
-              </a:spcAft>
-              <a:buClrTx/>
-              <a:buSzTx/>
-              <a:buFontTx/>
-              <a:buNone/>
-              <a:tabLst/>
-              <a:defRPr/>
-            </a:pPr>
-            <a:r>
-              <a:rPr lang="de-AT" sz="1200" kern="0" dirty="0">
-                <a:solidFill>
-                  <a:srgbClr val="92D050">
-                    <a:lumMod val="75000"/>
-                  </a:srgbClr>
-                </a:solidFill>
-                <a:latin typeface="Calibri" panose="020F0502020204030204"/>
-                <a:ea typeface=""/>
-                <a:cs typeface=""/>
-              </a:rPr>
-              <a:t>Tested App</a:t>
-            </a:r>
-            <a:r>
-              <a:rPr kumimoji="0" lang="de-AT" sz="1200" b="0" i="0" u="none" strike="noStrike" kern="0" cap="none" spc="0" normalizeH="0" baseline="0" noProof="0" dirty="0">
-                <a:ln>
-                  <a:noFill/>
-                </a:ln>
-                <a:solidFill>
-                  <a:srgbClr val="92D050">
-                    <a:lumMod val="75000"/>
-                  </a:srgbClr>
-                </a:solidFill>
-                <a:effectLst/>
-                <a:uLnTx/>
-                <a:uFillTx/>
-                <a:latin typeface="Calibri" panose="020F0502020204030204"/>
-                <a:ea typeface=""/>
-                <a:cs typeface=""/>
-              </a:rPr>
-              <a:t> UI</a:t>
-            </a:r>
-          </a:p>
-        </p:txBody>
-      </p:sp>
-      <p:pic>
-        <p:nvPicPr>
-          <p:cNvPr id="21" name="Picture 20">
-            <a:extLst>
-              <a:ext uri="{FF2B5EF4-FFF2-40B4-BE49-F238E27FC236}">
-                <a16:creationId xmlns:a16="http://schemas.microsoft.com/office/drawing/2014/main" id="{C0006D6B-BEE2-4A8E-A24F-FECFF8904438}"/>
-              </a:ext>
-            </a:extLst>
-          </p:cNvPr>
-          <p:cNvPicPr>
-            <a:picLocks noChangeAspect="1"/>
-          </p:cNvPicPr>
-          <p:nvPr/>
-        </p:nvPicPr>
-        <p:blipFill>
-          <a:blip r:embed="rId6"/>
-          <a:stretch>
-            <a:fillRect/>
-          </a:stretch>
-        </p:blipFill>
-        <p:spPr>
-          <a:xfrm>
-            <a:off x="2641867" y="1116580"/>
-            <a:ext cx="729079" cy="315894"/>
-          </a:xfrm>
-          <a:prstGeom prst="rect">
-            <a:avLst/>
-          </a:prstGeom>
-        </p:spPr>
-      </p:pic>
-      <p:sp>
-        <p:nvSpPr>
-          <p:cNvPr id="25" name="TextBox 24">
-            <a:extLst>
-              <a:ext uri="{FF2B5EF4-FFF2-40B4-BE49-F238E27FC236}">
-                <a16:creationId xmlns:a16="http://schemas.microsoft.com/office/drawing/2014/main" id="{096BA604-E1DC-41FE-93B6-9F9138303675}"/>
-              </a:ext>
-            </a:extLst>
-          </p:cNvPr>
-          <p:cNvSpPr txBox="1"/>
-          <p:nvPr/>
-        </p:nvSpPr>
-        <p:spPr>
-          <a:xfrm>
-            <a:off x="2487674" y="1429916"/>
-            <a:ext cx="1037463" cy="584775"/>
-          </a:xfrm>
-          <a:prstGeom prst="rect">
-            <a:avLst/>
-          </a:prstGeom>
-          <a:noFill/>
-        </p:spPr>
-        <p:txBody>
-          <a:bodyPr wrap="none" rtlCol="0">
-            <a:spAutoFit/>
-          </a:bodyPr>
-          <a:lstStyle/>
-          <a:p>
-            <a:pPr marL="0" marR="0" lvl="0" indent="0" defTabSz="914400" eaLnBrk="1" fontAlgn="auto" latinLnBrk="0" hangingPunct="1">
-              <a:lnSpc>
-                <a:spcPct val="100000"/>
-              </a:lnSpc>
-              <a:spcBef>
-                <a:spcPts val="0"/>
-              </a:spcBef>
-              <a:spcAft>
-                <a:spcPts val="0"/>
-              </a:spcAft>
-              <a:buClrTx/>
-              <a:buSzTx/>
-              <a:buFontTx/>
-              <a:buNone/>
-              <a:tabLst/>
-              <a:defRPr/>
-            </a:pPr>
-            <a:r>
-              <a:rPr kumimoji="0" lang="de-AT" sz="1600" b="0" i="0" u="none" strike="noStrike" kern="0" cap="none" spc="0" normalizeH="0" baseline="0" noProof="0" dirty="0">
-                <a:ln>
-                  <a:noFill/>
-                </a:ln>
-                <a:solidFill>
-                  <a:srgbClr val="1496FF"/>
-                </a:solidFill>
-                <a:effectLst/>
-                <a:uLnTx/>
-                <a:uFillTx/>
-                <a:latin typeface="Calibri" panose="020F0502020204030204"/>
-                <a:ea typeface=""/>
-                <a:cs typeface=""/>
-              </a:rPr>
-              <a:t>Dynatrace</a:t>
-            </a:r>
-          </a:p>
-          <a:p>
-            <a:pPr marL="0" marR="0" lvl="0" indent="0" algn="ctr" defTabSz="914400" eaLnBrk="1" fontAlgn="auto" latinLnBrk="0" hangingPunct="1">
-              <a:lnSpc>
-                <a:spcPct val="100000"/>
-              </a:lnSpc>
-              <a:spcBef>
-                <a:spcPts val="0"/>
-              </a:spcBef>
-              <a:spcAft>
-                <a:spcPts val="0"/>
-              </a:spcAft>
-              <a:buClrTx/>
-              <a:buSzTx/>
-              <a:buFontTx/>
-              <a:buNone/>
-              <a:tabLst/>
-              <a:defRPr/>
-            </a:pPr>
-            <a:r>
-              <a:rPr kumimoji="0" lang="de-AT" sz="1600" b="0" i="0" u="none" strike="noStrike" kern="0" cap="none" spc="0" normalizeH="0" baseline="0" noProof="0" dirty="0">
-                <a:ln>
-                  <a:noFill/>
-                </a:ln>
-                <a:solidFill>
-                  <a:srgbClr val="1496FF"/>
-                </a:solidFill>
-                <a:effectLst/>
-                <a:uLnTx/>
-                <a:uFillTx/>
-                <a:latin typeface="Calibri" panose="020F0502020204030204"/>
-                <a:ea typeface=""/>
-                <a:cs typeface=""/>
-              </a:rPr>
-              <a:t>bridge</a:t>
-            </a:r>
-          </a:p>
-        </p:txBody>
-      </p:sp>
-      <p:sp>
-        <p:nvSpPr>
-          <p:cNvPr id="22" name="TextBox 21">
-            <a:extLst>
-              <a:ext uri="{FF2B5EF4-FFF2-40B4-BE49-F238E27FC236}">
-                <a16:creationId xmlns:a16="http://schemas.microsoft.com/office/drawing/2014/main" id="{568502B9-DE27-4014-9557-463A6BF014FA}"/>
-              </a:ext>
-            </a:extLst>
-          </p:cNvPr>
-          <p:cNvSpPr txBox="1"/>
-          <p:nvPr/>
-        </p:nvSpPr>
-        <p:spPr>
-          <a:xfrm>
-            <a:off x="2637771" y="669554"/>
-            <a:ext cx="771621" cy="369332"/>
-          </a:xfrm>
-          <a:prstGeom prst="rect">
-            <a:avLst/>
-          </a:prstGeom>
-          <a:noFill/>
-        </p:spPr>
-        <p:txBody>
-          <a:bodyPr wrap="none" rtlCol="0">
-            <a:spAutoFit/>
-          </a:bodyPr>
-          <a:lstStyle/>
-          <a:p>
-            <a:r>
-              <a:rPr lang="fr-FR" dirty="0" err="1"/>
-              <a:t>Sikulix</a:t>
-            </a:r>
-            <a:endParaRPr lang="en-US" dirty="0"/>
-          </a:p>
-        </p:txBody>
-      </p:sp>
-      <p:sp>
-        <p:nvSpPr>
-          <p:cNvPr id="23" name="Rectangle 22">
-            <a:extLst>
-              <a:ext uri="{FF2B5EF4-FFF2-40B4-BE49-F238E27FC236}">
-                <a16:creationId xmlns:a16="http://schemas.microsoft.com/office/drawing/2014/main" id="{782B71A4-61FF-4463-B580-A89535398DDA}"/>
-              </a:ext>
-            </a:extLst>
-          </p:cNvPr>
-          <p:cNvSpPr/>
-          <p:nvPr/>
-        </p:nvSpPr>
-        <p:spPr>
-          <a:xfrm>
-            <a:off x="1572852" y="215726"/>
-            <a:ext cx="1952285" cy="2045188"/>
-          </a:xfrm>
-          <a:prstGeom prst="rect">
-            <a:avLst/>
-          </a:prstGeom>
-          <a:noFill/>
-          <a:ln>
-            <a:solidFill>
-              <a:schemeClr val="accent2"/>
-            </a:solidFill>
-          </a:ln>
-        </p:spPr>
-        <p:style>
-          <a:lnRef idx="2">
-            <a:schemeClr val="accent1">
-              <a:shade val="50000"/>
-            </a:schemeClr>
-          </a:lnRef>
-          <a:fillRef idx="1">
-            <a:schemeClr val="accent1"/>
-          </a:fillRef>
-          <a:effectRef idx="0">
-            <a:schemeClr val="accent1"/>
-          </a:effectRef>
-          <a:fontRef idx="minor">
-            <a:schemeClr val="lt1"/>
-          </a:fontRef>
-        </p:style>
-        <p:txBody>
-          <a:bodyPr rtlCol="0" anchor="ctr"/>
-          <a:lstStyle/>
-          <a:p>
-            <a:pPr algn="ctr"/>
-            <a:endParaRPr lang="en-US"/>
-          </a:p>
-        </p:txBody>
-      </p:sp>
-      <p:pic>
-        <p:nvPicPr>
-          <p:cNvPr id="35" name="Picture 2" descr="Logo">
-            <a:extLst>
-              <a:ext uri="{FF2B5EF4-FFF2-40B4-BE49-F238E27FC236}">
-                <a16:creationId xmlns:a16="http://schemas.microsoft.com/office/drawing/2014/main" id="{5E1201B0-7473-467C-A8BB-FEC36097103F}"/>
-              </a:ext>
-            </a:extLst>
-          </p:cNvPr>
-          <p:cNvPicPr>
-            <a:picLocks noChangeAspect="1" noChangeArrowheads="1"/>
-          </p:cNvPicPr>
-          <p:nvPr/>
-        </p:nvPicPr>
-        <p:blipFill>
-          <a:blip r:embed="rId3">
-            <a:extLst>
-              <a:ext uri="{28A0092B-C50C-407E-A947-70E740481C1C}">
-                <a14:useLocalDpi xmlns:a14="http://schemas.microsoft.com/office/drawing/2010/main" val="0"/>
-              </a:ext>
-            </a:extLst>
-          </a:blip>
-          <a:srcRect/>
-          <a:stretch>
-            <a:fillRect/>
-          </a:stretch>
-        </p:blipFill>
-        <p:spPr bwMode="auto">
-          <a:xfrm>
-            <a:off x="2714668" y="2296779"/>
-            <a:ext cx="609600" cy="609600"/>
-          </a:xfrm>
-          <a:prstGeom prst="rect">
-            <a:avLst/>
-          </a:prstGeom>
-          <a:noFill/>
-          <a:extLst>
-            <a:ext uri="{909E8E84-426E-40DD-AFC4-6F175D3DCCD1}">
-              <a14:hiddenFill xmlns:a14="http://schemas.microsoft.com/office/drawing/2010/main">
-                <a:solidFill>
-                  <a:srgbClr val="FFFFFF"/>
-                </a:solidFill>
-              </a14:hiddenFill>
-            </a:ext>
-          </a:extLst>
-        </p:spPr>
-      </p:pic>
-      <p:pic>
-        <p:nvPicPr>
-          <p:cNvPr id="36" name="Picture 14" descr="http://assets.ruxitlabs.com/icons/png/green/Icons_file_001_Browser.png">
-            <a:extLst>
-              <a:ext uri="{FF2B5EF4-FFF2-40B4-BE49-F238E27FC236}">
-                <a16:creationId xmlns:a16="http://schemas.microsoft.com/office/drawing/2014/main" id="{C99827B9-9A5D-4FE7-957F-1AAE2D0E8205}"/>
-              </a:ext>
-            </a:extLst>
-          </p:cNvPr>
-          <p:cNvPicPr>
-            <a:picLocks noChangeAspect="1" noChangeArrowheads="1"/>
-          </p:cNvPicPr>
-          <p:nvPr/>
-        </p:nvPicPr>
-        <p:blipFill>
-          <a:blip r:embed="rId5" cstate="print">
-            <a:extLst>
-              <a:ext uri="{28A0092B-C50C-407E-A947-70E740481C1C}">
-                <a14:useLocalDpi xmlns:a14="http://schemas.microsoft.com/office/drawing/2010/main" val="0"/>
-              </a:ext>
-            </a:extLst>
-          </a:blip>
-          <a:srcRect/>
-          <a:stretch>
-            <a:fillRect/>
-          </a:stretch>
-        </p:blipFill>
-        <p:spPr bwMode="auto">
-          <a:xfrm>
-            <a:off x="1629098" y="2374356"/>
-            <a:ext cx="678029" cy="678029"/>
-          </a:xfrm>
-          <a:prstGeom prst="rect">
-            <a:avLst/>
-          </a:prstGeom>
-          <a:noFill/>
-          <a:extLst>
-            <a:ext uri="{909E8E84-426E-40dd-AFC4-6F175D3DCCD1}">
-              <a14:hiddenFill xmlns:a14="http://schemas.microsoft.com/office/drawing/2010/main" xmlns="">
-                <a:solidFill>
-                  <a:srgbClr val="FFFFFF"/>
-                </a:solidFill>
-              </a14:hiddenFill>
-            </a:ext>
-          </a:extLst>
-        </p:spPr>
-      </p:pic>
-      <p:sp>
-        <p:nvSpPr>
-          <p:cNvPr id="37" name="TextBox 36">
-            <a:extLst>
-              <a:ext uri="{FF2B5EF4-FFF2-40B4-BE49-F238E27FC236}">
-                <a16:creationId xmlns:a16="http://schemas.microsoft.com/office/drawing/2014/main" id="{013BCD90-9467-4BDB-B529-8EA8999E5F13}"/>
-              </a:ext>
-            </a:extLst>
-          </p:cNvPr>
-          <p:cNvSpPr txBox="1"/>
-          <p:nvPr/>
-        </p:nvSpPr>
-        <p:spPr>
-          <a:xfrm>
-            <a:off x="1692451" y="2935274"/>
-            <a:ext cx="645498" cy="461665"/>
-          </a:xfrm>
-          <a:prstGeom prst="rect">
-            <a:avLst/>
-          </a:prstGeom>
-          <a:noFill/>
-        </p:spPr>
-        <p:txBody>
-          <a:bodyPr wrap="square" rtlCol="0">
-            <a:spAutoFit/>
-          </a:bodyPr>
-          <a:lstStyle/>
-          <a:p>
-            <a:pPr marL="0" marR="0" lvl="0" indent="0" defTabSz="914400" eaLnBrk="1" fontAlgn="auto" latinLnBrk="0" hangingPunct="1">
-              <a:lnSpc>
-                <a:spcPct val="100000"/>
-              </a:lnSpc>
-              <a:spcBef>
-                <a:spcPts val="0"/>
-              </a:spcBef>
-              <a:spcAft>
-                <a:spcPts val="0"/>
-              </a:spcAft>
-              <a:buClrTx/>
-              <a:buSzTx/>
-              <a:buFontTx/>
-              <a:buNone/>
-              <a:tabLst/>
-              <a:defRPr/>
-            </a:pPr>
-            <a:r>
-              <a:rPr lang="de-AT" sz="1200" kern="0" dirty="0">
-                <a:solidFill>
-                  <a:srgbClr val="92D050">
-                    <a:lumMod val="75000"/>
-                  </a:srgbClr>
-                </a:solidFill>
-                <a:latin typeface="Calibri" panose="020F0502020204030204"/>
-                <a:ea typeface=""/>
-                <a:cs typeface=""/>
-              </a:rPr>
-              <a:t>Tested App</a:t>
-            </a:r>
-            <a:r>
-              <a:rPr kumimoji="0" lang="de-AT" sz="1200" b="0" i="0" u="none" strike="noStrike" kern="0" cap="none" spc="0" normalizeH="0" baseline="0" noProof="0" dirty="0">
-                <a:ln>
-                  <a:noFill/>
-                </a:ln>
-                <a:solidFill>
-                  <a:srgbClr val="92D050">
-                    <a:lumMod val="75000"/>
-                  </a:srgbClr>
-                </a:solidFill>
-                <a:effectLst/>
-                <a:uLnTx/>
-                <a:uFillTx/>
-                <a:latin typeface="Calibri" panose="020F0502020204030204"/>
-                <a:ea typeface=""/>
-                <a:cs typeface=""/>
-              </a:rPr>
-              <a:t> UI</a:t>
-            </a:r>
-          </a:p>
-        </p:txBody>
-      </p:sp>
-      <p:pic>
-        <p:nvPicPr>
-          <p:cNvPr id="38" name="Picture 37">
-            <a:extLst>
-              <a:ext uri="{FF2B5EF4-FFF2-40B4-BE49-F238E27FC236}">
-                <a16:creationId xmlns:a16="http://schemas.microsoft.com/office/drawing/2014/main" id="{D0EDEF78-4B6C-411D-93FF-18D1ECBA27CE}"/>
-              </a:ext>
-            </a:extLst>
-          </p:cNvPr>
-          <p:cNvPicPr>
-            <a:picLocks noChangeAspect="1"/>
-          </p:cNvPicPr>
-          <p:nvPr/>
-        </p:nvPicPr>
-        <p:blipFill>
-          <a:blip r:embed="rId6"/>
-          <a:stretch>
-            <a:fillRect/>
-          </a:stretch>
-        </p:blipFill>
-        <p:spPr>
-          <a:xfrm>
-            <a:off x="2641867" y="3197634"/>
-            <a:ext cx="729079" cy="315894"/>
-          </a:xfrm>
-          <a:prstGeom prst="rect">
-            <a:avLst/>
-          </a:prstGeom>
-        </p:spPr>
-      </p:pic>
-      <p:sp>
-        <p:nvSpPr>
-          <p:cNvPr id="39" name="TextBox 38">
-            <a:extLst>
-              <a:ext uri="{FF2B5EF4-FFF2-40B4-BE49-F238E27FC236}">
-                <a16:creationId xmlns:a16="http://schemas.microsoft.com/office/drawing/2014/main" id="{B4005FA4-F7C4-4A0C-B956-EE7615ECAF3D}"/>
-              </a:ext>
-            </a:extLst>
-          </p:cNvPr>
-          <p:cNvSpPr txBox="1"/>
-          <p:nvPr/>
-        </p:nvSpPr>
-        <p:spPr>
-          <a:xfrm>
-            <a:off x="2487674" y="3510970"/>
-            <a:ext cx="1037463" cy="584775"/>
-          </a:xfrm>
-          <a:prstGeom prst="rect">
-            <a:avLst/>
-          </a:prstGeom>
-          <a:noFill/>
-        </p:spPr>
-        <p:txBody>
-          <a:bodyPr wrap="none" rtlCol="0">
-            <a:spAutoFit/>
-          </a:bodyPr>
-          <a:lstStyle/>
-          <a:p>
-            <a:pPr marL="0" marR="0" lvl="0" indent="0" defTabSz="914400" eaLnBrk="1" fontAlgn="auto" latinLnBrk="0" hangingPunct="1">
-              <a:lnSpc>
-                <a:spcPct val="100000"/>
-              </a:lnSpc>
-              <a:spcBef>
-                <a:spcPts val="0"/>
-              </a:spcBef>
-              <a:spcAft>
-                <a:spcPts val="0"/>
-              </a:spcAft>
-              <a:buClrTx/>
-              <a:buSzTx/>
-              <a:buFontTx/>
-              <a:buNone/>
-              <a:tabLst/>
-              <a:defRPr/>
-            </a:pPr>
-            <a:r>
-              <a:rPr kumimoji="0" lang="de-AT" sz="1600" b="0" i="0" u="none" strike="noStrike" kern="0" cap="none" spc="0" normalizeH="0" baseline="0" noProof="0" dirty="0">
-                <a:ln>
-                  <a:noFill/>
-                </a:ln>
-                <a:solidFill>
-                  <a:srgbClr val="1496FF"/>
-                </a:solidFill>
-                <a:effectLst/>
-                <a:uLnTx/>
-                <a:uFillTx/>
-                <a:latin typeface="Calibri" panose="020F0502020204030204"/>
-                <a:ea typeface=""/>
-                <a:cs typeface=""/>
-              </a:rPr>
-              <a:t>Dynatrace</a:t>
-            </a:r>
-          </a:p>
-          <a:p>
-            <a:pPr marL="0" marR="0" lvl="0" indent="0" algn="ctr" defTabSz="914400" eaLnBrk="1" fontAlgn="auto" latinLnBrk="0" hangingPunct="1">
-              <a:lnSpc>
-                <a:spcPct val="100000"/>
-              </a:lnSpc>
-              <a:spcBef>
-                <a:spcPts val="0"/>
-              </a:spcBef>
-              <a:spcAft>
-                <a:spcPts val="0"/>
-              </a:spcAft>
-              <a:buClrTx/>
-              <a:buSzTx/>
-              <a:buFontTx/>
-              <a:buNone/>
-              <a:tabLst/>
-              <a:defRPr/>
-            </a:pPr>
-            <a:r>
-              <a:rPr kumimoji="0" lang="de-AT" sz="1600" b="0" i="0" u="none" strike="noStrike" kern="0" cap="none" spc="0" normalizeH="0" baseline="0" noProof="0" dirty="0">
-                <a:ln>
-                  <a:noFill/>
-                </a:ln>
-                <a:solidFill>
-                  <a:srgbClr val="1496FF"/>
-                </a:solidFill>
-                <a:effectLst/>
-                <a:uLnTx/>
-                <a:uFillTx/>
-                <a:latin typeface="Calibri" panose="020F0502020204030204"/>
-                <a:ea typeface=""/>
-                <a:cs typeface=""/>
-              </a:rPr>
-              <a:t>bridge</a:t>
-            </a:r>
-          </a:p>
-        </p:txBody>
-      </p:sp>
-      <p:sp>
-        <p:nvSpPr>
-          <p:cNvPr id="40" name="TextBox 39">
-            <a:extLst>
-              <a:ext uri="{FF2B5EF4-FFF2-40B4-BE49-F238E27FC236}">
-                <a16:creationId xmlns:a16="http://schemas.microsoft.com/office/drawing/2014/main" id="{5DA89E18-B0A1-4D07-9D05-198CFA8DFE9A}"/>
-              </a:ext>
-            </a:extLst>
-          </p:cNvPr>
-          <p:cNvSpPr txBox="1"/>
-          <p:nvPr/>
-        </p:nvSpPr>
-        <p:spPr>
-          <a:xfrm>
-            <a:off x="2637771" y="2750608"/>
-            <a:ext cx="771621" cy="369332"/>
-          </a:xfrm>
-          <a:prstGeom prst="rect">
-            <a:avLst/>
-          </a:prstGeom>
-          <a:noFill/>
-        </p:spPr>
-        <p:txBody>
-          <a:bodyPr wrap="none" rtlCol="0">
-            <a:spAutoFit/>
-          </a:bodyPr>
-          <a:lstStyle/>
-          <a:p>
-            <a:r>
-              <a:rPr lang="fr-FR" dirty="0" err="1"/>
-              <a:t>Sikulix</a:t>
-            </a:r>
-            <a:endParaRPr lang="en-US" dirty="0"/>
-          </a:p>
-        </p:txBody>
-      </p:sp>
-      <p:sp>
-        <p:nvSpPr>
-          <p:cNvPr id="41" name="Rectangle 40">
-            <a:extLst>
-              <a:ext uri="{FF2B5EF4-FFF2-40B4-BE49-F238E27FC236}">
-                <a16:creationId xmlns:a16="http://schemas.microsoft.com/office/drawing/2014/main" id="{18900709-F27B-4B0D-8058-8BCDBEE53FB2}"/>
-              </a:ext>
-            </a:extLst>
-          </p:cNvPr>
-          <p:cNvSpPr/>
-          <p:nvPr/>
-        </p:nvSpPr>
-        <p:spPr>
-          <a:xfrm>
-            <a:off x="1572852" y="2296780"/>
-            <a:ext cx="1952285" cy="2045188"/>
-          </a:xfrm>
-          <a:prstGeom prst="rect">
-            <a:avLst/>
-          </a:prstGeom>
-          <a:noFill/>
-          <a:ln>
-            <a:solidFill>
-              <a:schemeClr val="accent2"/>
-            </a:solidFill>
-          </a:ln>
-        </p:spPr>
-        <p:style>
-          <a:lnRef idx="2">
-            <a:schemeClr val="accent1">
-              <a:shade val="50000"/>
-            </a:schemeClr>
-          </a:lnRef>
-          <a:fillRef idx="1">
-            <a:schemeClr val="accent1"/>
-          </a:fillRef>
-          <a:effectRef idx="0">
-            <a:schemeClr val="accent1"/>
-          </a:effectRef>
-          <a:fontRef idx="minor">
-            <a:schemeClr val="lt1"/>
-          </a:fontRef>
-        </p:style>
-        <p:txBody>
-          <a:bodyPr rtlCol="0" anchor="ctr"/>
-          <a:lstStyle/>
-          <a:p>
-            <a:pPr algn="ctr"/>
-            <a:endParaRPr lang="en-US"/>
-          </a:p>
-        </p:txBody>
-      </p:sp>
-      <p:pic>
-        <p:nvPicPr>
-          <p:cNvPr id="56" name="Picture 2" descr="Logo">
-            <a:extLst>
-              <a:ext uri="{FF2B5EF4-FFF2-40B4-BE49-F238E27FC236}">
-                <a16:creationId xmlns:a16="http://schemas.microsoft.com/office/drawing/2014/main" id="{941461E2-902F-4A79-A00B-8EC6D8867674}"/>
-              </a:ext>
-            </a:extLst>
-          </p:cNvPr>
-          <p:cNvPicPr>
-            <a:picLocks noChangeAspect="1" noChangeArrowheads="1"/>
-          </p:cNvPicPr>
-          <p:nvPr/>
-        </p:nvPicPr>
-        <p:blipFill>
-          <a:blip r:embed="rId3">
-            <a:extLst>
-              <a:ext uri="{28A0092B-C50C-407E-A947-70E740481C1C}">
-                <a14:useLocalDpi xmlns:a14="http://schemas.microsoft.com/office/drawing/2010/main" val="0"/>
-              </a:ext>
-            </a:extLst>
-          </a:blip>
-          <a:srcRect/>
-          <a:stretch>
-            <a:fillRect/>
-          </a:stretch>
-        </p:blipFill>
-        <p:spPr bwMode="auto">
-          <a:xfrm>
-            <a:off x="2714668" y="4373922"/>
-            <a:ext cx="609600" cy="609600"/>
-          </a:xfrm>
-          <a:prstGeom prst="rect">
-            <a:avLst/>
-          </a:prstGeom>
-          <a:noFill/>
-          <a:extLst>
-            <a:ext uri="{909E8E84-426E-40DD-AFC4-6F175D3DCCD1}">
-              <a14:hiddenFill xmlns:a14="http://schemas.microsoft.com/office/drawing/2010/main">
-                <a:solidFill>
-                  <a:srgbClr val="FFFFFF"/>
-                </a:solidFill>
-              </a14:hiddenFill>
-            </a:ext>
-          </a:extLst>
-        </p:spPr>
-      </p:pic>
-      <p:pic>
-        <p:nvPicPr>
-          <p:cNvPr id="57" name="Picture 14" descr="http://assets.ruxitlabs.com/icons/png/green/Icons_file_001_Browser.png">
-            <a:extLst>
-              <a:ext uri="{FF2B5EF4-FFF2-40B4-BE49-F238E27FC236}">
-                <a16:creationId xmlns:a16="http://schemas.microsoft.com/office/drawing/2014/main" id="{53811B6C-8D2E-4F5E-8F1B-0E7A851D5D75}"/>
-              </a:ext>
-            </a:extLst>
-          </p:cNvPr>
-          <p:cNvPicPr>
-            <a:picLocks noChangeAspect="1" noChangeArrowheads="1"/>
-          </p:cNvPicPr>
-          <p:nvPr/>
-        </p:nvPicPr>
-        <p:blipFill>
-          <a:blip r:embed="rId5" cstate="print">
-            <a:extLst>
-              <a:ext uri="{28A0092B-C50C-407E-A947-70E740481C1C}">
-                <a14:useLocalDpi xmlns:a14="http://schemas.microsoft.com/office/drawing/2010/main" val="0"/>
-              </a:ext>
-            </a:extLst>
-          </a:blip>
-          <a:srcRect/>
-          <a:stretch>
-            <a:fillRect/>
-          </a:stretch>
-        </p:blipFill>
-        <p:spPr bwMode="auto">
-          <a:xfrm>
-            <a:off x="1629098" y="4451499"/>
-            <a:ext cx="678029" cy="678029"/>
-          </a:xfrm>
-          <a:prstGeom prst="rect">
-            <a:avLst/>
-          </a:prstGeom>
-          <a:noFill/>
-          <a:extLst>
-            <a:ext uri="{909E8E84-426E-40dd-AFC4-6F175D3DCCD1}">
-              <a14:hiddenFill xmlns:a14="http://schemas.microsoft.com/office/drawing/2010/main" xmlns="">
-                <a:solidFill>
-                  <a:srgbClr val="FFFFFF"/>
-                </a:solidFill>
-              </a14:hiddenFill>
-            </a:ext>
-          </a:extLst>
-        </p:spPr>
-      </p:pic>
-      <p:sp>
-        <p:nvSpPr>
-          <p:cNvPr id="58" name="TextBox 57">
-            <a:extLst>
-              <a:ext uri="{FF2B5EF4-FFF2-40B4-BE49-F238E27FC236}">
-                <a16:creationId xmlns:a16="http://schemas.microsoft.com/office/drawing/2014/main" id="{35D324E1-ABDC-44B1-9199-06F46D34DCFC}"/>
-              </a:ext>
-            </a:extLst>
-          </p:cNvPr>
-          <p:cNvSpPr txBox="1"/>
-          <p:nvPr/>
-        </p:nvSpPr>
-        <p:spPr>
-          <a:xfrm>
-            <a:off x="1692451" y="5012417"/>
-            <a:ext cx="645498" cy="461665"/>
-          </a:xfrm>
-          <a:prstGeom prst="rect">
-            <a:avLst/>
-          </a:prstGeom>
-          <a:noFill/>
-        </p:spPr>
-        <p:txBody>
-          <a:bodyPr wrap="square" rtlCol="0">
-            <a:spAutoFit/>
-          </a:bodyPr>
-          <a:lstStyle/>
-          <a:p>
-            <a:pPr marL="0" marR="0" lvl="0" indent="0" defTabSz="914400" eaLnBrk="1" fontAlgn="auto" latinLnBrk="0" hangingPunct="1">
-              <a:lnSpc>
-                <a:spcPct val="100000"/>
-              </a:lnSpc>
-              <a:spcBef>
-                <a:spcPts val="0"/>
-              </a:spcBef>
-              <a:spcAft>
-                <a:spcPts val="0"/>
-              </a:spcAft>
-              <a:buClrTx/>
-              <a:buSzTx/>
-              <a:buFontTx/>
-              <a:buNone/>
-              <a:tabLst/>
-              <a:defRPr/>
-            </a:pPr>
-            <a:r>
-              <a:rPr lang="de-AT" sz="1200" kern="0" dirty="0">
-                <a:solidFill>
-                  <a:srgbClr val="92D050">
-                    <a:lumMod val="75000"/>
-                  </a:srgbClr>
-                </a:solidFill>
-                <a:latin typeface="Calibri" panose="020F0502020204030204"/>
-                <a:ea typeface=""/>
-                <a:cs typeface=""/>
-              </a:rPr>
-              <a:t>Tested App</a:t>
-            </a:r>
-            <a:r>
-              <a:rPr kumimoji="0" lang="de-AT" sz="1200" b="0" i="0" u="none" strike="noStrike" kern="0" cap="none" spc="0" normalizeH="0" baseline="0" noProof="0" dirty="0">
-                <a:ln>
-                  <a:noFill/>
-                </a:ln>
-                <a:solidFill>
-                  <a:srgbClr val="92D050">
-                    <a:lumMod val="75000"/>
-                  </a:srgbClr>
-                </a:solidFill>
-                <a:effectLst/>
-                <a:uLnTx/>
-                <a:uFillTx/>
-                <a:latin typeface="Calibri" panose="020F0502020204030204"/>
-                <a:ea typeface=""/>
-                <a:cs typeface=""/>
-              </a:rPr>
-              <a:t> UI</a:t>
-            </a:r>
-          </a:p>
-        </p:txBody>
-      </p:sp>
-      <p:pic>
-        <p:nvPicPr>
-          <p:cNvPr id="59" name="Picture 58">
-            <a:extLst>
-              <a:ext uri="{FF2B5EF4-FFF2-40B4-BE49-F238E27FC236}">
-                <a16:creationId xmlns:a16="http://schemas.microsoft.com/office/drawing/2014/main" id="{4D974104-5C12-47EE-9733-A10E7A17170F}"/>
-              </a:ext>
-            </a:extLst>
-          </p:cNvPr>
-          <p:cNvPicPr>
-            <a:picLocks noChangeAspect="1"/>
-          </p:cNvPicPr>
-          <p:nvPr/>
-        </p:nvPicPr>
-        <p:blipFill>
-          <a:blip r:embed="rId6"/>
-          <a:stretch>
-            <a:fillRect/>
-          </a:stretch>
-        </p:blipFill>
-        <p:spPr>
-          <a:xfrm>
-            <a:off x="2641867" y="5274777"/>
-            <a:ext cx="729079" cy="315894"/>
-          </a:xfrm>
-          <a:prstGeom prst="rect">
-            <a:avLst/>
-          </a:prstGeom>
-        </p:spPr>
-      </p:pic>
-      <p:sp>
-        <p:nvSpPr>
-          <p:cNvPr id="60" name="TextBox 59">
-            <a:extLst>
-              <a:ext uri="{FF2B5EF4-FFF2-40B4-BE49-F238E27FC236}">
-                <a16:creationId xmlns:a16="http://schemas.microsoft.com/office/drawing/2014/main" id="{5532D77B-D984-4975-B405-A70357E427D8}"/>
-              </a:ext>
-            </a:extLst>
-          </p:cNvPr>
-          <p:cNvSpPr txBox="1"/>
-          <p:nvPr/>
-        </p:nvSpPr>
-        <p:spPr>
-          <a:xfrm>
-            <a:off x="2487674" y="5588113"/>
-            <a:ext cx="1037463" cy="584775"/>
-          </a:xfrm>
-          <a:prstGeom prst="rect">
-            <a:avLst/>
-          </a:prstGeom>
-          <a:noFill/>
-        </p:spPr>
-        <p:txBody>
-          <a:bodyPr wrap="none" rtlCol="0">
-            <a:spAutoFit/>
-          </a:bodyPr>
-          <a:lstStyle/>
-          <a:p>
-            <a:pPr marL="0" marR="0" lvl="0" indent="0" defTabSz="914400" eaLnBrk="1" fontAlgn="auto" latinLnBrk="0" hangingPunct="1">
-              <a:lnSpc>
-                <a:spcPct val="100000"/>
-              </a:lnSpc>
-              <a:spcBef>
-                <a:spcPts val="0"/>
-              </a:spcBef>
-              <a:spcAft>
-                <a:spcPts val="0"/>
-              </a:spcAft>
-              <a:buClrTx/>
-              <a:buSzTx/>
-              <a:buFontTx/>
-              <a:buNone/>
-              <a:tabLst/>
-              <a:defRPr/>
-            </a:pPr>
-            <a:r>
-              <a:rPr kumimoji="0" lang="de-AT" sz="1600" b="0" i="0" u="none" strike="noStrike" kern="0" cap="none" spc="0" normalizeH="0" baseline="0" noProof="0" dirty="0">
-                <a:ln>
-                  <a:noFill/>
-                </a:ln>
-                <a:solidFill>
-                  <a:srgbClr val="1496FF"/>
-                </a:solidFill>
-                <a:effectLst/>
-                <a:uLnTx/>
-                <a:uFillTx/>
-                <a:latin typeface="Calibri" panose="020F0502020204030204"/>
-                <a:ea typeface=""/>
-                <a:cs typeface=""/>
-              </a:rPr>
-              <a:t>Dynatrace</a:t>
-            </a:r>
-          </a:p>
-          <a:p>
-            <a:pPr marL="0" marR="0" lvl="0" indent="0" algn="ctr" defTabSz="914400" eaLnBrk="1" fontAlgn="auto" latinLnBrk="0" hangingPunct="1">
-              <a:lnSpc>
-                <a:spcPct val="100000"/>
-              </a:lnSpc>
-              <a:spcBef>
-                <a:spcPts val="0"/>
-              </a:spcBef>
-              <a:spcAft>
-                <a:spcPts val="0"/>
-              </a:spcAft>
-              <a:buClrTx/>
-              <a:buSzTx/>
-              <a:buFontTx/>
-              <a:buNone/>
-              <a:tabLst/>
-              <a:defRPr/>
-            </a:pPr>
-            <a:r>
-              <a:rPr kumimoji="0" lang="de-AT" sz="1600" b="0" i="0" u="none" strike="noStrike" kern="0" cap="none" spc="0" normalizeH="0" baseline="0" noProof="0" dirty="0">
-                <a:ln>
-                  <a:noFill/>
-                </a:ln>
-                <a:solidFill>
-                  <a:srgbClr val="1496FF"/>
-                </a:solidFill>
-                <a:effectLst/>
-                <a:uLnTx/>
-                <a:uFillTx/>
-                <a:latin typeface="Calibri" panose="020F0502020204030204"/>
-                <a:ea typeface=""/>
-                <a:cs typeface=""/>
-              </a:rPr>
-              <a:t>bridge</a:t>
-            </a:r>
-          </a:p>
-        </p:txBody>
-      </p:sp>
-      <p:sp>
-        <p:nvSpPr>
-          <p:cNvPr id="61" name="TextBox 60">
-            <a:extLst>
-              <a:ext uri="{FF2B5EF4-FFF2-40B4-BE49-F238E27FC236}">
-                <a16:creationId xmlns:a16="http://schemas.microsoft.com/office/drawing/2014/main" id="{CF9DF427-27E7-4D7F-B4C1-8825FF1C9590}"/>
-              </a:ext>
-            </a:extLst>
-          </p:cNvPr>
-          <p:cNvSpPr txBox="1"/>
-          <p:nvPr/>
-        </p:nvSpPr>
-        <p:spPr>
-          <a:xfrm>
-            <a:off x="2637771" y="4827751"/>
-            <a:ext cx="771621" cy="369332"/>
-          </a:xfrm>
-          <a:prstGeom prst="rect">
-            <a:avLst/>
-          </a:prstGeom>
-          <a:noFill/>
-        </p:spPr>
-        <p:txBody>
-          <a:bodyPr wrap="none" rtlCol="0">
-            <a:spAutoFit/>
-          </a:bodyPr>
-          <a:lstStyle/>
-          <a:p>
-            <a:r>
-              <a:rPr lang="fr-FR" dirty="0" err="1"/>
-              <a:t>Sikulix</a:t>
-            </a:r>
-            <a:endParaRPr lang="en-US" dirty="0"/>
-          </a:p>
-        </p:txBody>
-      </p:sp>
-      <p:sp>
-        <p:nvSpPr>
-          <p:cNvPr id="62" name="Rectangle 61">
-            <a:extLst>
-              <a:ext uri="{FF2B5EF4-FFF2-40B4-BE49-F238E27FC236}">
-                <a16:creationId xmlns:a16="http://schemas.microsoft.com/office/drawing/2014/main" id="{FBA063A0-59BE-44F2-A9A8-48937C68E88E}"/>
-              </a:ext>
-            </a:extLst>
-          </p:cNvPr>
-          <p:cNvSpPr/>
-          <p:nvPr/>
-        </p:nvSpPr>
-        <p:spPr>
-          <a:xfrm>
-            <a:off x="1572852" y="4373923"/>
-            <a:ext cx="1952285" cy="2045188"/>
-          </a:xfrm>
-          <a:prstGeom prst="rect">
-            <a:avLst/>
-          </a:prstGeom>
-          <a:noFill/>
-          <a:ln>
-            <a:solidFill>
-              <a:schemeClr val="accent2"/>
-            </a:solidFill>
-          </a:ln>
-        </p:spPr>
-        <p:style>
-          <a:lnRef idx="2">
-            <a:schemeClr val="accent1">
-              <a:shade val="50000"/>
-            </a:schemeClr>
-          </a:lnRef>
-          <a:fillRef idx="1">
-            <a:schemeClr val="accent1"/>
-          </a:fillRef>
-          <a:effectRef idx="0">
-            <a:schemeClr val="accent1"/>
-          </a:effectRef>
-          <a:fontRef idx="minor">
-            <a:schemeClr val="lt1"/>
-          </a:fontRef>
-        </p:style>
-        <p:txBody>
-          <a:bodyPr rtlCol="0" anchor="ctr"/>
-          <a:lstStyle/>
-          <a:p>
-            <a:pPr algn="ctr"/>
-            <a:endParaRPr lang="en-US"/>
-          </a:p>
-        </p:txBody>
-      </p:sp>
-      <p:sp>
-        <p:nvSpPr>
-          <p:cNvPr id="26" name="TextBox 25">
-            <a:extLst>
-              <a:ext uri="{FF2B5EF4-FFF2-40B4-BE49-F238E27FC236}">
-                <a16:creationId xmlns:a16="http://schemas.microsoft.com/office/drawing/2014/main" id="{AF36D902-1004-400B-A510-A1169E694D94}"/>
-              </a:ext>
-            </a:extLst>
-          </p:cNvPr>
-          <p:cNvSpPr txBox="1"/>
-          <p:nvPr/>
-        </p:nvSpPr>
-        <p:spPr>
-          <a:xfrm>
-            <a:off x="881449" y="1272746"/>
-            <a:ext cx="596638" cy="369332"/>
-          </a:xfrm>
-          <a:prstGeom prst="rect">
-            <a:avLst/>
-          </a:prstGeom>
-          <a:noFill/>
-        </p:spPr>
-        <p:txBody>
-          <a:bodyPr wrap="none" rtlCol="0">
-            <a:spAutoFit/>
-          </a:bodyPr>
-          <a:lstStyle/>
-          <a:p>
-            <a:r>
-              <a:rPr lang="fr-FR" dirty="0"/>
-              <a:t>PC 1</a:t>
-            </a:r>
-            <a:endParaRPr lang="en-US" dirty="0"/>
-          </a:p>
-        </p:txBody>
-      </p:sp>
-      <p:sp>
-        <p:nvSpPr>
-          <p:cNvPr id="64" name="TextBox 63">
-            <a:extLst>
-              <a:ext uri="{FF2B5EF4-FFF2-40B4-BE49-F238E27FC236}">
-                <a16:creationId xmlns:a16="http://schemas.microsoft.com/office/drawing/2014/main" id="{8093BC03-AEAB-41C9-9561-70BAB2F046DC}"/>
-              </a:ext>
-            </a:extLst>
-          </p:cNvPr>
-          <p:cNvSpPr txBox="1"/>
-          <p:nvPr/>
-        </p:nvSpPr>
-        <p:spPr>
-          <a:xfrm>
-            <a:off x="859625" y="3147115"/>
-            <a:ext cx="596638" cy="369332"/>
-          </a:xfrm>
-          <a:prstGeom prst="rect">
-            <a:avLst/>
-          </a:prstGeom>
-          <a:noFill/>
-        </p:spPr>
-        <p:txBody>
-          <a:bodyPr wrap="none" rtlCol="0">
-            <a:spAutoFit/>
-          </a:bodyPr>
-          <a:lstStyle/>
-          <a:p>
-            <a:r>
-              <a:rPr lang="fr-FR" dirty="0"/>
-              <a:t>PC 2</a:t>
-            </a:r>
-            <a:endParaRPr lang="en-US" dirty="0"/>
-          </a:p>
-        </p:txBody>
-      </p:sp>
-      <p:sp>
-        <p:nvSpPr>
-          <p:cNvPr id="65" name="TextBox 64">
-            <a:extLst>
-              <a:ext uri="{FF2B5EF4-FFF2-40B4-BE49-F238E27FC236}">
-                <a16:creationId xmlns:a16="http://schemas.microsoft.com/office/drawing/2014/main" id="{6B5D4DEB-596B-4BDA-8A92-872828C8B7DE}"/>
-              </a:ext>
-            </a:extLst>
-          </p:cNvPr>
-          <p:cNvSpPr txBox="1"/>
-          <p:nvPr/>
-        </p:nvSpPr>
-        <p:spPr>
-          <a:xfrm>
-            <a:off x="930491" y="5104750"/>
-            <a:ext cx="596638" cy="369332"/>
-          </a:xfrm>
-          <a:prstGeom prst="rect">
-            <a:avLst/>
-          </a:prstGeom>
-          <a:noFill/>
-        </p:spPr>
-        <p:txBody>
-          <a:bodyPr wrap="none" rtlCol="0">
-            <a:spAutoFit/>
-          </a:bodyPr>
-          <a:lstStyle/>
-          <a:p>
-            <a:r>
-              <a:rPr lang="fr-FR" dirty="0"/>
-              <a:t>PC 3</a:t>
-            </a:r>
-            <a:endParaRPr lang="en-US" dirty="0"/>
-          </a:p>
-        </p:txBody>
-      </p:sp>
       <p:cxnSp>
         <p:nvCxnSpPr>
           <p:cNvPr id="42" name="Straight Connector 41">
@@ -16657,18 +14071,20 @@
           </p:cNvPr>
           <p:cNvCxnSpPr>
             <a:cxnSpLocks/>
+            <a:stCxn id="79" idx="2"/>
             <a:endCxn id="53" idx="1"/>
           </p:cNvCxnSpPr>
           <p:nvPr/>
         </p:nvCxnSpPr>
         <p:spPr>
-          <a:xfrm flipV="1">
-            <a:off x="3712346" y="2610202"/>
-            <a:ext cx="7256871" cy="1098430"/>
+          <a:xfrm rot="5400000" flipH="1" flipV="1">
+            <a:off x="7526177" y="126542"/>
+            <a:ext cx="959379" cy="5926699"/>
           </a:xfrm>
-          <a:prstGeom prst="bentConnector3">
+          <a:prstGeom prst="bentConnector4">
             <a:avLst>
-              <a:gd name="adj1" fmla="val 87991"/>
+              <a:gd name="adj1" fmla="val -23828"/>
+              <a:gd name="adj2" fmla="val 94253"/>
             </a:avLst>
           </a:prstGeom>
           <a:ln>
@@ -16697,880 +14113,6 @@
           </a:fontRef>
         </p:style>
       </p:cxnSp>
-      <p:cxnSp>
-        <p:nvCxnSpPr>
-          <p:cNvPr id="44" name="Straight Connector 43">
-            <a:extLst>
-              <a:ext uri="{FF2B5EF4-FFF2-40B4-BE49-F238E27FC236}">
-                <a16:creationId xmlns:a16="http://schemas.microsoft.com/office/drawing/2014/main" id="{A20442AC-81AF-4686-B703-38E6F1CE9DD2}"/>
-              </a:ext>
-            </a:extLst>
-          </p:cNvPr>
-          <p:cNvCxnSpPr>
-            <a:cxnSpLocks/>
-            <a:endCxn id="53" idx="2"/>
-          </p:cNvCxnSpPr>
-          <p:nvPr/>
-        </p:nvCxnSpPr>
-        <p:spPr>
-          <a:xfrm flipV="1">
-            <a:off x="3709214" y="2841034"/>
-            <a:ext cx="7678002" cy="2747080"/>
-          </a:xfrm>
-          <a:prstGeom prst="bentConnector2">
-            <a:avLst/>
-          </a:prstGeom>
-          <a:ln>
-            <a:solidFill>
-              <a:schemeClr val="tx1">
-                <a:lumMod val="50000"/>
-                <a:lumOff val="50000"/>
-              </a:schemeClr>
-            </a:solidFill>
-            <a:headEnd type="triangle" w="med" len="med"/>
-            <a:tailEnd type="none" w="med" len="med"/>
-          </a:ln>
-        </p:spPr>
-        <p:style>
-          <a:lnRef idx="2">
-            <a:schemeClr val="accent1"/>
-          </a:lnRef>
-          <a:fillRef idx="0">
-            <a:schemeClr val="accent1"/>
-          </a:fillRef>
-          <a:effectRef idx="1">
-            <a:schemeClr val="accent1"/>
-          </a:effectRef>
-          <a:fontRef idx="minor">
-            <a:schemeClr val="tx1"/>
-          </a:fontRef>
-        </p:style>
-      </p:cxnSp>
-      <p:sp>
-        <p:nvSpPr>
-          <p:cNvPr id="45" name="Rectangle 44">
-            <a:extLst>
-              <a:ext uri="{FF2B5EF4-FFF2-40B4-BE49-F238E27FC236}">
-                <a16:creationId xmlns:a16="http://schemas.microsoft.com/office/drawing/2014/main" id="{69247CD2-6940-419B-99AF-8E9E5A3998EE}"/>
-              </a:ext>
-            </a:extLst>
-          </p:cNvPr>
-          <p:cNvSpPr/>
-          <p:nvPr/>
-        </p:nvSpPr>
-        <p:spPr>
-          <a:xfrm>
-            <a:off x="7873796" y="5332105"/>
-            <a:ext cx="761065" cy="440675"/>
-          </a:xfrm>
-          <a:prstGeom prst="rect">
-            <a:avLst/>
-          </a:prstGeom>
-          <a:noFill/>
-          <a:ln>
-            <a:noFill/>
-          </a:ln>
-        </p:spPr>
-        <p:style>
-          <a:lnRef idx="2">
-            <a:schemeClr val="accent1">
-              <a:shade val="50000"/>
-            </a:schemeClr>
-          </a:lnRef>
-          <a:fillRef idx="1">
-            <a:schemeClr val="accent1"/>
-          </a:fillRef>
-          <a:effectRef idx="0">
-            <a:schemeClr val="accent1"/>
-          </a:effectRef>
-          <a:fontRef idx="minor">
-            <a:schemeClr val="lt1"/>
-          </a:fontRef>
-        </p:style>
-        <p:txBody>
-          <a:bodyPr rtlCol="0" anchor="ctr"/>
-          <a:lstStyle/>
-          <a:p>
-            <a:pPr marL="0" marR="0" lvl="0" indent="0" algn="ctr" defTabSz="914400" eaLnBrk="1" fontAlgn="auto" latinLnBrk="0" hangingPunct="1">
-              <a:lnSpc>
-                <a:spcPct val="100000"/>
-              </a:lnSpc>
-              <a:spcBef>
-                <a:spcPts val="0"/>
-              </a:spcBef>
-              <a:spcAft>
-                <a:spcPts val="0"/>
-              </a:spcAft>
-              <a:buClrTx/>
-              <a:buSzTx/>
-              <a:buFontTx/>
-              <a:buNone/>
-              <a:tabLst/>
-              <a:defRPr/>
-            </a:pPr>
-            <a:r>
-              <a:rPr kumimoji="0" lang="de-DE" sz="1800" b="0" i="0" u="none" strike="noStrike" kern="0" cap="none" spc="0" normalizeH="0" baseline="0" noProof="0" dirty="0">
-                <a:ln>
-                  <a:noFill/>
-                </a:ln>
-                <a:solidFill>
-                  <a:sysClr val="windowText" lastClr="000000"/>
-                </a:solidFill>
-                <a:effectLst/>
-                <a:uLnTx/>
-                <a:uFillTx/>
-              </a:rPr>
-              <a:t>https 443</a:t>
-            </a:r>
-            <a:endParaRPr kumimoji="0" lang="de-AT" sz="1800" b="0" i="0" u="none" strike="noStrike" kern="0" cap="none" spc="0" normalizeH="0" baseline="0" noProof="0" dirty="0">
-              <a:ln>
-                <a:noFill/>
-              </a:ln>
-              <a:solidFill>
-                <a:sysClr val="windowText" lastClr="000000"/>
-              </a:solidFill>
-              <a:effectLst/>
-              <a:uLnTx/>
-              <a:uFillTx/>
-            </a:endParaRPr>
-          </a:p>
-        </p:txBody>
-      </p:sp>
-      <p:sp>
-        <p:nvSpPr>
-          <p:cNvPr id="47" name="TextBox 46">
-            <a:extLst>
-              <a:ext uri="{FF2B5EF4-FFF2-40B4-BE49-F238E27FC236}">
-                <a16:creationId xmlns:a16="http://schemas.microsoft.com/office/drawing/2014/main" id="{FDA66E01-DDAF-4F61-AFF2-F341E21CD8AE}"/>
-              </a:ext>
-            </a:extLst>
-          </p:cNvPr>
-          <p:cNvSpPr txBox="1"/>
-          <p:nvPr/>
-        </p:nvSpPr>
-        <p:spPr>
-          <a:xfrm>
-            <a:off x="5749377" y="226568"/>
-            <a:ext cx="6162264" cy="923330"/>
-          </a:xfrm>
-          <a:prstGeom prst="rect">
-            <a:avLst/>
-          </a:prstGeom>
-          <a:noFill/>
-        </p:spPr>
-        <p:txBody>
-          <a:bodyPr wrap="none" rtlCol="0">
-            <a:spAutoFit/>
-          </a:bodyPr>
-          <a:lstStyle/>
-          <a:p>
-            <a:r>
-              <a:rPr lang="fr-FR" dirty="0"/>
-              <a:t>Architecture</a:t>
-            </a:r>
-          </a:p>
-          <a:p>
-            <a:r>
-              <a:rPr lang="fr-FR" dirty="0" err="1"/>
-              <a:t>Using</a:t>
-            </a:r>
-            <a:r>
-              <a:rPr lang="fr-FR" dirty="0"/>
-              <a:t> </a:t>
-            </a:r>
-            <a:r>
-              <a:rPr lang="fr-FR" dirty="0" err="1"/>
-              <a:t>Third</a:t>
-            </a:r>
-            <a:r>
-              <a:rPr lang="fr-FR" dirty="0"/>
-              <a:t> Party </a:t>
-            </a:r>
-            <a:r>
-              <a:rPr lang="fr-FR" dirty="0" err="1"/>
-              <a:t>Synthetic</a:t>
-            </a:r>
-            <a:r>
-              <a:rPr lang="fr-FR" dirty="0"/>
-              <a:t> API to push test </a:t>
-            </a:r>
-            <a:r>
-              <a:rPr lang="fr-FR" dirty="0" err="1"/>
-              <a:t>results</a:t>
-            </a:r>
-            <a:r>
-              <a:rPr lang="fr-FR" dirty="0"/>
-              <a:t> to Dynatrace</a:t>
-            </a:r>
-          </a:p>
-          <a:p>
-            <a:r>
-              <a:rPr lang="fr-FR" dirty="0" err="1"/>
-              <a:t>Using</a:t>
-            </a:r>
-            <a:r>
-              <a:rPr lang="fr-FR" dirty="0"/>
-              <a:t> VNC to </a:t>
-            </a:r>
-            <a:r>
-              <a:rPr lang="fr-FR" dirty="0" err="1"/>
-              <a:t>remotely</a:t>
-            </a:r>
-            <a:r>
-              <a:rPr lang="fr-FR" dirty="0"/>
-              <a:t> </a:t>
-            </a:r>
-            <a:r>
-              <a:rPr lang="fr-FR" dirty="0" err="1"/>
-              <a:t>connect</a:t>
-            </a:r>
-            <a:r>
-              <a:rPr lang="fr-FR" dirty="0"/>
-              <a:t> to desktop </a:t>
-            </a:r>
-            <a:r>
-              <a:rPr lang="fr-FR" dirty="0" err="1"/>
-              <a:t>from</a:t>
-            </a:r>
-            <a:r>
-              <a:rPr lang="fr-FR" dirty="0"/>
-              <a:t> </a:t>
-            </a:r>
-            <a:r>
-              <a:rPr lang="fr-FR" dirty="0" err="1"/>
-              <a:t>SikuliX</a:t>
-            </a:r>
-            <a:endParaRPr lang="en-US" dirty="0"/>
-          </a:p>
-        </p:txBody>
-      </p:sp>
-      <p:pic>
-        <p:nvPicPr>
-          <p:cNvPr id="49" name="Picture 48">
-            <a:extLst>
-              <a:ext uri="{FF2B5EF4-FFF2-40B4-BE49-F238E27FC236}">
-                <a16:creationId xmlns:a16="http://schemas.microsoft.com/office/drawing/2014/main" id="{999568E0-8F4A-4AE2-891C-0C542A1C0AD2}"/>
-              </a:ext>
-            </a:extLst>
-          </p:cNvPr>
-          <p:cNvPicPr>
-            <a:picLocks noChangeAspect="1"/>
-          </p:cNvPicPr>
-          <p:nvPr/>
-        </p:nvPicPr>
-        <p:blipFill>
-          <a:blip r:embed="rId7"/>
-          <a:stretch>
-            <a:fillRect/>
-          </a:stretch>
-        </p:blipFill>
-        <p:spPr>
-          <a:xfrm>
-            <a:off x="6707581" y="1873649"/>
-            <a:ext cx="542925" cy="714375"/>
-          </a:xfrm>
-          <a:prstGeom prst="rect">
-            <a:avLst/>
-          </a:prstGeom>
-        </p:spPr>
-      </p:pic>
-      <p:pic>
-        <p:nvPicPr>
-          <p:cNvPr id="50" name="Picture 49">
-            <a:extLst>
-              <a:ext uri="{FF2B5EF4-FFF2-40B4-BE49-F238E27FC236}">
-                <a16:creationId xmlns:a16="http://schemas.microsoft.com/office/drawing/2014/main" id="{64D6F09F-D6CA-4BF5-958B-EA9FF7261651}"/>
-              </a:ext>
-            </a:extLst>
-          </p:cNvPr>
-          <p:cNvPicPr>
-            <a:picLocks noChangeAspect="1"/>
-          </p:cNvPicPr>
-          <p:nvPr/>
-        </p:nvPicPr>
-        <p:blipFill>
-          <a:blip r:embed="rId8">
-            <a:extLst>
-              <a:ext uri="{28A0092B-C50C-407E-A947-70E740481C1C}">
-                <a14:useLocalDpi xmlns:a14="http://schemas.microsoft.com/office/drawing/2010/main" val="0"/>
-              </a:ext>
-            </a:extLst>
-          </a:blip>
-          <a:stretch>
-            <a:fillRect/>
-          </a:stretch>
-        </p:blipFill>
-        <p:spPr>
-          <a:xfrm>
-            <a:off x="6270244" y="1847737"/>
-            <a:ext cx="530613" cy="530613"/>
-          </a:xfrm>
-          <a:prstGeom prst="rect">
-            <a:avLst/>
-          </a:prstGeom>
-        </p:spPr>
-      </p:pic>
-      <p:sp>
-        <p:nvSpPr>
-          <p:cNvPr id="52" name="Rectangle 51">
-            <a:extLst>
-              <a:ext uri="{FF2B5EF4-FFF2-40B4-BE49-F238E27FC236}">
-                <a16:creationId xmlns:a16="http://schemas.microsoft.com/office/drawing/2014/main" id="{7FA8AF13-C2BF-4752-ACB3-158F92B1A2D4}"/>
-              </a:ext>
-            </a:extLst>
-          </p:cNvPr>
-          <p:cNvSpPr/>
-          <p:nvPr/>
-        </p:nvSpPr>
-        <p:spPr>
-          <a:xfrm>
-            <a:off x="7621434" y="1166950"/>
-            <a:ext cx="761065" cy="440675"/>
-          </a:xfrm>
-          <a:prstGeom prst="rect">
-            <a:avLst/>
-          </a:prstGeom>
-          <a:noFill/>
-          <a:ln>
-            <a:noFill/>
-          </a:ln>
-        </p:spPr>
-        <p:style>
-          <a:lnRef idx="2">
-            <a:schemeClr val="accent1">
-              <a:shade val="50000"/>
-            </a:schemeClr>
-          </a:lnRef>
-          <a:fillRef idx="1">
-            <a:schemeClr val="accent1"/>
-          </a:fillRef>
-          <a:effectRef idx="0">
-            <a:schemeClr val="accent1"/>
-          </a:effectRef>
-          <a:fontRef idx="minor">
-            <a:schemeClr val="lt1"/>
-          </a:fontRef>
-        </p:style>
-        <p:txBody>
-          <a:bodyPr rtlCol="0" anchor="ctr"/>
-          <a:lstStyle/>
-          <a:p>
-            <a:pPr marL="0" marR="0" lvl="0" indent="0" algn="ctr" defTabSz="914400" eaLnBrk="1" fontAlgn="auto" latinLnBrk="0" hangingPunct="1">
-              <a:lnSpc>
-                <a:spcPct val="100000"/>
-              </a:lnSpc>
-              <a:spcBef>
-                <a:spcPts val="0"/>
-              </a:spcBef>
-              <a:spcAft>
-                <a:spcPts val="0"/>
-              </a:spcAft>
-              <a:buClrTx/>
-              <a:buSzTx/>
-              <a:buFontTx/>
-              <a:buNone/>
-              <a:tabLst/>
-              <a:defRPr/>
-            </a:pPr>
-            <a:r>
-              <a:rPr kumimoji="0" lang="de-DE" sz="1800" b="0" i="0" u="none" strike="noStrike" kern="0" cap="none" spc="0" normalizeH="0" baseline="0" noProof="0" dirty="0">
-                <a:ln>
-                  <a:noFill/>
-                </a:ln>
-                <a:solidFill>
-                  <a:sysClr val="windowText" lastClr="000000"/>
-                </a:solidFill>
-                <a:effectLst/>
-                <a:uLnTx/>
-                <a:uFillTx/>
-              </a:rPr>
-              <a:t>https 443</a:t>
-            </a:r>
-            <a:endParaRPr kumimoji="0" lang="de-AT" sz="1800" b="0" i="0" u="none" strike="noStrike" kern="0" cap="none" spc="0" normalizeH="0" baseline="0" noProof="0" dirty="0">
-              <a:ln>
-                <a:noFill/>
-              </a:ln>
-              <a:solidFill>
-                <a:sysClr val="windowText" lastClr="000000"/>
-              </a:solidFill>
-              <a:effectLst/>
-              <a:uLnTx/>
-              <a:uFillTx/>
-            </a:endParaRPr>
-          </a:p>
-        </p:txBody>
-      </p:sp>
-      <p:sp>
-        <p:nvSpPr>
-          <p:cNvPr id="55" name="TextBox 54">
-            <a:extLst>
-              <a:ext uri="{FF2B5EF4-FFF2-40B4-BE49-F238E27FC236}">
-                <a16:creationId xmlns:a16="http://schemas.microsoft.com/office/drawing/2014/main" id="{94143D23-0ED0-4551-A4E2-48A910C267E2}"/>
-              </a:ext>
-            </a:extLst>
-          </p:cNvPr>
-          <p:cNvSpPr txBox="1"/>
-          <p:nvPr/>
-        </p:nvSpPr>
-        <p:spPr>
-          <a:xfrm>
-            <a:off x="6279164" y="2613936"/>
-            <a:ext cx="1099980" cy="830997"/>
-          </a:xfrm>
-          <a:prstGeom prst="rect">
-            <a:avLst/>
-          </a:prstGeom>
-          <a:noFill/>
-        </p:spPr>
-        <p:txBody>
-          <a:bodyPr wrap="none" rtlCol="0">
-            <a:spAutoFit/>
-          </a:bodyPr>
-          <a:lstStyle/>
-          <a:p>
-            <a:pPr marL="0" marR="0" lvl="0" indent="0" algn="ctr" defTabSz="914400" eaLnBrk="1" fontAlgn="auto" latinLnBrk="0" hangingPunct="1">
-              <a:lnSpc>
-                <a:spcPct val="100000"/>
-              </a:lnSpc>
-              <a:spcBef>
-                <a:spcPts val="0"/>
-              </a:spcBef>
-              <a:spcAft>
-                <a:spcPts val="0"/>
-              </a:spcAft>
-              <a:buClrTx/>
-              <a:buSzTx/>
-              <a:buFontTx/>
-              <a:buNone/>
-              <a:tabLst/>
-              <a:defRPr/>
-            </a:pPr>
-            <a:r>
-              <a:rPr kumimoji="0" lang="de-AT" sz="1600" b="0" i="0" u="none" strike="noStrike" kern="0" cap="none" spc="0" normalizeH="0" baseline="0" noProof="0" dirty="0">
-                <a:ln>
-                  <a:noFill/>
-                </a:ln>
-                <a:solidFill>
-                  <a:srgbClr val="1496FF"/>
-                </a:solidFill>
-                <a:effectLst/>
-                <a:uLnTx/>
-                <a:uFillTx/>
-                <a:latin typeface="Calibri" panose="020F0502020204030204"/>
-                <a:ea typeface=""/>
-                <a:cs typeface=""/>
-              </a:rPr>
-              <a:t>Dynatrace</a:t>
-            </a:r>
-          </a:p>
-          <a:p>
-            <a:pPr marL="0" marR="0" lvl="0" indent="0" algn="ctr" defTabSz="914400" eaLnBrk="1" fontAlgn="auto" latinLnBrk="0" hangingPunct="1">
-              <a:lnSpc>
-                <a:spcPct val="100000"/>
-              </a:lnSpc>
-              <a:spcBef>
-                <a:spcPts val="0"/>
-              </a:spcBef>
-              <a:spcAft>
-                <a:spcPts val="0"/>
-              </a:spcAft>
-              <a:buClrTx/>
-              <a:buSzTx/>
-              <a:buFontTx/>
-              <a:buNone/>
-              <a:tabLst/>
-              <a:defRPr/>
-            </a:pPr>
-            <a:r>
-              <a:rPr kumimoji="0" lang="de-AT" sz="1600" b="0" i="0" u="none" strike="noStrike" kern="0" cap="none" spc="0" normalizeH="0" baseline="0" noProof="0" dirty="0">
-                <a:ln>
-                  <a:noFill/>
-                </a:ln>
-                <a:solidFill>
-                  <a:srgbClr val="1496FF"/>
-                </a:solidFill>
-                <a:effectLst/>
-                <a:uLnTx/>
-                <a:uFillTx/>
-                <a:latin typeface="Calibri" panose="020F0502020204030204"/>
-                <a:ea typeface=""/>
-                <a:cs typeface=""/>
-              </a:rPr>
-              <a:t>Synthetic</a:t>
-            </a:r>
-          </a:p>
-          <a:p>
-            <a:pPr marL="0" marR="0" lvl="0" indent="0" algn="ctr" defTabSz="914400" eaLnBrk="1" fontAlgn="auto" latinLnBrk="0" hangingPunct="1">
-              <a:lnSpc>
-                <a:spcPct val="100000"/>
-              </a:lnSpc>
-              <a:spcBef>
-                <a:spcPts val="0"/>
-              </a:spcBef>
-              <a:spcAft>
-                <a:spcPts val="0"/>
-              </a:spcAft>
-              <a:buClrTx/>
-              <a:buSzTx/>
-              <a:buFontTx/>
-              <a:buNone/>
-              <a:tabLst/>
-              <a:defRPr/>
-            </a:pPr>
-            <a:r>
-              <a:rPr kumimoji="0" lang="de-AT" sz="1600" b="0" i="0" u="none" strike="noStrike" kern="0" cap="none" spc="0" normalizeH="0" baseline="0" noProof="0" dirty="0">
-                <a:ln>
-                  <a:noFill/>
-                </a:ln>
-                <a:solidFill>
-                  <a:srgbClr val="1496FF"/>
-                </a:solidFill>
-                <a:effectLst/>
-                <a:uLnTx/>
-                <a:uFillTx/>
-                <a:latin typeface="Calibri" panose="020F0502020204030204"/>
-                <a:ea typeface=""/>
-                <a:cs typeface=""/>
-              </a:rPr>
-              <a:t>ActiveGate</a:t>
-            </a:r>
-          </a:p>
-        </p:txBody>
-      </p:sp>
-      <p:pic>
-        <p:nvPicPr>
-          <p:cNvPr id="3" name="Picture 2" descr="TightVNC Home">
-            <a:extLst>
-              <a:ext uri="{FF2B5EF4-FFF2-40B4-BE49-F238E27FC236}">
-                <a16:creationId xmlns:a16="http://schemas.microsoft.com/office/drawing/2014/main" id="{CFA7263D-3FED-4B94-B3F1-918602C35C42}"/>
-              </a:ext>
-            </a:extLst>
-          </p:cNvPr>
-          <p:cNvPicPr>
-            <a:picLocks noChangeAspect="1" noChangeArrowheads="1"/>
-          </p:cNvPicPr>
-          <p:nvPr/>
-        </p:nvPicPr>
-        <p:blipFill>
-          <a:blip r:embed="rId9">
-            <a:extLst>
-              <a:ext uri="{28A0092B-C50C-407E-A947-70E740481C1C}">
-                <a14:useLocalDpi xmlns:a14="http://schemas.microsoft.com/office/drawing/2010/main" val="0"/>
-              </a:ext>
-            </a:extLst>
-          </a:blip>
-          <a:srcRect/>
-          <a:stretch>
-            <a:fillRect/>
-          </a:stretch>
-        </p:blipFill>
-        <p:spPr bwMode="auto">
-          <a:xfrm>
-            <a:off x="1791903" y="5628808"/>
-            <a:ext cx="440675" cy="440675"/>
-          </a:xfrm>
-          <a:prstGeom prst="rect">
-            <a:avLst/>
-          </a:prstGeom>
-          <a:noFill/>
-          <a:extLst>
-            <a:ext uri="{909E8E84-426E-40DD-AFC4-6F175D3DCCD1}">
-              <a14:hiddenFill xmlns:a14="http://schemas.microsoft.com/office/drawing/2010/main">
-                <a:solidFill>
-                  <a:srgbClr val="FFFFFF"/>
-                </a:solidFill>
-              </a14:hiddenFill>
-            </a:ext>
-          </a:extLst>
-        </p:spPr>
-      </p:pic>
-      <p:pic>
-        <p:nvPicPr>
-          <p:cNvPr id="48" name="Picture 47" descr="TightVNC Home">
-            <a:extLst>
-              <a:ext uri="{FF2B5EF4-FFF2-40B4-BE49-F238E27FC236}">
-                <a16:creationId xmlns:a16="http://schemas.microsoft.com/office/drawing/2014/main" id="{03116195-D7B6-45DC-9A5E-C99D20D14178}"/>
-              </a:ext>
-            </a:extLst>
-          </p:cNvPr>
-          <p:cNvPicPr>
-            <a:picLocks noChangeAspect="1" noChangeArrowheads="1"/>
-          </p:cNvPicPr>
-          <p:nvPr/>
-        </p:nvPicPr>
-        <p:blipFill>
-          <a:blip r:embed="rId9">
-            <a:extLst>
-              <a:ext uri="{28A0092B-C50C-407E-A947-70E740481C1C}">
-                <a14:useLocalDpi xmlns:a14="http://schemas.microsoft.com/office/drawing/2010/main" val="0"/>
-              </a:ext>
-            </a:extLst>
-          </a:blip>
-          <a:srcRect/>
-          <a:stretch>
-            <a:fillRect/>
-          </a:stretch>
-        </p:blipFill>
-        <p:spPr bwMode="auto">
-          <a:xfrm>
-            <a:off x="1746558" y="3635548"/>
-            <a:ext cx="440675" cy="440675"/>
-          </a:xfrm>
-          <a:prstGeom prst="rect">
-            <a:avLst/>
-          </a:prstGeom>
-          <a:noFill/>
-          <a:extLst>
-            <a:ext uri="{909E8E84-426E-40DD-AFC4-6F175D3DCCD1}">
-              <a14:hiddenFill xmlns:a14="http://schemas.microsoft.com/office/drawing/2010/main">
-                <a:solidFill>
-                  <a:srgbClr val="FFFFFF"/>
-                </a:solidFill>
-              </a14:hiddenFill>
-            </a:ext>
-          </a:extLst>
-        </p:spPr>
-      </p:pic>
-      <p:pic>
-        <p:nvPicPr>
-          <p:cNvPr id="67" name="Picture 66" descr="TightVNC Home">
-            <a:extLst>
-              <a:ext uri="{FF2B5EF4-FFF2-40B4-BE49-F238E27FC236}">
-                <a16:creationId xmlns:a16="http://schemas.microsoft.com/office/drawing/2014/main" id="{0BAE562A-DC19-43FB-B9CC-B91C1399BF4D}"/>
-              </a:ext>
-            </a:extLst>
-          </p:cNvPr>
-          <p:cNvPicPr>
-            <a:picLocks noChangeAspect="1" noChangeArrowheads="1"/>
-          </p:cNvPicPr>
-          <p:nvPr/>
-        </p:nvPicPr>
-        <p:blipFill>
-          <a:blip r:embed="rId9">
-            <a:extLst>
-              <a:ext uri="{28A0092B-C50C-407E-A947-70E740481C1C}">
-                <a14:useLocalDpi xmlns:a14="http://schemas.microsoft.com/office/drawing/2010/main" val="0"/>
-              </a:ext>
-            </a:extLst>
-          </a:blip>
-          <a:srcRect/>
-          <a:stretch>
-            <a:fillRect/>
-          </a:stretch>
-        </p:blipFill>
-        <p:spPr bwMode="auto">
-          <a:xfrm>
-            <a:off x="1748133" y="1520001"/>
-            <a:ext cx="440675" cy="440675"/>
-          </a:xfrm>
-          <a:prstGeom prst="rect">
-            <a:avLst/>
-          </a:prstGeom>
-          <a:noFill/>
-          <a:extLst>
-            <a:ext uri="{909E8E84-426E-40DD-AFC4-6F175D3DCCD1}">
-              <a14:hiddenFill xmlns:a14="http://schemas.microsoft.com/office/drawing/2010/main">
-                <a:solidFill>
-                  <a:srgbClr val="FFFFFF"/>
-                </a:solidFill>
-              </a14:hiddenFill>
-            </a:ext>
-          </a:extLst>
-        </p:spPr>
-      </p:pic>
-      <p:pic>
-        <p:nvPicPr>
-          <p:cNvPr id="71" name="Picture 4" descr="nssm.cc">
-            <a:extLst>
-              <a:ext uri="{FF2B5EF4-FFF2-40B4-BE49-F238E27FC236}">
-                <a16:creationId xmlns:a16="http://schemas.microsoft.com/office/drawing/2014/main" id="{FD14BF32-BDD7-4B44-B7E6-FB37F618B1CB}"/>
-              </a:ext>
-            </a:extLst>
-          </p:cNvPr>
-          <p:cNvPicPr>
-            <a:picLocks noChangeAspect="1" noChangeArrowheads="1"/>
-          </p:cNvPicPr>
-          <p:nvPr/>
-        </p:nvPicPr>
-        <p:blipFill>
-          <a:blip r:embed="rId10">
-            <a:extLst>
-              <a:ext uri="{28A0092B-C50C-407E-A947-70E740481C1C}">
-                <a14:useLocalDpi xmlns:a14="http://schemas.microsoft.com/office/drawing/2010/main" val="0"/>
-              </a:ext>
-            </a:extLst>
-          </a:blip>
-          <a:srcRect/>
-          <a:stretch>
-            <a:fillRect/>
-          </a:stretch>
-        </p:blipFill>
-        <p:spPr bwMode="auto">
-          <a:xfrm>
-            <a:off x="2906407" y="1288549"/>
-            <a:ext cx="199995" cy="199995"/>
-          </a:xfrm>
-          <a:prstGeom prst="rect">
-            <a:avLst/>
-          </a:prstGeom>
-          <a:noFill/>
-          <a:extLst>
-            <a:ext uri="{909E8E84-426E-40DD-AFC4-6F175D3DCCD1}">
-              <a14:hiddenFill xmlns:a14="http://schemas.microsoft.com/office/drawing/2010/main">
-                <a:solidFill>
-                  <a:srgbClr val="FFFFFF"/>
-                </a:solidFill>
-              </a14:hiddenFill>
-            </a:ext>
-          </a:extLst>
-        </p:spPr>
-      </p:pic>
-      <p:pic>
-        <p:nvPicPr>
-          <p:cNvPr id="72" name="Picture 4" descr="nssm.cc">
-            <a:extLst>
-              <a:ext uri="{FF2B5EF4-FFF2-40B4-BE49-F238E27FC236}">
-                <a16:creationId xmlns:a16="http://schemas.microsoft.com/office/drawing/2014/main" id="{14FFC8E9-BD27-4957-BE6C-B14ECA5A7DD3}"/>
-              </a:ext>
-            </a:extLst>
-          </p:cNvPr>
-          <p:cNvPicPr>
-            <a:picLocks noChangeAspect="1" noChangeArrowheads="1"/>
-          </p:cNvPicPr>
-          <p:nvPr/>
-        </p:nvPicPr>
-        <p:blipFill>
-          <a:blip r:embed="rId10">
-            <a:extLst>
-              <a:ext uri="{28A0092B-C50C-407E-A947-70E740481C1C}">
-                <a14:useLocalDpi xmlns:a14="http://schemas.microsoft.com/office/drawing/2010/main" val="0"/>
-              </a:ext>
-            </a:extLst>
-          </a:blip>
-          <a:srcRect/>
-          <a:stretch>
-            <a:fillRect/>
-          </a:stretch>
-        </p:blipFill>
-        <p:spPr bwMode="auto">
-          <a:xfrm>
-            <a:off x="2908755" y="3373151"/>
-            <a:ext cx="199995" cy="199995"/>
-          </a:xfrm>
-          <a:prstGeom prst="rect">
-            <a:avLst/>
-          </a:prstGeom>
-          <a:noFill/>
-          <a:extLst>
-            <a:ext uri="{909E8E84-426E-40DD-AFC4-6F175D3DCCD1}">
-              <a14:hiddenFill xmlns:a14="http://schemas.microsoft.com/office/drawing/2010/main">
-                <a:solidFill>
-                  <a:srgbClr val="FFFFFF"/>
-                </a:solidFill>
-              </a14:hiddenFill>
-            </a:ext>
-          </a:extLst>
-        </p:spPr>
-      </p:pic>
-      <p:pic>
-        <p:nvPicPr>
-          <p:cNvPr id="73" name="Picture 4" descr="nssm.cc">
-            <a:extLst>
-              <a:ext uri="{FF2B5EF4-FFF2-40B4-BE49-F238E27FC236}">
-                <a16:creationId xmlns:a16="http://schemas.microsoft.com/office/drawing/2014/main" id="{394F141C-867E-4536-A168-8A49B8DA3D19}"/>
-              </a:ext>
-            </a:extLst>
-          </p:cNvPr>
-          <p:cNvPicPr>
-            <a:picLocks noChangeAspect="1" noChangeArrowheads="1"/>
-          </p:cNvPicPr>
-          <p:nvPr/>
-        </p:nvPicPr>
-        <p:blipFill>
-          <a:blip r:embed="rId10">
-            <a:extLst>
-              <a:ext uri="{28A0092B-C50C-407E-A947-70E740481C1C}">
-                <a14:useLocalDpi xmlns:a14="http://schemas.microsoft.com/office/drawing/2010/main" val="0"/>
-              </a:ext>
-            </a:extLst>
-          </a:blip>
-          <a:srcRect/>
-          <a:stretch>
-            <a:fillRect/>
-          </a:stretch>
-        </p:blipFill>
-        <p:spPr bwMode="auto">
-          <a:xfrm>
-            <a:off x="2906407" y="5413790"/>
-            <a:ext cx="199995" cy="199995"/>
-          </a:xfrm>
-          <a:prstGeom prst="rect">
-            <a:avLst/>
-          </a:prstGeom>
-          <a:noFill/>
-          <a:extLst>
-            <a:ext uri="{909E8E84-426E-40DD-AFC4-6F175D3DCCD1}">
-              <a14:hiddenFill xmlns:a14="http://schemas.microsoft.com/office/drawing/2010/main">
-                <a:solidFill>
-                  <a:srgbClr val="FFFFFF"/>
-                </a:solidFill>
-              </a14:hiddenFill>
-            </a:ext>
-          </a:extLst>
-        </p:spPr>
-      </p:pic>
-      <p:sp>
-        <p:nvSpPr>
-          <p:cNvPr id="74" name="Rectangle 73">
-            <a:extLst>
-              <a:ext uri="{FF2B5EF4-FFF2-40B4-BE49-F238E27FC236}">
-                <a16:creationId xmlns:a16="http://schemas.microsoft.com/office/drawing/2014/main" id="{EF71D26C-0A92-451C-871C-FB0DC261831F}"/>
-              </a:ext>
-            </a:extLst>
-          </p:cNvPr>
-          <p:cNvSpPr/>
-          <p:nvPr/>
-        </p:nvSpPr>
-        <p:spPr>
-          <a:xfrm>
-            <a:off x="6264877" y="1783318"/>
-            <a:ext cx="1102247" cy="1661614"/>
-          </a:xfrm>
-          <a:prstGeom prst="rect">
-            <a:avLst/>
-          </a:prstGeom>
-          <a:noFill/>
-          <a:ln>
-            <a:solidFill>
-              <a:schemeClr val="accent2"/>
-            </a:solidFill>
-          </a:ln>
-        </p:spPr>
-        <p:style>
-          <a:lnRef idx="2">
-            <a:schemeClr val="accent1">
-              <a:shade val="50000"/>
-            </a:schemeClr>
-          </a:lnRef>
-          <a:fillRef idx="1">
-            <a:schemeClr val="accent1"/>
-          </a:fillRef>
-          <a:effectRef idx="0">
-            <a:schemeClr val="accent1"/>
-          </a:effectRef>
-          <a:fontRef idx="minor">
-            <a:schemeClr val="lt1"/>
-          </a:fontRef>
-        </p:style>
-        <p:txBody>
-          <a:bodyPr rtlCol="0" anchor="ctr"/>
-          <a:lstStyle/>
-          <a:p>
-            <a:pPr algn="ctr"/>
-            <a:endParaRPr lang="en-US"/>
-          </a:p>
-        </p:txBody>
-      </p:sp>
       <p:sp>
         <p:nvSpPr>
           <p:cNvPr id="75" name="Rectangle 74">
@@ -17637,7 +14179,7 @@
         </p:nvSpPr>
         <p:spPr>
           <a:xfrm>
-            <a:off x="3744188" y="6040095"/>
+            <a:off x="3222631" y="210292"/>
             <a:ext cx="8313026" cy="646331"/>
           </a:xfrm>
           <a:prstGeom prst="rect">
@@ -17791,7 +14333,7 @@
           <p:nvPr/>
         </p:nvPicPr>
         <p:blipFill>
-          <a:blip r:embed="rId5" cstate="print">
+          <a:blip r:embed="rId4" cstate="print">
             <a:extLst>
               <a:ext uri="{28A0092B-C50C-407E-A947-70E740481C1C}">
                 <a14:useLocalDpi xmlns:a14="http://schemas.microsoft.com/office/drawing/2010/main" val="0"/>
@@ -17814,7 +14356,7 @@
           <a:noFill/>
           <a:extLst>
             <a:ext uri="{909E8E84-426E-40dd-AFC4-6F175D3DCCD1}">
-              <a14:hiddenFill xmlns:a14="http://schemas.microsoft.com/office/drawing/2010/main" xmlns="">
+              <a14:hiddenFill xmlns="" xmlns:a14="http://schemas.microsoft.com/office/drawing/2010/main">
                 <a:solidFill>
                   <a:srgbClr val="FFFFFF"/>
                 </a:solidFill>
@@ -17916,8 +14458,8 @@
         </p:nvCxnSpPr>
         <p:spPr>
           <a:xfrm flipH="1">
-            <a:off x="10030830" y="2296779"/>
-            <a:ext cx="799526" cy="0"/>
+            <a:off x="9904961" y="2296779"/>
+            <a:ext cx="925395" cy="0"/>
           </a:xfrm>
           <a:prstGeom prst="line">
             <a:avLst/>
@@ -18038,6 +14580,1360 @@
           </a:p>
         </p:txBody>
       </p:sp>
+      <p:pic>
+        <p:nvPicPr>
+          <p:cNvPr id="66" name="Picture 2" descr="Logo">
+            <a:extLst>
+              <a:ext uri="{FF2B5EF4-FFF2-40B4-BE49-F238E27FC236}">
+                <a16:creationId xmlns:a16="http://schemas.microsoft.com/office/drawing/2014/main" id="{2A71F02B-F707-4D27-B71D-246AA8E73FEE}"/>
+              </a:ext>
+            </a:extLst>
+          </p:cNvPr>
+          <p:cNvPicPr>
+            <a:picLocks noChangeAspect="1" noChangeArrowheads="1"/>
+          </p:cNvPicPr>
+          <p:nvPr/>
+        </p:nvPicPr>
+        <p:blipFill>
+          <a:blip r:embed="rId5">
+            <a:extLst>
+              <a:ext uri="{28A0092B-C50C-407E-A947-70E740481C1C}">
+                <a14:useLocalDpi xmlns:a14="http://schemas.microsoft.com/office/drawing/2010/main" val="0"/>
+              </a:ext>
+            </a:extLst>
+          </a:blip>
+          <a:srcRect/>
+          <a:stretch>
+            <a:fillRect/>
+          </a:stretch>
+        </p:blipFill>
+        <p:spPr bwMode="auto">
+          <a:xfrm>
+            <a:off x="4750780" y="1783316"/>
+            <a:ext cx="609600" cy="609600"/>
+          </a:xfrm>
+          <a:prstGeom prst="rect">
+            <a:avLst/>
+          </a:prstGeom>
+          <a:noFill/>
+          <a:extLst>
+            <a:ext uri="{909E8E84-426E-40DD-AFC4-6F175D3DCCD1}">
+              <a14:hiddenFill xmlns:a14="http://schemas.microsoft.com/office/drawing/2010/main">
+                <a:solidFill>
+                  <a:srgbClr val="FFFFFF"/>
+                </a:solidFill>
+              </a14:hiddenFill>
+            </a:ext>
+          </a:extLst>
+        </p:spPr>
+      </p:pic>
+      <p:pic>
+        <p:nvPicPr>
+          <p:cNvPr id="68" name="Picture 14" descr="http://assets.ruxitlabs.com/icons/png/green/Icons_file_001_Browser.png">
+            <a:extLst>
+              <a:ext uri="{FF2B5EF4-FFF2-40B4-BE49-F238E27FC236}">
+                <a16:creationId xmlns:a16="http://schemas.microsoft.com/office/drawing/2014/main" id="{EBEFE973-9180-408D-91CE-F3C6519C84B3}"/>
+              </a:ext>
+            </a:extLst>
+          </p:cNvPr>
+          <p:cNvPicPr>
+            <a:picLocks noChangeAspect="1" noChangeArrowheads="1"/>
+          </p:cNvPicPr>
+          <p:nvPr/>
+        </p:nvPicPr>
+        <p:blipFill>
+          <a:blip r:embed="rId4" cstate="print">
+            <a:extLst>
+              <a:ext uri="{28A0092B-C50C-407E-A947-70E740481C1C}">
+                <a14:useLocalDpi xmlns:a14="http://schemas.microsoft.com/office/drawing/2010/main" val="0"/>
+              </a:ext>
+            </a:extLst>
+          </a:blip>
+          <a:srcRect/>
+          <a:stretch>
+            <a:fillRect/>
+          </a:stretch>
+        </p:blipFill>
+        <p:spPr bwMode="auto">
+          <a:xfrm>
+            <a:off x="1629098" y="293302"/>
+            <a:ext cx="678029" cy="678029"/>
+          </a:xfrm>
+          <a:prstGeom prst="rect">
+            <a:avLst/>
+          </a:prstGeom>
+          <a:noFill/>
+          <a:extLst>
+            <a:ext uri="{909E8E84-426E-40dd-AFC4-6F175D3DCCD1}">
+              <a14:hiddenFill xmlns="" xmlns:a14="http://schemas.microsoft.com/office/drawing/2010/main">
+                <a:solidFill>
+                  <a:srgbClr val="FFFFFF"/>
+                </a:solidFill>
+              </a14:hiddenFill>
+            </a:ext>
+          </a:extLst>
+        </p:spPr>
+      </p:pic>
+      <p:sp>
+        <p:nvSpPr>
+          <p:cNvPr id="69" name="TextBox 68">
+            <a:extLst>
+              <a:ext uri="{FF2B5EF4-FFF2-40B4-BE49-F238E27FC236}">
+                <a16:creationId xmlns:a16="http://schemas.microsoft.com/office/drawing/2014/main" id="{21E519E1-E995-4B42-9402-1E58F5D6CB15}"/>
+              </a:ext>
+            </a:extLst>
+          </p:cNvPr>
+          <p:cNvSpPr txBox="1"/>
+          <p:nvPr/>
+        </p:nvSpPr>
+        <p:spPr>
+          <a:xfrm>
+            <a:off x="1692451" y="854220"/>
+            <a:ext cx="645498" cy="461665"/>
+          </a:xfrm>
+          <a:prstGeom prst="rect">
+            <a:avLst/>
+          </a:prstGeom>
+          <a:noFill/>
+        </p:spPr>
+        <p:txBody>
+          <a:bodyPr wrap="square" rtlCol="0">
+            <a:spAutoFit/>
+          </a:bodyPr>
+          <a:lstStyle/>
+          <a:p>
+            <a:pPr marL="0" marR="0" lvl="0" indent="0" defTabSz="914400" eaLnBrk="1" fontAlgn="auto" latinLnBrk="0" hangingPunct="1">
+              <a:lnSpc>
+                <a:spcPct val="100000"/>
+              </a:lnSpc>
+              <a:spcBef>
+                <a:spcPts val="0"/>
+              </a:spcBef>
+              <a:spcAft>
+                <a:spcPts val="0"/>
+              </a:spcAft>
+              <a:buClrTx/>
+              <a:buSzTx/>
+              <a:buFontTx/>
+              <a:buNone/>
+              <a:tabLst/>
+              <a:defRPr/>
+            </a:pPr>
+            <a:r>
+              <a:rPr lang="de-AT" sz="1200" kern="0" dirty="0">
+                <a:solidFill>
+                  <a:srgbClr val="92D050">
+                    <a:lumMod val="75000"/>
+                  </a:srgbClr>
+                </a:solidFill>
+                <a:latin typeface="Calibri" panose="020F0502020204030204"/>
+                <a:ea typeface=""/>
+                <a:cs typeface=""/>
+              </a:rPr>
+              <a:t>Tested App</a:t>
+            </a:r>
+            <a:r>
+              <a:rPr kumimoji="0" lang="de-AT" sz="1200" b="0" i="0" u="none" strike="noStrike" kern="0" cap="none" spc="0" normalizeH="0" baseline="0" noProof="0" dirty="0">
+                <a:ln>
+                  <a:noFill/>
+                </a:ln>
+                <a:solidFill>
+                  <a:srgbClr val="92D050">
+                    <a:lumMod val="75000"/>
+                  </a:srgbClr>
+                </a:solidFill>
+                <a:effectLst/>
+                <a:uLnTx/>
+                <a:uFillTx/>
+                <a:latin typeface="Calibri" panose="020F0502020204030204"/>
+                <a:ea typeface=""/>
+                <a:cs typeface=""/>
+              </a:rPr>
+              <a:t> UI</a:t>
+            </a:r>
+          </a:p>
+        </p:txBody>
+      </p:sp>
+      <p:pic>
+        <p:nvPicPr>
+          <p:cNvPr id="70" name="Picture 69">
+            <a:extLst>
+              <a:ext uri="{FF2B5EF4-FFF2-40B4-BE49-F238E27FC236}">
+                <a16:creationId xmlns:a16="http://schemas.microsoft.com/office/drawing/2014/main" id="{47D3148C-E3B6-4B6F-AE49-EC866D910D3A}"/>
+              </a:ext>
+            </a:extLst>
+          </p:cNvPr>
+          <p:cNvPicPr>
+            <a:picLocks noChangeAspect="1"/>
+          </p:cNvPicPr>
+          <p:nvPr/>
+        </p:nvPicPr>
+        <p:blipFill>
+          <a:blip r:embed="rId6"/>
+          <a:stretch>
+            <a:fillRect/>
+          </a:stretch>
+        </p:blipFill>
+        <p:spPr>
+          <a:xfrm>
+            <a:off x="4677979" y="2684171"/>
+            <a:ext cx="729079" cy="315894"/>
+          </a:xfrm>
+          <a:prstGeom prst="rect">
+            <a:avLst/>
+          </a:prstGeom>
+        </p:spPr>
+      </p:pic>
+      <p:sp>
+        <p:nvSpPr>
+          <p:cNvPr id="77" name="TextBox 76">
+            <a:extLst>
+              <a:ext uri="{FF2B5EF4-FFF2-40B4-BE49-F238E27FC236}">
+                <a16:creationId xmlns:a16="http://schemas.microsoft.com/office/drawing/2014/main" id="{ACFE5305-1F26-4D44-96F0-8BF63FB4B4FD}"/>
+              </a:ext>
+            </a:extLst>
+          </p:cNvPr>
+          <p:cNvSpPr txBox="1"/>
+          <p:nvPr/>
+        </p:nvSpPr>
+        <p:spPr>
+          <a:xfrm>
+            <a:off x="4523786" y="2997507"/>
+            <a:ext cx="1037463" cy="584775"/>
+          </a:xfrm>
+          <a:prstGeom prst="rect">
+            <a:avLst/>
+          </a:prstGeom>
+          <a:noFill/>
+        </p:spPr>
+        <p:txBody>
+          <a:bodyPr wrap="none" rtlCol="0">
+            <a:spAutoFit/>
+          </a:bodyPr>
+          <a:lstStyle/>
+          <a:p>
+            <a:pPr marL="0" marR="0" lvl="0" indent="0" defTabSz="914400" eaLnBrk="1" fontAlgn="auto" latinLnBrk="0" hangingPunct="1">
+              <a:lnSpc>
+                <a:spcPct val="100000"/>
+              </a:lnSpc>
+              <a:spcBef>
+                <a:spcPts val="0"/>
+              </a:spcBef>
+              <a:spcAft>
+                <a:spcPts val="0"/>
+              </a:spcAft>
+              <a:buClrTx/>
+              <a:buSzTx/>
+              <a:buFontTx/>
+              <a:buNone/>
+              <a:tabLst/>
+              <a:defRPr/>
+            </a:pPr>
+            <a:r>
+              <a:rPr kumimoji="0" lang="de-AT" sz="1600" b="0" i="0" u="none" strike="noStrike" kern="0" cap="none" spc="0" normalizeH="0" baseline="0" noProof="0" dirty="0">
+                <a:ln>
+                  <a:noFill/>
+                </a:ln>
+                <a:solidFill>
+                  <a:srgbClr val="1496FF"/>
+                </a:solidFill>
+                <a:effectLst/>
+                <a:uLnTx/>
+                <a:uFillTx/>
+                <a:latin typeface="Calibri" panose="020F0502020204030204"/>
+                <a:ea typeface=""/>
+                <a:cs typeface=""/>
+              </a:rPr>
+              <a:t>Dynatrace</a:t>
+            </a:r>
+          </a:p>
+          <a:p>
+            <a:pPr marL="0" marR="0" lvl="0" indent="0" algn="ctr" defTabSz="914400" eaLnBrk="1" fontAlgn="auto" latinLnBrk="0" hangingPunct="1">
+              <a:lnSpc>
+                <a:spcPct val="100000"/>
+              </a:lnSpc>
+              <a:spcBef>
+                <a:spcPts val="0"/>
+              </a:spcBef>
+              <a:spcAft>
+                <a:spcPts val="0"/>
+              </a:spcAft>
+              <a:buClrTx/>
+              <a:buSzTx/>
+              <a:buFontTx/>
+              <a:buNone/>
+              <a:tabLst/>
+              <a:defRPr/>
+            </a:pPr>
+            <a:r>
+              <a:rPr kumimoji="0" lang="de-AT" sz="1600" b="0" i="0" u="none" strike="noStrike" kern="0" cap="none" spc="0" normalizeH="0" baseline="0" noProof="0" dirty="0">
+                <a:ln>
+                  <a:noFill/>
+                </a:ln>
+                <a:solidFill>
+                  <a:srgbClr val="1496FF"/>
+                </a:solidFill>
+                <a:effectLst/>
+                <a:uLnTx/>
+                <a:uFillTx/>
+                <a:latin typeface="Calibri" panose="020F0502020204030204"/>
+                <a:ea typeface=""/>
+                <a:cs typeface=""/>
+              </a:rPr>
+              <a:t>bridge</a:t>
+            </a:r>
+          </a:p>
+        </p:txBody>
+      </p:sp>
+      <p:sp>
+        <p:nvSpPr>
+          <p:cNvPr id="78" name="TextBox 77">
+            <a:extLst>
+              <a:ext uri="{FF2B5EF4-FFF2-40B4-BE49-F238E27FC236}">
+                <a16:creationId xmlns:a16="http://schemas.microsoft.com/office/drawing/2014/main" id="{6E5653A1-B1A7-499B-BF68-0852B551AC4F}"/>
+              </a:ext>
+            </a:extLst>
+          </p:cNvPr>
+          <p:cNvSpPr txBox="1"/>
+          <p:nvPr/>
+        </p:nvSpPr>
+        <p:spPr>
+          <a:xfrm>
+            <a:off x="4673883" y="2237145"/>
+            <a:ext cx="771621" cy="369332"/>
+          </a:xfrm>
+          <a:prstGeom prst="rect">
+            <a:avLst/>
+          </a:prstGeom>
+          <a:noFill/>
+        </p:spPr>
+        <p:txBody>
+          <a:bodyPr wrap="none" rtlCol="0">
+            <a:spAutoFit/>
+          </a:bodyPr>
+          <a:lstStyle/>
+          <a:p>
+            <a:r>
+              <a:rPr lang="fr-FR" dirty="0" err="1"/>
+              <a:t>Sikulix</a:t>
+            </a:r>
+            <a:endParaRPr lang="en-US" dirty="0"/>
+          </a:p>
+        </p:txBody>
+      </p:sp>
+      <p:sp>
+        <p:nvSpPr>
+          <p:cNvPr id="79" name="Rectangle 78">
+            <a:extLst>
+              <a:ext uri="{FF2B5EF4-FFF2-40B4-BE49-F238E27FC236}">
+                <a16:creationId xmlns:a16="http://schemas.microsoft.com/office/drawing/2014/main" id="{9F218821-2934-4A55-90DA-832AFBA7D53E}"/>
+              </a:ext>
+            </a:extLst>
+          </p:cNvPr>
+          <p:cNvSpPr/>
+          <p:nvPr/>
+        </p:nvSpPr>
+        <p:spPr>
+          <a:xfrm>
+            <a:off x="4523786" y="1783317"/>
+            <a:ext cx="1037463" cy="1786264"/>
+          </a:xfrm>
+          <a:prstGeom prst="rect">
+            <a:avLst/>
+          </a:prstGeom>
+          <a:noFill/>
+          <a:ln>
+            <a:solidFill>
+              <a:schemeClr val="accent2"/>
+            </a:solidFill>
+          </a:ln>
+        </p:spPr>
+        <p:style>
+          <a:lnRef idx="2">
+            <a:schemeClr val="accent1">
+              <a:shade val="50000"/>
+            </a:schemeClr>
+          </a:lnRef>
+          <a:fillRef idx="1">
+            <a:schemeClr val="accent1"/>
+          </a:fillRef>
+          <a:effectRef idx="0">
+            <a:schemeClr val="accent1"/>
+          </a:effectRef>
+          <a:fontRef idx="minor">
+            <a:schemeClr val="lt1"/>
+          </a:fontRef>
+        </p:style>
+        <p:txBody>
+          <a:bodyPr rtlCol="0" anchor="ctr"/>
+          <a:lstStyle/>
+          <a:p>
+            <a:pPr algn="ctr"/>
+            <a:endParaRPr lang="en-US"/>
+          </a:p>
+        </p:txBody>
+      </p:sp>
+      <p:pic>
+        <p:nvPicPr>
+          <p:cNvPr id="80" name="Picture 14" descr="http://assets.ruxitlabs.com/icons/png/green/Icons_file_001_Browser.png">
+            <a:extLst>
+              <a:ext uri="{FF2B5EF4-FFF2-40B4-BE49-F238E27FC236}">
+                <a16:creationId xmlns:a16="http://schemas.microsoft.com/office/drawing/2014/main" id="{6121657D-582D-44AA-9912-D5A22C00F1F8}"/>
+              </a:ext>
+            </a:extLst>
+          </p:cNvPr>
+          <p:cNvPicPr>
+            <a:picLocks noChangeAspect="1" noChangeArrowheads="1"/>
+          </p:cNvPicPr>
+          <p:nvPr/>
+        </p:nvPicPr>
+        <p:blipFill>
+          <a:blip r:embed="rId4" cstate="print">
+            <a:extLst>
+              <a:ext uri="{28A0092B-C50C-407E-A947-70E740481C1C}">
+                <a14:useLocalDpi xmlns:a14="http://schemas.microsoft.com/office/drawing/2010/main" val="0"/>
+              </a:ext>
+            </a:extLst>
+          </a:blip>
+          <a:srcRect/>
+          <a:stretch>
+            <a:fillRect/>
+          </a:stretch>
+        </p:blipFill>
+        <p:spPr bwMode="auto">
+          <a:xfrm>
+            <a:off x="1629098" y="2374356"/>
+            <a:ext cx="678029" cy="678029"/>
+          </a:xfrm>
+          <a:prstGeom prst="rect">
+            <a:avLst/>
+          </a:prstGeom>
+          <a:noFill/>
+          <a:extLst>
+            <a:ext uri="{909E8E84-426E-40dd-AFC4-6F175D3DCCD1}">
+              <a14:hiddenFill xmlns="" xmlns:a14="http://schemas.microsoft.com/office/drawing/2010/main">
+                <a:solidFill>
+                  <a:srgbClr val="FFFFFF"/>
+                </a:solidFill>
+              </a14:hiddenFill>
+            </a:ext>
+          </a:extLst>
+        </p:spPr>
+      </p:pic>
+      <p:sp>
+        <p:nvSpPr>
+          <p:cNvPr id="81" name="TextBox 80">
+            <a:extLst>
+              <a:ext uri="{FF2B5EF4-FFF2-40B4-BE49-F238E27FC236}">
+                <a16:creationId xmlns:a16="http://schemas.microsoft.com/office/drawing/2014/main" id="{517C5455-05E1-4715-81E2-A440AB9A115F}"/>
+              </a:ext>
+            </a:extLst>
+          </p:cNvPr>
+          <p:cNvSpPr txBox="1"/>
+          <p:nvPr/>
+        </p:nvSpPr>
+        <p:spPr>
+          <a:xfrm>
+            <a:off x="1692451" y="2935274"/>
+            <a:ext cx="645498" cy="461665"/>
+          </a:xfrm>
+          <a:prstGeom prst="rect">
+            <a:avLst/>
+          </a:prstGeom>
+          <a:noFill/>
+        </p:spPr>
+        <p:txBody>
+          <a:bodyPr wrap="square" rtlCol="0">
+            <a:spAutoFit/>
+          </a:bodyPr>
+          <a:lstStyle/>
+          <a:p>
+            <a:pPr marL="0" marR="0" lvl="0" indent="0" defTabSz="914400" eaLnBrk="1" fontAlgn="auto" latinLnBrk="0" hangingPunct="1">
+              <a:lnSpc>
+                <a:spcPct val="100000"/>
+              </a:lnSpc>
+              <a:spcBef>
+                <a:spcPts val="0"/>
+              </a:spcBef>
+              <a:spcAft>
+                <a:spcPts val="0"/>
+              </a:spcAft>
+              <a:buClrTx/>
+              <a:buSzTx/>
+              <a:buFontTx/>
+              <a:buNone/>
+              <a:tabLst/>
+              <a:defRPr/>
+            </a:pPr>
+            <a:r>
+              <a:rPr lang="de-AT" sz="1200" kern="0" dirty="0">
+                <a:solidFill>
+                  <a:srgbClr val="92D050">
+                    <a:lumMod val="75000"/>
+                  </a:srgbClr>
+                </a:solidFill>
+                <a:latin typeface="Calibri" panose="020F0502020204030204"/>
+                <a:ea typeface=""/>
+                <a:cs typeface=""/>
+              </a:rPr>
+              <a:t>Tested App</a:t>
+            </a:r>
+            <a:r>
+              <a:rPr kumimoji="0" lang="de-AT" sz="1200" b="0" i="0" u="none" strike="noStrike" kern="0" cap="none" spc="0" normalizeH="0" baseline="0" noProof="0" dirty="0">
+                <a:ln>
+                  <a:noFill/>
+                </a:ln>
+                <a:solidFill>
+                  <a:srgbClr val="92D050">
+                    <a:lumMod val="75000"/>
+                  </a:srgbClr>
+                </a:solidFill>
+                <a:effectLst/>
+                <a:uLnTx/>
+                <a:uFillTx/>
+                <a:latin typeface="Calibri" panose="020F0502020204030204"/>
+                <a:ea typeface=""/>
+                <a:cs typeface=""/>
+              </a:rPr>
+              <a:t> UI</a:t>
+            </a:r>
+          </a:p>
+        </p:txBody>
+      </p:sp>
+      <p:pic>
+        <p:nvPicPr>
+          <p:cNvPr id="82" name="Picture 14" descr="http://assets.ruxitlabs.com/icons/png/green/Icons_file_001_Browser.png">
+            <a:extLst>
+              <a:ext uri="{FF2B5EF4-FFF2-40B4-BE49-F238E27FC236}">
+                <a16:creationId xmlns:a16="http://schemas.microsoft.com/office/drawing/2014/main" id="{740C471F-3840-42AD-AB57-D1724660B440}"/>
+              </a:ext>
+            </a:extLst>
+          </p:cNvPr>
+          <p:cNvPicPr>
+            <a:picLocks noChangeAspect="1" noChangeArrowheads="1"/>
+          </p:cNvPicPr>
+          <p:nvPr/>
+        </p:nvPicPr>
+        <p:blipFill>
+          <a:blip r:embed="rId4" cstate="print">
+            <a:extLst>
+              <a:ext uri="{28A0092B-C50C-407E-A947-70E740481C1C}">
+                <a14:useLocalDpi xmlns:a14="http://schemas.microsoft.com/office/drawing/2010/main" val="0"/>
+              </a:ext>
+            </a:extLst>
+          </a:blip>
+          <a:srcRect/>
+          <a:stretch>
+            <a:fillRect/>
+          </a:stretch>
+        </p:blipFill>
+        <p:spPr bwMode="auto">
+          <a:xfrm>
+            <a:off x="1629098" y="4451499"/>
+            <a:ext cx="678029" cy="678029"/>
+          </a:xfrm>
+          <a:prstGeom prst="rect">
+            <a:avLst/>
+          </a:prstGeom>
+          <a:noFill/>
+          <a:extLst>
+            <a:ext uri="{909E8E84-426E-40dd-AFC4-6F175D3DCCD1}">
+              <a14:hiddenFill xmlns="" xmlns:a14="http://schemas.microsoft.com/office/drawing/2010/main">
+                <a:solidFill>
+                  <a:srgbClr val="FFFFFF"/>
+                </a:solidFill>
+              </a14:hiddenFill>
+            </a:ext>
+          </a:extLst>
+        </p:spPr>
+      </p:pic>
+      <p:sp>
+        <p:nvSpPr>
+          <p:cNvPr id="83" name="TextBox 82">
+            <a:extLst>
+              <a:ext uri="{FF2B5EF4-FFF2-40B4-BE49-F238E27FC236}">
+                <a16:creationId xmlns:a16="http://schemas.microsoft.com/office/drawing/2014/main" id="{08DDFFA4-9D6D-4167-89E0-48F578758E2F}"/>
+              </a:ext>
+            </a:extLst>
+          </p:cNvPr>
+          <p:cNvSpPr txBox="1"/>
+          <p:nvPr/>
+        </p:nvSpPr>
+        <p:spPr>
+          <a:xfrm>
+            <a:off x="1692451" y="5012417"/>
+            <a:ext cx="645498" cy="461665"/>
+          </a:xfrm>
+          <a:prstGeom prst="rect">
+            <a:avLst/>
+          </a:prstGeom>
+          <a:noFill/>
+        </p:spPr>
+        <p:txBody>
+          <a:bodyPr wrap="square" rtlCol="0">
+            <a:spAutoFit/>
+          </a:bodyPr>
+          <a:lstStyle/>
+          <a:p>
+            <a:pPr marL="0" marR="0" lvl="0" indent="0" defTabSz="914400" eaLnBrk="1" fontAlgn="auto" latinLnBrk="0" hangingPunct="1">
+              <a:lnSpc>
+                <a:spcPct val="100000"/>
+              </a:lnSpc>
+              <a:spcBef>
+                <a:spcPts val="0"/>
+              </a:spcBef>
+              <a:spcAft>
+                <a:spcPts val="0"/>
+              </a:spcAft>
+              <a:buClrTx/>
+              <a:buSzTx/>
+              <a:buFontTx/>
+              <a:buNone/>
+              <a:tabLst/>
+              <a:defRPr/>
+            </a:pPr>
+            <a:r>
+              <a:rPr lang="de-AT" sz="1200" kern="0" dirty="0">
+                <a:solidFill>
+                  <a:srgbClr val="92D050">
+                    <a:lumMod val="75000"/>
+                  </a:srgbClr>
+                </a:solidFill>
+                <a:latin typeface="Calibri" panose="020F0502020204030204"/>
+                <a:ea typeface=""/>
+                <a:cs typeface=""/>
+              </a:rPr>
+              <a:t>Tested App</a:t>
+            </a:r>
+            <a:r>
+              <a:rPr kumimoji="0" lang="de-AT" sz="1200" b="0" i="0" u="none" strike="noStrike" kern="0" cap="none" spc="0" normalizeH="0" baseline="0" noProof="0" dirty="0">
+                <a:ln>
+                  <a:noFill/>
+                </a:ln>
+                <a:solidFill>
+                  <a:srgbClr val="92D050">
+                    <a:lumMod val="75000"/>
+                  </a:srgbClr>
+                </a:solidFill>
+                <a:effectLst/>
+                <a:uLnTx/>
+                <a:uFillTx/>
+                <a:latin typeface="Calibri" panose="020F0502020204030204"/>
+                <a:ea typeface=""/>
+                <a:cs typeface=""/>
+              </a:rPr>
+              <a:t> UI</a:t>
+            </a:r>
+          </a:p>
+        </p:txBody>
+      </p:sp>
+      <p:sp>
+        <p:nvSpPr>
+          <p:cNvPr id="84" name="TextBox 83">
+            <a:extLst>
+              <a:ext uri="{FF2B5EF4-FFF2-40B4-BE49-F238E27FC236}">
+                <a16:creationId xmlns:a16="http://schemas.microsoft.com/office/drawing/2014/main" id="{E0268E30-79D6-4F35-A7BB-50F474AE0A88}"/>
+              </a:ext>
+            </a:extLst>
+          </p:cNvPr>
+          <p:cNvSpPr txBox="1"/>
+          <p:nvPr/>
+        </p:nvSpPr>
+        <p:spPr>
+          <a:xfrm>
+            <a:off x="589001" y="1272746"/>
+            <a:ext cx="683200" cy="369332"/>
+          </a:xfrm>
+          <a:prstGeom prst="rect">
+            <a:avLst/>
+          </a:prstGeom>
+          <a:noFill/>
+        </p:spPr>
+        <p:txBody>
+          <a:bodyPr wrap="none" rtlCol="0">
+            <a:spAutoFit/>
+          </a:bodyPr>
+          <a:lstStyle/>
+          <a:p>
+            <a:r>
+              <a:rPr lang="fr-FR" dirty="0"/>
+              <a:t>VM 1</a:t>
+            </a:r>
+            <a:endParaRPr lang="en-US" dirty="0"/>
+          </a:p>
+        </p:txBody>
+      </p:sp>
+      <p:sp>
+        <p:nvSpPr>
+          <p:cNvPr id="85" name="TextBox 84">
+            <a:extLst>
+              <a:ext uri="{FF2B5EF4-FFF2-40B4-BE49-F238E27FC236}">
+                <a16:creationId xmlns:a16="http://schemas.microsoft.com/office/drawing/2014/main" id="{F3F3623C-D53C-4FD4-A938-4A838D77AFFA}"/>
+              </a:ext>
+            </a:extLst>
+          </p:cNvPr>
+          <p:cNvSpPr txBox="1"/>
+          <p:nvPr/>
+        </p:nvSpPr>
+        <p:spPr>
+          <a:xfrm>
+            <a:off x="567177" y="3147115"/>
+            <a:ext cx="683200" cy="369332"/>
+          </a:xfrm>
+          <a:prstGeom prst="rect">
+            <a:avLst/>
+          </a:prstGeom>
+          <a:noFill/>
+        </p:spPr>
+        <p:txBody>
+          <a:bodyPr wrap="none" rtlCol="0">
+            <a:spAutoFit/>
+          </a:bodyPr>
+          <a:lstStyle/>
+          <a:p>
+            <a:r>
+              <a:rPr lang="fr-FR" dirty="0"/>
+              <a:t>VM 2</a:t>
+            </a:r>
+            <a:endParaRPr lang="en-US" dirty="0"/>
+          </a:p>
+        </p:txBody>
+      </p:sp>
+      <p:sp>
+        <p:nvSpPr>
+          <p:cNvPr id="86" name="TextBox 85">
+            <a:extLst>
+              <a:ext uri="{FF2B5EF4-FFF2-40B4-BE49-F238E27FC236}">
+                <a16:creationId xmlns:a16="http://schemas.microsoft.com/office/drawing/2014/main" id="{D8FE2C5F-7A62-4FD5-8760-634013AF34C1}"/>
+              </a:ext>
+            </a:extLst>
+          </p:cNvPr>
+          <p:cNvSpPr txBox="1"/>
+          <p:nvPr/>
+        </p:nvSpPr>
+        <p:spPr>
+          <a:xfrm>
+            <a:off x="638043" y="5104750"/>
+            <a:ext cx="683200" cy="369332"/>
+          </a:xfrm>
+          <a:prstGeom prst="rect">
+            <a:avLst/>
+          </a:prstGeom>
+          <a:noFill/>
+        </p:spPr>
+        <p:txBody>
+          <a:bodyPr wrap="none" rtlCol="0">
+            <a:spAutoFit/>
+          </a:bodyPr>
+          <a:lstStyle/>
+          <a:p>
+            <a:r>
+              <a:rPr lang="fr-FR" dirty="0"/>
+              <a:t>VM 3</a:t>
+            </a:r>
+            <a:endParaRPr lang="en-US" dirty="0"/>
+          </a:p>
+        </p:txBody>
+      </p:sp>
+      <p:pic>
+        <p:nvPicPr>
+          <p:cNvPr id="87" name="Picture 86">
+            <a:extLst>
+              <a:ext uri="{FF2B5EF4-FFF2-40B4-BE49-F238E27FC236}">
+                <a16:creationId xmlns:a16="http://schemas.microsoft.com/office/drawing/2014/main" id="{9715ABAF-97D8-4D3A-933F-1E671FECD40D}"/>
+              </a:ext>
+            </a:extLst>
+          </p:cNvPr>
+          <p:cNvPicPr>
+            <a:picLocks noChangeAspect="1"/>
+          </p:cNvPicPr>
+          <p:nvPr/>
+        </p:nvPicPr>
+        <p:blipFill>
+          <a:blip r:embed="rId7"/>
+          <a:stretch>
+            <a:fillRect/>
+          </a:stretch>
+        </p:blipFill>
+        <p:spPr>
+          <a:xfrm>
+            <a:off x="6707581" y="1873649"/>
+            <a:ext cx="542925" cy="714375"/>
+          </a:xfrm>
+          <a:prstGeom prst="rect">
+            <a:avLst/>
+          </a:prstGeom>
+        </p:spPr>
+      </p:pic>
+      <p:pic>
+        <p:nvPicPr>
+          <p:cNvPr id="88" name="Picture 87">
+            <a:extLst>
+              <a:ext uri="{FF2B5EF4-FFF2-40B4-BE49-F238E27FC236}">
+                <a16:creationId xmlns:a16="http://schemas.microsoft.com/office/drawing/2014/main" id="{418B76E4-9498-4B1B-BD29-7932B29C5734}"/>
+              </a:ext>
+            </a:extLst>
+          </p:cNvPr>
+          <p:cNvPicPr>
+            <a:picLocks noChangeAspect="1"/>
+          </p:cNvPicPr>
+          <p:nvPr/>
+        </p:nvPicPr>
+        <p:blipFill>
+          <a:blip r:embed="rId8">
+            <a:extLst>
+              <a:ext uri="{28A0092B-C50C-407E-A947-70E740481C1C}">
+                <a14:useLocalDpi xmlns:a14="http://schemas.microsoft.com/office/drawing/2010/main" val="0"/>
+              </a:ext>
+            </a:extLst>
+          </a:blip>
+          <a:stretch>
+            <a:fillRect/>
+          </a:stretch>
+        </p:blipFill>
+        <p:spPr>
+          <a:xfrm>
+            <a:off x="6270244" y="1847737"/>
+            <a:ext cx="530613" cy="530613"/>
+          </a:xfrm>
+          <a:prstGeom prst="rect">
+            <a:avLst/>
+          </a:prstGeom>
+        </p:spPr>
+      </p:pic>
+      <p:sp>
+        <p:nvSpPr>
+          <p:cNvPr id="89" name="TextBox 88">
+            <a:extLst>
+              <a:ext uri="{FF2B5EF4-FFF2-40B4-BE49-F238E27FC236}">
+                <a16:creationId xmlns:a16="http://schemas.microsoft.com/office/drawing/2014/main" id="{31B92F92-E67F-4FFA-B597-94B669C7D471}"/>
+              </a:ext>
+            </a:extLst>
+          </p:cNvPr>
+          <p:cNvSpPr txBox="1"/>
+          <p:nvPr/>
+        </p:nvSpPr>
+        <p:spPr>
+          <a:xfrm>
+            <a:off x="6279164" y="2613936"/>
+            <a:ext cx="1099980" cy="830997"/>
+          </a:xfrm>
+          <a:prstGeom prst="rect">
+            <a:avLst/>
+          </a:prstGeom>
+          <a:noFill/>
+        </p:spPr>
+        <p:txBody>
+          <a:bodyPr wrap="none" rtlCol="0">
+            <a:spAutoFit/>
+          </a:bodyPr>
+          <a:lstStyle/>
+          <a:p>
+            <a:pPr marL="0" marR="0" lvl="0" indent="0" algn="ctr" defTabSz="914400" eaLnBrk="1" fontAlgn="auto" latinLnBrk="0" hangingPunct="1">
+              <a:lnSpc>
+                <a:spcPct val="100000"/>
+              </a:lnSpc>
+              <a:spcBef>
+                <a:spcPts val="0"/>
+              </a:spcBef>
+              <a:spcAft>
+                <a:spcPts val="0"/>
+              </a:spcAft>
+              <a:buClrTx/>
+              <a:buSzTx/>
+              <a:buFontTx/>
+              <a:buNone/>
+              <a:tabLst/>
+              <a:defRPr/>
+            </a:pPr>
+            <a:r>
+              <a:rPr kumimoji="0" lang="de-AT" sz="1600" b="0" i="0" u="none" strike="noStrike" kern="0" cap="none" spc="0" normalizeH="0" baseline="0" noProof="0" dirty="0">
+                <a:ln>
+                  <a:noFill/>
+                </a:ln>
+                <a:solidFill>
+                  <a:srgbClr val="1496FF"/>
+                </a:solidFill>
+                <a:effectLst/>
+                <a:uLnTx/>
+                <a:uFillTx/>
+                <a:latin typeface="Calibri" panose="020F0502020204030204"/>
+                <a:ea typeface=""/>
+                <a:cs typeface=""/>
+              </a:rPr>
+              <a:t>Dynatrace</a:t>
+            </a:r>
+          </a:p>
+          <a:p>
+            <a:pPr marL="0" marR="0" lvl="0" indent="0" algn="ctr" defTabSz="914400" eaLnBrk="1" fontAlgn="auto" latinLnBrk="0" hangingPunct="1">
+              <a:lnSpc>
+                <a:spcPct val="100000"/>
+              </a:lnSpc>
+              <a:spcBef>
+                <a:spcPts val="0"/>
+              </a:spcBef>
+              <a:spcAft>
+                <a:spcPts val="0"/>
+              </a:spcAft>
+              <a:buClrTx/>
+              <a:buSzTx/>
+              <a:buFontTx/>
+              <a:buNone/>
+              <a:tabLst/>
+              <a:defRPr/>
+            </a:pPr>
+            <a:r>
+              <a:rPr kumimoji="0" lang="de-AT" sz="1600" b="0" i="0" u="none" strike="noStrike" kern="0" cap="none" spc="0" normalizeH="0" baseline="0" noProof="0" dirty="0">
+                <a:ln>
+                  <a:noFill/>
+                </a:ln>
+                <a:solidFill>
+                  <a:srgbClr val="1496FF"/>
+                </a:solidFill>
+                <a:effectLst/>
+                <a:uLnTx/>
+                <a:uFillTx/>
+                <a:latin typeface="Calibri" panose="020F0502020204030204"/>
+                <a:ea typeface=""/>
+                <a:cs typeface=""/>
+              </a:rPr>
+              <a:t>Synthetic</a:t>
+            </a:r>
+          </a:p>
+          <a:p>
+            <a:pPr marL="0" marR="0" lvl="0" indent="0" algn="ctr" defTabSz="914400" eaLnBrk="1" fontAlgn="auto" latinLnBrk="0" hangingPunct="1">
+              <a:lnSpc>
+                <a:spcPct val="100000"/>
+              </a:lnSpc>
+              <a:spcBef>
+                <a:spcPts val="0"/>
+              </a:spcBef>
+              <a:spcAft>
+                <a:spcPts val="0"/>
+              </a:spcAft>
+              <a:buClrTx/>
+              <a:buSzTx/>
+              <a:buFontTx/>
+              <a:buNone/>
+              <a:tabLst/>
+              <a:defRPr/>
+            </a:pPr>
+            <a:r>
+              <a:rPr kumimoji="0" lang="de-AT" sz="1600" b="0" i="0" u="none" strike="noStrike" kern="0" cap="none" spc="0" normalizeH="0" baseline="0" noProof="0" dirty="0">
+                <a:ln>
+                  <a:noFill/>
+                </a:ln>
+                <a:solidFill>
+                  <a:srgbClr val="1496FF"/>
+                </a:solidFill>
+                <a:effectLst/>
+                <a:uLnTx/>
+                <a:uFillTx/>
+                <a:latin typeface="Calibri" panose="020F0502020204030204"/>
+                <a:ea typeface=""/>
+                <a:cs typeface=""/>
+              </a:rPr>
+              <a:t>ActiveGate</a:t>
+            </a:r>
+          </a:p>
+        </p:txBody>
+      </p:sp>
+      <p:pic>
+        <p:nvPicPr>
+          <p:cNvPr id="92" name="Picture 91" descr="TightVNC Home">
+            <a:extLst>
+              <a:ext uri="{FF2B5EF4-FFF2-40B4-BE49-F238E27FC236}">
+                <a16:creationId xmlns:a16="http://schemas.microsoft.com/office/drawing/2014/main" id="{496F7D79-D61A-496C-9CDB-00F38E7110CC}"/>
+              </a:ext>
+            </a:extLst>
+          </p:cNvPr>
+          <p:cNvPicPr>
+            <a:picLocks noChangeAspect="1" noChangeArrowheads="1"/>
+          </p:cNvPicPr>
+          <p:nvPr/>
+        </p:nvPicPr>
+        <p:blipFill>
+          <a:blip r:embed="rId9">
+            <a:extLst>
+              <a:ext uri="{28A0092B-C50C-407E-A947-70E740481C1C}">
+                <a14:useLocalDpi xmlns:a14="http://schemas.microsoft.com/office/drawing/2010/main" val="0"/>
+              </a:ext>
+            </a:extLst>
+          </a:blip>
+          <a:srcRect/>
+          <a:stretch>
+            <a:fillRect/>
+          </a:stretch>
+        </p:blipFill>
+        <p:spPr bwMode="auto">
+          <a:xfrm>
+            <a:off x="1791903" y="5628808"/>
+            <a:ext cx="440675" cy="440675"/>
+          </a:xfrm>
+          <a:prstGeom prst="rect">
+            <a:avLst/>
+          </a:prstGeom>
+          <a:noFill/>
+          <a:extLst>
+            <a:ext uri="{909E8E84-426E-40DD-AFC4-6F175D3DCCD1}">
+              <a14:hiddenFill xmlns:a14="http://schemas.microsoft.com/office/drawing/2010/main">
+                <a:solidFill>
+                  <a:srgbClr val="FFFFFF"/>
+                </a:solidFill>
+              </a14:hiddenFill>
+            </a:ext>
+          </a:extLst>
+        </p:spPr>
+      </p:pic>
+      <p:pic>
+        <p:nvPicPr>
+          <p:cNvPr id="93" name="Picture 92" descr="TightVNC Home">
+            <a:extLst>
+              <a:ext uri="{FF2B5EF4-FFF2-40B4-BE49-F238E27FC236}">
+                <a16:creationId xmlns:a16="http://schemas.microsoft.com/office/drawing/2014/main" id="{92500291-E501-4141-8945-664C4B07531C}"/>
+              </a:ext>
+            </a:extLst>
+          </p:cNvPr>
+          <p:cNvPicPr>
+            <a:picLocks noChangeAspect="1" noChangeArrowheads="1"/>
+          </p:cNvPicPr>
+          <p:nvPr/>
+        </p:nvPicPr>
+        <p:blipFill>
+          <a:blip r:embed="rId9">
+            <a:extLst>
+              <a:ext uri="{28A0092B-C50C-407E-A947-70E740481C1C}">
+                <a14:useLocalDpi xmlns:a14="http://schemas.microsoft.com/office/drawing/2010/main" val="0"/>
+              </a:ext>
+            </a:extLst>
+          </a:blip>
+          <a:srcRect/>
+          <a:stretch>
+            <a:fillRect/>
+          </a:stretch>
+        </p:blipFill>
+        <p:spPr bwMode="auto">
+          <a:xfrm>
+            <a:off x="1746558" y="3635548"/>
+            <a:ext cx="440675" cy="440675"/>
+          </a:xfrm>
+          <a:prstGeom prst="rect">
+            <a:avLst/>
+          </a:prstGeom>
+          <a:noFill/>
+          <a:extLst>
+            <a:ext uri="{909E8E84-426E-40DD-AFC4-6F175D3DCCD1}">
+              <a14:hiddenFill xmlns:a14="http://schemas.microsoft.com/office/drawing/2010/main">
+                <a:solidFill>
+                  <a:srgbClr val="FFFFFF"/>
+                </a:solidFill>
+              </a14:hiddenFill>
+            </a:ext>
+          </a:extLst>
+        </p:spPr>
+      </p:pic>
+      <p:pic>
+        <p:nvPicPr>
+          <p:cNvPr id="94" name="Picture 93" descr="TightVNC Home">
+            <a:extLst>
+              <a:ext uri="{FF2B5EF4-FFF2-40B4-BE49-F238E27FC236}">
+                <a16:creationId xmlns:a16="http://schemas.microsoft.com/office/drawing/2014/main" id="{69ADFE4C-02A6-49A1-A535-07C58D3E21A6}"/>
+              </a:ext>
+            </a:extLst>
+          </p:cNvPr>
+          <p:cNvPicPr>
+            <a:picLocks noChangeAspect="1" noChangeArrowheads="1"/>
+          </p:cNvPicPr>
+          <p:nvPr/>
+        </p:nvPicPr>
+        <p:blipFill>
+          <a:blip r:embed="rId9">
+            <a:extLst>
+              <a:ext uri="{28A0092B-C50C-407E-A947-70E740481C1C}">
+                <a14:useLocalDpi xmlns:a14="http://schemas.microsoft.com/office/drawing/2010/main" val="0"/>
+              </a:ext>
+            </a:extLst>
+          </a:blip>
+          <a:srcRect/>
+          <a:stretch>
+            <a:fillRect/>
+          </a:stretch>
+        </p:blipFill>
+        <p:spPr bwMode="auto">
+          <a:xfrm>
+            <a:off x="1748133" y="1520001"/>
+            <a:ext cx="440675" cy="440675"/>
+          </a:xfrm>
+          <a:prstGeom prst="rect">
+            <a:avLst/>
+          </a:prstGeom>
+          <a:noFill/>
+          <a:extLst>
+            <a:ext uri="{909E8E84-426E-40DD-AFC4-6F175D3DCCD1}">
+              <a14:hiddenFill xmlns:a14="http://schemas.microsoft.com/office/drawing/2010/main">
+                <a:solidFill>
+                  <a:srgbClr val="FFFFFF"/>
+                </a:solidFill>
+              </a14:hiddenFill>
+            </a:ext>
+          </a:extLst>
+        </p:spPr>
+      </p:pic>
+      <p:pic>
+        <p:nvPicPr>
+          <p:cNvPr id="95" name="Picture 4" descr="nssm.cc">
+            <a:extLst>
+              <a:ext uri="{FF2B5EF4-FFF2-40B4-BE49-F238E27FC236}">
+                <a16:creationId xmlns:a16="http://schemas.microsoft.com/office/drawing/2014/main" id="{9420E0F3-B03D-411F-8014-C338207621EA}"/>
+              </a:ext>
+            </a:extLst>
+          </p:cNvPr>
+          <p:cNvPicPr>
+            <a:picLocks noChangeAspect="1" noChangeArrowheads="1"/>
+          </p:cNvPicPr>
+          <p:nvPr/>
+        </p:nvPicPr>
+        <p:blipFill>
+          <a:blip r:embed="rId10">
+            <a:extLst>
+              <a:ext uri="{28A0092B-C50C-407E-A947-70E740481C1C}">
+                <a14:useLocalDpi xmlns:a14="http://schemas.microsoft.com/office/drawing/2010/main" val="0"/>
+              </a:ext>
+            </a:extLst>
+          </a:blip>
+          <a:srcRect/>
+          <a:stretch>
+            <a:fillRect/>
+          </a:stretch>
+        </p:blipFill>
+        <p:spPr bwMode="auto">
+          <a:xfrm>
+            <a:off x="4942519" y="2856140"/>
+            <a:ext cx="199995" cy="199995"/>
+          </a:xfrm>
+          <a:prstGeom prst="rect">
+            <a:avLst/>
+          </a:prstGeom>
+          <a:noFill/>
+          <a:extLst>
+            <a:ext uri="{909E8E84-426E-40DD-AFC4-6F175D3DCCD1}">
+              <a14:hiddenFill xmlns:a14="http://schemas.microsoft.com/office/drawing/2010/main">
+                <a:solidFill>
+                  <a:srgbClr val="FFFFFF"/>
+                </a:solidFill>
+              </a14:hiddenFill>
+            </a:ext>
+          </a:extLst>
+        </p:spPr>
+      </p:pic>
+      <p:sp>
+        <p:nvSpPr>
+          <p:cNvPr id="96" name="Rectangle 95">
+            <a:extLst>
+              <a:ext uri="{FF2B5EF4-FFF2-40B4-BE49-F238E27FC236}">
+                <a16:creationId xmlns:a16="http://schemas.microsoft.com/office/drawing/2014/main" id="{5AF3517E-8264-44C8-9D13-F989EAC66BD1}"/>
+              </a:ext>
+            </a:extLst>
+          </p:cNvPr>
+          <p:cNvSpPr/>
+          <p:nvPr/>
+        </p:nvSpPr>
+        <p:spPr>
+          <a:xfrm>
+            <a:off x="6264877" y="1783317"/>
+            <a:ext cx="1102247" cy="1786261"/>
+          </a:xfrm>
+          <a:prstGeom prst="rect">
+            <a:avLst/>
+          </a:prstGeom>
+          <a:noFill/>
+          <a:ln>
+            <a:solidFill>
+              <a:schemeClr val="accent2"/>
+            </a:solidFill>
+          </a:ln>
+        </p:spPr>
+        <p:style>
+          <a:lnRef idx="2">
+            <a:schemeClr val="accent1">
+              <a:shade val="50000"/>
+            </a:schemeClr>
+          </a:lnRef>
+          <a:fillRef idx="1">
+            <a:schemeClr val="accent1"/>
+          </a:fillRef>
+          <a:effectRef idx="0">
+            <a:schemeClr val="accent1"/>
+          </a:effectRef>
+          <a:fontRef idx="minor">
+            <a:schemeClr val="lt1"/>
+          </a:fontRef>
+        </p:style>
+        <p:txBody>
+          <a:bodyPr rtlCol="0" anchor="ctr"/>
+          <a:lstStyle/>
+          <a:p>
+            <a:pPr algn="ctr"/>
+            <a:endParaRPr lang="en-US"/>
+          </a:p>
+        </p:txBody>
+      </p:sp>
+      <p:sp>
+        <p:nvSpPr>
+          <p:cNvPr id="97" name="Rectangle 96">
+            <a:extLst>
+              <a:ext uri="{FF2B5EF4-FFF2-40B4-BE49-F238E27FC236}">
+                <a16:creationId xmlns:a16="http://schemas.microsoft.com/office/drawing/2014/main" id="{ED10394B-AAD1-40F1-A290-30642FDCA55D}"/>
+              </a:ext>
+            </a:extLst>
+          </p:cNvPr>
+          <p:cNvSpPr/>
+          <p:nvPr/>
+        </p:nvSpPr>
+        <p:spPr>
+          <a:xfrm>
+            <a:off x="1358711" y="215725"/>
+            <a:ext cx="1037463" cy="2045188"/>
+          </a:xfrm>
+          <a:prstGeom prst="rect">
+            <a:avLst/>
+          </a:prstGeom>
+          <a:noFill/>
+          <a:ln>
+            <a:solidFill>
+              <a:schemeClr val="accent2"/>
+            </a:solidFill>
+          </a:ln>
+        </p:spPr>
+        <p:style>
+          <a:lnRef idx="2">
+            <a:schemeClr val="accent1">
+              <a:shade val="50000"/>
+            </a:schemeClr>
+          </a:lnRef>
+          <a:fillRef idx="1">
+            <a:schemeClr val="accent1"/>
+          </a:fillRef>
+          <a:effectRef idx="0">
+            <a:schemeClr val="accent1"/>
+          </a:effectRef>
+          <a:fontRef idx="minor">
+            <a:schemeClr val="lt1"/>
+          </a:fontRef>
+        </p:style>
+        <p:txBody>
+          <a:bodyPr rtlCol="0" anchor="ctr"/>
+          <a:lstStyle/>
+          <a:p>
+            <a:pPr algn="ctr"/>
+            <a:endParaRPr lang="en-US"/>
+          </a:p>
+        </p:txBody>
+      </p:sp>
+      <p:sp>
+        <p:nvSpPr>
+          <p:cNvPr id="98" name="Rectangle 97">
+            <a:extLst>
+              <a:ext uri="{FF2B5EF4-FFF2-40B4-BE49-F238E27FC236}">
+                <a16:creationId xmlns:a16="http://schemas.microsoft.com/office/drawing/2014/main" id="{620F37FD-106C-4318-B673-AB03EFDAE16D}"/>
+              </a:ext>
+            </a:extLst>
+          </p:cNvPr>
+          <p:cNvSpPr/>
+          <p:nvPr/>
+        </p:nvSpPr>
+        <p:spPr>
+          <a:xfrm>
+            <a:off x="1358711" y="2296779"/>
+            <a:ext cx="1037463" cy="2045188"/>
+          </a:xfrm>
+          <a:prstGeom prst="rect">
+            <a:avLst/>
+          </a:prstGeom>
+          <a:noFill/>
+          <a:ln>
+            <a:solidFill>
+              <a:schemeClr val="accent2"/>
+            </a:solidFill>
+          </a:ln>
+        </p:spPr>
+        <p:style>
+          <a:lnRef idx="2">
+            <a:schemeClr val="accent1">
+              <a:shade val="50000"/>
+            </a:schemeClr>
+          </a:lnRef>
+          <a:fillRef idx="1">
+            <a:schemeClr val="accent1"/>
+          </a:fillRef>
+          <a:effectRef idx="0">
+            <a:schemeClr val="accent1"/>
+          </a:effectRef>
+          <a:fontRef idx="minor">
+            <a:schemeClr val="lt1"/>
+          </a:fontRef>
+        </p:style>
+        <p:txBody>
+          <a:bodyPr rtlCol="0" anchor="ctr"/>
+          <a:lstStyle/>
+          <a:p>
+            <a:pPr algn="ctr"/>
+            <a:endParaRPr lang="en-US"/>
+          </a:p>
+        </p:txBody>
+      </p:sp>
+      <p:sp>
+        <p:nvSpPr>
+          <p:cNvPr id="99" name="Rectangle 98">
+            <a:extLst>
+              <a:ext uri="{FF2B5EF4-FFF2-40B4-BE49-F238E27FC236}">
+                <a16:creationId xmlns:a16="http://schemas.microsoft.com/office/drawing/2014/main" id="{26434750-337D-44DD-869F-DDBA918C34BD}"/>
+              </a:ext>
+            </a:extLst>
+          </p:cNvPr>
+          <p:cNvSpPr/>
+          <p:nvPr/>
+        </p:nvSpPr>
+        <p:spPr>
+          <a:xfrm>
+            <a:off x="1358711" y="4373922"/>
+            <a:ext cx="1037463" cy="2045188"/>
+          </a:xfrm>
+          <a:prstGeom prst="rect">
+            <a:avLst/>
+          </a:prstGeom>
+          <a:noFill/>
+          <a:ln>
+            <a:solidFill>
+              <a:schemeClr val="accent2"/>
+            </a:solidFill>
+          </a:ln>
+        </p:spPr>
+        <p:style>
+          <a:lnRef idx="2">
+            <a:schemeClr val="accent1">
+              <a:shade val="50000"/>
+            </a:schemeClr>
+          </a:lnRef>
+          <a:fillRef idx="1">
+            <a:schemeClr val="accent1"/>
+          </a:fillRef>
+          <a:effectRef idx="0">
+            <a:schemeClr val="accent1"/>
+          </a:effectRef>
+          <a:fontRef idx="minor">
+            <a:schemeClr val="lt1"/>
+          </a:fontRef>
+        </p:style>
+        <p:txBody>
+          <a:bodyPr rtlCol="0" anchor="ctr"/>
+          <a:lstStyle/>
+          <a:p>
+            <a:pPr algn="ctr"/>
+            <a:endParaRPr lang="en-US"/>
+          </a:p>
+        </p:txBody>
+      </p:sp>
     </p:spTree>
     <p:extLst>
       <p:ext uri="{BB962C8B-B14F-4D97-AF65-F5344CB8AC3E}">
@@ -19507,7 +17403,7 @@
           <a:noFill/>
           <a:extLst>
             <a:ext uri="{909E8E84-426E-40dd-AFC4-6F175D3DCCD1}">
-              <a14:hiddenFill xmlns="" xmlns:a14="http://schemas.microsoft.com/office/drawing/2010/main">
+              <a14:hiddenFill xmlns:a14="http://schemas.microsoft.com/office/drawing/2010/main" xmlns="">
                 <a:solidFill>
                   <a:srgbClr val="FFFFFF"/>
                 </a:solidFill>
@@ -19895,7 +17791,7 @@
           <a:noFill/>
           <a:extLst>
             <a:ext uri="{909E8E84-426E-40dd-AFC4-6F175D3DCCD1}">
-              <a14:hiddenFill xmlns="" xmlns:a14="http://schemas.microsoft.com/office/drawing/2010/main">
+              <a14:hiddenFill xmlns:a14="http://schemas.microsoft.com/office/drawing/2010/main" xmlns="">
                 <a:solidFill>
                   <a:srgbClr val="FFFFFF"/>
                 </a:solidFill>
@@ -20571,7 +18467,7 @@
           <a:noFill/>
           <a:extLst>
             <a:ext uri="{909E8E84-426E-40dd-AFC4-6F175D3DCCD1}">
-              <a14:hiddenFill xmlns="" xmlns:a14="http://schemas.microsoft.com/office/drawing/2010/main">
+              <a14:hiddenFill xmlns:a14="http://schemas.microsoft.com/office/drawing/2010/main" xmlns="">
                 <a:solidFill>
                   <a:srgbClr val="FFFFFF"/>
                 </a:solidFill>
@@ -20964,7 +18860,7 @@
           <a:noFill/>
           <a:extLst>
             <a:ext uri="{909E8E84-426E-40dd-AFC4-6F175D3DCCD1}">
-              <a14:hiddenFill xmlns="" xmlns:a14="http://schemas.microsoft.com/office/drawing/2010/main">
+              <a14:hiddenFill xmlns:a14="http://schemas.microsoft.com/office/drawing/2010/main" xmlns="">
                 <a:solidFill>
                   <a:srgbClr val="FFFFFF"/>
                 </a:solidFill>

--- a/documentation/dt_sikulix_bridge.pptx
+++ b/documentation/dt_sikulix_bridge.pptx
@@ -5,25 +5,26 @@
     <p:sldMasterId id="2147483648" r:id="rId1"/>
   </p:sldMasterIdLst>
   <p:notesMasterIdLst>
-    <p:notesMasterId r:id="rId18"/>
+    <p:notesMasterId r:id="rId19"/>
   </p:notesMasterIdLst>
   <p:sldIdLst>
     <p:sldId id="259" r:id="rId2"/>
     <p:sldId id="273" r:id="rId3"/>
     <p:sldId id="274" r:id="rId4"/>
-    <p:sldId id="258" r:id="rId5"/>
-    <p:sldId id="256" r:id="rId6"/>
-    <p:sldId id="275" r:id="rId7"/>
-    <p:sldId id="276" r:id="rId8"/>
-    <p:sldId id="260" r:id="rId9"/>
-    <p:sldId id="262" r:id="rId10"/>
-    <p:sldId id="261" r:id="rId11"/>
-    <p:sldId id="263" r:id="rId12"/>
-    <p:sldId id="265" r:id="rId13"/>
-    <p:sldId id="266" r:id="rId14"/>
-    <p:sldId id="271" r:id="rId15"/>
-    <p:sldId id="269" r:id="rId16"/>
-    <p:sldId id="270" r:id="rId17"/>
+    <p:sldId id="277" r:id="rId5"/>
+    <p:sldId id="258" r:id="rId6"/>
+    <p:sldId id="256" r:id="rId7"/>
+    <p:sldId id="275" r:id="rId8"/>
+    <p:sldId id="276" r:id="rId9"/>
+    <p:sldId id="260" r:id="rId10"/>
+    <p:sldId id="262" r:id="rId11"/>
+    <p:sldId id="261" r:id="rId12"/>
+    <p:sldId id="263" r:id="rId13"/>
+    <p:sldId id="265" r:id="rId14"/>
+    <p:sldId id="266" r:id="rId15"/>
+    <p:sldId id="271" r:id="rId16"/>
+    <p:sldId id="269" r:id="rId17"/>
+    <p:sldId id="270" r:id="rId18"/>
   </p:sldIdLst>
   <p:sldSz cx="12192000" cy="6858000"/>
   <p:notesSz cx="6858000" cy="9144000"/>
@@ -212,7 +213,7 @@
           <a:p>
             <a:fld id="{A4761C98-4F3D-4D1D-A3DD-F7848427C078}" type="datetimeFigureOut">
               <a:rPr lang="en-US" smtClean="0"/>
-              <a:t>1/3/2022</a:t>
+              <a:t>1/4/2022</a:t>
             </a:fld>
             <a:endParaRPr lang="en-US"/>
           </a:p>
@@ -1748,6 +1749,429 @@
 </p:notes>
 </file>
 
+<file path=ppt/notesSlides/notesSlide4.xml><?xml version="1.0" encoding="utf-8"?>
+<p:notes xmlns:a="http://schemas.openxmlformats.org/drawingml/2006/main" xmlns:r="http://schemas.openxmlformats.org/officeDocument/2006/relationships" xmlns:p="http://schemas.openxmlformats.org/presentationml/2006/main">
+  <p:cSld>
+    <p:spTree>
+      <p:nvGrpSpPr>
+        <p:cNvPr id="1" name=""/>
+        <p:cNvGrpSpPr/>
+        <p:nvPr/>
+      </p:nvGrpSpPr>
+      <p:grpSpPr>
+        <a:xfrm>
+          <a:off x="0" y="0"/>
+          <a:ext cx="0" cy="0"/>
+          <a:chOff x="0" y="0"/>
+          <a:chExt cx="0" cy="0"/>
+        </a:xfrm>
+      </p:grpSpPr>
+      <p:sp>
+        <p:nvSpPr>
+          <p:cNvPr id="2" name="Slide Image Placeholder 1"/>
+          <p:cNvSpPr>
+            <a:spLocks noGrp="1" noRot="1" noChangeAspect="1"/>
+          </p:cNvSpPr>
+          <p:nvPr>
+            <p:ph type="sldImg"/>
+          </p:nvPr>
+        </p:nvSpPr>
+        <p:spPr/>
+      </p:sp>
+      <p:sp>
+        <p:nvSpPr>
+          <p:cNvPr id="3" name="Notes Placeholder 2"/>
+          <p:cNvSpPr>
+            <a:spLocks noGrp="1"/>
+          </p:cNvSpPr>
+          <p:nvPr>
+            <p:ph type="body" idx="1"/>
+          </p:nvPr>
+        </p:nvSpPr>
+        <p:spPr/>
+        <p:txBody>
+          <a:bodyPr/>
+          <a:lstStyle/>
+          <a:p>
+            <a:r>
+              <a:rPr lang="fr-FR" dirty="0"/>
+              <a:t>An HTTP monitor </a:t>
+            </a:r>
+            <a:r>
+              <a:rPr lang="fr-FR" dirty="0" err="1"/>
+              <a:t>would</a:t>
+            </a:r>
+            <a:r>
+              <a:rPr lang="fr-FR" dirty="0"/>
+              <a:t> </a:t>
+            </a:r>
+            <a:r>
+              <a:rPr lang="fr-FR" dirty="0" err="1"/>
+              <a:t>be</a:t>
+            </a:r>
+            <a:r>
+              <a:rPr lang="fr-FR" dirty="0"/>
+              <a:t> </a:t>
+            </a:r>
+            <a:r>
+              <a:rPr lang="fr-FR" dirty="0" err="1"/>
+              <a:t>used</a:t>
+            </a:r>
+            <a:r>
+              <a:rPr lang="fr-FR" dirty="0"/>
+              <a:t> to trigger test </a:t>
+            </a:r>
+            <a:r>
+              <a:rPr lang="fr-FR" dirty="0" err="1"/>
+              <a:t>execution</a:t>
+            </a:r>
+            <a:r>
+              <a:rPr lang="fr-FR" dirty="0"/>
+              <a:t>. It </a:t>
+            </a:r>
+            <a:r>
+              <a:rPr lang="fr-FR" dirty="0" err="1"/>
+              <a:t>will</a:t>
+            </a:r>
+            <a:r>
+              <a:rPr lang="fr-FR" dirty="0"/>
+              <a:t> </a:t>
+            </a:r>
+            <a:r>
+              <a:rPr lang="fr-FR" dirty="0" err="1"/>
+              <a:t>pass</a:t>
+            </a:r>
+            <a:r>
+              <a:rPr lang="fr-FR" dirty="0"/>
+              <a:t> all </a:t>
+            </a:r>
+            <a:r>
+              <a:rPr lang="fr-FR" dirty="0" err="1"/>
+              <a:t>required</a:t>
+            </a:r>
+            <a:r>
+              <a:rPr lang="fr-FR" dirty="0"/>
+              <a:t> </a:t>
+            </a:r>
+            <a:r>
+              <a:rPr lang="fr-FR" dirty="0" err="1"/>
+              <a:t>parameters</a:t>
+            </a:r>
+            <a:r>
+              <a:rPr lang="fr-FR" dirty="0"/>
+              <a:t> to run the </a:t>
+            </a:r>
+            <a:r>
+              <a:rPr lang="fr-FR" dirty="0" err="1"/>
+              <a:t>whole</a:t>
+            </a:r>
+            <a:r>
+              <a:rPr lang="fr-FR"/>
+              <a:t> test at once </a:t>
+            </a:r>
+            <a:r>
+              <a:rPr lang="fr-FR" dirty="0"/>
+              <a:t>(all </a:t>
+            </a:r>
+            <a:r>
+              <a:rPr lang="fr-FR" dirty="0" err="1"/>
+              <a:t>steps</a:t>
+            </a:r>
+            <a:r>
+              <a:rPr lang="fr-FR" dirty="0"/>
+              <a:t>) and </a:t>
+            </a:r>
+            <a:r>
+              <a:rPr lang="fr-FR" dirty="0" err="1"/>
+              <a:t>would</a:t>
+            </a:r>
+            <a:r>
+              <a:rPr lang="fr-FR" dirty="0"/>
+              <a:t> </a:t>
+            </a:r>
+            <a:r>
+              <a:rPr lang="fr-FR" dirty="0" err="1"/>
+              <a:t>wait</a:t>
+            </a:r>
+            <a:r>
+              <a:rPr lang="fr-FR" dirty="0"/>
+              <a:t> </a:t>
+            </a:r>
+            <a:r>
+              <a:rPr lang="fr-FR" dirty="0" err="1"/>
+              <a:t>only</a:t>
+            </a:r>
+            <a:r>
+              <a:rPr lang="fr-FR" dirty="0"/>
+              <a:t> for an </a:t>
+            </a:r>
+            <a:r>
+              <a:rPr lang="fr-FR" dirty="0" err="1"/>
+              <a:t>aknowledgment</a:t>
+            </a:r>
+            <a:r>
+              <a:rPr lang="fr-FR" dirty="0"/>
+              <a:t> </a:t>
+            </a:r>
+            <a:r>
+              <a:rPr lang="fr-FR" dirty="0" err="1"/>
+              <a:t>from</a:t>
+            </a:r>
+            <a:r>
+              <a:rPr lang="fr-FR" dirty="0"/>
+              <a:t> the bridge.</a:t>
+            </a:r>
+          </a:p>
+          <a:p>
+            <a:r>
+              <a:rPr lang="fr-FR" dirty="0" err="1"/>
+              <a:t>Thus</a:t>
+            </a:r>
+            <a:r>
+              <a:rPr lang="fr-FR" dirty="0"/>
+              <a:t> </a:t>
+            </a:r>
+            <a:r>
+              <a:rPr lang="fr-FR" dirty="0" err="1"/>
+              <a:t>it</a:t>
+            </a:r>
+            <a:r>
+              <a:rPr lang="fr-FR" dirty="0"/>
+              <a:t> </a:t>
+            </a:r>
+            <a:r>
+              <a:rPr lang="fr-FR" dirty="0" err="1"/>
+              <a:t>will</a:t>
+            </a:r>
+            <a:r>
+              <a:rPr lang="fr-FR" dirty="0"/>
+              <a:t> </a:t>
+            </a:r>
+            <a:r>
+              <a:rPr lang="fr-FR" dirty="0" err="1"/>
+              <a:t>be</a:t>
+            </a:r>
+            <a:r>
+              <a:rPr lang="fr-FR" dirty="0"/>
+              <a:t> a single </a:t>
+            </a:r>
+            <a:r>
+              <a:rPr lang="fr-FR" dirty="0" err="1"/>
+              <a:t>step</a:t>
+            </a:r>
+            <a:r>
+              <a:rPr lang="fr-FR" dirty="0"/>
+              <a:t> monitor, running fast.</a:t>
+            </a:r>
+          </a:p>
+          <a:p>
+            <a:endParaRPr lang="fr-FR" dirty="0"/>
+          </a:p>
+          <a:p>
+            <a:r>
+              <a:rPr lang="fr-FR" dirty="0"/>
+              <a:t>The bridge </a:t>
+            </a:r>
+            <a:r>
+              <a:rPr lang="fr-FR" dirty="0" err="1"/>
+              <a:t>would</a:t>
+            </a:r>
+            <a:r>
+              <a:rPr lang="fr-FR" dirty="0"/>
+              <a:t> </a:t>
+            </a:r>
+            <a:r>
+              <a:rPr lang="fr-FR" dirty="0" err="1"/>
+              <a:t>then</a:t>
+            </a:r>
+            <a:r>
+              <a:rPr lang="fr-FR" dirty="0"/>
+              <a:t> start the test, </a:t>
+            </a:r>
+            <a:r>
+              <a:rPr lang="fr-FR" dirty="0" err="1"/>
+              <a:t>chaining</a:t>
+            </a:r>
+            <a:r>
+              <a:rPr lang="fr-FR" dirty="0"/>
+              <a:t> the </a:t>
+            </a:r>
+            <a:r>
+              <a:rPr lang="fr-FR" dirty="0" err="1"/>
+              <a:t>steps</a:t>
+            </a:r>
+            <a:r>
+              <a:rPr lang="fr-FR" dirty="0"/>
+              <a:t> </a:t>
+            </a:r>
+            <a:r>
+              <a:rPr lang="fr-FR" dirty="0" err="1"/>
+              <a:t>locally</a:t>
+            </a:r>
+            <a:r>
+              <a:rPr lang="fr-FR" dirty="0"/>
+              <a:t>, </a:t>
+            </a:r>
+            <a:r>
+              <a:rPr lang="fr-FR" dirty="0" err="1"/>
+              <a:t>recording</a:t>
+            </a:r>
+            <a:r>
+              <a:rPr lang="fr-FR" dirty="0"/>
+              <a:t> start/stop times for </a:t>
+            </a:r>
+            <a:r>
+              <a:rPr lang="fr-FR" dirty="0" err="1"/>
+              <a:t>each</a:t>
+            </a:r>
+            <a:r>
+              <a:rPr lang="fr-FR" dirty="0"/>
+              <a:t> </a:t>
+            </a:r>
+            <a:r>
+              <a:rPr lang="fr-FR" dirty="0" err="1"/>
+              <a:t>step</a:t>
+            </a:r>
+            <a:r>
+              <a:rPr lang="fr-FR" dirty="0"/>
+              <a:t> and </a:t>
+            </a:r>
+            <a:r>
+              <a:rPr lang="fr-FR" dirty="0" err="1"/>
+              <a:t>potential</a:t>
+            </a:r>
+            <a:r>
+              <a:rPr lang="fr-FR" dirty="0"/>
+              <a:t> </a:t>
+            </a:r>
+            <a:r>
+              <a:rPr lang="fr-FR" dirty="0" err="1"/>
+              <a:t>errors</a:t>
+            </a:r>
+            <a:r>
+              <a:rPr lang="fr-FR" dirty="0"/>
+              <a:t>. </a:t>
+            </a:r>
+            <a:r>
+              <a:rPr lang="fr-FR" dirty="0" err="1"/>
+              <a:t>When</a:t>
+            </a:r>
+            <a:r>
+              <a:rPr lang="fr-FR" dirty="0"/>
+              <a:t> the test stops (</a:t>
+            </a:r>
+            <a:r>
+              <a:rPr lang="fr-FR" dirty="0" err="1"/>
+              <a:t>either</a:t>
+            </a:r>
+            <a:r>
+              <a:rPr lang="fr-FR" dirty="0"/>
+              <a:t> </a:t>
+            </a:r>
+            <a:r>
+              <a:rPr lang="fr-FR" dirty="0" err="1"/>
+              <a:t>finished</a:t>
+            </a:r>
+            <a:r>
+              <a:rPr lang="fr-FR" dirty="0"/>
+              <a:t> ok or ko), the bridge </a:t>
+            </a:r>
+            <a:r>
+              <a:rPr lang="fr-FR" dirty="0" err="1"/>
+              <a:t>would</a:t>
+            </a:r>
+            <a:r>
+              <a:rPr lang="fr-FR" dirty="0"/>
+              <a:t> </a:t>
+            </a:r>
+            <a:r>
+              <a:rPr lang="fr-FR" dirty="0" err="1"/>
+              <a:t>then</a:t>
+            </a:r>
+            <a:r>
+              <a:rPr lang="fr-FR" dirty="0"/>
+              <a:t> </a:t>
+            </a:r>
+            <a:r>
+              <a:rPr lang="fr-FR" dirty="0" err="1"/>
+              <a:t>send</a:t>
+            </a:r>
+            <a:r>
+              <a:rPr lang="fr-FR" dirty="0"/>
+              <a:t> back the </a:t>
+            </a:r>
+            <a:r>
+              <a:rPr lang="fr-FR" dirty="0" err="1"/>
+              <a:t>results</a:t>
+            </a:r>
+            <a:r>
+              <a:rPr lang="fr-FR" dirty="0"/>
+              <a:t> as a </a:t>
+            </a:r>
+            <a:r>
+              <a:rPr lang="fr-FR" dirty="0" err="1"/>
+              <a:t>Third</a:t>
+            </a:r>
+            <a:r>
+              <a:rPr lang="fr-FR" dirty="0"/>
+              <a:t> Party monitor </a:t>
+            </a:r>
+            <a:r>
+              <a:rPr lang="fr-FR" dirty="0" err="1"/>
+              <a:t>execution</a:t>
+            </a:r>
+            <a:r>
+              <a:rPr lang="fr-FR" dirty="0"/>
+              <a:t> </a:t>
+            </a:r>
+            <a:r>
+              <a:rPr lang="fr-FR" dirty="0" err="1"/>
+              <a:t>results</a:t>
+            </a:r>
+            <a:r>
+              <a:rPr lang="fr-FR" dirty="0"/>
+              <a:t>.</a:t>
+            </a:r>
+            <a:endParaRPr lang="en-US" dirty="0"/>
+          </a:p>
+        </p:txBody>
+      </p:sp>
+      <p:sp>
+        <p:nvSpPr>
+          <p:cNvPr id="4" name="Slide Number Placeholder 3"/>
+          <p:cNvSpPr>
+            <a:spLocks noGrp="1"/>
+          </p:cNvSpPr>
+          <p:nvPr>
+            <p:ph type="sldNum" sz="quarter" idx="5"/>
+          </p:nvPr>
+        </p:nvSpPr>
+        <p:spPr/>
+        <p:txBody>
+          <a:bodyPr/>
+          <a:lstStyle/>
+          <a:p>
+            <a:fld id="{E9B07109-4E91-46F3-9A17-A25972377DB5}" type="slidenum">
+              <a:rPr lang="en-US" smtClean="0"/>
+              <a:t>4</a:t>
+            </a:fld>
+            <a:endParaRPr lang="en-US"/>
+          </a:p>
+        </p:txBody>
+      </p:sp>
+    </p:spTree>
+    <p:extLst>
+      <p:ext uri="{BB962C8B-B14F-4D97-AF65-F5344CB8AC3E}">
+        <p14:creationId xmlns:p14="http://schemas.microsoft.com/office/powerpoint/2010/main" val="814102082"/>
+      </p:ext>
+    </p:extLst>
+  </p:cSld>
+  <p:clrMapOvr>
+    <a:masterClrMapping/>
+  </p:clrMapOvr>
+</p:notes>
+</file>
+
 <file path=ppt/slideLayouts/slideLayout1.xml><?xml version="1.0" encoding="utf-8"?>
 <p:sldLayout xmlns:a="http://schemas.openxmlformats.org/drawingml/2006/main" xmlns:r="http://schemas.openxmlformats.org/officeDocument/2006/relationships" xmlns:p="http://schemas.openxmlformats.org/presentationml/2006/main" type="title" preserve="1">
   <p:cSld name="Title Slide">
@@ -1895,7 +2319,7 @@
           <a:p>
             <a:fld id="{B04548AE-6E53-402B-8699-B7DEACF5B1AA}" type="datetimeFigureOut">
               <a:rPr lang="en-US" smtClean="0"/>
-              <a:t>1/3/2022</a:t>
+              <a:t>1/4/2022</a:t>
             </a:fld>
             <a:endParaRPr lang="en-US"/>
           </a:p>
@@ -2093,7 +2517,7 @@
           <a:p>
             <a:fld id="{B04548AE-6E53-402B-8699-B7DEACF5B1AA}" type="datetimeFigureOut">
               <a:rPr lang="en-US" smtClean="0"/>
-              <a:t>1/3/2022</a:t>
+              <a:t>1/4/2022</a:t>
             </a:fld>
             <a:endParaRPr lang="en-US"/>
           </a:p>
@@ -2301,7 +2725,7 @@
           <a:p>
             <a:fld id="{B04548AE-6E53-402B-8699-B7DEACF5B1AA}" type="datetimeFigureOut">
               <a:rPr lang="en-US" smtClean="0"/>
-              <a:t>1/3/2022</a:t>
+              <a:t>1/4/2022</a:t>
             </a:fld>
             <a:endParaRPr lang="en-US"/>
           </a:p>
@@ -2499,7 +2923,7 @@
           <a:p>
             <a:fld id="{B04548AE-6E53-402B-8699-B7DEACF5B1AA}" type="datetimeFigureOut">
               <a:rPr lang="en-US" smtClean="0"/>
-              <a:t>1/3/2022</a:t>
+              <a:t>1/4/2022</a:t>
             </a:fld>
             <a:endParaRPr lang="en-US"/>
           </a:p>
@@ -2774,7 +3198,7 @@
           <a:p>
             <a:fld id="{B04548AE-6E53-402B-8699-B7DEACF5B1AA}" type="datetimeFigureOut">
               <a:rPr lang="en-US" smtClean="0"/>
-              <a:t>1/3/2022</a:t>
+              <a:t>1/4/2022</a:t>
             </a:fld>
             <a:endParaRPr lang="en-US"/>
           </a:p>
@@ -3039,7 +3463,7 @@
           <a:p>
             <a:fld id="{B04548AE-6E53-402B-8699-B7DEACF5B1AA}" type="datetimeFigureOut">
               <a:rPr lang="en-US" smtClean="0"/>
-              <a:t>1/3/2022</a:t>
+              <a:t>1/4/2022</a:t>
             </a:fld>
             <a:endParaRPr lang="en-US"/>
           </a:p>
@@ -3451,7 +3875,7 @@
           <a:p>
             <a:fld id="{B04548AE-6E53-402B-8699-B7DEACF5B1AA}" type="datetimeFigureOut">
               <a:rPr lang="en-US" smtClean="0"/>
-              <a:t>1/3/2022</a:t>
+              <a:t>1/4/2022</a:t>
             </a:fld>
             <a:endParaRPr lang="en-US"/>
           </a:p>
@@ -3592,7 +4016,7 @@
           <a:p>
             <a:fld id="{B04548AE-6E53-402B-8699-B7DEACF5B1AA}" type="datetimeFigureOut">
               <a:rPr lang="en-US" smtClean="0"/>
-              <a:t>1/3/2022</a:t>
+              <a:t>1/4/2022</a:t>
             </a:fld>
             <a:endParaRPr lang="en-US"/>
           </a:p>
@@ -3705,7 +4129,7 @@
           <a:p>
             <a:fld id="{B04548AE-6E53-402B-8699-B7DEACF5B1AA}" type="datetimeFigureOut">
               <a:rPr lang="en-US" smtClean="0"/>
-              <a:t>1/3/2022</a:t>
+              <a:t>1/4/2022</a:t>
             </a:fld>
             <a:endParaRPr lang="en-US"/>
           </a:p>
@@ -4016,7 +4440,7 @@
           <a:p>
             <a:fld id="{B04548AE-6E53-402B-8699-B7DEACF5B1AA}" type="datetimeFigureOut">
               <a:rPr lang="en-US" smtClean="0"/>
-              <a:t>1/3/2022</a:t>
+              <a:t>1/4/2022</a:t>
             </a:fld>
             <a:endParaRPr lang="en-US"/>
           </a:p>
@@ -4304,7 +4728,7 @@
           <a:p>
             <a:fld id="{B04548AE-6E53-402B-8699-B7DEACF5B1AA}" type="datetimeFigureOut">
               <a:rPr lang="en-US" smtClean="0"/>
-              <a:t>1/3/2022</a:t>
+              <a:t>1/4/2022</a:t>
             </a:fld>
             <a:endParaRPr lang="en-US"/>
           </a:p>
@@ -4545,7 +4969,7 @@
           <a:p>
             <a:fld id="{B04548AE-6E53-402B-8699-B7DEACF5B1AA}" type="datetimeFigureOut">
               <a:rPr lang="en-US" smtClean="0"/>
-              <a:t>1/3/2022</a:t>
+              <a:t>1/4/2022</a:t>
             </a:fld>
             <a:endParaRPr lang="en-US"/>
           </a:p>
@@ -5047,7 +5471,7 @@
           <a:noFill/>
           <a:extLst>
             <a:ext uri="{909E8E84-426E-40dd-AFC4-6F175D3DCCD1}">
-              <a14:hiddenFill xmlns="" xmlns:a14="http://schemas.microsoft.com/office/drawing/2010/main">
+              <a14:hiddenFill xmlns:a14="http://schemas.microsoft.com/office/drawing/2010/main" xmlns="">
                 <a:solidFill>
                   <a:srgbClr val="FFFFFF"/>
                 </a:solidFill>
@@ -5231,7 +5655,7 @@
           <a:noFill/>
           <a:extLst>
             <a:ext uri="{909E8E84-426E-40dd-AFC4-6F175D3DCCD1}">
-              <a14:hiddenFill xmlns="" xmlns:a14="http://schemas.microsoft.com/office/drawing/2010/main">
+              <a14:hiddenFill xmlns:a14="http://schemas.microsoft.com/office/drawing/2010/main" xmlns="">
                 <a:solidFill>
                   <a:srgbClr val="FFFFFF"/>
                 </a:solidFill>
@@ -5577,7 +6001,7 @@
           <a:noFill/>
           <a:extLst>
             <a:ext uri="{909E8E84-426E-40dd-AFC4-6F175D3DCCD1}">
-              <a14:hiddenFill xmlns="" xmlns:a14="http://schemas.microsoft.com/office/drawing/2010/main">
+              <a14:hiddenFill xmlns:a14="http://schemas.microsoft.com/office/drawing/2010/main" xmlns="">
                 <a:solidFill>
                   <a:srgbClr val="FFFFFF"/>
                 </a:solidFill>
@@ -5704,7 +6128,7 @@
           <a:noFill/>
           <a:extLst>
             <a:ext uri="{909E8E84-426E-40dd-AFC4-6F175D3DCCD1}">
-              <a14:hiddenFill xmlns="" xmlns:a14="http://schemas.microsoft.com/office/drawing/2010/main">
+              <a14:hiddenFill xmlns:a14="http://schemas.microsoft.com/office/drawing/2010/main" xmlns="">
                 <a:solidFill>
                   <a:srgbClr val="FFFFFF"/>
                 </a:solidFill>
@@ -6661,8 +7085,8 @@
         </p:nvSpPr>
         <p:spPr>
           <a:xfrm>
-            <a:off x="7936585" y="3965355"/>
-            <a:ext cx="4188489" cy="2862322"/>
+            <a:off x="7497580" y="3513701"/>
+            <a:ext cx="4586306" cy="3046988"/>
           </a:xfrm>
           <a:prstGeom prst="rect">
             <a:avLst/>
@@ -6823,6 +7247,37 @@
               <a:buFont typeface="Arial" panose="020B0604020202020204" pitchFamily="34" charset="0"/>
               <a:buChar char="•"/>
             </a:pPr>
+            <a:r>
+              <a:rPr lang="fr-FR" sz="1200" dirty="0"/>
+              <a:t>Bridge can </a:t>
+            </a:r>
+            <a:r>
+              <a:rPr lang="fr-FR" sz="1200" dirty="0" err="1"/>
+              <a:t>be</a:t>
+            </a:r>
+            <a:r>
+              <a:rPr lang="fr-FR" sz="1200" dirty="0"/>
+              <a:t> </a:t>
+            </a:r>
+            <a:r>
+              <a:rPr lang="fr-FR" sz="1200" dirty="0" err="1"/>
+              <a:t>deployed</a:t>
+            </a:r>
+            <a:r>
+              <a:rPr lang="fr-FR" sz="1200" dirty="0"/>
+              <a:t> </a:t>
+            </a:r>
+            <a:r>
+              <a:rPr lang="fr-FR" sz="1200"/>
+              <a:t>on Windows or Linux</a:t>
+            </a:r>
+            <a:endParaRPr lang="fr-FR" sz="1200" dirty="0"/>
+          </a:p>
+          <a:p>
+            <a:pPr marL="171450" indent="-171450">
+              <a:buFont typeface="Arial" panose="020B0604020202020204" pitchFamily="34" charset="0"/>
+              <a:buChar char="•"/>
+            </a:pPr>
             <a:endParaRPr lang="fr-FR" sz="1200" dirty="0"/>
           </a:p>
           <a:p>
@@ -6944,6 +7399,56 @@
             <a:r>
               <a:rPr lang="fr-FR" sz="1200" dirty="0"/>
               <a:t> VNC</a:t>
+            </a:r>
+          </a:p>
+          <a:p>
+            <a:pPr marL="171450" indent="-171450">
+              <a:buFontTx/>
+              <a:buChar char="-"/>
+            </a:pPr>
+            <a:r>
+              <a:rPr lang="fr-FR" sz="1200" dirty="0"/>
+              <a:t>VNC session </a:t>
+            </a:r>
+            <a:r>
+              <a:rPr lang="fr-FR" sz="1200" dirty="0" err="1"/>
+              <a:t>is</a:t>
+            </a:r>
+            <a:r>
+              <a:rPr lang="fr-FR" sz="1200" dirty="0"/>
+              <a:t> </a:t>
+            </a:r>
+            <a:r>
+              <a:rPr lang="fr-FR" sz="1200" dirty="0" err="1"/>
+              <a:t>password</a:t>
+            </a:r>
+            <a:r>
+              <a:rPr lang="fr-FR" sz="1200" dirty="0"/>
+              <a:t> </a:t>
+            </a:r>
+            <a:r>
+              <a:rPr lang="fr-FR" sz="1200" dirty="0" err="1"/>
+              <a:t>protected</a:t>
+            </a:r>
+            <a:r>
+              <a:rPr lang="fr-FR" sz="1200" dirty="0"/>
+              <a:t> (on top on </a:t>
+            </a:r>
+            <a:r>
+              <a:rPr lang="fr-FR" sz="1200" dirty="0" err="1"/>
+              <a:t>regular</a:t>
+            </a:r>
+            <a:r>
+              <a:rPr lang="fr-FR" sz="1200" dirty="0"/>
+              <a:t> System </a:t>
+            </a:r>
+            <a:r>
+              <a:rPr lang="fr-FR" sz="1200" dirty="0" err="1"/>
+              <a:t>authentication</a:t>
+            </a:r>
+            <a:r>
+              <a:rPr lang="fr-FR" sz="1200" dirty="0"/>
+              <a:t>)</a:t>
             </a:r>
           </a:p>
           <a:p>
@@ -7286,7 +7791,7 @@
           <a:noFill/>
           <a:extLst>
             <a:ext uri="{909E8E84-426E-40dd-AFC4-6F175D3DCCD1}">
-              <a14:hiddenFill xmlns="" xmlns:a14="http://schemas.microsoft.com/office/drawing/2010/main">
+              <a14:hiddenFill xmlns:a14="http://schemas.microsoft.com/office/drawing/2010/main" xmlns="">
                 <a:solidFill>
                   <a:srgbClr val="FFFFFF"/>
                 </a:solidFill>
@@ -8163,8 +8668,8 @@
         </p:nvSpPr>
         <p:spPr>
           <a:xfrm>
-            <a:off x="838200" y="1869989"/>
-            <a:ext cx="10515600" cy="4394887"/>
+            <a:off x="838200" y="1825625"/>
+            <a:ext cx="10515600" cy="3471306"/>
           </a:xfrm>
           <a:solidFill>
             <a:schemeClr val="tx1">
@@ -8175,7 +8680,7 @@
         </p:spPr>
         <p:txBody>
           <a:bodyPr>
-            <a:noAutofit/>
+            <a:normAutofit/>
           </a:bodyPr>
           <a:lstStyle/>
           <a:p>
@@ -8190,7 +8695,7 @@
                 <a:effectLst/>
                 <a:latin typeface="Consolas" panose="020B0609020204030204" pitchFamily="49" charset="0"/>
               </a:rPr>
-              <a:t># add DT timer decorator to each step</a:t>
+              <a:t># subdivide you script with 1 function per step</a:t>
             </a:r>
             <a:endParaRPr lang="en-US" sz="2400" b="0" dirty="0">
               <a:solidFill>
@@ -8207,20 +8712,62 @@
             <a:r>
               <a:rPr lang="en-US" sz="2400" b="1" dirty="0">
                 <a:solidFill>
+                  <a:srgbClr val="569CD6"/>
+                </a:solidFill>
+                <a:effectLst/>
+                <a:latin typeface="Consolas" panose="020B0609020204030204" pitchFamily="49" charset="0"/>
+              </a:rPr>
+              <a:t>def</a:t>
+            </a:r>
+            <a:r>
+              <a:rPr lang="en-US" sz="2400" b="1" dirty="0">
+                <a:solidFill>
+                  <a:srgbClr val="D4D4D4"/>
+                </a:solidFill>
+                <a:effectLst/>
+                <a:latin typeface="Consolas" panose="020B0609020204030204" pitchFamily="49" charset="0"/>
+              </a:rPr>
+              <a:t> </a:t>
+            </a:r>
+            <a:r>
+              <a:rPr lang="en-US" sz="2400" b="1" dirty="0" err="1">
+                <a:solidFill>
                   <a:srgbClr val="DCDCAA"/>
                 </a:solidFill>
-                <a:effectLst/>
-                <a:latin typeface="Consolas" panose="020B0609020204030204" pitchFamily="49" charset="0"/>
-              </a:rPr>
-              <a:t>@dt_get_timings</a:t>
-            </a:r>
-            <a:endParaRPr lang="en-US" sz="2400" b="1" dirty="0">
-              <a:solidFill>
-                <a:srgbClr val="D4D4D4"/>
-              </a:solidFill>
-              <a:effectLst/>
-              <a:latin typeface="Consolas" panose="020B0609020204030204" pitchFamily="49" charset="0"/>
-            </a:endParaRPr>
+                <a:latin typeface="Consolas" panose="020B0609020204030204" pitchFamily="49" charset="0"/>
+              </a:rPr>
+              <a:t>my_first_step</a:t>
+            </a:r>
+            <a:r>
+              <a:rPr lang="en-US" sz="2400" b="1" dirty="0">
+                <a:solidFill>
+                  <a:srgbClr val="D4D4D4"/>
+                </a:solidFill>
+                <a:effectLst/>
+                <a:latin typeface="Consolas" panose="020B0609020204030204" pitchFamily="49" charset="0"/>
+              </a:rPr>
+              <a:t>(</a:t>
+            </a:r>
+            <a:r>
+              <a:rPr lang="en-US" sz="2400" dirty="0">
+                <a:solidFill>
+                  <a:srgbClr val="D4D4D4"/>
+                </a:solidFill>
+                <a:effectLst/>
+                <a:latin typeface="Consolas" panose="020B0609020204030204" pitchFamily="49" charset="0"/>
+              </a:rPr>
+              <a:t>param</a:t>
+            </a:r>
+            <a:r>
+              <a:rPr lang="en-US" sz="2400" b="1" dirty="0">
+                <a:solidFill>
+                  <a:srgbClr val="D4D4D4"/>
+                </a:solidFill>
+                <a:effectLst/>
+                <a:latin typeface="Consolas" panose="020B0609020204030204" pitchFamily="49" charset="0"/>
+              </a:rPr>
+              <a:t>):</a:t>
+            </a:r>
           </a:p>
           <a:p>
             <a:pPr marL="0" indent="0">
@@ -8229,61 +8776,32 @@
             <a:r>
               <a:rPr lang="en-US" sz="2400" b="0" dirty="0">
                 <a:solidFill>
-                  <a:srgbClr val="569CD6"/>
-                </a:solidFill>
-                <a:effectLst/>
-                <a:latin typeface="Consolas" panose="020B0609020204030204" pitchFamily="49" charset="0"/>
-              </a:rPr>
-              <a:t>def</a:t>
+                  <a:srgbClr val="D4D4D4"/>
+                </a:solidFill>
+                <a:effectLst/>
+                <a:latin typeface="Consolas" panose="020B0609020204030204" pitchFamily="49" charset="0"/>
+              </a:rPr>
+              <a:t>    click(</a:t>
             </a:r>
             <a:r>
               <a:rPr lang="en-US" sz="2400" b="0" dirty="0">
                 <a:solidFill>
+                  <a:srgbClr val="CE9178"/>
+                </a:solidFill>
+                <a:effectLst/>
+                <a:latin typeface="Consolas" panose="020B0609020204030204" pitchFamily="49" charset="0"/>
+              </a:rPr>
+              <a:t>“some_image.png"</a:t>
+            </a:r>
+            <a:r>
+              <a:rPr lang="en-US" sz="2400" b="0" dirty="0">
+                <a:solidFill>
                   <a:srgbClr val="D4D4D4"/>
                 </a:solidFill>
                 <a:effectLst/>
                 <a:latin typeface="Consolas" panose="020B0609020204030204" pitchFamily="49" charset="0"/>
               </a:rPr>
-              <a:t> </a:t>
-            </a:r>
-            <a:r>
-              <a:rPr lang="en-US" sz="2400" dirty="0" err="1">
-                <a:solidFill>
-                  <a:srgbClr val="DCDCAA"/>
-                </a:solidFill>
-                <a:latin typeface="Consolas" panose="020B0609020204030204" pitchFamily="49" charset="0"/>
-              </a:rPr>
-              <a:t>my_first_step</a:t>
-            </a:r>
-            <a:r>
-              <a:rPr lang="en-US" sz="2400" b="0" dirty="0">
-                <a:solidFill>
-                  <a:srgbClr val="D4D4D4"/>
-                </a:solidFill>
-                <a:effectLst/>
-                <a:latin typeface="Consolas" panose="020B0609020204030204" pitchFamily="49" charset="0"/>
-              </a:rPr>
-              <a:t>(</a:t>
-            </a:r>
-            <a:r>
-              <a:rPr lang="en-US" sz="2400" dirty="0">
-                <a:solidFill>
-                  <a:srgbClr val="D4D4D4"/>
-                </a:solidFill>
-                <a:effectLst/>
-                <a:latin typeface="Consolas" panose="020B0609020204030204" pitchFamily="49" charset="0"/>
-              </a:rPr>
-              <a:t>param</a:t>
-            </a:r>
-            <a:r>
-              <a:rPr lang="en-US" sz="2400" b="0" dirty="0">
-                <a:solidFill>
-                  <a:srgbClr val="D4D4D4"/>
-                </a:solidFill>
-                <a:effectLst/>
-                <a:latin typeface="Consolas" panose="020B0609020204030204" pitchFamily="49" charset="0"/>
-              </a:rPr>
-              <a:t>):</a:t>
+              <a:t>)</a:t>
             </a:r>
           </a:p>
           <a:p>
@@ -8298,17 +8816,37 @@
                 <a:effectLst/>
                 <a:latin typeface="Consolas" panose="020B0609020204030204" pitchFamily="49" charset="0"/>
               </a:rPr>
-              <a:t>    click(</a:t>
+              <a:t>    </a:t>
             </a:r>
             <a:r>
               <a:rPr lang="en-US" sz="2400" b="0" dirty="0">
                 <a:solidFill>
+                  <a:srgbClr val="C586C0"/>
+                </a:solidFill>
+                <a:effectLst/>
+                <a:latin typeface="Consolas" panose="020B0609020204030204" pitchFamily="49" charset="0"/>
+              </a:rPr>
+              <a:t>if</a:t>
+            </a:r>
+            <a:r>
+              <a:rPr lang="en-US" sz="2400" b="0" dirty="0">
+                <a:solidFill>
+                  <a:srgbClr val="D4D4D4"/>
+                </a:solidFill>
+                <a:effectLst/>
+                <a:latin typeface="Consolas" panose="020B0609020204030204" pitchFamily="49" charset="0"/>
+              </a:rPr>
+              <a:t>(find(</a:t>
+            </a:r>
+            <a:r>
+              <a:rPr lang="en-US" sz="2400" b="0" dirty="0">
+                <a:solidFill>
                   <a:srgbClr val="CE9178"/>
                 </a:solidFill>
                 <a:effectLst/>
                 <a:latin typeface="Consolas" panose="020B0609020204030204" pitchFamily="49" charset="0"/>
               </a:rPr>
-              <a:t>"some_image.png"</a:t>
+              <a:t>"expected_result.png"</a:t>
             </a:r>
             <a:r>
               <a:rPr lang="en-US" sz="2400" b="0" dirty="0">
@@ -8318,7 +8856,7 @@
                 <a:effectLst/>
                 <a:latin typeface="Consolas" panose="020B0609020204030204" pitchFamily="49" charset="0"/>
               </a:rPr>
-              <a:t>)</a:t>
+              <a:t>)):</a:t>
             </a:r>
           </a:p>
           <a:p>
@@ -8333,17 +8871,17 @@
                 <a:effectLst/>
                 <a:latin typeface="Consolas" panose="020B0609020204030204" pitchFamily="49" charset="0"/>
               </a:rPr>
-              <a:t>    </a:t>
+              <a:t>        </a:t>
             </a:r>
             <a:r>
               <a:rPr lang="en-US" sz="2400" b="0" dirty="0">
                 <a:solidFill>
-                  <a:srgbClr val="C586C0"/>
-                </a:solidFill>
-                <a:effectLst/>
-                <a:latin typeface="Consolas" panose="020B0609020204030204" pitchFamily="49" charset="0"/>
-              </a:rPr>
-              <a:t>if</a:t>
+                  <a:srgbClr val="DCDCAA"/>
+                </a:solidFill>
+                <a:effectLst/>
+                <a:latin typeface="Consolas" panose="020B0609020204030204" pitchFamily="49" charset="0"/>
+              </a:rPr>
+              <a:t>type</a:t>
             </a:r>
             <a:r>
               <a:rPr lang="en-US" sz="2400" b="0" dirty="0">
@@ -8353,27 +8891,27 @@
                 <a:effectLst/>
                 <a:latin typeface="Consolas" panose="020B0609020204030204" pitchFamily="49" charset="0"/>
               </a:rPr>
-              <a:t>(find(</a:t>
+              <a:t>(</a:t>
+            </a:r>
+            <a:r>
+              <a:rPr lang="en-US" sz="2400" dirty="0">
+                <a:solidFill>
+                  <a:srgbClr val="D4D4D4"/>
+                </a:solidFill>
+                <a:effectLst/>
+                <a:latin typeface="Consolas" panose="020B0609020204030204" pitchFamily="49" charset="0"/>
+              </a:rPr>
+              <a:t>param</a:t>
             </a:r>
             <a:r>
               <a:rPr lang="en-US" sz="2400" b="0" dirty="0">
                 <a:solidFill>
-                  <a:srgbClr val="CE9178"/>
-                </a:solidFill>
-                <a:effectLst/>
-                <a:latin typeface="Consolas" panose="020B0609020204030204" pitchFamily="49" charset="0"/>
-              </a:rPr>
-              <a:t>"expected_result.png"</a:t>
-            </a:r>
-            <a:r>
-              <a:rPr lang="en-US" sz="2400" b="0" dirty="0">
-                <a:solidFill>
                   <a:srgbClr val="D4D4D4"/>
                 </a:solidFill>
                 <a:effectLst/>
                 <a:latin typeface="Consolas" panose="020B0609020204030204" pitchFamily="49" charset="0"/>
               </a:rPr>
-              <a:t>)):</a:t>
+              <a:t>)</a:t>
             </a:r>
           </a:p>
           <a:p>
@@ -8388,17 +8926,17 @@
                 <a:effectLst/>
                 <a:latin typeface="Consolas" panose="020B0609020204030204" pitchFamily="49" charset="0"/>
               </a:rPr>
-              <a:t>        </a:t>
+              <a:t>    </a:t>
             </a:r>
             <a:r>
               <a:rPr lang="en-US" sz="2400" b="0" dirty="0">
                 <a:solidFill>
-                  <a:srgbClr val="DCDCAA"/>
-                </a:solidFill>
-                <a:effectLst/>
-                <a:latin typeface="Consolas" panose="020B0609020204030204" pitchFamily="49" charset="0"/>
-              </a:rPr>
-              <a:t>type</a:t>
+                  <a:srgbClr val="C586C0"/>
+                </a:solidFill>
+                <a:effectLst/>
+                <a:latin typeface="Consolas" panose="020B0609020204030204" pitchFamily="49" charset="0"/>
+              </a:rPr>
+              <a:t>else</a:t>
             </a:r>
             <a:r>
               <a:rPr lang="en-US" sz="2400" b="0" dirty="0">
@@ -8408,27 +8946,7 @@
                 <a:effectLst/>
                 <a:latin typeface="Consolas" panose="020B0609020204030204" pitchFamily="49" charset="0"/>
               </a:rPr>
-              <a:t>(</a:t>
-            </a:r>
-            <a:r>
-              <a:rPr lang="en-US" sz="2400" dirty="0">
-                <a:solidFill>
-                  <a:srgbClr val="D4D4D4"/>
-                </a:solidFill>
-                <a:effectLst/>
-                <a:latin typeface="Consolas" panose="020B0609020204030204" pitchFamily="49" charset="0"/>
-              </a:rPr>
-              <a:t>param</a:t>
-            </a:r>
-            <a:r>
-              <a:rPr lang="en-US" sz="2400" b="0" dirty="0">
-                <a:solidFill>
-                  <a:srgbClr val="D4D4D4"/>
-                </a:solidFill>
-                <a:effectLst/>
-                <a:latin typeface="Consolas" panose="020B0609020204030204" pitchFamily="49" charset="0"/>
-              </a:rPr>
-              <a:t>)</a:t>
+              <a:t>:</a:t>
             </a:r>
           </a:p>
           <a:p>
@@ -8443,17 +8961,17 @@
                 <a:effectLst/>
                 <a:latin typeface="Consolas" panose="020B0609020204030204" pitchFamily="49" charset="0"/>
               </a:rPr>
-              <a:t>    </a:t>
+              <a:t>        </a:t>
             </a:r>
             <a:r>
               <a:rPr lang="en-US" sz="2400" b="0" dirty="0">
                 <a:solidFill>
-                  <a:srgbClr val="C586C0"/>
-                </a:solidFill>
-                <a:effectLst/>
-                <a:latin typeface="Consolas" panose="020B0609020204030204" pitchFamily="49" charset="0"/>
-              </a:rPr>
-              <a:t>else</a:t>
+                  <a:srgbClr val="DCDCAA"/>
+                </a:solidFill>
+                <a:effectLst/>
+                <a:latin typeface="Consolas" panose="020B0609020204030204" pitchFamily="49" charset="0"/>
+              </a:rPr>
+              <a:t>print</a:t>
             </a:r>
             <a:r>
               <a:rPr lang="en-US" sz="2400" b="0" dirty="0">
@@ -8463,82 +8981,35 @@
                 <a:effectLst/>
                 <a:latin typeface="Consolas" panose="020B0609020204030204" pitchFamily="49" charset="0"/>
               </a:rPr>
-              <a:t>:</a:t>
-            </a:r>
-          </a:p>
-          <a:p>
-            <a:pPr marL="0" indent="0">
-              <a:buNone/>
-            </a:pPr>
+              <a:t>(</a:t>
+            </a:r>
             <a:r>
               <a:rPr lang="en-US" sz="2400" b="0" dirty="0">
                 <a:solidFill>
+                  <a:srgbClr val="CE9178"/>
+                </a:solidFill>
+                <a:effectLst/>
+                <a:latin typeface="Consolas" panose="020B0609020204030204" pitchFamily="49" charset="0"/>
+              </a:rPr>
+              <a:t>"Error"</a:t>
+            </a:r>
+            <a:r>
+              <a:rPr lang="en-US" sz="2400" b="0" dirty="0">
+                <a:solidFill>
                   <a:srgbClr val="D4D4D4"/>
                 </a:solidFill>
                 <a:effectLst/>
                 <a:latin typeface="Consolas" panose="020B0609020204030204" pitchFamily="49" charset="0"/>
               </a:rPr>
-              <a:t>        </a:t>
-            </a:r>
-            <a:r>
-              <a:rPr lang="en-US" sz="2400" b="0" dirty="0">
-                <a:solidFill>
-                  <a:srgbClr val="DCDCAA"/>
-                </a:solidFill>
-                <a:effectLst/>
-                <a:latin typeface="Consolas" panose="020B0609020204030204" pitchFamily="49" charset="0"/>
-              </a:rPr>
-              <a:t>print</a:t>
-            </a:r>
-            <a:r>
-              <a:rPr lang="en-US" sz="2400" b="0" dirty="0">
-                <a:solidFill>
-                  <a:srgbClr val="D4D4D4"/>
-                </a:solidFill>
-                <a:effectLst/>
-                <a:latin typeface="Consolas" panose="020B0609020204030204" pitchFamily="49" charset="0"/>
-              </a:rPr>
-              <a:t>(</a:t>
-            </a:r>
-            <a:r>
-              <a:rPr lang="en-US" sz="2400" b="0" dirty="0">
-                <a:solidFill>
-                  <a:srgbClr val="CE9178"/>
-                </a:solidFill>
-                <a:effectLst/>
-                <a:latin typeface="Consolas" panose="020B0609020204030204" pitchFamily="49" charset="0"/>
-              </a:rPr>
-              <a:t>"Error"</a:t>
-            </a:r>
-            <a:r>
-              <a:rPr lang="en-US" sz="2400" b="0" dirty="0">
-                <a:solidFill>
-                  <a:srgbClr val="D4D4D4"/>
-                </a:solidFill>
-                <a:effectLst/>
-                <a:latin typeface="Consolas" panose="020B0609020204030204" pitchFamily="49" charset="0"/>
-              </a:rPr>
               <a:t>)</a:t>
             </a:r>
-          </a:p>
-          <a:p>
-            <a:pPr marL="0" indent="0">
-              <a:buNone/>
-            </a:pPr>
-            <a:endParaRPr lang="en-US" sz="2400" b="0" dirty="0">
-              <a:solidFill>
-                <a:srgbClr val="D4D4D4"/>
-              </a:solidFill>
-              <a:effectLst/>
-              <a:latin typeface="Consolas" panose="020B0609020204030204" pitchFamily="49" charset="0"/>
-            </a:endParaRPr>
           </a:p>
         </p:txBody>
       </p:sp>
     </p:spTree>
     <p:extLst>
       <p:ext uri="{BB962C8B-B14F-4D97-AF65-F5344CB8AC3E}">
-        <p14:creationId xmlns:p14="http://schemas.microsoft.com/office/powerpoint/2010/main" val="736185799"/>
+        <p14:creationId xmlns:p14="http://schemas.microsoft.com/office/powerpoint/2010/main" val="2630057502"/>
       </p:ext>
     </p:extLst>
   </p:cSld>
@@ -8629,7 +9100,7 @@
         <p:spPr>
           <a:xfrm>
             <a:off x="838200" y="1869989"/>
-            <a:ext cx="10515600" cy="3241589"/>
+            <a:ext cx="10515600" cy="4394887"/>
           </a:xfrm>
           <a:solidFill>
             <a:schemeClr val="tx1">
@@ -8655,7 +9126,7 @@
                 <a:effectLst/>
                 <a:latin typeface="Consolas" panose="020B0609020204030204" pitchFamily="49" charset="0"/>
               </a:rPr>
-              <a:t># start your script from a main function</a:t>
+              <a:t># add DT timer decorator to each step</a:t>
             </a:r>
             <a:endParaRPr lang="en-US" sz="2400" b="0" dirty="0">
               <a:solidFill>
@@ -8672,63 +9143,20 @@
             <a:r>
               <a:rPr lang="en-US" sz="2400" b="1" dirty="0">
                 <a:solidFill>
-                  <a:srgbClr val="C586C0"/>
-                </a:solidFill>
-                <a:effectLst/>
-                <a:latin typeface="Consolas" panose="020B0609020204030204" pitchFamily="49" charset="0"/>
-              </a:rPr>
-              <a:t>if</a:t>
-            </a:r>
-            <a:r>
-              <a:rPr lang="en-US" sz="2400" b="1" dirty="0">
-                <a:solidFill>
-                  <a:srgbClr val="D4D4D4"/>
-                </a:solidFill>
-                <a:effectLst/>
-                <a:latin typeface="Consolas" panose="020B0609020204030204" pitchFamily="49" charset="0"/>
-              </a:rPr>
-              <a:t> </a:t>
-            </a:r>
-            <a:r>
-              <a:rPr lang="en-US" sz="2400" b="1" dirty="0">
-                <a:solidFill>
-                  <a:srgbClr val="9CDCFE"/>
-                </a:solidFill>
-                <a:effectLst/>
-                <a:latin typeface="Consolas" panose="020B0609020204030204" pitchFamily="49" charset="0"/>
-              </a:rPr>
-              <a:t>__name__</a:t>
-            </a:r>
-            <a:r>
-              <a:rPr lang="en-US" sz="2400" b="1" dirty="0">
-                <a:solidFill>
-                  <a:srgbClr val="D4D4D4"/>
-                </a:solidFill>
-                <a:effectLst/>
-                <a:latin typeface="Consolas" panose="020B0609020204030204" pitchFamily="49" charset="0"/>
-              </a:rPr>
-              <a:t> == </a:t>
-            </a:r>
-            <a:r>
-              <a:rPr lang="en-US" sz="2400" b="1" dirty="0">
-                <a:solidFill>
-                  <a:srgbClr val="CE9178"/>
-                </a:solidFill>
-                <a:effectLst/>
-                <a:latin typeface="Consolas" panose="020B0609020204030204" pitchFamily="49" charset="0"/>
-              </a:rPr>
-              <a:t>'__main__'</a:t>
-            </a:r>
-            <a:r>
-              <a:rPr lang="en-US" sz="2400" b="1" dirty="0">
-                <a:solidFill>
-                  <a:srgbClr val="D4D4D4"/>
-                </a:solidFill>
-                <a:effectLst/>
-                <a:latin typeface="Consolas" panose="020B0609020204030204" pitchFamily="49" charset="0"/>
-              </a:rPr>
-              <a:t>:</a:t>
-            </a:r>
+                  <a:srgbClr val="DCDCAA"/>
+                </a:solidFill>
+                <a:effectLst/>
+                <a:latin typeface="Consolas" panose="020B0609020204030204" pitchFamily="49" charset="0"/>
+              </a:rPr>
+              <a:t>@dt_get_timings</a:t>
+            </a:r>
+            <a:endParaRPr lang="en-US" sz="2400" b="1" dirty="0">
+              <a:solidFill>
+                <a:srgbClr val="D4D4D4"/>
+              </a:solidFill>
+              <a:effectLst/>
+              <a:latin typeface="Consolas" panose="020B0609020204030204" pitchFamily="49" charset="0"/>
+            </a:endParaRPr>
           </a:p>
           <a:p>
             <a:pPr marL="0" indent="0">
@@ -8737,22 +9165,51 @@
             <a:r>
               <a:rPr lang="en-US" sz="2400" b="0" dirty="0">
                 <a:solidFill>
+                  <a:srgbClr val="569CD6"/>
+                </a:solidFill>
+                <a:effectLst/>
+                <a:latin typeface="Consolas" panose="020B0609020204030204" pitchFamily="49" charset="0"/>
+              </a:rPr>
+              <a:t>def</a:t>
+            </a:r>
+            <a:r>
+              <a:rPr lang="en-US" sz="2400" b="0" dirty="0">
+                <a:solidFill>
                   <a:srgbClr val="D4D4D4"/>
                 </a:solidFill>
                 <a:effectLst/>
                 <a:latin typeface="Consolas" panose="020B0609020204030204" pitchFamily="49" charset="0"/>
               </a:rPr>
-              <a:t>   </a:t>
-            </a:r>
-            <a:r>
-              <a:rPr lang="en-US" sz="2400" b="0" dirty="0" err="1">
+              <a:t> </a:t>
+            </a:r>
+            <a:r>
+              <a:rPr lang="en-US" sz="2400" dirty="0" err="1">
+                <a:solidFill>
+                  <a:srgbClr val="DCDCAA"/>
+                </a:solidFill>
+                <a:latin typeface="Consolas" panose="020B0609020204030204" pitchFamily="49" charset="0"/>
+              </a:rPr>
+              <a:t>my_first_step</a:t>
+            </a:r>
+            <a:r>
+              <a:rPr lang="en-US" sz="2400" b="0" dirty="0">
                 <a:solidFill>
                   <a:srgbClr val="D4D4D4"/>
                 </a:solidFill>
                 <a:effectLst/>
                 <a:latin typeface="Consolas" panose="020B0609020204030204" pitchFamily="49" charset="0"/>
               </a:rPr>
-              <a:t>my_first_step</a:t>
+              <a:t>(</a:t>
+            </a:r>
+            <a:r>
+              <a:rPr lang="en-US" sz="2400" dirty="0">
+                <a:solidFill>
+                  <a:srgbClr val="D4D4D4"/>
+                </a:solidFill>
+                <a:effectLst/>
+                <a:latin typeface="Consolas" panose="020B0609020204030204" pitchFamily="49" charset="0"/>
+              </a:rPr>
+              <a:t>param</a:t>
             </a:r>
             <a:r>
               <a:rPr lang="en-US" sz="2400" b="0" dirty="0">
@@ -8762,27 +9219,7 @@
                 <a:effectLst/>
                 <a:latin typeface="Consolas" panose="020B0609020204030204" pitchFamily="49" charset="0"/>
               </a:rPr>
-              <a:t>(</a:t>
-            </a:r>
-            <a:r>
-              <a:rPr lang="en-US" sz="2400" b="0" dirty="0">
-                <a:solidFill>
-                  <a:srgbClr val="CE9178"/>
-                </a:solidFill>
-                <a:effectLst/>
-                <a:latin typeface="Consolas" panose="020B0609020204030204" pitchFamily="49" charset="0"/>
-              </a:rPr>
-              <a:t>"some value"</a:t>
-            </a:r>
-            <a:r>
-              <a:rPr lang="en-US" sz="2400" b="0" dirty="0">
-                <a:solidFill>
-                  <a:srgbClr val="D4D4D4"/>
-                </a:solidFill>
-                <a:effectLst/>
-                <a:latin typeface="Consolas" panose="020B0609020204030204" pitchFamily="49" charset="0"/>
-              </a:rPr>
-              <a:t>)</a:t>
+              <a:t>):</a:t>
             </a:r>
           </a:p>
           <a:p>
@@ -8797,26 +9234,27 @@
                 <a:effectLst/>
                 <a:latin typeface="Consolas" panose="020B0609020204030204" pitchFamily="49" charset="0"/>
               </a:rPr>
-              <a:t>   </a:t>
-            </a:r>
-            <a:r>
-              <a:rPr lang="en-US" sz="2400" dirty="0" err="1">
-                <a:solidFill>
-                  <a:srgbClr val="DCDCAA"/>
-                </a:solidFill>
-                <a:latin typeface="Consolas" panose="020B0609020204030204" pitchFamily="49" charset="0"/>
-              </a:rPr>
-              <a:t>my_second_step</a:t>
+              <a:t>    click(</a:t>
             </a:r>
             <a:r>
               <a:rPr lang="en-US" sz="2400" b="0" dirty="0">
                 <a:solidFill>
+                  <a:srgbClr val="CE9178"/>
+                </a:solidFill>
+                <a:effectLst/>
+                <a:latin typeface="Consolas" panose="020B0609020204030204" pitchFamily="49" charset="0"/>
+              </a:rPr>
+              <a:t>"some_image.png"</a:t>
+            </a:r>
+            <a:r>
+              <a:rPr lang="en-US" sz="2400" b="0" dirty="0">
+                <a:solidFill>
                   <a:srgbClr val="D4D4D4"/>
                 </a:solidFill>
                 <a:effectLst/>
                 <a:latin typeface="Consolas" panose="020B0609020204030204" pitchFamily="49" charset="0"/>
               </a:rPr>
-              <a:t>()   </a:t>
+              <a:t>)</a:t>
             </a:r>
           </a:p>
           <a:p>
@@ -8831,27 +9269,47 @@
                 <a:effectLst/>
                 <a:latin typeface="Consolas" panose="020B0609020204030204" pitchFamily="49" charset="0"/>
               </a:rPr>
-              <a:t>   </a:t>
-            </a:r>
-            <a:r>
-              <a:rPr lang="en-US" sz="2400" b="0" dirty="0" err="1">
+              <a:t>    </a:t>
+            </a:r>
+            <a:r>
+              <a:rPr lang="en-US" sz="2400" b="0" dirty="0">
+                <a:solidFill>
+                  <a:srgbClr val="C586C0"/>
+                </a:solidFill>
+                <a:effectLst/>
+                <a:latin typeface="Consolas" panose="020B0609020204030204" pitchFamily="49" charset="0"/>
+              </a:rPr>
+              <a:t>if</a:t>
+            </a:r>
+            <a:r>
+              <a:rPr lang="en-US" sz="2400" b="0" dirty="0">
                 <a:solidFill>
                   <a:srgbClr val="D4D4D4"/>
                 </a:solidFill>
                 <a:effectLst/>
                 <a:latin typeface="Consolas" panose="020B0609020204030204" pitchFamily="49" charset="0"/>
               </a:rPr>
-              <a:t>my_third_step</a:t>
+              <a:t>(find(</a:t>
             </a:r>
             <a:r>
               <a:rPr lang="en-US" sz="2400" b="0" dirty="0">
                 <a:solidFill>
+                  <a:srgbClr val="CE9178"/>
+                </a:solidFill>
+                <a:effectLst/>
+                <a:latin typeface="Consolas" panose="020B0609020204030204" pitchFamily="49" charset="0"/>
+              </a:rPr>
+              <a:t>"expected_result.png"</a:t>
+            </a:r>
+            <a:r>
+              <a:rPr lang="en-US" sz="2400" b="0" dirty="0">
+                <a:solidFill>
                   <a:srgbClr val="D4D4D4"/>
                 </a:solidFill>
                 <a:effectLst/>
                 <a:latin typeface="Consolas" panose="020B0609020204030204" pitchFamily="49" charset="0"/>
               </a:rPr>
-              <a:t>()</a:t>
+              <a:t>)):</a:t>
             </a:r>
           </a:p>
           <a:p>
@@ -8866,17 +9324,37 @@
                 <a:effectLst/>
                 <a:latin typeface="Consolas" panose="020B0609020204030204" pitchFamily="49" charset="0"/>
               </a:rPr>
-              <a:t>   </a:t>
-            </a:r>
-            <a:r>
-              <a:rPr lang="en-US" sz="2400" b="0" dirty="0" err="1">
+              <a:t>        </a:t>
+            </a:r>
+            <a:r>
+              <a:rPr lang="en-US" sz="2400" b="0" dirty="0">
+                <a:solidFill>
+                  <a:srgbClr val="DCDCAA"/>
+                </a:solidFill>
+                <a:effectLst/>
+                <a:latin typeface="Consolas" panose="020B0609020204030204" pitchFamily="49" charset="0"/>
+              </a:rPr>
+              <a:t>type</a:t>
+            </a:r>
+            <a:r>
+              <a:rPr lang="en-US" sz="2400" b="0" dirty="0">
                 <a:solidFill>
                   <a:srgbClr val="D4D4D4"/>
                 </a:solidFill>
                 <a:effectLst/>
                 <a:latin typeface="Consolas" panose="020B0609020204030204" pitchFamily="49" charset="0"/>
               </a:rPr>
-              <a:t>my_last_step</a:t>
+              <a:t>(</a:t>
+            </a:r>
+            <a:r>
+              <a:rPr lang="en-US" sz="2400" dirty="0">
+                <a:solidFill>
+                  <a:srgbClr val="D4D4D4"/>
+                </a:solidFill>
+                <a:effectLst/>
+                <a:latin typeface="Consolas" panose="020B0609020204030204" pitchFamily="49" charset="0"/>
+              </a:rPr>
+              <a:t>param</a:t>
             </a:r>
             <a:r>
               <a:rPr lang="en-US" sz="2400" b="0" dirty="0">
@@ -8886,7 +9364,97 @@
                 <a:effectLst/>
                 <a:latin typeface="Consolas" panose="020B0609020204030204" pitchFamily="49" charset="0"/>
               </a:rPr>
-              <a:t>()</a:t>
+              <a:t>)</a:t>
+            </a:r>
+          </a:p>
+          <a:p>
+            <a:pPr marL="0" indent="0">
+              <a:buNone/>
+            </a:pPr>
+            <a:r>
+              <a:rPr lang="en-US" sz="2400" b="0" dirty="0">
+                <a:solidFill>
+                  <a:srgbClr val="D4D4D4"/>
+                </a:solidFill>
+                <a:effectLst/>
+                <a:latin typeface="Consolas" panose="020B0609020204030204" pitchFamily="49" charset="0"/>
+              </a:rPr>
+              <a:t>    </a:t>
+            </a:r>
+            <a:r>
+              <a:rPr lang="en-US" sz="2400" b="0" dirty="0">
+                <a:solidFill>
+                  <a:srgbClr val="C586C0"/>
+                </a:solidFill>
+                <a:effectLst/>
+                <a:latin typeface="Consolas" panose="020B0609020204030204" pitchFamily="49" charset="0"/>
+              </a:rPr>
+              <a:t>else</a:t>
+            </a:r>
+            <a:r>
+              <a:rPr lang="en-US" sz="2400" b="0" dirty="0">
+                <a:solidFill>
+                  <a:srgbClr val="D4D4D4"/>
+                </a:solidFill>
+                <a:effectLst/>
+                <a:latin typeface="Consolas" panose="020B0609020204030204" pitchFamily="49" charset="0"/>
+              </a:rPr>
+              <a:t>:</a:t>
+            </a:r>
+          </a:p>
+          <a:p>
+            <a:pPr marL="0" indent="0">
+              <a:buNone/>
+            </a:pPr>
+            <a:r>
+              <a:rPr lang="en-US" sz="2400" b="0" dirty="0">
+                <a:solidFill>
+                  <a:srgbClr val="D4D4D4"/>
+                </a:solidFill>
+                <a:effectLst/>
+                <a:latin typeface="Consolas" panose="020B0609020204030204" pitchFamily="49" charset="0"/>
+              </a:rPr>
+              <a:t>        </a:t>
+            </a:r>
+            <a:r>
+              <a:rPr lang="en-US" sz="2400" b="0" dirty="0">
+                <a:solidFill>
+                  <a:srgbClr val="DCDCAA"/>
+                </a:solidFill>
+                <a:effectLst/>
+                <a:latin typeface="Consolas" panose="020B0609020204030204" pitchFamily="49" charset="0"/>
+              </a:rPr>
+              <a:t>print</a:t>
+            </a:r>
+            <a:r>
+              <a:rPr lang="en-US" sz="2400" b="0" dirty="0">
+                <a:solidFill>
+                  <a:srgbClr val="D4D4D4"/>
+                </a:solidFill>
+                <a:effectLst/>
+                <a:latin typeface="Consolas" panose="020B0609020204030204" pitchFamily="49" charset="0"/>
+              </a:rPr>
+              <a:t>(</a:t>
+            </a:r>
+            <a:r>
+              <a:rPr lang="en-US" sz="2400" b="0" dirty="0">
+                <a:solidFill>
+                  <a:srgbClr val="CE9178"/>
+                </a:solidFill>
+                <a:effectLst/>
+                <a:latin typeface="Consolas" panose="020B0609020204030204" pitchFamily="49" charset="0"/>
+              </a:rPr>
+              <a:t>"Error"</a:t>
+            </a:r>
+            <a:r>
+              <a:rPr lang="en-US" sz="2400" b="0" dirty="0">
+                <a:solidFill>
+                  <a:srgbClr val="D4D4D4"/>
+                </a:solidFill>
+                <a:effectLst/>
+                <a:latin typeface="Consolas" panose="020B0609020204030204" pitchFamily="49" charset="0"/>
+              </a:rPr>
+              <a:t>)</a:t>
             </a:r>
           </a:p>
           <a:p>
@@ -8906,7 +9474,7 @@
     </p:spTree>
     <p:extLst>
       <p:ext uri="{BB962C8B-B14F-4D97-AF65-F5344CB8AC3E}">
-        <p14:creationId xmlns:p14="http://schemas.microsoft.com/office/powerpoint/2010/main" val="1579481733"/>
+        <p14:creationId xmlns:p14="http://schemas.microsoft.com/office/powerpoint/2010/main" val="736185799"/>
       </p:ext>
     </p:extLst>
   </p:cSld>
@@ -8974,21 +9542,6 @@
               <a:rPr lang="fr-FR" dirty="0"/>
               <a:t> scripts</a:t>
             </a:r>
-            <a:br>
-              <a:rPr lang="fr-FR" dirty="0"/>
-            </a:br>
-            <a:r>
-              <a:rPr lang="fr-FR" sz="3600" b="1" dirty="0"/>
-              <a:t>(</a:t>
-            </a:r>
-            <a:r>
-              <a:rPr lang="fr-FR" sz="3600" b="1" dirty="0" err="1"/>
-              <a:t>optional</a:t>
-            </a:r>
-            <a:r>
-              <a:rPr lang="fr-FR" sz="3600" b="1" dirty="0"/>
-              <a:t>)</a:t>
-            </a:r>
             <a:endParaRPr lang="en-US" dirty="0"/>
           </a:p>
         </p:txBody>
@@ -9012,7 +9565,7 @@
         <p:spPr>
           <a:xfrm>
             <a:off x="838200" y="1869989"/>
-            <a:ext cx="10515600" cy="4860325"/>
+            <a:ext cx="10515600" cy="3241589"/>
           </a:xfrm>
           <a:solidFill>
             <a:schemeClr val="tx1">
@@ -9033,87 +9586,12 @@
             <a:r>
               <a:rPr lang="en-US" sz="2400" b="0" dirty="0">
                 <a:solidFill>
-                  <a:srgbClr val="C586C0"/>
-                </a:solidFill>
-                <a:effectLst/>
-                <a:latin typeface="Consolas" panose="020B0609020204030204" pitchFamily="49" charset="0"/>
-              </a:rPr>
-              <a:t>if</a:t>
-            </a:r>
-            <a:r>
-              <a:rPr lang="en-US" sz="2400" b="0" dirty="0">
-                <a:solidFill>
-                  <a:srgbClr val="D4D4D4"/>
-                </a:solidFill>
-                <a:effectLst/>
-                <a:latin typeface="Consolas" panose="020B0609020204030204" pitchFamily="49" charset="0"/>
-              </a:rPr>
-              <a:t> </a:t>
-            </a:r>
-            <a:r>
-              <a:rPr lang="en-US" sz="2400" b="0" dirty="0">
-                <a:solidFill>
-                  <a:srgbClr val="9CDCFE"/>
-                </a:solidFill>
-                <a:effectLst/>
-                <a:latin typeface="Consolas" panose="020B0609020204030204" pitchFamily="49" charset="0"/>
-              </a:rPr>
-              <a:t>__name__</a:t>
-            </a:r>
-            <a:r>
-              <a:rPr lang="en-US" sz="2400" b="0" dirty="0">
-                <a:solidFill>
-                  <a:srgbClr val="D4D4D4"/>
-                </a:solidFill>
-                <a:effectLst/>
-                <a:latin typeface="Consolas" panose="020B0609020204030204" pitchFamily="49" charset="0"/>
-              </a:rPr>
-              <a:t> == </a:t>
-            </a:r>
-            <a:r>
-              <a:rPr lang="en-US" sz="2400" b="0" dirty="0">
-                <a:solidFill>
-                  <a:srgbClr val="CE9178"/>
-                </a:solidFill>
-                <a:effectLst/>
-                <a:latin typeface="Consolas" panose="020B0609020204030204" pitchFamily="49" charset="0"/>
-              </a:rPr>
-              <a:t>'__main__'</a:t>
-            </a:r>
-            <a:r>
-              <a:rPr lang="en-US" sz="2400" b="0" dirty="0">
-                <a:solidFill>
-                  <a:srgbClr val="D4D4D4"/>
-                </a:solidFill>
-                <a:effectLst/>
-                <a:latin typeface="Consolas" panose="020B0609020204030204" pitchFamily="49" charset="0"/>
-              </a:rPr>
-              <a:t>:</a:t>
-            </a:r>
-          </a:p>
-          <a:p>
-            <a:pPr marL="0" indent="0">
-              <a:buNone/>
-            </a:pPr>
-            <a:r>
-              <a:rPr lang="en-US" sz="2400" b="0" dirty="0">
-                <a:solidFill>
-                  <a:srgbClr val="D4D4D4"/>
-                </a:solidFill>
-                <a:effectLst/>
-                <a:latin typeface="Consolas" panose="020B0609020204030204" pitchFamily="49" charset="0"/>
-              </a:rPr>
-              <a:t>   </a:t>
-            </a:r>
-            <a:r>
-              <a:rPr lang="en-US" sz="2400" b="0" dirty="0">
-                <a:solidFill>
                   <a:srgbClr val="6A9955"/>
                 </a:solidFill>
                 <a:effectLst/>
                 <a:latin typeface="Consolas" panose="020B0609020204030204" pitchFamily="49" charset="0"/>
               </a:rPr>
-              <a:t># build a list of passed parameters </a:t>
+              <a:t># start your script from a main function</a:t>
             </a:r>
             <a:endParaRPr lang="en-US" sz="2400" b="0" dirty="0">
               <a:solidFill>
@@ -9128,87 +9606,120 @@
               <a:buNone/>
             </a:pPr>
             <a:r>
-              <a:rPr lang="en-US" sz="2400" dirty="0">
+              <a:rPr lang="en-US" sz="2400" b="1" dirty="0">
+                <a:solidFill>
+                  <a:srgbClr val="C586C0"/>
+                </a:solidFill>
+                <a:effectLst/>
+                <a:latin typeface="Consolas" panose="020B0609020204030204" pitchFamily="49" charset="0"/>
+              </a:rPr>
+              <a:t>if</a:t>
+            </a:r>
+            <a:r>
+              <a:rPr lang="en-US" sz="2400" b="1" dirty="0">
                 <a:solidFill>
                   <a:srgbClr val="D4D4D4"/>
                 </a:solidFill>
                 <a:effectLst/>
                 <a:latin typeface="Consolas" panose="020B0609020204030204" pitchFamily="49" charset="0"/>
               </a:rPr>
-              <a:t>   </a:t>
-            </a:r>
-            <a:r>
-              <a:rPr lang="en-US" sz="2400" dirty="0" err="1">
+              <a:t> </a:t>
+            </a:r>
+            <a:r>
+              <a:rPr lang="en-US" sz="2400" b="1" dirty="0">
                 <a:solidFill>
                   <a:srgbClr val="9CDCFE"/>
                 </a:solidFill>
                 <a:effectLst/>
                 <a:latin typeface="Consolas" panose="020B0609020204030204" pitchFamily="49" charset="0"/>
               </a:rPr>
-              <a:t>args</a:t>
-            </a:r>
-            <a:r>
-              <a:rPr lang="en-US" sz="2400" dirty="0">
+              <a:t>__name__</a:t>
+            </a:r>
+            <a:r>
+              <a:rPr lang="en-US" sz="2400" b="1" dirty="0">
                 <a:solidFill>
                   <a:srgbClr val="D4D4D4"/>
                 </a:solidFill>
                 <a:effectLst/>
                 <a:latin typeface="Consolas" panose="020B0609020204030204" pitchFamily="49" charset="0"/>
               </a:rPr>
-              <a:t>=</a:t>
-            </a:r>
-            <a:r>
-              <a:rPr lang="en-US" sz="2400" dirty="0" err="1">
+              <a:t> == </a:t>
+            </a:r>
+            <a:r>
+              <a:rPr lang="en-US" sz="2400" b="1" dirty="0">
+                <a:solidFill>
+                  <a:srgbClr val="CE9178"/>
+                </a:solidFill>
+                <a:effectLst/>
+                <a:latin typeface="Consolas" panose="020B0609020204030204" pitchFamily="49" charset="0"/>
+              </a:rPr>
+              <a:t>'__main__'</a:t>
+            </a:r>
+            <a:r>
+              <a:rPr lang="en-US" sz="2400" b="1" dirty="0">
                 <a:solidFill>
                   <a:srgbClr val="D4D4D4"/>
                 </a:solidFill>
                 <a:effectLst/>
                 <a:latin typeface="Consolas" panose="020B0609020204030204" pitchFamily="49" charset="0"/>
               </a:rPr>
-              <a:t>dt_get_args</a:t>
-            </a:r>
-            <a:r>
-              <a:rPr lang="en-US" sz="2400" dirty="0">
-                <a:solidFill>
-                  <a:srgbClr val="D4D4D4"/>
-                </a:solidFill>
-                <a:effectLst/>
-                <a:latin typeface="Consolas" panose="020B0609020204030204" pitchFamily="49" charset="0"/>
-              </a:rPr>
-              <a:t>(</a:t>
-            </a:r>
-            <a:r>
-              <a:rPr lang="en-US" sz="2400" dirty="0" err="1">
-                <a:solidFill>
-                  <a:srgbClr val="D4D4D4"/>
-                </a:solidFill>
-                <a:effectLst/>
-                <a:latin typeface="Consolas" panose="020B0609020204030204" pitchFamily="49" charset="0"/>
-              </a:rPr>
-              <a:t>sys.argv</a:t>
-            </a:r>
-            <a:r>
-              <a:rPr lang="en-US" sz="2400" dirty="0">
-                <a:solidFill>
-                  <a:srgbClr val="D4D4D4"/>
-                </a:solidFill>
-                <a:effectLst/>
-                <a:latin typeface="Consolas" panose="020B0609020204030204" pitchFamily="49" charset="0"/>
-              </a:rPr>
-              <a:t>)</a:t>
+              <a:t>:</a:t>
             </a:r>
           </a:p>
           <a:p>
             <a:pPr marL="0" indent="0">
               <a:buNone/>
             </a:pPr>
-            <a:endParaRPr lang="en-US" sz="2400" dirty="0">
-              <a:solidFill>
-                <a:srgbClr val="D4D4D4"/>
-              </a:solidFill>
-              <a:effectLst/>
-              <a:latin typeface="Consolas" panose="020B0609020204030204" pitchFamily="49" charset="0"/>
-            </a:endParaRPr>
+            <a:r>
+              <a:rPr lang="en-US" sz="2400" b="0" dirty="0">
+                <a:solidFill>
+                  <a:srgbClr val="D4D4D4"/>
+                </a:solidFill>
+                <a:effectLst/>
+                <a:latin typeface="Consolas" panose="020B0609020204030204" pitchFamily="49" charset="0"/>
+              </a:rPr>
+              <a:t>   </a:t>
+            </a:r>
+            <a:r>
+              <a:rPr lang="en-US" sz="2400" b="0" dirty="0" err="1">
+                <a:solidFill>
+                  <a:srgbClr val="D4D4D4"/>
+                </a:solidFill>
+                <a:effectLst/>
+                <a:latin typeface="Consolas" panose="020B0609020204030204" pitchFamily="49" charset="0"/>
+              </a:rPr>
+              <a:t>my_first_step</a:t>
+            </a:r>
+            <a:r>
+              <a:rPr lang="en-US" sz="2400" b="0" dirty="0">
+                <a:solidFill>
+                  <a:srgbClr val="D4D4D4"/>
+                </a:solidFill>
+                <a:effectLst/>
+                <a:latin typeface="Consolas" panose="020B0609020204030204" pitchFamily="49" charset="0"/>
+              </a:rPr>
+              <a:t>(</a:t>
+            </a:r>
+            <a:r>
+              <a:rPr lang="en-US" sz="2400" b="0" dirty="0">
+                <a:solidFill>
+                  <a:srgbClr val="CE9178"/>
+                </a:solidFill>
+                <a:effectLst/>
+                <a:latin typeface="Consolas" panose="020B0609020204030204" pitchFamily="49" charset="0"/>
+              </a:rPr>
+              <a:t>"some value"</a:t>
+            </a:r>
+            <a:r>
+              <a:rPr lang="en-US" sz="2400" b="0" dirty="0">
+                <a:solidFill>
+                  <a:srgbClr val="D4D4D4"/>
+                </a:solidFill>
+                <a:effectLst/>
+                <a:latin typeface="Consolas" panose="020B0609020204030204" pitchFamily="49" charset="0"/>
+              </a:rPr>
+              <a:t>)</a:t>
+            </a:r>
           </a:p>
           <a:p>
             <a:pPr marL="0" indent="0">
@@ -9225,29 +9736,31 @@
               <a:t>   </a:t>
             </a:r>
             <a:r>
+              <a:rPr lang="en-US" sz="2400" dirty="0" err="1">
+                <a:solidFill>
+                  <a:srgbClr val="DCDCAA"/>
+                </a:solidFill>
+                <a:latin typeface="Consolas" panose="020B0609020204030204" pitchFamily="49" charset="0"/>
+              </a:rPr>
+              <a:t>my_second_step</a:t>
+            </a:r>
+            <a:r>
               <a:rPr lang="en-US" sz="2400" b="0" dirty="0">
                 <a:solidFill>
-                  <a:srgbClr val="6A9955"/>
-                </a:solidFill>
-                <a:effectLst/>
-                <a:latin typeface="Consolas" panose="020B0609020204030204" pitchFamily="49" charset="0"/>
-              </a:rPr>
-              <a:t># that you can use as arguments for your steps </a:t>
-            </a:r>
-            <a:endParaRPr lang="en-US" sz="2400" b="0" dirty="0">
-              <a:solidFill>
-                <a:srgbClr val="D4D4D4"/>
-              </a:solidFill>
-              <a:effectLst/>
-              <a:latin typeface="Consolas" panose="020B0609020204030204" pitchFamily="49" charset="0"/>
-            </a:endParaRPr>
+                  <a:srgbClr val="D4D4D4"/>
+                </a:solidFill>
+                <a:effectLst/>
+                <a:latin typeface="Consolas" panose="020B0609020204030204" pitchFamily="49" charset="0"/>
+              </a:rPr>
+              <a:t>()   </a:t>
+            </a:r>
           </a:p>
           <a:p>
             <a:pPr marL="0" indent="0">
               <a:buNone/>
             </a:pPr>
             <a:r>
-              <a:rPr lang="en-US" sz="2400" b="1" dirty="0">
+              <a:rPr lang="en-US" sz="2400" b="0" dirty="0">
                 <a:solidFill>
                   <a:srgbClr val="D4D4D4"/>
                 </a:solidFill>
@@ -9257,104 +9770,24 @@
               <a:t>   </a:t>
             </a:r>
             <a:r>
-              <a:rPr lang="en-US" sz="2400" b="1" dirty="0">
-                <a:solidFill>
-                  <a:srgbClr val="C586C0"/>
-                </a:solidFill>
-                <a:effectLst/>
-                <a:latin typeface="Consolas" panose="020B0609020204030204" pitchFamily="49" charset="0"/>
-              </a:rPr>
-              <a:t>if</a:t>
-            </a:r>
-            <a:r>
-              <a:rPr lang="en-US" sz="2400" b="1" dirty="0">
+              <a:rPr lang="en-US" sz="2400" b="0" dirty="0" err="1">
                 <a:solidFill>
                   <a:srgbClr val="D4D4D4"/>
                 </a:solidFill>
                 <a:effectLst/>
                 <a:latin typeface="Consolas" panose="020B0609020204030204" pitchFamily="49" charset="0"/>
               </a:rPr>
-              <a:t> </a:t>
-            </a:r>
-            <a:r>
-              <a:rPr lang="en-US" sz="2400" b="1" dirty="0">
-                <a:solidFill>
-                  <a:srgbClr val="CE9178"/>
-                </a:solidFill>
-                <a:effectLst/>
-                <a:latin typeface="Consolas" panose="020B0609020204030204" pitchFamily="49" charset="0"/>
-              </a:rPr>
-              <a:t>'</a:t>
-            </a:r>
-            <a:r>
-              <a:rPr lang="en-US" sz="2400" b="1" dirty="0" err="1">
-                <a:solidFill>
-                  <a:srgbClr val="CE9178"/>
-                </a:solidFill>
-                <a:effectLst/>
-                <a:latin typeface="Consolas" panose="020B0609020204030204" pitchFamily="49" charset="0"/>
-              </a:rPr>
-              <a:t>my_param</a:t>
-            </a:r>
-            <a:r>
-              <a:rPr lang="en-US" sz="2400" b="1" dirty="0">
-                <a:solidFill>
-                  <a:srgbClr val="CE9178"/>
-                </a:solidFill>
-                <a:effectLst/>
-                <a:latin typeface="Consolas" panose="020B0609020204030204" pitchFamily="49" charset="0"/>
-              </a:rPr>
-              <a:t>'</a:t>
-            </a:r>
-            <a:r>
-              <a:rPr lang="en-US" sz="2400" b="1" dirty="0">
+              <a:t>my_third_step</a:t>
+            </a:r>
+            <a:r>
+              <a:rPr lang="en-US" sz="2400" b="0" dirty="0">
                 <a:solidFill>
                   <a:srgbClr val="D4D4D4"/>
                 </a:solidFill>
                 <a:effectLst/>
                 <a:latin typeface="Consolas" panose="020B0609020204030204" pitchFamily="49" charset="0"/>
               </a:rPr>
-              <a:t> </a:t>
-            </a:r>
-            <a:r>
-              <a:rPr lang="en-US" sz="2400" b="1" dirty="0">
-                <a:solidFill>
-                  <a:srgbClr val="569CD6"/>
-                </a:solidFill>
-                <a:effectLst/>
-                <a:latin typeface="Consolas" panose="020B0609020204030204" pitchFamily="49" charset="0"/>
-              </a:rPr>
-              <a:t>in</a:t>
-            </a:r>
-            <a:r>
-              <a:rPr lang="en-US" sz="2400" b="1" dirty="0">
-                <a:solidFill>
-                  <a:srgbClr val="D4D4D4"/>
-                </a:solidFill>
-                <a:effectLst/>
-                <a:latin typeface="Consolas" panose="020B0609020204030204" pitchFamily="49" charset="0"/>
-              </a:rPr>
-              <a:t> </a:t>
-            </a:r>
-            <a:r>
-              <a:rPr lang="en-US" sz="2400" b="1" dirty="0" err="1">
-                <a:solidFill>
-                  <a:srgbClr val="9CDCFE"/>
-                </a:solidFill>
-                <a:effectLst/>
-                <a:latin typeface="Consolas" panose="020B0609020204030204" pitchFamily="49" charset="0"/>
-              </a:rPr>
-              <a:t>args</a:t>
-            </a:r>
-            <a:r>
-              <a:rPr lang="en-US" sz="2400" b="1" dirty="0">
-                <a:solidFill>
-                  <a:srgbClr val="D4D4D4"/>
-                </a:solidFill>
-                <a:effectLst/>
-                <a:latin typeface="Consolas" panose="020B0609020204030204" pitchFamily="49" charset="0"/>
-              </a:rPr>
-              <a:t>:</a:t>
+              <a:t>()</a:t>
             </a:r>
           </a:p>
           <a:p>
@@ -9369,7 +9802,7 @@
                 <a:effectLst/>
                 <a:latin typeface="Consolas" panose="020B0609020204030204" pitchFamily="49" charset="0"/>
               </a:rPr>
-              <a:t>       </a:t>
+              <a:t>   </a:t>
             </a:r>
             <a:r>
               <a:rPr lang="en-US" sz="2400" b="0" dirty="0" err="1">
@@ -9379,7 +9812,7 @@
                 <a:effectLst/>
                 <a:latin typeface="Consolas" panose="020B0609020204030204" pitchFamily="49" charset="0"/>
               </a:rPr>
-              <a:t>my_third_step</a:t>
+              <a:t>my_last_step</a:t>
             </a:r>
             <a:r>
               <a:rPr lang="en-US" sz="2400" b="0" dirty="0">
@@ -9389,157 +9822,7 @@
                 <a:effectLst/>
                 <a:latin typeface="Consolas" panose="020B0609020204030204" pitchFamily="49" charset="0"/>
               </a:rPr>
-              <a:t>(</a:t>
-            </a:r>
-            <a:r>
-              <a:rPr lang="en-US" sz="2400" b="0" dirty="0" err="1">
-                <a:solidFill>
-                  <a:srgbClr val="9CDCFE"/>
-                </a:solidFill>
-                <a:effectLst/>
-                <a:latin typeface="Consolas" panose="020B0609020204030204" pitchFamily="49" charset="0"/>
-              </a:rPr>
-              <a:t>args</a:t>
-            </a:r>
-            <a:r>
-              <a:rPr lang="en-US" sz="2400" b="0" dirty="0">
-                <a:solidFill>
-                  <a:srgbClr val="D4D4D4"/>
-                </a:solidFill>
-                <a:effectLst/>
-                <a:latin typeface="Consolas" panose="020B0609020204030204" pitchFamily="49" charset="0"/>
-              </a:rPr>
-              <a:t>[</a:t>
-            </a:r>
-            <a:r>
-              <a:rPr lang="en-US" sz="2400" b="0" dirty="0">
-                <a:solidFill>
-                  <a:srgbClr val="CE9178"/>
-                </a:solidFill>
-                <a:effectLst/>
-                <a:latin typeface="Consolas" panose="020B0609020204030204" pitchFamily="49" charset="0"/>
-              </a:rPr>
-              <a:t>'</a:t>
-            </a:r>
-            <a:r>
-              <a:rPr lang="en-US" sz="2400" b="0" dirty="0" err="1">
-                <a:solidFill>
-                  <a:srgbClr val="CE9178"/>
-                </a:solidFill>
-                <a:effectLst/>
-                <a:latin typeface="Consolas" panose="020B0609020204030204" pitchFamily="49" charset="0"/>
-              </a:rPr>
-              <a:t>my_param</a:t>
-            </a:r>
-            <a:r>
-              <a:rPr lang="en-US" sz="2400" b="0" dirty="0">
-                <a:solidFill>
-                  <a:srgbClr val="CE9178"/>
-                </a:solidFill>
-                <a:effectLst/>
-                <a:latin typeface="Consolas" panose="020B0609020204030204" pitchFamily="49" charset="0"/>
-              </a:rPr>
-              <a:t>'</a:t>
-            </a:r>
-            <a:r>
-              <a:rPr lang="en-US" sz="2400" b="0" dirty="0">
-                <a:solidFill>
-                  <a:srgbClr val="D4D4D4"/>
-                </a:solidFill>
-                <a:effectLst/>
-                <a:latin typeface="Consolas" panose="020B0609020204030204" pitchFamily="49" charset="0"/>
-              </a:rPr>
-              <a:t>])</a:t>
-            </a:r>
-          </a:p>
-          <a:p>
-            <a:pPr marL="0" indent="0">
-              <a:buNone/>
-            </a:pPr>
-            <a:r>
-              <a:rPr lang="en-US" sz="2400" b="0" dirty="0">
-                <a:solidFill>
-                  <a:srgbClr val="D4D4D4"/>
-                </a:solidFill>
-                <a:effectLst/>
-                <a:latin typeface="Consolas" panose="020B0609020204030204" pitchFamily="49" charset="0"/>
-              </a:rPr>
-              <a:t>   </a:t>
-            </a:r>
-            <a:r>
-              <a:rPr lang="en-US" sz="2400" b="0" dirty="0">
-                <a:solidFill>
-                  <a:srgbClr val="C586C0"/>
-                </a:solidFill>
-                <a:effectLst/>
-                <a:latin typeface="Consolas" panose="020B0609020204030204" pitchFamily="49" charset="0"/>
-              </a:rPr>
-              <a:t>else</a:t>
-            </a:r>
-            <a:r>
-              <a:rPr lang="en-US" sz="2400" b="0" dirty="0">
-                <a:solidFill>
-                  <a:srgbClr val="D4D4D4"/>
-                </a:solidFill>
-                <a:effectLst/>
-                <a:latin typeface="Consolas" panose="020B0609020204030204" pitchFamily="49" charset="0"/>
-              </a:rPr>
-              <a:t>:</a:t>
-            </a:r>
-          </a:p>
-          <a:p>
-            <a:pPr marL="0" indent="0">
-              <a:buNone/>
-            </a:pPr>
-            <a:r>
-              <a:rPr lang="en-US" sz="2400" b="0" dirty="0">
-                <a:solidFill>
-                  <a:srgbClr val="D4D4D4"/>
-                </a:solidFill>
-                <a:effectLst/>
-                <a:latin typeface="Consolas" panose="020B0609020204030204" pitchFamily="49" charset="0"/>
-              </a:rPr>
-              <a:t>       </a:t>
-            </a:r>
-            <a:r>
-              <a:rPr lang="en-US" sz="2400" b="0" dirty="0" err="1">
-                <a:solidFill>
-                  <a:srgbClr val="D4D4D4"/>
-                </a:solidFill>
-                <a:effectLst/>
-                <a:latin typeface="Consolas" panose="020B0609020204030204" pitchFamily="49" charset="0"/>
-              </a:rPr>
-              <a:t>my_third_step</a:t>
-            </a:r>
-            <a:r>
-              <a:rPr lang="en-US" sz="2400" b="0" dirty="0">
-                <a:solidFill>
-                  <a:srgbClr val="D4D4D4"/>
-                </a:solidFill>
-                <a:effectLst/>
-                <a:latin typeface="Consolas" panose="020B0609020204030204" pitchFamily="49" charset="0"/>
-              </a:rPr>
-              <a:t>(</a:t>
-            </a:r>
-            <a:r>
-              <a:rPr lang="en-US" sz="2400" b="0" dirty="0">
-                <a:solidFill>
-                  <a:srgbClr val="CE9178"/>
-                </a:solidFill>
-                <a:effectLst/>
-                <a:latin typeface="Consolas" panose="020B0609020204030204" pitchFamily="49" charset="0"/>
-              </a:rPr>
-              <a:t>"some value"</a:t>
-            </a:r>
-            <a:r>
-              <a:rPr lang="en-US" sz="2400" b="0" dirty="0">
-                <a:solidFill>
-                  <a:srgbClr val="D4D4D4"/>
-                </a:solidFill>
-                <a:effectLst/>
-                <a:latin typeface="Consolas" panose="020B0609020204030204" pitchFamily="49" charset="0"/>
-              </a:rPr>
-              <a:t>)</a:t>
+              <a:t>()</a:t>
             </a:r>
           </a:p>
           <a:p>
@@ -9559,7 +9842,7 @@
     </p:spTree>
     <p:extLst>
       <p:ext uri="{BB962C8B-B14F-4D97-AF65-F5344CB8AC3E}">
-        <p14:creationId xmlns:p14="http://schemas.microsoft.com/office/powerpoint/2010/main" val="3189463451"/>
+        <p14:creationId xmlns:p14="http://schemas.microsoft.com/office/powerpoint/2010/main" val="1579481733"/>
       </p:ext>
     </p:extLst>
   </p:cSld>
@@ -9608,12 +9891,39 @@
           <a:lstStyle/>
           <a:p>
             <a:r>
+              <a:rPr lang="fr-FR" dirty="0"/>
+              <a:t>Rules to follow for </a:t>
+            </a:r>
+            <a:r>
               <a:rPr lang="fr-FR" dirty="0" err="1"/>
-              <a:t>Using</a:t>
-            </a:r>
-            <a:r>
-              <a:rPr lang="fr-FR" dirty="0"/>
-              <a:t> VNC to capture and replay scripts</a:t>
+              <a:t>writing</a:t>
+            </a:r>
+            <a:r>
+              <a:rPr lang="fr-FR" dirty="0"/>
+              <a:t> </a:t>
+            </a:r>
+            <a:r>
+              <a:rPr lang="fr-FR" dirty="0" err="1"/>
+              <a:t>SikuliX</a:t>
+            </a:r>
+            <a:r>
+              <a:rPr lang="fr-FR" dirty="0"/>
+              <a:t> scripts</a:t>
+            </a:r>
+            <a:br>
+              <a:rPr lang="fr-FR" dirty="0"/>
+            </a:br>
+            <a:r>
+              <a:rPr lang="fr-FR" sz="3600" b="1" dirty="0"/>
+              <a:t>(</a:t>
+            </a:r>
+            <a:r>
+              <a:rPr lang="fr-FR" sz="3600" b="1" dirty="0" err="1"/>
+              <a:t>optional</a:t>
+            </a:r>
+            <a:r>
+              <a:rPr lang="fr-FR" sz="3600" b="1" dirty="0"/>
+              <a:t>)</a:t>
             </a:r>
             <a:endParaRPr lang="en-US" dirty="0"/>
           </a:p>
@@ -9638,7 +9948,7 @@
         <p:spPr>
           <a:xfrm>
             <a:off x="838200" y="1869989"/>
-            <a:ext cx="10515600" cy="3979414"/>
+            <a:ext cx="10515600" cy="4860325"/>
           </a:xfrm>
           <a:solidFill>
             <a:schemeClr val="tx1">
@@ -9659,12 +9969,62 @@
             <a:r>
               <a:rPr lang="en-US" sz="2400" b="0" dirty="0">
                 <a:solidFill>
-                  <a:srgbClr val="6A9955"/>
-                </a:solidFill>
-                <a:effectLst/>
-                <a:latin typeface="Consolas" panose="020B0609020204030204" pitchFamily="49" charset="0"/>
-              </a:rPr>
-              <a:t># IMPORTANT: </a:t>
+                  <a:srgbClr val="C586C0"/>
+                </a:solidFill>
+                <a:effectLst/>
+                <a:latin typeface="Consolas" panose="020B0609020204030204" pitchFamily="49" charset="0"/>
+              </a:rPr>
+              <a:t>if</a:t>
+            </a:r>
+            <a:r>
+              <a:rPr lang="en-US" sz="2400" b="0" dirty="0">
+                <a:solidFill>
+                  <a:srgbClr val="D4D4D4"/>
+                </a:solidFill>
+                <a:effectLst/>
+                <a:latin typeface="Consolas" panose="020B0609020204030204" pitchFamily="49" charset="0"/>
+              </a:rPr>
+              <a:t> </a:t>
+            </a:r>
+            <a:r>
+              <a:rPr lang="en-US" sz="2400" b="0" dirty="0">
+                <a:solidFill>
+                  <a:srgbClr val="9CDCFE"/>
+                </a:solidFill>
+                <a:effectLst/>
+                <a:latin typeface="Consolas" panose="020B0609020204030204" pitchFamily="49" charset="0"/>
+              </a:rPr>
+              <a:t>__name__</a:t>
+            </a:r>
+            <a:r>
+              <a:rPr lang="en-US" sz="2400" b="0" dirty="0">
+                <a:solidFill>
+                  <a:srgbClr val="D4D4D4"/>
+                </a:solidFill>
+                <a:effectLst/>
+                <a:latin typeface="Consolas" panose="020B0609020204030204" pitchFamily="49" charset="0"/>
+              </a:rPr>
+              <a:t> == </a:t>
+            </a:r>
+            <a:r>
+              <a:rPr lang="en-US" sz="2400" b="0" dirty="0">
+                <a:solidFill>
+                  <a:srgbClr val="CE9178"/>
+                </a:solidFill>
+                <a:effectLst/>
+                <a:latin typeface="Consolas" panose="020B0609020204030204" pitchFamily="49" charset="0"/>
+              </a:rPr>
+              <a:t>'__main__'</a:t>
+            </a:r>
+            <a:r>
+              <a:rPr lang="en-US" sz="2400" b="0" dirty="0">
+                <a:solidFill>
+                  <a:srgbClr val="D4D4D4"/>
+                </a:solidFill>
+                <a:effectLst/>
+                <a:latin typeface="Consolas" panose="020B0609020204030204" pitchFamily="49" charset="0"/>
+              </a:rPr>
+              <a:t>:</a:t>
             </a:r>
           </a:p>
           <a:p>
@@ -9672,67 +10032,24 @@
               <a:buNone/>
             </a:pPr>
             <a:r>
-              <a:rPr lang="en-US" sz="2400" dirty="0">
+              <a:rPr lang="en-US" sz="2400" b="0" dirty="0">
+                <a:solidFill>
+                  <a:srgbClr val="D4D4D4"/>
+                </a:solidFill>
+                <a:effectLst/>
+                <a:latin typeface="Consolas" panose="020B0609020204030204" pitchFamily="49" charset="0"/>
+              </a:rPr>
+              <a:t>   </a:t>
+            </a:r>
+            <a:r>
+              <a:rPr lang="en-US" sz="2400" b="0" dirty="0">
                 <a:solidFill>
                   <a:srgbClr val="6A9955"/>
                 </a:solidFill>
-                <a:latin typeface="Consolas" panose="020B0609020204030204" pitchFamily="49" charset="0"/>
-              </a:rPr>
-              <a:t># M</a:t>
-            </a:r>
-            <a:r>
-              <a:rPr lang="en-US" sz="2400" b="0" dirty="0">
-                <a:solidFill>
-                  <a:srgbClr val="6A9955"/>
-                </a:solidFill>
-                <a:effectLst/>
-                <a:latin typeface="Consolas" panose="020B0609020204030204" pitchFamily="49" charset="0"/>
-              </a:rPr>
-              <a:t>ake sure you capture screenshots with</a:t>
-            </a:r>
-          </a:p>
-          <a:p>
-            <a:pPr marL="0" indent="0">
-              <a:buNone/>
-            </a:pPr>
-            <a:r>
-              <a:rPr lang="en-US" sz="2400" dirty="0">
-                <a:solidFill>
-                  <a:srgbClr val="6A9955"/>
-                </a:solidFill>
-                <a:latin typeface="Consolas" panose="020B0609020204030204" pitchFamily="49" charset="0"/>
-              </a:rPr>
-              <a:t>#</a:t>
-            </a:r>
-            <a:r>
-              <a:rPr lang="en-US" sz="2400" b="0" dirty="0">
-                <a:solidFill>
-                  <a:srgbClr val="6A9955"/>
-                </a:solidFill>
-                <a:effectLst/>
-                <a:latin typeface="Consolas" panose="020B0609020204030204" pitchFamily="49" charset="0"/>
-              </a:rPr>
-              <a:t>   </a:t>
-            </a:r>
-            <a:r>
-              <a:rPr lang="en-US" sz="2400" b="1" dirty="0" err="1">
-                <a:solidFill>
-                  <a:srgbClr val="6A9955"/>
-                </a:solidFill>
-                <a:effectLst/>
-                <a:latin typeface="Consolas" panose="020B0609020204030204" pitchFamily="49" charset="0"/>
-              </a:rPr>
-              <a:t>TigerVNC</a:t>
-            </a:r>
-            <a:r>
-              <a:rPr lang="en-US" sz="2400" b="0" dirty="0">
-                <a:solidFill>
-                  <a:srgbClr val="6A9955"/>
-                </a:solidFill>
-                <a:effectLst/>
-                <a:latin typeface="Consolas" panose="020B0609020204030204" pitchFamily="49" charset="0"/>
-              </a:rPr>
-              <a:t> client (https://tigervnc.org), </a:t>
+                <a:effectLst/>
+                <a:latin typeface="Consolas" panose="020B0609020204030204" pitchFamily="49" charset="0"/>
+              </a:rPr>
+              <a:t># build a list of passed parameters </a:t>
             </a:r>
             <a:endParaRPr lang="en-US" sz="2400" b="0" dirty="0">
               <a:solidFill>
@@ -9747,109 +10064,111 @@
               <a:buNone/>
             </a:pPr>
             <a:r>
-              <a:rPr lang="en-US" sz="2400" b="0" dirty="0">
-                <a:solidFill>
-                  <a:srgbClr val="6A9955"/>
-                </a:solidFill>
-                <a:effectLst/>
-                <a:latin typeface="Consolas" panose="020B0609020204030204" pitchFamily="49" charset="0"/>
-              </a:rPr>
-              <a:t>#   to get the best image matching probability, as this is </a:t>
+              <a:rPr lang="en-US" sz="2400" dirty="0">
+                <a:solidFill>
+                  <a:srgbClr val="D4D4D4"/>
+                </a:solidFill>
+                <a:effectLst/>
+                <a:latin typeface="Consolas" panose="020B0609020204030204" pitchFamily="49" charset="0"/>
+              </a:rPr>
+              <a:t>   </a:t>
+            </a:r>
+            <a:r>
+              <a:rPr lang="en-US" sz="2400" dirty="0" err="1">
+                <a:solidFill>
+                  <a:srgbClr val="9CDCFE"/>
+                </a:solidFill>
+                <a:effectLst/>
+                <a:latin typeface="Consolas" panose="020B0609020204030204" pitchFamily="49" charset="0"/>
+              </a:rPr>
+              <a:t>args</a:t>
+            </a:r>
+            <a:r>
+              <a:rPr lang="en-US" sz="2400" dirty="0">
+                <a:solidFill>
+                  <a:srgbClr val="D4D4D4"/>
+                </a:solidFill>
+                <a:effectLst/>
+                <a:latin typeface="Consolas" panose="020B0609020204030204" pitchFamily="49" charset="0"/>
+              </a:rPr>
+              <a:t>=</a:t>
+            </a:r>
+            <a:r>
+              <a:rPr lang="en-US" sz="2400" dirty="0" err="1">
+                <a:solidFill>
+                  <a:srgbClr val="D4D4D4"/>
+                </a:solidFill>
+                <a:effectLst/>
+                <a:latin typeface="Consolas" panose="020B0609020204030204" pitchFamily="49" charset="0"/>
+              </a:rPr>
+              <a:t>dt_get_args</a:t>
+            </a:r>
+            <a:r>
+              <a:rPr lang="en-US" sz="2400" dirty="0">
+                <a:solidFill>
+                  <a:srgbClr val="D4D4D4"/>
+                </a:solidFill>
+                <a:effectLst/>
+                <a:latin typeface="Consolas" panose="020B0609020204030204" pitchFamily="49" charset="0"/>
+              </a:rPr>
+              <a:t>(</a:t>
+            </a:r>
+            <a:r>
+              <a:rPr lang="en-US" sz="2400" dirty="0" err="1">
+                <a:solidFill>
+                  <a:srgbClr val="D4D4D4"/>
+                </a:solidFill>
+                <a:effectLst/>
+                <a:latin typeface="Consolas" panose="020B0609020204030204" pitchFamily="49" charset="0"/>
+              </a:rPr>
+              <a:t>sys.argv</a:t>
+            </a:r>
+            <a:r>
+              <a:rPr lang="en-US" sz="2400" dirty="0">
+                <a:solidFill>
+                  <a:srgbClr val="D4D4D4"/>
+                </a:solidFill>
+                <a:effectLst/>
+                <a:latin typeface="Consolas" panose="020B0609020204030204" pitchFamily="49" charset="0"/>
+              </a:rPr>
+              <a:t>)</a:t>
             </a:r>
           </a:p>
           <a:p>
             <a:pPr marL="0" indent="0">
               <a:buNone/>
             </a:pPr>
-            <a:r>
-              <a:rPr lang="en-US" sz="2400" b="0" dirty="0">
-                <a:solidFill>
-                  <a:srgbClr val="6A9955"/>
-                </a:solidFill>
-                <a:effectLst/>
-                <a:latin typeface="Consolas" panose="020B0609020204030204" pitchFamily="49" charset="0"/>
-              </a:rPr>
-              <a:t>#   the exact same VNC client embedded into </a:t>
-            </a:r>
-            <a:r>
-              <a:rPr lang="en-US" sz="2400" b="0" dirty="0" err="1">
-                <a:solidFill>
-                  <a:srgbClr val="6A9955"/>
-                </a:solidFill>
-                <a:effectLst/>
-                <a:latin typeface="Consolas" panose="020B0609020204030204" pitchFamily="49" charset="0"/>
-              </a:rPr>
-              <a:t>SikuliX</a:t>
-            </a:r>
-            <a:r>
-              <a:rPr lang="en-US" sz="2400" b="0" dirty="0">
-                <a:solidFill>
-                  <a:srgbClr val="6A9955"/>
-                </a:solidFill>
-                <a:effectLst/>
-                <a:latin typeface="Consolas" panose="020B0609020204030204" pitchFamily="49" charset="0"/>
-              </a:rPr>
-              <a:t>.</a:t>
-            </a:r>
+            <a:endParaRPr lang="en-US" sz="2400" dirty="0">
+              <a:solidFill>
+                <a:srgbClr val="D4D4D4"/>
+              </a:solidFill>
+              <a:effectLst/>
+              <a:latin typeface="Consolas" panose="020B0609020204030204" pitchFamily="49" charset="0"/>
+            </a:endParaRPr>
           </a:p>
           <a:p>
             <a:pPr marL="0" indent="0">
               <a:buNone/>
             </a:pPr>
             <a:r>
-              <a:rPr lang="en-US" sz="2400" dirty="0">
+              <a:rPr lang="en-US" sz="2400" b="0" dirty="0">
+                <a:solidFill>
+                  <a:srgbClr val="D4D4D4"/>
+                </a:solidFill>
+                <a:effectLst/>
+                <a:latin typeface="Consolas" panose="020B0609020204030204" pitchFamily="49" charset="0"/>
+              </a:rPr>
+              <a:t>   </a:t>
+            </a:r>
+            <a:r>
+              <a:rPr lang="en-US" sz="2400" b="0" dirty="0">
                 <a:solidFill>
                   <a:srgbClr val="6A9955"/>
                 </a:solidFill>
-                <a:latin typeface="Consolas" panose="020B0609020204030204" pitchFamily="49" charset="0"/>
-              </a:rPr>
-              <a:t># Make sure you use </a:t>
-            </a:r>
-            <a:r>
-              <a:rPr lang="en-US" sz="2400" b="1" dirty="0">
-                <a:solidFill>
-                  <a:srgbClr val="6A9955"/>
-                </a:solidFill>
-                <a:latin typeface="Consolas" panose="020B0609020204030204" pitchFamily="49" charset="0"/>
-              </a:rPr>
-              <a:t>24 bits depth </a:t>
-            </a:r>
-            <a:r>
-              <a:rPr lang="en-US" sz="2400" dirty="0">
-                <a:solidFill>
-                  <a:srgbClr val="6A9955"/>
-                </a:solidFill>
-                <a:latin typeface="Consolas" panose="020B0609020204030204" pitchFamily="49" charset="0"/>
-              </a:rPr>
-              <a:t>when starting your</a:t>
-            </a:r>
-          </a:p>
-          <a:p>
-            <a:pPr marL="0" indent="0">
-              <a:buNone/>
-            </a:pPr>
-            <a:r>
-              <a:rPr lang="en-US" sz="2400" dirty="0">
-                <a:solidFill>
-                  <a:srgbClr val="6A9955"/>
-                </a:solidFill>
-                <a:latin typeface="Consolas" panose="020B0609020204030204" pitchFamily="49" charset="0"/>
-              </a:rPr>
-              <a:t>#   VNC server on Linux or you may get Class cast errors</a:t>
-            </a:r>
-          </a:p>
-          <a:p>
-            <a:pPr marL="0" indent="0">
-              <a:buNone/>
-            </a:pPr>
-            <a:r>
-              <a:rPr lang="en-US" sz="2400" dirty="0">
-                <a:solidFill>
-                  <a:srgbClr val="6A9955"/>
-                </a:solidFill>
-                <a:latin typeface="Consolas" panose="020B0609020204030204" pitchFamily="49" charset="0"/>
-              </a:rPr>
-              <a:t>#   in your scripts when dealing with images.</a:t>
+                <a:effectLst/>
+                <a:latin typeface="Consolas" panose="020B0609020204030204" pitchFamily="49" charset="0"/>
+              </a:rPr>
+              <a:t># that you can use as arguments for your steps </a:t>
             </a:r>
             <a:endParaRPr lang="en-US" sz="2400" b="0" dirty="0">
               <a:solidFill>
@@ -9858,6 +10177,306 @@
               <a:effectLst/>
               <a:latin typeface="Consolas" panose="020B0609020204030204" pitchFamily="49" charset="0"/>
             </a:endParaRPr>
+          </a:p>
+          <a:p>
+            <a:pPr marL="0" indent="0">
+              <a:buNone/>
+            </a:pPr>
+            <a:r>
+              <a:rPr lang="en-US" sz="2400" b="1" dirty="0">
+                <a:solidFill>
+                  <a:srgbClr val="D4D4D4"/>
+                </a:solidFill>
+                <a:effectLst/>
+                <a:latin typeface="Consolas" panose="020B0609020204030204" pitchFamily="49" charset="0"/>
+              </a:rPr>
+              <a:t>   </a:t>
+            </a:r>
+            <a:r>
+              <a:rPr lang="en-US" sz="2400" b="1" dirty="0">
+                <a:solidFill>
+                  <a:srgbClr val="C586C0"/>
+                </a:solidFill>
+                <a:effectLst/>
+                <a:latin typeface="Consolas" panose="020B0609020204030204" pitchFamily="49" charset="0"/>
+              </a:rPr>
+              <a:t>if</a:t>
+            </a:r>
+            <a:r>
+              <a:rPr lang="en-US" sz="2400" b="1" dirty="0">
+                <a:solidFill>
+                  <a:srgbClr val="D4D4D4"/>
+                </a:solidFill>
+                <a:effectLst/>
+                <a:latin typeface="Consolas" panose="020B0609020204030204" pitchFamily="49" charset="0"/>
+              </a:rPr>
+              <a:t> </a:t>
+            </a:r>
+            <a:r>
+              <a:rPr lang="en-US" sz="2400" b="1" dirty="0">
+                <a:solidFill>
+                  <a:srgbClr val="CE9178"/>
+                </a:solidFill>
+                <a:effectLst/>
+                <a:latin typeface="Consolas" panose="020B0609020204030204" pitchFamily="49" charset="0"/>
+              </a:rPr>
+              <a:t>'</a:t>
+            </a:r>
+            <a:r>
+              <a:rPr lang="en-US" sz="2400" b="1" dirty="0" err="1">
+                <a:solidFill>
+                  <a:srgbClr val="CE9178"/>
+                </a:solidFill>
+                <a:effectLst/>
+                <a:latin typeface="Consolas" panose="020B0609020204030204" pitchFamily="49" charset="0"/>
+              </a:rPr>
+              <a:t>my_param</a:t>
+            </a:r>
+            <a:r>
+              <a:rPr lang="en-US" sz="2400" b="1" dirty="0">
+                <a:solidFill>
+                  <a:srgbClr val="CE9178"/>
+                </a:solidFill>
+                <a:effectLst/>
+                <a:latin typeface="Consolas" panose="020B0609020204030204" pitchFamily="49" charset="0"/>
+              </a:rPr>
+              <a:t>'</a:t>
+            </a:r>
+            <a:r>
+              <a:rPr lang="en-US" sz="2400" b="1" dirty="0">
+                <a:solidFill>
+                  <a:srgbClr val="D4D4D4"/>
+                </a:solidFill>
+                <a:effectLst/>
+                <a:latin typeface="Consolas" panose="020B0609020204030204" pitchFamily="49" charset="0"/>
+              </a:rPr>
+              <a:t> </a:t>
+            </a:r>
+            <a:r>
+              <a:rPr lang="en-US" sz="2400" b="1" dirty="0">
+                <a:solidFill>
+                  <a:srgbClr val="569CD6"/>
+                </a:solidFill>
+                <a:effectLst/>
+                <a:latin typeface="Consolas" panose="020B0609020204030204" pitchFamily="49" charset="0"/>
+              </a:rPr>
+              <a:t>in</a:t>
+            </a:r>
+            <a:r>
+              <a:rPr lang="en-US" sz="2400" b="1" dirty="0">
+                <a:solidFill>
+                  <a:srgbClr val="D4D4D4"/>
+                </a:solidFill>
+                <a:effectLst/>
+                <a:latin typeface="Consolas" panose="020B0609020204030204" pitchFamily="49" charset="0"/>
+              </a:rPr>
+              <a:t> </a:t>
+            </a:r>
+            <a:r>
+              <a:rPr lang="en-US" sz="2400" b="1" dirty="0" err="1">
+                <a:solidFill>
+                  <a:srgbClr val="9CDCFE"/>
+                </a:solidFill>
+                <a:effectLst/>
+                <a:latin typeface="Consolas" panose="020B0609020204030204" pitchFamily="49" charset="0"/>
+              </a:rPr>
+              <a:t>args</a:t>
+            </a:r>
+            <a:r>
+              <a:rPr lang="en-US" sz="2400" b="1" dirty="0">
+                <a:solidFill>
+                  <a:srgbClr val="D4D4D4"/>
+                </a:solidFill>
+                <a:effectLst/>
+                <a:latin typeface="Consolas" panose="020B0609020204030204" pitchFamily="49" charset="0"/>
+              </a:rPr>
+              <a:t>:</a:t>
+            </a:r>
+          </a:p>
+          <a:p>
+            <a:pPr marL="0" indent="0">
+              <a:buNone/>
+            </a:pPr>
+            <a:r>
+              <a:rPr lang="en-US" sz="2400" b="0" dirty="0">
+                <a:solidFill>
+                  <a:srgbClr val="D4D4D4"/>
+                </a:solidFill>
+                <a:effectLst/>
+                <a:latin typeface="Consolas" panose="020B0609020204030204" pitchFamily="49" charset="0"/>
+              </a:rPr>
+              <a:t>       </a:t>
+            </a:r>
+            <a:r>
+              <a:rPr lang="en-US" sz="2400" b="0" dirty="0" err="1">
+                <a:solidFill>
+                  <a:srgbClr val="D4D4D4"/>
+                </a:solidFill>
+                <a:effectLst/>
+                <a:latin typeface="Consolas" panose="020B0609020204030204" pitchFamily="49" charset="0"/>
+              </a:rPr>
+              <a:t>my_third_step</a:t>
+            </a:r>
+            <a:r>
+              <a:rPr lang="en-US" sz="2400" b="0" dirty="0">
+                <a:solidFill>
+                  <a:srgbClr val="D4D4D4"/>
+                </a:solidFill>
+                <a:effectLst/>
+                <a:latin typeface="Consolas" panose="020B0609020204030204" pitchFamily="49" charset="0"/>
+              </a:rPr>
+              <a:t>(</a:t>
+            </a:r>
+            <a:r>
+              <a:rPr lang="en-US" sz="2400" b="0" dirty="0" err="1">
+                <a:solidFill>
+                  <a:srgbClr val="9CDCFE"/>
+                </a:solidFill>
+                <a:effectLst/>
+                <a:latin typeface="Consolas" panose="020B0609020204030204" pitchFamily="49" charset="0"/>
+              </a:rPr>
+              <a:t>args</a:t>
+            </a:r>
+            <a:r>
+              <a:rPr lang="en-US" sz="2400" b="0" dirty="0">
+                <a:solidFill>
+                  <a:srgbClr val="D4D4D4"/>
+                </a:solidFill>
+                <a:effectLst/>
+                <a:latin typeface="Consolas" panose="020B0609020204030204" pitchFamily="49" charset="0"/>
+              </a:rPr>
+              <a:t>[</a:t>
+            </a:r>
+            <a:r>
+              <a:rPr lang="en-US" sz="2400" b="0" dirty="0">
+                <a:solidFill>
+                  <a:srgbClr val="CE9178"/>
+                </a:solidFill>
+                <a:effectLst/>
+                <a:latin typeface="Consolas" panose="020B0609020204030204" pitchFamily="49" charset="0"/>
+              </a:rPr>
+              <a:t>'</a:t>
+            </a:r>
+            <a:r>
+              <a:rPr lang="en-US" sz="2400" b="0" dirty="0" err="1">
+                <a:solidFill>
+                  <a:srgbClr val="CE9178"/>
+                </a:solidFill>
+                <a:effectLst/>
+                <a:latin typeface="Consolas" panose="020B0609020204030204" pitchFamily="49" charset="0"/>
+              </a:rPr>
+              <a:t>my_param</a:t>
+            </a:r>
+            <a:r>
+              <a:rPr lang="en-US" sz="2400" b="0" dirty="0">
+                <a:solidFill>
+                  <a:srgbClr val="CE9178"/>
+                </a:solidFill>
+                <a:effectLst/>
+                <a:latin typeface="Consolas" panose="020B0609020204030204" pitchFamily="49" charset="0"/>
+              </a:rPr>
+              <a:t>'</a:t>
+            </a:r>
+            <a:r>
+              <a:rPr lang="en-US" sz="2400" b="0" dirty="0">
+                <a:solidFill>
+                  <a:srgbClr val="D4D4D4"/>
+                </a:solidFill>
+                <a:effectLst/>
+                <a:latin typeface="Consolas" panose="020B0609020204030204" pitchFamily="49" charset="0"/>
+              </a:rPr>
+              <a:t>])</a:t>
+            </a:r>
+          </a:p>
+          <a:p>
+            <a:pPr marL="0" indent="0">
+              <a:buNone/>
+            </a:pPr>
+            <a:r>
+              <a:rPr lang="en-US" sz="2400" b="0" dirty="0">
+                <a:solidFill>
+                  <a:srgbClr val="D4D4D4"/>
+                </a:solidFill>
+                <a:effectLst/>
+                <a:latin typeface="Consolas" panose="020B0609020204030204" pitchFamily="49" charset="0"/>
+              </a:rPr>
+              <a:t>   </a:t>
+            </a:r>
+            <a:r>
+              <a:rPr lang="en-US" sz="2400" b="0" dirty="0">
+                <a:solidFill>
+                  <a:srgbClr val="C586C0"/>
+                </a:solidFill>
+                <a:effectLst/>
+                <a:latin typeface="Consolas" panose="020B0609020204030204" pitchFamily="49" charset="0"/>
+              </a:rPr>
+              <a:t>else</a:t>
+            </a:r>
+            <a:r>
+              <a:rPr lang="en-US" sz="2400" b="0" dirty="0">
+                <a:solidFill>
+                  <a:srgbClr val="D4D4D4"/>
+                </a:solidFill>
+                <a:effectLst/>
+                <a:latin typeface="Consolas" panose="020B0609020204030204" pitchFamily="49" charset="0"/>
+              </a:rPr>
+              <a:t>:</a:t>
+            </a:r>
+          </a:p>
+          <a:p>
+            <a:pPr marL="0" indent="0">
+              <a:buNone/>
+            </a:pPr>
+            <a:r>
+              <a:rPr lang="en-US" sz="2400" b="0" dirty="0">
+                <a:solidFill>
+                  <a:srgbClr val="D4D4D4"/>
+                </a:solidFill>
+                <a:effectLst/>
+                <a:latin typeface="Consolas" panose="020B0609020204030204" pitchFamily="49" charset="0"/>
+              </a:rPr>
+              <a:t>       </a:t>
+            </a:r>
+            <a:r>
+              <a:rPr lang="en-US" sz="2400" b="0" dirty="0" err="1">
+                <a:solidFill>
+                  <a:srgbClr val="D4D4D4"/>
+                </a:solidFill>
+                <a:effectLst/>
+                <a:latin typeface="Consolas" panose="020B0609020204030204" pitchFamily="49" charset="0"/>
+              </a:rPr>
+              <a:t>my_third_step</a:t>
+            </a:r>
+            <a:r>
+              <a:rPr lang="en-US" sz="2400" b="0" dirty="0">
+                <a:solidFill>
+                  <a:srgbClr val="D4D4D4"/>
+                </a:solidFill>
+                <a:effectLst/>
+                <a:latin typeface="Consolas" panose="020B0609020204030204" pitchFamily="49" charset="0"/>
+              </a:rPr>
+              <a:t>(</a:t>
+            </a:r>
+            <a:r>
+              <a:rPr lang="en-US" sz="2400" b="0" dirty="0">
+                <a:solidFill>
+                  <a:srgbClr val="CE9178"/>
+                </a:solidFill>
+                <a:effectLst/>
+                <a:latin typeface="Consolas" panose="020B0609020204030204" pitchFamily="49" charset="0"/>
+              </a:rPr>
+              <a:t>"some value"</a:t>
+            </a:r>
+            <a:r>
+              <a:rPr lang="en-US" sz="2400" b="0" dirty="0">
+                <a:solidFill>
+                  <a:srgbClr val="D4D4D4"/>
+                </a:solidFill>
+                <a:effectLst/>
+                <a:latin typeface="Consolas" panose="020B0609020204030204" pitchFamily="49" charset="0"/>
+              </a:rPr>
+              <a:t>)</a:t>
+            </a:r>
           </a:p>
           <a:p>
             <a:pPr marL="0" indent="0">
@@ -9876,7 +10495,7 @@
     </p:spTree>
     <p:extLst>
       <p:ext uri="{BB962C8B-B14F-4D97-AF65-F5344CB8AC3E}">
-        <p14:creationId xmlns:p14="http://schemas.microsoft.com/office/powerpoint/2010/main" val="1834910445"/>
+        <p14:creationId xmlns:p14="http://schemas.microsoft.com/office/powerpoint/2010/main" val="3189463451"/>
       </p:ext>
     </p:extLst>
   </p:cSld>
@@ -9919,12 +10538,7 @@
             <p:ph type="title"/>
           </p:nvPr>
         </p:nvSpPr>
-        <p:spPr>
-          <a:xfrm>
-            <a:off x="838200" y="365125"/>
-            <a:ext cx="3058339" cy="3467084"/>
-          </a:xfrm>
-        </p:spPr>
+        <p:spPr/>
         <p:txBody>
           <a:bodyPr/>
           <a:lstStyle/>
@@ -9959,8 +10573,8 @@
         </p:nvSpPr>
         <p:spPr>
           <a:xfrm>
-            <a:off x="3896539" y="101090"/>
-            <a:ext cx="8202029" cy="6529460"/>
+            <a:off x="838200" y="1869989"/>
+            <a:ext cx="10515600" cy="3979414"/>
           </a:xfrm>
           <a:solidFill>
             <a:schemeClr val="tx1">
@@ -9986,7 +10600,75 @@
                 <a:effectLst/>
                 <a:latin typeface="Consolas" panose="020B0609020204030204" pitchFamily="49" charset="0"/>
               </a:rPr>
-              <a:t># overall anatomy of a script using VNC</a:t>
+              <a:t># IMPORTANT: </a:t>
+            </a:r>
+          </a:p>
+          <a:p>
+            <a:pPr marL="0" indent="0">
+              <a:buNone/>
+            </a:pPr>
+            <a:r>
+              <a:rPr lang="en-US" sz="2400" dirty="0">
+                <a:solidFill>
+                  <a:srgbClr val="6A9955"/>
+                </a:solidFill>
+                <a:latin typeface="Consolas" panose="020B0609020204030204" pitchFamily="49" charset="0"/>
+              </a:rPr>
+              <a:t># M</a:t>
+            </a:r>
+            <a:r>
+              <a:rPr lang="en-US" sz="2400" b="0" dirty="0">
+                <a:solidFill>
+                  <a:srgbClr val="6A9955"/>
+                </a:solidFill>
+                <a:effectLst/>
+                <a:latin typeface="Consolas" panose="020B0609020204030204" pitchFamily="49" charset="0"/>
+              </a:rPr>
+              <a:t>ake sure you capture screenshots with</a:t>
+            </a:r>
+          </a:p>
+          <a:p>
+            <a:pPr marL="0" indent="0">
+              <a:buNone/>
+            </a:pPr>
+            <a:r>
+              <a:rPr lang="en-US" sz="2400" dirty="0">
+                <a:solidFill>
+                  <a:srgbClr val="6A9955"/>
+                </a:solidFill>
+                <a:latin typeface="Consolas" panose="020B0609020204030204" pitchFamily="49" charset="0"/>
+              </a:rPr>
+              <a:t>#</a:t>
+            </a:r>
+            <a:r>
+              <a:rPr lang="en-US" sz="2400" b="0" dirty="0">
+                <a:solidFill>
+                  <a:srgbClr val="6A9955"/>
+                </a:solidFill>
+                <a:effectLst/>
+                <a:latin typeface="Consolas" panose="020B0609020204030204" pitchFamily="49" charset="0"/>
+              </a:rPr>
+              <a:t>   </a:t>
+            </a:r>
+            <a:r>
+              <a:rPr lang="en-US" sz="2400" b="1" dirty="0" err="1">
+                <a:solidFill>
+                  <a:srgbClr val="6A9955"/>
+                </a:solidFill>
+                <a:effectLst/>
+                <a:latin typeface="Consolas" panose="020B0609020204030204" pitchFamily="49" charset="0"/>
+              </a:rPr>
+              <a:t>TigerVNC</a:t>
+            </a:r>
+            <a:r>
+              <a:rPr lang="en-US" sz="2400" b="0" dirty="0">
+                <a:solidFill>
+                  <a:srgbClr val="6A9955"/>
+                </a:solidFill>
+                <a:effectLst/>
+                <a:latin typeface="Consolas" panose="020B0609020204030204" pitchFamily="49" charset="0"/>
+              </a:rPr>
+              <a:t> client (https://tigervnc.org), </a:t>
             </a:r>
             <a:endParaRPr lang="en-US" sz="2400" b="0" dirty="0">
               <a:solidFill>
@@ -10003,62 +10685,12 @@
             <a:r>
               <a:rPr lang="en-US" sz="2400" b="0" dirty="0">
                 <a:solidFill>
-                  <a:srgbClr val="C586C0"/>
-                </a:solidFill>
-                <a:effectLst/>
-                <a:latin typeface="Consolas" panose="020B0609020204030204" pitchFamily="49" charset="0"/>
-              </a:rPr>
-              <a:t>if</a:t>
-            </a:r>
-            <a:r>
-              <a:rPr lang="en-US" sz="2400" b="0" dirty="0">
-                <a:solidFill>
-                  <a:srgbClr val="D4D4D4"/>
-                </a:solidFill>
-                <a:effectLst/>
-                <a:latin typeface="Consolas" panose="020B0609020204030204" pitchFamily="49" charset="0"/>
-              </a:rPr>
-              <a:t> </a:t>
-            </a:r>
-            <a:r>
-              <a:rPr lang="en-US" sz="2400" b="0" dirty="0">
-                <a:solidFill>
-                  <a:srgbClr val="9CDCFE"/>
-                </a:solidFill>
-                <a:effectLst/>
-                <a:latin typeface="Consolas" panose="020B0609020204030204" pitchFamily="49" charset="0"/>
-              </a:rPr>
-              <a:t>__name__</a:t>
-            </a:r>
-            <a:r>
-              <a:rPr lang="en-US" sz="2400" b="0" dirty="0">
-                <a:solidFill>
-                  <a:srgbClr val="D4D4D4"/>
-                </a:solidFill>
-                <a:effectLst/>
-                <a:latin typeface="Consolas" panose="020B0609020204030204" pitchFamily="49" charset="0"/>
-              </a:rPr>
-              <a:t> == </a:t>
-            </a:r>
-            <a:r>
-              <a:rPr lang="en-US" sz="2400" b="0" dirty="0">
-                <a:solidFill>
-                  <a:srgbClr val="CE9178"/>
-                </a:solidFill>
-                <a:effectLst/>
-                <a:latin typeface="Consolas" panose="020B0609020204030204" pitchFamily="49" charset="0"/>
-              </a:rPr>
-              <a:t>'__main__'</a:t>
-            </a:r>
-            <a:r>
-              <a:rPr lang="en-US" sz="2400" b="0" dirty="0">
-                <a:solidFill>
-                  <a:srgbClr val="D4D4D4"/>
-                </a:solidFill>
-                <a:effectLst/>
-                <a:latin typeface="Consolas" panose="020B0609020204030204" pitchFamily="49" charset="0"/>
-              </a:rPr>
-              <a:t>:</a:t>
+                  <a:srgbClr val="6A9955"/>
+                </a:solidFill>
+                <a:effectLst/>
+                <a:latin typeface="Consolas" panose="020B0609020204030204" pitchFamily="49" charset="0"/>
+              </a:rPr>
+              <a:t>#   to get the best image matching probability, as this is </a:t>
             </a:r>
           </a:p>
           <a:p>
@@ -10068,141 +10700,32 @@
             <a:r>
               <a:rPr lang="en-US" sz="2400" b="0" dirty="0">
                 <a:solidFill>
-                  <a:srgbClr val="D4D4D4"/>
-                </a:solidFill>
-                <a:effectLst/>
-                <a:latin typeface="Consolas" panose="020B0609020204030204" pitchFamily="49" charset="0"/>
-              </a:rPr>
-              <a:t>    </a:t>
-            </a:r>
-            <a:r>
-              <a:rPr lang="en-US" sz="2400" b="1" dirty="0">
-                <a:solidFill>
-                  <a:srgbClr val="9CDCFE"/>
-                </a:solidFill>
-                <a:effectLst/>
-                <a:latin typeface="Consolas" panose="020B0609020204030204" pitchFamily="49" charset="0"/>
-              </a:rPr>
-              <a:t>vs</a:t>
+                  <a:srgbClr val="6A9955"/>
+                </a:solidFill>
+                <a:effectLst/>
+                <a:latin typeface="Consolas" panose="020B0609020204030204" pitchFamily="49" charset="0"/>
+              </a:rPr>
+              <a:t>#   the exact same VNC client embedded into </a:t>
+            </a:r>
+            <a:r>
+              <a:rPr lang="en-US" sz="2400" b="0" dirty="0" err="1">
+                <a:solidFill>
+                  <a:srgbClr val="6A9955"/>
+                </a:solidFill>
+                <a:effectLst/>
+                <a:latin typeface="Consolas" panose="020B0609020204030204" pitchFamily="49" charset="0"/>
+              </a:rPr>
+              <a:t>SikuliX</a:t>
             </a:r>
             <a:r>
               <a:rPr lang="en-US" sz="2400" b="0" dirty="0">
                 <a:solidFill>
-                  <a:srgbClr val="D4D4D4"/>
-                </a:solidFill>
-                <a:effectLst/>
-                <a:latin typeface="Consolas" panose="020B0609020204030204" pitchFamily="49" charset="0"/>
-              </a:rPr>
-              <a:t>=</a:t>
-            </a:r>
-            <a:r>
-              <a:rPr lang="en-US" sz="2400" b="1" dirty="0" err="1">
-                <a:solidFill>
-                  <a:srgbClr val="D4D4D4"/>
-                </a:solidFill>
-                <a:effectLst/>
-                <a:latin typeface="Consolas" panose="020B0609020204030204" pitchFamily="49" charset="0"/>
-              </a:rPr>
-              <a:t>dt_vnc_connect</a:t>
-            </a:r>
-            <a:r>
-              <a:rPr lang="en-US" sz="2400" b="1" dirty="0">
-                <a:solidFill>
-                  <a:srgbClr val="D4D4D4"/>
-                </a:solidFill>
-                <a:effectLst/>
-                <a:latin typeface="Consolas" panose="020B0609020204030204" pitchFamily="49" charset="0"/>
-              </a:rPr>
-              <a:t>(</a:t>
-            </a:r>
-            <a:r>
-              <a:rPr lang="en-US" sz="2400" b="1" dirty="0">
-                <a:solidFill>
-                  <a:srgbClr val="CE9178"/>
-                </a:solidFill>
-                <a:effectLst/>
-                <a:latin typeface="Consolas" panose="020B0609020204030204" pitchFamily="49" charset="0"/>
-              </a:rPr>
-              <a:t>"&lt;host&gt;"</a:t>
-            </a:r>
-            <a:r>
-              <a:rPr lang="en-US" sz="2400" b="1" dirty="0">
-                <a:solidFill>
-                  <a:srgbClr val="D4D4D4"/>
-                </a:solidFill>
-                <a:effectLst/>
-                <a:latin typeface="Consolas" panose="020B0609020204030204" pitchFamily="49" charset="0"/>
-              </a:rPr>
-              <a:t>,</a:t>
-            </a:r>
-            <a:r>
-              <a:rPr lang="en-US" sz="2400" b="1" dirty="0">
-                <a:solidFill>
-                  <a:srgbClr val="B5CEA8"/>
-                </a:solidFill>
-                <a:latin typeface="Consolas" panose="020B0609020204030204" pitchFamily="49" charset="0"/>
-              </a:rPr>
-              <a:t>&lt;port</a:t>
-            </a:r>
-            <a:r>
-              <a:rPr lang="en-US" sz="2400" b="1" dirty="0">
-                <a:solidFill>
-                  <a:srgbClr val="B5CEA8"/>
-                </a:solidFill>
-                <a:effectLst/>
-                <a:latin typeface="Consolas" panose="020B0609020204030204" pitchFamily="49" charset="0"/>
-              </a:rPr>
-              <a:t>&gt;</a:t>
-            </a:r>
-            <a:r>
-              <a:rPr lang="en-US" sz="2400" b="1" dirty="0">
-                <a:solidFill>
-                  <a:srgbClr val="D4D4D4"/>
-                </a:solidFill>
-                <a:effectLst/>
-                <a:latin typeface="Consolas" panose="020B0609020204030204" pitchFamily="49" charset="0"/>
-              </a:rPr>
-              <a:t>, </a:t>
-            </a:r>
-            <a:r>
-              <a:rPr lang="en-US" sz="2400" b="1" dirty="0">
-                <a:solidFill>
-                  <a:srgbClr val="CE9178"/>
-                </a:solidFill>
-                <a:effectLst/>
-                <a:latin typeface="Consolas" panose="020B0609020204030204" pitchFamily="49" charset="0"/>
-              </a:rPr>
-              <a:t>"&lt;</a:t>
-            </a:r>
-            <a:r>
-              <a:rPr lang="en-US" sz="2400" b="1" dirty="0" err="1">
-                <a:solidFill>
-                  <a:srgbClr val="CE9178"/>
-                </a:solidFill>
-                <a:effectLst/>
-                <a:latin typeface="Consolas" panose="020B0609020204030204" pitchFamily="49" charset="0"/>
-              </a:rPr>
-              <a:t>pwd</a:t>
-            </a:r>
-            <a:r>
-              <a:rPr lang="en-US" sz="2400" b="1" dirty="0">
-                <a:solidFill>
-                  <a:srgbClr val="CE9178"/>
-                </a:solidFill>
-                <a:effectLst/>
-                <a:latin typeface="Consolas" panose="020B0609020204030204" pitchFamily="49" charset="0"/>
-              </a:rPr>
-              <a:t>&gt;"</a:t>
-            </a:r>
-            <a:r>
-              <a:rPr lang="en-US" sz="2400" b="1" dirty="0">
-                <a:solidFill>
-                  <a:srgbClr val="D4D4D4"/>
-                </a:solidFill>
-                <a:effectLst/>
-                <a:latin typeface="Consolas" panose="020B0609020204030204" pitchFamily="49" charset="0"/>
-              </a:rPr>
-              <a:t>) </a:t>
+                  <a:srgbClr val="6A9955"/>
+                </a:solidFill>
+                <a:effectLst/>
+                <a:latin typeface="Consolas" panose="020B0609020204030204" pitchFamily="49" charset="0"/>
+              </a:rPr>
+              <a:t>.</a:t>
             </a:r>
           </a:p>
           <a:p>
@@ -10210,24 +10733,59 @@
               <a:buNone/>
             </a:pPr>
             <a:r>
-              <a:rPr lang="en-US" sz="2400" b="0" dirty="0">
-                <a:solidFill>
-                  <a:srgbClr val="D4D4D4"/>
-                </a:solidFill>
-                <a:effectLst/>
-                <a:latin typeface="Consolas" panose="020B0609020204030204" pitchFamily="49" charset="0"/>
-              </a:rPr>
-              <a:t>    </a:t>
-            </a:r>
-            <a:r>
-              <a:rPr lang="en-US" sz="2400" b="0" dirty="0">
+              <a:rPr lang="en-US" sz="2400" dirty="0">
                 <a:solidFill>
                   <a:srgbClr val="6A9955"/>
                 </a:solidFill>
-                <a:effectLst/>
-                <a:latin typeface="Consolas" panose="020B0609020204030204" pitchFamily="49" charset="0"/>
-              </a:rPr>
-              <a:t># make it the default screen </a:t>
+                <a:latin typeface="Consolas" panose="020B0609020204030204" pitchFamily="49" charset="0"/>
+              </a:rPr>
+              <a:t># Make sure you use </a:t>
+            </a:r>
+            <a:r>
+              <a:rPr lang="en-US" sz="2400" b="1" dirty="0">
+                <a:solidFill>
+                  <a:srgbClr val="6A9955"/>
+                </a:solidFill>
+                <a:latin typeface="Consolas" panose="020B0609020204030204" pitchFamily="49" charset="0"/>
+              </a:rPr>
+              <a:t>24 bits depth </a:t>
+            </a:r>
+            <a:r>
+              <a:rPr lang="en-US" sz="2400" dirty="0">
+                <a:solidFill>
+                  <a:srgbClr val="6A9955"/>
+                </a:solidFill>
+                <a:latin typeface="Consolas" panose="020B0609020204030204" pitchFamily="49" charset="0"/>
+              </a:rPr>
+              <a:t>when starting your</a:t>
+            </a:r>
+          </a:p>
+          <a:p>
+            <a:pPr marL="0" indent="0">
+              <a:buNone/>
+            </a:pPr>
+            <a:r>
+              <a:rPr lang="en-US" sz="2400" dirty="0">
+                <a:solidFill>
+                  <a:srgbClr val="6A9955"/>
+                </a:solidFill>
+                <a:latin typeface="Consolas" panose="020B0609020204030204" pitchFamily="49" charset="0"/>
+              </a:rPr>
+              <a:t>#   VNC server on Linux or you may get Class cast errors</a:t>
+            </a:r>
+          </a:p>
+          <a:p>
+            <a:pPr marL="0" indent="0">
+              <a:buNone/>
+            </a:pPr>
+            <a:r>
+              <a:rPr lang="en-US" sz="2400" dirty="0">
+                <a:solidFill>
+                  <a:srgbClr val="6A9955"/>
+                </a:solidFill>
+                <a:latin typeface="Consolas" panose="020B0609020204030204" pitchFamily="49" charset="0"/>
+              </a:rPr>
+              <a:t>#   in your scripts when dealing with images.</a:t>
             </a:r>
             <a:endParaRPr lang="en-US" sz="2400" b="0" dirty="0">
               <a:solidFill>
@@ -10236,364 +10794,6 @@
               <a:effectLst/>
               <a:latin typeface="Consolas" panose="020B0609020204030204" pitchFamily="49" charset="0"/>
             </a:endParaRPr>
-          </a:p>
-          <a:p>
-            <a:pPr marL="0" indent="0">
-              <a:buNone/>
-            </a:pPr>
-            <a:r>
-              <a:rPr lang="en-US" sz="2400" b="0" dirty="0">
-                <a:solidFill>
-                  <a:srgbClr val="D4D4D4"/>
-                </a:solidFill>
-                <a:effectLst/>
-                <a:latin typeface="Consolas" panose="020B0609020204030204" pitchFamily="49" charset="0"/>
-              </a:rPr>
-              <a:t>    </a:t>
-            </a:r>
-            <a:r>
-              <a:rPr lang="en-US" sz="2400" b="1" dirty="0">
-                <a:solidFill>
-                  <a:srgbClr val="D4D4D4"/>
-                </a:solidFill>
-                <a:effectLst/>
-                <a:latin typeface="Consolas" panose="020B0609020204030204" pitchFamily="49" charset="0"/>
-              </a:rPr>
-              <a:t>use(</a:t>
-            </a:r>
-            <a:r>
-              <a:rPr lang="en-US" sz="2400" b="1" dirty="0">
-                <a:solidFill>
-                  <a:srgbClr val="9CDCFE"/>
-                </a:solidFill>
-                <a:effectLst/>
-                <a:latin typeface="Consolas" panose="020B0609020204030204" pitchFamily="49" charset="0"/>
-              </a:rPr>
-              <a:t>vs</a:t>
-            </a:r>
-            <a:r>
-              <a:rPr lang="en-US" sz="2400" b="1" dirty="0">
-                <a:solidFill>
-                  <a:srgbClr val="D4D4D4"/>
-                </a:solidFill>
-                <a:effectLst/>
-                <a:latin typeface="Consolas" panose="020B0609020204030204" pitchFamily="49" charset="0"/>
-              </a:rPr>
-              <a:t>) </a:t>
-            </a:r>
-          </a:p>
-          <a:p>
-            <a:pPr marL="0" indent="0">
-              <a:buNone/>
-            </a:pPr>
-            <a:r>
-              <a:rPr lang="en-US" sz="2400" b="0" dirty="0">
-                <a:solidFill>
-                  <a:srgbClr val="D4D4D4"/>
-                </a:solidFill>
-                <a:effectLst/>
-                <a:latin typeface="Consolas" panose="020B0609020204030204" pitchFamily="49" charset="0"/>
-              </a:rPr>
-              <a:t>    </a:t>
-            </a:r>
-            <a:r>
-              <a:rPr lang="en-US" sz="2400" b="0" dirty="0" err="1">
-                <a:solidFill>
-                  <a:srgbClr val="DCDCAA"/>
-                </a:solidFill>
-                <a:effectLst/>
-                <a:latin typeface="Consolas" panose="020B0609020204030204" pitchFamily="49" charset="0"/>
-              </a:rPr>
-              <a:t>open_session</a:t>
-            </a:r>
-            <a:r>
-              <a:rPr lang="en-US" sz="2400" b="0" dirty="0">
-                <a:solidFill>
-                  <a:srgbClr val="D4D4D4"/>
-                </a:solidFill>
-                <a:effectLst/>
-                <a:latin typeface="Consolas" panose="020B0609020204030204" pitchFamily="49" charset="0"/>
-              </a:rPr>
-              <a:t>()</a:t>
-            </a:r>
-          </a:p>
-          <a:p>
-            <a:pPr marL="0" indent="0">
-              <a:buNone/>
-            </a:pPr>
-            <a:r>
-              <a:rPr lang="en-US" sz="2400" b="0" dirty="0">
-                <a:solidFill>
-                  <a:srgbClr val="D4D4D4"/>
-                </a:solidFill>
-                <a:effectLst/>
-                <a:latin typeface="Consolas" panose="020B0609020204030204" pitchFamily="49" charset="0"/>
-              </a:rPr>
-              <a:t>    </a:t>
-            </a:r>
-            <a:r>
-              <a:rPr lang="en-US" sz="2400" b="0" dirty="0">
-                <a:solidFill>
-                  <a:srgbClr val="C586C0"/>
-                </a:solidFill>
-                <a:effectLst/>
-                <a:latin typeface="Consolas" panose="020B0609020204030204" pitchFamily="49" charset="0"/>
-              </a:rPr>
-              <a:t>try</a:t>
-            </a:r>
-            <a:r>
-              <a:rPr lang="en-US" sz="2400" b="0" dirty="0">
-                <a:solidFill>
-                  <a:srgbClr val="D4D4D4"/>
-                </a:solidFill>
-                <a:effectLst/>
-                <a:latin typeface="Consolas" panose="020B0609020204030204" pitchFamily="49" charset="0"/>
-              </a:rPr>
-              <a:t>:        </a:t>
-            </a:r>
-          </a:p>
-          <a:p>
-            <a:pPr marL="0" indent="0">
-              <a:buNone/>
-            </a:pPr>
-            <a:r>
-              <a:rPr lang="en-US" sz="2400" dirty="0">
-                <a:solidFill>
-                  <a:srgbClr val="D4D4D4"/>
-                </a:solidFill>
-                <a:latin typeface="Consolas" panose="020B0609020204030204" pitchFamily="49" charset="0"/>
-              </a:rPr>
-              <a:t>       </a:t>
-            </a:r>
-            <a:r>
-              <a:rPr lang="en-US" sz="2400" b="0" dirty="0">
-                <a:solidFill>
-                  <a:srgbClr val="6A9955"/>
-                </a:solidFill>
-                <a:effectLst/>
-                <a:latin typeface="Consolas" panose="020B0609020204030204" pitchFamily="49" charset="0"/>
-              </a:rPr>
-              <a:t># your scenario steps</a:t>
-            </a:r>
-            <a:endParaRPr lang="en-US" sz="2400" b="0" dirty="0">
-              <a:solidFill>
-                <a:srgbClr val="D4D4D4"/>
-              </a:solidFill>
-              <a:effectLst/>
-              <a:latin typeface="Consolas" panose="020B0609020204030204" pitchFamily="49" charset="0"/>
-            </a:endParaRPr>
-          </a:p>
-          <a:p>
-            <a:pPr marL="0" indent="0">
-              <a:buNone/>
-            </a:pPr>
-            <a:r>
-              <a:rPr lang="en-US" sz="2400" b="0" dirty="0">
-                <a:solidFill>
-                  <a:srgbClr val="D4D4D4"/>
-                </a:solidFill>
-                <a:effectLst/>
-                <a:latin typeface="Consolas" panose="020B0609020204030204" pitchFamily="49" charset="0"/>
-              </a:rPr>
-              <a:t>       </a:t>
-            </a:r>
-            <a:r>
-              <a:rPr lang="en-US" sz="2400" b="0" dirty="0" err="1">
-                <a:solidFill>
-                  <a:srgbClr val="D4D4D4"/>
-                </a:solidFill>
-                <a:effectLst/>
-                <a:latin typeface="Consolas" panose="020B0609020204030204" pitchFamily="49" charset="0"/>
-              </a:rPr>
-              <a:t>my_nth_step</a:t>
-            </a:r>
-            <a:r>
-              <a:rPr lang="en-US" sz="2400" b="0" dirty="0">
-                <a:solidFill>
-                  <a:srgbClr val="D4D4D4"/>
-                </a:solidFill>
-                <a:effectLst/>
-                <a:latin typeface="Consolas" panose="020B0609020204030204" pitchFamily="49" charset="0"/>
-              </a:rPr>
-              <a:t>(</a:t>
-            </a:r>
-            <a:r>
-              <a:rPr lang="en-US" sz="2400" b="0" dirty="0">
-                <a:solidFill>
-                  <a:srgbClr val="CE9178"/>
-                </a:solidFill>
-                <a:effectLst/>
-                <a:latin typeface="Consolas" panose="020B0609020204030204" pitchFamily="49" charset="0"/>
-              </a:rPr>
-              <a:t>"some value"</a:t>
-            </a:r>
-            <a:r>
-              <a:rPr lang="en-US" sz="2400" b="0" dirty="0">
-                <a:solidFill>
-                  <a:srgbClr val="D4D4D4"/>
-                </a:solidFill>
-                <a:effectLst/>
-                <a:latin typeface="Consolas" panose="020B0609020204030204" pitchFamily="49" charset="0"/>
-              </a:rPr>
-              <a:t>)</a:t>
-            </a:r>
-          </a:p>
-          <a:p>
-            <a:pPr marL="0" indent="0">
-              <a:buNone/>
-            </a:pPr>
-            <a:r>
-              <a:rPr lang="en-US" sz="2400" b="0" dirty="0">
-                <a:solidFill>
-                  <a:srgbClr val="D4D4D4"/>
-                </a:solidFill>
-                <a:effectLst/>
-                <a:latin typeface="Consolas" panose="020B0609020204030204" pitchFamily="49" charset="0"/>
-              </a:rPr>
-              <a:t>    </a:t>
-            </a:r>
-            <a:r>
-              <a:rPr lang="en-US" sz="2400" b="0" dirty="0">
-                <a:solidFill>
-                  <a:srgbClr val="C586C0"/>
-                </a:solidFill>
-                <a:effectLst/>
-                <a:latin typeface="Consolas" panose="020B0609020204030204" pitchFamily="49" charset="0"/>
-              </a:rPr>
-              <a:t>finally</a:t>
-            </a:r>
-            <a:r>
-              <a:rPr lang="en-US" sz="2400" b="0" dirty="0">
-                <a:solidFill>
-                  <a:srgbClr val="D4D4D4"/>
-                </a:solidFill>
-                <a:effectLst/>
-                <a:latin typeface="Consolas" panose="020B0609020204030204" pitchFamily="49" charset="0"/>
-              </a:rPr>
-              <a:t>:</a:t>
-            </a:r>
-          </a:p>
-          <a:p>
-            <a:pPr marL="0" indent="0">
-              <a:buNone/>
-            </a:pPr>
-            <a:r>
-              <a:rPr lang="en-US" sz="2400" dirty="0">
-                <a:solidFill>
-                  <a:srgbClr val="D4D4D4"/>
-                </a:solidFill>
-                <a:latin typeface="Consolas" panose="020B0609020204030204" pitchFamily="49" charset="0"/>
-              </a:rPr>
-              <a:t>       </a:t>
-            </a:r>
-            <a:r>
-              <a:rPr lang="en-US" sz="2400" dirty="0" err="1">
-                <a:solidFill>
-                  <a:srgbClr val="D4D4D4"/>
-                </a:solidFill>
-                <a:latin typeface="Consolas" panose="020B0609020204030204" pitchFamily="49" charset="0"/>
-              </a:rPr>
-              <a:t>close_session</a:t>
-            </a:r>
-            <a:r>
-              <a:rPr lang="en-US" sz="2400" dirty="0">
-                <a:solidFill>
-                  <a:srgbClr val="D4D4D4"/>
-                </a:solidFill>
-                <a:latin typeface="Consolas" panose="020B0609020204030204" pitchFamily="49" charset="0"/>
-              </a:rPr>
-              <a:t>()</a:t>
-            </a:r>
-          </a:p>
-          <a:p>
-            <a:pPr marL="0" indent="0">
-              <a:buNone/>
-            </a:pPr>
-            <a:r>
-              <a:rPr lang="en-US" sz="2400" dirty="0">
-                <a:solidFill>
-                  <a:srgbClr val="D4D4D4"/>
-                </a:solidFill>
-                <a:effectLst/>
-                <a:latin typeface="Consolas" panose="020B0609020204030204" pitchFamily="49" charset="0"/>
-              </a:rPr>
-              <a:t>       </a:t>
-            </a:r>
-            <a:r>
-              <a:rPr lang="en-US" sz="2400" b="1" dirty="0" err="1">
-                <a:solidFill>
-                  <a:srgbClr val="DCDCAA"/>
-                </a:solidFill>
-                <a:latin typeface="Consolas" panose="020B0609020204030204" pitchFamily="49" charset="0"/>
-              </a:rPr>
-              <a:t>dt_vnc_dis</a:t>
-            </a:r>
-            <a:r>
-              <a:rPr lang="en-US" sz="2400" b="1" dirty="0" err="1">
-                <a:solidFill>
-                  <a:srgbClr val="DCDCAA"/>
-                </a:solidFill>
-                <a:effectLst/>
-                <a:latin typeface="Consolas" panose="020B0609020204030204" pitchFamily="49" charset="0"/>
-              </a:rPr>
-              <a:t>connect</a:t>
-            </a:r>
-            <a:r>
-              <a:rPr lang="en-US" sz="2400" b="1" dirty="0">
-                <a:solidFill>
-                  <a:srgbClr val="D4D4D4"/>
-                </a:solidFill>
-                <a:effectLst/>
-                <a:latin typeface="Consolas" panose="020B0609020204030204" pitchFamily="49" charset="0"/>
-              </a:rPr>
-              <a:t>()</a:t>
-            </a:r>
-          </a:p>
-          <a:p>
-            <a:pPr marL="0" indent="0">
-              <a:buNone/>
-            </a:pPr>
-            <a:r>
-              <a:rPr lang="en-US" sz="2400" b="0" dirty="0">
-                <a:solidFill>
-                  <a:srgbClr val="D4D4D4"/>
-                </a:solidFill>
-                <a:effectLst/>
-                <a:latin typeface="Consolas" panose="020B0609020204030204" pitchFamily="49" charset="0"/>
-              </a:rPr>
-              <a:t>       </a:t>
-            </a:r>
-            <a:r>
-              <a:rPr lang="en-US" sz="2400" b="0" dirty="0">
-                <a:solidFill>
-                  <a:srgbClr val="6A9955"/>
-                </a:solidFill>
-                <a:effectLst/>
-                <a:latin typeface="Consolas" panose="020B0609020204030204" pitchFamily="49" charset="0"/>
-              </a:rPr>
-              <a:t># revert to the default local screen</a:t>
-            </a:r>
-            <a:endParaRPr lang="en-US" sz="2400" dirty="0">
-              <a:solidFill>
-                <a:srgbClr val="D4D4D4"/>
-              </a:solidFill>
-              <a:latin typeface="Consolas" panose="020B0609020204030204" pitchFamily="49" charset="0"/>
-            </a:endParaRPr>
-          </a:p>
-          <a:p>
-            <a:pPr marL="0" indent="0">
-              <a:buNone/>
-            </a:pPr>
-            <a:r>
-              <a:rPr lang="en-US" sz="2400" b="1" dirty="0">
-                <a:solidFill>
-                  <a:srgbClr val="D4D4D4"/>
-                </a:solidFill>
-                <a:effectLst/>
-                <a:latin typeface="Consolas" panose="020B0609020204030204" pitchFamily="49" charset="0"/>
-              </a:rPr>
-              <a:t>       use() </a:t>
-            </a:r>
           </a:p>
           <a:p>
             <a:pPr marL="0" indent="0">
@@ -10612,7 +10812,7 @@
     </p:spTree>
     <p:extLst>
       <p:ext uri="{BB962C8B-B14F-4D97-AF65-F5344CB8AC3E}">
-        <p14:creationId xmlns:p14="http://schemas.microsoft.com/office/powerpoint/2010/main" val="1589421791"/>
+        <p14:creationId xmlns:p14="http://schemas.microsoft.com/office/powerpoint/2010/main" val="1834910445"/>
       </p:ext>
     </p:extLst>
   </p:cSld>
@@ -10655,6 +10855,742 @@
             <p:ph type="title"/>
           </p:nvPr>
         </p:nvSpPr>
+        <p:spPr>
+          <a:xfrm>
+            <a:off x="838200" y="365125"/>
+            <a:ext cx="3058339" cy="3467084"/>
+          </a:xfrm>
+        </p:spPr>
+        <p:txBody>
+          <a:bodyPr/>
+          <a:lstStyle/>
+          <a:p>
+            <a:r>
+              <a:rPr lang="fr-FR" dirty="0" err="1"/>
+              <a:t>Using</a:t>
+            </a:r>
+            <a:r>
+              <a:rPr lang="fr-FR" dirty="0"/>
+              <a:t> VNC to capture and replay scripts</a:t>
+            </a:r>
+            <a:endParaRPr lang="en-US" dirty="0"/>
+          </a:p>
+        </p:txBody>
+      </p:sp>
+      <p:sp>
+        <p:nvSpPr>
+          <p:cNvPr id="3" name="Content Placeholder 2">
+            <a:extLst>
+              <a:ext uri="{FF2B5EF4-FFF2-40B4-BE49-F238E27FC236}">
+                <a16:creationId xmlns:a16="http://schemas.microsoft.com/office/drawing/2014/main" id="{82F37104-CD3C-4828-A891-EB5DD78F6848}"/>
+              </a:ext>
+            </a:extLst>
+          </p:cNvPr>
+          <p:cNvSpPr>
+            <a:spLocks noGrp="1"/>
+          </p:cNvSpPr>
+          <p:nvPr>
+            <p:ph idx="1"/>
+          </p:nvPr>
+        </p:nvSpPr>
+        <p:spPr>
+          <a:xfrm>
+            <a:off x="3896539" y="101090"/>
+            <a:ext cx="8202029" cy="6529460"/>
+          </a:xfrm>
+          <a:solidFill>
+            <a:schemeClr val="tx1">
+              <a:lumMod val="75000"/>
+              <a:lumOff val="25000"/>
+            </a:schemeClr>
+          </a:solidFill>
+        </p:spPr>
+        <p:txBody>
+          <a:bodyPr>
+            <a:noAutofit/>
+          </a:bodyPr>
+          <a:lstStyle/>
+          <a:p>
+            <a:pPr marL="0" indent="0">
+              <a:buNone/>
+            </a:pPr>
+            <a:r>
+              <a:rPr lang="en-US" sz="2400" b="0" dirty="0">
+                <a:solidFill>
+                  <a:srgbClr val="6A9955"/>
+                </a:solidFill>
+                <a:effectLst/>
+                <a:latin typeface="Consolas" panose="020B0609020204030204" pitchFamily="49" charset="0"/>
+              </a:rPr>
+              <a:t># overall anatomy of a script using VNC</a:t>
+            </a:r>
+            <a:endParaRPr lang="en-US" sz="2400" b="0" dirty="0">
+              <a:solidFill>
+                <a:srgbClr val="D4D4D4"/>
+              </a:solidFill>
+              <a:effectLst/>
+              <a:latin typeface="Consolas" panose="020B0609020204030204" pitchFamily="49" charset="0"/>
+            </a:endParaRPr>
+          </a:p>
+          <a:p>
+            <a:pPr marL="0" indent="0">
+              <a:buNone/>
+            </a:pPr>
+            <a:r>
+              <a:rPr lang="en-US" sz="2400" b="0" dirty="0">
+                <a:solidFill>
+                  <a:srgbClr val="C586C0"/>
+                </a:solidFill>
+                <a:effectLst/>
+                <a:latin typeface="Consolas" panose="020B0609020204030204" pitchFamily="49" charset="0"/>
+              </a:rPr>
+              <a:t>if</a:t>
+            </a:r>
+            <a:r>
+              <a:rPr lang="en-US" sz="2400" b="0" dirty="0">
+                <a:solidFill>
+                  <a:srgbClr val="D4D4D4"/>
+                </a:solidFill>
+                <a:effectLst/>
+                <a:latin typeface="Consolas" panose="020B0609020204030204" pitchFamily="49" charset="0"/>
+              </a:rPr>
+              <a:t> </a:t>
+            </a:r>
+            <a:r>
+              <a:rPr lang="en-US" sz="2400" b="0" dirty="0">
+                <a:solidFill>
+                  <a:srgbClr val="9CDCFE"/>
+                </a:solidFill>
+                <a:effectLst/>
+                <a:latin typeface="Consolas" panose="020B0609020204030204" pitchFamily="49" charset="0"/>
+              </a:rPr>
+              <a:t>__name__</a:t>
+            </a:r>
+            <a:r>
+              <a:rPr lang="en-US" sz="2400" b="0" dirty="0">
+                <a:solidFill>
+                  <a:srgbClr val="D4D4D4"/>
+                </a:solidFill>
+                <a:effectLst/>
+                <a:latin typeface="Consolas" panose="020B0609020204030204" pitchFamily="49" charset="0"/>
+              </a:rPr>
+              <a:t> == </a:t>
+            </a:r>
+            <a:r>
+              <a:rPr lang="en-US" sz="2400" b="0" dirty="0">
+                <a:solidFill>
+                  <a:srgbClr val="CE9178"/>
+                </a:solidFill>
+                <a:effectLst/>
+                <a:latin typeface="Consolas" panose="020B0609020204030204" pitchFamily="49" charset="0"/>
+              </a:rPr>
+              <a:t>'__main__'</a:t>
+            </a:r>
+            <a:r>
+              <a:rPr lang="en-US" sz="2400" b="0" dirty="0">
+                <a:solidFill>
+                  <a:srgbClr val="D4D4D4"/>
+                </a:solidFill>
+                <a:effectLst/>
+                <a:latin typeface="Consolas" panose="020B0609020204030204" pitchFamily="49" charset="0"/>
+              </a:rPr>
+              <a:t>:</a:t>
+            </a:r>
+          </a:p>
+          <a:p>
+            <a:pPr marL="0" indent="0">
+              <a:buNone/>
+            </a:pPr>
+            <a:r>
+              <a:rPr lang="en-US" sz="2400" b="0" dirty="0">
+                <a:solidFill>
+                  <a:srgbClr val="D4D4D4"/>
+                </a:solidFill>
+                <a:effectLst/>
+                <a:latin typeface="Consolas" panose="020B0609020204030204" pitchFamily="49" charset="0"/>
+              </a:rPr>
+              <a:t>    </a:t>
+            </a:r>
+            <a:r>
+              <a:rPr lang="en-US" sz="2400" b="1" dirty="0">
+                <a:solidFill>
+                  <a:srgbClr val="9CDCFE"/>
+                </a:solidFill>
+                <a:effectLst/>
+                <a:latin typeface="Consolas" panose="020B0609020204030204" pitchFamily="49" charset="0"/>
+              </a:rPr>
+              <a:t>vs</a:t>
+            </a:r>
+            <a:r>
+              <a:rPr lang="en-US" sz="2400" b="0" dirty="0">
+                <a:solidFill>
+                  <a:srgbClr val="D4D4D4"/>
+                </a:solidFill>
+                <a:effectLst/>
+                <a:latin typeface="Consolas" panose="020B0609020204030204" pitchFamily="49" charset="0"/>
+              </a:rPr>
+              <a:t>=</a:t>
+            </a:r>
+            <a:r>
+              <a:rPr lang="en-US" sz="2400" b="1" dirty="0" err="1">
+                <a:solidFill>
+                  <a:srgbClr val="D4D4D4"/>
+                </a:solidFill>
+                <a:effectLst/>
+                <a:latin typeface="Consolas" panose="020B0609020204030204" pitchFamily="49" charset="0"/>
+              </a:rPr>
+              <a:t>dt_vnc_connect</a:t>
+            </a:r>
+            <a:r>
+              <a:rPr lang="en-US" sz="2400" b="1" dirty="0">
+                <a:solidFill>
+                  <a:srgbClr val="D4D4D4"/>
+                </a:solidFill>
+                <a:effectLst/>
+                <a:latin typeface="Consolas" panose="020B0609020204030204" pitchFamily="49" charset="0"/>
+              </a:rPr>
+              <a:t>(</a:t>
+            </a:r>
+            <a:r>
+              <a:rPr lang="en-US" sz="2400" b="1" dirty="0">
+                <a:solidFill>
+                  <a:srgbClr val="CE9178"/>
+                </a:solidFill>
+                <a:effectLst/>
+                <a:latin typeface="Consolas" panose="020B0609020204030204" pitchFamily="49" charset="0"/>
+              </a:rPr>
+              <a:t>"&lt;host&gt;"</a:t>
+            </a:r>
+            <a:r>
+              <a:rPr lang="en-US" sz="2400" b="1" dirty="0">
+                <a:solidFill>
+                  <a:srgbClr val="D4D4D4"/>
+                </a:solidFill>
+                <a:effectLst/>
+                <a:latin typeface="Consolas" panose="020B0609020204030204" pitchFamily="49" charset="0"/>
+              </a:rPr>
+              <a:t>,</a:t>
+            </a:r>
+            <a:r>
+              <a:rPr lang="en-US" sz="2400" b="1" dirty="0">
+                <a:solidFill>
+                  <a:srgbClr val="B5CEA8"/>
+                </a:solidFill>
+                <a:latin typeface="Consolas" panose="020B0609020204030204" pitchFamily="49" charset="0"/>
+              </a:rPr>
+              <a:t>&lt;port</a:t>
+            </a:r>
+            <a:r>
+              <a:rPr lang="en-US" sz="2400" b="1" dirty="0">
+                <a:solidFill>
+                  <a:srgbClr val="B5CEA8"/>
+                </a:solidFill>
+                <a:effectLst/>
+                <a:latin typeface="Consolas" panose="020B0609020204030204" pitchFamily="49" charset="0"/>
+              </a:rPr>
+              <a:t>&gt;</a:t>
+            </a:r>
+            <a:r>
+              <a:rPr lang="en-US" sz="2400" b="1" dirty="0">
+                <a:solidFill>
+                  <a:srgbClr val="D4D4D4"/>
+                </a:solidFill>
+                <a:effectLst/>
+                <a:latin typeface="Consolas" panose="020B0609020204030204" pitchFamily="49" charset="0"/>
+              </a:rPr>
+              <a:t>, </a:t>
+            </a:r>
+            <a:r>
+              <a:rPr lang="en-US" sz="2400" b="1" dirty="0">
+                <a:solidFill>
+                  <a:srgbClr val="CE9178"/>
+                </a:solidFill>
+                <a:effectLst/>
+                <a:latin typeface="Consolas" panose="020B0609020204030204" pitchFamily="49" charset="0"/>
+              </a:rPr>
+              <a:t>"&lt;</a:t>
+            </a:r>
+            <a:r>
+              <a:rPr lang="en-US" sz="2400" b="1" dirty="0" err="1">
+                <a:solidFill>
+                  <a:srgbClr val="CE9178"/>
+                </a:solidFill>
+                <a:effectLst/>
+                <a:latin typeface="Consolas" panose="020B0609020204030204" pitchFamily="49" charset="0"/>
+              </a:rPr>
+              <a:t>pwd</a:t>
+            </a:r>
+            <a:r>
+              <a:rPr lang="en-US" sz="2400" b="1" dirty="0">
+                <a:solidFill>
+                  <a:srgbClr val="CE9178"/>
+                </a:solidFill>
+                <a:effectLst/>
+                <a:latin typeface="Consolas" panose="020B0609020204030204" pitchFamily="49" charset="0"/>
+              </a:rPr>
+              <a:t>&gt;"</a:t>
+            </a:r>
+            <a:r>
+              <a:rPr lang="en-US" sz="2400" b="1" dirty="0">
+                <a:solidFill>
+                  <a:srgbClr val="D4D4D4"/>
+                </a:solidFill>
+                <a:effectLst/>
+                <a:latin typeface="Consolas" panose="020B0609020204030204" pitchFamily="49" charset="0"/>
+              </a:rPr>
+              <a:t>) </a:t>
+            </a:r>
+          </a:p>
+          <a:p>
+            <a:pPr marL="0" indent="0">
+              <a:buNone/>
+            </a:pPr>
+            <a:r>
+              <a:rPr lang="en-US" sz="2400" b="0" dirty="0">
+                <a:solidFill>
+                  <a:srgbClr val="D4D4D4"/>
+                </a:solidFill>
+                <a:effectLst/>
+                <a:latin typeface="Consolas" panose="020B0609020204030204" pitchFamily="49" charset="0"/>
+              </a:rPr>
+              <a:t>    </a:t>
+            </a:r>
+            <a:r>
+              <a:rPr lang="en-US" sz="2400" b="0" dirty="0">
+                <a:solidFill>
+                  <a:srgbClr val="6A9955"/>
+                </a:solidFill>
+                <a:effectLst/>
+                <a:latin typeface="Consolas" panose="020B0609020204030204" pitchFamily="49" charset="0"/>
+              </a:rPr>
+              <a:t># make it the default screen </a:t>
+            </a:r>
+            <a:endParaRPr lang="en-US" sz="2400" b="0" dirty="0">
+              <a:solidFill>
+                <a:srgbClr val="D4D4D4"/>
+              </a:solidFill>
+              <a:effectLst/>
+              <a:latin typeface="Consolas" panose="020B0609020204030204" pitchFamily="49" charset="0"/>
+            </a:endParaRPr>
+          </a:p>
+          <a:p>
+            <a:pPr marL="0" indent="0">
+              <a:buNone/>
+            </a:pPr>
+            <a:r>
+              <a:rPr lang="en-US" sz="2400" b="0" dirty="0">
+                <a:solidFill>
+                  <a:srgbClr val="D4D4D4"/>
+                </a:solidFill>
+                <a:effectLst/>
+                <a:latin typeface="Consolas" panose="020B0609020204030204" pitchFamily="49" charset="0"/>
+              </a:rPr>
+              <a:t>    </a:t>
+            </a:r>
+            <a:r>
+              <a:rPr lang="en-US" sz="2400" b="1" dirty="0">
+                <a:solidFill>
+                  <a:srgbClr val="D4D4D4"/>
+                </a:solidFill>
+                <a:effectLst/>
+                <a:latin typeface="Consolas" panose="020B0609020204030204" pitchFamily="49" charset="0"/>
+              </a:rPr>
+              <a:t>use(</a:t>
+            </a:r>
+            <a:r>
+              <a:rPr lang="en-US" sz="2400" b="1" dirty="0">
+                <a:solidFill>
+                  <a:srgbClr val="9CDCFE"/>
+                </a:solidFill>
+                <a:effectLst/>
+                <a:latin typeface="Consolas" panose="020B0609020204030204" pitchFamily="49" charset="0"/>
+              </a:rPr>
+              <a:t>vs</a:t>
+            </a:r>
+            <a:r>
+              <a:rPr lang="en-US" sz="2400" b="1" dirty="0">
+                <a:solidFill>
+                  <a:srgbClr val="D4D4D4"/>
+                </a:solidFill>
+                <a:effectLst/>
+                <a:latin typeface="Consolas" panose="020B0609020204030204" pitchFamily="49" charset="0"/>
+              </a:rPr>
+              <a:t>) </a:t>
+            </a:r>
+          </a:p>
+          <a:p>
+            <a:pPr marL="0" indent="0">
+              <a:buNone/>
+            </a:pPr>
+            <a:r>
+              <a:rPr lang="en-US" sz="2400" b="0" dirty="0">
+                <a:solidFill>
+                  <a:srgbClr val="D4D4D4"/>
+                </a:solidFill>
+                <a:effectLst/>
+                <a:latin typeface="Consolas" panose="020B0609020204030204" pitchFamily="49" charset="0"/>
+              </a:rPr>
+              <a:t>    </a:t>
+            </a:r>
+            <a:r>
+              <a:rPr lang="en-US" sz="2400" b="0" dirty="0" err="1">
+                <a:solidFill>
+                  <a:srgbClr val="DCDCAA"/>
+                </a:solidFill>
+                <a:effectLst/>
+                <a:latin typeface="Consolas" panose="020B0609020204030204" pitchFamily="49" charset="0"/>
+              </a:rPr>
+              <a:t>open_session</a:t>
+            </a:r>
+            <a:r>
+              <a:rPr lang="en-US" sz="2400" b="0" dirty="0">
+                <a:solidFill>
+                  <a:srgbClr val="D4D4D4"/>
+                </a:solidFill>
+                <a:effectLst/>
+                <a:latin typeface="Consolas" panose="020B0609020204030204" pitchFamily="49" charset="0"/>
+              </a:rPr>
+              <a:t>()</a:t>
+            </a:r>
+          </a:p>
+          <a:p>
+            <a:pPr marL="0" indent="0">
+              <a:buNone/>
+            </a:pPr>
+            <a:r>
+              <a:rPr lang="en-US" sz="2400" b="0" dirty="0">
+                <a:solidFill>
+                  <a:srgbClr val="D4D4D4"/>
+                </a:solidFill>
+                <a:effectLst/>
+                <a:latin typeface="Consolas" panose="020B0609020204030204" pitchFamily="49" charset="0"/>
+              </a:rPr>
+              <a:t>    </a:t>
+            </a:r>
+            <a:r>
+              <a:rPr lang="en-US" sz="2400" b="0" dirty="0">
+                <a:solidFill>
+                  <a:srgbClr val="C586C0"/>
+                </a:solidFill>
+                <a:effectLst/>
+                <a:latin typeface="Consolas" panose="020B0609020204030204" pitchFamily="49" charset="0"/>
+              </a:rPr>
+              <a:t>try</a:t>
+            </a:r>
+            <a:r>
+              <a:rPr lang="en-US" sz="2400" b="0" dirty="0">
+                <a:solidFill>
+                  <a:srgbClr val="D4D4D4"/>
+                </a:solidFill>
+                <a:effectLst/>
+                <a:latin typeface="Consolas" panose="020B0609020204030204" pitchFamily="49" charset="0"/>
+              </a:rPr>
+              <a:t>:        </a:t>
+            </a:r>
+          </a:p>
+          <a:p>
+            <a:pPr marL="0" indent="0">
+              <a:buNone/>
+            </a:pPr>
+            <a:r>
+              <a:rPr lang="en-US" sz="2400" dirty="0">
+                <a:solidFill>
+                  <a:srgbClr val="D4D4D4"/>
+                </a:solidFill>
+                <a:latin typeface="Consolas" panose="020B0609020204030204" pitchFamily="49" charset="0"/>
+              </a:rPr>
+              <a:t>       </a:t>
+            </a:r>
+            <a:r>
+              <a:rPr lang="en-US" sz="2400" b="0" dirty="0">
+                <a:solidFill>
+                  <a:srgbClr val="6A9955"/>
+                </a:solidFill>
+                <a:effectLst/>
+                <a:latin typeface="Consolas" panose="020B0609020204030204" pitchFamily="49" charset="0"/>
+              </a:rPr>
+              <a:t># your scenario steps</a:t>
+            </a:r>
+            <a:endParaRPr lang="en-US" sz="2400" b="0" dirty="0">
+              <a:solidFill>
+                <a:srgbClr val="D4D4D4"/>
+              </a:solidFill>
+              <a:effectLst/>
+              <a:latin typeface="Consolas" panose="020B0609020204030204" pitchFamily="49" charset="0"/>
+            </a:endParaRPr>
+          </a:p>
+          <a:p>
+            <a:pPr marL="0" indent="0">
+              <a:buNone/>
+            </a:pPr>
+            <a:r>
+              <a:rPr lang="en-US" sz="2400" b="0" dirty="0">
+                <a:solidFill>
+                  <a:srgbClr val="D4D4D4"/>
+                </a:solidFill>
+                <a:effectLst/>
+                <a:latin typeface="Consolas" panose="020B0609020204030204" pitchFamily="49" charset="0"/>
+              </a:rPr>
+              <a:t>       </a:t>
+            </a:r>
+            <a:r>
+              <a:rPr lang="en-US" sz="2400" b="0" dirty="0" err="1">
+                <a:solidFill>
+                  <a:srgbClr val="D4D4D4"/>
+                </a:solidFill>
+                <a:effectLst/>
+                <a:latin typeface="Consolas" panose="020B0609020204030204" pitchFamily="49" charset="0"/>
+              </a:rPr>
+              <a:t>my_nth_step</a:t>
+            </a:r>
+            <a:r>
+              <a:rPr lang="en-US" sz="2400" b="0" dirty="0">
+                <a:solidFill>
+                  <a:srgbClr val="D4D4D4"/>
+                </a:solidFill>
+                <a:effectLst/>
+                <a:latin typeface="Consolas" panose="020B0609020204030204" pitchFamily="49" charset="0"/>
+              </a:rPr>
+              <a:t>(</a:t>
+            </a:r>
+            <a:r>
+              <a:rPr lang="en-US" sz="2400" b="0" dirty="0">
+                <a:solidFill>
+                  <a:srgbClr val="CE9178"/>
+                </a:solidFill>
+                <a:effectLst/>
+                <a:latin typeface="Consolas" panose="020B0609020204030204" pitchFamily="49" charset="0"/>
+              </a:rPr>
+              <a:t>"some value"</a:t>
+            </a:r>
+            <a:r>
+              <a:rPr lang="en-US" sz="2400" b="0" dirty="0">
+                <a:solidFill>
+                  <a:srgbClr val="D4D4D4"/>
+                </a:solidFill>
+                <a:effectLst/>
+                <a:latin typeface="Consolas" panose="020B0609020204030204" pitchFamily="49" charset="0"/>
+              </a:rPr>
+              <a:t>)</a:t>
+            </a:r>
+          </a:p>
+          <a:p>
+            <a:pPr marL="0" indent="0">
+              <a:buNone/>
+            </a:pPr>
+            <a:r>
+              <a:rPr lang="en-US" sz="2400" b="0" dirty="0">
+                <a:solidFill>
+                  <a:srgbClr val="D4D4D4"/>
+                </a:solidFill>
+                <a:effectLst/>
+                <a:latin typeface="Consolas" panose="020B0609020204030204" pitchFamily="49" charset="0"/>
+              </a:rPr>
+              <a:t>    </a:t>
+            </a:r>
+            <a:r>
+              <a:rPr lang="en-US" sz="2400" b="0" dirty="0">
+                <a:solidFill>
+                  <a:srgbClr val="C586C0"/>
+                </a:solidFill>
+                <a:effectLst/>
+                <a:latin typeface="Consolas" panose="020B0609020204030204" pitchFamily="49" charset="0"/>
+              </a:rPr>
+              <a:t>finally</a:t>
+            </a:r>
+            <a:r>
+              <a:rPr lang="en-US" sz="2400" b="0" dirty="0">
+                <a:solidFill>
+                  <a:srgbClr val="D4D4D4"/>
+                </a:solidFill>
+                <a:effectLst/>
+                <a:latin typeface="Consolas" panose="020B0609020204030204" pitchFamily="49" charset="0"/>
+              </a:rPr>
+              <a:t>:</a:t>
+            </a:r>
+          </a:p>
+          <a:p>
+            <a:pPr marL="0" indent="0">
+              <a:buNone/>
+            </a:pPr>
+            <a:r>
+              <a:rPr lang="en-US" sz="2400" dirty="0">
+                <a:solidFill>
+                  <a:srgbClr val="D4D4D4"/>
+                </a:solidFill>
+                <a:latin typeface="Consolas" panose="020B0609020204030204" pitchFamily="49" charset="0"/>
+              </a:rPr>
+              <a:t>       </a:t>
+            </a:r>
+            <a:r>
+              <a:rPr lang="en-US" sz="2400" dirty="0" err="1">
+                <a:solidFill>
+                  <a:srgbClr val="D4D4D4"/>
+                </a:solidFill>
+                <a:latin typeface="Consolas" panose="020B0609020204030204" pitchFamily="49" charset="0"/>
+              </a:rPr>
+              <a:t>close_session</a:t>
+            </a:r>
+            <a:r>
+              <a:rPr lang="en-US" sz="2400" dirty="0">
+                <a:solidFill>
+                  <a:srgbClr val="D4D4D4"/>
+                </a:solidFill>
+                <a:latin typeface="Consolas" panose="020B0609020204030204" pitchFamily="49" charset="0"/>
+              </a:rPr>
+              <a:t>()</a:t>
+            </a:r>
+          </a:p>
+          <a:p>
+            <a:pPr marL="0" indent="0">
+              <a:buNone/>
+            </a:pPr>
+            <a:r>
+              <a:rPr lang="en-US" sz="2400" dirty="0">
+                <a:solidFill>
+                  <a:srgbClr val="D4D4D4"/>
+                </a:solidFill>
+                <a:effectLst/>
+                <a:latin typeface="Consolas" panose="020B0609020204030204" pitchFamily="49" charset="0"/>
+              </a:rPr>
+              <a:t>       </a:t>
+            </a:r>
+            <a:r>
+              <a:rPr lang="en-US" sz="2400" b="1" dirty="0" err="1">
+                <a:solidFill>
+                  <a:srgbClr val="DCDCAA"/>
+                </a:solidFill>
+                <a:latin typeface="Consolas" panose="020B0609020204030204" pitchFamily="49" charset="0"/>
+              </a:rPr>
+              <a:t>dt_vnc_dis</a:t>
+            </a:r>
+            <a:r>
+              <a:rPr lang="en-US" sz="2400" b="1" dirty="0" err="1">
+                <a:solidFill>
+                  <a:srgbClr val="DCDCAA"/>
+                </a:solidFill>
+                <a:effectLst/>
+                <a:latin typeface="Consolas" panose="020B0609020204030204" pitchFamily="49" charset="0"/>
+              </a:rPr>
+              <a:t>connect</a:t>
+            </a:r>
+            <a:r>
+              <a:rPr lang="en-US" sz="2400" b="1" dirty="0">
+                <a:solidFill>
+                  <a:srgbClr val="D4D4D4"/>
+                </a:solidFill>
+                <a:effectLst/>
+                <a:latin typeface="Consolas" panose="020B0609020204030204" pitchFamily="49" charset="0"/>
+              </a:rPr>
+              <a:t>()</a:t>
+            </a:r>
+          </a:p>
+          <a:p>
+            <a:pPr marL="0" indent="0">
+              <a:buNone/>
+            </a:pPr>
+            <a:r>
+              <a:rPr lang="en-US" sz="2400" b="0" dirty="0">
+                <a:solidFill>
+                  <a:srgbClr val="D4D4D4"/>
+                </a:solidFill>
+                <a:effectLst/>
+                <a:latin typeface="Consolas" panose="020B0609020204030204" pitchFamily="49" charset="0"/>
+              </a:rPr>
+              <a:t>       </a:t>
+            </a:r>
+            <a:r>
+              <a:rPr lang="en-US" sz="2400" b="0" dirty="0">
+                <a:solidFill>
+                  <a:srgbClr val="6A9955"/>
+                </a:solidFill>
+                <a:effectLst/>
+                <a:latin typeface="Consolas" panose="020B0609020204030204" pitchFamily="49" charset="0"/>
+              </a:rPr>
+              <a:t># revert to the default local screen</a:t>
+            </a:r>
+            <a:endParaRPr lang="en-US" sz="2400" dirty="0">
+              <a:solidFill>
+                <a:srgbClr val="D4D4D4"/>
+              </a:solidFill>
+              <a:latin typeface="Consolas" panose="020B0609020204030204" pitchFamily="49" charset="0"/>
+            </a:endParaRPr>
+          </a:p>
+          <a:p>
+            <a:pPr marL="0" indent="0">
+              <a:buNone/>
+            </a:pPr>
+            <a:r>
+              <a:rPr lang="en-US" sz="2400" b="1" dirty="0">
+                <a:solidFill>
+                  <a:srgbClr val="D4D4D4"/>
+                </a:solidFill>
+                <a:effectLst/>
+                <a:latin typeface="Consolas" panose="020B0609020204030204" pitchFamily="49" charset="0"/>
+              </a:rPr>
+              <a:t>       use() </a:t>
+            </a:r>
+          </a:p>
+          <a:p>
+            <a:pPr marL="0" indent="0">
+              <a:buNone/>
+            </a:pPr>
+            <a:endParaRPr lang="en-US" sz="2400" b="0" dirty="0">
+              <a:solidFill>
+                <a:srgbClr val="D4D4D4"/>
+              </a:solidFill>
+              <a:effectLst/>
+              <a:latin typeface="Consolas" panose="020B0609020204030204" pitchFamily="49" charset="0"/>
+            </a:endParaRPr>
+          </a:p>
+        </p:txBody>
+      </p:sp>
+    </p:spTree>
+    <p:extLst>
+      <p:ext uri="{BB962C8B-B14F-4D97-AF65-F5344CB8AC3E}">
+        <p14:creationId xmlns:p14="http://schemas.microsoft.com/office/powerpoint/2010/main" val="1589421791"/>
+      </p:ext>
+    </p:extLst>
+  </p:cSld>
+  <p:clrMapOvr>
+    <a:masterClrMapping/>
+  </p:clrMapOvr>
+</p:sld>
+</file>
+
+<file path=ppt/slides/slide16.xml><?xml version="1.0" encoding="utf-8"?>
+<p:sld xmlns:a="http://schemas.openxmlformats.org/drawingml/2006/main" xmlns:r="http://schemas.openxmlformats.org/officeDocument/2006/relationships" xmlns:p="http://schemas.openxmlformats.org/presentationml/2006/main">
+  <p:cSld>
+    <p:spTree>
+      <p:nvGrpSpPr>
+        <p:cNvPr id="1" name=""/>
+        <p:cNvGrpSpPr/>
+        <p:nvPr/>
+      </p:nvGrpSpPr>
+      <p:grpSpPr>
+        <a:xfrm>
+          <a:off x="0" y="0"/>
+          <a:ext cx="0" cy="0"/>
+          <a:chOff x="0" y="0"/>
+          <a:chExt cx="0" cy="0"/>
+        </a:xfrm>
+      </p:grpSpPr>
+      <p:sp>
+        <p:nvSpPr>
+          <p:cNvPr id="2" name="Title 1">
+            <a:extLst>
+              <a:ext uri="{FF2B5EF4-FFF2-40B4-BE49-F238E27FC236}">
+                <a16:creationId xmlns:a16="http://schemas.microsoft.com/office/drawing/2014/main" id="{75397719-49BB-4ECF-BE0E-503DF06B249A}"/>
+              </a:ext>
+            </a:extLst>
+          </p:cNvPr>
+          <p:cNvSpPr>
+            <a:spLocks noGrp="1"/>
+          </p:cNvSpPr>
+          <p:nvPr>
+            <p:ph type="title"/>
+          </p:nvPr>
+        </p:nvSpPr>
         <p:spPr/>
         <p:txBody>
           <a:bodyPr/>
@@ -11094,7 +12030,7 @@
 </p:sld>
 </file>
 
-<file path=ppt/slides/slide16.xml><?xml version="1.0" encoding="utf-8"?>
+<file path=ppt/slides/slide17.xml><?xml version="1.0" encoding="utf-8"?>
 <p:sld xmlns:a="http://schemas.openxmlformats.org/drawingml/2006/main" xmlns:r="http://schemas.openxmlformats.org/officeDocument/2006/relationships" xmlns:p="http://schemas.openxmlformats.org/presentationml/2006/main">
   <p:cSld>
     <p:spTree>
@@ -11522,7 +12458,7 @@
           <a:noFill/>
           <a:extLst>
             <a:ext uri="{909E8E84-426E-40dd-AFC4-6F175D3DCCD1}">
-              <a14:hiddenFill xmlns="" xmlns:a14="http://schemas.microsoft.com/office/drawing/2010/main">
+              <a14:hiddenFill xmlns:a14="http://schemas.microsoft.com/office/drawing/2010/main" xmlns="">
                 <a:solidFill>
                   <a:srgbClr val="FFFFFF"/>
                 </a:solidFill>
@@ -11974,7 +12910,7 @@
           <a:noFill/>
           <a:extLst>
             <a:ext uri="{909E8E84-426E-40dd-AFC4-6F175D3DCCD1}">
-              <a14:hiddenFill xmlns="" xmlns:a14="http://schemas.microsoft.com/office/drawing/2010/main">
+              <a14:hiddenFill xmlns:a14="http://schemas.microsoft.com/office/drawing/2010/main" xmlns="">
                 <a:solidFill>
                   <a:srgbClr val="FFFFFF"/>
                 </a:solidFill>
@@ -12487,7 +13423,7 @@
           <a:noFill/>
           <a:extLst>
             <a:ext uri="{909E8E84-426E-40dd-AFC4-6F175D3DCCD1}">
-              <a14:hiddenFill xmlns="" xmlns:a14="http://schemas.microsoft.com/office/drawing/2010/main">
+              <a14:hiddenFill xmlns:a14="http://schemas.microsoft.com/office/drawing/2010/main" xmlns="">
                 <a:solidFill>
                   <a:srgbClr val="FFFFFF"/>
                 </a:solidFill>
@@ -12833,7 +13769,7 @@
           <a:noFill/>
           <a:extLst>
             <a:ext uri="{909E8E84-426E-40dd-AFC4-6F175D3DCCD1}">
-              <a14:hiddenFill xmlns="" xmlns:a14="http://schemas.microsoft.com/office/drawing/2010/main">
+              <a14:hiddenFill xmlns:a14="http://schemas.microsoft.com/office/drawing/2010/main" xmlns="">
                 <a:solidFill>
                   <a:srgbClr val="FFFFFF"/>
                 </a:solidFill>
@@ -12960,7 +13896,7 @@
           <a:noFill/>
           <a:extLst>
             <a:ext uri="{909E8E84-426E-40dd-AFC4-6F175D3DCCD1}">
-              <a14:hiddenFill xmlns="" xmlns:a14="http://schemas.microsoft.com/office/drawing/2010/main">
+              <a14:hiddenFill xmlns:a14="http://schemas.microsoft.com/office/drawing/2010/main" xmlns="">
                 <a:solidFill>
                   <a:srgbClr val="FFFFFF"/>
                 </a:solidFill>
@@ -13824,7 +14760,7 @@
           <a:noFill/>
           <a:extLst>
             <a:ext uri="{909E8E84-426E-40dd-AFC4-6F175D3DCCD1}">
-              <a14:hiddenFill xmlns="" xmlns:a14="http://schemas.microsoft.com/office/drawing/2010/main">
+              <a14:hiddenFill xmlns:a14="http://schemas.microsoft.com/office/drawing/2010/main" xmlns="">
                 <a:solidFill>
                   <a:srgbClr val="FFFFFF"/>
                 </a:solidFill>
@@ -14044,7 +14980,15 @@
                 <a:uLnTx/>
                 <a:uFillTx/>
               </a:rPr>
-              <a:t>https 443</a:t>
+              <a:t>https </a:t>
+            </a:r>
+            <a:r>
+              <a:rPr lang="de-DE" kern="0" dirty="0">
+                <a:solidFill>
+                  <a:sysClr val="windowText" lastClr="000000"/>
+                </a:solidFill>
+              </a:rPr>
+              <a:t>5000</a:t>
             </a:r>
             <a:endParaRPr kumimoji="0" lang="de-AT" sz="1800" b="0" i="0" u="none" strike="noStrike" kern="0" cap="none" spc="0" normalizeH="0" baseline="0" noProof="0" dirty="0">
               <a:ln>
@@ -14356,7 +15300,7 @@
           <a:noFill/>
           <a:extLst>
             <a:ext uri="{909E8E84-426E-40dd-AFC4-6F175D3DCCD1}">
-              <a14:hiddenFill xmlns="" xmlns:a14="http://schemas.microsoft.com/office/drawing/2010/main">
+              <a14:hiddenFill xmlns:a14="http://schemas.microsoft.com/office/drawing/2010/main" xmlns="">
                 <a:solidFill>
                   <a:srgbClr val="FFFFFF"/>
                 </a:solidFill>
@@ -14665,7 +15609,7 @@
           <a:noFill/>
           <a:extLst>
             <a:ext uri="{909E8E84-426E-40dd-AFC4-6F175D3DCCD1}">
-              <a14:hiddenFill xmlns="" xmlns:a14="http://schemas.microsoft.com/office/drawing/2010/main">
+              <a14:hiddenFill xmlns:a14="http://schemas.microsoft.com/office/drawing/2010/main" xmlns="">
                 <a:solidFill>
                   <a:srgbClr val="FFFFFF"/>
                 </a:solidFill>
@@ -15011,7 +15955,7 @@
           <a:noFill/>
           <a:extLst>
             <a:ext uri="{909E8E84-426E-40dd-AFC4-6F175D3DCCD1}">
-              <a14:hiddenFill xmlns="" xmlns:a14="http://schemas.microsoft.com/office/drawing/2010/main">
+              <a14:hiddenFill xmlns:a14="http://schemas.microsoft.com/office/drawing/2010/main" xmlns="">
                 <a:solidFill>
                   <a:srgbClr val="FFFFFF"/>
                 </a:solidFill>
@@ -15138,7 +16082,7 @@
           <a:noFill/>
           <a:extLst>
             <a:ext uri="{909E8E84-426E-40dd-AFC4-6F175D3DCCD1}">
-              <a14:hiddenFill xmlns="" xmlns:a14="http://schemas.microsoft.com/office/drawing/2010/main">
+              <a14:hiddenFill xmlns:a14="http://schemas.microsoft.com/office/drawing/2010/main" xmlns="">
                 <a:solidFill>
                   <a:srgbClr val="FFFFFF"/>
                 </a:solidFill>
@@ -15964,6 +16908,2935 @@
           <a:chExt cx="0" cy="0"/>
         </a:xfrm>
       </p:grpSpPr>
+      <p:pic>
+        <p:nvPicPr>
+          <p:cNvPr id="1026" name="Picture 2" descr="Logo">
+            <a:extLst>
+              <a:ext uri="{FF2B5EF4-FFF2-40B4-BE49-F238E27FC236}">
+                <a16:creationId xmlns:a16="http://schemas.microsoft.com/office/drawing/2014/main" id="{7D5BFB1A-61C5-4980-8CE1-6AD8D90981B9}"/>
+              </a:ext>
+            </a:extLst>
+          </p:cNvPr>
+          <p:cNvPicPr>
+            <a:picLocks noChangeAspect="1" noChangeArrowheads="1"/>
+          </p:cNvPicPr>
+          <p:nvPr/>
+        </p:nvPicPr>
+        <p:blipFill>
+          <a:blip r:embed="rId3">
+            <a:extLst>
+              <a:ext uri="{28A0092B-C50C-407E-A947-70E740481C1C}">
+                <a14:useLocalDpi xmlns:a14="http://schemas.microsoft.com/office/drawing/2010/main" val="0"/>
+              </a:ext>
+            </a:extLst>
+          </a:blip>
+          <a:srcRect/>
+          <a:stretch>
+            <a:fillRect/>
+          </a:stretch>
+        </p:blipFill>
+        <p:spPr bwMode="auto">
+          <a:xfrm>
+            <a:off x="4750780" y="1783316"/>
+            <a:ext cx="609600" cy="609600"/>
+          </a:xfrm>
+          <a:prstGeom prst="rect">
+            <a:avLst/>
+          </a:prstGeom>
+          <a:noFill/>
+          <a:extLst>
+            <a:ext uri="{909E8E84-426E-40DD-AFC4-6F175D3DCCD1}">
+              <a14:hiddenFill xmlns:a14="http://schemas.microsoft.com/office/drawing/2010/main">
+                <a:solidFill>
+                  <a:srgbClr val="FFFFFF"/>
+                </a:solidFill>
+              </a14:hiddenFill>
+            </a:ext>
+          </a:extLst>
+        </p:spPr>
+      </p:pic>
+      <p:pic>
+        <p:nvPicPr>
+          <p:cNvPr id="5" name="Picture 2" descr="http://assets.ruxitlabs.com/icons/png/blue/Icons_file_001_APMng_Server.png">
+            <a:extLst>
+              <a:ext uri="{FF2B5EF4-FFF2-40B4-BE49-F238E27FC236}">
+                <a16:creationId xmlns:a16="http://schemas.microsoft.com/office/drawing/2014/main" id="{DF10C716-18C6-403A-95D2-A9AF9F500D8E}"/>
+              </a:ext>
+            </a:extLst>
+          </p:cNvPr>
+          <p:cNvPicPr>
+            <a:picLocks noChangeAspect="1" noChangeArrowheads="1"/>
+          </p:cNvPicPr>
+          <p:nvPr/>
+        </p:nvPicPr>
+        <p:blipFill>
+          <a:blip r:embed="rId4" cstate="print">
+            <a:extLst>
+              <a:ext uri="{28A0092B-C50C-407E-A947-70E740481C1C}">
+                <a14:useLocalDpi xmlns:a14="http://schemas.microsoft.com/office/drawing/2010/main" val="0"/>
+              </a:ext>
+            </a:extLst>
+          </a:blip>
+          <a:srcRect/>
+          <a:stretch>
+            <a:fillRect/>
+          </a:stretch>
+        </p:blipFill>
+        <p:spPr bwMode="auto">
+          <a:xfrm>
+            <a:off x="8873650" y="1684332"/>
+            <a:ext cx="903692" cy="903692"/>
+          </a:xfrm>
+          <a:prstGeom prst="rect">
+            <a:avLst/>
+          </a:prstGeom>
+          <a:noFill/>
+          <a:extLst>
+            <a:ext uri="{909E8E84-426E-40dd-AFC4-6F175D3DCCD1}">
+              <a14:hiddenFill xmlns:a14="http://schemas.microsoft.com/office/drawing/2010/main" xmlns="">
+                <a:solidFill>
+                  <a:srgbClr val="FFFFFF"/>
+                </a:solidFill>
+              </a14:hiddenFill>
+            </a:ext>
+          </a:extLst>
+        </p:spPr>
+      </p:pic>
+      <p:sp>
+        <p:nvSpPr>
+          <p:cNvPr id="10" name="TextBox 9">
+            <a:extLst>
+              <a:ext uri="{FF2B5EF4-FFF2-40B4-BE49-F238E27FC236}">
+                <a16:creationId xmlns:a16="http://schemas.microsoft.com/office/drawing/2014/main" id="{25EF81B3-FB0B-4394-9C2C-840DCF518548}"/>
+              </a:ext>
+            </a:extLst>
+          </p:cNvPr>
+          <p:cNvSpPr txBox="1"/>
+          <p:nvPr/>
+        </p:nvSpPr>
+        <p:spPr>
+          <a:xfrm>
+            <a:off x="8830509" y="2401912"/>
+            <a:ext cx="1085220" cy="830997"/>
+          </a:xfrm>
+          <a:prstGeom prst="rect">
+            <a:avLst/>
+          </a:prstGeom>
+          <a:noFill/>
+        </p:spPr>
+        <p:txBody>
+          <a:bodyPr wrap="square" rtlCol="0">
+            <a:spAutoFit/>
+          </a:bodyPr>
+          <a:lstStyle/>
+          <a:p>
+            <a:pPr marL="0" marR="0" lvl="0" indent="0" algn="ctr" defTabSz="914400" eaLnBrk="1" fontAlgn="auto" latinLnBrk="0" hangingPunct="1">
+              <a:lnSpc>
+                <a:spcPct val="100000"/>
+              </a:lnSpc>
+              <a:spcBef>
+                <a:spcPts val="0"/>
+              </a:spcBef>
+              <a:spcAft>
+                <a:spcPts val="0"/>
+              </a:spcAft>
+              <a:buClrTx/>
+              <a:buSzTx/>
+              <a:buFontTx/>
+              <a:buNone/>
+              <a:tabLst/>
+              <a:defRPr/>
+            </a:pPr>
+            <a:r>
+              <a:rPr kumimoji="0" lang="de-AT" sz="1600" b="0" i="0" u="none" strike="noStrike" kern="0" cap="none" spc="0" normalizeH="0" baseline="0" noProof="0" dirty="0">
+                <a:ln>
+                  <a:noFill/>
+                </a:ln>
+                <a:solidFill>
+                  <a:srgbClr val="1496FF"/>
+                </a:solidFill>
+                <a:effectLst/>
+                <a:uLnTx/>
+                <a:uFillTx/>
+                <a:latin typeface="Calibri" panose="020F0502020204030204"/>
+                <a:ea typeface=""/>
+                <a:cs typeface=""/>
+              </a:rPr>
+              <a:t>Dynatrace</a:t>
+            </a:r>
+          </a:p>
+          <a:p>
+            <a:pPr marL="0" marR="0" lvl="0" indent="0" algn="ctr" defTabSz="914400" eaLnBrk="1" fontAlgn="auto" latinLnBrk="0" hangingPunct="1">
+              <a:lnSpc>
+                <a:spcPct val="100000"/>
+              </a:lnSpc>
+              <a:spcBef>
+                <a:spcPts val="0"/>
+              </a:spcBef>
+              <a:spcAft>
+                <a:spcPts val="0"/>
+              </a:spcAft>
+              <a:buClrTx/>
+              <a:buSzTx/>
+              <a:buFontTx/>
+              <a:buNone/>
+              <a:tabLst/>
+              <a:defRPr/>
+            </a:pPr>
+            <a:r>
+              <a:rPr kumimoji="0" lang="de-AT" sz="1600" b="0" i="0" u="none" strike="noStrike" kern="0" cap="none" spc="0" normalizeH="0" baseline="0" noProof="0" dirty="0">
+                <a:ln>
+                  <a:noFill/>
+                </a:ln>
+                <a:solidFill>
+                  <a:srgbClr val="1496FF"/>
+                </a:solidFill>
+                <a:effectLst/>
+                <a:uLnTx/>
+                <a:uFillTx/>
+                <a:latin typeface="Calibri" panose="020F0502020204030204"/>
+                <a:ea typeface=""/>
+                <a:cs typeface=""/>
+              </a:rPr>
+              <a:t>Server</a:t>
+            </a:r>
+          </a:p>
+          <a:p>
+            <a:pPr marL="0" marR="0" lvl="0" indent="0" algn="ctr" defTabSz="914400" eaLnBrk="1" fontAlgn="auto" latinLnBrk="0" hangingPunct="1">
+              <a:lnSpc>
+                <a:spcPct val="100000"/>
+              </a:lnSpc>
+              <a:spcBef>
+                <a:spcPts val="0"/>
+              </a:spcBef>
+              <a:spcAft>
+                <a:spcPts val="0"/>
+              </a:spcAft>
+              <a:buClrTx/>
+              <a:buSzTx/>
+              <a:buFontTx/>
+              <a:buNone/>
+              <a:tabLst/>
+              <a:defRPr/>
+            </a:pPr>
+            <a:r>
+              <a:rPr kumimoji="0" lang="de-AT" sz="1600" b="0" i="0" u="none" strike="noStrike" kern="0" cap="none" spc="0" normalizeH="0" baseline="0" noProof="0" dirty="0">
+                <a:ln>
+                  <a:noFill/>
+                </a:ln>
+                <a:solidFill>
+                  <a:srgbClr val="1496FF"/>
+                </a:solidFill>
+                <a:effectLst/>
+                <a:uLnTx/>
+                <a:uFillTx/>
+                <a:latin typeface="Calibri" panose="020F0502020204030204"/>
+                <a:ea typeface=""/>
+                <a:cs typeface=""/>
+              </a:rPr>
+              <a:t>instance</a:t>
+            </a:r>
+          </a:p>
+        </p:txBody>
+      </p:sp>
+      <p:pic>
+        <p:nvPicPr>
+          <p:cNvPr id="13" name="Picture 14" descr="http://assets.ruxitlabs.com/icons/png/green/Icons_file_001_Browser.png">
+            <a:extLst>
+              <a:ext uri="{FF2B5EF4-FFF2-40B4-BE49-F238E27FC236}">
+                <a16:creationId xmlns:a16="http://schemas.microsoft.com/office/drawing/2014/main" id="{AB81A9DF-0FDA-4290-809F-6546E7342B82}"/>
+              </a:ext>
+            </a:extLst>
+          </p:cNvPr>
+          <p:cNvPicPr>
+            <a:picLocks noChangeAspect="1" noChangeArrowheads="1"/>
+          </p:cNvPicPr>
+          <p:nvPr/>
+        </p:nvPicPr>
+        <p:blipFill>
+          <a:blip r:embed="rId5" cstate="print">
+            <a:extLst>
+              <a:ext uri="{28A0092B-C50C-407E-A947-70E740481C1C}">
+                <a14:useLocalDpi xmlns:a14="http://schemas.microsoft.com/office/drawing/2010/main" val="0"/>
+              </a:ext>
+            </a:extLst>
+          </a:blip>
+          <a:srcRect/>
+          <a:stretch>
+            <a:fillRect/>
+          </a:stretch>
+        </p:blipFill>
+        <p:spPr bwMode="auto">
+          <a:xfrm>
+            <a:off x="1629098" y="293302"/>
+            <a:ext cx="678029" cy="678029"/>
+          </a:xfrm>
+          <a:prstGeom prst="rect">
+            <a:avLst/>
+          </a:prstGeom>
+          <a:noFill/>
+          <a:extLst>
+            <a:ext uri="{909E8E84-426E-40dd-AFC4-6F175D3DCCD1}">
+              <a14:hiddenFill xmlns:a14="http://schemas.microsoft.com/office/drawing/2010/main" xmlns="">
+                <a:solidFill>
+                  <a:srgbClr val="FFFFFF"/>
+                </a:solidFill>
+              </a14:hiddenFill>
+            </a:ext>
+          </a:extLst>
+        </p:spPr>
+      </p:pic>
+      <p:sp>
+        <p:nvSpPr>
+          <p:cNvPr id="14" name="TextBox 13">
+            <a:extLst>
+              <a:ext uri="{FF2B5EF4-FFF2-40B4-BE49-F238E27FC236}">
+                <a16:creationId xmlns:a16="http://schemas.microsoft.com/office/drawing/2014/main" id="{0F177995-1B26-4111-87E8-67F838ABDBEB}"/>
+              </a:ext>
+            </a:extLst>
+          </p:cNvPr>
+          <p:cNvSpPr txBox="1"/>
+          <p:nvPr/>
+        </p:nvSpPr>
+        <p:spPr>
+          <a:xfrm>
+            <a:off x="1692451" y="854220"/>
+            <a:ext cx="645498" cy="461665"/>
+          </a:xfrm>
+          <a:prstGeom prst="rect">
+            <a:avLst/>
+          </a:prstGeom>
+          <a:noFill/>
+        </p:spPr>
+        <p:txBody>
+          <a:bodyPr wrap="square" rtlCol="0">
+            <a:spAutoFit/>
+          </a:bodyPr>
+          <a:lstStyle/>
+          <a:p>
+            <a:pPr marL="0" marR="0" lvl="0" indent="0" defTabSz="914400" eaLnBrk="1" fontAlgn="auto" latinLnBrk="0" hangingPunct="1">
+              <a:lnSpc>
+                <a:spcPct val="100000"/>
+              </a:lnSpc>
+              <a:spcBef>
+                <a:spcPts val="0"/>
+              </a:spcBef>
+              <a:spcAft>
+                <a:spcPts val="0"/>
+              </a:spcAft>
+              <a:buClrTx/>
+              <a:buSzTx/>
+              <a:buFontTx/>
+              <a:buNone/>
+              <a:tabLst/>
+              <a:defRPr/>
+            </a:pPr>
+            <a:r>
+              <a:rPr lang="de-AT" sz="1200" kern="0" dirty="0">
+                <a:solidFill>
+                  <a:srgbClr val="92D050">
+                    <a:lumMod val="75000"/>
+                  </a:srgbClr>
+                </a:solidFill>
+                <a:latin typeface="Calibri" panose="020F0502020204030204"/>
+                <a:ea typeface=""/>
+                <a:cs typeface=""/>
+              </a:rPr>
+              <a:t>Tested App</a:t>
+            </a:r>
+            <a:r>
+              <a:rPr kumimoji="0" lang="de-AT" sz="1200" b="0" i="0" u="none" strike="noStrike" kern="0" cap="none" spc="0" normalizeH="0" baseline="0" noProof="0" dirty="0">
+                <a:ln>
+                  <a:noFill/>
+                </a:ln>
+                <a:solidFill>
+                  <a:srgbClr val="92D050">
+                    <a:lumMod val="75000"/>
+                  </a:srgbClr>
+                </a:solidFill>
+                <a:effectLst/>
+                <a:uLnTx/>
+                <a:uFillTx/>
+                <a:latin typeface="Calibri" panose="020F0502020204030204"/>
+                <a:ea typeface=""/>
+                <a:cs typeface=""/>
+              </a:rPr>
+              <a:t> UI</a:t>
+            </a:r>
+          </a:p>
+        </p:txBody>
+      </p:sp>
+      <p:pic>
+        <p:nvPicPr>
+          <p:cNvPr id="21" name="Picture 20">
+            <a:extLst>
+              <a:ext uri="{FF2B5EF4-FFF2-40B4-BE49-F238E27FC236}">
+                <a16:creationId xmlns:a16="http://schemas.microsoft.com/office/drawing/2014/main" id="{C0006D6B-BEE2-4A8E-A24F-FECFF8904438}"/>
+              </a:ext>
+            </a:extLst>
+          </p:cNvPr>
+          <p:cNvPicPr>
+            <a:picLocks noChangeAspect="1"/>
+          </p:cNvPicPr>
+          <p:nvPr/>
+        </p:nvPicPr>
+        <p:blipFill>
+          <a:blip r:embed="rId6"/>
+          <a:stretch>
+            <a:fillRect/>
+          </a:stretch>
+        </p:blipFill>
+        <p:spPr>
+          <a:xfrm>
+            <a:off x="4677979" y="2684171"/>
+            <a:ext cx="729079" cy="315894"/>
+          </a:xfrm>
+          <a:prstGeom prst="rect">
+            <a:avLst/>
+          </a:prstGeom>
+        </p:spPr>
+      </p:pic>
+      <p:sp>
+        <p:nvSpPr>
+          <p:cNvPr id="25" name="TextBox 24">
+            <a:extLst>
+              <a:ext uri="{FF2B5EF4-FFF2-40B4-BE49-F238E27FC236}">
+                <a16:creationId xmlns:a16="http://schemas.microsoft.com/office/drawing/2014/main" id="{096BA604-E1DC-41FE-93B6-9F9138303675}"/>
+              </a:ext>
+            </a:extLst>
+          </p:cNvPr>
+          <p:cNvSpPr txBox="1"/>
+          <p:nvPr/>
+        </p:nvSpPr>
+        <p:spPr>
+          <a:xfrm>
+            <a:off x="4523786" y="2997507"/>
+            <a:ext cx="1037463" cy="584775"/>
+          </a:xfrm>
+          <a:prstGeom prst="rect">
+            <a:avLst/>
+          </a:prstGeom>
+          <a:noFill/>
+        </p:spPr>
+        <p:txBody>
+          <a:bodyPr wrap="none" rtlCol="0">
+            <a:spAutoFit/>
+          </a:bodyPr>
+          <a:lstStyle/>
+          <a:p>
+            <a:pPr marL="0" marR="0" lvl="0" indent="0" defTabSz="914400" eaLnBrk="1" fontAlgn="auto" latinLnBrk="0" hangingPunct="1">
+              <a:lnSpc>
+                <a:spcPct val="100000"/>
+              </a:lnSpc>
+              <a:spcBef>
+                <a:spcPts val="0"/>
+              </a:spcBef>
+              <a:spcAft>
+                <a:spcPts val="0"/>
+              </a:spcAft>
+              <a:buClrTx/>
+              <a:buSzTx/>
+              <a:buFontTx/>
+              <a:buNone/>
+              <a:tabLst/>
+              <a:defRPr/>
+            </a:pPr>
+            <a:r>
+              <a:rPr kumimoji="0" lang="de-AT" sz="1600" b="0" i="0" u="none" strike="noStrike" kern="0" cap="none" spc="0" normalizeH="0" baseline="0" noProof="0" dirty="0">
+                <a:ln>
+                  <a:noFill/>
+                </a:ln>
+                <a:solidFill>
+                  <a:srgbClr val="1496FF"/>
+                </a:solidFill>
+                <a:effectLst/>
+                <a:uLnTx/>
+                <a:uFillTx/>
+                <a:latin typeface="Calibri" panose="020F0502020204030204"/>
+                <a:ea typeface=""/>
+                <a:cs typeface=""/>
+              </a:rPr>
+              <a:t>Dynatrace</a:t>
+            </a:r>
+          </a:p>
+          <a:p>
+            <a:pPr marL="0" marR="0" lvl="0" indent="0" algn="ctr" defTabSz="914400" eaLnBrk="1" fontAlgn="auto" latinLnBrk="0" hangingPunct="1">
+              <a:lnSpc>
+                <a:spcPct val="100000"/>
+              </a:lnSpc>
+              <a:spcBef>
+                <a:spcPts val="0"/>
+              </a:spcBef>
+              <a:spcAft>
+                <a:spcPts val="0"/>
+              </a:spcAft>
+              <a:buClrTx/>
+              <a:buSzTx/>
+              <a:buFontTx/>
+              <a:buNone/>
+              <a:tabLst/>
+              <a:defRPr/>
+            </a:pPr>
+            <a:r>
+              <a:rPr kumimoji="0" lang="de-AT" sz="1600" b="0" i="0" u="none" strike="noStrike" kern="0" cap="none" spc="0" normalizeH="0" baseline="0" noProof="0" dirty="0">
+                <a:ln>
+                  <a:noFill/>
+                </a:ln>
+                <a:solidFill>
+                  <a:srgbClr val="1496FF"/>
+                </a:solidFill>
+                <a:effectLst/>
+                <a:uLnTx/>
+                <a:uFillTx/>
+                <a:latin typeface="Calibri" panose="020F0502020204030204"/>
+                <a:ea typeface=""/>
+                <a:cs typeface=""/>
+              </a:rPr>
+              <a:t>bridge</a:t>
+            </a:r>
+          </a:p>
+        </p:txBody>
+      </p:sp>
+      <p:sp>
+        <p:nvSpPr>
+          <p:cNvPr id="22" name="TextBox 21">
+            <a:extLst>
+              <a:ext uri="{FF2B5EF4-FFF2-40B4-BE49-F238E27FC236}">
+                <a16:creationId xmlns:a16="http://schemas.microsoft.com/office/drawing/2014/main" id="{568502B9-DE27-4014-9557-463A6BF014FA}"/>
+              </a:ext>
+            </a:extLst>
+          </p:cNvPr>
+          <p:cNvSpPr txBox="1"/>
+          <p:nvPr/>
+        </p:nvSpPr>
+        <p:spPr>
+          <a:xfrm>
+            <a:off x="4673883" y="2237145"/>
+            <a:ext cx="771621" cy="369332"/>
+          </a:xfrm>
+          <a:prstGeom prst="rect">
+            <a:avLst/>
+          </a:prstGeom>
+          <a:noFill/>
+        </p:spPr>
+        <p:txBody>
+          <a:bodyPr wrap="none" rtlCol="0">
+            <a:spAutoFit/>
+          </a:bodyPr>
+          <a:lstStyle/>
+          <a:p>
+            <a:r>
+              <a:rPr lang="fr-FR" dirty="0" err="1"/>
+              <a:t>Sikulix</a:t>
+            </a:r>
+            <a:endParaRPr lang="en-US" dirty="0"/>
+          </a:p>
+        </p:txBody>
+      </p:sp>
+      <p:sp>
+        <p:nvSpPr>
+          <p:cNvPr id="23" name="Rectangle 22">
+            <a:extLst>
+              <a:ext uri="{FF2B5EF4-FFF2-40B4-BE49-F238E27FC236}">
+                <a16:creationId xmlns:a16="http://schemas.microsoft.com/office/drawing/2014/main" id="{782B71A4-61FF-4463-B580-A89535398DDA}"/>
+              </a:ext>
+            </a:extLst>
+          </p:cNvPr>
+          <p:cNvSpPr/>
+          <p:nvPr/>
+        </p:nvSpPr>
+        <p:spPr>
+          <a:xfrm>
+            <a:off x="4523786" y="1783317"/>
+            <a:ext cx="1037463" cy="1786264"/>
+          </a:xfrm>
+          <a:prstGeom prst="rect">
+            <a:avLst/>
+          </a:prstGeom>
+          <a:noFill/>
+          <a:ln>
+            <a:solidFill>
+              <a:schemeClr val="accent2"/>
+            </a:solidFill>
+          </a:ln>
+        </p:spPr>
+        <p:style>
+          <a:lnRef idx="2">
+            <a:schemeClr val="accent1">
+              <a:shade val="50000"/>
+            </a:schemeClr>
+          </a:lnRef>
+          <a:fillRef idx="1">
+            <a:schemeClr val="accent1"/>
+          </a:fillRef>
+          <a:effectRef idx="0">
+            <a:schemeClr val="accent1"/>
+          </a:effectRef>
+          <a:fontRef idx="minor">
+            <a:schemeClr val="lt1"/>
+          </a:fontRef>
+        </p:style>
+        <p:txBody>
+          <a:bodyPr rtlCol="0" anchor="ctr"/>
+          <a:lstStyle/>
+          <a:p>
+            <a:pPr algn="ctr"/>
+            <a:endParaRPr lang="en-US"/>
+          </a:p>
+        </p:txBody>
+      </p:sp>
+      <p:pic>
+        <p:nvPicPr>
+          <p:cNvPr id="36" name="Picture 14" descr="http://assets.ruxitlabs.com/icons/png/green/Icons_file_001_Browser.png">
+            <a:extLst>
+              <a:ext uri="{FF2B5EF4-FFF2-40B4-BE49-F238E27FC236}">
+                <a16:creationId xmlns:a16="http://schemas.microsoft.com/office/drawing/2014/main" id="{C99827B9-9A5D-4FE7-957F-1AAE2D0E8205}"/>
+              </a:ext>
+            </a:extLst>
+          </p:cNvPr>
+          <p:cNvPicPr>
+            <a:picLocks noChangeAspect="1" noChangeArrowheads="1"/>
+          </p:cNvPicPr>
+          <p:nvPr/>
+        </p:nvPicPr>
+        <p:blipFill>
+          <a:blip r:embed="rId5" cstate="print">
+            <a:extLst>
+              <a:ext uri="{28A0092B-C50C-407E-A947-70E740481C1C}">
+                <a14:useLocalDpi xmlns:a14="http://schemas.microsoft.com/office/drawing/2010/main" val="0"/>
+              </a:ext>
+            </a:extLst>
+          </a:blip>
+          <a:srcRect/>
+          <a:stretch>
+            <a:fillRect/>
+          </a:stretch>
+        </p:blipFill>
+        <p:spPr bwMode="auto">
+          <a:xfrm>
+            <a:off x="1629098" y="2374356"/>
+            <a:ext cx="678029" cy="678029"/>
+          </a:xfrm>
+          <a:prstGeom prst="rect">
+            <a:avLst/>
+          </a:prstGeom>
+          <a:noFill/>
+          <a:extLst>
+            <a:ext uri="{909E8E84-426E-40dd-AFC4-6F175D3DCCD1}">
+              <a14:hiddenFill xmlns:a14="http://schemas.microsoft.com/office/drawing/2010/main" xmlns="">
+                <a:solidFill>
+                  <a:srgbClr val="FFFFFF"/>
+                </a:solidFill>
+              </a14:hiddenFill>
+            </a:ext>
+          </a:extLst>
+        </p:spPr>
+      </p:pic>
+      <p:sp>
+        <p:nvSpPr>
+          <p:cNvPr id="37" name="TextBox 36">
+            <a:extLst>
+              <a:ext uri="{FF2B5EF4-FFF2-40B4-BE49-F238E27FC236}">
+                <a16:creationId xmlns:a16="http://schemas.microsoft.com/office/drawing/2014/main" id="{013BCD90-9467-4BDB-B529-8EA8999E5F13}"/>
+              </a:ext>
+            </a:extLst>
+          </p:cNvPr>
+          <p:cNvSpPr txBox="1"/>
+          <p:nvPr/>
+        </p:nvSpPr>
+        <p:spPr>
+          <a:xfrm>
+            <a:off x="1692451" y="2935274"/>
+            <a:ext cx="645498" cy="461665"/>
+          </a:xfrm>
+          <a:prstGeom prst="rect">
+            <a:avLst/>
+          </a:prstGeom>
+          <a:noFill/>
+        </p:spPr>
+        <p:txBody>
+          <a:bodyPr wrap="square" rtlCol="0">
+            <a:spAutoFit/>
+          </a:bodyPr>
+          <a:lstStyle/>
+          <a:p>
+            <a:pPr marL="0" marR="0" lvl="0" indent="0" defTabSz="914400" eaLnBrk="1" fontAlgn="auto" latinLnBrk="0" hangingPunct="1">
+              <a:lnSpc>
+                <a:spcPct val="100000"/>
+              </a:lnSpc>
+              <a:spcBef>
+                <a:spcPts val="0"/>
+              </a:spcBef>
+              <a:spcAft>
+                <a:spcPts val="0"/>
+              </a:spcAft>
+              <a:buClrTx/>
+              <a:buSzTx/>
+              <a:buFontTx/>
+              <a:buNone/>
+              <a:tabLst/>
+              <a:defRPr/>
+            </a:pPr>
+            <a:r>
+              <a:rPr lang="de-AT" sz="1200" kern="0" dirty="0">
+                <a:solidFill>
+                  <a:srgbClr val="92D050">
+                    <a:lumMod val="75000"/>
+                  </a:srgbClr>
+                </a:solidFill>
+                <a:latin typeface="Calibri" panose="020F0502020204030204"/>
+                <a:ea typeface=""/>
+                <a:cs typeface=""/>
+              </a:rPr>
+              <a:t>Tested App</a:t>
+            </a:r>
+            <a:r>
+              <a:rPr kumimoji="0" lang="de-AT" sz="1200" b="0" i="0" u="none" strike="noStrike" kern="0" cap="none" spc="0" normalizeH="0" baseline="0" noProof="0" dirty="0">
+                <a:ln>
+                  <a:noFill/>
+                </a:ln>
+                <a:solidFill>
+                  <a:srgbClr val="92D050">
+                    <a:lumMod val="75000"/>
+                  </a:srgbClr>
+                </a:solidFill>
+                <a:effectLst/>
+                <a:uLnTx/>
+                <a:uFillTx/>
+                <a:latin typeface="Calibri" panose="020F0502020204030204"/>
+                <a:ea typeface=""/>
+                <a:cs typeface=""/>
+              </a:rPr>
+              <a:t> UI</a:t>
+            </a:r>
+          </a:p>
+        </p:txBody>
+      </p:sp>
+      <p:pic>
+        <p:nvPicPr>
+          <p:cNvPr id="57" name="Picture 14" descr="http://assets.ruxitlabs.com/icons/png/green/Icons_file_001_Browser.png">
+            <a:extLst>
+              <a:ext uri="{FF2B5EF4-FFF2-40B4-BE49-F238E27FC236}">
+                <a16:creationId xmlns:a16="http://schemas.microsoft.com/office/drawing/2014/main" id="{53811B6C-8D2E-4F5E-8F1B-0E7A851D5D75}"/>
+              </a:ext>
+            </a:extLst>
+          </p:cNvPr>
+          <p:cNvPicPr>
+            <a:picLocks noChangeAspect="1" noChangeArrowheads="1"/>
+          </p:cNvPicPr>
+          <p:nvPr/>
+        </p:nvPicPr>
+        <p:blipFill>
+          <a:blip r:embed="rId5" cstate="print">
+            <a:extLst>
+              <a:ext uri="{28A0092B-C50C-407E-A947-70E740481C1C}">
+                <a14:useLocalDpi xmlns:a14="http://schemas.microsoft.com/office/drawing/2010/main" val="0"/>
+              </a:ext>
+            </a:extLst>
+          </a:blip>
+          <a:srcRect/>
+          <a:stretch>
+            <a:fillRect/>
+          </a:stretch>
+        </p:blipFill>
+        <p:spPr bwMode="auto">
+          <a:xfrm>
+            <a:off x="1629098" y="4451499"/>
+            <a:ext cx="678029" cy="678029"/>
+          </a:xfrm>
+          <a:prstGeom prst="rect">
+            <a:avLst/>
+          </a:prstGeom>
+          <a:noFill/>
+          <a:extLst>
+            <a:ext uri="{909E8E84-426E-40dd-AFC4-6F175D3DCCD1}">
+              <a14:hiddenFill xmlns:a14="http://schemas.microsoft.com/office/drawing/2010/main" xmlns="">
+                <a:solidFill>
+                  <a:srgbClr val="FFFFFF"/>
+                </a:solidFill>
+              </a14:hiddenFill>
+            </a:ext>
+          </a:extLst>
+        </p:spPr>
+      </p:pic>
+      <p:sp>
+        <p:nvSpPr>
+          <p:cNvPr id="58" name="TextBox 57">
+            <a:extLst>
+              <a:ext uri="{FF2B5EF4-FFF2-40B4-BE49-F238E27FC236}">
+                <a16:creationId xmlns:a16="http://schemas.microsoft.com/office/drawing/2014/main" id="{35D324E1-ABDC-44B1-9199-06F46D34DCFC}"/>
+              </a:ext>
+            </a:extLst>
+          </p:cNvPr>
+          <p:cNvSpPr txBox="1"/>
+          <p:nvPr/>
+        </p:nvSpPr>
+        <p:spPr>
+          <a:xfrm>
+            <a:off x="1692451" y="5012417"/>
+            <a:ext cx="645498" cy="461665"/>
+          </a:xfrm>
+          <a:prstGeom prst="rect">
+            <a:avLst/>
+          </a:prstGeom>
+          <a:noFill/>
+        </p:spPr>
+        <p:txBody>
+          <a:bodyPr wrap="square" rtlCol="0">
+            <a:spAutoFit/>
+          </a:bodyPr>
+          <a:lstStyle/>
+          <a:p>
+            <a:pPr marL="0" marR="0" lvl="0" indent="0" defTabSz="914400" eaLnBrk="1" fontAlgn="auto" latinLnBrk="0" hangingPunct="1">
+              <a:lnSpc>
+                <a:spcPct val="100000"/>
+              </a:lnSpc>
+              <a:spcBef>
+                <a:spcPts val="0"/>
+              </a:spcBef>
+              <a:spcAft>
+                <a:spcPts val="0"/>
+              </a:spcAft>
+              <a:buClrTx/>
+              <a:buSzTx/>
+              <a:buFontTx/>
+              <a:buNone/>
+              <a:tabLst/>
+              <a:defRPr/>
+            </a:pPr>
+            <a:r>
+              <a:rPr lang="de-AT" sz="1200" kern="0" dirty="0">
+                <a:solidFill>
+                  <a:srgbClr val="92D050">
+                    <a:lumMod val="75000"/>
+                  </a:srgbClr>
+                </a:solidFill>
+                <a:latin typeface="Calibri" panose="020F0502020204030204"/>
+                <a:ea typeface=""/>
+                <a:cs typeface=""/>
+              </a:rPr>
+              <a:t>Tested App</a:t>
+            </a:r>
+            <a:r>
+              <a:rPr kumimoji="0" lang="de-AT" sz="1200" b="0" i="0" u="none" strike="noStrike" kern="0" cap="none" spc="0" normalizeH="0" baseline="0" noProof="0" dirty="0">
+                <a:ln>
+                  <a:noFill/>
+                </a:ln>
+                <a:solidFill>
+                  <a:srgbClr val="92D050">
+                    <a:lumMod val="75000"/>
+                  </a:srgbClr>
+                </a:solidFill>
+                <a:effectLst/>
+                <a:uLnTx/>
+                <a:uFillTx/>
+                <a:latin typeface="Calibri" panose="020F0502020204030204"/>
+                <a:ea typeface=""/>
+                <a:cs typeface=""/>
+              </a:rPr>
+              <a:t> UI</a:t>
+            </a:r>
+          </a:p>
+        </p:txBody>
+      </p:sp>
+      <p:sp>
+        <p:nvSpPr>
+          <p:cNvPr id="26" name="TextBox 25">
+            <a:extLst>
+              <a:ext uri="{FF2B5EF4-FFF2-40B4-BE49-F238E27FC236}">
+                <a16:creationId xmlns:a16="http://schemas.microsoft.com/office/drawing/2014/main" id="{AF36D902-1004-400B-A510-A1169E694D94}"/>
+              </a:ext>
+            </a:extLst>
+          </p:cNvPr>
+          <p:cNvSpPr txBox="1"/>
+          <p:nvPr/>
+        </p:nvSpPr>
+        <p:spPr>
+          <a:xfrm>
+            <a:off x="589001" y="1272746"/>
+            <a:ext cx="683200" cy="369332"/>
+          </a:xfrm>
+          <a:prstGeom prst="rect">
+            <a:avLst/>
+          </a:prstGeom>
+          <a:noFill/>
+        </p:spPr>
+        <p:txBody>
+          <a:bodyPr wrap="none" rtlCol="0">
+            <a:spAutoFit/>
+          </a:bodyPr>
+          <a:lstStyle/>
+          <a:p>
+            <a:r>
+              <a:rPr lang="fr-FR" dirty="0"/>
+              <a:t>VM 1</a:t>
+            </a:r>
+            <a:endParaRPr lang="en-US" dirty="0"/>
+          </a:p>
+        </p:txBody>
+      </p:sp>
+      <p:sp>
+        <p:nvSpPr>
+          <p:cNvPr id="64" name="TextBox 63">
+            <a:extLst>
+              <a:ext uri="{FF2B5EF4-FFF2-40B4-BE49-F238E27FC236}">
+                <a16:creationId xmlns:a16="http://schemas.microsoft.com/office/drawing/2014/main" id="{8093BC03-AEAB-41C9-9561-70BAB2F046DC}"/>
+              </a:ext>
+            </a:extLst>
+          </p:cNvPr>
+          <p:cNvSpPr txBox="1"/>
+          <p:nvPr/>
+        </p:nvSpPr>
+        <p:spPr>
+          <a:xfrm>
+            <a:off x="567177" y="3147115"/>
+            <a:ext cx="683200" cy="369332"/>
+          </a:xfrm>
+          <a:prstGeom prst="rect">
+            <a:avLst/>
+          </a:prstGeom>
+          <a:noFill/>
+        </p:spPr>
+        <p:txBody>
+          <a:bodyPr wrap="none" rtlCol="0">
+            <a:spAutoFit/>
+          </a:bodyPr>
+          <a:lstStyle/>
+          <a:p>
+            <a:r>
+              <a:rPr lang="fr-FR" dirty="0"/>
+              <a:t>VM 2</a:t>
+            </a:r>
+            <a:endParaRPr lang="en-US" dirty="0"/>
+          </a:p>
+        </p:txBody>
+      </p:sp>
+      <p:sp>
+        <p:nvSpPr>
+          <p:cNvPr id="65" name="TextBox 64">
+            <a:extLst>
+              <a:ext uri="{FF2B5EF4-FFF2-40B4-BE49-F238E27FC236}">
+                <a16:creationId xmlns:a16="http://schemas.microsoft.com/office/drawing/2014/main" id="{6B5D4DEB-596B-4BDA-8A92-872828C8B7DE}"/>
+              </a:ext>
+            </a:extLst>
+          </p:cNvPr>
+          <p:cNvSpPr txBox="1"/>
+          <p:nvPr/>
+        </p:nvSpPr>
+        <p:spPr>
+          <a:xfrm>
+            <a:off x="638043" y="5104750"/>
+            <a:ext cx="683200" cy="369332"/>
+          </a:xfrm>
+          <a:prstGeom prst="rect">
+            <a:avLst/>
+          </a:prstGeom>
+          <a:noFill/>
+        </p:spPr>
+        <p:txBody>
+          <a:bodyPr wrap="none" rtlCol="0">
+            <a:spAutoFit/>
+          </a:bodyPr>
+          <a:lstStyle/>
+          <a:p>
+            <a:r>
+              <a:rPr lang="fr-FR" dirty="0"/>
+              <a:t>VM 3</a:t>
+            </a:r>
+            <a:endParaRPr lang="en-US" dirty="0"/>
+          </a:p>
+        </p:txBody>
+      </p:sp>
+      <p:sp>
+        <p:nvSpPr>
+          <p:cNvPr id="43" name="Rectangle 42">
+            <a:extLst>
+              <a:ext uri="{FF2B5EF4-FFF2-40B4-BE49-F238E27FC236}">
+                <a16:creationId xmlns:a16="http://schemas.microsoft.com/office/drawing/2014/main" id="{7F14890E-9B8E-4A9A-92B9-B6E1C8C16940}"/>
+              </a:ext>
+            </a:extLst>
+          </p:cNvPr>
+          <p:cNvSpPr/>
+          <p:nvPr/>
+        </p:nvSpPr>
+        <p:spPr>
+          <a:xfrm>
+            <a:off x="7669118" y="2063710"/>
+            <a:ext cx="761065" cy="440675"/>
+          </a:xfrm>
+          <a:prstGeom prst="rect">
+            <a:avLst/>
+          </a:prstGeom>
+          <a:noFill/>
+          <a:ln>
+            <a:noFill/>
+          </a:ln>
+        </p:spPr>
+        <p:style>
+          <a:lnRef idx="2">
+            <a:schemeClr val="accent1">
+              <a:shade val="50000"/>
+            </a:schemeClr>
+          </a:lnRef>
+          <a:fillRef idx="1">
+            <a:schemeClr val="accent1"/>
+          </a:fillRef>
+          <a:effectRef idx="0">
+            <a:schemeClr val="accent1"/>
+          </a:effectRef>
+          <a:fontRef idx="minor">
+            <a:schemeClr val="lt1"/>
+          </a:fontRef>
+        </p:style>
+        <p:txBody>
+          <a:bodyPr rtlCol="0" anchor="ctr"/>
+          <a:lstStyle/>
+          <a:p>
+            <a:pPr marL="0" marR="0" lvl="0" indent="0" algn="ctr" defTabSz="914400" eaLnBrk="1" fontAlgn="auto" latinLnBrk="0" hangingPunct="1">
+              <a:lnSpc>
+                <a:spcPct val="100000"/>
+              </a:lnSpc>
+              <a:spcBef>
+                <a:spcPts val="0"/>
+              </a:spcBef>
+              <a:spcAft>
+                <a:spcPts val="0"/>
+              </a:spcAft>
+              <a:buClrTx/>
+              <a:buSzTx/>
+              <a:buFontTx/>
+              <a:buNone/>
+              <a:tabLst/>
+              <a:defRPr/>
+            </a:pPr>
+            <a:r>
+              <a:rPr kumimoji="0" lang="de-DE" sz="1800" b="0" i="0" u="none" strike="noStrike" kern="0" cap="none" spc="0" normalizeH="0" baseline="0" noProof="0" dirty="0">
+                <a:ln>
+                  <a:noFill/>
+                </a:ln>
+                <a:solidFill>
+                  <a:sysClr val="windowText" lastClr="000000"/>
+                </a:solidFill>
+                <a:effectLst/>
+                <a:uLnTx/>
+                <a:uFillTx/>
+              </a:rPr>
+              <a:t>https 443</a:t>
+            </a:r>
+            <a:endParaRPr kumimoji="0" lang="de-AT" sz="1800" b="0" i="0" u="none" strike="noStrike" kern="0" cap="none" spc="0" normalizeH="0" baseline="0" noProof="0" dirty="0">
+              <a:ln>
+                <a:noFill/>
+              </a:ln>
+              <a:solidFill>
+                <a:sysClr val="windowText" lastClr="000000"/>
+              </a:solidFill>
+              <a:effectLst/>
+              <a:uLnTx/>
+              <a:uFillTx/>
+            </a:endParaRPr>
+          </a:p>
+        </p:txBody>
+      </p:sp>
+      <p:pic>
+        <p:nvPicPr>
+          <p:cNvPr id="49" name="Picture 48">
+            <a:extLst>
+              <a:ext uri="{FF2B5EF4-FFF2-40B4-BE49-F238E27FC236}">
+                <a16:creationId xmlns:a16="http://schemas.microsoft.com/office/drawing/2014/main" id="{999568E0-8F4A-4AE2-891C-0C542A1C0AD2}"/>
+              </a:ext>
+            </a:extLst>
+          </p:cNvPr>
+          <p:cNvPicPr>
+            <a:picLocks noChangeAspect="1"/>
+          </p:cNvPicPr>
+          <p:nvPr/>
+        </p:nvPicPr>
+        <p:blipFill>
+          <a:blip r:embed="rId7"/>
+          <a:stretch>
+            <a:fillRect/>
+          </a:stretch>
+        </p:blipFill>
+        <p:spPr>
+          <a:xfrm>
+            <a:off x="6707581" y="1873649"/>
+            <a:ext cx="542925" cy="714375"/>
+          </a:xfrm>
+          <a:prstGeom prst="rect">
+            <a:avLst/>
+          </a:prstGeom>
+        </p:spPr>
+      </p:pic>
+      <p:pic>
+        <p:nvPicPr>
+          <p:cNvPr id="50" name="Picture 49">
+            <a:extLst>
+              <a:ext uri="{FF2B5EF4-FFF2-40B4-BE49-F238E27FC236}">
+                <a16:creationId xmlns:a16="http://schemas.microsoft.com/office/drawing/2014/main" id="{64D6F09F-D6CA-4BF5-958B-EA9FF7261651}"/>
+              </a:ext>
+            </a:extLst>
+          </p:cNvPr>
+          <p:cNvPicPr>
+            <a:picLocks noChangeAspect="1"/>
+          </p:cNvPicPr>
+          <p:nvPr/>
+        </p:nvPicPr>
+        <p:blipFill>
+          <a:blip r:embed="rId8">
+            <a:extLst>
+              <a:ext uri="{28A0092B-C50C-407E-A947-70E740481C1C}">
+                <a14:useLocalDpi xmlns:a14="http://schemas.microsoft.com/office/drawing/2010/main" val="0"/>
+              </a:ext>
+            </a:extLst>
+          </a:blip>
+          <a:stretch>
+            <a:fillRect/>
+          </a:stretch>
+        </p:blipFill>
+        <p:spPr>
+          <a:xfrm>
+            <a:off x="6270244" y="1847737"/>
+            <a:ext cx="530613" cy="530613"/>
+          </a:xfrm>
+          <a:prstGeom prst="rect">
+            <a:avLst/>
+          </a:prstGeom>
+        </p:spPr>
+      </p:pic>
+      <p:cxnSp>
+        <p:nvCxnSpPr>
+          <p:cNvPr id="51" name="Straight Connector 50">
+            <a:extLst>
+              <a:ext uri="{FF2B5EF4-FFF2-40B4-BE49-F238E27FC236}">
+                <a16:creationId xmlns:a16="http://schemas.microsoft.com/office/drawing/2014/main" id="{38A56289-FDB2-4CFF-809D-0E4C3C12ECA0}"/>
+              </a:ext>
+            </a:extLst>
+          </p:cNvPr>
+          <p:cNvCxnSpPr>
+            <a:cxnSpLocks/>
+          </p:cNvCxnSpPr>
+          <p:nvPr/>
+        </p:nvCxnSpPr>
+        <p:spPr>
+          <a:xfrm>
+            <a:off x="7497579" y="2284048"/>
+            <a:ext cx="1223319" cy="1"/>
+          </a:xfrm>
+          <a:prstGeom prst="line">
+            <a:avLst/>
+          </a:prstGeom>
+          <a:ln>
+            <a:solidFill>
+              <a:schemeClr val="tx1">
+                <a:lumMod val="50000"/>
+                <a:lumOff val="50000"/>
+              </a:schemeClr>
+            </a:solidFill>
+            <a:headEnd type="none" w="med" len="med"/>
+            <a:tailEnd type="triangle" w="med" len="med"/>
+          </a:ln>
+        </p:spPr>
+        <p:style>
+          <a:lnRef idx="2">
+            <a:schemeClr val="accent1"/>
+          </a:lnRef>
+          <a:fillRef idx="0">
+            <a:schemeClr val="accent1"/>
+          </a:fillRef>
+          <a:effectRef idx="1">
+            <a:schemeClr val="accent1"/>
+          </a:effectRef>
+          <a:fontRef idx="minor">
+            <a:schemeClr val="tx1"/>
+          </a:fontRef>
+        </p:style>
+      </p:cxnSp>
+      <p:sp>
+        <p:nvSpPr>
+          <p:cNvPr id="55" name="TextBox 54">
+            <a:extLst>
+              <a:ext uri="{FF2B5EF4-FFF2-40B4-BE49-F238E27FC236}">
+                <a16:creationId xmlns:a16="http://schemas.microsoft.com/office/drawing/2014/main" id="{94143D23-0ED0-4551-A4E2-48A910C267E2}"/>
+              </a:ext>
+            </a:extLst>
+          </p:cNvPr>
+          <p:cNvSpPr txBox="1"/>
+          <p:nvPr/>
+        </p:nvSpPr>
+        <p:spPr>
+          <a:xfrm>
+            <a:off x="6279164" y="2613936"/>
+            <a:ext cx="1099980" cy="830997"/>
+          </a:xfrm>
+          <a:prstGeom prst="rect">
+            <a:avLst/>
+          </a:prstGeom>
+          <a:noFill/>
+        </p:spPr>
+        <p:txBody>
+          <a:bodyPr wrap="none" rtlCol="0">
+            <a:spAutoFit/>
+          </a:bodyPr>
+          <a:lstStyle/>
+          <a:p>
+            <a:pPr marL="0" marR="0" lvl="0" indent="0" algn="ctr" defTabSz="914400" eaLnBrk="1" fontAlgn="auto" latinLnBrk="0" hangingPunct="1">
+              <a:lnSpc>
+                <a:spcPct val="100000"/>
+              </a:lnSpc>
+              <a:spcBef>
+                <a:spcPts val="0"/>
+              </a:spcBef>
+              <a:spcAft>
+                <a:spcPts val="0"/>
+              </a:spcAft>
+              <a:buClrTx/>
+              <a:buSzTx/>
+              <a:buFontTx/>
+              <a:buNone/>
+              <a:tabLst/>
+              <a:defRPr/>
+            </a:pPr>
+            <a:r>
+              <a:rPr kumimoji="0" lang="de-AT" sz="1600" b="0" i="0" u="none" strike="noStrike" kern="0" cap="none" spc="0" normalizeH="0" baseline="0" noProof="0" dirty="0">
+                <a:ln>
+                  <a:noFill/>
+                </a:ln>
+                <a:solidFill>
+                  <a:srgbClr val="1496FF"/>
+                </a:solidFill>
+                <a:effectLst/>
+                <a:uLnTx/>
+                <a:uFillTx/>
+                <a:latin typeface="Calibri" panose="020F0502020204030204"/>
+                <a:ea typeface=""/>
+                <a:cs typeface=""/>
+              </a:rPr>
+              <a:t>Dynatrace</a:t>
+            </a:r>
+          </a:p>
+          <a:p>
+            <a:pPr marL="0" marR="0" lvl="0" indent="0" algn="ctr" defTabSz="914400" eaLnBrk="1" fontAlgn="auto" latinLnBrk="0" hangingPunct="1">
+              <a:lnSpc>
+                <a:spcPct val="100000"/>
+              </a:lnSpc>
+              <a:spcBef>
+                <a:spcPts val="0"/>
+              </a:spcBef>
+              <a:spcAft>
+                <a:spcPts val="0"/>
+              </a:spcAft>
+              <a:buClrTx/>
+              <a:buSzTx/>
+              <a:buFontTx/>
+              <a:buNone/>
+              <a:tabLst/>
+              <a:defRPr/>
+            </a:pPr>
+            <a:r>
+              <a:rPr kumimoji="0" lang="de-AT" sz="1600" b="0" i="0" u="none" strike="noStrike" kern="0" cap="none" spc="0" normalizeH="0" baseline="0" noProof="0" dirty="0">
+                <a:ln>
+                  <a:noFill/>
+                </a:ln>
+                <a:solidFill>
+                  <a:srgbClr val="1496FF"/>
+                </a:solidFill>
+                <a:effectLst/>
+                <a:uLnTx/>
+                <a:uFillTx/>
+                <a:latin typeface="Calibri" panose="020F0502020204030204"/>
+                <a:ea typeface=""/>
+                <a:cs typeface=""/>
+              </a:rPr>
+              <a:t>Synthetic</a:t>
+            </a:r>
+          </a:p>
+          <a:p>
+            <a:pPr marL="0" marR="0" lvl="0" indent="0" algn="ctr" defTabSz="914400" eaLnBrk="1" fontAlgn="auto" latinLnBrk="0" hangingPunct="1">
+              <a:lnSpc>
+                <a:spcPct val="100000"/>
+              </a:lnSpc>
+              <a:spcBef>
+                <a:spcPts val="0"/>
+              </a:spcBef>
+              <a:spcAft>
+                <a:spcPts val="0"/>
+              </a:spcAft>
+              <a:buClrTx/>
+              <a:buSzTx/>
+              <a:buFontTx/>
+              <a:buNone/>
+              <a:tabLst/>
+              <a:defRPr/>
+            </a:pPr>
+            <a:r>
+              <a:rPr kumimoji="0" lang="de-AT" sz="1600" b="0" i="0" u="none" strike="noStrike" kern="0" cap="none" spc="0" normalizeH="0" baseline="0" noProof="0" dirty="0">
+                <a:ln>
+                  <a:noFill/>
+                </a:ln>
+                <a:solidFill>
+                  <a:srgbClr val="1496FF"/>
+                </a:solidFill>
+                <a:effectLst/>
+                <a:uLnTx/>
+                <a:uFillTx/>
+                <a:latin typeface="Calibri" panose="020F0502020204030204"/>
+                <a:ea typeface=""/>
+                <a:cs typeface=""/>
+              </a:rPr>
+              <a:t>ActiveGate</a:t>
+            </a:r>
+          </a:p>
+        </p:txBody>
+      </p:sp>
+      <p:cxnSp>
+        <p:nvCxnSpPr>
+          <p:cNvPr id="63" name="Straight Connector 62">
+            <a:extLst>
+              <a:ext uri="{FF2B5EF4-FFF2-40B4-BE49-F238E27FC236}">
+                <a16:creationId xmlns:a16="http://schemas.microsoft.com/office/drawing/2014/main" id="{97AAE595-04B2-4425-9479-7D6A4D956A79}"/>
+              </a:ext>
+            </a:extLst>
+          </p:cNvPr>
+          <p:cNvCxnSpPr>
+            <a:cxnSpLocks/>
+          </p:cNvCxnSpPr>
+          <p:nvPr/>
+        </p:nvCxnSpPr>
+        <p:spPr>
+          <a:xfrm rot="10800000">
+            <a:off x="5561249" y="3095602"/>
+            <a:ext cx="703628" cy="12700"/>
+          </a:xfrm>
+          <a:prstGeom prst="bentConnector3">
+            <a:avLst>
+              <a:gd name="adj1" fmla="val 50000"/>
+            </a:avLst>
+          </a:prstGeom>
+          <a:ln>
+            <a:solidFill>
+              <a:schemeClr val="tx1">
+                <a:lumMod val="50000"/>
+                <a:lumOff val="50000"/>
+              </a:schemeClr>
+            </a:solidFill>
+            <a:headEnd type="none" w="med" len="med"/>
+            <a:tailEnd type="triangle" w="med" len="med"/>
+          </a:ln>
+        </p:spPr>
+        <p:style>
+          <a:lnRef idx="2">
+            <a:schemeClr val="accent1"/>
+          </a:lnRef>
+          <a:fillRef idx="0">
+            <a:schemeClr val="accent1"/>
+          </a:fillRef>
+          <a:effectRef idx="1">
+            <a:schemeClr val="accent1"/>
+          </a:effectRef>
+          <a:fontRef idx="minor">
+            <a:schemeClr val="tx1"/>
+          </a:fontRef>
+        </p:style>
+      </p:cxnSp>
+      <p:sp>
+        <p:nvSpPr>
+          <p:cNvPr id="68" name="Rectangle 67">
+            <a:extLst>
+              <a:ext uri="{FF2B5EF4-FFF2-40B4-BE49-F238E27FC236}">
+                <a16:creationId xmlns:a16="http://schemas.microsoft.com/office/drawing/2014/main" id="{C62929A7-4147-416F-900D-0F96A6740EEF}"/>
+              </a:ext>
+            </a:extLst>
+          </p:cNvPr>
+          <p:cNvSpPr/>
+          <p:nvPr/>
+        </p:nvSpPr>
+        <p:spPr>
+          <a:xfrm>
+            <a:off x="5533646" y="2953257"/>
+            <a:ext cx="846794" cy="264730"/>
+          </a:xfrm>
+          <a:prstGeom prst="rect">
+            <a:avLst/>
+          </a:prstGeom>
+          <a:noFill/>
+          <a:ln>
+            <a:noFill/>
+          </a:ln>
+        </p:spPr>
+        <p:style>
+          <a:lnRef idx="2">
+            <a:schemeClr val="accent1">
+              <a:shade val="50000"/>
+            </a:schemeClr>
+          </a:lnRef>
+          <a:fillRef idx="1">
+            <a:schemeClr val="accent1"/>
+          </a:fillRef>
+          <a:effectRef idx="0">
+            <a:schemeClr val="accent1"/>
+          </a:effectRef>
+          <a:fontRef idx="minor">
+            <a:schemeClr val="lt1"/>
+          </a:fontRef>
+        </p:style>
+        <p:txBody>
+          <a:bodyPr rtlCol="0" anchor="ctr"/>
+          <a:lstStyle/>
+          <a:p>
+            <a:pPr marL="0" marR="0" lvl="0" indent="0" algn="ctr" defTabSz="914400" eaLnBrk="1" fontAlgn="auto" latinLnBrk="0" hangingPunct="1">
+              <a:lnSpc>
+                <a:spcPct val="100000"/>
+              </a:lnSpc>
+              <a:spcBef>
+                <a:spcPts val="0"/>
+              </a:spcBef>
+              <a:spcAft>
+                <a:spcPts val="0"/>
+              </a:spcAft>
+              <a:buClrTx/>
+              <a:buSzTx/>
+              <a:buFontTx/>
+              <a:buNone/>
+              <a:tabLst/>
+              <a:defRPr/>
+            </a:pPr>
+            <a:r>
+              <a:rPr kumimoji="0" lang="de-DE" sz="1800" b="0" i="0" u="none" strike="noStrike" kern="0" cap="none" spc="0" normalizeH="0" baseline="0" noProof="0" dirty="0">
+                <a:ln>
+                  <a:noFill/>
+                </a:ln>
+                <a:solidFill>
+                  <a:sysClr val="windowText" lastClr="000000"/>
+                </a:solidFill>
+                <a:effectLst/>
+                <a:uLnTx/>
+                <a:uFillTx/>
+              </a:rPr>
+              <a:t>https</a:t>
+            </a:r>
+            <a:r>
+              <a:rPr lang="de-DE" kern="0" dirty="0">
+                <a:solidFill>
+                  <a:sysClr val="windowText" lastClr="000000"/>
+                </a:solidFill>
+              </a:rPr>
+              <a:t> 5000</a:t>
+            </a:r>
+            <a:endParaRPr kumimoji="0" lang="de-AT" sz="1800" b="0" i="0" u="none" strike="noStrike" kern="0" cap="none" spc="0" normalizeH="0" baseline="0" noProof="0" dirty="0">
+              <a:ln>
+                <a:noFill/>
+              </a:ln>
+              <a:solidFill>
+                <a:sysClr val="windowText" lastClr="000000"/>
+              </a:solidFill>
+              <a:effectLst/>
+              <a:uLnTx/>
+              <a:uFillTx/>
+            </a:endParaRPr>
+          </a:p>
+        </p:txBody>
+      </p:sp>
+      <p:pic>
+        <p:nvPicPr>
+          <p:cNvPr id="3" name="Picture 2" descr="TightVNC Home">
+            <a:extLst>
+              <a:ext uri="{FF2B5EF4-FFF2-40B4-BE49-F238E27FC236}">
+                <a16:creationId xmlns:a16="http://schemas.microsoft.com/office/drawing/2014/main" id="{CFA7263D-3FED-4B94-B3F1-918602C35C42}"/>
+              </a:ext>
+            </a:extLst>
+          </p:cNvPr>
+          <p:cNvPicPr>
+            <a:picLocks noChangeAspect="1" noChangeArrowheads="1"/>
+          </p:cNvPicPr>
+          <p:nvPr/>
+        </p:nvPicPr>
+        <p:blipFill>
+          <a:blip r:embed="rId9">
+            <a:extLst>
+              <a:ext uri="{28A0092B-C50C-407E-A947-70E740481C1C}">
+                <a14:useLocalDpi xmlns:a14="http://schemas.microsoft.com/office/drawing/2010/main" val="0"/>
+              </a:ext>
+            </a:extLst>
+          </a:blip>
+          <a:srcRect/>
+          <a:stretch>
+            <a:fillRect/>
+          </a:stretch>
+        </p:blipFill>
+        <p:spPr bwMode="auto">
+          <a:xfrm>
+            <a:off x="1791903" y="5628808"/>
+            <a:ext cx="440675" cy="440675"/>
+          </a:xfrm>
+          <a:prstGeom prst="rect">
+            <a:avLst/>
+          </a:prstGeom>
+          <a:noFill/>
+          <a:extLst>
+            <a:ext uri="{909E8E84-426E-40DD-AFC4-6F175D3DCCD1}">
+              <a14:hiddenFill xmlns:a14="http://schemas.microsoft.com/office/drawing/2010/main">
+                <a:solidFill>
+                  <a:srgbClr val="FFFFFF"/>
+                </a:solidFill>
+              </a14:hiddenFill>
+            </a:ext>
+          </a:extLst>
+        </p:spPr>
+      </p:pic>
+      <p:pic>
+        <p:nvPicPr>
+          <p:cNvPr id="48" name="Picture 47" descr="TightVNC Home">
+            <a:extLst>
+              <a:ext uri="{FF2B5EF4-FFF2-40B4-BE49-F238E27FC236}">
+                <a16:creationId xmlns:a16="http://schemas.microsoft.com/office/drawing/2014/main" id="{03116195-D7B6-45DC-9A5E-C99D20D14178}"/>
+              </a:ext>
+            </a:extLst>
+          </p:cNvPr>
+          <p:cNvPicPr>
+            <a:picLocks noChangeAspect="1" noChangeArrowheads="1"/>
+          </p:cNvPicPr>
+          <p:nvPr/>
+        </p:nvPicPr>
+        <p:blipFill>
+          <a:blip r:embed="rId9">
+            <a:extLst>
+              <a:ext uri="{28A0092B-C50C-407E-A947-70E740481C1C}">
+                <a14:useLocalDpi xmlns:a14="http://schemas.microsoft.com/office/drawing/2010/main" val="0"/>
+              </a:ext>
+            </a:extLst>
+          </a:blip>
+          <a:srcRect/>
+          <a:stretch>
+            <a:fillRect/>
+          </a:stretch>
+        </p:blipFill>
+        <p:spPr bwMode="auto">
+          <a:xfrm>
+            <a:off x="1746558" y="3635548"/>
+            <a:ext cx="440675" cy="440675"/>
+          </a:xfrm>
+          <a:prstGeom prst="rect">
+            <a:avLst/>
+          </a:prstGeom>
+          <a:noFill/>
+          <a:extLst>
+            <a:ext uri="{909E8E84-426E-40DD-AFC4-6F175D3DCCD1}">
+              <a14:hiddenFill xmlns:a14="http://schemas.microsoft.com/office/drawing/2010/main">
+                <a:solidFill>
+                  <a:srgbClr val="FFFFFF"/>
+                </a:solidFill>
+              </a14:hiddenFill>
+            </a:ext>
+          </a:extLst>
+        </p:spPr>
+      </p:pic>
+      <p:pic>
+        <p:nvPicPr>
+          <p:cNvPr id="67" name="Picture 66" descr="TightVNC Home">
+            <a:extLst>
+              <a:ext uri="{FF2B5EF4-FFF2-40B4-BE49-F238E27FC236}">
+                <a16:creationId xmlns:a16="http://schemas.microsoft.com/office/drawing/2014/main" id="{0BAE562A-DC19-43FB-B9CC-B91C1399BF4D}"/>
+              </a:ext>
+            </a:extLst>
+          </p:cNvPr>
+          <p:cNvPicPr>
+            <a:picLocks noChangeAspect="1" noChangeArrowheads="1"/>
+          </p:cNvPicPr>
+          <p:nvPr/>
+        </p:nvPicPr>
+        <p:blipFill>
+          <a:blip r:embed="rId9">
+            <a:extLst>
+              <a:ext uri="{28A0092B-C50C-407E-A947-70E740481C1C}">
+                <a14:useLocalDpi xmlns:a14="http://schemas.microsoft.com/office/drawing/2010/main" val="0"/>
+              </a:ext>
+            </a:extLst>
+          </a:blip>
+          <a:srcRect/>
+          <a:stretch>
+            <a:fillRect/>
+          </a:stretch>
+        </p:blipFill>
+        <p:spPr bwMode="auto">
+          <a:xfrm>
+            <a:off x="1748133" y="1520001"/>
+            <a:ext cx="440675" cy="440675"/>
+          </a:xfrm>
+          <a:prstGeom prst="rect">
+            <a:avLst/>
+          </a:prstGeom>
+          <a:noFill/>
+          <a:extLst>
+            <a:ext uri="{909E8E84-426E-40DD-AFC4-6F175D3DCCD1}">
+              <a14:hiddenFill xmlns:a14="http://schemas.microsoft.com/office/drawing/2010/main">
+                <a:solidFill>
+                  <a:srgbClr val="FFFFFF"/>
+                </a:solidFill>
+              </a14:hiddenFill>
+            </a:ext>
+          </a:extLst>
+        </p:spPr>
+      </p:pic>
+      <p:pic>
+        <p:nvPicPr>
+          <p:cNvPr id="71" name="Picture 4" descr="nssm.cc">
+            <a:extLst>
+              <a:ext uri="{FF2B5EF4-FFF2-40B4-BE49-F238E27FC236}">
+                <a16:creationId xmlns:a16="http://schemas.microsoft.com/office/drawing/2014/main" id="{FD14BF32-BDD7-4B44-B7E6-FB37F618B1CB}"/>
+              </a:ext>
+            </a:extLst>
+          </p:cNvPr>
+          <p:cNvPicPr>
+            <a:picLocks noChangeAspect="1" noChangeArrowheads="1"/>
+          </p:cNvPicPr>
+          <p:nvPr/>
+        </p:nvPicPr>
+        <p:blipFill>
+          <a:blip r:embed="rId10">
+            <a:extLst>
+              <a:ext uri="{28A0092B-C50C-407E-A947-70E740481C1C}">
+                <a14:useLocalDpi xmlns:a14="http://schemas.microsoft.com/office/drawing/2010/main" val="0"/>
+              </a:ext>
+            </a:extLst>
+          </a:blip>
+          <a:srcRect/>
+          <a:stretch>
+            <a:fillRect/>
+          </a:stretch>
+        </p:blipFill>
+        <p:spPr bwMode="auto">
+          <a:xfrm>
+            <a:off x="4942519" y="2856140"/>
+            <a:ext cx="199995" cy="199995"/>
+          </a:xfrm>
+          <a:prstGeom prst="rect">
+            <a:avLst/>
+          </a:prstGeom>
+          <a:noFill/>
+          <a:extLst>
+            <a:ext uri="{909E8E84-426E-40DD-AFC4-6F175D3DCCD1}">
+              <a14:hiddenFill xmlns:a14="http://schemas.microsoft.com/office/drawing/2010/main">
+                <a:solidFill>
+                  <a:srgbClr val="FFFFFF"/>
+                </a:solidFill>
+              </a14:hiddenFill>
+            </a:ext>
+          </a:extLst>
+        </p:spPr>
+      </p:pic>
+      <p:sp>
+        <p:nvSpPr>
+          <p:cNvPr id="74" name="Rectangle 73">
+            <a:extLst>
+              <a:ext uri="{FF2B5EF4-FFF2-40B4-BE49-F238E27FC236}">
+                <a16:creationId xmlns:a16="http://schemas.microsoft.com/office/drawing/2014/main" id="{EF71D26C-0A92-451C-871C-FB0DC261831F}"/>
+              </a:ext>
+            </a:extLst>
+          </p:cNvPr>
+          <p:cNvSpPr/>
+          <p:nvPr/>
+        </p:nvSpPr>
+        <p:spPr>
+          <a:xfrm>
+            <a:off x="6264877" y="1783317"/>
+            <a:ext cx="1102247" cy="1786261"/>
+          </a:xfrm>
+          <a:prstGeom prst="rect">
+            <a:avLst/>
+          </a:prstGeom>
+          <a:noFill/>
+          <a:ln>
+            <a:solidFill>
+              <a:schemeClr val="accent2"/>
+            </a:solidFill>
+          </a:ln>
+        </p:spPr>
+        <p:style>
+          <a:lnRef idx="2">
+            <a:schemeClr val="accent1">
+              <a:shade val="50000"/>
+            </a:schemeClr>
+          </a:lnRef>
+          <a:fillRef idx="1">
+            <a:schemeClr val="accent1"/>
+          </a:fillRef>
+          <a:effectRef idx="0">
+            <a:schemeClr val="accent1"/>
+          </a:effectRef>
+          <a:fontRef idx="minor">
+            <a:schemeClr val="lt1"/>
+          </a:fontRef>
+        </p:style>
+        <p:txBody>
+          <a:bodyPr rtlCol="0" anchor="ctr"/>
+          <a:lstStyle/>
+          <a:p>
+            <a:pPr algn="ctr"/>
+            <a:endParaRPr lang="en-US"/>
+          </a:p>
+        </p:txBody>
+      </p:sp>
+      <p:sp>
+        <p:nvSpPr>
+          <p:cNvPr id="75" name="Rectangle 74">
+            <a:extLst>
+              <a:ext uri="{FF2B5EF4-FFF2-40B4-BE49-F238E27FC236}">
+                <a16:creationId xmlns:a16="http://schemas.microsoft.com/office/drawing/2014/main" id="{6F7C79C7-E5F1-44BD-B07C-BA807644768C}"/>
+              </a:ext>
+            </a:extLst>
+          </p:cNvPr>
+          <p:cNvSpPr/>
+          <p:nvPr/>
+        </p:nvSpPr>
+        <p:spPr>
+          <a:xfrm>
+            <a:off x="8802714" y="1670167"/>
+            <a:ext cx="1102247" cy="1661614"/>
+          </a:xfrm>
+          <a:prstGeom prst="rect">
+            <a:avLst/>
+          </a:prstGeom>
+          <a:noFill/>
+          <a:ln>
+            <a:solidFill>
+              <a:schemeClr val="accent2"/>
+            </a:solidFill>
+          </a:ln>
+        </p:spPr>
+        <p:style>
+          <a:lnRef idx="2">
+            <a:schemeClr val="accent1">
+              <a:shade val="50000"/>
+            </a:schemeClr>
+          </a:lnRef>
+          <a:fillRef idx="1">
+            <a:schemeClr val="accent1"/>
+          </a:fillRef>
+          <a:effectRef idx="0">
+            <a:schemeClr val="accent1"/>
+          </a:effectRef>
+          <a:fontRef idx="minor">
+            <a:schemeClr val="lt1"/>
+          </a:fontRef>
+        </p:style>
+        <p:txBody>
+          <a:bodyPr rtlCol="0" anchor="ctr"/>
+          <a:lstStyle/>
+          <a:p>
+            <a:pPr algn="ctr"/>
+            <a:endParaRPr lang="en-US"/>
+          </a:p>
+        </p:txBody>
+      </p:sp>
+      <p:sp>
+        <p:nvSpPr>
+          <p:cNvPr id="8" name="TextBox 7">
+            <a:extLst>
+              <a:ext uri="{FF2B5EF4-FFF2-40B4-BE49-F238E27FC236}">
+                <a16:creationId xmlns:a16="http://schemas.microsoft.com/office/drawing/2014/main" id="{214F4842-FBE5-4879-BAEB-C24A45A1093A}"/>
+              </a:ext>
+            </a:extLst>
+          </p:cNvPr>
+          <p:cNvSpPr txBox="1"/>
+          <p:nvPr/>
+        </p:nvSpPr>
+        <p:spPr>
+          <a:xfrm>
+            <a:off x="4365305" y="175808"/>
+            <a:ext cx="3519064" cy="369332"/>
+          </a:xfrm>
+          <a:prstGeom prst="rect">
+            <a:avLst/>
+          </a:prstGeom>
+          <a:solidFill>
+            <a:schemeClr val="accent6">
+              <a:lumMod val="20000"/>
+              <a:lumOff val="80000"/>
+            </a:schemeClr>
+          </a:solidFill>
+          <a:ln>
+            <a:solidFill>
+              <a:schemeClr val="accent1"/>
+            </a:solidFill>
+          </a:ln>
+          <a:effectLst>
+            <a:outerShdw blurRad="50800" dist="38100" dir="2700000" algn="tl" rotWithShape="0">
+              <a:prstClr val="black">
+                <a:alpha val="40000"/>
+              </a:prstClr>
+            </a:outerShdw>
+          </a:effectLst>
+        </p:spPr>
+        <p:txBody>
+          <a:bodyPr wrap="square" rtlCol="0">
+            <a:spAutoFit/>
+          </a:bodyPr>
+          <a:lstStyle/>
+          <a:p>
+            <a:pPr algn="ctr"/>
+            <a:r>
+              <a:rPr lang="fr-FR" dirty="0" err="1"/>
+              <a:t>Overall</a:t>
+            </a:r>
+            <a:r>
+              <a:rPr lang="fr-FR" dirty="0"/>
+              <a:t> </a:t>
+            </a:r>
+            <a:r>
+              <a:rPr lang="fr-FR" dirty="0" err="1"/>
+              <a:t>deployment</a:t>
+            </a:r>
+            <a:r>
+              <a:rPr lang="fr-FR" dirty="0"/>
+              <a:t> architecture</a:t>
+            </a:r>
+            <a:endParaRPr lang="en-US" dirty="0"/>
+          </a:p>
+        </p:txBody>
+      </p:sp>
+      <p:pic>
+        <p:nvPicPr>
+          <p:cNvPr id="77" name="Picture 14" descr="http://assets.ruxitlabs.com/icons/png/green/Icons_file_001_Browser.png">
+            <a:extLst>
+              <a:ext uri="{FF2B5EF4-FFF2-40B4-BE49-F238E27FC236}">
+                <a16:creationId xmlns:a16="http://schemas.microsoft.com/office/drawing/2014/main" id="{AAB54183-E3DC-41AE-B116-3C16C5B05C25}"/>
+              </a:ext>
+            </a:extLst>
+          </p:cNvPr>
+          <p:cNvPicPr>
+            <a:picLocks noChangeAspect="1" noChangeArrowheads="1"/>
+          </p:cNvPicPr>
+          <p:nvPr/>
+        </p:nvPicPr>
+        <p:blipFill>
+          <a:blip r:embed="rId5" cstate="print">
+            <a:extLst>
+              <a:ext uri="{28A0092B-C50C-407E-A947-70E740481C1C}">
+                <a14:useLocalDpi xmlns:a14="http://schemas.microsoft.com/office/drawing/2010/main" val="0"/>
+              </a:ext>
+            </a:extLst>
+          </a:blip>
+          <a:srcRect/>
+          <a:stretch>
+            <a:fillRect/>
+          </a:stretch>
+        </p:blipFill>
+        <p:spPr bwMode="auto">
+          <a:xfrm>
+            <a:off x="10905865" y="1818451"/>
+            <a:ext cx="678029" cy="678029"/>
+          </a:xfrm>
+          <a:prstGeom prst="rect">
+            <a:avLst/>
+          </a:prstGeom>
+          <a:noFill/>
+          <a:extLst>
+            <a:ext uri="{909E8E84-426E-40dd-AFC4-6F175D3DCCD1}">
+              <a14:hiddenFill xmlns:a14="http://schemas.microsoft.com/office/drawing/2010/main" xmlns="">
+                <a:solidFill>
+                  <a:srgbClr val="FFFFFF"/>
+                </a:solidFill>
+              </a14:hiddenFill>
+            </a:ext>
+          </a:extLst>
+        </p:spPr>
+      </p:pic>
+      <p:sp>
+        <p:nvSpPr>
+          <p:cNvPr id="78" name="TextBox 77">
+            <a:extLst>
+              <a:ext uri="{FF2B5EF4-FFF2-40B4-BE49-F238E27FC236}">
+                <a16:creationId xmlns:a16="http://schemas.microsoft.com/office/drawing/2014/main" id="{E1C12AEB-5014-48E2-9B99-6D4010877354}"/>
+              </a:ext>
+            </a:extLst>
+          </p:cNvPr>
+          <p:cNvSpPr txBox="1"/>
+          <p:nvPr/>
+        </p:nvSpPr>
+        <p:spPr>
+          <a:xfrm>
+            <a:off x="10969217" y="2379369"/>
+            <a:ext cx="835997" cy="461665"/>
+          </a:xfrm>
+          <a:prstGeom prst="rect">
+            <a:avLst/>
+          </a:prstGeom>
+          <a:noFill/>
+        </p:spPr>
+        <p:txBody>
+          <a:bodyPr wrap="square" rtlCol="0">
+            <a:spAutoFit/>
+          </a:bodyPr>
+          <a:lstStyle/>
+          <a:p>
+            <a:pPr marL="0" marR="0" lvl="0" indent="0" algn="ctr" defTabSz="914400" eaLnBrk="1" fontAlgn="auto" latinLnBrk="0" hangingPunct="1">
+              <a:lnSpc>
+                <a:spcPct val="100000"/>
+              </a:lnSpc>
+              <a:spcBef>
+                <a:spcPts val="0"/>
+              </a:spcBef>
+              <a:spcAft>
+                <a:spcPts val="0"/>
+              </a:spcAft>
+              <a:buClrTx/>
+              <a:buSzTx/>
+              <a:buFontTx/>
+              <a:buNone/>
+              <a:tabLst/>
+              <a:defRPr/>
+            </a:pPr>
+            <a:r>
+              <a:rPr lang="de-AT" sz="1200" kern="0" dirty="0">
+                <a:solidFill>
+                  <a:srgbClr val="92D050">
+                    <a:lumMod val="75000"/>
+                  </a:srgbClr>
+                </a:solidFill>
+                <a:latin typeface="Calibri" panose="020F0502020204030204"/>
+                <a:ea typeface=""/>
+                <a:cs typeface=""/>
+              </a:rPr>
+              <a:t>Dynatrace Web UI</a:t>
+            </a:r>
+            <a:endParaRPr kumimoji="0" lang="de-AT" sz="1200" b="0" i="0" u="none" strike="noStrike" kern="0" cap="none" spc="0" normalizeH="0" baseline="0" noProof="0" dirty="0">
+              <a:ln>
+                <a:noFill/>
+              </a:ln>
+              <a:solidFill>
+                <a:srgbClr val="92D050">
+                  <a:lumMod val="75000"/>
+                </a:srgbClr>
+              </a:solidFill>
+              <a:effectLst/>
+              <a:uLnTx/>
+              <a:uFillTx/>
+              <a:latin typeface="Calibri" panose="020F0502020204030204"/>
+              <a:ea typeface=""/>
+              <a:cs typeface=""/>
+            </a:endParaRPr>
+          </a:p>
+        </p:txBody>
+      </p:sp>
+      <p:cxnSp>
+        <p:nvCxnSpPr>
+          <p:cNvPr id="79" name="Straight Connector 78">
+            <a:extLst>
+              <a:ext uri="{FF2B5EF4-FFF2-40B4-BE49-F238E27FC236}">
+                <a16:creationId xmlns:a16="http://schemas.microsoft.com/office/drawing/2014/main" id="{9A0CDDC3-25F3-4A04-9127-5F3E9ACA6503}"/>
+              </a:ext>
+            </a:extLst>
+          </p:cNvPr>
+          <p:cNvCxnSpPr>
+            <a:cxnSpLocks/>
+          </p:cNvCxnSpPr>
+          <p:nvPr/>
+        </p:nvCxnSpPr>
+        <p:spPr>
+          <a:xfrm flipH="1">
+            <a:off x="10030830" y="2296779"/>
+            <a:ext cx="799526" cy="0"/>
+          </a:xfrm>
+          <a:prstGeom prst="line">
+            <a:avLst/>
+          </a:prstGeom>
+          <a:ln>
+            <a:solidFill>
+              <a:schemeClr val="tx1">
+                <a:lumMod val="50000"/>
+                <a:lumOff val="50000"/>
+              </a:schemeClr>
+            </a:solidFill>
+            <a:headEnd type="none" w="med" len="med"/>
+            <a:tailEnd type="triangle" w="med" len="med"/>
+          </a:ln>
+        </p:spPr>
+        <p:style>
+          <a:lnRef idx="2">
+            <a:schemeClr val="accent1"/>
+          </a:lnRef>
+          <a:fillRef idx="0">
+            <a:schemeClr val="accent1"/>
+          </a:fillRef>
+          <a:effectRef idx="1">
+            <a:schemeClr val="accent1"/>
+          </a:effectRef>
+          <a:fontRef idx="minor">
+            <a:schemeClr val="tx1"/>
+          </a:fontRef>
+        </p:style>
+      </p:cxnSp>
+      <p:sp>
+        <p:nvSpPr>
+          <p:cNvPr id="80" name="Rectangle 79">
+            <a:extLst>
+              <a:ext uri="{FF2B5EF4-FFF2-40B4-BE49-F238E27FC236}">
+                <a16:creationId xmlns:a16="http://schemas.microsoft.com/office/drawing/2014/main" id="{AC3F5630-D8D3-425A-8761-77B085453D65}"/>
+              </a:ext>
+            </a:extLst>
+          </p:cNvPr>
+          <p:cNvSpPr/>
+          <p:nvPr/>
+        </p:nvSpPr>
+        <p:spPr>
+          <a:xfrm>
+            <a:off x="10106864" y="2063735"/>
+            <a:ext cx="761065" cy="440675"/>
+          </a:xfrm>
+          <a:prstGeom prst="rect">
+            <a:avLst/>
+          </a:prstGeom>
+          <a:noFill/>
+          <a:ln>
+            <a:noFill/>
+          </a:ln>
+        </p:spPr>
+        <p:style>
+          <a:lnRef idx="2">
+            <a:schemeClr val="accent1">
+              <a:shade val="50000"/>
+            </a:schemeClr>
+          </a:lnRef>
+          <a:fillRef idx="1">
+            <a:schemeClr val="accent1"/>
+          </a:fillRef>
+          <a:effectRef idx="0">
+            <a:schemeClr val="accent1"/>
+          </a:effectRef>
+          <a:fontRef idx="minor">
+            <a:schemeClr val="lt1"/>
+          </a:fontRef>
+        </p:style>
+        <p:txBody>
+          <a:bodyPr rtlCol="0" anchor="ctr"/>
+          <a:lstStyle/>
+          <a:p>
+            <a:pPr marL="0" marR="0" lvl="0" indent="0" algn="ctr" defTabSz="914400" eaLnBrk="1" fontAlgn="auto" latinLnBrk="0" hangingPunct="1">
+              <a:lnSpc>
+                <a:spcPct val="100000"/>
+              </a:lnSpc>
+              <a:spcBef>
+                <a:spcPts val="0"/>
+              </a:spcBef>
+              <a:spcAft>
+                <a:spcPts val="0"/>
+              </a:spcAft>
+              <a:buClrTx/>
+              <a:buSzTx/>
+              <a:buFontTx/>
+              <a:buNone/>
+              <a:tabLst/>
+              <a:defRPr/>
+            </a:pPr>
+            <a:r>
+              <a:rPr kumimoji="0" lang="de-DE" sz="1800" b="0" i="0" u="none" strike="noStrike" kern="0" cap="none" spc="0" normalizeH="0" baseline="0" noProof="0" dirty="0">
+                <a:ln>
+                  <a:noFill/>
+                </a:ln>
+                <a:solidFill>
+                  <a:sysClr val="windowText" lastClr="000000"/>
+                </a:solidFill>
+                <a:effectLst/>
+                <a:uLnTx/>
+                <a:uFillTx/>
+              </a:rPr>
+              <a:t>https 443</a:t>
+            </a:r>
+            <a:endParaRPr kumimoji="0" lang="de-AT" sz="1800" b="0" i="0" u="none" strike="noStrike" kern="0" cap="none" spc="0" normalizeH="0" baseline="0" noProof="0" dirty="0">
+              <a:ln>
+                <a:noFill/>
+              </a:ln>
+              <a:solidFill>
+                <a:sysClr val="windowText" lastClr="000000"/>
+              </a:solidFill>
+              <a:effectLst/>
+              <a:uLnTx/>
+              <a:uFillTx/>
+            </a:endParaRPr>
+          </a:p>
+        </p:txBody>
+      </p:sp>
+      <p:sp>
+        <p:nvSpPr>
+          <p:cNvPr id="66" name="Rectangle 65">
+            <a:extLst>
+              <a:ext uri="{FF2B5EF4-FFF2-40B4-BE49-F238E27FC236}">
+                <a16:creationId xmlns:a16="http://schemas.microsoft.com/office/drawing/2014/main" id="{AF1A70F5-EAE1-4559-B21E-1BC6CAE76B06}"/>
+              </a:ext>
+            </a:extLst>
+          </p:cNvPr>
+          <p:cNvSpPr/>
+          <p:nvPr/>
+        </p:nvSpPr>
+        <p:spPr>
+          <a:xfrm>
+            <a:off x="1358711" y="215725"/>
+            <a:ext cx="1037463" cy="2045188"/>
+          </a:xfrm>
+          <a:prstGeom prst="rect">
+            <a:avLst/>
+          </a:prstGeom>
+          <a:noFill/>
+          <a:ln>
+            <a:solidFill>
+              <a:schemeClr val="accent2"/>
+            </a:solidFill>
+          </a:ln>
+        </p:spPr>
+        <p:style>
+          <a:lnRef idx="2">
+            <a:schemeClr val="accent1">
+              <a:shade val="50000"/>
+            </a:schemeClr>
+          </a:lnRef>
+          <a:fillRef idx="1">
+            <a:schemeClr val="accent1"/>
+          </a:fillRef>
+          <a:effectRef idx="0">
+            <a:schemeClr val="accent1"/>
+          </a:effectRef>
+          <a:fontRef idx="minor">
+            <a:schemeClr val="lt1"/>
+          </a:fontRef>
+        </p:style>
+        <p:txBody>
+          <a:bodyPr rtlCol="0" anchor="ctr"/>
+          <a:lstStyle/>
+          <a:p>
+            <a:pPr algn="ctr"/>
+            <a:endParaRPr lang="en-US"/>
+          </a:p>
+        </p:txBody>
+      </p:sp>
+      <p:sp>
+        <p:nvSpPr>
+          <p:cNvPr id="81" name="Rectangle 80">
+            <a:extLst>
+              <a:ext uri="{FF2B5EF4-FFF2-40B4-BE49-F238E27FC236}">
+                <a16:creationId xmlns:a16="http://schemas.microsoft.com/office/drawing/2014/main" id="{0B601F50-8DD3-4C5D-9C9B-6D8F8BC4FF25}"/>
+              </a:ext>
+            </a:extLst>
+          </p:cNvPr>
+          <p:cNvSpPr/>
+          <p:nvPr/>
+        </p:nvSpPr>
+        <p:spPr>
+          <a:xfrm>
+            <a:off x="1358711" y="2296779"/>
+            <a:ext cx="1037463" cy="2045188"/>
+          </a:xfrm>
+          <a:prstGeom prst="rect">
+            <a:avLst/>
+          </a:prstGeom>
+          <a:noFill/>
+          <a:ln>
+            <a:solidFill>
+              <a:schemeClr val="accent2"/>
+            </a:solidFill>
+          </a:ln>
+        </p:spPr>
+        <p:style>
+          <a:lnRef idx="2">
+            <a:schemeClr val="accent1">
+              <a:shade val="50000"/>
+            </a:schemeClr>
+          </a:lnRef>
+          <a:fillRef idx="1">
+            <a:schemeClr val="accent1"/>
+          </a:fillRef>
+          <a:effectRef idx="0">
+            <a:schemeClr val="accent1"/>
+          </a:effectRef>
+          <a:fontRef idx="minor">
+            <a:schemeClr val="lt1"/>
+          </a:fontRef>
+        </p:style>
+        <p:txBody>
+          <a:bodyPr rtlCol="0" anchor="ctr"/>
+          <a:lstStyle/>
+          <a:p>
+            <a:pPr algn="ctr"/>
+            <a:endParaRPr lang="en-US"/>
+          </a:p>
+        </p:txBody>
+      </p:sp>
+      <p:sp>
+        <p:nvSpPr>
+          <p:cNvPr id="82" name="Rectangle 81">
+            <a:extLst>
+              <a:ext uri="{FF2B5EF4-FFF2-40B4-BE49-F238E27FC236}">
+                <a16:creationId xmlns:a16="http://schemas.microsoft.com/office/drawing/2014/main" id="{D3D3C921-BE16-4961-95DC-5CAAC58B261D}"/>
+              </a:ext>
+            </a:extLst>
+          </p:cNvPr>
+          <p:cNvSpPr/>
+          <p:nvPr/>
+        </p:nvSpPr>
+        <p:spPr>
+          <a:xfrm>
+            <a:off x="1358711" y="4373922"/>
+            <a:ext cx="1037463" cy="2045188"/>
+          </a:xfrm>
+          <a:prstGeom prst="rect">
+            <a:avLst/>
+          </a:prstGeom>
+          <a:noFill/>
+          <a:ln>
+            <a:solidFill>
+              <a:schemeClr val="accent2"/>
+            </a:solidFill>
+          </a:ln>
+        </p:spPr>
+        <p:style>
+          <a:lnRef idx="2">
+            <a:schemeClr val="accent1">
+              <a:shade val="50000"/>
+            </a:schemeClr>
+          </a:lnRef>
+          <a:fillRef idx="1">
+            <a:schemeClr val="accent1"/>
+          </a:fillRef>
+          <a:effectRef idx="0">
+            <a:schemeClr val="accent1"/>
+          </a:effectRef>
+          <a:fontRef idx="minor">
+            <a:schemeClr val="lt1"/>
+          </a:fontRef>
+        </p:style>
+        <p:txBody>
+          <a:bodyPr rtlCol="0" anchor="ctr"/>
+          <a:lstStyle/>
+          <a:p>
+            <a:pPr algn="ctr"/>
+            <a:endParaRPr lang="en-US"/>
+          </a:p>
+        </p:txBody>
+      </p:sp>
+      <p:cxnSp>
+        <p:nvCxnSpPr>
+          <p:cNvPr id="83" name="Straight Connector 62">
+            <a:extLst>
+              <a:ext uri="{FF2B5EF4-FFF2-40B4-BE49-F238E27FC236}">
+                <a16:creationId xmlns:a16="http://schemas.microsoft.com/office/drawing/2014/main" id="{C8D4A2C9-86AC-4D7F-B827-64C25A9F72C5}"/>
+              </a:ext>
+            </a:extLst>
+          </p:cNvPr>
+          <p:cNvCxnSpPr>
+            <a:cxnSpLocks/>
+          </p:cNvCxnSpPr>
+          <p:nvPr/>
+        </p:nvCxnSpPr>
+        <p:spPr>
+          <a:xfrm rot="10800000">
+            <a:off x="2519218" y="1714562"/>
+            <a:ext cx="1992549" cy="349148"/>
+          </a:xfrm>
+          <a:prstGeom prst="bentConnector3">
+            <a:avLst>
+              <a:gd name="adj1" fmla="val 50000"/>
+            </a:avLst>
+          </a:prstGeom>
+          <a:ln>
+            <a:solidFill>
+              <a:schemeClr val="tx1">
+                <a:lumMod val="50000"/>
+                <a:lumOff val="50000"/>
+              </a:schemeClr>
+            </a:solidFill>
+            <a:headEnd type="none" w="med" len="med"/>
+            <a:tailEnd type="triangle" w="med" len="med"/>
+          </a:ln>
+        </p:spPr>
+        <p:style>
+          <a:lnRef idx="2">
+            <a:schemeClr val="accent1"/>
+          </a:lnRef>
+          <a:fillRef idx="0">
+            <a:schemeClr val="accent1"/>
+          </a:fillRef>
+          <a:effectRef idx="1">
+            <a:schemeClr val="accent1"/>
+          </a:effectRef>
+          <a:fontRef idx="minor">
+            <a:schemeClr val="tx1"/>
+          </a:fontRef>
+        </p:style>
+      </p:cxnSp>
+      <p:sp>
+        <p:nvSpPr>
+          <p:cNvPr id="84" name="Rectangle 83">
+            <a:extLst>
+              <a:ext uri="{FF2B5EF4-FFF2-40B4-BE49-F238E27FC236}">
+                <a16:creationId xmlns:a16="http://schemas.microsoft.com/office/drawing/2014/main" id="{DC909156-F851-4E0F-B9BD-58E70EB179A0}"/>
+              </a:ext>
+            </a:extLst>
+          </p:cNvPr>
+          <p:cNvSpPr/>
+          <p:nvPr/>
+        </p:nvSpPr>
+        <p:spPr>
+          <a:xfrm>
+            <a:off x="2552707" y="1499429"/>
+            <a:ext cx="846794" cy="415742"/>
+          </a:xfrm>
+          <a:prstGeom prst="rect">
+            <a:avLst/>
+          </a:prstGeom>
+          <a:noFill/>
+          <a:ln>
+            <a:noFill/>
+          </a:ln>
+        </p:spPr>
+        <p:style>
+          <a:lnRef idx="2">
+            <a:schemeClr val="accent1">
+              <a:shade val="50000"/>
+            </a:schemeClr>
+          </a:lnRef>
+          <a:fillRef idx="1">
+            <a:schemeClr val="accent1"/>
+          </a:fillRef>
+          <a:effectRef idx="0">
+            <a:schemeClr val="accent1"/>
+          </a:effectRef>
+          <a:fontRef idx="minor">
+            <a:schemeClr val="lt1"/>
+          </a:fontRef>
+        </p:style>
+        <p:txBody>
+          <a:bodyPr rtlCol="0" anchor="ctr"/>
+          <a:lstStyle/>
+          <a:p>
+            <a:pPr marL="0" marR="0" lvl="0" indent="0" algn="ctr" defTabSz="914400" eaLnBrk="1" fontAlgn="auto" latinLnBrk="0" hangingPunct="1">
+              <a:lnSpc>
+                <a:spcPct val="100000"/>
+              </a:lnSpc>
+              <a:spcBef>
+                <a:spcPts val="0"/>
+              </a:spcBef>
+              <a:spcAft>
+                <a:spcPts val="0"/>
+              </a:spcAft>
+              <a:buClrTx/>
+              <a:buSzTx/>
+              <a:buFontTx/>
+              <a:buNone/>
+              <a:tabLst/>
+              <a:defRPr/>
+            </a:pPr>
+            <a:r>
+              <a:rPr lang="de-DE" kern="0" dirty="0">
+                <a:solidFill>
+                  <a:sysClr val="windowText" lastClr="000000"/>
+                </a:solidFill>
+              </a:rPr>
+              <a:t>tcp 5900</a:t>
+            </a:r>
+            <a:endParaRPr kumimoji="0" lang="de-AT" sz="1800" b="0" i="0" u="none" strike="noStrike" kern="0" cap="none" spc="0" normalizeH="0" baseline="0" noProof="0" dirty="0">
+              <a:ln>
+                <a:noFill/>
+              </a:ln>
+              <a:solidFill>
+                <a:sysClr val="windowText" lastClr="000000"/>
+              </a:solidFill>
+              <a:effectLst/>
+              <a:uLnTx/>
+              <a:uFillTx/>
+            </a:endParaRPr>
+          </a:p>
+        </p:txBody>
+      </p:sp>
+      <p:cxnSp>
+        <p:nvCxnSpPr>
+          <p:cNvPr id="85" name="Straight Connector 62">
+            <a:extLst>
+              <a:ext uri="{FF2B5EF4-FFF2-40B4-BE49-F238E27FC236}">
+                <a16:creationId xmlns:a16="http://schemas.microsoft.com/office/drawing/2014/main" id="{D66EE2ED-60DD-4084-8FCF-B82475908915}"/>
+              </a:ext>
+            </a:extLst>
+          </p:cNvPr>
+          <p:cNvCxnSpPr>
+            <a:cxnSpLocks/>
+          </p:cNvCxnSpPr>
+          <p:nvPr/>
+        </p:nvCxnSpPr>
+        <p:spPr>
+          <a:xfrm rot="10800000" flipV="1">
+            <a:off x="2494519" y="2364590"/>
+            <a:ext cx="2010613" cy="1490716"/>
+          </a:xfrm>
+          <a:prstGeom prst="bentConnector3">
+            <a:avLst>
+              <a:gd name="adj1" fmla="val 50000"/>
+            </a:avLst>
+          </a:prstGeom>
+          <a:ln>
+            <a:solidFill>
+              <a:schemeClr val="tx1">
+                <a:lumMod val="50000"/>
+                <a:lumOff val="50000"/>
+              </a:schemeClr>
+            </a:solidFill>
+            <a:headEnd type="none" w="med" len="med"/>
+            <a:tailEnd type="triangle" w="med" len="med"/>
+          </a:ln>
+        </p:spPr>
+        <p:style>
+          <a:lnRef idx="2">
+            <a:schemeClr val="accent1"/>
+          </a:lnRef>
+          <a:fillRef idx="0">
+            <a:schemeClr val="accent1"/>
+          </a:fillRef>
+          <a:effectRef idx="1">
+            <a:schemeClr val="accent1"/>
+          </a:effectRef>
+          <a:fontRef idx="minor">
+            <a:schemeClr val="tx1"/>
+          </a:fontRef>
+        </p:style>
+      </p:cxnSp>
+      <p:sp>
+        <p:nvSpPr>
+          <p:cNvPr id="86" name="Rectangle 85">
+            <a:extLst>
+              <a:ext uri="{FF2B5EF4-FFF2-40B4-BE49-F238E27FC236}">
+                <a16:creationId xmlns:a16="http://schemas.microsoft.com/office/drawing/2014/main" id="{B30D04A3-A996-47FE-B389-800CBCE69600}"/>
+              </a:ext>
+            </a:extLst>
+          </p:cNvPr>
+          <p:cNvSpPr/>
+          <p:nvPr/>
+        </p:nvSpPr>
+        <p:spPr>
+          <a:xfrm>
+            <a:off x="2534386" y="3635548"/>
+            <a:ext cx="846794" cy="415742"/>
+          </a:xfrm>
+          <a:prstGeom prst="rect">
+            <a:avLst/>
+          </a:prstGeom>
+          <a:noFill/>
+          <a:ln>
+            <a:noFill/>
+          </a:ln>
+        </p:spPr>
+        <p:style>
+          <a:lnRef idx="2">
+            <a:schemeClr val="accent1">
+              <a:shade val="50000"/>
+            </a:schemeClr>
+          </a:lnRef>
+          <a:fillRef idx="1">
+            <a:schemeClr val="accent1"/>
+          </a:fillRef>
+          <a:effectRef idx="0">
+            <a:schemeClr val="accent1"/>
+          </a:effectRef>
+          <a:fontRef idx="minor">
+            <a:schemeClr val="lt1"/>
+          </a:fontRef>
+        </p:style>
+        <p:txBody>
+          <a:bodyPr rtlCol="0" anchor="ctr"/>
+          <a:lstStyle/>
+          <a:p>
+            <a:pPr marL="0" marR="0" lvl="0" indent="0" algn="ctr" defTabSz="914400" eaLnBrk="1" fontAlgn="auto" latinLnBrk="0" hangingPunct="1">
+              <a:lnSpc>
+                <a:spcPct val="100000"/>
+              </a:lnSpc>
+              <a:spcBef>
+                <a:spcPts val="0"/>
+              </a:spcBef>
+              <a:spcAft>
+                <a:spcPts val="0"/>
+              </a:spcAft>
+              <a:buClrTx/>
+              <a:buSzTx/>
+              <a:buFontTx/>
+              <a:buNone/>
+              <a:tabLst/>
+              <a:defRPr/>
+            </a:pPr>
+            <a:r>
+              <a:rPr lang="de-DE" kern="0" dirty="0">
+                <a:solidFill>
+                  <a:sysClr val="windowText" lastClr="000000"/>
+                </a:solidFill>
+              </a:rPr>
+              <a:t>tcp 5900</a:t>
+            </a:r>
+            <a:endParaRPr kumimoji="0" lang="de-AT" sz="1800" b="0" i="0" u="none" strike="noStrike" kern="0" cap="none" spc="0" normalizeH="0" baseline="0" noProof="0" dirty="0">
+              <a:ln>
+                <a:noFill/>
+              </a:ln>
+              <a:solidFill>
+                <a:sysClr val="windowText" lastClr="000000"/>
+              </a:solidFill>
+              <a:effectLst/>
+              <a:uLnTx/>
+              <a:uFillTx/>
+            </a:endParaRPr>
+          </a:p>
+        </p:txBody>
+      </p:sp>
+      <p:cxnSp>
+        <p:nvCxnSpPr>
+          <p:cNvPr id="87" name="Straight Connector 62">
+            <a:extLst>
+              <a:ext uri="{FF2B5EF4-FFF2-40B4-BE49-F238E27FC236}">
+                <a16:creationId xmlns:a16="http://schemas.microsoft.com/office/drawing/2014/main" id="{A523AE11-FCCE-47F0-88E0-D37CFE8F8580}"/>
+              </a:ext>
+            </a:extLst>
+          </p:cNvPr>
+          <p:cNvCxnSpPr>
+            <a:cxnSpLocks/>
+            <a:stCxn id="23" idx="1"/>
+            <a:endCxn id="88" idx="1"/>
+          </p:cNvCxnSpPr>
+          <p:nvPr/>
+        </p:nvCxnSpPr>
+        <p:spPr>
+          <a:xfrm rot="10800000" flipV="1">
+            <a:off x="2433642" y="2676448"/>
+            <a:ext cx="2090144" cy="3096331"/>
+          </a:xfrm>
+          <a:prstGeom prst="bentConnector3">
+            <a:avLst>
+              <a:gd name="adj1" fmla="val 36902"/>
+            </a:avLst>
+          </a:prstGeom>
+          <a:ln>
+            <a:solidFill>
+              <a:schemeClr val="tx1">
+                <a:lumMod val="50000"/>
+                <a:lumOff val="50000"/>
+              </a:schemeClr>
+            </a:solidFill>
+            <a:headEnd type="none" w="med" len="med"/>
+            <a:tailEnd type="triangle" w="med" len="med"/>
+          </a:ln>
+        </p:spPr>
+        <p:style>
+          <a:lnRef idx="2">
+            <a:schemeClr val="accent1"/>
+          </a:lnRef>
+          <a:fillRef idx="0">
+            <a:schemeClr val="accent1"/>
+          </a:fillRef>
+          <a:effectRef idx="1">
+            <a:schemeClr val="accent1"/>
+          </a:effectRef>
+          <a:fontRef idx="minor">
+            <a:schemeClr val="tx1"/>
+          </a:fontRef>
+        </p:style>
+      </p:cxnSp>
+      <p:sp>
+        <p:nvSpPr>
+          <p:cNvPr id="88" name="Rectangle 87">
+            <a:extLst>
+              <a:ext uri="{FF2B5EF4-FFF2-40B4-BE49-F238E27FC236}">
+                <a16:creationId xmlns:a16="http://schemas.microsoft.com/office/drawing/2014/main" id="{E4A467E9-2DE1-46C7-84CD-192C380204F0}"/>
+              </a:ext>
+            </a:extLst>
+          </p:cNvPr>
+          <p:cNvSpPr/>
+          <p:nvPr/>
+        </p:nvSpPr>
+        <p:spPr>
+          <a:xfrm>
+            <a:off x="2433642" y="5564909"/>
+            <a:ext cx="846794" cy="415742"/>
+          </a:xfrm>
+          <a:prstGeom prst="rect">
+            <a:avLst/>
+          </a:prstGeom>
+          <a:noFill/>
+          <a:ln>
+            <a:noFill/>
+          </a:ln>
+        </p:spPr>
+        <p:style>
+          <a:lnRef idx="2">
+            <a:schemeClr val="accent1">
+              <a:shade val="50000"/>
+            </a:schemeClr>
+          </a:lnRef>
+          <a:fillRef idx="1">
+            <a:schemeClr val="accent1"/>
+          </a:fillRef>
+          <a:effectRef idx="0">
+            <a:schemeClr val="accent1"/>
+          </a:effectRef>
+          <a:fontRef idx="minor">
+            <a:schemeClr val="lt1"/>
+          </a:fontRef>
+        </p:style>
+        <p:txBody>
+          <a:bodyPr rtlCol="0" anchor="ctr"/>
+          <a:lstStyle/>
+          <a:p>
+            <a:pPr marL="0" marR="0" lvl="0" indent="0" algn="ctr" defTabSz="914400" eaLnBrk="1" fontAlgn="auto" latinLnBrk="0" hangingPunct="1">
+              <a:lnSpc>
+                <a:spcPct val="100000"/>
+              </a:lnSpc>
+              <a:spcBef>
+                <a:spcPts val="0"/>
+              </a:spcBef>
+              <a:spcAft>
+                <a:spcPts val="0"/>
+              </a:spcAft>
+              <a:buClrTx/>
+              <a:buSzTx/>
+              <a:buFontTx/>
+              <a:buNone/>
+              <a:tabLst/>
+              <a:defRPr/>
+            </a:pPr>
+            <a:r>
+              <a:rPr lang="de-DE" kern="0" dirty="0">
+                <a:solidFill>
+                  <a:sysClr val="windowText" lastClr="000000"/>
+                </a:solidFill>
+              </a:rPr>
+              <a:t>tcp 5900</a:t>
+            </a:r>
+            <a:endParaRPr kumimoji="0" lang="de-AT" sz="1800" b="0" i="0" u="none" strike="noStrike" kern="0" cap="none" spc="0" normalizeH="0" baseline="0" noProof="0" dirty="0">
+              <a:ln>
+                <a:noFill/>
+              </a:ln>
+              <a:solidFill>
+                <a:sysClr val="windowText" lastClr="000000"/>
+              </a:solidFill>
+              <a:effectLst/>
+              <a:uLnTx/>
+              <a:uFillTx/>
+            </a:endParaRPr>
+          </a:p>
+        </p:txBody>
+      </p:sp>
+      <p:cxnSp>
+        <p:nvCxnSpPr>
+          <p:cNvPr id="52" name="Straight Connector 41">
+            <a:extLst>
+              <a:ext uri="{FF2B5EF4-FFF2-40B4-BE49-F238E27FC236}">
+                <a16:creationId xmlns:a16="http://schemas.microsoft.com/office/drawing/2014/main" id="{E4FCD668-AADB-436E-81DC-39EDA75BF547}"/>
+              </a:ext>
+            </a:extLst>
+          </p:cNvPr>
+          <p:cNvCxnSpPr>
+            <a:cxnSpLocks/>
+            <a:stCxn id="23" idx="2"/>
+          </p:cNvCxnSpPr>
+          <p:nvPr/>
+        </p:nvCxnSpPr>
+        <p:spPr>
+          <a:xfrm rot="5400000" flipH="1" flipV="1">
+            <a:off x="6587685" y="1354552"/>
+            <a:ext cx="669862" cy="3760196"/>
+          </a:xfrm>
+          <a:prstGeom prst="bentConnector4">
+            <a:avLst>
+              <a:gd name="adj1" fmla="val -34126"/>
+              <a:gd name="adj2" fmla="val 68728"/>
+            </a:avLst>
+          </a:prstGeom>
+          <a:ln>
+            <a:solidFill>
+              <a:schemeClr val="tx1">
+                <a:lumMod val="50000"/>
+                <a:lumOff val="50000"/>
+              </a:schemeClr>
+            </a:solidFill>
+            <a:headEnd type="none" w="med" len="med"/>
+            <a:tailEnd type="triangle" w="med" len="med"/>
+          </a:ln>
+        </p:spPr>
+        <p:style>
+          <a:lnRef idx="2">
+            <a:schemeClr val="accent1"/>
+          </a:lnRef>
+          <a:fillRef idx="0">
+            <a:schemeClr val="accent1"/>
+          </a:fillRef>
+          <a:effectRef idx="1">
+            <a:schemeClr val="accent1"/>
+          </a:effectRef>
+          <a:fontRef idx="minor">
+            <a:schemeClr val="tx1"/>
+          </a:fontRef>
+        </p:style>
+      </p:cxnSp>
+      <p:sp>
+        <p:nvSpPr>
+          <p:cNvPr id="53" name="Rectangle 52">
+            <a:extLst>
+              <a:ext uri="{FF2B5EF4-FFF2-40B4-BE49-F238E27FC236}">
+                <a16:creationId xmlns:a16="http://schemas.microsoft.com/office/drawing/2014/main" id="{B6EEDC7D-28BF-4D2A-A9C2-64C8D2C29527}"/>
+              </a:ext>
+            </a:extLst>
+          </p:cNvPr>
+          <p:cNvSpPr/>
+          <p:nvPr/>
+        </p:nvSpPr>
+        <p:spPr>
+          <a:xfrm>
+            <a:off x="7816030" y="2663005"/>
+            <a:ext cx="761065" cy="440675"/>
+          </a:xfrm>
+          <a:prstGeom prst="rect">
+            <a:avLst/>
+          </a:prstGeom>
+          <a:noFill/>
+          <a:ln>
+            <a:noFill/>
+          </a:ln>
+        </p:spPr>
+        <p:style>
+          <a:lnRef idx="2">
+            <a:schemeClr val="accent1">
+              <a:shade val="50000"/>
+            </a:schemeClr>
+          </a:lnRef>
+          <a:fillRef idx="1">
+            <a:schemeClr val="accent1"/>
+          </a:fillRef>
+          <a:effectRef idx="0">
+            <a:schemeClr val="accent1"/>
+          </a:effectRef>
+          <a:fontRef idx="minor">
+            <a:schemeClr val="lt1"/>
+          </a:fontRef>
+        </p:style>
+        <p:txBody>
+          <a:bodyPr rtlCol="0" anchor="ctr"/>
+          <a:lstStyle/>
+          <a:p>
+            <a:pPr marL="0" marR="0" lvl="0" indent="0" algn="ctr" defTabSz="914400" eaLnBrk="1" fontAlgn="auto" latinLnBrk="0" hangingPunct="1">
+              <a:lnSpc>
+                <a:spcPct val="100000"/>
+              </a:lnSpc>
+              <a:spcBef>
+                <a:spcPts val="0"/>
+              </a:spcBef>
+              <a:spcAft>
+                <a:spcPts val="0"/>
+              </a:spcAft>
+              <a:buClrTx/>
+              <a:buSzTx/>
+              <a:buFontTx/>
+              <a:buNone/>
+              <a:tabLst/>
+              <a:defRPr/>
+            </a:pPr>
+            <a:r>
+              <a:rPr kumimoji="0" lang="de-DE" sz="1800" b="0" i="0" u="none" strike="noStrike" kern="0" cap="none" spc="0" normalizeH="0" baseline="0" noProof="0" dirty="0">
+                <a:ln>
+                  <a:noFill/>
+                </a:ln>
+                <a:solidFill>
+                  <a:sysClr val="windowText" lastClr="000000"/>
+                </a:solidFill>
+                <a:effectLst/>
+                <a:uLnTx/>
+                <a:uFillTx/>
+              </a:rPr>
+              <a:t>https 443</a:t>
+            </a:r>
+            <a:endParaRPr kumimoji="0" lang="de-AT" sz="1800" b="0" i="0" u="none" strike="noStrike" kern="0" cap="none" spc="0" normalizeH="0" baseline="0" noProof="0" dirty="0">
+              <a:ln>
+                <a:noFill/>
+              </a:ln>
+              <a:solidFill>
+                <a:sysClr val="windowText" lastClr="000000"/>
+              </a:solidFill>
+              <a:effectLst/>
+              <a:uLnTx/>
+              <a:uFillTx/>
+            </a:endParaRPr>
+          </a:p>
+        </p:txBody>
+      </p:sp>
+      <p:sp>
+        <p:nvSpPr>
+          <p:cNvPr id="54" name="Rectangle 53">
+            <a:extLst>
+              <a:ext uri="{FF2B5EF4-FFF2-40B4-BE49-F238E27FC236}">
+                <a16:creationId xmlns:a16="http://schemas.microsoft.com/office/drawing/2014/main" id="{18DFCB28-178A-446D-8D81-A3F1B95660E7}"/>
+              </a:ext>
+            </a:extLst>
+          </p:cNvPr>
+          <p:cNvSpPr/>
+          <p:nvPr/>
+        </p:nvSpPr>
+        <p:spPr>
+          <a:xfrm>
+            <a:off x="7884369" y="3804236"/>
+            <a:ext cx="761065" cy="440675"/>
+          </a:xfrm>
+          <a:prstGeom prst="rect">
+            <a:avLst/>
+          </a:prstGeom>
+          <a:noFill/>
+          <a:ln>
+            <a:noFill/>
+          </a:ln>
+        </p:spPr>
+        <p:style>
+          <a:lnRef idx="2">
+            <a:schemeClr val="accent1">
+              <a:shade val="50000"/>
+            </a:schemeClr>
+          </a:lnRef>
+          <a:fillRef idx="1">
+            <a:schemeClr val="accent1"/>
+          </a:fillRef>
+          <a:effectRef idx="0">
+            <a:schemeClr val="accent1"/>
+          </a:effectRef>
+          <a:fontRef idx="minor">
+            <a:schemeClr val="lt1"/>
+          </a:fontRef>
+        </p:style>
+        <p:txBody>
+          <a:bodyPr rtlCol="0" anchor="ctr"/>
+          <a:lstStyle/>
+          <a:p>
+            <a:pPr marL="0" marR="0" lvl="0" indent="0" algn="ctr" defTabSz="914400" eaLnBrk="1" fontAlgn="auto" latinLnBrk="0" hangingPunct="1">
+              <a:lnSpc>
+                <a:spcPct val="100000"/>
+              </a:lnSpc>
+              <a:spcBef>
+                <a:spcPts val="0"/>
+              </a:spcBef>
+              <a:spcAft>
+                <a:spcPts val="0"/>
+              </a:spcAft>
+              <a:buClrTx/>
+              <a:buSzTx/>
+              <a:buFontTx/>
+              <a:buNone/>
+              <a:tabLst/>
+              <a:defRPr/>
+            </a:pPr>
+            <a:r>
+              <a:rPr kumimoji="0" lang="de-DE" sz="1800" b="0" i="0" u="none" strike="noStrike" kern="0" cap="none" spc="0" normalizeH="0" baseline="0" noProof="0" dirty="0">
+                <a:ln>
+                  <a:noFill/>
+                </a:ln>
+                <a:solidFill>
+                  <a:sysClr val="windowText" lastClr="000000"/>
+                </a:solidFill>
+                <a:effectLst/>
+                <a:uLnTx/>
+                <a:uFillTx/>
+              </a:rPr>
+              <a:t>https </a:t>
+            </a:r>
+            <a:r>
+              <a:rPr lang="de-DE" kern="0" dirty="0">
+                <a:solidFill>
+                  <a:sysClr val="windowText" lastClr="000000"/>
+                </a:solidFill>
+              </a:rPr>
+              <a:t>5000</a:t>
+            </a:r>
+            <a:endParaRPr kumimoji="0" lang="de-AT" sz="1800" b="0" i="0" u="none" strike="noStrike" kern="0" cap="none" spc="0" normalizeH="0" baseline="0" noProof="0" dirty="0">
+              <a:ln>
+                <a:noFill/>
+              </a:ln>
+              <a:solidFill>
+                <a:sysClr val="windowText" lastClr="000000"/>
+              </a:solidFill>
+              <a:effectLst/>
+              <a:uLnTx/>
+              <a:uFillTx/>
+            </a:endParaRPr>
+          </a:p>
+        </p:txBody>
+      </p:sp>
+      <p:cxnSp>
+        <p:nvCxnSpPr>
+          <p:cNvPr id="56" name="Straight Connector 41">
+            <a:extLst>
+              <a:ext uri="{FF2B5EF4-FFF2-40B4-BE49-F238E27FC236}">
+                <a16:creationId xmlns:a16="http://schemas.microsoft.com/office/drawing/2014/main" id="{F8839D83-B385-4DCA-83E9-9DB81A693FD7}"/>
+              </a:ext>
+            </a:extLst>
+          </p:cNvPr>
+          <p:cNvCxnSpPr>
+            <a:cxnSpLocks/>
+          </p:cNvCxnSpPr>
+          <p:nvPr/>
+        </p:nvCxnSpPr>
+        <p:spPr>
+          <a:xfrm rot="5400000" flipH="1" flipV="1">
+            <a:off x="7329991" y="128930"/>
+            <a:ext cx="972078" cy="5926698"/>
+          </a:xfrm>
+          <a:prstGeom prst="bentConnector4">
+            <a:avLst>
+              <a:gd name="adj1" fmla="val -47245"/>
+              <a:gd name="adj2" fmla="val 93156"/>
+            </a:avLst>
+          </a:prstGeom>
+          <a:ln>
+            <a:solidFill>
+              <a:schemeClr val="tx1">
+                <a:lumMod val="50000"/>
+                <a:lumOff val="50000"/>
+              </a:schemeClr>
+            </a:solidFill>
+            <a:headEnd type="triangle" w="med" len="med"/>
+            <a:tailEnd type="none" w="med" len="med"/>
+          </a:ln>
+        </p:spPr>
+        <p:style>
+          <a:lnRef idx="2">
+            <a:schemeClr val="accent1"/>
+          </a:lnRef>
+          <a:fillRef idx="0">
+            <a:schemeClr val="accent1"/>
+          </a:fillRef>
+          <a:effectRef idx="1">
+            <a:schemeClr val="accent1"/>
+          </a:effectRef>
+          <a:fontRef idx="minor">
+            <a:schemeClr val="tx1"/>
+          </a:fontRef>
+        </p:style>
+      </p:cxnSp>
+    </p:spTree>
+    <p:extLst>
+      <p:ext uri="{BB962C8B-B14F-4D97-AF65-F5344CB8AC3E}">
+        <p14:creationId xmlns:p14="http://schemas.microsoft.com/office/powerpoint/2010/main" val="3948789027"/>
+      </p:ext>
+    </p:extLst>
+  </p:cSld>
+  <p:clrMapOvr>
+    <a:masterClrMapping/>
+  </p:clrMapOvr>
+</p:sld>
+</file>
+
+<file path=ppt/slides/slide5.xml><?xml version="1.0" encoding="utf-8"?>
+<p:sld xmlns:a="http://schemas.openxmlformats.org/drawingml/2006/main" xmlns:r="http://schemas.openxmlformats.org/officeDocument/2006/relationships" xmlns:p="http://schemas.openxmlformats.org/presentationml/2006/main">
+  <p:cSld>
+    <p:spTree>
+      <p:nvGrpSpPr>
+        <p:cNvPr id="1" name=""/>
+        <p:cNvGrpSpPr/>
+        <p:nvPr/>
+      </p:nvGrpSpPr>
+      <p:grpSpPr>
+        <a:xfrm>
+          <a:off x="0" y="0"/>
+          <a:ext cx="0" cy="0"/>
+          <a:chOff x="0" y="0"/>
+          <a:chExt cx="0" cy="0"/>
+        </a:xfrm>
+      </p:grpSpPr>
       <p:sp>
         <p:nvSpPr>
           <p:cNvPr id="2" name="Title 1">
@@ -17301,7 +21174,7 @@
 </p:sld>
 </file>
 
-<file path=ppt/slides/slide5.xml><?xml version="1.0" encoding="utf-8"?>
+<file path=ppt/slides/slide6.xml><?xml version="1.0" encoding="utf-8"?>
 <p:sld xmlns:a="http://schemas.openxmlformats.org/drawingml/2006/main" xmlns:r="http://schemas.openxmlformats.org/officeDocument/2006/relationships" xmlns:p="http://schemas.openxmlformats.org/presentationml/2006/main" show="0">
   <p:cSld>
     <p:spTree>
@@ -17403,7 +21276,7 @@
           <a:noFill/>
           <a:extLst>
             <a:ext uri="{909E8E84-426E-40dd-AFC4-6F175D3DCCD1}">
-              <a14:hiddenFill xmlns:a14="http://schemas.microsoft.com/office/drawing/2010/main" xmlns="">
+              <a14:hiddenFill xmlns="" xmlns:a14="http://schemas.microsoft.com/office/drawing/2010/main">
                 <a:solidFill>
                   <a:srgbClr val="FFFFFF"/>
                 </a:solidFill>
@@ -17791,7 +21664,7 @@
           <a:noFill/>
           <a:extLst>
             <a:ext uri="{909E8E84-426E-40dd-AFC4-6F175D3DCCD1}">
-              <a14:hiddenFill xmlns:a14="http://schemas.microsoft.com/office/drawing/2010/main" xmlns="">
+              <a14:hiddenFill xmlns="" xmlns:a14="http://schemas.microsoft.com/office/drawing/2010/main">
                 <a:solidFill>
                   <a:srgbClr val="FFFFFF"/>
                 </a:solidFill>
@@ -18467,7 +22340,7 @@
           <a:noFill/>
           <a:extLst>
             <a:ext uri="{909E8E84-426E-40dd-AFC4-6F175D3DCCD1}">
-              <a14:hiddenFill xmlns:a14="http://schemas.microsoft.com/office/drawing/2010/main" xmlns="">
+              <a14:hiddenFill xmlns="" xmlns:a14="http://schemas.microsoft.com/office/drawing/2010/main">
                 <a:solidFill>
                   <a:srgbClr val="FFFFFF"/>
                 </a:solidFill>
@@ -18860,7 +22733,7 @@
           <a:noFill/>
           <a:extLst>
             <a:ext uri="{909E8E84-426E-40dd-AFC4-6F175D3DCCD1}">
-              <a14:hiddenFill xmlns:a14="http://schemas.microsoft.com/office/drawing/2010/main" xmlns="">
+              <a14:hiddenFill xmlns="" xmlns:a14="http://schemas.microsoft.com/office/drawing/2010/main">
                 <a:solidFill>
                   <a:srgbClr val="FFFFFF"/>
                 </a:solidFill>
@@ -19930,280 +23803,6 @@
     <p:extLst>
       <p:ext uri="{BB962C8B-B14F-4D97-AF65-F5344CB8AC3E}">
         <p14:creationId xmlns:p14="http://schemas.microsoft.com/office/powerpoint/2010/main" val="3021371704"/>
-      </p:ext>
-    </p:extLst>
-  </p:cSld>
-  <p:clrMapOvr>
-    <a:masterClrMapping/>
-  </p:clrMapOvr>
-</p:sld>
-</file>
-
-<file path=ppt/slides/slide6.xml><?xml version="1.0" encoding="utf-8"?>
-<p:sld xmlns:a="http://schemas.openxmlformats.org/drawingml/2006/main" xmlns:r="http://schemas.openxmlformats.org/officeDocument/2006/relationships" xmlns:p="http://schemas.openxmlformats.org/presentationml/2006/main">
-  <p:cSld>
-    <p:spTree>
-      <p:nvGrpSpPr>
-        <p:cNvPr id="1" name=""/>
-        <p:cNvGrpSpPr/>
-        <p:nvPr/>
-      </p:nvGrpSpPr>
-      <p:grpSpPr>
-        <a:xfrm>
-          <a:off x="0" y="0"/>
-          <a:ext cx="0" cy="0"/>
-          <a:chOff x="0" y="0"/>
-          <a:chExt cx="0" cy="0"/>
-        </a:xfrm>
-      </p:grpSpPr>
-      <p:sp>
-        <p:nvSpPr>
-          <p:cNvPr id="2" name="Title 1">
-            <a:extLst>
-              <a:ext uri="{FF2B5EF4-FFF2-40B4-BE49-F238E27FC236}">
-                <a16:creationId xmlns:a16="http://schemas.microsoft.com/office/drawing/2014/main" id="{8F005D6D-B4C2-43B6-9B3C-38EA2C43DB9F}"/>
-              </a:ext>
-            </a:extLst>
-          </p:cNvPr>
-          <p:cNvSpPr>
-            <a:spLocks noGrp="1"/>
-          </p:cNvSpPr>
-          <p:nvPr>
-            <p:ph type="title"/>
-          </p:nvPr>
-        </p:nvSpPr>
-        <p:spPr/>
-        <p:txBody>
-          <a:bodyPr/>
-          <a:lstStyle/>
-          <a:p>
-            <a:r>
-              <a:rPr lang="fr-FR" dirty="0"/>
-              <a:t>Trigger test </a:t>
-            </a:r>
-            <a:r>
-              <a:rPr lang="fr-FR" dirty="0" err="1"/>
-              <a:t>execution</a:t>
-            </a:r>
-            <a:r>
-              <a:rPr lang="fr-FR" dirty="0"/>
-              <a:t> </a:t>
-            </a:r>
-            <a:r>
-              <a:rPr lang="fr-FR" dirty="0" err="1"/>
-              <a:t>from</a:t>
-            </a:r>
-            <a:r>
-              <a:rPr lang="fr-FR" dirty="0"/>
-              <a:t> Dynatrace (1/2)</a:t>
-            </a:r>
-            <a:endParaRPr lang="en-US" dirty="0"/>
-          </a:p>
-        </p:txBody>
-      </p:sp>
-      <p:sp>
-        <p:nvSpPr>
-          <p:cNvPr id="3" name="Content Placeholder 2">
-            <a:extLst>
-              <a:ext uri="{FF2B5EF4-FFF2-40B4-BE49-F238E27FC236}">
-                <a16:creationId xmlns:a16="http://schemas.microsoft.com/office/drawing/2014/main" id="{CCE0DD1C-C845-4949-9D94-D62E0426098D}"/>
-              </a:ext>
-            </a:extLst>
-          </p:cNvPr>
-          <p:cNvSpPr>
-            <a:spLocks noGrp="1"/>
-          </p:cNvSpPr>
-          <p:nvPr>
-            <p:ph idx="1"/>
-          </p:nvPr>
-        </p:nvSpPr>
-        <p:spPr/>
-        <p:txBody>
-          <a:bodyPr/>
-          <a:lstStyle/>
-          <a:p>
-            <a:r>
-              <a:rPr lang="fr-FR" dirty="0" err="1"/>
-              <a:t>Create</a:t>
-            </a:r>
-            <a:r>
-              <a:rPr lang="fr-FR" dirty="0"/>
-              <a:t> an HTTP Monitor </a:t>
-            </a:r>
-            <a:r>
-              <a:rPr lang="fr-FR" dirty="0" err="1"/>
-              <a:t>with</a:t>
-            </a:r>
-            <a:r>
-              <a:rPr lang="fr-FR" dirty="0"/>
-              <a:t> </a:t>
-            </a:r>
-            <a:r>
-              <a:rPr lang="fr-FR" dirty="0" err="1"/>
-              <a:t>just</a:t>
-            </a:r>
-            <a:r>
-              <a:rPr lang="fr-FR" dirty="0"/>
-              <a:t> 1 </a:t>
-            </a:r>
-            <a:r>
-              <a:rPr lang="fr-FR" dirty="0" err="1"/>
-              <a:t>step</a:t>
-            </a:r>
-            <a:r>
-              <a:rPr lang="fr-FR" dirty="0"/>
-              <a:t>:</a:t>
-            </a:r>
-          </a:p>
-          <a:p>
-            <a:pPr lvl="1"/>
-            <a:r>
-              <a:rPr lang="fr-FR" dirty="0"/>
-              <a:t>URL: 	</a:t>
-            </a:r>
-            <a:r>
-              <a:rPr lang="fr-FR" sz="1800" dirty="0">
-                <a:latin typeface="Lucida Console" panose="020B0609040504020204" pitchFamily="49" charset="0"/>
-              </a:rPr>
-              <a:t>https://&lt;dt_bridge_host&gt;:&lt;dt_bridge_port&gt;/testtool_launcher2</a:t>
-            </a:r>
-            <a:endParaRPr lang="fr-FR" sz="1600" dirty="0">
-              <a:latin typeface="Lucida Console" panose="020B0609040504020204" pitchFamily="49" charset="0"/>
-            </a:endParaRPr>
-          </a:p>
-          <a:p>
-            <a:pPr lvl="1"/>
-            <a:r>
-              <a:rPr lang="fr-FR" dirty="0"/>
-              <a:t>Method: POST</a:t>
-            </a:r>
-          </a:p>
-          <a:p>
-            <a:pPr lvl="1"/>
-            <a:r>
-              <a:rPr lang="fr-FR" dirty="0"/>
-              <a:t>Post exécution script : </a:t>
-            </a:r>
-          </a:p>
-          <a:p>
-            <a:pPr marL="914400" lvl="2" indent="0">
-              <a:buNone/>
-            </a:pPr>
-            <a:r>
-              <a:rPr lang="en-US" sz="1600" dirty="0">
-                <a:latin typeface="Lucida Console" panose="020B0609040504020204" pitchFamily="49" charset="0"/>
-              </a:rPr>
-              <a:t>// check response code</a:t>
-            </a:r>
-          </a:p>
-          <a:p>
-            <a:pPr marL="914400" lvl="2" indent="0">
-              <a:buNone/>
-            </a:pPr>
-            <a:r>
-              <a:rPr lang="en-US" sz="1600" dirty="0">
-                <a:latin typeface="Lucida Console" panose="020B0609040504020204" pitchFamily="49" charset="0"/>
-              </a:rPr>
-              <a:t>if (</a:t>
-            </a:r>
-            <a:r>
-              <a:rPr lang="en-US" sz="1600" dirty="0" err="1">
-                <a:latin typeface="Lucida Console" panose="020B0609040504020204" pitchFamily="49" charset="0"/>
-              </a:rPr>
-              <a:t>response.getStatusCode</a:t>
-            </a:r>
-            <a:r>
-              <a:rPr lang="en-US" sz="1600" dirty="0">
-                <a:latin typeface="Lucida Console" panose="020B0609040504020204" pitchFamily="49" charset="0"/>
-              </a:rPr>
-              <a:t>() != 200) {</a:t>
-            </a:r>
-          </a:p>
-          <a:p>
-            <a:pPr marL="914400" lvl="2" indent="0">
-              <a:buNone/>
-            </a:pPr>
-            <a:r>
-              <a:rPr lang="en-US" sz="1600" dirty="0">
-                <a:latin typeface="Lucida Console" panose="020B0609040504020204" pitchFamily="49" charset="0"/>
-              </a:rPr>
-              <a:t>    // if not 200, then fail</a:t>
-            </a:r>
-          </a:p>
-          <a:p>
-            <a:pPr marL="914400" lvl="2" indent="0">
-              <a:buNone/>
-            </a:pPr>
-            <a:r>
-              <a:rPr lang="en-US" sz="1600" dirty="0">
-                <a:latin typeface="Lucida Console" panose="020B0609040504020204" pitchFamily="49" charset="0"/>
-              </a:rPr>
-              <a:t>    </a:t>
-            </a:r>
-            <a:r>
-              <a:rPr lang="en-US" sz="1600" dirty="0" err="1">
-                <a:latin typeface="Lucida Console" panose="020B0609040504020204" pitchFamily="49" charset="0"/>
-              </a:rPr>
-              <a:t>api.fail</a:t>
-            </a:r>
-            <a:r>
-              <a:rPr lang="en-US" sz="1600" dirty="0">
-                <a:latin typeface="Lucida Console" panose="020B0609040504020204" pitchFamily="49" charset="0"/>
-              </a:rPr>
-              <a:t>(</a:t>
-            </a:r>
-            <a:r>
-              <a:rPr lang="en-US" sz="1600" dirty="0" err="1">
-                <a:latin typeface="Lucida Console" panose="020B0609040504020204" pitchFamily="49" charset="0"/>
-              </a:rPr>
-              <a:t>response.getResponseBody</a:t>
-            </a:r>
-            <a:r>
-              <a:rPr lang="en-US" sz="1600" dirty="0">
-                <a:latin typeface="Lucida Console" panose="020B0609040504020204" pitchFamily="49" charset="0"/>
-              </a:rPr>
-              <a:t>());</a:t>
-            </a:r>
-          </a:p>
-          <a:p>
-            <a:pPr marL="914400" lvl="2" indent="0">
-              <a:buNone/>
-            </a:pPr>
-            <a:r>
-              <a:rPr lang="en-US" sz="1600" dirty="0">
-                <a:latin typeface="Lucida Console" panose="020B0609040504020204" pitchFamily="49" charset="0"/>
-              </a:rPr>
-              <a:t>}</a:t>
-            </a:r>
-          </a:p>
-          <a:p>
-            <a:pPr lvl="1"/>
-            <a:r>
-              <a:rPr lang="en-US" dirty="0">
-                <a:latin typeface="Lucida Console" panose="020B0609040504020204" pitchFamily="49" charset="0"/>
-              </a:rPr>
-              <a:t>Request body format : </a:t>
-            </a:r>
-            <a:r>
-              <a:rPr lang="en-US" dirty="0"/>
-              <a:t>x-www-form-</a:t>
-            </a:r>
-            <a:r>
-              <a:rPr lang="en-US" dirty="0" err="1"/>
-              <a:t>urlencoded</a:t>
-            </a:r>
-            <a:endParaRPr lang="en-US" dirty="0"/>
-          </a:p>
-          <a:p>
-            <a:pPr lvl="1"/>
-            <a:endParaRPr lang="en-US" dirty="0"/>
-          </a:p>
-        </p:txBody>
-      </p:sp>
-    </p:spTree>
-    <p:extLst>
-      <p:ext uri="{BB962C8B-B14F-4D97-AF65-F5344CB8AC3E}">
-        <p14:creationId xmlns:p14="http://schemas.microsoft.com/office/powerpoint/2010/main" val="92368742"/>
       </p:ext>
     </p:extLst>
   </p:cSld>
@@ -20269,7 +23868,7 @@
             </a:r>
             <a:r>
               <a:rPr lang="fr-FR" dirty="0"/>
-              <a:t> Dynatrace (2/2)</a:t>
+              <a:t> Dynatrace (1/2)</a:t>
             </a:r>
             <a:endParaRPr lang="en-US" dirty="0"/>
           </a:p>
@@ -20291,200 +23890,185 @@
             <p:ph idx="1"/>
           </p:nvPr>
         </p:nvSpPr>
-        <p:spPr>
-          <a:xfrm>
-            <a:off x="838200" y="1825625"/>
-            <a:ext cx="10515600" cy="4910608"/>
-          </a:xfrm>
-        </p:spPr>
+        <p:spPr/>
         <p:txBody>
-          <a:bodyPr>
-            <a:normAutofit/>
-          </a:bodyPr>
+          <a:bodyPr/>
           <a:lstStyle/>
           <a:p>
+            <a:r>
+              <a:rPr lang="fr-FR" dirty="0" err="1"/>
+              <a:t>Create</a:t>
+            </a:r>
+            <a:r>
+              <a:rPr lang="fr-FR" dirty="0"/>
+              <a:t> an HTTP Monitor </a:t>
+            </a:r>
+            <a:r>
+              <a:rPr lang="fr-FR" dirty="0" err="1"/>
+              <a:t>with</a:t>
+            </a:r>
+            <a:r>
+              <a:rPr lang="fr-FR" dirty="0"/>
+              <a:t> </a:t>
+            </a:r>
+            <a:r>
+              <a:rPr lang="fr-FR" dirty="0" err="1"/>
+              <a:t>just</a:t>
+            </a:r>
+            <a:r>
+              <a:rPr lang="fr-FR" dirty="0"/>
+              <a:t> 1 </a:t>
+            </a:r>
+            <a:r>
+              <a:rPr lang="fr-FR" dirty="0" err="1"/>
+              <a:t>step</a:t>
+            </a:r>
+            <a:r>
+              <a:rPr lang="fr-FR" dirty="0"/>
+              <a:t>:</a:t>
+            </a:r>
+          </a:p>
+          <a:p>
             <a:pPr lvl="1"/>
             <a:r>
-              <a:rPr lang="en-US" dirty="0"/>
-              <a:t>Mandatory parameters:</a:t>
-            </a:r>
+              <a:rPr lang="fr-FR" dirty="0"/>
+              <a:t>URL: 	</a:t>
+            </a:r>
+            <a:r>
+              <a:rPr lang="fr-FR" sz="1800" dirty="0">
+                <a:latin typeface="Lucida Console" panose="020B0609040504020204" pitchFamily="49" charset="0"/>
+              </a:rPr>
+              <a:t>https://&lt;dt_bridge_host&gt;:&lt;dt_bridge_port&gt;/testtool_launcher2</a:t>
+            </a:r>
+            <a:endParaRPr lang="fr-FR" sz="1600" dirty="0">
+              <a:latin typeface="Lucida Console" panose="020B0609040504020204" pitchFamily="49" charset="0"/>
+            </a:endParaRPr>
+          </a:p>
+          <a:p>
+            <a:pPr lvl="1"/>
+            <a:r>
+              <a:rPr lang="fr-FR" dirty="0"/>
+              <a:t>Method: POST</a:t>
+            </a:r>
+          </a:p>
+          <a:p>
+            <a:pPr lvl="1"/>
+            <a:r>
+              <a:rPr lang="fr-FR" dirty="0"/>
+              <a:t>Post exécution script : </a:t>
+            </a:r>
+          </a:p>
+          <a:p>
+            <a:pPr marL="914400" lvl="2" indent="0">
+              <a:buNone/>
+            </a:pPr>
+            <a:r>
+              <a:rPr lang="en-US" sz="1600" dirty="0">
+                <a:latin typeface="Lucida Console" panose="020B0609040504020204" pitchFamily="49" charset="0"/>
+              </a:rPr>
+              <a:t>// check response code</a:t>
+            </a:r>
+          </a:p>
+          <a:p>
+            <a:pPr marL="914400" lvl="2" indent="0">
+              <a:buNone/>
+            </a:pPr>
+            <a:r>
+              <a:rPr lang="en-US" sz="1600" dirty="0">
+                <a:latin typeface="Lucida Console" panose="020B0609040504020204" pitchFamily="49" charset="0"/>
+              </a:rPr>
+              <a:t>if (</a:t>
+            </a:r>
+            <a:r>
+              <a:rPr lang="en-US" sz="1600" dirty="0" err="1">
+                <a:latin typeface="Lucida Console" panose="020B0609040504020204" pitchFamily="49" charset="0"/>
+              </a:rPr>
+              <a:t>response.getStatusCode</a:t>
+            </a:r>
+            <a:r>
+              <a:rPr lang="en-US" sz="1600" dirty="0">
+                <a:latin typeface="Lucida Console" panose="020B0609040504020204" pitchFamily="49" charset="0"/>
+              </a:rPr>
+              <a:t>() != 200) {</a:t>
+            </a:r>
+          </a:p>
+          <a:p>
+            <a:pPr marL="914400" lvl="2" indent="0">
+              <a:buNone/>
+            </a:pPr>
+            <a:r>
+              <a:rPr lang="en-US" sz="1600" dirty="0">
+                <a:latin typeface="Lucida Console" panose="020B0609040504020204" pitchFamily="49" charset="0"/>
+              </a:rPr>
+              <a:t>    // if not 200, then fail</a:t>
+            </a:r>
+          </a:p>
+          <a:p>
+            <a:pPr marL="914400" lvl="2" indent="0">
+              <a:buNone/>
+            </a:pPr>
+            <a:r>
+              <a:rPr lang="en-US" sz="1600" dirty="0">
+                <a:latin typeface="Lucida Console" panose="020B0609040504020204" pitchFamily="49" charset="0"/>
+              </a:rPr>
+              <a:t>    </a:t>
+            </a:r>
+            <a:r>
+              <a:rPr lang="en-US" sz="1600" dirty="0" err="1">
+                <a:latin typeface="Lucida Console" panose="020B0609040504020204" pitchFamily="49" charset="0"/>
+              </a:rPr>
+              <a:t>api.fail</a:t>
+            </a:r>
+            <a:r>
+              <a:rPr lang="en-US" sz="1600" dirty="0">
+                <a:latin typeface="Lucida Console" panose="020B0609040504020204" pitchFamily="49" charset="0"/>
+              </a:rPr>
+              <a:t>(</a:t>
+            </a:r>
+            <a:r>
+              <a:rPr lang="en-US" sz="1600" dirty="0" err="1">
+                <a:latin typeface="Lucida Console" panose="020B0609040504020204" pitchFamily="49" charset="0"/>
+              </a:rPr>
+              <a:t>response.getResponseBody</a:t>
+            </a:r>
+            <a:r>
+              <a:rPr lang="en-US" sz="1600" dirty="0">
+                <a:latin typeface="Lucida Console" panose="020B0609040504020204" pitchFamily="49" charset="0"/>
+              </a:rPr>
+              <a:t>());</a:t>
+            </a:r>
+          </a:p>
+          <a:p>
+            <a:pPr marL="914400" lvl="2" indent="0">
+              <a:buNone/>
+            </a:pPr>
+            <a:r>
+              <a:rPr lang="en-US" sz="1600" dirty="0">
+                <a:latin typeface="Lucida Console" panose="020B0609040504020204" pitchFamily="49" charset="0"/>
+              </a:rPr>
+              <a:t>}</a:t>
+            </a:r>
+          </a:p>
+          <a:p>
+            <a:pPr lvl="1"/>
             <a:r>
               <a:rPr lang="en-US" dirty="0">
                 <a:latin typeface="Lucida Console" panose="020B0609040504020204" pitchFamily="49" charset="0"/>
               </a:rPr>
-              <a:t>	</a:t>
-            </a:r>
-          </a:p>
-          <a:p>
-            <a:pPr lvl="2"/>
+              <a:t>Request body format : </a:t>
+            </a:r>
             <a:r>
               <a:rPr lang="en-US" dirty="0"/>
-              <a:t>script		: </a:t>
-            </a:r>
-            <a:r>
-              <a:rPr lang="en-US" sz="1600" dirty="0">
-                <a:latin typeface="Lucida Console" panose="020B0609040504020204" pitchFamily="49" charset="0"/>
-              </a:rPr>
-              <a:t>&lt;</a:t>
-            </a:r>
-            <a:r>
-              <a:rPr lang="en-US" sz="1600" dirty="0" err="1">
-                <a:latin typeface="Lucida Console" panose="020B0609040504020204" pitchFamily="49" charset="0"/>
-              </a:rPr>
-              <a:t>yourscript</a:t>
-            </a:r>
-            <a:r>
-              <a:rPr lang="en-US" sz="1600" dirty="0">
-                <a:latin typeface="Lucida Console" panose="020B0609040504020204" pitchFamily="49" charset="0"/>
-              </a:rPr>
-              <a:t>&gt;.</a:t>
-            </a:r>
-            <a:r>
-              <a:rPr lang="en-US" sz="1600" dirty="0" err="1">
-                <a:latin typeface="Lucida Console" panose="020B0609040504020204" pitchFamily="49" charset="0"/>
-              </a:rPr>
-              <a:t>sikuli</a:t>
-            </a:r>
-            <a:r>
-              <a:rPr lang="en-US" sz="1600" dirty="0">
-                <a:latin typeface="Lucida Console" panose="020B0609040504020204" pitchFamily="49" charset="0"/>
-              </a:rPr>
-              <a:t> </a:t>
-            </a:r>
-            <a:r>
-              <a:rPr lang="en-US" dirty="0"/>
-              <a:t>or </a:t>
-            </a:r>
-            <a:r>
-              <a:rPr lang="en-US" sz="1600" dirty="0">
-                <a:latin typeface="Lucida Console" panose="020B0609040504020204" pitchFamily="49" charset="0"/>
-              </a:rPr>
-              <a:t>&lt;</a:t>
-            </a:r>
-            <a:r>
-              <a:rPr lang="en-US" sz="1600" dirty="0" err="1">
-                <a:latin typeface="Lucida Console" panose="020B0609040504020204" pitchFamily="49" charset="0"/>
-              </a:rPr>
-              <a:t>yourscript</a:t>
-            </a:r>
-            <a:r>
-              <a:rPr lang="en-US" sz="1600" dirty="0">
-                <a:latin typeface="Lucida Console" panose="020B0609040504020204" pitchFamily="49" charset="0"/>
-              </a:rPr>
-              <a:t>&gt;_Sikuli.jar</a:t>
-            </a:r>
-          </a:p>
-          <a:p>
-            <a:pPr lvl="2"/>
+              <a:t>x-www-form-</a:t>
+            </a:r>
             <a:r>
               <a:rPr lang="en-US" dirty="0" err="1"/>
-              <a:t>api_token</a:t>
-            </a:r>
-            <a:r>
-              <a:rPr lang="en-US" dirty="0"/>
-              <a:t>	: API v1 token with “Create and read Synthetic monitors and nodes” right</a:t>
-            </a:r>
-          </a:p>
-          <a:p>
-            <a:pPr lvl="2"/>
-            <a:r>
-              <a:rPr lang="en-US" dirty="0" err="1"/>
-              <a:t>api_url</a:t>
-            </a:r>
-            <a:r>
-              <a:rPr lang="en-US" dirty="0"/>
-              <a:t>	: </a:t>
-            </a:r>
-            <a:r>
-              <a:rPr lang="en-US" sz="1600" dirty="0">
-                <a:latin typeface="Lucida Console" panose="020B0609040504020204" pitchFamily="49" charset="0"/>
-              </a:rPr>
-              <a:t>https://&lt;tenant_id&gt;.live.dynatrace.com</a:t>
-            </a:r>
+              <a:t>urlencoded</a:t>
+            </a:r>
+            <a:endParaRPr lang="en-US" dirty="0"/>
           </a:p>
           <a:p>
             <a:pPr lvl="1"/>
-            <a:r>
-              <a:rPr lang="en-US" dirty="0"/>
-              <a:t>Optional parameters:</a:t>
-            </a:r>
-          </a:p>
-          <a:p>
-            <a:pPr lvl="2"/>
-            <a:r>
-              <a:rPr lang="en-US" dirty="0"/>
-              <a:t>&lt;any_name_1&gt;	: add parameters as required by your scripts</a:t>
-            </a:r>
-          </a:p>
-          <a:p>
-            <a:pPr lvl="2"/>
-            <a:r>
-              <a:rPr lang="en-US" dirty="0"/>
-              <a:t>…</a:t>
-            </a:r>
-          </a:p>
-          <a:p>
-            <a:pPr lvl="2"/>
-            <a:r>
-              <a:rPr lang="en-US" dirty="0"/>
-              <a:t>&lt;</a:t>
-            </a:r>
-            <a:r>
-              <a:rPr lang="en-US" dirty="0" err="1"/>
-              <a:t>any_name_N</a:t>
-            </a:r>
-            <a:r>
-              <a:rPr lang="en-US" dirty="0"/>
-              <a:t>&gt;: add parameters as required by your scripts</a:t>
-            </a:r>
-          </a:p>
-          <a:p>
-            <a:pPr lvl="1"/>
-            <a:r>
-              <a:rPr lang="en-US" dirty="0"/>
-              <a:t>Follow redirects</a:t>
-            </a:r>
-          </a:p>
-          <a:p>
-            <a:pPr lvl="1"/>
-            <a:r>
-              <a:rPr lang="en-US" dirty="0"/>
-              <a:t>Accept any SSL certificate</a:t>
-            </a:r>
-          </a:p>
-          <a:p>
-            <a:r>
-              <a:rPr lang="en-US" dirty="0"/>
-              <a:t>Set frequency and locations as required </a:t>
-            </a:r>
-          </a:p>
-          <a:p>
-            <a:pPr marL="457200" lvl="1" indent="0">
-              <a:buNone/>
-            </a:pPr>
-            <a:r>
-              <a:rPr lang="en-US" dirty="0"/>
-              <a:t>(Synthetic </a:t>
-            </a:r>
-            <a:r>
-              <a:rPr lang="en-US" dirty="0" err="1"/>
-              <a:t>ActiveGate</a:t>
-            </a:r>
-            <a:r>
-              <a:rPr lang="en-US" dirty="0"/>
-              <a:t> that are part of chosen locations must have access to the bridge </a:t>
-            </a:r>
-            <a:r>
-              <a:rPr lang="en-US" dirty="0" err="1"/>
-              <a:t>url</a:t>
-            </a:r>
-            <a:r>
-              <a:rPr lang="en-US" dirty="0"/>
-              <a:t>)</a:t>
-            </a:r>
-          </a:p>
-          <a:p>
-            <a:pPr lvl="2"/>
             <a:endParaRPr lang="en-US" dirty="0"/>
           </a:p>
         </p:txBody>
@@ -20492,7 +24076,7 @@
     </p:spTree>
     <p:extLst>
       <p:ext uri="{BB962C8B-B14F-4D97-AF65-F5344CB8AC3E}">
-        <p14:creationId xmlns:p14="http://schemas.microsoft.com/office/powerpoint/2010/main" val="2510344678"/>
+        <p14:creationId xmlns:p14="http://schemas.microsoft.com/office/powerpoint/2010/main" val="92368742"/>
       </p:ext>
     </p:extLst>
   </p:cSld>
@@ -20524,7 +24108,7 @@
           <p:cNvPr id="2" name="Title 1">
             <a:extLst>
               <a:ext uri="{FF2B5EF4-FFF2-40B4-BE49-F238E27FC236}">
-                <a16:creationId xmlns:a16="http://schemas.microsoft.com/office/drawing/2014/main" id="{75397719-49BB-4ECF-BE0E-503DF06B249A}"/>
+                <a16:creationId xmlns:a16="http://schemas.microsoft.com/office/drawing/2014/main" id="{8F005D6D-B4C2-43B6-9B3C-38EA2C43DB9F}"/>
               </a:ext>
             </a:extLst>
           </p:cNvPr>
@@ -20542,11 +24126,11 @@
           <a:p>
             <a:r>
               <a:rPr lang="fr-FR" dirty="0"/>
-              <a:t>Rules to follow for </a:t>
+              <a:t>Trigger test </a:t>
             </a:r>
             <a:r>
               <a:rPr lang="fr-FR" dirty="0" err="1"/>
-              <a:t>writing</a:t>
+              <a:t>execution</a:t>
             </a:r>
             <a:r>
               <a:rPr lang="fr-FR" dirty="0"/>
@@ -20554,13 +24138,13 @@
             </a:r>
             <a:r>
               <a:rPr lang="fr-FR" dirty="0" err="1"/>
-              <a:t>SikuliX</a:t>
-            </a:r>
-            <a:r>
-              <a:rPr lang="fr-FR" dirty="0"/>
-              <a:t> scripts</a:t>
-            </a:r>
-            <a:endParaRPr lang="en-US" b="1" dirty="0"/>
+              <a:t>from</a:t>
+            </a:r>
+            <a:r>
+              <a:rPr lang="fr-FR" dirty="0"/>
+              <a:t> Dynatrace (2/2)</a:t>
+            </a:r>
+            <a:endParaRPr lang="en-US" dirty="0"/>
           </a:p>
         </p:txBody>
       </p:sp>
@@ -20569,7 +24153,7 @@
           <p:cNvPr id="3" name="Content Placeholder 2">
             <a:extLst>
               <a:ext uri="{FF2B5EF4-FFF2-40B4-BE49-F238E27FC236}">
-                <a16:creationId xmlns:a16="http://schemas.microsoft.com/office/drawing/2014/main" id="{82F37104-CD3C-4828-A891-EB5DD78F6848}"/>
+                <a16:creationId xmlns:a16="http://schemas.microsoft.com/office/drawing/2014/main" id="{CCE0DD1C-C845-4949-9D94-D62E0426098D}"/>
               </a:ext>
             </a:extLst>
           </p:cNvPr>
@@ -20583,14 +24167,8 @@
         <p:spPr>
           <a:xfrm>
             <a:off x="838200" y="1825625"/>
-            <a:ext cx="10515600" cy="1687813"/>
-          </a:xfrm>
-          <a:solidFill>
-            <a:schemeClr val="tx1">
-              <a:lumMod val="75000"/>
-              <a:lumOff val="25000"/>
-            </a:schemeClr>
-          </a:solidFill>
+            <a:ext cx="10515600" cy="4910608"/>
+          </a:xfrm>
         </p:spPr>
         <p:txBody>
           <a:bodyPr>
@@ -20598,133 +24176,196 @@
           </a:bodyPr>
           <a:lstStyle/>
           <a:p>
-            <a:pPr marL="0" indent="0">
+            <a:pPr lvl="1"/>
+            <a:r>
+              <a:rPr lang="en-US" dirty="0"/>
+              <a:t>Mandatory parameters:</a:t>
+            </a:r>
+            <a:r>
+              <a:rPr lang="en-US" dirty="0">
+                <a:latin typeface="Lucida Console" panose="020B0609040504020204" pitchFamily="49" charset="0"/>
+              </a:rPr>
+              <a:t>	</a:t>
+            </a:r>
+          </a:p>
+          <a:p>
+            <a:pPr lvl="2"/>
+            <a:r>
+              <a:rPr lang="en-US" dirty="0"/>
+              <a:t>script		: </a:t>
+            </a:r>
+            <a:r>
+              <a:rPr lang="en-US" sz="1600" dirty="0">
+                <a:latin typeface="Lucida Console" panose="020B0609040504020204" pitchFamily="49" charset="0"/>
+              </a:rPr>
+              <a:t>&lt;</a:t>
+            </a:r>
+            <a:r>
+              <a:rPr lang="en-US" sz="1600" dirty="0" err="1">
+                <a:latin typeface="Lucida Console" panose="020B0609040504020204" pitchFamily="49" charset="0"/>
+              </a:rPr>
+              <a:t>yourscript</a:t>
+            </a:r>
+            <a:r>
+              <a:rPr lang="en-US" sz="1600" dirty="0">
+                <a:latin typeface="Lucida Console" panose="020B0609040504020204" pitchFamily="49" charset="0"/>
+              </a:rPr>
+              <a:t>&gt;.</a:t>
+            </a:r>
+            <a:r>
+              <a:rPr lang="en-US" sz="1600" dirty="0" err="1">
+                <a:latin typeface="Lucida Console" panose="020B0609040504020204" pitchFamily="49" charset="0"/>
+              </a:rPr>
+              <a:t>sikuli</a:t>
+            </a:r>
+            <a:r>
+              <a:rPr lang="en-US" sz="1600" dirty="0">
+                <a:latin typeface="Lucida Console" panose="020B0609040504020204" pitchFamily="49" charset="0"/>
+              </a:rPr>
+              <a:t> </a:t>
+            </a:r>
+            <a:r>
+              <a:rPr lang="en-US" dirty="0"/>
+              <a:t>or </a:t>
+            </a:r>
+            <a:r>
+              <a:rPr lang="en-US" sz="1600" dirty="0">
+                <a:latin typeface="Lucida Console" panose="020B0609040504020204" pitchFamily="49" charset="0"/>
+              </a:rPr>
+              <a:t>&lt;</a:t>
+            </a:r>
+            <a:r>
+              <a:rPr lang="en-US" sz="1600" dirty="0" err="1">
+                <a:latin typeface="Lucida Console" panose="020B0609040504020204" pitchFamily="49" charset="0"/>
+              </a:rPr>
+              <a:t>yourscript</a:t>
+            </a:r>
+            <a:r>
+              <a:rPr lang="en-US" sz="1600" dirty="0">
+                <a:latin typeface="Lucida Console" panose="020B0609040504020204" pitchFamily="49" charset="0"/>
+              </a:rPr>
+              <a:t>&gt;_Sikuli.jar</a:t>
+            </a:r>
+          </a:p>
+          <a:p>
+            <a:pPr lvl="2"/>
+            <a:r>
+              <a:rPr lang="en-US" dirty="0" err="1"/>
+              <a:t>api_token</a:t>
+            </a:r>
+            <a:r>
+              <a:rPr lang="en-US" dirty="0"/>
+              <a:t>	: API v1 token with “Create and read Synthetic monitors and nodes” right</a:t>
+            </a:r>
+          </a:p>
+          <a:p>
+            <a:pPr lvl="2"/>
+            <a:r>
+              <a:rPr lang="en-US" dirty="0" err="1"/>
+              <a:t>api_url</a:t>
+            </a:r>
+            <a:r>
+              <a:rPr lang="en-US" dirty="0"/>
+              <a:t>	: </a:t>
+            </a:r>
+            <a:r>
+              <a:rPr lang="en-US" sz="1600" dirty="0">
+                <a:latin typeface="Lucida Console" panose="020B0609040504020204" pitchFamily="49" charset="0"/>
+              </a:rPr>
+              <a:t>https://&lt;tenant_id&gt;.live.dynatrace.com</a:t>
+            </a:r>
+          </a:p>
+          <a:p>
+            <a:pPr lvl="1"/>
+            <a:r>
+              <a:rPr lang="en-US" dirty="0"/>
+              <a:t>Optional parameters:</a:t>
+            </a:r>
+          </a:p>
+          <a:p>
+            <a:pPr lvl="2"/>
+            <a:r>
+              <a:rPr lang="en-US" dirty="0"/>
+              <a:t>&lt;any_name_1&gt;	: add parameters as required by your scripts</a:t>
+            </a:r>
+          </a:p>
+          <a:p>
+            <a:pPr lvl="2"/>
+            <a:r>
+              <a:rPr lang="en-US" dirty="0"/>
+              <a:t>…</a:t>
+            </a:r>
+          </a:p>
+          <a:p>
+            <a:pPr lvl="2"/>
+            <a:r>
+              <a:rPr lang="en-US" dirty="0"/>
+              <a:t>&lt;</a:t>
+            </a:r>
+            <a:r>
+              <a:rPr lang="en-US" dirty="0" err="1"/>
+              <a:t>any_name_N</a:t>
+            </a:r>
+            <a:r>
+              <a:rPr lang="en-US" dirty="0"/>
+              <a:t>&gt;: add parameters as required by your scripts</a:t>
+            </a:r>
+          </a:p>
+          <a:p>
+            <a:pPr lvl="1"/>
+            <a:r>
+              <a:rPr lang="en-US" dirty="0"/>
+              <a:t>Follow redirects</a:t>
+            </a:r>
+          </a:p>
+          <a:p>
+            <a:pPr lvl="1"/>
+            <a:r>
+              <a:rPr lang="en-US" dirty="0"/>
+              <a:t>Accept any SSL certificate</a:t>
+            </a:r>
+          </a:p>
+          <a:p>
+            <a:r>
+              <a:rPr lang="en-US" dirty="0"/>
+              <a:t>Set frequency and locations as required </a:t>
+            </a:r>
+          </a:p>
+          <a:p>
+            <a:pPr marL="457200" lvl="1" indent="0">
               <a:buNone/>
             </a:pPr>
             <a:r>
-              <a:rPr lang="en-US" sz="2400" b="0" dirty="0">
-                <a:solidFill>
-                  <a:srgbClr val="6A9955"/>
-                </a:solidFill>
-                <a:effectLst/>
-                <a:latin typeface="Consolas" panose="020B0609020204030204" pitchFamily="49" charset="0"/>
-              </a:rPr>
-              <a:t># import the Dynatrace Bridge features</a:t>
-            </a:r>
-            <a:endParaRPr lang="en-US" sz="2400" b="0" dirty="0">
-              <a:solidFill>
-                <a:srgbClr val="D4D4D4"/>
-              </a:solidFill>
-              <a:effectLst/>
-              <a:latin typeface="Consolas" panose="020B0609020204030204" pitchFamily="49" charset="0"/>
-            </a:endParaRPr>
-          </a:p>
-          <a:p>
-            <a:pPr marL="0" indent="0">
-              <a:buNone/>
-            </a:pPr>
-            <a:r>
-              <a:rPr lang="en-US" sz="2400" b="1" dirty="0">
-                <a:solidFill>
-                  <a:srgbClr val="D4D4D4"/>
-                </a:solidFill>
-                <a:effectLst/>
-                <a:latin typeface="Consolas" panose="020B0609020204030204" pitchFamily="49" charset="0"/>
-              </a:rPr>
-              <a:t>load(</a:t>
-            </a:r>
-            <a:r>
-              <a:rPr lang="en-US" sz="2400" b="1" dirty="0">
-                <a:solidFill>
-                  <a:srgbClr val="CE9178"/>
-                </a:solidFill>
-                <a:effectLst/>
-                <a:latin typeface="Consolas" panose="020B0609020204030204" pitchFamily="49" charset="0"/>
-              </a:rPr>
-              <a:t>"dtbridge_sikuli.jar"</a:t>
-            </a:r>
-            <a:r>
-              <a:rPr lang="en-US" sz="2400" b="1" dirty="0">
-                <a:solidFill>
-                  <a:srgbClr val="D4D4D4"/>
-                </a:solidFill>
-                <a:effectLst/>
-                <a:latin typeface="Consolas" panose="020B0609020204030204" pitchFamily="49" charset="0"/>
-              </a:rPr>
+              <a:rPr lang="en-US" dirty="0"/>
+              <a:t>(Synthetic </a:t>
+            </a:r>
+            <a:r>
+              <a:rPr lang="en-US" dirty="0" err="1"/>
+              <a:t>ActiveGate</a:t>
+            </a:r>
+            <a:r>
+              <a:rPr lang="en-US" dirty="0"/>
+              <a:t> that are part of chosen locations must have access to the bridge </a:t>
+            </a:r>
+            <a:r>
+              <a:rPr lang="en-US" dirty="0" err="1"/>
+              <a:t>url</a:t>
+            </a:r>
+            <a:r>
+              <a:rPr lang="en-US" dirty="0"/>
               <a:t>)</a:t>
             </a:r>
           </a:p>
           <a:p>
-            <a:pPr marL="0" indent="0">
-              <a:buNone/>
-            </a:pPr>
-            <a:r>
-              <a:rPr lang="en-US" sz="2400" b="1" dirty="0">
-                <a:solidFill>
-                  <a:srgbClr val="C586C0"/>
-                </a:solidFill>
-                <a:effectLst/>
-                <a:latin typeface="Consolas" panose="020B0609020204030204" pitchFamily="49" charset="0"/>
-              </a:rPr>
-              <a:t>from</a:t>
-            </a:r>
-            <a:r>
-              <a:rPr lang="en-US" sz="2400" b="1" dirty="0">
-                <a:solidFill>
-                  <a:srgbClr val="D4D4D4"/>
-                </a:solidFill>
-                <a:effectLst/>
-                <a:latin typeface="Consolas" panose="020B0609020204030204" pitchFamily="49" charset="0"/>
-              </a:rPr>
-              <a:t> </a:t>
-            </a:r>
-            <a:r>
-              <a:rPr lang="en-US" sz="2400" b="1" dirty="0" err="1">
-                <a:solidFill>
-                  <a:srgbClr val="D4D4D4"/>
-                </a:solidFill>
-                <a:effectLst/>
-                <a:latin typeface="Consolas" panose="020B0609020204030204" pitchFamily="49" charset="0"/>
-              </a:rPr>
-              <a:t>dtbridge</a:t>
-            </a:r>
-            <a:r>
-              <a:rPr lang="en-US" sz="2400" b="1" dirty="0">
-                <a:solidFill>
-                  <a:srgbClr val="D4D4D4"/>
-                </a:solidFill>
-                <a:effectLst/>
-                <a:latin typeface="Consolas" panose="020B0609020204030204" pitchFamily="49" charset="0"/>
-              </a:rPr>
-              <a:t> </a:t>
-            </a:r>
-            <a:r>
-              <a:rPr lang="en-US" sz="2400" b="1" dirty="0">
-                <a:solidFill>
-                  <a:srgbClr val="C586C0"/>
-                </a:solidFill>
-                <a:effectLst/>
-                <a:latin typeface="Consolas" panose="020B0609020204030204" pitchFamily="49" charset="0"/>
-              </a:rPr>
-              <a:t>import</a:t>
-            </a:r>
-            <a:r>
-              <a:rPr lang="en-US" sz="2400" b="1" dirty="0">
-                <a:solidFill>
-                  <a:srgbClr val="D4D4D4"/>
-                </a:solidFill>
-                <a:effectLst/>
-                <a:latin typeface="Consolas" panose="020B0609020204030204" pitchFamily="49" charset="0"/>
-              </a:rPr>
-              <a:t> *</a:t>
-            </a:r>
+            <a:pPr lvl="2"/>
+            <a:endParaRPr lang="en-US" dirty="0"/>
           </a:p>
         </p:txBody>
       </p:sp>
     </p:spTree>
     <p:extLst>
       <p:ext uri="{BB962C8B-B14F-4D97-AF65-F5344CB8AC3E}">
-        <p14:creationId xmlns:p14="http://schemas.microsoft.com/office/powerpoint/2010/main" val="1809923376"/>
+        <p14:creationId xmlns:p14="http://schemas.microsoft.com/office/powerpoint/2010/main" val="2510344678"/>
       </p:ext>
     </p:extLst>
   </p:cSld>
@@ -20792,7 +24433,7 @@
               <a:rPr lang="fr-FR" dirty="0"/>
               <a:t> scripts</a:t>
             </a:r>
-            <a:endParaRPr lang="en-US" dirty="0"/>
+            <a:endParaRPr lang="en-US" b="1" dirty="0"/>
           </a:p>
         </p:txBody>
       </p:sp>
@@ -20815,7 +24456,7 @@
         <p:spPr>
           <a:xfrm>
             <a:off x="838200" y="1825625"/>
-            <a:ext cx="10515600" cy="3471306"/>
+            <a:ext cx="10515600" cy="1687813"/>
           </a:xfrm>
           <a:solidFill>
             <a:schemeClr val="tx1">
@@ -20841,7 +24482,7 @@
                 <a:effectLst/>
                 <a:latin typeface="Consolas" panose="020B0609020204030204" pitchFamily="49" charset="0"/>
               </a:rPr>
-              <a:t># subdivide you script with 1 function per step</a:t>
+              <a:t># import the Dynatrace Bridge features</a:t>
             </a:r>
             <a:endParaRPr lang="en-US" sz="2400" b="0" dirty="0">
               <a:solidFill>
@@ -20858,61 +24499,32 @@
             <a:r>
               <a:rPr lang="en-US" sz="2400" b="1" dirty="0">
                 <a:solidFill>
-                  <a:srgbClr val="569CD6"/>
-                </a:solidFill>
-                <a:effectLst/>
-                <a:latin typeface="Consolas" panose="020B0609020204030204" pitchFamily="49" charset="0"/>
-              </a:rPr>
-              <a:t>def</a:t>
+                  <a:srgbClr val="D4D4D4"/>
+                </a:solidFill>
+                <a:effectLst/>
+                <a:latin typeface="Consolas" panose="020B0609020204030204" pitchFamily="49" charset="0"/>
+              </a:rPr>
+              <a:t>load(</a:t>
             </a:r>
             <a:r>
               <a:rPr lang="en-US" sz="2400" b="1" dirty="0">
                 <a:solidFill>
+                  <a:srgbClr val="CE9178"/>
+                </a:solidFill>
+                <a:effectLst/>
+                <a:latin typeface="Consolas" panose="020B0609020204030204" pitchFamily="49" charset="0"/>
+              </a:rPr>
+              <a:t>"dtbridge_sikuli.jar"</a:t>
+            </a:r>
+            <a:r>
+              <a:rPr lang="en-US" sz="2400" b="1" dirty="0">
+                <a:solidFill>
                   <a:srgbClr val="D4D4D4"/>
                 </a:solidFill>
                 <a:effectLst/>
                 <a:latin typeface="Consolas" panose="020B0609020204030204" pitchFamily="49" charset="0"/>
               </a:rPr>
-              <a:t> </a:t>
-            </a:r>
-            <a:r>
-              <a:rPr lang="en-US" sz="2400" b="1" dirty="0" err="1">
-                <a:solidFill>
-                  <a:srgbClr val="DCDCAA"/>
-                </a:solidFill>
-                <a:latin typeface="Consolas" panose="020B0609020204030204" pitchFamily="49" charset="0"/>
-              </a:rPr>
-              <a:t>my_first_step</a:t>
-            </a:r>
-            <a:r>
-              <a:rPr lang="en-US" sz="2400" b="1" dirty="0">
-                <a:solidFill>
-                  <a:srgbClr val="D4D4D4"/>
-                </a:solidFill>
-                <a:effectLst/>
-                <a:latin typeface="Consolas" panose="020B0609020204030204" pitchFamily="49" charset="0"/>
-              </a:rPr>
-              <a:t>(</a:t>
-            </a:r>
-            <a:r>
-              <a:rPr lang="en-US" sz="2400" dirty="0">
-                <a:solidFill>
-                  <a:srgbClr val="D4D4D4"/>
-                </a:solidFill>
-                <a:effectLst/>
-                <a:latin typeface="Consolas" panose="020B0609020204030204" pitchFamily="49" charset="0"/>
-              </a:rPr>
-              <a:t>param</a:t>
-            </a:r>
-            <a:r>
-              <a:rPr lang="en-US" sz="2400" b="1" dirty="0">
-                <a:solidFill>
-                  <a:srgbClr val="D4D4D4"/>
-                </a:solidFill>
-                <a:effectLst/>
-                <a:latin typeface="Consolas" panose="020B0609020204030204" pitchFamily="49" charset="0"/>
-              </a:rPr>
-              <a:t>):</a:t>
+              <a:t>)</a:t>
             </a:r>
           </a:p>
           <a:p>
@@ -20920,234 +24532,64 @@
               <a:buNone/>
             </a:pPr>
             <a:r>
-              <a:rPr lang="en-US" sz="2400" b="0" dirty="0">
+              <a:rPr lang="en-US" sz="2400" b="1" dirty="0">
+                <a:solidFill>
+                  <a:srgbClr val="C586C0"/>
+                </a:solidFill>
+                <a:effectLst/>
+                <a:latin typeface="Consolas" panose="020B0609020204030204" pitchFamily="49" charset="0"/>
+              </a:rPr>
+              <a:t>from</a:t>
+            </a:r>
+            <a:r>
+              <a:rPr lang="en-US" sz="2400" b="1" dirty="0">
                 <a:solidFill>
                   <a:srgbClr val="D4D4D4"/>
                 </a:solidFill>
                 <a:effectLst/>
                 <a:latin typeface="Consolas" panose="020B0609020204030204" pitchFamily="49" charset="0"/>
               </a:rPr>
-              <a:t>    click(</a:t>
-            </a:r>
-            <a:r>
-              <a:rPr lang="en-US" sz="2400" b="0" dirty="0">
-                <a:solidFill>
-                  <a:srgbClr val="CE9178"/>
-                </a:solidFill>
-                <a:effectLst/>
-                <a:latin typeface="Consolas" panose="020B0609020204030204" pitchFamily="49" charset="0"/>
-              </a:rPr>
-              <a:t>“some_image.png"</a:t>
-            </a:r>
-            <a:r>
-              <a:rPr lang="en-US" sz="2400" b="0" dirty="0">
+              <a:t> </a:t>
+            </a:r>
+            <a:r>
+              <a:rPr lang="en-US" sz="2400" b="1" dirty="0" err="1">
                 <a:solidFill>
                   <a:srgbClr val="D4D4D4"/>
                 </a:solidFill>
                 <a:effectLst/>
                 <a:latin typeface="Consolas" panose="020B0609020204030204" pitchFamily="49" charset="0"/>
               </a:rPr>
-              <a:t>)</a:t>
-            </a:r>
-          </a:p>
-          <a:p>
-            <a:pPr marL="0" indent="0">
-              <a:buNone/>
-            </a:pPr>
-            <a:r>
-              <a:rPr lang="en-US" sz="2400" b="0" dirty="0">
+              <a:t>dtbridge</a:t>
+            </a:r>
+            <a:r>
+              <a:rPr lang="en-US" sz="2400" b="1" dirty="0">
                 <a:solidFill>
                   <a:srgbClr val="D4D4D4"/>
                 </a:solidFill>
                 <a:effectLst/>
                 <a:latin typeface="Consolas" panose="020B0609020204030204" pitchFamily="49" charset="0"/>
               </a:rPr>
-              <a:t>    </a:t>
-            </a:r>
-            <a:r>
-              <a:rPr lang="en-US" sz="2400" b="0" dirty="0">
+              <a:t> </a:t>
+            </a:r>
+            <a:r>
+              <a:rPr lang="en-US" sz="2400" b="1" dirty="0">
                 <a:solidFill>
                   <a:srgbClr val="C586C0"/>
                 </a:solidFill>
                 <a:effectLst/>
                 <a:latin typeface="Consolas" panose="020B0609020204030204" pitchFamily="49" charset="0"/>
               </a:rPr>
-              <a:t>if</a:t>
-            </a:r>
-            <a:r>
-              <a:rPr lang="en-US" sz="2400" b="0" dirty="0">
+              <a:t>import</a:t>
+            </a:r>
+            <a:r>
+              <a:rPr lang="en-US" sz="2400" b="1" dirty="0">
                 <a:solidFill>
                   <a:srgbClr val="D4D4D4"/>
                 </a:solidFill>
                 <a:effectLst/>
                 <a:latin typeface="Consolas" panose="020B0609020204030204" pitchFamily="49" charset="0"/>
               </a:rPr>
-              <a:t>(find(</a:t>
-            </a:r>
-            <a:r>
-              <a:rPr lang="en-US" sz="2400" b="0" dirty="0">
-                <a:solidFill>
-                  <a:srgbClr val="CE9178"/>
-                </a:solidFill>
-                <a:effectLst/>
-                <a:latin typeface="Consolas" panose="020B0609020204030204" pitchFamily="49" charset="0"/>
-              </a:rPr>
-              <a:t>"expected_result.png"</a:t>
-            </a:r>
-            <a:r>
-              <a:rPr lang="en-US" sz="2400" b="0" dirty="0">
-                <a:solidFill>
-                  <a:srgbClr val="D4D4D4"/>
-                </a:solidFill>
-                <a:effectLst/>
-                <a:latin typeface="Consolas" panose="020B0609020204030204" pitchFamily="49" charset="0"/>
-              </a:rPr>
-              <a:t>)):</a:t>
-            </a:r>
-          </a:p>
-          <a:p>
-            <a:pPr marL="0" indent="0">
-              <a:buNone/>
-            </a:pPr>
-            <a:r>
-              <a:rPr lang="en-US" sz="2400" b="0" dirty="0">
-                <a:solidFill>
-                  <a:srgbClr val="D4D4D4"/>
-                </a:solidFill>
-                <a:effectLst/>
-                <a:latin typeface="Consolas" panose="020B0609020204030204" pitchFamily="49" charset="0"/>
-              </a:rPr>
-              <a:t>        </a:t>
-            </a:r>
-            <a:r>
-              <a:rPr lang="en-US" sz="2400" b="0" dirty="0">
-                <a:solidFill>
-                  <a:srgbClr val="DCDCAA"/>
-                </a:solidFill>
-                <a:effectLst/>
-                <a:latin typeface="Consolas" panose="020B0609020204030204" pitchFamily="49" charset="0"/>
-              </a:rPr>
-              <a:t>type</a:t>
-            </a:r>
-            <a:r>
-              <a:rPr lang="en-US" sz="2400" b="0" dirty="0">
-                <a:solidFill>
-                  <a:srgbClr val="D4D4D4"/>
-                </a:solidFill>
-                <a:effectLst/>
-                <a:latin typeface="Consolas" panose="020B0609020204030204" pitchFamily="49" charset="0"/>
-              </a:rPr>
-              <a:t>(</a:t>
-            </a:r>
-            <a:r>
-              <a:rPr lang="en-US" sz="2400" dirty="0">
-                <a:solidFill>
-                  <a:srgbClr val="D4D4D4"/>
-                </a:solidFill>
-                <a:effectLst/>
-                <a:latin typeface="Consolas" panose="020B0609020204030204" pitchFamily="49" charset="0"/>
-              </a:rPr>
-              <a:t>param</a:t>
-            </a:r>
-            <a:r>
-              <a:rPr lang="en-US" sz="2400" b="0" dirty="0">
-                <a:solidFill>
-                  <a:srgbClr val="D4D4D4"/>
-                </a:solidFill>
-                <a:effectLst/>
-                <a:latin typeface="Consolas" panose="020B0609020204030204" pitchFamily="49" charset="0"/>
-              </a:rPr>
-              <a:t>)</a:t>
-            </a:r>
-          </a:p>
-          <a:p>
-            <a:pPr marL="0" indent="0">
-              <a:buNone/>
-            </a:pPr>
-            <a:r>
-              <a:rPr lang="en-US" sz="2400" b="0" dirty="0">
-                <a:solidFill>
-                  <a:srgbClr val="D4D4D4"/>
-                </a:solidFill>
-                <a:effectLst/>
-                <a:latin typeface="Consolas" panose="020B0609020204030204" pitchFamily="49" charset="0"/>
-              </a:rPr>
-              <a:t>    </a:t>
-            </a:r>
-            <a:r>
-              <a:rPr lang="en-US" sz="2400" b="0" dirty="0">
-                <a:solidFill>
-                  <a:srgbClr val="C586C0"/>
-                </a:solidFill>
-                <a:effectLst/>
-                <a:latin typeface="Consolas" panose="020B0609020204030204" pitchFamily="49" charset="0"/>
-              </a:rPr>
-              <a:t>else</a:t>
-            </a:r>
-            <a:r>
-              <a:rPr lang="en-US" sz="2400" b="0" dirty="0">
-                <a:solidFill>
-                  <a:srgbClr val="D4D4D4"/>
-                </a:solidFill>
-                <a:effectLst/>
-                <a:latin typeface="Consolas" panose="020B0609020204030204" pitchFamily="49" charset="0"/>
-              </a:rPr>
-              <a:t>:</a:t>
-            </a:r>
-          </a:p>
-          <a:p>
-            <a:pPr marL="0" indent="0">
-              <a:buNone/>
-            </a:pPr>
-            <a:r>
-              <a:rPr lang="en-US" sz="2400" b="0" dirty="0">
-                <a:solidFill>
-                  <a:srgbClr val="D4D4D4"/>
-                </a:solidFill>
-                <a:effectLst/>
-                <a:latin typeface="Consolas" panose="020B0609020204030204" pitchFamily="49" charset="0"/>
-              </a:rPr>
-              <a:t>        </a:t>
-            </a:r>
-            <a:r>
-              <a:rPr lang="en-US" sz="2400" b="0" dirty="0">
-                <a:solidFill>
-                  <a:srgbClr val="DCDCAA"/>
-                </a:solidFill>
-                <a:effectLst/>
-                <a:latin typeface="Consolas" panose="020B0609020204030204" pitchFamily="49" charset="0"/>
-              </a:rPr>
-              <a:t>print</a:t>
-            </a:r>
-            <a:r>
-              <a:rPr lang="en-US" sz="2400" b="0" dirty="0">
-                <a:solidFill>
-                  <a:srgbClr val="D4D4D4"/>
-                </a:solidFill>
-                <a:effectLst/>
-                <a:latin typeface="Consolas" panose="020B0609020204030204" pitchFamily="49" charset="0"/>
-              </a:rPr>
-              <a:t>(</a:t>
-            </a:r>
-            <a:r>
-              <a:rPr lang="en-US" sz="2400" b="0" dirty="0">
-                <a:solidFill>
-                  <a:srgbClr val="CE9178"/>
-                </a:solidFill>
-                <a:effectLst/>
-                <a:latin typeface="Consolas" panose="020B0609020204030204" pitchFamily="49" charset="0"/>
-              </a:rPr>
-              <a:t>"Error"</a:t>
-            </a:r>
-            <a:r>
-              <a:rPr lang="en-US" sz="2400" b="0" dirty="0">
-                <a:solidFill>
-                  <a:srgbClr val="D4D4D4"/>
-                </a:solidFill>
-                <a:effectLst/>
-                <a:latin typeface="Consolas" panose="020B0609020204030204" pitchFamily="49" charset="0"/>
-              </a:rPr>
-              <a:t>)</a:t>
+              <a:t> *</a:t>
             </a:r>
           </a:p>
         </p:txBody>
@@ -21155,7 +24597,7 @@
     </p:spTree>
     <p:extLst>
       <p:ext uri="{BB962C8B-B14F-4D97-AF65-F5344CB8AC3E}">
-        <p14:creationId xmlns:p14="http://schemas.microsoft.com/office/powerpoint/2010/main" val="2630057502"/>
+        <p14:creationId xmlns:p14="http://schemas.microsoft.com/office/powerpoint/2010/main" val="1809923376"/>
       </p:ext>
     </p:extLst>
   </p:cSld>

--- a/documentation/dt_sikulix_bridge.pptx
+++ b/documentation/dt_sikulix_bridge.pptx
@@ -7265,13 +7265,8 @@
             </a:r>
             <a:r>
               <a:rPr lang="fr-FR" sz="1200" dirty="0"/>
-              <a:t> </a:t>
-            </a:r>
-            <a:r>
-              <a:rPr lang="fr-FR" sz="1200"/>
-              <a:t>on Windows or Linux</a:t>
-            </a:r>
-            <a:endParaRPr lang="fr-FR" sz="1200" dirty="0"/>
+              <a:t> on Windows or Linux</a:t>
+            </a:r>
           </a:p>
           <a:p>
             <a:pPr marL="171450" indent="-171450">

--- a/documentation/dt_sikulix_bridge.pptx
+++ b/documentation/dt_sikulix_bridge.pptx
@@ -213,7 +213,7 @@
           <a:p>
             <a:fld id="{A4761C98-4F3D-4D1D-A3DD-F7848427C078}" type="datetimeFigureOut">
               <a:rPr lang="en-US" smtClean="0"/>
-              <a:t>1/4/2022</a:t>
+              <a:t>2/2/2022</a:t>
             </a:fld>
             <a:endParaRPr lang="en-US"/>
           </a:p>
@@ -2319,7 +2319,7 @@
           <a:p>
             <a:fld id="{B04548AE-6E53-402B-8699-B7DEACF5B1AA}" type="datetimeFigureOut">
               <a:rPr lang="en-US" smtClean="0"/>
-              <a:t>1/4/2022</a:t>
+              <a:t>2/2/2022</a:t>
             </a:fld>
             <a:endParaRPr lang="en-US"/>
           </a:p>
@@ -2517,7 +2517,7 @@
           <a:p>
             <a:fld id="{B04548AE-6E53-402B-8699-B7DEACF5B1AA}" type="datetimeFigureOut">
               <a:rPr lang="en-US" smtClean="0"/>
-              <a:t>1/4/2022</a:t>
+              <a:t>2/2/2022</a:t>
             </a:fld>
             <a:endParaRPr lang="en-US"/>
           </a:p>
@@ -2725,7 +2725,7 @@
           <a:p>
             <a:fld id="{B04548AE-6E53-402B-8699-B7DEACF5B1AA}" type="datetimeFigureOut">
               <a:rPr lang="en-US" smtClean="0"/>
-              <a:t>1/4/2022</a:t>
+              <a:t>2/2/2022</a:t>
             </a:fld>
             <a:endParaRPr lang="en-US"/>
           </a:p>
@@ -2923,7 +2923,7 @@
           <a:p>
             <a:fld id="{B04548AE-6E53-402B-8699-B7DEACF5B1AA}" type="datetimeFigureOut">
               <a:rPr lang="en-US" smtClean="0"/>
-              <a:t>1/4/2022</a:t>
+              <a:t>2/2/2022</a:t>
             </a:fld>
             <a:endParaRPr lang="en-US"/>
           </a:p>
@@ -3198,7 +3198,7 @@
           <a:p>
             <a:fld id="{B04548AE-6E53-402B-8699-B7DEACF5B1AA}" type="datetimeFigureOut">
               <a:rPr lang="en-US" smtClean="0"/>
-              <a:t>1/4/2022</a:t>
+              <a:t>2/2/2022</a:t>
             </a:fld>
             <a:endParaRPr lang="en-US"/>
           </a:p>
@@ -3463,7 +3463,7 @@
           <a:p>
             <a:fld id="{B04548AE-6E53-402B-8699-B7DEACF5B1AA}" type="datetimeFigureOut">
               <a:rPr lang="en-US" smtClean="0"/>
-              <a:t>1/4/2022</a:t>
+              <a:t>2/2/2022</a:t>
             </a:fld>
             <a:endParaRPr lang="en-US"/>
           </a:p>
@@ -3875,7 +3875,7 @@
           <a:p>
             <a:fld id="{B04548AE-6E53-402B-8699-B7DEACF5B1AA}" type="datetimeFigureOut">
               <a:rPr lang="en-US" smtClean="0"/>
-              <a:t>1/4/2022</a:t>
+              <a:t>2/2/2022</a:t>
             </a:fld>
             <a:endParaRPr lang="en-US"/>
           </a:p>
@@ -4016,7 +4016,7 @@
           <a:p>
             <a:fld id="{B04548AE-6E53-402B-8699-B7DEACF5B1AA}" type="datetimeFigureOut">
               <a:rPr lang="en-US" smtClean="0"/>
-              <a:t>1/4/2022</a:t>
+              <a:t>2/2/2022</a:t>
             </a:fld>
             <a:endParaRPr lang="en-US"/>
           </a:p>
@@ -4129,7 +4129,7 @@
           <a:p>
             <a:fld id="{B04548AE-6E53-402B-8699-B7DEACF5B1AA}" type="datetimeFigureOut">
               <a:rPr lang="en-US" smtClean="0"/>
-              <a:t>1/4/2022</a:t>
+              <a:t>2/2/2022</a:t>
             </a:fld>
             <a:endParaRPr lang="en-US"/>
           </a:p>
@@ -4440,7 +4440,7 @@
           <a:p>
             <a:fld id="{B04548AE-6E53-402B-8699-B7DEACF5B1AA}" type="datetimeFigureOut">
               <a:rPr lang="en-US" smtClean="0"/>
-              <a:t>1/4/2022</a:t>
+              <a:t>2/2/2022</a:t>
             </a:fld>
             <a:endParaRPr lang="en-US"/>
           </a:p>
@@ -4728,7 +4728,7 @@
           <a:p>
             <a:fld id="{B04548AE-6E53-402B-8699-B7DEACF5B1AA}" type="datetimeFigureOut">
               <a:rPr lang="en-US" smtClean="0"/>
-              <a:t>1/4/2022</a:t>
+              <a:t>2/2/2022</a:t>
             </a:fld>
             <a:endParaRPr lang="en-US"/>
           </a:p>
@@ -4969,7 +4969,7 @@
           <a:p>
             <a:fld id="{B04548AE-6E53-402B-8699-B7DEACF5B1AA}" type="datetimeFigureOut">
               <a:rPr lang="en-US" smtClean="0"/>
-              <a:t>1/4/2022</a:t>
+              <a:t>2/2/2022</a:t>
             </a:fld>
             <a:endParaRPr lang="en-US"/>
           </a:p>
@@ -5471,7 +5471,7 @@
           <a:noFill/>
           <a:extLst>
             <a:ext uri="{909E8E84-426E-40dd-AFC4-6F175D3DCCD1}">
-              <a14:hiddenFill xmlns:a14="http://schemas.microsoft.com/office/drawing/2010/main" xmlns="">
+              <a14:hiddenFill xmlns="" xmlns:a14="http://schemas.microsoft.com/office/drawing/2010/main">
                 <a:solidFill>
                   <a:srgbClr val="FFFFFF"/>
                 </a:solidFill>
@@ -5655,7 +5655,7 @@
           <a:noFill/>
           <a:extLst>
             <a:ext uri="{909E8E84-426E-40dd-AFC4-6F175D3DCCD1}">
-              <a14:hiddenFill xmlns:a14="http://schemas.microsoft.com/office/drawing/2010/main" xmlns="">
+              <a14:hiddenFill xmlns="" xmlns:a14="http://schemas.microsoft.com/office/drawing/2010/main">
                 <a:solidFill>
                   <a:srgbClr val="FFFFFF"/>
                 </a:solidFill>
@@ -6001,7 +6001,7 @@
           <a:noFill/>
           <a:extLst>
             <a:ext uri="{909E8E84-426E-40dd-AFC4-6F175D3DCCD1}">
-              <a14:hiddenFill xmlns:a14="http://schemas.microsoft.com/office/drawing/2010/main" xmlns="">
+              <a14:hiddenFill xmlns="" xmlns:a14="http://schemas.microsoft.com/office/drawing/2010/main">
                 <a:solidFill>
                   <a:srgbClr val="FFFFFF"/>
                 </a:solidFill>
@@ -6128,7 +6128,7 @@
           <a:noFill/>
           <a:extLst>
             <a:ext uri="{909E8E84-426E-40dd-AFC4-6F175D3DCCD1}">
-              <a14:hiddenFill xmlns:a14="http://schemas.microsoft.com/office/drawing/2010/main" xmlns="">
+              <a14:hiddenFill xmlns="" xmlns:a14="http://schemas.microsoft.com/office/drawing/2010/main">
                 <a:solidFill>
                   <a:srgbClr val="FFFFFF"/>
                 </a:solidFill>
@@ -7086,7 +7086,7 @@
         <p:spPr>
           <a:xfrm>
             <a:off x="7497580" y="3513701"/>
-            <a:ext cx="4586306" cy="3046988"/>
+            <a:ext cx="4586306" cy="2492990"/>
           </a:xfrm>
           <a:prstGeom prst="rect">
             <a:avLst/>
@@ -7453,61 +7453,36 @@
             </a:pPr>
             <a:r>
               <a:rPr lang="fr-FR" sz="1200" dirty="0"/>
-              <a:t>No « black screen » </a:t>
+              <a:t>No « black screen » issue (as </a:t>
             </a:r>
             <a:r>
               <a:rPr lang="fr-FR" sz="1200" dirty="0" err="1"/>
-              <a:t>problem</a:t>
-            </a:r>
-            <a:endParaRPr lang="fr-FR" sz="1200" dirty="0"/>
-          </a:p>
-          <a:p>
+              <a:t>previously</a:t>
+            </a:r>
+            <a:r>
+              <a:rPr lang="fr-FR" sz="1200"/>
+              <a:t> seen</a:t>
+            </a:r>
             <a:r>
               <a:rPr lang="fr-FR" sz="1200" dirty="0"/>
-              <a:t>Cons</a:t>
-            </a:r>
-          </a:p>
-          <a:p>
-            <a:pPr marL="171450" indent="-171450">
-              <a:buFontTx/>
-              <a:buChar char="-"/>
-            </a:pPr>
+              <a:t> </a:t>
+            </a:r>
+            <a:r>
+              <a:rPr lang="fr-FR" sz="1200" dirty="0" err="1"/>
+              <a:t>when</a:t>
+            </a:r>
             <a:r>
               <a:rPr lang="fr-FR" sz="1200" dirty="0"/>
-              <a:t>1 HTTP monitor for </a:t>
+              <a:t> </a:t>
             </a:r>
             <a:r>
               <a:rPr lang="fr-FR" sz="1200" dirty="0" err="1"/>
-              <a:t>scheduling</a:t>
+              <a:t>using</a:t>
             </a:r>
             <a:r>
               <a:rPr lang="fr-FR" sz="1200" dirty="0"/>
-              <a:t> and 1 </a:t>
-            </a:r>
-            <a:r>
-              <a:rPr lang="fr-FR" sz="1200" dirty="0" err="1"/>
-              <a:t>third</a:t>
-            </a:r>
-            <a:r>
-              <a:rPr lang="fr-FR" sz="1200" dirty="0"/>
-              <a:t> party monitor for </a:t>
-            </a:r>
-            <a:r>
-              <a:rPr lang="fr-FR" sz="1200" dirty="0" err="1"/>
-              <a:t>results</a:t>
-            </a:r>
-            <a:endParaRPr lang="fr-FR" sz="1200" dirty="0"/>
-          </a:p>
-          <a:p>
-            <a:pPr marL="171450" indent="-171450">
-              <a:buFontTx/>
-              <a:buChar char="-"/>
-            </a:pPr>
-            <a:r>
-              <a:rPr lang="fr-FR" sz="1200" dirty="0"/>
-              <a:t> More ports to open</a:t>
-            </a:r>
-            <a:endParaRPr lang="en-US" sz="1200" dirty="0"/>
+              <a:t> RDP)</a:t>
+            </a:r>
           </a:p>
         </p:txBody>
       </p:sp>
@@ -7786,7 +7761,7 @@
           <a:noFill/>
           <a:extLst>
             <a:ext uri="{909E8E84-426E-40dd-AFC4-6F175D3DCCD1}">
-              <a14:hiddenFill xmlns:a14="http://schemas.microsoft.com/office/drawing/2010/main" xmlns="">
+              <a14:hiddenFill xmlns="" xmlns:a14="http://schemas.microsoft.com/office/drawing/2010/main">
                 <a:solidFill>
                   <a:srgbClr val="FFFFFF"/>
                 </a:solidFill>
@@ -12453,7 +12428,7 @@
           <a:noFill/>
           <a:extLst>
             <a:ext uri="{909E8E84-426E-40dd-AFC4-6F175D3DCCD1}">
-              <a14:hiddenFill xmlns:a14="http://schemas.microsoft.com/office/drawing/2010/main" xmlns="">
+              <a14:hiddenFill xmlns="" xmlns:a14="http://schemas.microsoft.com/office/drawing/2010/main">
                 <a:solidFill>
                   <a:srgbClr val="FFFFFF"/>
                 </a:solidFill>
@@ -12905,7 +12880,7 @@
           <a:noFill/>
           <a:extLst>
             <a:ext uri="{909E8E84-426E-40dd-AFC4-6F175D3DCCD1}">
-              <a14:hiddenFill xmlns:a14="http://schemas.microsoft.com/office/drawing/2010/main" xmlns="">
+              <a14:hiddenFill xmlns="" xmlns:a14="http://schemas.microsoft.com/office/drawing/2010/main">
                 <a:solidFill>
                   <a:srgbClr val="FFFFFF"/>
                 </a:solidFill>
@@ -13418,7 +13393,7 @@
           <a:noFill/>
           <a:extLst>
             <a:ext uri="{909E8E84-426E-40dd-AFC4-6F175D3DCCD1}">
-              <a14:hiddenFill xmlns:a14="http://schemas.microsoft.com/office/drawing/2010/main" xmlns="">
+              <a14:hiddenFill xmlns="" xmlns:a14="http://schemas.microsoft.com/office/drawing/2010/main">
                 <a:solidFill>
                   <a:srgbClr val="FFFFFF"/>
                 </a:solidFill>
@@ -13764,7 +13739,7 @@
           <a:noFill/>
           <a:extLst>
             <a:ext uri="{909E8E84-426E-40dd-AFC4-6F175D3DCCD1}">
-              <a14:hiddenFill xmlns:a14="http://schemas.microsoft.com/office/drawing/2010/main" xmlns="">
+              <a14:hiddenFill xmlns="" xmlns:a14="http://schemas.microsoft.com/office/drawing/2010/main">
                 <a:solidFill>
                   <a:srgbClr val="FFFFFF"/>
                 </a:solidFill>
@@ -13891,7 +13866,7 @@
           <a:noFill/>
           <a:extLst>
             <a:ext uri="{909E8E84-426E-40dd-AFC4-6F175D3DCCD1}">
-              <a14:hiddenFill xmlns:a14="http://schemas.microsoft.com/office/drawing/2010/main" xmlns="">
+              <a14:hiddenFill xmlns="" xmlns:a14="http://schemas.microsoft.com/office/drawing/2010/main">
                 <a:solidFill>
                   <a:srgbClr val="FFFFFF"/>
                 </a:solidFill>
@@ -14755,7 +14730,7 @@
           <a:noFill/>
           <a:extLst>
             <a:ext uri="{909E8E84-426E-40dd-AFC4-6F175D3DCCD1}">
-              <a14:hiddenFill xmlns:a14="http://schemas.microsoft.com/office/drawing/2010/main" xmlns="">
+              <a14:hiddenFill xmlns="" xmlns:a14="http://schemas.microsoft.com/office/drawing/2010/main">
                 <a:solidFill>
                   <a:srgbClr val="FFFFFF"/>
                 </a:solidFill>
@@ -15295,7 +15270,7 @@
           <a:noFill/>
           <a:extLst>
             <a:ext uri="{909E8E84-426E-40dd-AFC4-6F175D3DCCD1}">
-              <a14:hiddenFill xmlns:a14="http://schemas.microsoft.com/office/drawing/2010/main" xmlns="">
+              <a14:hiddenFill xmlns="" xmlns:a14="http://schemas.microsoft.com/office/drawing/2010/main">
                 <a:solidFill>
                   <a:srgbClr val="FFFFFF"/>
                 </a:solidFill>
@@ -15604,7 +15579,7 @@
           <a:noFill/>
           <a:extLst>
             <a:ext uri="{909E8E84-426E-40dd-AFC4-6F175D3DCCD1}">
-              <a14:hiddenFill xmlns:a14="http://schemas.microsoft.com/office/drawing/2010/main" xmlns="">
+              <a14:hiddenFill xmlns="" xmlns:a14="http://schemas.microsoft.com/office/drawing/2010/main">
                 <a:solidFill>
                   <a:srgbClr val="FFFFFF"/>
                 </a:solidFill>
@@ -15950,7 +15925,7 @@
           <a:noFill/>
           <a:extLst>
             <a:ext uri="{909E8E84-426E-40dd-AFC4-6F175D3DCCD1}">
-              <a14:hiddenFill xmlns:a14="http://schemas.microsoft.com/office/drawing/2010/main" xmlns="">
+              <a14:hiddenFill xmlns="" xmlns:a14="http://schemas.microsoft.com/office/drawing/2010/main">
                 <a:solidFill>
                   <a:srgbClr val="FFFFFF"/>
                 </a:solidFill>
@@ -16077,7 +16052,7 @@
           <a:noFill/>
           <a:extLst>
             <a:ext uri="{909E8E84-426E-40dd-AFC4-6F175D3DCCD1}">
-              <a14:hiddenFill xmlns:a14="http://schemas.microsoft.com/office/drawing/2010/main" xmlns="">
+              <a14:hiddenFill xmlns="" xmlns:a14="http://schemas.microsoft.com/office/drawing/2010/main">
                 <a:solidFill>
                   <a:srgbClr val="FFFFFF"/>
                 </a:solidFill>
@@ -16988,7 +16963,7 @@
           <a:noFill/>
           <a:extLst>
             <a:ext uri="{909E8E84-426E-40dd-AFC4-6F175D3DCCD1}">
-              <a14:hiddenFill xmlns:a14="http://schemas.microsoft.com/office/drawing/2010/main" xmlns="">
+              <a14:hiddenFill xmlns="" xmlns:a14="http://schemas.microsoft.com/office/drawing/2010/main">
                 <a:solidFill>
                   <a:srgbClr val="FFFFFF"/>
                 </a:solidFill>
@@ -17172,7 +17147,7 @@
           <a:noFill/>
           <a:extLst>
             <a:ext uri="{909E8E84-426E-40dd-AFC4-6F175D3DCCD1}">
-              <a14:hiddenFill xmlns:a14="http://schemas.microsoft.com/office/drawing/2010/main" xmlns="">
+              <a14:hiddenFill xmlns="" xmlns:a14="http://schemas.microsoft.com/office/drawing/2010/main">
                 <a:solidFill>
                   <a:srgbClr val="FFFFFF"/>
                 </a:solidFill>
@@ -17518,7 +17493,7 @@
           <a:noFill/>
           <a:extLst>
             <a:ext uri="{909E8E84-426E-40dd-AFC4-6F175D3DCCD1}">
-              <a14:hiddenFill xmlns:a14="http://schemas.microsoft.com/office/drawing/2010/main" xmlns="">
+              <a14:hiddenFill xmlns="" xmlns:a14="http://schemas.microsoft.com/office/drawing/2010/main">
                 <a:solidFill>
                   <a:srgbClr val="FFFFFF"/>
                 </a:solidFill>
@@ -17645,7 +17620,7 @@
           <a:noFill/>
           <a:extLst>
             <a:ext uri="{909E8E84-426E-40dd-AFC4-6F175D3DCCD1}">
-              <a14:hiddenFill xmlns:a14="http://schemas.microsoft.com/office/drawing/2010/main" xmlns="">
+              <a14:hiddenFill xmlns="" xmlns:a14="http://schemas.microsoft.com/office/drawing/2010/main">
                 <a:solidFill>
                   <a:srgbClr val="FFFFFF"/>
                 </a:solidFill>
@@ -18727,7 +18702,7 @@
           <a:noFill/>
           <a:extLst>
             <a:ext uri="{909E8E84-426E-40dd-AFC4-6F175D3DCCD1}">
-              <a14:hiddenFill xmlns:a14="http://schemas.microsoft.com/office/drawing/2010/main" xmlns="">
+              <a14:hiddenFill xmlns="" xmlns:a14="http://schemas.microsoft.com/office/drawing/2010/main">
                 <a:solidFill>
                   <a:srgbClr val="FFFFFF"/>
                 </a:solidFill>
@@ -21271,7 +21246,7 @@
           <a:noFill/>
           <a:extLst>
             <a:ext uri="{909E8E84-426E-40dd-AFC4-6F175D3DCCD1}">
-              <a14:hiddenFill xmlns="" xmlns:a14="http://schemas.microsoft.com/office/drawing/2010/main">
+              <a14:hiddenFill xmlns:a14="http://schemas.microsoft.com/office/drawing/2010/main" xmlns="">
                 <a:solidFill>
                   <a:srgbClr val="FFFFFF"/>
                 </a:solidFill>
@@ -21659,7 +21634,7 @@
           <a:noFill/>
           <a:extLst>
             <a:ext uri="{909E8E84-426E-40dd-AFC4-6F175D3DCCD1}">
-              <a14:hiddenFill xmlns="" xmlns:a14="http://schemas.microsoft.com/office/drawing/2010/main">
+              <a14:hiddenFill xmlns:a14="http://schemas.microsoft.com/office/drawing/2010/main" xmlns="">
                 <a:solidFill>
                   <a:srgbClr val="FFFFFF"/>
                 </a:solidFill>
@@ -22335,7 +22310,7 @@
           <a:noFill/>
           <a:extLst>
             <a:ext uri="{909E8E84-426E-40dd-AFC4-6F175D3DCCD1}">
-              <a14:hiddenFill xmlns="" xmlns:a14="http://schemas.microsoft.com/office/drawing/2010/main">
+              <a14:hiddenFill xmlns:a14="http://schemas.microsoft.com/office/drawing/2010/main" xmlns="">
                 <a:solidFill>
                   <a:srgbClr val="FFFFFF"/>
                 </a:solidFill>
@@ -22728,7 +22703,7 @@
           <a:noFill/>
           <a:extLst>
             <a:ext uri="{909E8E84-426E-40dd-AFC4-6F175D3DCCD1}">
-              <a14:hiddenFill xmlns="" xmlns:a14="http://schemas.microsoft.com/office/drawing/2010/main">
+              <a14:hiddenFill xmlns:a14="http://schemas.microsoft.com/office/drawing/2010/main" xmlns="">
                 <a:solidFill>
                   <a:srgbClr val="FFFFFF"/>
                 </a:solidFill>
